--- a/Event/Lateralization.pptx
+++ b/Event/Lateralization.pptx
@@ -22,9 +22,9 @@
     <p:sldId id="409" r:id="rId13"/>
     <p:sldId id="408" r:id="rId14"/>
     <p:sldId id="401" r:id="rId15"/>
-    <p:sldId id="387" r:id="rId16"/>
-    <p:sldId id="303" r:id="rId17"/>
-    <p:sldId id="349" r:id="rId18"/>
+    <p:sldId id="303" r:id="rId16"/>
+    <p:sldId id="349" r:id="rId17"/>
+    <p:sldId id="387" r:id="rId18"/>
   </p:sldIdLst>
   <p:sldSz cx="12192000" cy="6858000"/>
   <p:notesSz cx="6858000" cy="9144000"/>
@@ -2334,7 +2334,7 @@
           <a:p>
             <a:fld id="{DD202784-B46A-4EF4-B218-4316F9133D14}" type="slidenum">
               <a:rPr lang="zh-CN" altLang="en-US" smtClean="0"/>
-              <a:t>17</a:t>
+              <a:t>16</a:t>
             </a:fld>
             <a:endParaRPr lang="zh-CN" altLang="en-US"/>
           </a:p>
@@ -3665,7 +3665,7 @@
               <a:buNone/>
             </a:pPr>
             <a:r>
-              <a:rPr lang="en-GB">
+              <a:rPr lang="en-GB" dirty="0">
                 <a:latin typeface="Arial" charset="0"/>
                 <a:ea typeface="msgothic" charset="0"/>
                 <a:cs typeface="msgothic" charset="0"/>
@@ -3673,7 +3673,7 @@
               <a:t>Hippocampus-dependent short-term memory requires the left and right CA3. (</a:t>
             </a:r>
             <a:r>
-              <a:rPr lang="en-GB" i="1">
+              <a:rPr lang="en-GB" i="1" dirty="0">
                 <a:latin typeface="Arial" charset="0"/>
                 <a:ea typeface="msgothic" charset="0"/>
                 <a:cs typeface="msgothic" charset="0"/>
@@ -3681,7 +3681,7 @@
               <a:t>A</a:t>
             </a:r>
             <a:r>
-              <a:rPr lang="en-GB">
+              <a:rPr lang="en-GB" dirty="0">
                 <a:latin typeface="Arial" charset="0"/>
                 <a:ea typeface="msgothic" charset="0"/>
                 <a:cs typeface="msgothic" charset="0"/>
@@ -3689,7 +3689,7 @@
               <a:t>) Mice were tested on a spontaneous alternation task in a T-maze. S, start arm. (</a:t>
             </a:r>
             <a:r>
-              <a:rPr lang="en-GB" i="1">
+              <a:rPr lang="en-GB" i="1" dirty="0">
                 <a:latin typeface="Arial" charset="0"/>
                 <a:ea typeface="msgothic" charset="0"/>
                 <a:cs typeface="msgothic" charset="0"/>
@@ -3697,23 +3697,55 @@
               <a:t>B</a:t>
             </a:r>
             <a:r>
-              <a:rPr lang="en-GB">
+              <a:rPr lang="en-GB" dirty="0">
                 <a:latin typeface="Arial" charset="0"/>
                 <a:ea typeface="msgothic" charset="0"/>
                 <a:cs typeface="msgothic" charset="0"/>
               </a:rPr>
-              <a:t>) Light delivery during this task reduces spontaneous alternation of right-NpHR and left-NpHR mice compared with their respective YFP controls. (</a:t>
-            </a:r>
-            <a:r>
-              <a:rPr lang="en-GB" i="1">
+              <a:t>) Light delivery during this task reduces spontaneous alternation of right-</a:t>
+            </a:r>
+            <a:r>
+              <a:rPr lang="en-GB" dirty="0" err="1">
                 <a:latin typeface="Arial" charset="0"/>
                 <a:ea typeface="msgothic" charset="0"/>
                 <a:cs typeface="msgothic" charset="0"/>
               </a:rPr>
+              <a:t>NpHR</a:t>
+            </a:r>
+            <a:r>
+              <a:rPr lang="en-GB" dirty="0">
+                <a:latin typeface="Arial" charset="0"/>
+                <a:ea typeface="msgothic" charset="0"/>
+                <a:cs typeface="msgothic" charset="0"/>
+              </a:rPr>
+              <a:t> and left-</a:t>
+            </a:r>
+            <a:r>
+              <a:rPr lang="en-GB" dirty="0" err="1">
+                <a:latin typeface="Arial" charset="0"/>
+                <a:ea typeface="msgothic" charset="0"/>
+                <a:cs typeface="msgothic" charset="0"/>
+              </a:rPr>
+              <a:t>NpHR</a:t>
+            </a:r>
+            <a:r>
+              <a:rPr lang="en-GB" dirty="0">
+                <a:latin typeface="Arial" charset="0"/>
+                <a:ea typeface="msgothic" charset="0"/>
+                <a:cs typeface="msgothic" charset="0"/>
+              </a:rPr>
+              <a:t> mice compared with their respective YFP controls. (</a:t>
+            </a:r>
+            <a:r>
+              <a:rPr lang="en-GB" i="1" dirty="0">
+                <a:latin typeface="Arial" charset="0"/>
+                <a:ea typeface="msgothic" charset="0"/>
+                <a:cs typeface="msgothic" charset="0"/>
+              </a:rPr>
               <a:t>C</a:t>
             </a:r>
             <a:r>
-              <a:rPr lang="en-GB">
+              <a:rPr lang="en-GB" dirty="0">
                 <a:latin typeface="Arial" charset="0"/>
                 <a:ea typeface="msgothic" charset="0"/>
                 <a:cs typeface="msgothic" charset="0"/>
@@ -3721,7 +3753,7 @@
               <a:t>) Mice were tested on a spatial novelty preference task in a Y-maze. (</a:t>
             </a:r>
             <a:r>
-              <a:rPr lang="en-GB" i="1">
+              <a:rPr lang="en-GB" i="1" dirty="0">
                 <a:latin typeface="Arial" charset="0"/>
                 <a:ea typeface="msgothic" charset="0"/>
                 <a:cs typeface="msgothic" charset="0"/>
@@ -3729,23 +3761,55 @@
               <a:t>D</a:t>
             </a:r>
             <a:r>
-              <a:rPr lang="en-GB">
+              <a:rPr lang="en-GB" dirty="0">
                 <a:latin typeface="Arial" charset="0"/>
                 <a:ea typeface="msgothic" charset="0"/>
                 <a:cs typeface="msgothic" charset="0"/>
               </a:rPr>
-              <a:t>) Light delivery during this task reduces preference for the novel arm in right-NpHR and left-NpHR mice compared with their respective YFP controls. Broken lines represent chance performance. Mean percentages ± SEM. *</a:t>
-            </a:r>
-            <a:r>
-              <a:rPr lang="en-GB" i="1">
+              <a:t>) Light delivery during this task reduces preference for the novel arm in right-</a:t>
+            </a:r>
+            <a:r>
+              <a:rPr lang="en-GB" dirty="0" err="1">
                 <a:latin typeface="Arial" charset="0"/>
                 <a:ea typeface="msgothic" charset="0"/>
                 <a:cs typeface="msgothic" charset="0"/>
               </a:rPr>
+              <a:t>NpHR</a:t>
+            </a:r>
+            <a:r>
+              <a:rPr lang="en-GB" dirty="0">
+                <a:latin typeface="Arial" charset="0"/>
+                <a:ea typeface="msgothic" charset="0"/>
+                <a:cs typeface="msgothic" charset="0"/>
+              </a:rPr>
+              <a:t> and left-</a:t>
+            </a:r>
+            <a:r>
+              <a:rPr lang="en-GB" dirty="0" err="1">
+                <a:latin typeface="Arial" charset="0"/>
+                <a:ea typeface="msgothic" charset="0"/>
+                <a:cs typeface="msgothic" charset="0"/>
+              </a:rPr>
+              <a:t>NpHR</a:t>
+            </a:r>
+            <a:r>
+              <a:rPr lang="en-GB" dirty="0">
+                <a:latin typeface="Arial" charset="0"/>
+                <a:ea typeface="msgothic" charset="0"/>
+                <a:cs typeface="msgothic" charset="0"/>
+              </a:rPr>
+              <a:t> mice compared with their respective YFP controls. Broken lines represent chance performance. Mean percentages ± SEM. *</a:t>
+            </a:r>
+            <a:r>
+              <a:rPr lang="en-GB" i="1" dirty="0">
+                <a:latin typeface="Arial" charset="0"/>
+                <a:ea typeface="msgothic" charset="0"/>
+                <a:cs typeface="msgothic" charset="0"/>
+              </a:rPr>
               <a:t>P</a:t>
             </a:r>
             <a:r>
-              <a:rPr lang="en-GB">
+              <a:rPr lang="en-GB" dirty="0">
                 <a:latin typeface="Arial" charset="0"/>
                 <a:ea typeface="msgothic" charset="0"/>
                 <a:cs typeface="msgothic" charset="0"/>
@@ -3753,7 +3817,7 @@
               <a:t> &lt; 0.05; **</a:t>
             </a:r>
             <a:r>
-              <a:rPr lang="en-GB" i="1">
+              <a:rPr lang="en-GB" i="1" dirty="0">
                 <a:latin typeface="Arial" charset="0"/>
                 <a:ea typeface="msgothic" charset="0"/>
                 <a:cs typeface="msgothic" charset="0"/>
@@ -3761,7 +3825,7 @@
               <a:t>P</a:t>
             </a:r>
             <a:r>
-              <a:rPr lang="en-GB">
+              <a:rPr lang="en-GB" dirty="0">
                 <a:latin typeface="Arial" charset="0"/>
                 <a:ea typeface="msgothic" charset="0"/>
                 <a:cs typeface="msgothic" charset="0"/>
@@ -3769,7 +3833,7 @@
               <a:t> &lt; 0.01, ***</a:t>
             </a:r>
             <a:r>
-              <a:rPr lang="en-GB" i="1">
+              <a:rPr lang="en-GB" i="1" dirty="0">
                 <a:latin typeface="Arial" charset="0"/>
                 <a:ea typeface="msgothic" charset="0"/>
                 <a:cs typeface="msgothic" charset="0"/>
@@ -3777,7 +3841,7 @@
               <a:t>P</a:t>
             </a:r>
             <a:r>
-              <a:rPr lang="en-GB">
+              <a:rPr lang="en-GB" dirty="0">
                 <a:latin typeface="Arial" charset="0"/>
                 <a:ea typeface="msgothic" charset="0"/>
                 <a:cs typeface="msgothic" charset="0"/>
@@ -9579,6 +9643,479 @@
       </p:grpSpPr>
       <p:sp>
         <p:nvSpPr>
+          <p:cNvPr id="3" name="文本框 2"/>
+          <p:cNvSpPr txBox="1"/>
+          <p:nvPr/>
+        </p:nvSpPr>
+        <p:spPr>
+          <a:xfrm>
+            <a:off x="2618510" y="2333008"/>
+            <a:ext cx="6964407" cy="1261884"/>
+          </a:xfrm>
+          <a:prstGeom prst="rect">
+            <a:avLst/>
+          </a:prstGeom>
+          <a:noFill/>
+        </p:spPr>
+        <p:txBody>
+          <a:bodyPr wrap="none" rtlCol="0">
+            <a:spAutoFit/>
+          </a:bodyPr>
+          <a:lstStyle/>
+          <a:p>
+            <a:pPr algn="ctr"/>
+            <a:r>
+              <a:rPr lang="en-US" altLang="zh-CN" sz="3800" b="1" dirty="0" smtClean="0">
+                <a:solidFill>
+                  <a:srgbClr val="00ABB4"/>
+                </a:solidFill>
+                <a:effectLst>
+                  <a:outerShdw blurRad="38100" dist="38100" dir="2700000" algn="tl">
+                    <a:srgbClr val="000000">
+                      <a:alpha val="43137"/>
+                    </a:srgbClr>
+                  </a:outerShdw>
+                </a:effectLst>
+                <a:latin typeface="微软雅黑" panose="020B0503020204020204" pitchFamily="34" charset="-122"/>
+                <a:ea typeface="微软雅黑" panose="020B0503020204020204" pitchFamily="34" charset="-122"/>
+              </a:rPr>
+              <a:t>Thank you all for listening~</a:t>
+            </a:r>
+            <a:r>
+              <a:rPr lang="en-US" altLang="zh-CN" sz="3800" b="1" dirty="0">
+                <a:solidFill>
+                  <a:srgbClr val="00ABB4"/>
+                </a:solidFill>
+                <a:effectLst>
+                  <a:outerShdw blurRad="38100" dist="38100" dir="2700000" algn="tl">
+                    <a:srgbClr val="000000">
+                      <a:alpha val="43137"/>
+                    </a:srgbClr>
+                  </a:outerShdw>
+                </a:effectLst>
+                <a:latin typeface="微软雅黑" panose="020B0503020204020204" pitchFamily="34" charset="-122"/>
+                <a:ea typeface="微软雅黑" panose="020B0503020204020204" pitchFamily="34" charset="-122"/>
+              </a:rPr>
+              <a:t/>
+            </a:r>
+            <a:br>
+              <a:rPr lang="en-US" altLang="zh-CN" sz="3800" b="1" dirty="0">
+                <a:solidFill>
+                  <a:srgbClr val="00ABB4"/>
+                </a:solidFill>
+                <a:effectLst>
+                  <a:outerShdw blurRad="38100" dist="38100" dir="2700000" algn="tl">
+                    <a:srgbClr val="000000">
+                      <a:alpha val="43137"/>
+                    </a:srgbClr>
+                  </a:outerShdw>
+                </a:effectLst>
+                <a:latin typeface="微软雅黑" panose="020B0503020204020204" pitchFamily="34" charset="-122"/>
+                <a:ea typeface="微软雅黑" panose="020B0503020204020204" pitchFamily="34" charset="-122"/>
+              </a:rPr>
+            </a:br>
+            <a:endParaRPr lang="en-US" altLang="zh-CN" sz="3800" b="1" dirty="0">
+              <a:solidFill>
+                <a:srgbClr val="00ABB4"/>
+              </a:solidFill>
+              <a:effectLst>
+                <a:outerShdw blurRad="38100" dist="38100" dir="2700000" algn="tl">
+                  <a:srgbClr val="000000">
+                    <a:alpha val="43137"/>
+                  </a:srgbClr>
+                </a:outerShdw>
+              </a:effectLst>
+              <a:latin typeface="微软雅黑" panose="020B0503020204020204" pitchFamily="34" charset="-122"/>
+              <a:ea typeface="微软雅黑" panose="020B0503020204020204" pitchFamily="34" charset="-122"/>
+            </a:endParaRPr>
+          </a:p>
+        </p:txBody>
+      </p:sp>
+    </p:spTree>
+    <p:extLst>
+      <p:ext uri="{BB962C8B-B14F-4D97-AF65-F5344CB8AC3E}">
+        <p14:creationId xmlns:p14="http://schemas.microsoft.com/office/powerpoint/2010/main" val="3711594375"/>
+      </p:ext>
+    </p:extLst>
+  </p:cSld>
+  <p:clrMapOvr>
+    <a:masterClrMapping/>
+  </p:clrMapOvr>
+  <p:timing>
+    <p:tnLst>
+      <p:par>
+        <p:cTn id="1" dur="indefinite" restart="never" nodeType="tmRoot"/>
+      </p:par>
+    </p:tnLst>
+  </p:timing>
+</p:sld>
+</file>
+
+<file path=ppt/slides/slide16.xml><?xml version="1.0" encoding="utf-8"?>
+<p:sld xmlns:a="http://schemas.openxmlformats.org/drawingml/2006/main" xmlns:r="http://schemas.openxmlformats.org/officeDocument/2006/relationships" xmlns:p="http://schemas.openxmlformats.org/presentationml/2006/main">
+  <p:cSld>
+    <p:spTree>
+      <p:nvGrpSpPr>
+        <p:cNvPr id="1" name=""/>
+        <p:cNvGrpSpPr/>
+        <p:nvPr/>
+      </p:nvGrpSpPr>
+      <p:grpSpPr>
+        <a:xfrm>
+          <a:off x="0" y="0"/>
+          <a:ext cx="0" cy="0"/>
+          <a:chOff x="0" y="0"/>
+          <a:chExt cx="0" cy="0"/>
+        </a:xfrm>
+      </p:grpSpPr>
+      <p:sp>
+        <p:nvSpPr>
+          <p:cNvPr id="5" name="文本框 4"/>
+          <p:cNvSpPr txBox="1"/>
+          <p:nvPr/>
+        </p:nvSpPr>
+        <p:spPr>
+          <a:xfrm>
+            <a:off x="5445728" y="1707631"/>
+            <a:ext cx="1704313" cy="1569660"/>
+          </a:xfrm>
+          <a:prstGeom prst="rect">
+            <a:avLst/>
+          </a:prstGeom>
+          <a:noFill/>
+        </p:spPr>
+        <p:txBody>
+          <a:bodyPr wrap="none" rtlCol="0">
+            <a:spAutoFit/>
+          </a:bodyPr>
+          <a:lstStyle/>
+          <a:p>
+            <a:r>
+              <a:rPr lang="en-US" altLang="zh-CN" sz="9600" b="1" dirty="0" smtClean="0">
+                <a:solidFill>
+                  <a:schemeClr val="accent2">
+                    <a:lumMod val="75000"/>
+                  </a:schemeClr>
+                </a:solidFill>
+                <a:latin typeface="微软雅黑" panose="020B0503020204020204" pitchFamily="34" charset="-122"/>
+                <a:ea typeface="微软雅黑" panose="020B0503020204020204" pitchFamily="34" charset="-122"/>
+              </a:rPr>
+              <a:t>02</a:t>
+            </a:r>
+            <a:endParaRPr lang="zh-CN" altLang="en-US" sz="9600" b="1" dirty="0">
+              <a:solidFill>
+                <a:schemeClr val="accent2">
+                  <a:lumMod val="75000"/>
+                </a:schemeClr>
+              </a:solidFill>
+              <a:latin typeface="微软雅黑" panose="020B0503020204020204" pitchFamily="34" charset="-122"/>
+              <a:ea typeface="微软雅黑" panose="020B0503020204020204" pitchFamily="34" charset="-122"/>
+            </a:endParaRPr>
+          </a:p>
+        </p:txBody>
+      </p:sp>
+      <p:sp>
+        <p:nvSpPr>
+          <p:cNvPr id="6" name="文本框 5"/>
+          <p:cNvSpPr txBox="1"/>
+          <p:nvPr/>
+        </p:nvSpPr>
+        <p:spPr>
+          <a:xfrm>
+            <a:off x="5445728" y="3422822"/>
+            <a:ext cx="4532716" cy="769441"/>
+          </a:xfrm>
+          <a:prstGeom prst="rect">
+            <a:avLst/>
+          </a:prstGeom>
+          <a:noFill/>
+        </p:spPr>
+        <p:txBody>
+          <a:bodyPr wrap="none" rtlCol="0">
+            <a:spAutoFit/>
+          </a:bodyPr>
+          <a:lstStyle/>
+          <a:p>
+            <a:r>
+              <a:rPr lang="en-US" altLang="zh-CN" sz="4400" b="1" dirty="0" smtClean="0">
+                <a:solidFill>
+                  <a:srgbClr val="00ABB4"/>
+                </a:solidFill>
+                <a:latin typeface="微软雅黑" panose="020B0503020204020204" pitchFamily="34" charset="-122"/>
+                <a:ea typeface="微软雅黑" panose="020B0503020204020204" pitchFamily="34" charset="-122"/>
+              </a:rPr>
+              <a:t>Neural systems</a:t>
+            </a:r>
+            <a:endParaRPr lang="zh-CN" altLang="en-US" sz="4400" b="1" dirty="0">
+              <a:solidFill>
+                <a:srgbClr val="00ABB4"/>
+              </a:solidFill>
+              <a:latin typeface="微软雅黑" panose="020B0503020204020204" pitchFamily="34" charset="-122"/>
+              <a:ea typeface="微软雅黑" panose="020B0503020204020204" pitchFamily="34" charset="-122"/>
+            </a:endParaRPr>
+          </a:p>
+        </p:txBody>
+      </p:sp>
+      <p:sp>
+        <p:nvSpPr>
+          <p:cNvPr id="7" name="文本框 6"/>
+          <p:cNvSpPr txBox="1"/>
+          <p:nvPr/>
+        </p:nvSpPr>
+        <p:spPr>
+          <a:xfrm>
+            <a:off x="5445728" y="3003482"/>
+            <a:ext cx="1610184" cy="461665"/>
+          </a:xfrm>
+          <a:prstGeom prst="rect">
+            <a:avLst/>
+          </a:prstGeom>
+          <a:noFill/>
+        </p:spPr>
+        <p:txBody>
+          <a:bodyPr wrap="none" rtlCol="0">
+            <a:spAutoFit/>
+          </a:bodyPr>
+          <a:lstStyle/>
+          <a:p>
+            <a:r>
+              <a:rPr lang="en-US" altLang="zh-CN" sz="2400" dirty="0">
+                <a:solidFill>
+                  <a:schemeClr val="bg1">
+                    <a:lumMod val="50000"/>
+                  </a:schemeClr>
+                </a:solidFill>
+                <a:latin typeface="微软雅黑" panose="020B0503020204020204" pitchFamily="34" charset="-122"/>
+                <a:ea typeface="微软雅黑" panose="020B0503020204020204" pitchFamily="34" charset="-122"/>
+              </a:rPr>
+              <a:t>Part </a:t>
+            </a:r>
+            <a:r>
+              <a:rPr lang="en-US" altLang="zh-CN" sz="2400" dirty="0" smtClean="0">
+                <a:solidFill>
+                  <a:schemeClr val="bg1">
+                    <a:lumMod val="50000"/>
+                  </a:schemeClr>
+                </a:solidFill>
+                <a:latin typeface="微软雅黑" panose="020B0503020204020204" pitchFamily="34" charset="-122"/>
+                <a:ea typeface="微软雅黑" panose="020B0503020204020204" pitchFamily="34" charset="-122"/>
+              </a:rPr>
+              <a:t>TWO</a:t>
+            </a:r>
+            <a:endParaRPr lang="zh-CN" altLang="en-US" sz="2400" dirty="0">
+              <a:solidFill>
+                <a:schemeClr val="bg1">
+                  <a:lumMod val="50000"/>
+                </a:schemeClr>
+              </a:solidFill>
+              <a:latin typeface="微软雅黑" panose="020B0503020204020204" pitchFamily="34" charset="-122"/>
+              <a:ea typeface="微软雅黑" panose="020B0503020204020204" pitchFamily="34" charset="-122"/>
+            </a:endParaRPr>
+          </a:p>
+        </p:txBody>
+      </p:sp>
+      <p:sp>
+        <p:nvSpPr>
+          <p:cNvPr id="8" name="文本框 7"/>
+          <p:cNvSpPr txBox="1"/>
+          <p:nvPr/>
+        </p:nvSpPr>
+        <p:spPr>
+          <a:xfrm>
+            <a:off x="5240432" y="4142388"/>
+            <a:ext cx="6894418" cy="1200329"/>
+          </a:xfrm>
+          <a:prstGeom prst="rect">
+            <a:avLst/>
+          </a:prstGeom>
+          <a:noFill/>
+        </p:spPr>
+        <p:txBody>
+          <a:bodyPr wrap="square" rtlCol="0">
+            <a:spAutoFit/>
+          </a:bodyPr>
+          <a:lstStyle/>
+          <a:p>
+            <a:pPr marL="285750" indent="-285750">
+              <a:buFont typeface="Arial" panose="020B0604020202020204" pitchFamily="34" charset="0"/>
+              <a:buChar char="•"/>
+            </a:pPr>
+            <a:r>
+              <a:rPr lang="en-US" altLang="zh-CN" dirty="0" smtClean="0">
+                <a:solidFill>
+                  <a:schemeClr val="accent2"/>
+                </a:solidFill>
+                <a:ea typeface="Roboto Cn" pitchFamily="2" charset="0"/>
+                <a:cs typeface="Arial" panose="020B0604020202020204" pitchFamily="34" charset="0"/>
+              </a:rPr>
+              <a:t>Identify brain regions  scopolamine induce   intensity changes</a:t>
+            </a:r>
+            <a:endParaRPr lang="en-US" altLang="zh-CN" dirty="0">
+              <a:solidFill>
+                <a:schemeClr val="accent2"/>
+              </a:solidFill>
+              <a:ea typeface="Roboto Cn" pitchFamily="2" charset="0"/>
+              <a:cs typeface="Arial" panose="020B0604020202020204" pitchFamily="34" charset="0"/>
+            </a:endParaRPr>
+          </a:p>
+          <a:p>
+            <a:pPr marL="285750" indent="-285750">
+              <a:buFont typeface="Arial" panose="020B0604020202020204" pitchFamily="34" charset="0"/>
+              <a:buChar char="•"/>
+            </a:pPr>
+            <a:r>
+              <a:rPr lang="en-US" altLang="zh-CN" dirty="0" smtClean="0">
+                <a:solidFill>
+                  <a:schemeClr val="bg1">
+                    <a:lumMod val="50000"/>
+                  </a:schemeClr>
+                </a:solidFill>
+                <a:ea typeface="Roboto Cn" pitchFamily="2" charset="0"/>
+                <a:cs typeface="Arial" panose="020B0604020202020204" pitchFamily="34" charset="0"/>
+              </a:rPr>
+              <a:t>Evaluate the effects of scopolamine on FC </a:t>
+            </a:r>
+            <a:endParaRPr lang="en-US" altLang="zh-CN" dirty="0">
+              <a:solidFill>
+                <a:schemeClr val="bg1">
+                  <a:lumMod val="50000"/>
+                </a:schemeClr>
+              </a:solidFill>
+              <a:ea typeface="Roboto Cn" pitchFamily="2" charset="0"/>
+              <a:cs typeface="Arial" panose="020B0604020202020204" pitchFamily="34" charset="0"/>
+            </a:endParaRPr>
+          </a:p>
+          <a:p>
+            <a:pPr marL="285750" indent="-285750">
+              <a:buFont typeface="Arial" panose="020B0604020202020204" pitchFamily="34" charset="0"/>
+              <a:buChar char="•"/>
+            </a:pPr>
+            <a:r>
+              <a:rPr lang="en-US" altLang="zh-CN" dirty="0" smtClean="0">
+                <a:solidFill>
+                  <a:schemeClr val="bg1">
+                    <a:lumMod val="50000"/>
+                  </a:schemeClr>
+                </a:solidFill>
+                <a:ea typeface="Roboto Cn" pitchFamily="2" charset="0"/>
+                <a:cs typeface="Arial" panose="020B0604020202020204" pitchFamily="34" charset="0"/>
+              </a:rPr>
+              <a:t>Whether scopolamine-induced memory effect could be </a:t>
+            </a:r>
+          </a:p>
+          <a:p>
+            <a:r>
+              <a:rPr lang="en-US" altLang="zh-CN" dirty="0">
+                <a:solidFill>
+                  <a:schemeClr val="bg1">
+                    <a:lumMod val="50000"/>
+                  </a:schemeClr>
+                </a:solidFill>
+                <a:ea typeface="Roboto Cn" pitchFamily="2" charset="0"/>
+                <a:cs typeface="Arial" panose="020B0604020202020204" pitchFamily="34" charset="0"/>
+              </a:rPr>
+              <a:t> </a:t>
+            </a:r>
+            <a:r>
+              <a:rPr lang="en-US" altLang="zh-CN" dirty="0" smtClean="0">
+                <a:solidFill>
+                  <a:schemeClr val="bg1">
+                    <a:lumMod val="50000"/>
+                  </a:schemeClr>
+                </a:solidFill>
+                <a:ea typeface="Roboto Cn" pitchFamily="2" charset="0"/>
+                <a:cs typeface="Arial" panose="020B0604020202020204" pitchFamily="34" charset="0"/>
+              </a:rPr>
+              <a:t>     reversed with milameline</a:t>
+            </a:r>
+          </a:p>
+        </p:txBody>
+      </p:sp>
+      <p:sp>
+        <p:nvSpPr>
+          <p:cNvPr id="3" name="矩形 2"/>
+          <p:cNvSpPr/>
+          <p:nvPr/>
+        </p:nvSpPr>
+        <p:spPr>
+          <a:xfrm>
+            <a:off x="5156200" y="1562100"/>
+            <a:ext cx="6426200" cy="3911600"/>
+          </a:xfrm>
+          <a:prstGeom prst="rect">
+            <a:avLst/>
+          </a:prstGeom>
+          <a:noFill/>
+          <a:ln w="127000">
+            <a:solidFill>
+              <a:srgbClr val="00ABB4"/>
+            </a:solidFill>
+          </a:ln>
+        </p:spPr>
+        <p:style>
+          <a:lnRef idx="2">
+            <a:schemeClr val="accent1">
+              <a:shade val="50000"/>
+            </a:schemeClr>
+          </a:lnRef>
+          <a:fillRef idx="1">
+            <a:schemeClr val="accent1"/>
+          </a:fillRef>
+          <a:effectRef idx="0">
+            <a:schemeClr val="accent1"/>
+          </a:effectRef>
+          <a:fontRef idx="minor">
+            <a:schemeClr val="lt1"/>
+          </a:fontRef>
+        </p:style>
+        <p:txBody>
+          <a:bodyPr rtlCol="0" anchor="ctr"/>
+          <a:lstStyle/>
+          <a:p>
+            <a:pPr algn="ctr"/>
+            <a:endParaRPr lang="zh-CN" altLang="en-US"/>
+          </a:p>
+        </p:txBody>
+      </p:sp>
+    </p:spTree>
+    <p:extLst>
+      <p:ext uri="{BB962C8B-B14F-4D97-AF65-F5344CB8AC3E}">
+        <p14:creationId xmlns:p14="http://schemas.microsoft.com/office/powerpoint/2010/main" val="80250234"/>
+      </p:ext>
+    </p:extLst>
+  </p:cSld>
+  <p:clrMapOvr>
+    <a:masterClrMapping/>
+  </p:clrMapOvr>
+  <p:timing>
+    <p:tnLst>
+      <p:par>
+        <p:cTn id="1" dur="indefinite" restart="never" nodeType="tmRoot"/>
+      </p:par>
+    </p:tnLst>
+  </p:timing>
+</p:sld>
+</file>
+
+<file path=ppt/slides/slide17.xml><?xml version="1.0" encoding="utf-8"?>
+<p:sld xmlns:a="http://schemas.openxmlformats.org/drawingml/2006/main" xmlns:r="http://schemas.openxmlformats.org/officeDocument/2006/relationships" xmlns:p="http://schemas.openxmlformats.org/presentationml/2006/main">
+  <p:cSld>
+    <p:spTree>
+      <p:nvGrpSpPr>
+        <p:cNvPr id="1" name=""/>
+        <p:cNvGrpSpPr/>
+        <p:nvPr/>
+      </p:nvGrpSpPr>
+      <p:grpSpPr>
+        <a:xfrm>
+          <a:off x="0" y="0"/>
+          <a:ext cx="0" cy="0"/>
+          <a:chOff x="0" y="0"/>
+          <a:chExt cx="0" cy="0"/>
+        </a:xfrm>
+      </p:grpSpPr>
+      <p:sp>
+        <p:nvSpPr>
           <p:cNvPr id="3" name="矩形 2"/>
           <p:cNvSpPr/>
           <p:nvPr/>
@@ -9873,479 +10410,6 @@
     <p:extLst>
       <p:ext uri="{BB962C8B-B14F-4D97-AF65-F5344CB8AC3E}">
         <p14:creationId xmlns:p14="http://schemas.microsoft.com/office/powerpoint/2010/main" val="1872795815"/>
-      </p:ext>
-    </p:extLst>
-  </p:cSld>
-  <p:clrMapOvr>
-    <a:masterClrMapping/>
-  </p:clrMapOvr>
-  <p:timing>
-    <p:tnLst>
-      <p:par>
-        <p:cTn id="1" dur="indefinite" restart="never" nodeType="tmRoot"/>
-      </p:par>
-    </p:tnLst>
-  </p:timing>
-</p:sld>
-</file>
-
-<file path=ppt/slides/slide16.xml><?xml version="1.0" encoding="utf-8"?>
-<p:sld xmlns:a="http://schemas.openxmlformats.org/drawingml/2006/main" xmlns:r="http://schemas.openxmlformats.org/officeDocument/2006/relationships" xmlns:p="http://schemas.openxmlformats.org/presentationml/2006/main">
-  <p:cSld>
-    <p:spTree>
-      <p:nvGrpSpPr>
-        <p:cNvPr id="1" name=""/>
-        <p:cNvGrpSpPr/>
-        <p:nvPr/>
-      </p:nvGrpSpPr>
-      <p:grpSpPr>
-        <a:xfrm>
-          <a:off x="0" y="0"/>
-          <a:ext cx="0" cy="0"/>
-          <a:chOff x="0" y="0"/>
-          <a:chExt cx="0" cy="0"/>
-        </a:xfrm>
-      </p:grpSpPr>
-      <p:sp>
-        <p:nvSpPr>
-          <p:cNvPr id="3" name="文本框 2"/>
-          <p:cNvSpPr txBox="1"/>
-          <p:nvPr/>
-        </p:nvSpPr>
-        <p:spPr>
-          <a:xfrm>
-            <a:off x="2618510" y="2333008"/>
-            <a:ext cx="6964407" cy="1261884"/>
-          </a:xfrm>
-          <a:prstGeom prst="rect">
-            <a:avLst/>
-          </a:prstGeom>
-          <a:noFill/>
-        </p:spPr>
-        <p:txBody>
-          <a:bodyPr wrap="none" rtlCol="0">
-            <a:spAutoFit/>
-          </a:bodyPr>
-          <a:lstStyle/>
-          <a:p>
-            <a:pPr algn="ctr"/>
-            <a:r>
-              <a:rPr lang="en-US" altLang="zh-CN" sz="3800" b="1" dirty="0" smtClean="0">
-                <a:solidFill>
-                  <a:srgbClr val="00ABB4"/>
-                </a:solidFill>
-                <a:effectLst>
-                  <a:outerShdw blurRad="38100" dist="38100" dir="2700000" algn="tl">
-                    <a:srgbClr val="000000">
-                      <a:alpha val="43137"/>
-                    </a:srgbClr>
-                  </a:outerShdw>
-                </a:effectLst>
-                <a:latin typeface="微软雅黑" panose="020B0503020204020204" pitchFamily="34" charset="-122"/>
-                <a:ea typeface="微软雅黑" panose="020B0503020204020204" pitchFamily="34" charset="-122"/>
-              </a:rPr>
-              <a:t>Thank you all for listening~</a:t>
-            </a:r>
-            <a:r>
-              <a:rPr lang="en-US" altLang="zh-CN" sz="3800" b="1" dirty="0">
-                <a:solidFill>
-                  <a:srgbClr val="00ABB4"/>
-                </a:solidFill>
-                <a:effectLst>
-                  <a:outerShdw blurRad="38100" dist="38100" dir="2700000" algn="tl">
-                    <a:srgbClr val="000000">
-                      <a:alpha val="43137"/>
-                    </a:srgbClr>
-                  </a:outerShdw>
-                </a:effectLst>
-                <a:latin typeface="微软雅黑" panose="020B0503020204020204" pitchFamily="34" charset="-122"/>
-                <a:ea typeface="微软雅黑" panose="020B0503020204020204" pitchFamily="34" charset="-122"/>
-              </a:rPr>
-              <a:t/>
-            </a:r>
-            <a:br>
-              <a:rPr lang="en-US" altLang="zh-CN" sz="3800" b="1" dirty="0">
-                <a:solidFill>
-                  <a:srgbClr val="00ABB4"/>
-                </a:solidFill>
-                <a:effectLst>
-                  <a:outerShdw blurRad="38100" dist="38100" dir="2700000" algn="tl">
-                    <a:srgbClr val="000000">
-                      <a:alpha val="43137"/>
-                    </a:srgbClr>
-                  </a:outerShdw>
-                </a:effectLst>
-                <a:latin typeface="微软雅黑" panose="020B0503020204020204" pitchFamily="34" charset="-122"/>
-                <a:ea typeface="微软雅黑" panose="020B0503020204020204" pitchFamily="34" charset="-122"/>
-              </a:rPr>
-            </a:br>
-            <a:endParaRPr lang="en-US" altLang="zh-CN" sz="3800" b="1" dirty="0">
-              <a:solidFill>
-                <a:srgbClr val="00ABB4"/>
-              </a:solidFill>
-              <a:effectLst>
-                <a:outerShdw blurRad="38100" dist="38100" dir="2700000" algn="tl">
-                  <a:srgbClr val="000000">
-                    <a:alpha val="43137"/>
-                  </a:srgbClr>
-                </a:outerShdw>
-              </a:effectLst>
-              <a:latin typeface="微软雅黑" panose="020B0503020204020204" pitchFamily="34" charset="-122"/>
-              <a:ea typeface="微软雅黑" panose="020B0503020204020204" pitchFamily="34" charset="-122"/>
-            </a:endParaRPr>
-          </a:p>
-        </p:txBody>
-      </p:sp>
-    </p:spTree>
-    <p:extLst>
-      <p:ext uri="{BB962C8B-B14F-4D97-AF65-F5344CB8AC3E}">
-        <p14:creationId xmlns:p14="http://schemas.microsoft.com/office/powerpoint/2010/main" val="3711594375"/>
-      </p:ext>
-    </p:extLst>
-  </p:cSld>
-  <p:clrMapOvr>
-    <a:masterClrMapping/>
-  </p:clrMapOvr>
-  <p:timing>
-    <p:tnLst>
-      <p:par>
-        <p:cTn id="1" dur="indefinite" restart="never" nodeType="tmRoot"/>
-      </p:par>
-    </p:tnLst>
-  </p:timing>
-</p:sld>
-</file>
-
-<file path=ppt/slides/slide17.xml><?xml version="1.0" encoding="utf-8"?>
-<p:sld xmlns:a="http://schemas.openxmlformats.org/drawingml/2006/main" xmlns:r="http://schemas.openxmlformats.org/officeDocument/2006/relationships" xmlns:p="http://schemas.openxmlformats.org/presentationml/2006/main">
-  <p:cSld>
-    <p:spTree>
-      <p:nvGrpSpPr>
-        <p:cNvPr id="1" name=""/>
-        <p:cNvGrpSpPr/>
-        <p:nvPr/>
-      </p:nvGrpSpPr>
-      <p:grpSpPr>
-        <a:xfrm>
-          <a:off x="0" y="0"/>
-          <a:ext cx="0" cy="0"/>
-          <a:chOff x="0" y="0"/>
-          <a:chExt cx="0" cy="0"/>
-        </a:xfrm>
-      </p:grpSpPr>
-      <p:sp>
-        <p:nvSpPr>
-          <p:cNvPr id="5" name="文本框 4"/>
-          <p:cNvSpPr txBox="1"/>
-          <p:nvPr/>
-        </p:nvSpPr>
-        <p:spPr>
-          <a:xfrm>
-            <a:off x="5445728" y="1707631"/>
-            <a:ext cx="1704313" cy="1569660"/>
-          </a:xfrm>
-          <a:prstGeom prst="rect">
-            <a:avLst/>
-          </a:prstGeom>
-          <a:noFill/>
-        </p:spPr>
-        <p:txBody>
-          <a:bodyPr wrap="none" rtlCol="0">
-            <a:spAutoFit/>
-          </a:bodyPr>
-          <a:lstStyle/>
-          <a:p>
-            <a:r>
-              <a:rPr lang="en-US" altLang="zh-CN" sz="9600" b="1" dirty="0" smtClean="0">
-                <a:solidFill>
-                  <a:schemeClr val="accent2">
-                    <a:lumMod val="75000"/>
-                  </a:schemeClr>
-                </a:solidFill>
-                <a:latin typeface="微软雅黑" panose="020B0503020204020204" pitchFamily="34" charset="-122"/>
-                <a:ea typeface="微软雅黑" panose="020B0503020204020204" pitchFamily="34" charset="-122"/>
-              </a:rPr>
-              <a:t>02</a:t>
-            </a:r>
-            <a:endParaRPr lang="zh-CN" altLang="en-US" sz="9600" b="1" dirty="0">
-              <a:solidFill>
-                <a:schemeClr val="accent2">
-                  <a:lumMod val="75000"/>
-                </a:schemeClr>
-              </a:solidFill>
-              <a:latin typeface="微软雅黑" panose="020B0503020204020204" pitchFamily="34" charset="-122"/>
-              <a:ea typeface="微软雅黑" panose="020B0503020204020204" pitchFamily="34" charset="-122"/>
-            </a:endParaRPr>
-          </a:p>
-        </p:txBody>
-      </p:sp>
-      <p:sp>
-        <p:nvSpPr>
-          <p:cNvPr id="6" name="文本框 5"/>
-          <p:cNvSpPr txBox="1"/>
-          <p:nvPr/>
-        </p:nvSpPr>
-        <p:spPr>
-          <a:xfrm>
-            <a:off x="5445728" y="3422822"/>
-            <a:ext cx="4532716" cy="769441"/>
-          </a:xfrm>
-          <a:prstGeom prst="rect">
-            <a:avLst/>
-          </a:prstGeom>
-          <a:noFill/>
-        </p:spPr>
-        <p:txBody>
-          <a:bodyPr wrap="none" rtlCol="0">
-            <a:spAutoFit/>
-          </a:bodyPr>
-          <a:lstStyle/>
-          <a:p>
-            <a:r>
-              <a:rPr lang="en-US" altLang="zh-CN" sz="4400" b="1" dirty="0" smtClean="0">
-                <a:solidFill>
-                  <a:srgbClr val="00ABB4"/>
-                </a:solidFill>
-                <a:latin typeface="微软雅黑" panose="020B0503020204020204" pitchFamily="34" charset="-122"/>
-                <a:ea typeface="微软雅黑" panose="020B0503020204020204" pitchFamily="34" charset="-122"/>
-              </a:rPr>
-              <a:t>Neural systems</a:t>
-            </a:r>
-            <a:endParaRPr lang="zh-CN" altLang="en-US" sz="4400" b="1" dirty="0">
-              <a:solidFill>
-                <a:srgbClr val="00ABB4"/>
-              </a:solidFill>
-              <a:latin typeface="微软雅黑" panose="020B0503020204020204" pitchFamily="34" charset="-122"/>
-              <a:ea typeface="微软雅黑" panose="020B0503020204020204" pitchFamily="34" charset="-122"/>
-            </a:endParaRPr>
-          </a:p>
-        </p:txBody>
-      </p:sp>
-      <p:sp>
-        <p:nvSpPr>
-          <p:cNvPr id="7" name="文本框 6"/>
-          <p:cNvSpPr txBox="1"/>
-          <p:nvPr/>
-        </p:nvSpPr>
-        <p:spPr>
-          <a:xfrm>
-            <a:off x="5445728" y="3003482"/>
-            <a:ext cx="1610184" cy="461665"/>
-          </a:xfrm>
-          <a:prstGeom prst="rect">
-            <a:avLst/>
-          </a:prstGeom>
-          <a:noFill/>
-        </p:spPr>
-        <p:txBody>
-          <a:bodyPr wrap="none" rtlCol="0">
-            <a:spAutoFit/>
-          </a:bodyPr>
-          <a:lstStyle/>
-          <a:p>
-            <a:r>
-              <a:rPr lang="en-US" altLang="zh-CN" sz="2400" dirty="0">
-                <a:solidFill>
-                  <a:schemeClr val="bg1">
-                    <a:lumMod val="50000"/>
-                  </a:schemeClr>
-                </a:solidFill>
-                <a:latin typeface="微软雅黑" panose="020B0503020204020204" pitchFamily="34" charset="-122"/>
-                <a:ea typeface="微软雅黑" panose="020B0503020204020204" pitchFamily="34" charset="-122"/>
-              </a:rPr>
-              <a:t>Part </a:t>
-            </a:r>
-            <a:r>
-              <a:rPr lang="en-US" altLang="zh-CN" sz="2400" dirty="0" smtClean="0">
-                <a:solidFill>
-                  <a:schemeClr val="bg1">
-                    <a:lumMod val="50000"/>
-                  </a:schemeClr>
-                </a:solidFill>
-                <a:latin typeface="微软雅黑" panose="020B0503020204020204" pitchFamily="34" charset="-122"/>
-                <a:ea typeface="微软雅黑" panose="020B0503020204020204" pitchFamily="34" charset="-122"/>
-              </a:rPr>
-              <a:t>TWO</a:t>
-            </a:r>
-            <a:endParaRPr lang="zh-CN" altLang="en-US" sz="2400" dirty="0">
-              <a:solidFill>
-                <a:schemeClr val="bg1">
-                  <a:lumMod val="50000"/>
-                </a:schemeClr>
-              </a:solidFill>
-              <a:latin typeface="微软雅黑" panose="020B0503020204020204" pitchFamily="34" charset="-122"/>
-              <a:ea typeface="微软雅黑" panose="020B0503020204020204" pitchFamily="34" charset="-122"/>
-            </a:endParaRPr>
-          </a:p>
-        </p:txBody>
-      </p:sp>
-      <p:sp>
-        <p:nvSpPr>
-          <p:cNvPr id="8" name="文本框 7"/>
-          <p:cNvSpPr txBox="1"/>
-          <p:nvPr/>
-        </p:nvSpPr>
-        <p:spPr>
-          <a:xfrm>
-            <a:off x="5240432" y="4142388"/>
-            <a:ext cx="6894418" cy="1200329"/>
-          </a:xfrm>
-          <a:prstGeom prst="rect">
-            <a:avLst/>
-          </a:prstGeom>
-          <a:noFill/>
-        </p:spPr>
-        <p:txBody>
-          <a:bodyPr wrap="square" rtlCol="0">
-            <a:spAutoFit/>
-          </a:bodyPr>
-          <a:lstStyle/>
-          <a:p>
-            <a:pPr marL="285750" indent="-285750">
-              <a:buFont typeface="Arial" panose="020B0604020202020204" pitchFamily="34" charset="0"/>
-              <a:buChar char="•"/>
-            </a:pPr>
-            <a:r>
-              <a:rPr lang="en-US" altLang="zh-CN" dirty="0" smtClean="0">
-                <a:solidFill>
-                  <a:schemeClr val="accent2"/>
-                </a:solidFill>
-                <a:ea typeface="Roboto Cn" pitchFamily="2" charset="0"/>
-                <a:cs typeface="Arial" panose="020B0604020202020204" pitchFamily="34" charset="0"/>
-              </a:rPr>
-              <a:t>Identify brain regions  scopolamine induce   intensity changes</a:t>
-            </a:r>
-            <a:endParaRPr lang="en-US" altLang="zh-CN" dirty="0">
-              <a:solidFill>
-                <a:schemeClr val="accent2"/>
-              </a:solidFill>
-              <a:ea typeface="Roboto Cn" pitchFamily="2" charset="0"/>
-              <a:cs typeface="Arial" panose="020B0604020202020204" pitchFamily="34" charset="0"/>
-            </a:endParaRPr>
-          </a:p>
-          <a:p>
-            <a:pPr marL="285750" indent="-285750">
-              <a:buFont typeface="Arial" panose="020B0604020202020204" pitchFamily="34" charset="0"/>
-              <a:buChar char="•"/>
-            </a:pPr>
-            <a:r>
-              <a:rPr lang="en-US" altLang="zh-CN" dirty="0" smtClean="0">
-                <a:solidFill>
-                  <a:schemeClr val="bg1">
-                    <a:lumMod val="50000"/>
-                  </a:schemeClr>
-                </a:solidFill>
-                <a:ea typeface="Roboto Cn" pitchFamily="2" charset="0"/>
-                <a:cs typeface="Arial" panose="020B0604020202020204" pitchFamily="34" charset="0"/>
-              </a:rPr>
-              <a:t>Evaluate the effects of scopolamine on FC </a:t>
-            </a:r>
-            <a:endParaRPr lang="en-US" altLang="zh-CN" dirty="0">
-              <a:solidFill>
-                <a:schemeClr val="bg1">
-                  <a:lumMod val="50000"/>
-                </a:schemeClr>
-              </a:solidFill>
-              <a:ea typeface="Roboto Cn" pitchFamily="2" charset="0"/>
-              <a:cs typeface="Arial" panose="020B0604020202020204" pitchFamily="34" charset="0"/>
-            </a:endParaRPr>
-          </a:p>
-          <a:p>
-            <a:pPr marL="285750" indent="-285750">
-              <a:buFont typeface="Arial" panose="020B0604020202020204" pitchFamily="34" charset="0"/>
-              <a:buChar char="•"/>
-            </a:pPr>
-            <a:r>
-              <a:rPr lang="en-US" altLang="zh-CN" dirty="0" smtClean="0">
-                <a:solidFill>
-                  <a:schemeClr val="bg1">
-                    <a:lumMod val="50000"/>
-                  </a:schemeClr>
-                </a:solidFill>
-                <a:ea typeface="Roboto Cn" pitchFamily="2" charset="0"/>
-                <a:cs typeface="Arial" panose="020B0604020202020204" pitchFamily="34" charset="0"/>
-              </a:rPr>
-              <a:t>Whether scopolamine-induced memory effect could be </a:t>
-            </a:r>
-          </a:p>
-          <a:p>
-            <a:r>
-              <a:rPr lang="en-US" altLang="zh-CN" dirty="0">
-                <a:solidFill>
-                  <a:schemeClr val="bg1">
-                    <a:lumMod val="50000"/>
-                  </a:schemeClr>
-                </a:solidFill>
-                <a:ea typeface="Roboto Cn" pitchFamily="2" charset="0"/>
-                <a:cs typeface="Arial" panose="020B0604020202020204" pitchFamily="34" charset="0"/>
-              </a:rPr>
-              <a:t> </a:t>
-            </a:r>
-            <a:r>
-              <a:rPr lang="en-US" altLang="zh-CN" dirty="0" smtClean="0">
-                <a:solidFill>
-                  <a:schemeClr val="bg1">
-                    <a:lumMod val="50000"/>
-                  </a:schemeClr>
-                </a:solidFill>
-                <a:ea typeface="Roboto Cn" pitchFamily="2" charset="0"/>
-                <a:cs typeface="Arial" panose="020B0604020202020204" pitchFamily="34" charset="0"/>
-              </a:rPr>
-              <a:t>     reversed with milameline</a:t>
-            </a:r>
-          </a:p>
-        </p:txBody>
-      </p:sp>
-      <p:sp>
-        <p:nvSpPr>
-          <p:cNvPr id="3" name="矩形 2"/>
-          <p:cNvSpPr/>
-          <p:nvPr/>
-        </p:nvSpPr>
-        <p:spPr>
-          <a:xfrm>
-            <a:off x="5156200" y="1562100"/>
-            <a:ext cx="6426200" cy="3911600"/>
-          </a:xfrm>
-          <a:prstGeom prst="rect">
-            <a:avLst/>
-          </a:prstGeom>
-          <a:noFill/>
-          <a:ln w="127000">
-            <a:solidFill>
-              <a:srgbClr val="00ABB4"/>
-            </a:solidFill>
-          </a:ln>
-        </p:spPr>
-        <p:style>
-          <a:lnRef idx="2">
-            <a:schemeClr val="accent1">
-              <a:shade val="50000"/>
-            </a:schemeClr>
-          </a:lnRef>
-          <a:fillRef idx="1">
-            <a:schemeClr val="accent1"/>
-          </a:fillRef>
-          <a:effectRef idx="0">
-            <a:schemeClr val="accent1"/>
-          </a:effectRef>
-          <a:fontRef idx="minor">
-            <a:schemeClr val="lt1"/>
-          </a:fontRef>
-        </p:style>
-        <p:txBody>
-          <a:bodyPr rtlCol="0" anchor="ctr"/>
-          <a:lstStyle/>
-          <a:p>
-            <a:pPr algn="ctr"/>
-            <a:endParaRPr lang="zh-CN" altLang="en-US"/>
-          </a:p>
-        </p:txBody>
-      </p:sp>
-    </p:spTree>
-    <p:extLst>
-      <p:ext uri="{BB962C8B-B14F-4D97-AF65-F5344CB8AC3E}">
-        <p14:creationId xmlns:p14="http://schemas.microsoft.com/office/powerpoint/2010/main" val="80250234"/>
       </p:ext>
     </p:extLst>
   </p:cSld>

--- a/Event/Lateralization.pptx
+++ b/Event/Lateralization.pptx
@@ -125,7 +125,7 @@
   </p:defaultTextStyle>
   <p:extLst>
     <p:ext uri="{EFAFB233-063F-42B5-8137-9DF3F51BA10A}">
-      <p15:sldGuideLst xmlns:p15="http://schemas.microsoft.com/office/powerpoint/2012/main" xmlns="">
+      <p15:sldGuideLst xmlns="" xmlns:p15="http://schemas.microsoft.com/office/powerpoint/2012/main">
         <p15:guide id="1" orient="horz" pos="2160">
           <p15:clr>
             <a:srgbClr val="A4A3A4"/>
@@ -8104,30 +8104,66 @@
             </a:pPr>
             <a:r>
               <a:rPr lang="en-US" altLang="zh-CN" sz="2800" dirty="0"/>
-              <a:t>The behavioral results were analyzed by two-way ANOVA</a:t>
+              <a:t>The behavioral results were analyzed by </a:t>
+            </a:r>
+            <a:r>
+              <a:rPr lang="en-US" altLang="zh-CN" sz="2800" b="1" dirty="0"/>
+              <a:t>two-way ANOVA</a:t>
+            </a:r>
+            <a:r>
+              <a:rPr lang="en-US" altLang="zh-CN" sz="2800" dirty="0"/>
+              <a:t/>
             </a:r>
             <a:br>
               <a:rPr lang="en-US" altLang="zh-CN" sz="2800" dirty="0"/>
             </a:br>
             <a:r>
               <a:rPr lang="en-US" altLang="zh-CN" sz="2800" dirty="0"/>
-              <a:t>with between-subjects factors of transgene (</a:t>
-            </a:r>
-            <a:r>
-              <a:rPr lang="en-US" altLang="zh-CN" sz="2800" dirty="0" err="1"/>
+              <a:t>with </a:t>
+            </a:r>
+            <a:r>
+              <a:rPr lang="en-US" altLang="zh-CN" sz="2800" b="1" dirty="0"/>
+              <a:t>between-subjects</a:t>
+            </a:r>
+            <a:r>
+              <a:rPr lang="en-US" altLang="zh-CN" sz="2800" dirty="0"/>
+              <a:t> factors of </a:t>
+            </a:r>
+            <a:r>
+              <a:rPr lang="en-US" altLang="zh-CN" sz="2800" b="1" dirty="0"/>
+              <a:t>transgene (</a:t>
+            </a:r>
+            <a:r>
+              <a:rPr lang="en-US" altLang="zh-CN" sz="2800" b="1" dirty="0" err="1"/>
               <a:t>NpHR</a:t>
             </a:r>
             <a:r>
+              <a:rPr lang="en-US" altLang="zh-CN" sz="2800" b="1" dirty="0"/>
+              <a:t> vs. YFP) </a:t>
+            </a:r>
+            <a:r>
+              <a:rPr lang="en-US" altLang="zh-CN" sz="2800" dirty="0" smtClean="0"/>
+              <a:t>and </a:t>
+            </a:r>
+            <a:r>
+              <a:rPr lang="en-US" altLang="zh-CN" sz="2800" b="1" dirty="0" smtClean="0"/>
+              <a:t>hemisphere </a:t>
+            </a:r>
+            <a:r>
+              <a:rPr lang="en-US" altLang="zh-CN" sz="2800" b="1" dirty="0"/>
+              <a:t>(left vs. right), </a:t>
+            </a:r>
+            <a:r>
               <a:rPr lang="en-US" altLang="zh-CN" sz="2800" dirty="0"/>
-              <a:t> vs. YFP) </a:t>
-            </a:r>
-            <a:r>
-              <a:rPr lang="en-US" altLang="zh-CN" sz="2800" dirty="0" smtClean="0"/>
-              <a:t>and hemisphere </a:t>
+              <a:t>and also a </a:t>
+            </a:r>
+            <a:r>
+              <a:rPr lang="en-US" altLang="zh-CN" sz="2800" b="1" dirty="0"/>
+              <a:t>within-subjects</a:t>
             </a:r>
             <a:r>
               <a:rPr lang="en-US" altLang="zh-CN" sz="2800" dirty="0"/>
-              <a:t>(left vs. right), and also a within-subjects factor </a:t>
+              <a:t> factor </a:t>
             </a:r>
             <a:r>
               <a:rPr lang="en-US" altLang="zh-CN" sz="2800" dirty="0" smtClean="0"/>
@@ -8135,13 +8171,8 @@
             </a:r>
             <a:r>
               <a:rPr lang="en-US" altLang="zh-CN" sz="2800" dirty="0"/>
-              <a:t>for the long-term memory tests.</a:t>
-            </a:r>
-            <a:r>
-              <a:rPr lang="en-US" altLang="zh-CN" sz="2800" dirty="0"/>
-              <a:t> </a:t>
-            </a:r>
-            <a:endParaRPr lang="en-US" altLang="zh-CN" sz="2800" dirty="0"/>
+              <a:t>for the long-term memory tests. </a:t>
+            </a:r>
           </a:p>
         </p:txBody>
       </p:sp>
@@ -8177,13 +8208,6 @@
               </a:rPr>
               <a:t>Analysis</a:t>
             </a:r>
-            <a:endParaRPr lang="en-US" altLang="zh-CN" sz="4400" b="1" dirty="0" smtClean="0">
-              <a:solidFill>
-                <a:srgbClr val="00ABB4"/>
-              </a:solidFill>
-              <a:latin typeface="微软雅黑" panose="020B0503020204020204" pitchFamily="34" charset="-122"/>
-              <a:ea typeface="微软雅黑" panose="020B0503020204020204" pitchFamily="34" charset="-122"/>
-            </a:endParaRPr>
           </a:p>
         </p:txBody>
       </p:sp>
@@ -8463,7 +8487,6 @@
               <a:rPr lang="en-US" altLang="zh-CN" sz="2800" b="1" dirty="0" smtClean="0"/>
               <a:t>.</a:t>
             </a:r>
-            <a:endParaRPr lang="en-US" altLang="zh-CN" sz="2800" b="1" dirty="0" smtClean="0"/>
           </a:p>
         </p:txBody>
       </p:sp>
@@ -8499,13 +8522,6 @@
               </a:rPr>
               <a:t>Results</a:t>
             </a:r>
-            <a:endParaRPr lang="en-US" altLang="zh-CN" sz="4400" b="1" dirty="0" smtClean="0">
-              <a:solidFill>
-                <a:srgbClr val="00ABB4"/>
-              </a:solidFill>
-              <a:latin typeface="微软雅黑" panose="020B0503020204020204" pitchFamily="34" charset="-122"/>
-              <a:ea typeface="微软雅黑" panose="020B0503020204020204" pitchFamily="34" charset="-122"/>
-            </a:endParaRPr>
           </a:p>
         </p:txBody>
       </p:sp>
@@ -10801,15 +10817,7 @@
                 <a:ea typeface="Meiryo" panose="020B0604030504040204" pitchFamily="34" charset="-128"/>
                 <a:cs typeface="Meiryo" panose="020B0604030504040204" pitchFamily="34" charset="-128"/>
               </a:rPr>
-              <a:t>LTP(CA3-CA1</a:t>
-            </a:r>
-            <a:r>
-              <a:rPr lang="en-US" altLang="zh-CN" sz="2000" dirty="0" smtClean="0">
-                <a:latin typeface="Meiryo" panose="020B0604030504040204" pitchFamily="34" charset="-128"/>
-                <a:ea typeface="Meiryo" panose="020B0604030504040204" pitchFamily="34" charset="-128"/>
-                <a:cs typeface="Meiryo" panose="020B0604030504040204" pitchFamily="34" charset="-128"/>
-              </a:rPr>
-              <a:t>)</a:t>
+              <a:t>LTP(CA3-CA1)</a:t>
             </a:r>
           </a:p>
         </p:txBody>
@@ -11276,11 +11284,6 @@
               </a:rPr>
               <a:t>t tests </a:t>
             </a:r>
-            <a:endParaRPr lang="en-US" altLang="zh-CN" sz="2800" dirty="0">
-              <a:latin typeface="Meiryo" panose="020B0604030504040204" pitchFamily="34" charset="-128"/>
-              <a:ea typeface="Meiryo" panose="020B0604030504040204" pitchFamily="34" charset="-128"/>
-              <a:cs typeface="Meiryo" panose="020B0604030504040204" pitchFamily="34" charset="-128"/>
-            </a:endParaRPr>
           </a:p>
         </p:txBody>
       </p:sp>
@@ -12544,13 +12547,6 @@
               </a:rPr>
               <a:t>Subjects</a:t>
             </a:r>
-            <a:endParaRPr lang="en-US" altLang="zh-CN" sz="4400" b="1" dirty="0" smtClean="0">
-              <a:solidFill>
-                <a:srgbClr val="00ABB4"/>
-              </a:solidFill>
-              <a:latin typeface="微软雅黑" panose="020B0503020204020204" pitchFamily="34" charset="-122"/>
-              <a:ea typeface="微软雅黑" panose="020B0503020204020204" pitchFamily="34" charset="-122"/>
-            </a:endParaRPr>
           </a:p>
         </p:txBody>
       </p:sp>
@@ -12622,11 +12618,7 @@
             </a:r>
             <a:r>
               <a:rPr lang="en-US" altLang="zh-CN" sz="2800" dirty="0" smtClean="0"/>
-              <a:t>: 2</a:t>
-            </a:r>
-            <a:r>
-              <a:rPr lang="en-US" altLang="zh-CN" sz="2800" dirty="0" smtClean="0"/>
-              <a:t> </a:t>
+              <a:t>: 2 </a:t>
             </a:r>
             <a:r>
               <a:rPr lang="en-US" altLang="zh-CN" sz="2800" dirty="0"/>
@@ -12848,14 +12840,7 @@
                 <a:ea typeface="Roboto Cn" pitchFamily="2" charset="0"/>
                 <a:cs typeface="Arial" panose="020B0604020202020204" pitchFamily="34" charset="0"/>
               </a:rPr>
-              <a:t> Short-term memory tasks </a:t>
-            </a:r>
-            <a:r>
-              <a:rPr lang="en-US" altLang="zh-CN" sz="2800" b="1" dirty="0" smtClean="0">
-                <a:ea typeface="Roboto Cn" pitchFamily="2" charset="0"/>
-                <a:cs typeface="Arial" panose="020B0604020202020204" pitchFamily="34" charset="0"/>
-              </a:rPr>
-              <a:t>:</a:t>
+              <a:t> Short-term memory tasks :</a:t>
             </a:r>
           </a:p>
           <a:p>
@@ -12872,11 +12857,7 @@
             </a:r>
             <a:r>
               <a:rPr lang="en-US" altLang="zh-CN" sz="2800" dirty="0"/>
-              <a:t>alternation short-term memory T-maze task</a:t>
-            </a:r>
-            <a:r>
-              <a:rPr lang="en-US" altLang="zh-CN" sz="2800" dirty="0"/>
-              <a:t> </a:t>
+              <a:t>alternation short-term memory T-maze task </a:t>
             </a:r>
             <a:endParaRPr lang="en-US" altLang="zh-CN" sz="2800" dirty="0" smtClean="0"/>
           </a:p>
@@ -12890,11 +12871,7 @@
             </a:pPr>
             <a:r>
               <a:rPr lang="en-US" altLang="zh-CN" sz="2800" dirty="0"/>
-              <a:t>Spatial novelty preference short-term memory Y-maze task</a:t>
-            </a:r>
-            <a:r>
-              <a:rPr lang="en-US" altLang="zh-CN" sz="2800" dirty="0"/>
-              <a:t> </a:t>
+              <a:t>Spatial novelty preference short-term memory Y-maze task </a:t>
             </a:r>
             <a:br>
               <a:rPr lang="en-US" altLang="zh-CN" sz="2800" dirty="0"/>
@@ -12960,11 +12937,7 @@
             </a:r>
             <a:r>
               <a:rPr lang="en-US" altLang="zh-CN" sz="2800" dirty="0"/>
-              <a:t>long-term memory Y-maze task</a:t>
-            </a:r>
-            <a:r>
-              <a:rPr lang="en-US" altLang="zh-CN" sz="2800" dirty="0"/>
-              <a:t> </a:t>
+              <a:t>long-term memory Y-maze task </a:t>
             </a:r>
             <a:br>
               <a:rPr lang="en-US" altLang="zh-CN" sz="2800" dirty="0"/>
@@ -12981,11 +12954,7 @@
             </a:pPr>
             <a:r>
               <a:rPr lang="en-US" altLang="zh-CN" sz="2800" dirty="0"/>
-              <a:t>Visual discrimination long-term memory T-maze task</a:t>
-            </a:r>
-            <a:r>
-              <a:rPr lang="en-US" altLang="zh-CN" sz="2800" dirty="0"/>
-              <a:t> </a:t>
+              <a:t>Visual discrimination long-term memory T-maze task </a:t>
             </a:r>
             <a:endParaRPr lang="en-US" altLang="zh-CN" sz="2800" dirty="0" smtClean="0"/>
           </a:p>
@@ -13023,13 +12992,6 @@
               </a:rPr>
               <a:t>Behavioral tests</a:t>
             </a:r>
-            <a:endParaRPr lang="en-US" altLang="zh-CN" sz="4400" b="1" dirty="0" smtClean="0">
-              <a:solidFill>
-                <a:srgbClr val="00ABB4"/>
-              </a:solidFill>
-              <a:latin typeface="微软雅黑" panose="020B0503020204020204" pitchFamily="34" charset="-122"/>
-              <a:ea typeface="微软雅黑" panose="020B0503020204020204" pitchFamily="34" charset="-122"/>
-            </a:endParaRPr>
           </a:p>
         </p:txBody>
       </p:sp>
@@ -14756,7 +14718,7 @@
   <a:extraClrSchemeLst/>
   <a:extLst>
     <a:ext uri="{05A4C25C-085E-4340-85A3-A5531E510DB2}">
-      <thm15:themeFamily xmlns:thm15="http://schemas.microsoft.com/office/thememl/2012/main" xmlns="" name="Office Theme" id="{62F939B6-93AF-4DB8-9C6B-D6C7DFDC589F}" vid="{4A3C46E8-61CC-4603-A589-7422A47A8E4A}"/>
+      <thm15:themeFamily xmlns="" xmlns:thm15="http://schemas.microsoft.com/office/thememl/2012/main" name="Office Theme" id="{62F939B6-93AF-4DB8-9C6B-D6C7DFDC589F}" vid="{4A3C46E8-61CC-4603-A589-7422A47A8E4A}"/>
     </a:ext>
   </a:extLst>
 </a:theme>
@@ -15017,7 +14979,7 @@
   <a:extraClrSchemeLst/>
   <a:extLst>
     <a:ext uri="{05A4C25C-085E-4340-85A3-A5531E510DB2}">
-      <thm15:themeFamily xmlns:thm15="http://schemas.microsoft.com/office/thememl/2012/main" xmlns="" name="Office Theme" id="{62F939B6-93AF-4DB8-9C6B-D6C7DFDC589F}" vid="{4A3C46E8-61CC-4603-A589-7422A47A8E4A}"/>
+      <thm15:themeFamily xmlns="" xmlns:thm15="http://schemas.microsoft.com/office/thememl/2012/main" name="Office Theme" id="{62F939B6-93AF-4DB8-9C6B-D6C7DFDC589F}" vid="{4A3C46E8-61CC-4603-A589-7422A47A8E4A}"/>
     </a:ext>
   </a:extLst>
 </a:theme>

--- a/Event/Lateralization.pptx
+++ b/Event/Lateralization.pptx
@@ -125,7 +125,7 @@
   </p:defaultTextStyle>
   <p:extLst>
     <p:ext uri="{EFAFB233-063F-42B5-8137-9DF3F51BA10A}">
-      <p15:sldGuideLst xmlns="" xmlns:p15="http://schemas.microsoft.com/office/powerpoint/2012/main">
+      <p15:sldGuideLst xmlns:p15="http://schemas.microsoft.com/office/powerpoint/2012/main" xmlns="">
         <p15:guide id="1" orient="horz" pos="2160">
           <p15:clr>
             <a:srgbClr val="A4A3A4"/>
@@ -14718,7 +14718,7 @@
   <a:extraClrSchemeLst/>
   <a:extLst>
     <a:ext uri="{05A4C25C-085E-4340-85A3-A5531E510DB2}">
-      <thm15:themeFamily xmlns="" xmlns:thm15="http://schemas.microsoft.com/office/thememl/2012/main" name="Office Theme" id="{62F939B6-93AF-4DB8-9C6B-D6C7DFDC589F}" vid="{4A3C46E8-61CC-4603-A589-7422A47A8E4A}"/>
+      <thm15:themeFamily xmlns:thm15="http://schemas.microsoft.com/office/thememl/2012/main" xmlns="" name="Office Theme" id="{62F939B6-93AF-4DB8-9C6B-D6C7DFDC589F}" vid="{4A3C46E8-61CC-4603-A589-7422A47A8E4A}"/>
     </a:ext>
   </a:extLst>
 </a:theme>
@@ -14979,7 +14979,7 @@
   <a:extraClrSchemeLst/>
   <a:extLst>
     <a:ext uri="{05A4C25C-085E-4340-85A3-A5531E510DB2}">
-      <thm15:themeFamily xmlns="" xmlns:thm15="http://schemas.microsoft.com/office/thememl/2012/main" name="Office Theme" id="{62F939B6-93AF-4DB8-9C6B-D6C7DFDC589F}" vid="{4A3C46E8-61CC-4603-A589-7422A47A8E4A}"/>
+      <thm15:themeFamily xmlns:thm15="http://schemas.microsoft.com/office/thememl/2012/main" xmlns="" name="Office Theme" id="{62F939B6-93AF-4DB8-9C6B-D6C7DFDC589F}" vid="{4A3C46E8-61CC-4603-A589-7422A47A8E4A}"/>
     </a:ext>
   </a:extLst>
 </a:theme>

--- a/Event/Lateralization.pptx
+++ b/Event/Lateralization.pptx
@@ -5,26 +5,30 @@
     <p:sldMasterId id="2147483648" r:id="rId1"/>
   </p:sldMasterIdLst>
   <p:notesMasterIdLst>
-    <p:notesMasterId r:id="rId19"/>
+    <p:notesMasterId r:id="rId23"/>
   </p:notesMasterIdLst>
   <p:sldIdLst>
-    <p:sldId id="257" r:id="rId2"/>
-    <p:sldId id="380" r:id="rId3"/>
-    <p:sldId id="403" r:id="rId4"/>
-    <p:sldId id="398" r:id="rId5"/>
-    <p:sldId id="402" r:id="rId6"/>
-    <p:sldId id="407" r:id="rId7"/>
-    <p:sldId id="399" r:id="rId8"/>
-    <p:sldId id="404" r:id="rId9"/>
-    <p:sldId id="400" r:id="rId10"/>
-    <p:sldId id="405" r:id="rId11"/>
-    <p:sldId id="406" r:id="rId12"/>
-    <p:sldId id="409" r:id="rId13"/>
-    <p:sldId id="408" r:id="rId14"/>
-    <p:sldId id="401" r:id="rId15"/>
-    <p:sldId id="303" r:id="rId16"/>
-    <p:sldId id="349" r:id="rId17"/>
-    <p:sldId id="387" r:id="rId18"/>
+    <p:sldId id="410" r:id="rId2"/>
+    <p:sldId id="413" r:id="rId3"/>
+    <p:sldId id="257" r:id="rId4"/>
+    <p:sldId id="380" r:id="rId5"/>
+    <p:sldId id="403" r:id="rId6"/>
+    <p:sldId id="398" r:id="rId7"/>
+    <p:sldId id="402" r:id="rId8"/>
+    <p:sldId id="407" r:id="rId9"/>
+    <p:sldId id="399" r:id="rId10"/>
+    <p:sldId id="404" r:id="rId11"/>
+    <p:sldId id="400" r:id="rId12"/>
+    <p:sldId id="405" r:id="rId13"/>
+    <p:sldId id="406" r:id="rId14"/>
+    <p:sldId id="409" r:id="rId15"/>
+    <p:sldId id="408" r:id="rId16"/>
+    <p:sldId id="401" r:id="rId17"/>
+    <p:sldId id="414" r:id="rId18"/>
+    <p:sldId id="415" r:id="rId19"/>
+    <p:sldId id="416" r:id="rId20"/>
+    <p:sldId id="303" r:id="rId21"/>
+    <p:sldId id="387" r:id="rId22"/>
   </p:sldIdLst>
   <p:sldSz cx="12192000" cy="6858000"/>
   <p:notesSz cx="6858000" cy="9144000"/>
@@ -125,7 +129,7 @@
   </p:defaultTextStyle>
   <p:extLst>
     <p:ext uri="{EFAFB233-063F-42B5-8137-9DF3F51BA10A}">
-      <p15:sldGuideLst xmlns:p15="http://schemas.microsoft.com/office/powerpoint/2012/main" xmlns="">
+      <p15:sldGuideLst xmlns="" xmlns:p15="http://schemas.microsoft.com/office/powerpoint/2012/main">
         <p15:guide id="1" orient="horz" pos="2160">
           <p15:clr>
             <a:srgbClr val="A4A3A4"/>
@@ -224,7 +228,7 @@
           <a:p>
             <a:fld id="{ED08DCF7-5CAD-4434-B858-7D84B7651FD7}" type="datetimeFigureOut">
               <a:rPr lang="zh-CN" altLang="en-US" smtClean="0"/>
-              <a:t>2018/3/7</a:t>
+              <a:t>2018/3/8</a:t>
             </a:fld>
             <a:endParaRPr lang="zh-CN" altLang="en-US"/>
           </a:p>
@@ -536,66 +540,6 @@
           <a:bodyPr/>
           <a:lstStyle/>
           <a:p>
-            <a:r>
-              <a:rPr lang="en-US" altLang="zh-CN" sz="1200" b="0" i="0" kern="1200" dirty="0" smtClean="0">
-                <a:solidFill>
-                  <a:schemeClr val="tx1"/>
-                </a:solidFill>
-                <a:effectLst/>
-                <a:latin typeface="+mn-lt"/>
-                <a:ea typeface="+mn-ea"/>
-                <a:cs typeface="+mn-cs"/>
-              </a:rPr>
-              <a:t>PNAS</a:t>
-            </a:r>
-            <a:r>
-              <a:rPr lang="zh-CN" altLang="en-US" sz="1200" b="0" i="0" kern="1200" dirty="0" smtClean="0">
-                <a:solidFill>
-                  <a:schemeClr val="tx1"/>
-                </a:solidFill>
-                <a:effectLst/>
-                <a:latin typeface="+mn-lt"/>
-                <a:ea typeface="+mn-ea"/>
-                <a:cs typeface="+mn-cs"/>
-              </a:rPr>
-              <a:t>是</a:t>
-            </a:r>
-            <a:r>
-              <a:rPr lang="en-US" altLang="zh-CN" sz="1200" b="0" i="0" kern="1200" dirty="0" smtClean="0">
-                <a:solidFill>
-                  <a:schemeClr val="tx1"/>
-                </a:solidFill>
-                <a:effectLst/>
-                <a:latin typeface="+mn-lt"/>
-                <a:ea typeface="+mn-ea"/>
-                <a:cs typeface="+mn-cs"/>
-              </a:rPr>
-              <a:t>《</a:t>
-            </a:r>
-            <a:r>
-              <a:rPr lang="zh-CN" altLang="en-US" sz="1200" b="0" i="0" kern="1200" dirty="0" smtClean="0">
-                <a:solidFill>
-                  <a:schemeClr val="tx1"/>
-                </a:solidFill>
-                <a:effectLst/>
-                <a:latin typeface="+mn-lt"/>
-                <a:ea typeface="+mn-ea"/>
-                <a:cs typeface="+mn-cs"/>
-              </a:rPr>
-              <a:t>美国科学院院报</a:t>
-            </a:r>
-            <a:r>
-              <a:rPr lang="en-US" altLang="zh-CN" sz="1200" b="0" i="0" kern="1200" dirty="0" smtClean="0">
-                <a:solidFill>
-                  <a:schemeClr val="tx1"/>
-                </a:solidFill>
-                <a:effectLst/>
-                <a:latin typeface="+mn-lt"/>
-                <a:ea typeface="+mn-ea"/>
-                <a:cs typeface="+mn-cs"/>
-              </a:rPr>
-              <a:t>》9.423</a:t>
-            </a:r>
             <a:endParaRPr lang="zh-CN" altLang="en-US" dirty="0"/>
           </a:p>
         </p:txBody>
@@ -626,7 +570,7 @@
     </p:spTree>
     <p:extLst>
       <p:ext uri="{BB962C8B-B14F-4D97-AF65-F5344CB8AC3E}">
-        <p14:creationId xmlns:p14="http://schemas.microsoft.com/office/powerpoint/2010/main" val="2904033859"/>
+        <p14:creationId xmlns:p14="http://schemas.microsoft.com/office/powerpoint/2010/main" val="2146267446"/>
       </p:ext>
     </p:extLst>
   </p:cSld>
@@ -977,7 +921,7 @@
                 <a:ea typeface="msgothic" charset="0"/>
                 <a:cs typeface="msgothic" charset="0"/>
               </a:rPr>
-              <a:t>Hippocampus-dependent associative spatial long-term memory uniquely requires the left CA3. (</a:t>
+              <a:t>Hippocampus-dependent short-term memory requires the left and right CA3. (</a:t>
             </a:r>
             <a:r>
               <a:rPr lang="en-GB" i="1">
@@ -993,7 +937,7 @@
                 <a:ea typeface="msgothic" charset="0"/>
                 <a:cs typeface="msgothic" charset="0"/>
               </a:rPr>
-              <a:t>) Mice were trained on a hippocampus-dependent long-term memory task where they had to associate a reward location that was fixed with respect to allocentric extramaze spatial cues (black square, circle, and triangle), and remained constant for each mouse across consecutive days of testing. Mice received arm starts (S) to the left or the right of the rewarded arm (+) in a pseudorandom order. Mice entering the nonrewarded arm (−) were not allowed to self-correct. (</a:t>
+              <a:t>) Mice were tested on a spontaneous alternation task in a T-maze. S, start arm. (</a:t>
             </a:r>
             <a:r>
               <a:rPr lang="en-GB" i="1">
@@ -1009,7 +953,7 @@
                 <a:ea typeface="msgothic" charset="0"/>
                 <a:cs typeface="msgothic" charset="0"/>
               </a:rPr>
-              <a:t>) Light delivery in mice expressing eNpHR3.0 in the left CA3 (left-NpHR, blue) impairs but does not affect learning in right-NpHR mice (red) and control groups (left-YFP: black, right-YFP: gray) in this hippocampus-dependent long-term memory task. (</a:t>
+              <a:t>) Light delivery during this task reduces spontaneous alternation of right-NpHR and left-NpHR mice compared with their respective YFP controls. (</a:t>
             </a:r>
             <a:r>
               <a:rPr lang="en-GB" i="1">
@@ -1025,7 +969,7 @@
                 <a:ea typeface="msgothic" charset="0"/>
                 <a:cs typeface="msgothic" charset="0"/>
               </a:rPr>
-              <a:t>) Average performance on penultimate day. (</a:t>
+              <a:t>) Mice were tested on a spatial novelty preference task in a Y-maze. (</a:t>
             </a:r>
             <a:r>
               <a:rPr lang="en-GB" i="1">
@@ -1041,7 +985,7 @@
                 <a:ea typeface="msgothic" charset="0"/>
                 <a:cs typeface="msgothic" charset="0"/>
               </a:rPr>
-              <a:t>) Mice were trained on a hippocampus-independent visual-discrimination long-term memory task where they had to associate arm floor and wall color (gray vs. black-and-white stripes) with a reward; this was fixed for each mouse across consecutive days of testing. Rewarded (+) and nonrewarded (−) arms were pseudorandomly interchanged so that reward location was learnt independent of the spatial position of the arms of the maze. (</a:t>
+              <a:t>) Light delivery during this task reduces preference for the novel arm in right-NpHR and left-NpHR mice compared with their respective YFP controls. Broken lines represent chance performance. Mean percentages ± SEM. *</a:t>
             </a:r>
             <a:r>
               <a:rPr lang="en-GB" i="1">
@@ -1049,7 +993,7 @@
                 <a:ea typeface="msgothic" charset="0"/>
                 <a:cs typeface="msgothic" charset="0"/>
               </a:rPr>
-              <a:t>E</a:t>
+              <a:t>P</a:t>
             </a:r>
             <a:r>
               <a:rPr lang="en-GB">
@@ -1057,7 +1001,7 @@
                 <a:ea typeface="msgothic" charset="0"/>
                 <a:cs typeface="msgothic" charset="0"/>
               </a:rPr>
-              <a:t>) Mice in all groups successfully learned this task at an equivalent rate. (</a:t>
+              <a:t> &lt; 0.05; **</a:t>
             </a:r>
             <a:r>
               <a:rPr lang="en-GB" i="1">
@@ -1065,7 +1009,7 @@
                 <a:ea typeface="msgothic" charset="0"/>
                 <a:cs typeface="msgothic" charset="0"/>
               </a:rPr>
-              <a:t>F</a:t>
+              <a:t>P</a:t>
             </a:r>
             <a:r>
               <a:rPr lang="en-GB">
@@ -1073,7 +1017,7 @@
                 <a:ea typeface="msgothic" charset="0"/>
                 <a:cs typeface="msgothic" charset="0"/>
               </a:rPr>
-              <a:t>) Average performance on penultimate day. In both tasks, on the last day of testing, reward was delivered after the animal had chosen to control for the possibility of mice smelling the milk (postchoice baiting). Broken lines represent chance performance. Mean percentage correct choices ± SEM. ***</a:t>
+              <a:t> &lt; 0.01, ***</a:t>
             </a:r>
             <a:r>
               <a:rPr lang="en-GB" i="1">
@@ -1571,225 +1515,6 @@
 <file path=ppt/notesSlides/notesSlide12.xml><?xml version="1.0" encoding="utf-8"?>
 <p:notes xmlns:a="http://schemas.openxmlformats.org/drawingml/2006/main" xmlns:r="http://schemas.openxmlformats.org/officeDocument/2006/relationships" xmlns:p="http://schemas.openxmlformats.org/presentationml/2006/main">
   <p:cSld>
-    <p:spTree>
-      <p:nvGrpSpPr>
-        <p:cNvPr id="1" name=""/>
-        <p:cNvGrpSpPr/>
-        <p:nvPr/>
-      </p:nvGrpSpPr>
-      <p:grpSpPr>
-        <a:xfrm>
-          <a:off x="0" y="0"/>
-          <a:ext cx="0" cy="0"/>
-          <a:chOff x="0" y="0"/>
-          <a:chExt cx="0" cy="0"/>
-        </a:xfrm>
-      </p:grpSpPr>
-      <p:sp>
-        <p:nvSpPr>
-          <p:cNvPr id="2" name="幻灯片图像占位符 1"/>
-          <p:cNvSpPr>
-            <a:spLocks noGrp="1" noRot="1" noChangeAspect="1"/>
-          </p:cNvSpPr>
-          <p:nvPr>
-            <p:ph type="sldImg"/>
-          </p:nvPr>
-        </p:nvSpPr>
-        <p:spPr/>
-      </p:sp>
-      <p:sp>
-        <p:nvSpPr>
-          <p:cNvPr id="3" name="备注占位符 2"/>
-          <p:cNvSpPr>
-            <a:spLocks noGrp="1"/>
-          </p:cNvSpPr>
-          <p:nvPr>
-            <p:ph type="body" idx="1"/>
-          </p:nvPr>
-        </p:nvSpPr>
-        <p:spPr/>
-        <p:txBody>
-          <a:bodyPr/>
-          <a:lstStyle/>
-          <a:p>
-            <a:pPr marL="457200" lvl="1" indent="0">
-              <a:lnSpc>
-                <a:spcPct val="150000"/>
-              </a:lnSpc>
-              <a:buFont typeface="Arial" panose="020B0604020202020204" pitchFamily="34" charset="0"/>
-              <a:buNone/>
-            </a:pPr>
-            <a:endParaRPr lang="en-US" altLang="zh-CN" sz="2800" dirty="0"/>
-          </a:p>
-        </p:txBody>
-      </p:sp>
-      <p:sp>
-        <p:nvSpPr>
-          <p:cNvPr id="4" name="灯片编号占位符 3"/>
-          <p:cNvSpPr>
-            <a:spLocks noGrp="1"/>
-          </p:cNvSpPr>
-          <p:nvPr>
-            <p:ph type="sldNum" sz="quarter" idx="10"/>
-          </p:nvPr>
-        </p:nvSpPr>
-        <p:spPr/>
-        <p:txBody>
-          <a:bodyPr/>
-          <a:lstStyle/>
-          <a:p>
-            <a:fld id="{DD202784-B46A-4EF4-B218-4316F9133D14}" type="slidenum">
-              <a:rPr lang="zh-CN" altLang="en-US" smtClean="0"/>
-              <a:t>12</a:t>
-            </a:fld>
-            <a:endParaRPr lang="zh-CN" altLang="en-US"/>
-          </a:p>
-        </p:txBody>
-      </p:sp>
-    </p:spTree>
-    <p:extLst>
-      <p:ext uri="{BB962C8B-B14F-4D97-AF65-F5344CB8AC3E}">
-        <p14:creationId xmlns:p14="http://schemas.microsoft.com/office/powerpoint/2010/main" val="3763311556"/>
-      </p:ext>
-    </p:extLst>
-  </p:cSld>
-  <p:clrMapOvr>
-    <a:masterClrMapping/>
-  </p:clrMapOvr>
-</p:notes>
-</file>
-
-<file path=ppt/notesSlides/notesSlide13.xml><?xml version="1.0" encoding="utf-8"?>
-<p:notes xmlns:a="http://schemas.openxmlformats.org/drawingml/2006/main" xmlns:r="http://schemas.openxmlformats.org/officeDocument/2006/relationships" xmlns:p="http://schemas.openxmlformats.org/presentationml/2006/main">
-  <p:cSld>
-    <p:spTree>
-      <p:nvGrpSpPr>
-        <p:cNvPr id="1" name=""/>
-        <p:cNvGrpSpPr/>
-        <p:nvPr/>
-      </p:nvGrpSpPr>
-      <p:grpSpPr>
-        <a:xfrm>
-          <a:off x="0" y="0"/>
-          <a:ext cx="0" cy="0"/>
-          <a:chOff x="0" y="0"/>
-          <a:chExt cx="0" cy="0"/>
-        </a:xfrm>
-      </p:grpSpPr>
-      <p:sp>
-        <p:nvSpPr>
-          <p:cNvPr id="2" name="幻灯片图像占位符 1"/>
-          <p:cNvSpPr>
-            <a:spLocks noGrp="1" noRot="1" noChangeAspect="1"/>
-          </p:cNvSpPr>
-          <p:nvPr>
-            <p:ph type="sldImg"/>
-          </p:nvPr>
-        </p:nvSpPr>
-        <p:spPr/>
-      </p:sp>
-      <p:sp>
-        <p:nvSpPr>
-          <p:cNvPr id="3" name="备注占位符 2"/>
-          <p:cNvSpPr>
-            <a:spLocks noGrp="1"/>
-          </p:cNvSpPr>
-          <p:nvPr>
-            <p:ph type="body" idx="1"/>
-          </p:nvPr>
-        </p:nvSpPr>
-        <p:spPr/>
-        <p:txBody>
-          <a:bodyPr/>
-          <a:lstStyle/>
-          <a:p>
-            <a:pPr marL="742950" lvl="1" indent="-285750">
-              <a:lnSpc>
-                <a:spcPct val="150000"/>
-              </a:lnSpc>
-              <a:buFont typeface="Arial" panose="020B0604020202020204" pitchFamily="34" charset="0"/>
-              <a:buChar char="•"/>
-            </a:pPr>
-            <a:r>
-              <a:rPr lang="en-US" altLang="zh-CN" sz="2800" b="1" dirty="0" smtClean="0"/>
-              <a:t>Unilateral silencing of either the left or right CA3 was sufficient to impair short-term memory </a:t>
-            </a:r>
-            <a:endParaRPr lang="en-US" altLang="zh-CN" sz="2800" b="0" dirty="0" smtClean="0"/>
-          </a:p>
-          <a:p>
-            <a:pPr marL="742950" marR="0" lvl="1" indent="-285750" algn="l" defTabSz="914400" rtl="0" eaLnBrk="1" fontAlgn="auto" latinLnBrk="0" hangingPunct="1">
-              <a:lnSpc>
-                <a:spcPct val="150000"/>
-              </a:lnSpc>
-              <a:spcBef>
-                <a:spcPts val="0"/>
-              </a:spcBef>
-              <a:spcAft>
-                <a:spcPts val="0"/>
-              </a:spcAft>
-              <a:buClrTx/>
-              <a:buSzTx/>
-              <a:buFont typeface="Arial" panose="020B0604020202020204" pitchFamily="34" charset="0"/>
-              <a:buChar char="•"/>
-              <a:tabLst/>
-              <a:defRPr/>
-            </a:pPr>
-            <a:r>
-              <a:rPr lang="en-US" altLang="zh-CN" sz="2800" b="1" dirty="0" smtClean="0"/>
-              <a:t>A striking asymmetry emerged in long-term memory, wherein only left CA3 silencing impaired performance on an associative spatial long-term memory task.</a:t>
-            </a:r>
-          </a:p>
-          <a:p>
-            <a:pPr marL="457200" lvl="1" indent="0">
-              <a:lnSpc>
-                <a:spcPct val="150000"/>
-              </a:lnSpc>
-              <a:buFont typeface="Arial" panose="020B0604020202020204" pitchFamily="34" charset="0"/>
-              <a:buNone/>
-            </a:pPr>
-            <a:endParaRPr lang="en-US" altLang="zh-CN" sz="2800" dirty="0"/>
-          </a:p>
-        </p:txBody>
-      </p:sp>
-      <p:sp>
-        <p:nvSpPr>
-          <p:cNvPr id="4" name="灯片编号占位符 3"/>
-          <p:cNvSpPr>
-            <a:spLocks noGrp="1"/>
-          </p:cNvSpPr>
-          <p:nvPr>
-            <p:ph type="sldNum" sz="quarter" idx="10"/>
-          </p:nvPr>
-        </p:nvSpPr>
-        <p:spPr/>
-        <p:txBody>
-          <a:bodyPr/>
-          <a:lstStyle/>
-          <a:p>
-            <a:fld id="{DD202784-B46A-4EF4-B218-4316F9133D14}" type="slidenum">
-              <a:rPr lang="zh-CN" altLang="en-US" smtClean="0"/>
-              <a:t>13</a:t>
-            </a:fld>
-            <a:endParaRPr lang="zh-CN" altLang="en-US"/>
-          </a:p>
-        </p:txBody>
-      </p:sp>
-    </p:spTree>
-    <p:extLst>
-      <p:ext uri="{BB962C8B-B14F-4D97-AF65-F5344CB8AC3E}">
-        <p14:creationId xmlns:p14="http://schemas.microsoft.com/office/powerpoint/2010/main" val="3763311556"/>
-      </p:ext>
-    </p:extLst>
-  </p:cSld>
-  <p:clrMapOvr>
-    <a:masterClrMapping/>
-  </p:clrMapOvr>
-</p:notes>
-</file>
-
-<file path=ppt/notesSlides/notesSlide14.xml><?xml version="1.0" encoding="utf-8"?>
-<p:notes xmlns:a="http://schemas.openxmlformats.org/drawingml/2006/main" xmlns:r="http://schemas.openxmlformats.org/officeDocument/2006/relationships" xmlns:p="http://schemas.openxmlformats.org/presentationml/2006/main">
-  <p:cSld>
     <p:bg>
       <p:bgPr>
         <a:solidFill>
@@ -2128,7 +1853,7 @@
                 <a:ea typeface="msgothic" charset="0"/>
                 <a:cs typeface="msgothic" charset="0"/>
               </a:rPr>
-              <a:t>High-frequency stimulation-induced LTP is asymmetrically expressed at the CA3–CA1 pyramidal cell synapse. (</a:t>
+              <a:t>Hippocampus-dependent associative spatial long-term memory uniquely requires the left CA3. (</a:t>
             </a:r>
             <a:r>
               <a:rPr lang="en-GB" i="1">
@@ -2144,7 +1869,7 @@
                 <a:ea typeface="msgothic" charset="0"/>
                 <a:cs typeface="msgothic" charset="0"/>
               </a:rPr>
-              <a:t>, </a:t>
+              <a:t>) Mice were trained on a hippocampus-dependent long-term memory task where they had to associate a reward location that was fixed with respect to allocentric extramaze spatial cues (black square, circle, and triangle), and remained constant for each mouse across consecutive days of testing. Mice received arm starts (S) to the left or the right of the rewarded arm (+) in a pseudorandom order. Mice entering the nonrewarded arm (−) were not allowed to self-correct. (</a:t>
             </a:r>
             <a:r>
               <a:rPr lang="en-GB" i="1">
@@ -2152,7 +1877,7 @@
                 <a:ea typeface="msgothic" charset="0"/>
                 <a:cs typeface="msgothic" charset="0"/>
               </a:rPr>
-              <a:t>Upper</a:t>
+              <a:t>B</a:t>
             </a:r>
             <a:r>
               <a:rPr lang="en-GB">
@@ -2160,7 +1885,7 @@
                 <a:ea typeface="msgothic" charset="0"/>
                 <a:cs typeface="msgothic" charset="0"/>
               </a:rPr>
-              <a:t>) Adeno-associated virus containing hChR2-eYFP construct under the control of a CaMKIIα promoter was unilaterally injected into the dorsal CA3 area of C57BL/6J mice. (</a:t>
+              <a:t>) Light delivery in mice expressing eNpHR3.0 in the left CA3 (left-NpHR, blue) impairs but does not affect learning in right-NpHR mice (red) and control groups (left-YFP: black, right-YFP: gray) in this hippocampus-dependent long-term memory task. (</a:t>
             </a:r>
             <a:r>
               <a:rPr lang="en-GB" i="1">
@@ -2168,7 +1893,7 @@
                 <a:ea typeface="msgothic" charset="0"/>
                 <a:cs typeface="msgothic" charset="0"/>
               </a:rPr>
-              <a:t>Lower</a:t>
+              <a:t>C</a:t>
             </a:r>
             <a:r>
               <a:rPr lang="en-GB">
@@ -2176,7 +1901,7 @@
                 <a:ea typeface="msgothic" charset="0"/>
                 <a:cs typeface="msgothic" charset="0"/>
               </a:rPr>
-              <a:t>) An electrode to deliver nonselective electrical stimulation was placed in the stratum radiatum and a high-power 470-nm LED was arranged to recruit an overlapping population of projections. Optical stimulation only recruits projections originating in the CA3 of the injected hemisphere (yellow), whereas electrical stimulation is nonselective (black and yellow). Electrical stimulation was used to deliver the high-frequency LTP induction protocol and the effects were monitored via field recording of EPSPs evoked by electrical or optical stimulation. (</a:t>
+              <a:t>) Average performance on penultimate day. (</a:t>
             </a:r>
             <a:r>
               <a:rPr lang="en-GB" i="1">
@@ -2184,7 +1909,7 @@
                 <a:ea typeface="msgothic" charset="0"/>
                 <a:cs typeface="msgothic" charset="0"/>
               </a:rPr>
-              <a:t>B</a:t>
+              <a:t>D</a:t>
             </a:r>
             <a:r>
               <a:rPr lang="en-GB">
@@ -2192,7 +1917,7 @@
                 <a:ea typeface="msgothic" charset="0"/>
                 <a:cs typeface="msgothic" charset="0"/>
               </a:rPr>
-              <a:t>) HFS produces robust LTP in the electrical pathway (black triangles), but LTP is only expressed in the optical pathway (circles) when projections originate in the left CA3. (</a:t>
+              <a:t>) Mice were trained on a hippocampus-independent visual-discrimination long-term memory task where they had to associate arm floor and wall color (gray vs. black-and-white stripes) with a reward; this was fixed for each mouse across consecutive days of testing. Rewarded (+) and nonrewarded (−) arms were pseudorandomly interchanged so that reward location was learnt independent of the spatial position of the arms of the maze. (</a:t>
             </a:r>
             <a:r>
               <a:rPr lang="en-GB" i="1">
@@ -2200,7 +1925,7 @@
                 <a:ea typeface="msgothic" charset="0"/>
                 <a:cs typeface="msgothic" charset="0"/>
               </a:rPr>
-              <a:t>Insets</a:t>
+              <a:t>E</a:t>
             </a:r>
             <a:r>
               <a:rPr lang="en-GB">
@@ -2208,7 +1933,7 @@
                 <a:ea typeface="msgothic" charset="0"/>
                 <a:cs typeface="msgothic" charset="0"/>
               </a:rPr>
-              <a:t>) Representative field EPSPs at the indicated time points (1, 2). (</a:t>
+              <a:t>) Mice in all groups successfully learned this task at an equivalent rate. (</a:t>
             </a:r>
             <a:r>
               <a:rPr lang="en-GB" i="1">
@@ -2216,7 +1941,7 @@
                 <a:ea typeface="msgothic" charset="0"/>
                 <a:cs typeface="msgothic" charset="0"/>
               </a:rPr>
-              <a:t>C</a:t>
+              <a:t>F</a:t>
             </a:r>
             <a:r>
               <a:rPr lang="en-GB">
@@ -2224,7 +1949,7 @@
                 <a:ea typeface="msgothic" charset="0"/>
                 <a:cs typeface="msgothic" charset="0"/>
               </a:rPr>
-              <a:t>) Significantly more LTP is observed in left-injected mice than in right-injected mice in the optical pathway. Broken lines represent baseline. Error bars represent SEM. **</a:t>
+              <a:t>) Average performance on penultimate day. In both tasks, on the last day of testing, reward was delivered after the animal had chosen to control for the possibility of mice smelling the milk (postchoice baiting). Broken lines represent chance performance. Mean percentage correct choices ± SEM. ***</a:t>
             </a:r>
             <a:r>
               <a:rPr lang="en-GB" i="1">
@@ -2240,23 +1965,7 @@
                 <a:ea typeface="msgothic" charset="0"/>
                 <a:cs typeface="msgothic" charset="0"/>
               </a:rPr>
-              <a:t> &lt; 0.01, Student’s </a:t>
-            </a:r>
-            <a:r>
-              <a:rPr lang="en-GB" i="1">
-                <a:latin typeface="Arial" charset="0"/>
-                <a:ea typeface="msgothic" charset="0"/>
-                <a:cs typeface="msgothic" charset="0"/>
-              </a:rPr>
-              <a:t>t</a:t>
-            </a:r>
-            <a:r>
-              <a:rPr lang="en-GB">
-                <a:latin typeface="Arial" charset="0"/>
-                <a:ea typeface="msgothic" charset="0"/>
-                <a:cs typeface="msgothic" charset="0"/>
-              </a:rPr>
-              <a:t> test.</a:t>
+              <a:t> &lt; 0.001.</a:t>
             </a:r>
           </a:p>
         </p:txBody>
@@ -2269,280 +1978,7 @@
 </p:notes>
 </file>
 
-<file path=ppt/notesSlides/notesSlide15.xml><?xml version="1.0" encoding="utf-8"?>
-<p:notes xmlns:a="http://schemas.openxmlformats.org/drawingml/2006/main" xmlns:r="http://schemas.openxmlformats.org/officeDocument/2006/relationships" xmlns:p="http://schemas.openxmlformats.org/presentationml/2006/main">
-  <p:cSld>
-    <p:spTree>
-      <p:nvGrpSpPr>
-        <p:cNvPr id="1" name=""/>
-        <p:cNvGrpSpPr/>
-        <p:nvPr/>
-      </p:nvGrpSpPr>
-      <p:grpSpPr>
-        <a:xfrm>
-          <a:off x="0" y="0"/>
-          <a:ext cx="0" cy="0"/>
-          <a:chOff x="0" y="0"/>
-          <a:chExt cx="0" cy="0"/>
-        </a:xfrm>
-      </p:grpSpPr>
-      <p:sp>
-        <p:nvSpPr>
-          <p:cNvPr id="2" name="幻灯片图像占位符 1"/>
-          <p:cNvSpPr>
-            <a:spLocks noGrp="1" noRot="1" noChangeAspect="1"/>
-          </p:cNvSpPr>
-          <p:nvPr>
-            <p:ph type="sldImg"/>
-          </p:nvPr>
-        </p:nvSpPr>
-        <p:spPr/>
-      </p:sp>
-      <p:sp>
-        <p:nvSpPr>
-          <p:cNvPr id="3" name="备注占位符 2"/>
-          <p:cNvSpPr>
-            <a:spLocks noGrp="1"/>
-          </p:cNvSpPr>
-          <p:nvPr>
-            <p:ph type="body" idx="1"/>
-          </p:nvPr>
-        </p:nvSpPr>
-        <p:spPr/>
-        <p:txBody>
-          <a:bodyPr/>
-          <a:lstStyle/>
-          <a:p>
-            <a:endParaRPr lang="zh-CN" altLang="en-US" dirty="0"/>
-          </a:p>
-        </p:txBody>
-      </p:sp>
-      <p:sp>
-        <p:nvSpPr>
-          <p:cNvPr id="4" name="灯片编号占位符 3"/>
-          <p:cNvSpPr>
-            <a:spLocks noGrp="1"/>
-          </p:cNvSpPr>
-          <p:nvPr>
-            <p:ph type="sldNum" sz="quarter" idx="10"/>
-          </p:nvPr>
-        </p:nvSpPr>
-        <p:spPr/>
-        <p:txBody>
-          <a:bodyPr/>
-          <a:lstStyle/>
-          <a:p>
-            <a:fld id="{DD202784-B46A-4EF4-B218-4316F9133D14}" type="slidenum">
-              <a:rPr lang="zh-CN" altLang="en-US" smtClean="0"/>
-              <a:t>16</a:t>
-            </a:fld>
-            <a:endParaRPr lang="zh-CN" altLang="en-US"/>
-          </a:p>
-        </p:txBody>
-      </p:sp>
-    </p:spTree>
-    <p:extLst>
-      <p:ext uri="{BB962C8B-B14F-4D97-AF65-F5344CB8AC3E}">
-        <p14:creationId xmlns:p14="http://schemas.microsoft.com/office/powerpoint/2010/main" val="2146267446"/>
-      </p:ext>
-    </p:extLst>
-  </p:cSld>
-  <p:clrMapOvr>
-    <a:masterClrMapping/>
-  </p:clrMapOvr>
-</p:notes>
-</file>
-
-<file path=ppt/notesSlides/notesSlide2.xml><?xml version="1.0" encoding="utf-8"?>
-<p:notes xmlns:a="http://schemas.openxmlformats.org/drawingml/2006/main" xmlns:r="http://schemas.openxmlformats.org/officeDocument/2006/relationships" xmlns:p="http://schemas.openxmlformats.org/presentationml/2006/main">
-  <p:cSld>
-    <p:spTree>
-      <p:nvGrpSpPr>
-        <p:cNvPr id="1" name=""/>
-        <p:cNvGrpSpPr/>
-        <p:nvPr/>
-      </p:nvGrpSpPr>
-      <p:grpSpPr>
-        <a:xfrm>
-          <a:off x="0" y="0"/>
-          <a:ext cx="0" cy="0"/>
-          <a:chOff x="0" y="0"/>
-          <a:chExt cx="0" cy="0"/>
-        </a:xfrm>
-      </p:grpSpPr>
-      <p:sp>
-        <p:nvSpPr>
-          <p:cNvPr id="2" name="幻灯片图像占位符 1"/>
-          <p:cNvSpPr>
-            <a:spLocks noGrp="1" noRot="1" noChangeAspect="1"/>
-          </p:cNvSpPr>
-          <p:nvPr>
-            <p:ph type="sldImg"/>
-          </p:nvPr>
-        </p:nvSpPr>
-        <p:spPr/>
-      </p:sp>
-      <p:sp>
-        <p:nvSpPr>
-          <p:cNvPr id="3" name="备注占位符 2"/>
-          <p:cNvSpPr>
-            <a:spLocks noGrp="1"/>
-          </p:cNvSpPr>
-          <p:nvPr>
-            <p:ph type="body" idx="1"/>
-          </p:nvPr>
-        </p:nvSpPr>
-        <p:spPr/>
-        <p:txBody>
-          <a:bodyPr/>
-          <a:lstStyle/>
-          <a:p>
-            <a:pPr marL="0" marR="0" indent="0" algn="l" defTabSz="914400" rtl="0" eaLnBrk="1" fontAlgn="auto" latinLnBrk="0" hangingPunct="1">
-              <a:lnSpc>
-                <a:spcPct val="100000"/>
-              </a:lnSpc>
-              <a:spcBef>
-                <a:spcPts val="0"/>
-              </a:spcBef>
-              <a:spcAft>
-                <a:spcPts val="0"/>
-              </a:spcAft>
-              <a:buClrTx/>
-              <a:buSzTx/>
-              <a:buFontTx/>
-              <a:buNone/>
-              <a:tabLst/>
-              <a:defRPr/>
-            </a:pPr>
-            <a:endParaRPr lang="en-US" altLang="zh-CN" sz="1200" dirty="0" smtClean="0">
-              <a:latin typeface="Meiryo" panose="020B0604030504040204" pitchFamily="34" charset="-128"/>
-              <a:ea typeface="Meiryo" panose="020B0604030504040204" pitchFamily="34" charset="-128"/>
-              <a:cs typeface="Meiryo" panose="020B0604030504040204" pitchFamily="34" charset="-128"/>
-            </a:endParaRPr>
-          </a:p>
-        </p:txBody>
-      </p:sp>
-      <p:sp>
-        <p:nvSpPr>
-          <p:cNvPr id="4" name="灯片编号占位符 3"/>
-          <p:cNvSpPr>
-            <a:spLocks noGrp="1"/>
-          </p:cNvSpPr>
-          <p:nvPr>
-            <p:ph type="sldNum" sz="quarter" idx="10"/>
-          </p:nvPr>
-        </p:nvSpPr>
-        <p:spPr/>
-        <p:txBody>
-          <a:bodyPr/>
-          <a:lstStyle/>
-          <a:p>
-            <a:fld id="{DD202784-B46A-4EF4-B218-4316F9133D14}" type="slidenum">
-              <a:rPr lang="zh-CN" altLang="en-US" smtClean="0"/>
-              <a:t>2</a:t>
-            </a:fld>
-            <a:endParaRPr lang="zh-CN" altLang="en-US"/>
-          </a:p>
-        </p:txBody>
-      </p:sp>
-    </p:spTree>
-    <p:extLst>
-      <p:ext uri="{BB962C8B-B14F-4D97-AF65-F5344CB8AC3E}">
-        <p14:creationId xmlns:p14="http://schemas.microsoft.com/office/powerpoint/2010/main" val="3950054587"/>
-      </p:ext>
-    </p:extLst>
-  </p:cSld>
-  <p:clrMapOvr>
-    <a:masterClrMapping/>
-  </p:clrMapOvr>
-</p:notes>
-</file>
-
-<file path=ppt/notesSlides/notesSlide3.xml><?xml version="1.0" encoding="utf-8"?>
-<p:notes xmlns:a="http://schemas.openxmlformats.org/drawingml/2006/main" xmlns:r="http://schemas.openxmlformats.org/officeDocument/2006/relationships" xmlns:p="http://schemas.openxmlformats.org/presentationml/2006/main">
-  <p:cSld>
-    <p:spTree>
-      <p:nvGrpSpPr>
-        <p:cNvPr id="1" name=""/>
-        <p:cNvGrpSpPr/>
-        <p:nvPr/>
-      </p:nvGrpSpPr>
-      <p:grpSpPr>
-        <a:xfrm>
-          <a:off x="0" y="0"/>
-          <a:ext cx="0" cy="0"/>
-          <a:chOff x="0" y="0"/>
-          <a:chExt cx="0" cy="0"/>
-        </a:xfrm>
-      </p:grpSpPr>
-      <p:sp>
-        <p:nvSpPr>
-          <p:cNvPr id="2" name="幻灯片图像占位符 1"/>
-          <p:cNvSpPr>
-            <a:spLocks noGrp="1" noRot="1" noChangeAspect="1"/>
-          </p:cNvSpPr>
-          <p:nvPr>
-            <p:ph type="sldImg"/>
-          </p:nvPr>
-        </p:nvSpPr>
-        <p:spPr/>
-      </p:sp>
-      <p:sp>
-        <p:nvSpPr>
-          <p:cNvPr id="3" name="备注占位符 2"/>
-          <p:cNvSpPr>
-            <a:spLocks noGrp="1"/>
-          </p:cNvSpPr>
-          <p:nvPr>
-            <p:ph type="body" idx="1"/>
-          </p:nvPr>
-        </p:nvSpPr>
-        <p:spPr/>
-        <p:txBody>
-          <a:bodyPr/>
-          <a:lstStyle/>
-          <a:p>
-            <a:endParaRPr lang="zh-CN" altLang="en-US" dirty="0"/>
-          </a:p>
-        </p:txBody>
-      </p:sp>
-      <p:sp>
-        <p:nvSpPr>
-          <p:cNvPr id="4" name="灯片编号占位符 3"/>
-          <p:cNvSpPr>
-            <a:spLocks noGrp="1"/>
-          </p:cNvSpPr>
-          <p:nvPr>
-            <p:ph type="sldNum" sz="quarter" idx="10"/>
-          </p:nvPr>
-        </p:nvSpPr>
-        <p:spPr/>
-        <p:txBody>
-          <a:bodyPr/>
-          <a:lstStyle/>
-          <a:p>
-            <a:fld id="{DD202784-B46A-4EF4-B218-4316F9133D14}" type="slidenum">
-              <a:rPr lang="zh-CN" altLang="en-US" smtClean="0"/>
-              <a:t>3</a:t>
-            </a:fld>
-            <a:endParaRPr lang="zh-CN" altLang="en-US"/>
-          </a:p>
-        </p:txBody>
-      </p:sp>
-    </p:spTree>
-    <p:extLst>
-      <p:ext uri="{BB962C8B-B14F-4D97-AF65-F5344CB8AC3E}">
-        <p14:creationId xmlns:p14="http://schemas.microsoft.com/office/powerpoint/2010/main" val="3776015239"/>
-      </p:ext>
-    </p:extLst>
-  </p:cSld>
-  <p:clrMapOvr>
-    <a:masterClrMapping/>
-  </p:clrMapOvr>
-</p:notes>
-</file>
-
-<file path=ppt/notesSlides/notesSlide4.xml><?xml version="1.0" encoding="utf-8"?>
+<file path=ppt/notesSlides/notesSlide13.xml><?xml version="1.0" encoding="utf-8"?>
 <p:notes xmlns:a="http://schemas.openxmlformats.org/drawingml/2006/main" xmlns:r="http://schemas.openxmlformats.org/officeDocument/2006/relationships" xmlns:p="http://schemas.openxmlformats.org/presentationml/2006/main">
   <p:cSld>
     <p:bg>
@@ -2878,228 +2314,124 @@
               <a:buNone/>
             </a:pPr>
             <a:r>
-              <a:rPr lang="en-GB" dirty="0" err="1">
+              <a:rPr lang="en-GB">
                 <a:latin typeface="Arial" charset="0"/>
                 <a:ea typeface="msgothic" charset="0"/>
                 <a:cs typeface="msgothic" charset="0"/>
               </a:rPr>
-              <a:t>Optogenetics</a:t>
-            </a:r>
-            <a:r>
-              <a:rPr lang="en-GB" dirty="0">
+              <a:t>Hippocampus-dependent associative spatial long-term memory uniquely requires the left CA3. (</a:t>
+            </a:r>
+            <a:r>
+              <a:rPr lang="en-GB" i="1">
                 <a:latin typeface="Arial" charset="0"/>
                 <a:ea typeface="msgothic" charset="0"/>
                 <a:cs typeface="msgothic" charset="0"/>
               </a:rPr>
-              <a:t> enables acute silencing of CA3 activity in vivo. (</a:t>
-            </a:r>
-            <a:r>
-              <a:rPr lang="en-GB" i="1" dirty="0">
+              <a:t>A</a:t>
+            </a:r>
+            <a:r>
+              <a:rPr lang="en-GB">
                 <a:latin typeface="Arial" charset="0"/>
                 <a:ea typeface="msgothic" charset="0"/>
                 <a:cs typeface="msgothic" charset="0"/>
               </a:rPr>
-              <a:t>A</a:t>
-            </a:r>
-            <a:r>
-              <a:rPr lang="en-GB" dirty="0">
+              <a:t>) Mice were trained on a hippocampus-dependent long-term memory task where they had to associate a reward location that was fixed with respect to allocentric extramaze spatial cues (black square, circle, and triangle), and remained constant for each mouse across consecutive days of testing. Mice received arm starts (S) to the left or the right of the rewarded arm (+) in a pseudorandom order. Mice entering the nonrewarded arm (−) were not allowed to self-correct. (</a:t>
+            </a:r>
+            <a:r>
+              <a:rPr lang="en-GB" i="1">
                 <a:latin typeface="Arial" charset="0"/>
                 <a:ea typeface="msgothic" charset="0"/>
                 <a:cs typeface="msgothic" charset="0"/>
               </a:rPr>
-              <a:t>) </a:t>
-            </a:r>
-            <a:r>
-              <a:rPr lang="en-GB" dirty="0" err="1">
+              <a:t>B</a:t>
+            </a:r>
+            <a:r>
+              <a:rPr lang="en-GB">
                 <a:latin typeface="Arial" charset="0"/>
                 <a:ea typeface="msgothic" charset="0"/>
                 <a:cs typeface="msgothic" charset="0"/>
               </a:rPr>
-              <a:t>Adeno</a:t>
-            </a:r>
-            <a:r>
-              <a:rPr lang="en-GB" dirty="0">
+              <a:t>) Light delivery in mice expressing eNpHR3.0 in the left CA3 (left-NpHR, blue) impairs but does not affect learning in right-NpHR mice (red) and control groups (left-YFP: black, right-YFP: gray) in this hippocampus-dependent long-term memory task. (</a:t>
+            </a:r>
+            <a:r>
+              <a:rPr lang="en-GB" i="1">
                 <a:latin typeface="Arial" charset="0"/>
                 <a:ea typeface="msgothic" charset="0"/>
                 <a:cs typeface="msgothic" charset="0"/>
               </a:rPr>
-              <a:t>-associated virus containing the eNpHR3.0-eYFP construct under the control of a </a:t>
-            </a:r>
-            <a:r>
-              <a:rPr lang="en-GB" dirty="0" err="1">
+              <a:t>C</a:t>
+            </a:r>
+            <a:r>
+              <a:rPr lang="en-GB">
                 <a:latin typeface="Arial" charset="0"/>
                 <a:ea typeface="msgothic" charset="0"/>
                 <a:cs typeface="msgothic" charset="0"/>
               </a:rPr>
-              <a:t>CaMKII</a:t>
-            </a:r>
-            <a:r>
-              <a:rPr lang="en-GB" dirty="0">
+              <a:t>) Average performance on penultimate day. (</a:t>
+            </a:r>
+            <a:r>
+              <a:rPr lang="en-GB" i="1">
                 <a:latin typeface="Arial" charset="0"/>
                 <a:ea typeface="msgothic" charset="0"/>
                 <a:cs typeface="msgothic" charset="0"/>
               </a:rPr>
-              <a:t>α promoter was used. WPRE, woodchuck hepatitis posttranscriptional regulatory element. (</a:t>
-            </a:r>
-            <a:r>
-              <a:rPr lang="en-GB" i="1" dirty="0">
+              <a:t>D</a:t>
+            </a:r>
+            <a:r>
+              <a:rPr lang="en-GB">
                 <a:latin typeface="Arial" charset="0"/>
                 <a:ea typeface="msgothic" charset="0"/>
                 <a:cs typeface="msgothic" charset="0"/>
               </a:rPr>
-              <a:t>B</a:t>
-            </a:r>
-            <a:r>
-              <a:rPr lang="en-GB" dirty="0">
+              <a:t>) Mice were trained on a hippocampus-independent visual-discrimination long-term memory task where they had to associate arm floor and wall color (gray vs. black-and-white stripes) with a reward; this was fixed for each mouse across consecutive days of testing. Rewarded (+) and nonrewarded (−) arms were pseudorandomly interchanged so that reward location was learnt independent of the spatial position of the arms of the maze. (</a:t>
+            </a:r>
+            <a:r>
+              <a:rPr lang="en-GB" i="1">
                 <a:latin typeface="Arial" charset="0"/>
                 <a:ea typeface="msgothic" charset="0"/>
                 <a:cs typeface="msgothic" charset="0"/>
               </a:rPr>
-              <a:t>) Virus was unilaterally injected into two sites in the dorsal CA3 area of C57BL/6J mice for use in </a:t>
-            </a:r>
-            <a:r>
-              <a:rPr lang="en-GB" dirty="0" err="1">
+              <a:t>E</a:t>
+            </a:r>
+            <a:r>
+              <a:rPr lang="en-GB">
                 <a:latin typeface="Arial" charset="0"/>
                 <a:ea typeface="msgothic" charset="0"/>
                 <a:cs typeface="msgothic" charset="0"/>
               </a:rPr>
-              <a:t>optrode</a:t>
-            </a:r>
-            <a:r>
-              <a:rPr lang="en-GB" dirty="0">
+              <a:t>) Mice in all groups successfully learned this task at an equivalent rate. (</a:t>
+            </a:r>
+            <a:r>
+              <a:rPr lang="en-GB" i="1">
                 <a:latin typeface="Arial" charset="0"/>
                 <a:ea typeface="msgothic" charset="0"/>
                 <a:cs typeface="msgothic" charset="0"/>
               </a:rPr>
-              <a:t> recordings. For </a:t>
-            </a:r>
-            <a:r>
-              <a:rPr lang="en-GB" dirty="0" err="1">
+              <a:t>F</a:t>
+            </a:r>
+            <a:r>
+              <a:rPr lang="en-GB">
                 <a:latin typeface="Arial" charset="0"/>
                 <a:ea typeface="msgothic" charset="0"/>
                 <a:cs typeface="msgothic" charset="0"/>
               </a:rPr>
-              <a:t>behavioral</a:t>
-            </a:r>
-            <a:r>
-              <a:rPr lang="en-GB" dirty="0">
+              <a:t>) Average performance on penultimate day. In both tasks, on the last day of testing, reward was delivered after the animal had chosen to control for the possibility of mice smelling the milk (postchoice baiting). Broken lines represent chance performance. Mean percentage correct choices ± SEM. ***</a:t>
+            </a:r>
+            <a:r>
+              <a:rPr lang="en-GB" i="1">
                 <a:latin typeface="Arial" charset="0"/>
                 <a:ea typeface="msgothic" charset="0"/>
                 <a:cs typeface="msgothic" charset="0"/>
               </a:rPr>
-              <a:t> experiments, an optical </a:t>
-            </a:r>
-            <a:r>
-              <a:rPr lang="en-GB" dirty="0" err="1">
+              <a:t>P</a:t>
+            </a:r>
+            <a:r>
+              <a:rPr lang="en-GB">
                 <a:latin typeface="Arial" charset="0"/>
                 <a:ea typeface="msgothic" charset="0"/>
                 <a:cs typeface="msgothic" charset="0"/>
               </a:rPr>
-              <a:t>fiber</a:t>
-            </a:r>
-            <a:r>
-              <a:rPr lang="en-GB" dirty="0">
-                <a:latin typeface="Arial" charset="0"/>
-                <a:ea typeface="msgothic" charset="0"/>
-                <a:cs typeface="msgothic" charset="0"/>
-              </a:rPr>
-              <a:t> was also implanted between the two injection sites. (</a:t>
-            </a:r>
-            <a:r>
-              <a:rPr lang="en-GB" i="1" dirty="0">
-                <a:latin typeface="Arial" charset="0"/>
-                <a:ea typeface="msgothic" charset="0"/>
-                <a:cs typeface="msgothic" charset="0"/>
-              </a:rPr>
-              <a:t>C</a:t>
-            </a:r>
-            <a:r>
-              <a:rPr lang="en-GB" dirty="0">
-                <a:latin typeface="Arial" charset="0"/>
-                <a:ea typeface="msgothic" charset="0"/>
-                <a:cs typeface="msgothic" charset="0"/>
-              </a:rPr>
-              <a:t>) Two-site virus injection resulted in eNpHR3.0-eYFP or </a:t>
-            </a:r>
-            <a:r>
-              <a:rPr lang="en-GB" dirty="0" err="1">
-                <a:latin typeface="Arial" charset="0"/>
-                <a:ea typeface="msgothic" charset="0"/>
-                <a:cs typeface="msgothic" charset="0"/>
-              </a:rPr>
-              <a:t>eYFP</a:t>
-            </a:r>
-            <a:r>
-              <a:rPr lang="en-GB" dirty="0">
-                <a:latin typeface="Arial" charset="0"/>
-                <a:ea typeface="msgothic" charset="0"/>
-                <a:cs typeface="msgothic" charset="0"/>
-              </a:rPr>
-              <a:t> expression in CA3 and CA3 projections in the entire dorsal hippocampus. (</a:t>
-            </a:r>
-            <a:r>
-              <a:rPr lang="en-GB" i="1" dirty="0">
-                <a:latin typeface="Arial" charset="0"/>
-                <a:ea typeface="msgothic" charset="0"/>
-                <a:cs typeface="msgothic" charset="0"/>
-              </a:rPr>
-              <a:t>Upper</a:t>
-            </a:r>
-            <a:r>
-              <a:rPr lang="en-GB" dirty="0">
-                <a:latin typeface="Arial" charset="0"/>
-                <a:ea typeface="msgothic" charset="0"/>
-                <a:cs typeface="msgothic" charset="0"/>
-              </a:rPr>
-              <a:t>) Expression at approximate location of implant. (</a:t>
-            </a:r>
-            <a:r>
-              <a:rPr lang="en-GB" i="1" dirty="0">
-                <a:latin typeface="Arial" charset="0"/>
-                <a:ea typeface="msgothic" charset="0"/>
-                <a:cs typeface="msgothic" charset="0"/>
-              </a:rPr>
-              <a:t>Lower</a:t>
-            </a:r>
-            <a:r>
-              <a:rPr lang="en-GB" dirty="0">
-                <a:latin typeface="Arial" charset="0"/>
-                <a:ea typeface="msgothic" charset="0"/>
-                <a:cs typeface="msgothic" charset="0"/>
-              </a:rPr>
-              <a:t>) Approximate location of two injection sites. (Scale bars, 1 mm.) (</a:t>
-            </a:r>
-            <a:r>
-              <a:rPr lang="en-GB" i="1" dirty="0">
-                <a:latin typeface="Arial" charset="0"/>
-                <a:ea typeface="msgothic" charset="0"/>
-                <a:cs typeface="msgothic" charset="0"/>
-              </a:rPr>
-              <a:t>D</a:t>
-            </a:r>
-            <a:r>
-              <a:rPr lang="en-GB" dirty="0">
-                <a:latin typeface="Arial" charset="0"/>
-                <a:ea typeface="msgothic" charset="0"/>
-                <a:cs typeface="msgothic" charset="0"/>
-              </a:rPr>
-              <a:t>) Illumination of CA3 neurons in eNpHR3.0-expressing mice for 30 s resulted in a reversible reduction in spontaneous spiking frequency. A representative </a:t>
-            </a:r>
-            <a:r>
-              <a:rPr lang="en-GB" dirty="0" err="1">
-                <a:latin typeface="Arial" charset="0"/>
-                <a:ea typeface="msgothic" charset="0"/>
-                <a:cs typeface="msgothic" charset="0"/>
-              </a:rPr>
-              <a:t>optrode</a:t>
-            </a:r>
-            <a:r>
-              <a:rPr lang="en-GB" dirty="0">
-                <a:latin typeface="Arial" charset="0"/>
-                <a:ea typeface="msgothic" charset="0"/>
-                <a:cs typeface="msgothic" charset="0"/>
-              </a:rPr>
-              <a:t> recording trace as well as normalized mean frequency is shown. Error bars represent SEM.</a:t>
+              <a:t> &lt; 0.001.</a:t>
             </a:r>
           </a:p>
         </p:txBody>
@@ -3112,7 +2444,7 @@
 </p:notes>
 </file>
 
-<file path=ppt/notesSlides/notesSlide5.xml><?xml version="1.0" encoding="utf-8"?>
+<file path=ppt/notesSlides/notesSlide14.xml><?xml version="1.0" encoding="utf-8"?>
 <p:notes xmlns:a="http://schemas.openxmlformats.org/drawingml/2006/main" xmlns:r="http://schemas.openxmlformats.org/officeDocument/2006/relationships" xmlns:p="http://schemas.openxmlformats.org/presentationml/2006/main">
   <p:cSld>
     <p:spTree>
@@ -3156,7 +2488,14 @@
           <a:bodyPr/>
           <a:lstStyle/>
           <a:p>
-            <a:endParaRPr lang="zh-CN" altLang="en-US" dirty="0"/>
+            <a:pPr marL="457200" lvl="1" indent="0">
+              <a:lnSpc>
+                <a:spcPct val="150000"/>
+              </a:lnSpc>
+              <a:buFont typeface="Arial" panose="020B0604020202020204" pitchFamily="34" charset="0"/>
+              <a:buNone/>
+            </a:pPr>
+            <a:endParaRPr lang="en-US" altLang="zh-CN" sz="2800" dirty="0"/>
           </a:p>
         </p:txBody>
       </p:sp>
@@ -3177,7 +2516,7 @@
           <a:p>
             <a:fld id="{DD202784-B46A-4EF4-B218-4316F9133D14}" type="slidenum">
               <a:rPr lang="zh-CN" altLang="en-US" smtClean="0"/>
-              <a:t>5</a:t>
+              <a:t>14</a:t>
             </a:fld>
             <a:endParaRPr lang="zh-CN" altLang="en-US"/>
           </a:p>
@@ -3186,7 +2525,7 @@
     </p:spTree>
     <p:extLst>
       <p:ext uri="{BB962C8B-B14F-4D97-AF65-F5344CB8AC3E}">
-        <p14:creationId xmlns:p14="http://schemas.microsoft.com/office/powerpoint/2010/main" val="3776015239"/>
+        <p14:creationId xmlns:p14="http://schemas.microsoft.com/office/powerpoint/2010/main" val="3763311556"/>
       </p:ext>
     </p:extLst>
   </p:cSld>
@@ -3196,7 +2535,7 @@
 </p:notes>
 </file>
 
-<file path=ppt/notesSlides/notesSlide6.xml><?xml version="1.0" encoding="utf-8"?>
+<file path=ppt/notesSlides/notesSlide15.xml><?xml version="1.0" encoding="utf-8"?>
 <p:notes xmlns:a="http://schemas.openxmlformats.org/drawingml/2006/main" xmlns:r="http://schemas.openxmlformats.org/officeDocument/2006/relationships" xmlns:p="http://schemas.openxmlformats.org/presentationml/2006/main">
   <p:cSld>
     <p:spTree>
@@ -3240,56 +2579,51 @@
           <a:bodyPr/>
           <a:lstStyle/>
           <a:p>
-            <a:r>
-              <a:rPr lang="zh-CN" altLang="en-US" dirty="0" smtClean="0"/>
-              <a:t>训练时间：</a:t>
-            </a:r>
-            <a:r>
-              <a:rPr lang="en-US" altLang="zh-CN" dirty="0" smtClean="0"/>
-              <a:t>				light</a:t>
-            </a:r>
-            <a:r>
-              <a:rPr lang="zh-CN" altLang="en-US" dirty="0" smtClean="0"/>
-              <a:t>：</a:t>
-            </a:r>
-            <a:endParaRPr lang="en-US" altLang="zh-CN" dirty="0" smtClean="0"/>
-          </a:p>
-          <a:p>
-            <a:r>
-              <a:rPr lang="en-US" altLang="zh-CN" dirty="0" smtClean="0"/>
-              <a:t>A</a:t>
-            </a:r>
-            <a:r>
-              <a:rPr lang="en-US" altLang="zh-CN" baseline="0" dirty="0" smtClean="0"/>
-              <a:t> 30s				On &amp; Off separately</a:t>
-            </a:r>
-          </a:p>
-          <a:p>
-            <a:r>
-              <a:rPr lang="en-US" altLang="zh-CN" baseline="0" dirty="0" smtClean="0"/>
-              <a:t>B 6 min				On</a:t>
-            </a:r>
-          </a:p>
-          <a:p>
-            <a:r>
-              <a:rPr lang="en-US" altLang="zh-CN" baseline="0" dirty="0" smtClean="0"/>
-              <a:t>C 11 days </a:t>
-            </a:r>
-            <a:r>
-              <a:rPr lang="zh-CN" altLang="en-US" baseline="0" dirty="0" smtClean="0"/>
-              <a:t>，</a:t>
-            </a:r>
-            <a:r>
-              <a:rPr lang="en-US" altLang="zh-CN" baseline="0" dirty="0" smtClean="0"/>
-              <a:t>then 7 days blank		On</a:t>
-            </a:r>
-          </a:p>
-          <a:p>
-            <a:r>
-              <a:rPr lang="en-US" altLang="zh-CN" baseline="0" dirty="0" smtClean="0"/>
-              <a:t>D 8 days				On</a:t>
-            </a:r>
-            <a:endParaRPr lang="zh-CN" altLang="en-US" dirty="0"/>
+            <a:pPr marL="742950" lvl="1" indent="-285750">
+              <a:lnSpc>
+                <a:spcPct val="150000"/>
+              </a:lnSpc>
+              <a:buFont typeface="Arial" panose="020B0604020202020204" pitchFamily="34" charset="0"/>
+              <a:buChar char="•"/>
+            </a:pPr>
+            <a:r>
+              <a:rPr lang="en-US" altLang="zh-CN" sz="2800" b="1" dirty="0" smtClean="0"/>
+              <a:t>Unilateral silencing of either the left or right CA3 was sufficient to impair short-term memory </a:t>
+            </a:r>
+            <a:endParaRPr lang="en-US" altLang="zh-CN" sz="2800" b="0" dirty="0" smtClean="0"/>
+          </a:p>
+          <a:p>
+            <a:pPr marL="742950" marR="0" lvl="1" indent="-285750" algn="l" defTabSz="914400" rtl="0" eaLnBrk="1" fontAlgn="auto" latinLnBrk="0" hangingPunct="1">
+              <a:lnSpc>
+                <a:spcPct val="150000"/>
+              </a:lnSpc>
+              <a:spcBef>
+                <a:spcPts val="0"/>
+              </a:spcBef>
+              <a:spcAft>
+                <a:spcPts val="0"/>
+              </a:spcAft>
+              <a:buClrTx/>
+              <a:buSzTx/>
+              <a:buFont typeface="Arial" panose="020B0604020202020204" pitchFamily="34" charset="0"/>
+              <a:buChar char="•"/>
+              <a:tabLst/>
+              <a:defRPr/>
+            </a:pPr>
+            <a:r>
+              <a:rPr lang="en-US" altLang="zh-CN" sz="2800" b="1" dirty="0" smtClean="0"/>
+              <a:t>A striking asymmetry emerged in long-term memory, wherein only left CA3 silencing impaired performance on an associative spatial long-term memory task.</a:t>
+            </a:r>
+          </a:p>
+          <a:p>
+            <a:pPr marL="457200" lvl="1" indent="0">
+              <a:lnSpc>
+                <a:spcPct val="150000"/>
+              </a:lnSpc>
+              <a:buFont typeface="Arial" panose="020B0604020202020204" pitchFamily="34" charset="0"/>
+              <a:buNone/>
+            </a:pPr>
+            <a:endParaRPr lang="en-US" altLang="zh-CN" sz="2800" dirty="0"/>
           </a:p>
         </p:txBody>
       </p:sp>
@@ -3310,7 +2644,7 @@
           <a:p>
             <a:fld id="{DD202784-B46A-4EF4-B218-4316F9133D14}" type="slidenum">
               <a:rPr lang="zh-CN" altLang="en-US" smtClean="0"/>
-              <a:t>6</a:t>
+              <a:t>15</a:t>
             </a:fld>
             <a:endParaRPr lang="zh-CN" altLang="en-US"/>
           </a:p>
@@ -3329,7 +2663,7 @@
 </p:notes>
 </file>
 
-<file path=ppt/notesSlides/notesSlide7.xml><?xml version="1.0" encoding="utf-8"?>
+<file path=ppt/notesSlides/notesSlide16.xml><?xml version="1.0" encoding="utf-8"?>
 <p:notes xmlns:a="http://schemas.openxmlformats.org/drawingml/2006/main" xmlns:r="http://schemas.openxmlformats.org/officeDocument/2006/relationships" xmlns:p="http://schemas.openxmlformats.org/presentationml/2006/main">
   <p:cSld>
     <p:bg>
@@ -3665,15 +2999,15 @@
               <a:buNone/>
             </a:pPr>
             <a:r>
-              <a:rPr lang="en-GB" dirty="0">
+              <a:rPr lang="en-GB">
                 <a:latin typeface="Arial" charset="0"/>
                 <a:ea typeface="msgothic" charset="0"/>
                 <a:cs typeface="msgothic" charset="0"/>
               </a:rPr>
-              <a:t>Hippocampus-dependent short-term memory requires the left and right CA3. (</a:t>
-            </a:r>
-            <a:r>
-              <a:rPr lang="en-GB" i="1" dirty="0">
+              <a:t>High-frequency stimulation-induced LTP is asymmetrically expressed at the CA3–CA1 pyramidal cell synapse. (</a:t>
+            </a:r>
+            <a:r>
+              <a:rPr lang="en-GB" i="1">
                 <a:latin typeface="Arial" charset="0"/>
                 <a:ea typeface="msgothic" charset="0"/>
                 <a:cs typeface="msgothic" charset="0"/>
@@ -3681,172 +3015,124 @@
               <a:t>A</a:t>
             </a:r>
             <a:r>
-              <a:rPr lang="en-GB" dirty="0">
+              <a:rPr lang="en-GB">
                 <a:latin typeface="Arial" charset="0"/>
                 <a:ea typeface="msgothic" charset="0"/>
                 <a:cs typeface="msgothic" charset="0"/>
               </a:rPr>
-              <a:t>) Mice were tested on a spontaneous alternation task in a T-maze. S, start arm. (</a:t>
-            </a:r>
-            <a:r>
-              <a:rPr lang="en-GB" i="1" dirty="0">
+              <a:t>, </a:t>
+            </a:r>
+            <a:r>
+              <a:rPr lang="en-GB" i="1">
                 <a:latin typeface="Arial" charset="0"/>
                 <a:ea typeface="msgothic" charset="0"/>
                 <a:cs typeface="msgothic" charset="0"/>
               </a:rPr>
+              <a:t>Upper</a:t>
+            </a:r>
+            <a:r>
+              <a:rPr lang="en-GB">
+                <a:latin typeface="Arial" charset="0"/>
+                <a:ea typeface="msgothic" charset="0"/>
+                <a:cs typeface="msgothic" charset="0"/>
+              </a:rPr>
+              <a:t>) Adeno-associated virus containing hChR2-eYFP construct under the control of a CaMKIIα promoter was unilaterally injected into the dorsal CA3 area of C57BL/6J mice. (</a:t>
+            </a:r>
+            <a:r>
+              <a:rPr lang="en-GB" i="1">
+                <a:latin typeface="Arial" charset="0"/>
+                <a:ea typeface="msgothic" charset="0"/>
+                <a:cs typeface="msgothic" charset="0"/>
+              </a:rPr>
+              <a:t>Lower</a:t>
+            </a:r>
+            <a:r>
+              <a:rPr lang="en-GB">
+                <a:latin typeface="Arial" charset="0"/>
+                <a:ea typeface="msgothic" charset="0"/>
+                <a:cs typeface="msgothic" charset="0"/>
+              </a:rPr>
+              <a:t>) An electrode to deliver nonselective electrical stimulation was placed in the stratum radiatum and a high-power 470-nm LED was arranged to recruit an overlapping population of projections. Optical stimulation only recruits projections originating in the CA3 of the injected hemisphere (yellow), whereas electrical stimulation is nonselective (black and yellow). Electrical stimulation was used to deliver the high-frequency LTP induction protocol and the effects were monitored via field recording of EPSPs evoked by electrical or optical stimulation. (</a:t>
+            </a:r>
+            <a:r>
+              <a:rPr lang="en-GB" i="1">
+                <a:latin typeface="Arial" charset="0"/>
+                <a:ea typeface="msgothic" charset="0"/>
+                <a:cs typeface="msgothic" charset="0"/>
+              </a:rPr>
               <a:t>B</a:t>
             </a:r>
             <a:r>
-              <a:rPr lang="en-GB" dirty="0">
+              <a:rPr lang="en-GB">
                 <a:latin typeface="Arial" charset="0"/>
                 <a:ea typeface="msgothic" charset="0"/>
                 <a:cs typeface="msgothic" charset="0"/>
               </a:rPr>
-              <a:t>) Light delivery during this task reduces spontaneous alternation of right-</a:t>
-            </a:r>
-            <a:r>
-              <a:rPr lang="en-GB" dirty="0" err="1">
+              <a:t>) HFS produces robust LTP in the electrical pathway (black triangles), but LTP is only expressed in the optical pathway (circles) when projections originate in the left CA3. (</a:t>
+            </a:r>
+            <a:r>
+              <a:rPr lang="en-GB" i="1">
                 <a:latin typeface="Arial" charset="0"/>
                 <a:ea typeface="msgothic" charset="0"/>
                 <a:cs typeface="msgothic" charset="0"/>
               </a:rPr>
-              <a:t>NpHR</a:t>
-            </a:r>
-            <a:r>
-              <a:rPr lang="en-GB" dirty="0">
+              <a:t>Insets</a:t>
+            </a:r>
+            <a:r>
+              <a:rPr lang="en-GB">
                 <a:latin typeface="Arial" charset="0"/>
                 <a:ea typeface="msgothic" charset="0"/>
                 <a:cs typeface="msgothic" charset="0"/>
               </a:rPr>
-              <a:t> and left-</a:t>
-            </a:r>
-            <a:r>
-              <a:rPr lang="en-GB" dirty="0" err="1">
+              <a:t>) Representative field EPSPs at the indicated time points (1, 2). (</a:t>
+            </a:r>
+            <a:r>
+              <a:rPr lang="en-GB" i="1">
                 <a:latin typeface="Arial" charset="0"/>
                 <a:ea typeface="msgothic" charset="0"/>
                 <a:cs typeface="msgothic" charset="0"/>
               </a:rPr>
-              <a:t>NpHR</a:t>
-            </a:r>
-            <a:r>
-              <a:rPr lang="en-GB" dirty="0">
+              <a:t>C</a:t>
+            </a:r>
+            <a:r>
+              <a:rPr lang="en-GB">
                 <a:latin typeface="Arial" charset="0"/>
                 <a:ea typeface="msgothic" charset="0"/>
                 <a:cs typeface="msgothic" charset="0"/>
               </a:rPr>
-              <a:t> mice compared with their respective YFP controls. (</a:t>
-            </a:r>
-            <a:r>
-              <a:rPr lang="en-GB" i="1" dirty="0">
+              <a:t>) Significantly more LTP is observed in left-injected mice than in right-injected mice in the optical pathway. Broken lines represent baseline. Error bars represent SEM. **</a:t>
+            </a:r>
+            <a:r>
+              <a:rPr lang="en-GB" i="1">
                 <a:latin typeface="Arial" charset="0"/>
                 <a:ea typeface="msgothic" charset="0"/>
                 <a:cs typeface="msgothic" charset="0"/>
               </a:rPr>
-              <a:t>C</a:t>
-            </a:r>
-            <a:r>
-              <a:rPr lang="en-GB" dirty="0">
+              <a:t>P</a:t>
+            </a:r>
+            <a:r>
+              <a:rPr lang="en-GB">
                 <a:latin typeface="Arial" charset="0"/>
                 <a:ea typeface="msgothic" charset="0"/>
                 <a:cs typeface="msgothic" charset="0"/>
               </a:rPr>
-              <a:t>) Mice were tested on a spatial novelty preference task in a Y-maze. (</a:t>
-            </a:r>
-            <a:r>
-              <a:rPr lang="en-GB" i="1" dirty="0">
+              <a:t> &lt; 0.01, Student’s </a:t>
+            </a:r>
+            <a:r>
+              <a:rPr lang="en-GB" i="1">
                 <a:latin typeface="Arial" charset="0"/>
                 <a:ea typeface="msgothic" charset="0"/>
                 <a:cs typeface="msgothic" charset="0"/>
               </a:rPr>
-              <a:t>D</a:t>
-            </a:r>
-            <a:r>
-              <a:rPr lang="en-GB" dirty="0">
+              <a:t>t</a:t>
+            </a:r>
+            <a:r>
+              <a:rPr lang="en-GB">
                 <a:latin typeface="Arial" charset="0"/>
                 <a:ea typeface="msgothic" charset="0"/>
                 <a:cs typeface="msgothic" charset="0"/>
               </a:rPr>
-              <a:t>) Light delivery during this task reduces preference for the novel arm in right-</a:t>
-            </a:r>
-            <a:r>
-              <a:rPr lang="en-GB" dirty="0" err="1">
-                <a:latin typeface="Arial" charset="0"/>
-                <a:ea typeface="msgothic" charset="0"/>
-                <a:cs typeface="msgothic" charset="0"/>
-              </a:rPr>
-              <a:t>NpHR</a:t>
-            </a:r>
-            <a:r>
-              <a:rPr lang="en-GB" dirty="0">
-                <a:latin typeface="Arial" charset="0"/>
-                <a:ea typeface="msgothic" charset="0"/>
-                <a:cs typeface="msgothic" charset="0"/>
-              </a:rPr>
-              <a:t> and left-</a:t>
-            </a:r>
-            <a:r>
-              <a:rPr lang="en-GB" dirty="0" err="1">
-                <a:latin typeface="Arial" charset="0"/>
-                <a:ea typeface="msgothic" charset="0"/>
-                <a:cs typeface="msgothic" charset="0"/>
-              </a:rPr>
-              <a:t>NpHR</a:t>
-            </a:r>
-            <a:r>
-              <a:rPr lang="en-GB" dirty="0">
-                <a:latin typeface="Arial" charset="0"/>
-                <a:ea typeface="msgothic" charset="0"/>
-                <a:cs typeface="msgothic" charset="0"/>
-              </a:rPr>
-              <a:t> mice compared with their respective YFP controls. Broken lines represent chance performance. Mean percentages ± SEM. *</a:t>
-            </a:r>
-            <a:r>
-              <a:rPr lang="en-GB" i="1" dirty="0">
-                <a:latin typeface="Arial" charset="0"/>
-                <a:ea typeface="msgothic" charset="0"/>
-                <a:cs typeface="msgothic" charset="0"/>
-              </a:rPr>
-              <a:t>P</a:t>
-            </a:r>
-            <a:r>
-              <a:rPr lang="en-GB" dirty="0">
-                <a:latin typeface="Arial" charset="0"/>
-                <a:ea typeface="msgothic" charset="0"/>
-                <a:cs typeface="msgothic" charset="0"/>
-              </a:rPr>
-              <a:t> &lt; 0.05; **</a:t>
-            </a:r>
-            <a:r>
-              <a:rPr lang="en-GB" i="1" dirty="0">
-                <a:latin typeface="Arial" charset="0"/>
-                <a:ea typeface="msgothic" charset="0"/>
-                <a:cs typeface="msgothic" charset="0"/>
-              </a:rPr>
-              <a:t>P</a:t>
-            </a:r>
-            <a:r>
-              <a:rPr lang="en-GB" dirty="0">
-                <a:latin typeface="Arial" charset="0"/>
-                <a:ea typeface="msgothic" charset="0"/>
-                <a:cs typeface="msgothic" charset="0"/>
-              </a:rPr>
-              <a:t> &lt; 0.01, ***</a:t>
-            </a:r>
-            <a:r>
-              <a:rPr lang="en-GB" i="1" dirty="0">
-                <a:latin typeface="Arial" charset="0"/>
-                <a:ea typeface="msgothic" charset="0"/>
-                <a:cs typeface="msgothic" charset="0"/>
-              </a:rPr>
-              <a:t>P</a:t>
-            </a:r>
-            <a:r>
-              <a:rPr lang="en-GB" dirty="0">
-                <a:latin typeface="Arial" charset="0"/>
-                <a:ea typeface="msgothic" charset="0"/>
-                <a:cs typeface="msgothic" charset="0"/>
-              </a:rPr>
-              <a:t> &lt; 0.001.</a:t>
+              <a:t> test.</a:t>
             </a:r>
           </a:p>
         </p:txBody>
@@ -3859,7 +3145,758 @@
 </p:notes>
 </file>
 
-<file path=ppt/notesSlides/notesSlide8.xml><?xml version="1.0" encoding="utf-8"?>
+<file path=ppt/notesSlides/notesSlide17.xml><?xml version="1.0" encoding="utf-8"?>
+<p:notes xmlns:a="http://schemas.openxmlformats.org/drawingml/2006/main" xmlns:r="http://schemas.openxmlformats.org/officeDocument/2006/relationships" xmlns:p="http://schemas.openxmlformats.org/presentationml/2006/main">
+  <p:cSld>
+    <p:spTree>
+      <p:nvGrpSpPr>
+        <p:cNvPr id="1" name=""/>
+        <p:cNvGrpSpPr/>
+        <p:nvPr/>
+      </p:nvGrpSpPr>
+      <p:grpSpPr>
+        <a:xfrm>
+          <a:off x="0" y="0"/>
+          <a:ext cx="0" cy="0"/>
+          <a:chOff x="0" y="0"/>
+          <a:chExt cx="0" cy="0"/>
+        </a:xfrm>
+      </p:grpSpPr>
+      <p:sp>
+        <p:nvSpPr>
+          <p:cNvPr id="2" name="幻灯片图像占位符 1"/>
+          <p:cNvSpPr>
+            <a:spLocks noGrp="1" noRot="1" noChangeAspect="1"/>
+          </p:cNvSpPr>
+          <p:nvPr>
+            <p:ph type="sldImg"/>
+          </p:nvPr>
+        </p:nvSpPr>
+        <p:spPr/>
+      </p:sp>
+      <p:sp>
+        <p:nvSpPr>
+          <p:cNvPr id="3" name="备注占位符 2"/>
+          <p:cNvSpPr>
+            <a:spLocks noGrp="1"/>
+          </p:cNvSpPr>
+          <p:nvPr>
+            <p:ph type="body" idx="1"/>
+          </p:nvPr>
+        </p:nvSpPr>
+        <p:spPr/>
+        <p:txBody>
+          <a:bodyPr/>
+          <a:lstStyle/>
+          <a:p>
+            <a:endParaRPr lang="zh-CN" altLang="en-US" dirty="0"/>
+          </a:p>
+        </p:txBody>
+      </p:sp>
+      <p:sp>
+        <p:nvSpPr>
+          <p:cNvPr id="4" name="灯片编号占位符 3"/>
+          <p:cNvSpPr>
+            <a:spLocks noGrp="1"/>
+          </p:cNvSpPr>
+          <p:nvPr>
+            <p:ph type="sldNum" sz="quarter" idx="10"/>
+          </p:nvPr>
+        </p:nvSpPr>
+        <p:spPr/>
+        <p:txBody>
+          <a:bodyPr/>
+          <a:lstStyle/>
+          <a:p>
+            <a:fld id="{DD202784-B46A-4EF4-B218-4316F9133D14}" type="slidenum">
+              <a:rPr lang="zh-CN" altLang="en-US" smtClean="0"/>
+              <a:t>17</a:t>
+            </a:fld>
+            <a:endParaRPr lang="zh-CN" altLang="en-US"/>
+          </a:p>
+        </p:txBody>
+      </p:sp>
+    </p:spTree>
+    <p:extLst>
+      <p:ext uri="{BB962C8B-B14F-4D97-AF65-F5344CB8AC3E}">
+        <p14:creationId xmlns:p14="http://schemas.microsoft.com/office/powerpoint/2010/main" val="2146267446"/>
+      </p:ext>
+    </p:extLst>
+  </p:cSld>
+  <p:clrMapOvr>
+    <a:masterClrMapping/>
+  </p:clrMapOvr>
+</p:notes>
+</file>
+
+<file path=ppt/notesSlides/notesSlide18.xml><?xml version="1.0" encoding="utf-8"?>
+<p:notes xmlns:a="http://schemas.openxmlformats.org/drawingml/2006/main" xmlns:r="http://schemas.openxmlformats.org/officeDocument/2006/relationships" xmlns:p="http://schemas.openxmlformats.org/presentationml/2006/main">
+  <p:cSld>
+    <p:spTree>
+      <p:nvGrpSpPr>
+        <p:cNvPr id="1" name=""/>
+        <p:cNvGrpSpPr/>
+        <p:nvPr/>
+      </p:nvGrpSpPr>
+      <p:grpSpPr>
+        <a:xfrm>
+          <a:off x="0" y="0"/>
+          <a:ext cx="0" cy="0"/>
+          <a:chOff x="0" y="0"/>
+          <a:chExt cx="0" cy="0"/>
+        </a:xfrm>
+      </p:grpSpPr>
+      <p:sp>
+        <p:nvSpPr>
+          <p:cNvPr id="2" name="幻灯片图像占位符 1"/>
+          <p:cNvSpPr>
+            <a:spLocks noGrp="1" noRot="1" noChangeAspect="1"/>
+          </p:cNvSpPr>
+          <p:nvPr>
+            <p:ph type="sldImg"/>
+          </p:nvPr>
+        </p:nvSpPr>
+        <p:spPr/>
+      </p:sp>
+      <p:sp>
+        <p:nvSpPr>
+          <p:cNvPr id="3" name="备注占位符 2"/>
+          <p:cNvSpPr>
+            <a:spLocks noGrp="1"/>
+          </p:cNvSpPr>
+          <p:nvPr>
+            <p:ph type="body" idx="1"/>
+          </p:nvPr>
+        </p:nvSpPr>
+        <p:spPr/>
+        <p:txBody>
+          <a:bodyPr/>
+          <a:lstStyle/>
+          <a:p>
+            <a:r>
+              <a:rPr lang="en-US" altLang="zh-CN" sz="1200" b="0" i="0" kern="1200" dirty="0" smtClean="0">
+                <a:solidFill>
+                  <a:schemeClr val="tx1"/>
+                </a:solidFill>
+                <a:effectLst/>
+                <a:latin typeface="+mn-lt"/>
+                <a:ea typeface="+mn-ea"/>
+                <a:cs typeface="+mn-cs"/>
+              </a:rPr>
+              <a:t>PNAS</a:t>
+            </a:r>
+            <a:r>
+              <a:rPr lang="zh-CN" altLang="en-US" sz="1200" b="0" i="0" kern="1200" dirty="0" smtClean="0">
+                <a:solidFill>
+                  <a:schemeClr val="tx1"/>
+                </a:solidFill>
+                <a:effectLst/>
+                <a:latin typeface="+mn-lt"/>
+                <a:ea typeface="+mn-ea"/>
+                <a:cs typeface="+mn-cs"/>
+              </a:rPr>
+              <a:t>是</a:t>
+            </a:r>
+            <a:r>
+              <a:rPr lang="en-US" altLang="zh-CN" sz="1200" b="0" i="0" kern="1200" dirty="0" smtClean="0">
+                <a:solidFill>
+                  <a:schemeClr val="tx1"/>
+                </a:solidFill>
+                <a:effectLst/>
+                <a:latin typeface="+mn-lt"/>
+                <a:ea typeface="+mn-ea"/>
+                <a:cs typeface="+mn-cs"/>
+              </a:rPr>
+              <a:t>《</a:t>
+            </a:r>
+            <a:r>
+              <a:rPr lang="zh-CN" altLang="en-US" sz="1200" b="0" i="0" kern="1200" dirty="0" smtClean="0">
+                <a:solidFill>
+                  <a:schemeClr val="tx1"/>
+                </a:solidFill>
+                <a:effectLst/>
+                <a:latin typeface="+mn-lt"/>
+                <a:ea typeface="+mn-ea"/>
+                <a:cs typeface="+mn-cs"/>
+              </a:rPr>
+              <a:t>美国科学院院报</a:t>
+            </a:r>
+            <a:r>
+              <a:rPr lang="en-US" altLang="zh-CN" sz="1200" b="0" i="0" kern="1200" dirty="0" smtClean="0">
+                <a:solidFill>
+                  <a:schemeClr val="tx1"/>
+                </a:solidFill>
+                <a:effectLst/>
+                <a:latin typeface="+mn-lt"/>
+                <a:ea typeface="+mn-ea"/>
+                <a:cs typeface="+mn-cs"/>
+              </a:rPr>
+              <a:t>》9.423</a:t>
+            </a:r>
+            <a:endParaRPr lang="zh-CN" altLang="en-US" dirty="0"/>
+          </a:p>
+        </p:txBody>
+      </p:sp>
+      <p:sp>
+        <p:nvSpPr>
+          <p:cNvPr id="4" name="灯片编号占位符 3"/>
+          <p:cNvSpPr>
+            <a:spLocks noGrp="1"/>
+          </p:cNvSpPr>
+          <p:nvPr>
+            <p:ph type="sldNum" sz="quarter" idx="10"/>
+          </p:nvPr>
+        </p:nvSpPr>
+        <p:spPr/>
+        <p:txBody>
+          <a:bodyPr/>
+          <a:lstStyle/>
+          <a:p>
+            <a:fld id="{DD202784-B46A-4EF4-B218-4316F9133D14}" type="slidenum">
+              <a:rPr lang="zh-CN" altLang="en-US" smtClean="0"/>
+              <a:t>18</a:t>
+            </a:fld>
+            <a:endParaRPr lang="zh-CN" altLang="en-US"/>
+          </a:p>
+        </p:txBody>
+      </p:sp>
+    </p:spTree>
+    <p:extLst>
+      <p:ext uri="{BB962C8B-B14F-4D97-AF65-F5344CB8AC3E}">
+        <p14:creationId xmlns:p14="http://schemas.microsoft.com/office/powerpoint/2010/main" val="2904033859"/>
+      </p:ext>
+    </p:extLst>
+  </p:cSld>
+  <p:clrMapOvr>
+    <a:masterClrMapping/>
+  </p:clrMapOvr>
+</p:notes>
+</file>
+
+<file path=ppt/notesSlides/notesSlide19.xml><?xml version="1.0" encoding="utf-8"?>
+<p:notes xmlns:a="http://schemas.openxmlformats.org/drawingml/2006/main" xmlns:r="http://schemas.openxmlformats.org/officeDocument/2006/relationships" xmlns:p="http://schemas.openxmlformats.org/presentationml/2006/main">
+  <p:cSld>
+    <p:spTree>
+      <p:nvGrpSpPr>
+        <p:cNvPr id="1" name=""/>
+        <p:cNvGrpSpPr/>
+        <p:nvPr/>
+      </p:nvGrpSpPr>
+      <p:grpSpPr>
+        <a:xfrm>
+          <a:off x="0" y="0"/>
+          <a:ext cx="0" cy="0"/>
+          <a:chOff x="0" y="0"/>
+          <a:chExt cx="0" cy="0"/>
+        </a:xfrm>
+      </p:grpSpPr>
+      <p:sp>
+        <p:nvSpPr>
+          <p:cNvPr id="2" name="幻灯片图像占位符 1"/>
+          <p:cNvSpPr>
+            <a:spLocks noGrp="1" noRot="1" noChangeAspect="1"/>
+          </p:cNvSpPr>
+          <p:nvPr>
+            <p:ph type="sldImg"/>
+          </p:nvPr>
+        </p:nvSpPr>
+        <p:spPr/>
+      </p:sp>
+      <p:sp>
+        <p:nvSpPr>
+          <p:cNvPr id="3" name="备注占位符 2"/>
+          <p:cNvSpPr>
+            <a:spLocks noGrp="1"/>
+          </p:cNvSpPr>
+          <p:nvPr>
+            <p:ph type="body" idx="1"/>
+          </p:nvPr>
+        </p:nvSpPr>
+        <p:spPr/>
+        <p:txBody>
+          <a:bodyPr/>
+          <a:lstStyle/>
+          <a:p>
+            <a:r>
+              <a:rPr lang="en-US" altLang="zh-CN" sz="1200" b="1" dirty="0" smtClean="0">
+                <a:solidFill>
+                  <a:srgbClr val="00ABB4"/>
+                </a:solidFill>
+                <a:latin typeface="微软雅黑" panose="020B0503020204020204" pitchFamily="34" charset="-122"/>
+                <a:ea typeface="微软雅黑" panose="020B0503020204020204" pitchFamily="34" charset="-122"/>
+              </a:rPr>
+              <a:t>HIPPOCAMPUS </a:t>
+            </a:r>
+            <a:r>
+              <a:rPr lang="en-US" altLang="zh-CN" dirty="0" smtClean="0">
+                <a:effectLst/>
+              </a:rPr>
+              <a:t>4.162</a:t>
+            </a:r>
+          </a:p>
+          <a:p>
+            <a:r>
+              <a:rPr lang="en-US" altLang="zh-CN" b="1" dirty="0" smtClean="0">
+                <a:effectLst/>
+              </a:rPr>
+              <a:t>Pindex:</a:t>
+            </a:r>
+            <a:r>
+              <a:rPr lang="en-US" altLang="zh-CN" dirty="0" smtClean="0">
+                <a:effectLst/>
+              </a:rPr>
+              <a:t>0.914 (</a:t>
+            </a:r>
+            <a:r>
+              <a:rPr lang="zh-CN" altLang="en-US" dirty="0" smtClean="0">
+                <a:effectLst/>
+                <a:hlinkClick r:id="rId3"/>
+              </a:rPr>
+              <a:t>极难发表</a:t>
+            </a:r>
+            <a:r>
+              <a:rPr lang="en-US" altLang="zh-CN" dirty="0" smtClean="0">
+                <a:effectLst/>
+              </a:rPr>
+              <a:t>)</a:t>
+            </a:r>
+            <a:endParaRPr lang="zh-CN" altLang="en-US" dirty="0"/>
+          </a:p>
+        </p:txBody>
+      </p:sp>
+      <p:sp>
+        <p:nvSpPr>
+          <p:cNvPr id="4" name="灯片编号占位符 3"/>
+          <p:cNvSpPr>
+            <a:spLocks noGrp="1"/>
+          </p:cNvSpPr>
+          <p:nvPr>
+            <p:ph type="sldNum" sz="quarter" idx="10"/>
+          </p:nvPr>
+        </p:nvSpPr>
+        <p:spPr/>
+        <p:txBody>
+          <a:bodyPr/>
+          <a:lstStyle/>
+          <a:p>
+            <a:fld id="{DD202784-B46A-4EF4-B218-4316F9133D14}" type="slidenum">
+              <a:rPr lang="zh-CN" altLang="en-US" smtClean="0"/>
+              <a:t>19</a:t>
+            </a:fld>
+            <a:endParaRPr lang="zh-CN" altLang="en-US"/>
+          </a:p>
+        </p:txBody>
+      </p:sp>
+    </p:spTree>
+    <p:extLst>
+      <p:ext uri="{BB962C8B-B14F-4D97-AF65-F5344CB8AC3E}">
+        <p14:creationId xmlns:p14="http://schemas.microsoft.com/office/powerpoint/2010/main" val="3950054587"/>
+      </p:ext>
+    </p:extLst>
+  </p:cSld>
+  <p:clrMapOvr>
+    <a:masterClrMapping/>
+  </p:clrMapOvr>
+</p:notes>
+</file>
+
+<file path=ppt/notesSlides/notesSlide2.xml><?xml version="1.0" encoding="utf-8"?>
+<p:notes xmlns:a="http://schemas.openxmlformats.org/drawingml/2006/main" xmlns:r="http://schemas.openxmlformats.org/officeDocument/2006/relationships" xmlns:p="http://schemas.openxmlformats.org/presentationml/2006/main">
+  <p:cSld>
+    <p:spTree>
+      <p:nvGrpSpPr>
+        <p:cNvPr id="1" name=""/>
+        <p:cNvGrpSpPr/>
+        <p:nvPr/>
+      </p:nvGrpSpPr>
+      <p:grpSpPr>
+        <a:xfrm>
+          <a:off x="0" y="0"/>
+          <a:ext cx="0" cy="0"/>
+          <a:chOff x="0" y="0"/>
+          <a:chExt cx="0" cy="0"/>
+        </a:xfrm>
+      </p:grpSpPr>
+      <p:sp>
+        <p:nvSpPr>
+          <p:cNvPr id="2" name="幻灯片图像占位符 1"/>
+          <p:cNvSpPr>
+            <a:spLocks noGrp="1" noRot="1" noChangeAspect="1"/>
+          </p:cNvSpPr>
+          <p:nvPr>
+            <p:ph type="sldImg"/>
+          </p:nvPr>
+        </p:nvSpPr>
+        <p:spPr/>
+      </p:sp>
+      <p:sp>
+        <p:nvSpPr>
+          <p:cNvPr id="3" name="备注占位符 2"/>
+          <p:cNvSpPr>
+            <a:spLocks noGrp="1"/>
+          </p:cNvSpPr>
+          <p:nvPr>
+            <p:ph type="body" idx="1"/>
+          </p:nvPr>
+        </p:nvSpPr>
+        <p:spPr/>
+        <p:txBody>
+          <a:bodyPr/>
+          <a:lstStyle/>
+          <a:p>
+            <a:endParaRPr lang="zh-CN" altLang="en-US" dirty="0"/>
+          </a:p>
+        </p:txBody>
+      </p:sp>
+      <p:sp>
+        <p:nvSpPr>
+          <p:cNvPr id="4" name="灯片编号占位符 3"/>
+          <p:cNvSpPr>
+            <a:spLocks noGrp="1"/>
+          </p:cNvSpPr>
+          <p:nvPr>
+            <p:ph type="sldNum" sz="quarter" idx="10"/>
+          </p:nvPr>
+        </p:nvSpPr>
+        <p:spPr/>
+        <p:txBody>
+          <a:bodyPr/>
+          <a:lstStyle/>
+          <a:p>
+            <a:fld id="{DD202784-B46A-4EF4-B218-4316F9133D14}" type="slidenum">
+              <a:rPr lang="zh-CN" altLang="en-US" smtClean="0"/>
+              <a:t>2</a:t>
+            </a:fld>
+            <a:endParaRPr lang="zh-CN" altLang="en-US"/>
+          </a:p>
+        </p:txBody>
+      </p:sp>
+    </p:spTree>
+    <p:extLst>
+      <p:ext uri="{BB962C8B-B14F-4D97-AF65-F5344CB8AC3E}">
+        <p14:creationId xmlns:p14="http://schemas.microsoft.com/office/powerpoint/2010/main" val="2146267446"/>
+      </p:ext>
+    </p:extLst>
+  </p:cSld>
+  <p:clrMapOvr>
+    <a:masterClrMapping/>
+  </p:clrMapOvr>
+</p:notes>
+</file>
+
+<file path=ppt/notesSlides/notesSlide3.xml><?xml version="1.0" encoding="utf-8"?>
+<p:notes xmlns:a="http://schemas.openxmlformats.org/drawingml/2006/main" xmlns:r="http://schemas.openxmlformats.org/officeDocument/2006/relationships" xmlns:p="http://schemas.openxmlformats.org/presentationml/2006/main">
+  <p:cSld>
+    <p:spTree>
+      <p:nvGrpSpPr>
+        <p:cNvPr id="1" name=""/>
+        <p:cNvGrpSpPr/>
+        <p:nvPr/>
+      </p:nvGrpSpPr>
+      <p:grpSpPr>
+        <a:xfrm>
+          <a:off x="0" y="0"/>
+          <a:ext cx="0" cy="0"/>
+          <a:chOff x="0" y="0"/>
+          <a:chExt cx="0" cy="0"/>
+        </a:xfrm>
+      </p:grpSpPr>
+      <p:sp>
+        <p:nvSpPr>
+          <p:cNvPr id="2" name="幻灯片图像占位符 1"/>
+          <p:cNvSpPr>
+            <a:spLocks noGrp="1" noRot="1" noChangeAspect="1"/>
+          </p:cNvSpPr>
+          <p:nvPr>
+            <p:ph type="sldImg"/>
+          </p:nvPr>
+        </p:nvSpPr>
+        <p:spPr/>
+      </p:sp>
+      <p:sp>
+        <p:nvSpPr>
+          <p:cNvPr id="3" name="备注占位符 2"/>
+          <p:cNvSpPr>
+            <a:spLocks noGrp="1"/>
+          </p:cNvSpPr>
+          <p:nvPr>
+            <p:ph type="body" idx="1"/>
+          </p:nvPr>
+        </p:nvSpPr>
+        <p:spPr/>
+        <p:txBody>
+          <a:bodyPr/>
+          <a:lstStyle/>
+          <a:p>
+            <a:endParaRPr lang="zh-CN" altLang="en-US" dirty="0"/>
+          </a:p>
+        </p:txBody>
+      </p:sp>
+      <p:sp>
+        <p:nvSpPr>
+          <p:cNvPr id="4" name="灯片编号占位符 3"/>
+          <p:cNvSpPr>
+            <a:spLocks noGrp="1"/>
+          </p:cNvSpPr>
+          <p:nvPr>
+            <p:ph type="sldNum" sz="quarter" idx="10"/>
+          </p:nvPr>
+        </p:nvSpPr>
+        <p:spPr/>
+        <p:txBody>
+          <a:bodyPr/>
+          <a:lstStyle/>
+          <a:p>
+            <a:fld id="{DD202784-B46A-4EF4-B218-4316F9133D14}" type="slidenum">
+              <a:rPr lang="zh-CN" altLang="en-US" smtClean="0"/>
+              <a:t>3</a:t>
+            </a:fld>
+            <a:endParaRPr lang="zh-CN" altLang="en-US"/>
+          </a:p>
+        </p:txBody>
+      </p:sp>
+    </p:spTree>
+    <p:extLst>
+      <p:ext uri="{BB962C8B-B14F-4D97-AF65-F5344CB8AC3E}">
+        <p14:creationId xmlns:p14="http://schemas.microsoft.com/office/powerpoint/2010/main" val="2904033859"/>
+      </p:ext>
+    </p:extLst>
+  </p:cSld>
+  <p:clrMapOvr>
+    <a:masterClrMapping/>
+  </p:clrMapOvr>
+</p:notes>
+</file>
+
+<file path=ppt/notesSlides/notesSlide4.xml><?xml version="1.0" encoding="utf-8"?>
+<p:notes xmlns:a="http://schemas.openxmlformats.org/drawingml/2006/main" xmlns:r="http://schemas.openxmlformats.org/officeDocument/2006/relationships" xmlns:p="http://schemas.openxmlformats.org/presentationml/2006/main">
+  <p:cSld>
+    <p:spTree>
+      <p:nvGrpSpPr>
+        <p:cNvPr id="1" name=""/>
+        <p:cNvGrpSpPr/>
+        <p:nvPr/>
+      </p:nvGrpSpPr>
+      <p:grpSpPr>
+        <a:xfrm>
+          <a:off x="0" y="0"/>
+          <a:ext cx="0" cy="0"/>
+          <a:chOff x="0" y="0"/>
+          <a:chExt cx="0" cy="0"/>
+        </a:xfrm>
+      </p:grpSpPr>
+      <p:sp>
+        <p:nvSpPr>
+          <p:cNvPr id="2" name="幻灯片图像占位符 1"/>
+          <p:cNvSpPr>
+            <a:spLocks noGrp="1" noRot="1" noChangeAspect="1"/>
+          </p:cNvSpPr>
+          <p:nvPr>
+            <p:ph type="sldImg"/>
+          </p:nvPr>
+        </p:nvSpPr>
+        <p:spPr/>
+      </p:sp>
+      <p:sp>
+        <p:nvSpPr>
+          <p:cNvPr id="3" name="备注占位符 2"/>
+          <p:cNvSpPr>
+            <a:spLocks noGrp="1"/>
+          </p:cNvSpPr>
+          <p:nvPr>
+            <p:ph type="body" idx="1"/>
+          </p:nvPr>
+        </p:nvSpPr>
+        <p:spPr/>
+        <p:txBody>
+          <a:bodyPr/>
+          <a:lstStyle/>
+          <a:p>
+            <a:r>
+              <a:rPr lang="en-US" altLang="zh-CN" sz="1200" b="0" i="0" kern="1200" dirty="0" smtClean="0">
+                <a:solidFill>
+                  <a:schemeClr val="tx1"/>
+                </a:solidFill>
+                <a:effectLst/>
+                <a:latin typeface="+mn-lt"/>
+                <a:ea typeface="+mn-ea"/>
+                <a:cs typeface="+mn-cs"/>
+              </a:rPr>
+              <a:t>PNAS</a:t>
+            </a:r>
+            <a:r>
+              <a:rPr lang="zh-CN" altLang="en-US" sz="1200" b="0" i="0" kern="1200" dirty="0" smtClean="0">
+                <a:solidFill>
+                  <a:schemeClr val="tx1"/>
+                </a:solidFill>
+                <a:effectLst/>
+                <a:latin typeface="+mn-lt"/>
+                <a:ea typeface="+mn-ea"/>
+                <a:cs typeface="+mn-cs"/>
+              </a:rPr>
+              <a:t>是</a:t>
+            </a:r>
+            <a:r>
+              <a:rPr lang="en-US" altLang="zh-CN" sz="1200" b="0" i="0" kern="1200" dirty="0" smtClean="0">
+                <a:solidFill>
+                  <a:schemeClr val="tx1"/>
+                </a:solidFill>
+                <a:effectLst/>
+                <a:latin typeface="+mn-lt"/>
+                <a:ea typeface="+mn-ea"/>
+                <a:cs typeface="+mn-cs"/>
+              </a:rPr>
+              <a:t>《</a:t>
+            </a:r>
+            <a:r>
+              <a:rPr lang="zh-CN" altLang="en-US" sz="1200" b="0" i="0" kern="1200" dirty="0" smtClean="0">
+                <a:solidFill>
+                  <a:schemeClr val="tx1"/>
+                </a:solidFill>
+                <a:effectLst/>
+                <a:latin typeface="+mn-lt"/>
+                <a:ea typeface="+mn-ea"/>
+                <a:cs typeface="+mn-cs"/>
+              </a:rPr>
+              <a:t>美国科学院院报</a:t>
+            </a:r>
+            <a:r>
+              <a:rPr lang="en-US" altLang="zh-CN" sz="1200" b="0" i="0" kern="1200" dirty="0" smtClean="0">
+                <a:solidFill>
+                  <a:schemeClr val="tx1"/>
+                </a:solidFill>
+                <a:effectLst/>
+                <a:latin typeface="+mn-lt"/>
+                <a:ea typeface="+mn-ea"/>
+                <a:cs typeface="+mn-cs"/>
+              </a:rPr>
+              <a:t>》9.423</a:t>
+            </a:r>
+            <a:endParaRPr lang="zh-CN" altLang="en-US" dirty="0"/>
+          </a:p>
+        </p:txBody>
+      </p:sp>
+      <p:sp>
+        <p:nvSpPr>
+          <p:cNvPr id="4" name="灯片编号占位符 3"/>
+          <p:cNvSpPr>
+            <a:spLocks noGrp="1"/>
+          </p:cNvSpPr>
+          <p:nvPr>
+            <p:ph type="sldNum" sz="quarter" idx="10"/>
+          </p:nvPr>
+        </p:nvSpPr>
+        <p:spPr/>
+        <p:txBody>
+          <a:bodyPr/>
+          <a:lstStyle/>
+          <a:p>
+            <a:fld id="{DD202784-B46A-4EF4-B218-4316F9133D14}" type="slidenum">
+              <a:rPr lang="zh-CN" altLang="en-US" smtClean="0"/>
+              <a:t>4</a:t>
+            </a:fld>
+            <a:endParaRPr lang="zh-CN" altLang="en-US"/>
+          </a:p>
+        </p:txBody>
+      </p:sp>
+    </p:spTree>
+    <p:extLst>
+      <p:ext uri="{BB962C8B-B14F-4D97-AF65-F5344CB8AC3E}">
+        <p14:creationId xmlns:p14="http://schemas.microsoft.com/office/powerpoint/2010/main" val="3950054587"/>
+      </p:ext>
+    </p:extLst>
+  </p:cSld>
+  <p:clrMapOvr>
+    <a:masterClrMapping/>
+  </p:clrMapOvr>
+</p:notes>
+</file>
+
+<file path=ppt/notesSlides/notesSlide5.xml><?xml version="1.0" encoding="utf-8"?>
+<p:notes xmlns:a="http://schemas.openxmlformats.org/drawingml/2006/main" xmlns:r="http://schemas.openxmlformats.org/officeDocument/2006/relationships" xmlns:p="http://schemas.openxmlformats.org/presentationml/2006/main">
+  <p:cSld>
+    <p:spTree>
+      <p:nvGrpSpPr>
+        <p:cNvPr id="1" name=""/>
+        <p:cNvGrpSpPr/>
+        <p:nvPr/>
+      </p:nvGrpSpPr>
+      <p:grpSpPr>
+        <a:xfrm>
+          <a:off x="0" y="0"/>
+          <a:ext cx="0" cy="0"/>
+          <a:chOff x="0" y="0"/>
+          <a:chExt cx="0" cy="0"/>
+        </a:xfrm>
+      </p:grpSpPr>
+      <p:sp>
+        <p:nvSpPr>
+          <p:cNvPr id="2" name="幻灯片图像占位符 1"/>
+          <p:cNvSpPr>
+            <a:spLocks noGrp="1" noRot="1" noChangeAspect="1"/>
+          </p:cNvSpPr>
+          <p:nvPr>
+            <p:ph type="sldImg"/>
+          </p:nvPr>
+        </p:nvSpPr>
+        <p:spPr/>
+      </p:sp>
+      <p:sp>
+        <p:nvSpPr>
+          <p:cNvPr id="3" name="备注占位符 2"/>
+          <p:cNvSpPr>
+            <a:spLocks noGrp="1"/>
+          </p:cNvSpPr>
+          <p:nvPr>
+            <p:ph type="body" idx="1"/>
+          </p:nvPr>
+        </p:nvSpPr>
+        <p:spPr/>
+        <p:txBody>
+          <a:bodyPr/>
+          <a:lstStyle/>
+          <a:p>
+            <a:endParaRPr lang="zh-CN" altLang="en-US" dirty="0"/>
+          </a:p>
+        </p:txBody>
+      </p:sp>
+      <p:sp>
+        <p:nvSpPr>
+          <p:cNvPr id="4" name="灯片编号占位符 3"/>
+          <p:cNvSpPr>
+            <a:spLocks noGrp="1"/>
+          </p:cNvSpPr>
+          <p:nvPr>
+            <p:ph type="sldNum" sz="quarter" idx="10"/>
+          </p:nvPr>
+        </p:nvSpPr>
+        <p:spPr/>
+        <p:txBody>
+          <a:bodyPr/>
+          <a:lstStyle/>
+          <a:p>
+            <a:fld id="{DD202784-B46A-4EF4-B218-4316F9133D14}" type="slidenum">
+              <a:rPr lang="zh-CN" altLang="en-US" smtClean="0"/>
+              <a:t>5</a:t>
+            </a:fld>
+            <a:endParaRPr lang="zh-CN" altLang="en-US"/>
+          </a:p>
+        </p:txBody>
+      </p:sp>
+    </p:spTree>
+    <p:extLst>
+      <p:ext uri="{BB962C8B-B14F-4D97-AF65-F5344CB8AC3E}">
+        <p14:creationId xmlns:p14="http://schemas.microsoft.com/office/powerpoint/2010/main" val="3776015239"/>
+      </p:ext>
+    </p:extLst>
+  </p:cSld>
+  <p:clrMapOvr>
+    <a:masterClrMapping/>
+  </p:clrMapOvr>
+</p:notes>
+</file>
+
+<file path=ppt/notesSlides/notesSlide6.xml><?xml version="1.0" encoding="utf-8"?>
 <p:notes xmlns:a="http://schemas.openxmlformats.org/drawingml/2006/main" xmlns:r="http://schemas.openxmlformats.org/officeDocument/2006/relationships" xmlns:p="http://schemas.openxmlformats.org/presentationml/2006/main">
   <p:cSld>
     <p:bg>
@@ -4195,129 +4232,450 @@
               <a:buNone/>
             </a:pPr>
             <a:r>
-              <a:rPr lang="en-GB">
+              <a:rPr lang="en-GB" dirty="0" err="1">
                 <a:latin typeface="Arial" charset="0"/>
                 <a:ea typeface="msgothic" charset="0"/>
                 <a:cs typeface="msgothic" charset="0"/>
               </a:rPr>
-              <a:t>Hippocampus-dependent short-term memory requires the left and right CA3. (</a:t>
-            </a:r>
-            <a:r>
-              <a:rPr lang="en-GB" i="1">
+              <a:t>Optogenetics</a:t>
+            </a:r>
+            <a:r>
+              <a:rPr lang="en-GB" dirty="0">
                 <a:latin typeface="Arial" charset="0"/>
                 <a:ea typeface="msgothic" charset="0"/>
                 <a:cs typeface="msgothic" charset="0"/>
               </a:rPr>
+              <a:t> enables acute silencing of CA3 activity in vivo. (</a:t>
+            </a:r>
+            <a:r>
+              <a:rPr lang="en-GB" i="1" dirty="0">
+                <a:latin typeface="Arial" charset="0"/>
+                <a:ea typeface="msgothic" charset="0"/>
+                <a:cs typeface="msgothic" charset="0"/>
+              </a:rPr>
               <a:t>A</a:t>
             </a:r>
             <a:r>
-              <a:rPr lang="en-GB">
+              <a:rPr lang="en-GB" dirty="0">
                 <a:latin typeface="Arial" charset="0"/>
                 <a:ea typeface="msgothic" charset="0"/>
                 <a:cs typeface="msgothic" charset="0"/>
               </a:rPr>
-              <a:t>) Mice were tested on a spontaneous alternation task in a T-maze. S, start arm. (</a:t>
-            </a:r>
-            <a:r>
-              <a:rPr lang="en-GB" i="1">
+              <a:t>) </a:t>
+            </a:r>
+            <a:r>
+              <a:rPr lang="en-GB" dirty="0" err="1">
                 <a:latin typeface="Arial" charset="0"/>
                 <a:ea typeface="msgothic" charset="0"/>
                 <a:cs typeface="msgothic" charset="0"/>
               </a:rPr>
+              <a:t>Adeno</a:t>
+            </a:r>
+            <a:r>
+              <a:rPr lang="en-GB" dirty="0">
+                <a:latin typeface="Arial" charset="0"/>
+                <a:ea typeface="msgothic" charset="0"/>
+                <a:cs typeface="msgothic" charset="0"/>
+              </a:rPr>
+              <a:t>-associated virus containing the eNpHR3.0-eYFP construct under the control of a </a:t>
+            </a:r>
+            <a:r>
+              <a:rPr lang="en-GB" dirty="0" err="1">
+                <a:latin typeface="Arial" charset="0"/>
+                <a:ea typeface="msgothic" charset="0"/>
+                <a:cs typeface="msgothic" charset="0"/>
+              </a:rPr>
+              <a:t>CaMKII</a:t>
+            </a:r>
+            <a:r>
+              <a:rPr lang="en-GB" dirty="0">
+                <a:latin typeface="Arial" charset="0"/>
+                <a:ea typeface="msgothic" charset="0"/>
+                <a:cs typeface="msgothic" charset="0"/>
+              </a:rPr>
+              <a:t>α promoter was used. WPRE, woodchuck hepatitis posttranscriptional regulatory element. (</a:t>
+            </a:r>
+            <a:r>
+              <a:rPr lang="en-GB" i="1" dirty="0">
+                <a:latin typeface="Arial" charset="0"/>
+                <a:ea typeface="msgothic" charset="0"/>
+                <a:cs typeface="msgothic" charset="0"/>
+              </a:rPr>
               <a:t>B</a:t>
             </a:r>
             <a:r>
-              <a:rPr lang="en-GB">
+              <a:rPr lang="en-GB" dirty="0">
                 <a:latin typeface="Arial" charset="0"/>
                 <a:ea typeface="msgothic" charset="0"/>
                 <a:cs typeface="msgothic" charset="0"/>
               </a:rPr>
-              <a:t>) Light delivery during this task reduces spontaneous alternation of right-NpHR and left-NpHR mice compared with their respective YFP controls. (</a:t>
-            </a:r>
-            <a:r>
-              <a:rPr lang="en-GB" i="1">
+              <a:t>) Virus was unilaterally injected into two sites in the dorsal CA3 area of C57BL/6J mice for use in </a:t>
+            </a:r>
+            <a:r>
+              <a:rPr lang="en-GB" dirty="0" err="1">
                 <a:latin typeface="Arial" charset="0"/>
                 <a:ea typeface="msgothic" charset="0"/>
                 <a:cs typeface="msgothic" charset="0"/>
               </a:rPr>
+              <a:t>optrode</a:t>
+            </a:r>
+            <a:r>
+              <a:rPr lang="en-GB" dirty="0">
+                <a:latin typeface="Arial" charset="0"/>
+                <a:ea typeface="msgothic" charset="0"/>
+                <a:cs typeface="msgothic" charset="0"/>
+              </a:rPr>
+              <a:t> recordings. For </a:t>
+            </a:r>
+            <a:r>
+              <a:rPr lang="en-GB" dirty="0" err="1">
+                <a:latin typeface="Arial" charset="0"/>
+                <a:ea typeface="msgothic" charset="0"/>
+                <a:cs typeface="msgothic" charset="0"/>
+              </a:rPr>
+              <a:t>behavioral</a:t>
+            </a:r>
+            <a:r>
+              <a:rPr lang="en-GB" dirty="0">
+                <a:latin typeface="Arial" charset="0"/>
+                <a:ea typeface="msgothic" charset="0"/>
+                <a:cs typeface="msgothic" charset="0"/>
+              </a:rPr>
+              <a:t> experiments, an optical </a:t>
+            </a:r>
+            <a:r>
+              <a:rPr lang="en-GB" dirty="0" err="1">
+                <a:latin typeface="Arial" charset="0"/>
+                <a:ea typeface="msgothic" charset="0"/>
+                <a:cs typeface="msgothic" charset="0"/>
+              </a:rPr>
+              <a:t>fiber</a:t>
+            </a:r>
+            <a:r>
+              <a:rPr lang="en-GB" dirty="0">
+                <a:latin typeface="Arial" charset="0"/>
+                <a:ea typeface="msgothic" charset="0"/>
+                <a:cs typeface="msgothic" charset="0"/>
+              </a:rPr>
+              <a:t> was also implanted between the two injection sites. (</a:t>
+            </a:r>
+            <a:r>
+              <a:rPr lang="en-GB" i="1" dirty="0">
+                <a:latin typeface="Arial" charset="0"/>
+                <a:ea typeface="msgothic" charset="0"/>
+                <a:cs typeface="msgothic" charset="0"/>
+              </a:rPr>
               <a:t>C</a:t>
             </a:r>
             <a:r>
-              <a:rPr lang="en-GB">
+              <a:rPr lang="en-GB" dirty="0">
                 <a:latin typeface="Arial" charset="0"/>
                 <a:ea typeface="msgothic" charset="0"/>
                 <a:cs typeface="msgothic" charset="0"/>
               </a:rPr>
-              <a:t>) Mice were tested on a spatial novelty preference task in a Y-maze. (</a:t>
-            </a:r>
-            <a:r>
-              <a:rPr lang="en-GB" i="1">
+              <a:t>) Two-site virus injection resulted in eNpHR3.0-eYFP or </a:t>
+            </a:r>
+            <a:r>
+              <a:rPr lang="en-GB" dirty="0" err="1">
                 <a:latin typeface="Arial" charset="0"/>
                 <a:ea typeface="msgothic" charset="0"/>
                 <a:cs typeface="msgothic" charset="0"/>
               </a:rPr>
+              <a:t>eYFP</a:t>
+            </a:r>
+            <a:r>
+              <a:rPr lang="en-GB" dirty="0">
+                <a:latin typeface="Arial" charset="0"/>
+                <a:ea typeface="msgothic" charset="0"/>
+                <a:cs typeface="msgothic" charset="0"/>
+              </a:rPr>
+              <a:t> expression in CA3 and CA3 projections in the entire dorsal hippocampus. (</a:t>
+            </a:r>
+            <a:r>
+              <a:rPr lang="en-GB" i="1" dirty="0">
+                <a:latin typeface="Arial" charset="0"/>
+                <a:ea typeface="msgothic" charset="0"/>
+                <a:cs typeface="msgothic" charset="0"/>
+              </a:rPr>
+              <a:t>Upper</a:t>
+            </a:r>
+            <a:r>
+              <a:rPr lang="en-GB" dirty="0">
+                <a:latin typeface="Arial" charset="0"/>
+                <a:ea typeface="msgothic" charset="0"/>
+                <a:cs typeface="msgothic" charset="0"/>
+              </a:rPr>
+              <a:t>) Expression at approximate location of implant. (</a:t>
+            </a:r>
+            <a:r>
+              <a:rPr lang="en-GB" i="1" dirty="0">
+                <a:latin typeface="Arial" charset="0"/>
+                <a:ea typeface="msgothic" charset="0"/>
+                <a:cs typeface="msgothic" charset="0"/>
+              </a:rPr>
+              <a:t>Lower</a:t>
+            </a:r>
+            <a:r>
+              <a:rPr lang="en-GB" dirty="0">
+                <a:latin typeface="Arial" charset="0"/>
+                <a:ea typeface="msgothic" charset="0"/>
+                <a:cs typeface="msgothic" charset="0"/>
+              </a:rPr>
+              <a:t>) Approximate location of two injection sites. (Scale bars, 1 mm.) (</a:t>
+            </a:r>
+            <a:r>
+              <a:rPr lang="en-GB" i="1" dirty="0">
+                <a:latin typeface="Arial" charset="0"/>
+                <a:ea typeface="msgothic" charset="0"/>
+                <a:cs typeface="msgothic" charset="0"/>
+              </a:rPr>
               <a:t>D</a:t>
             </a:r>
             <a:r>
-              <a:rPr lang="en-GB">
+              <a:rPr lang="en-GB" dirty="0">
                 <a:latin typeface="Arial" charset="0"/>
                 <a:ea typeface="msgothic" charset="0"/>
                 <a:cs typeface="msgothic" charset="0"/>
               </a:rPr>
-              <a:t>) Light delivery during this task reduces preference for the novel arm in right-NpHR and left-NpHR mice compared with their respective YFP controls. Broken lines represent chance performance. Mean percentages ± SEM. *</a:t>
-            </a:r>
-            <a:r>
-              <a:rPr lang="en-GB" i="1">
+              <a:t>) Illumination of CA3 neurons in eNpHR3.0-expressing mice for 30 s resulted in a reversible reduction in spontaneous spiking frequency. A representative </a:t>
+            </a:r>
+            <a:r>
+              <a:rPr lang="en-GB" dirty="0" err="1">
                 <a:latin typeface="Arial" charset="0"/>
                 <a:ea typeface="msgothic" charset="0"/>
                 <a:cs typeface="msgothic" charset="0"/>
               </a:rPr>
-              <a:t>P</a:t>
-            </a:r>
-            <a:r>
-              <a:rPr lang="en-GB">
+              <a:t>optrode</a:t>
+            </a:r>
+            <a:r>
+              <a:rPr lang="en-GB" dirty="0">
                 <a:latin typeface="Arial" charset="0"/>
                 <a:ea typeface="msgothic" charset="0"/>
                 <a:cs typeface="msgothic" charset="0"/>
               </a:rPr>
-              <a:t> &lt; 0.05; **</a:t>
-            </a:r>
-            <a:r>
-              <a:rPr lang="en-GB" i="1">
-                <a:latin typeface="Arial" charset="0"/>
-                <a:ea typeface="msgothic" charset="0"/>
-                <a:cs typeface="msgothic" charset="0"/>
-              </a:rPr>
-              <a:t>P</a:t>
-            </a:r>
-            <a:r>
-              <a:rPr lang="en-GB">
-                <a:latin typeface="Arial" charset="0"/>
-                <a:ea typeface="msgothic" charset="0"/>
-                <a:cs typeface="msgothic" charset="0"/>
-              </a:rPr>
-              <a:t> &lt; 0.01, ***</a:t>
-            </a:r>
-            <a:r>
-              <a:rPr lang="en-GB" i="1">
-                <a:latin typeface="Arial" charset="0"/>
-                <a:ea typeface="msgothic" charset="0"/>
-                <a:cs typeface="msgothic" charset="0"/>
-              </a:rPr>
-              <a:t>P</a:t>
-            </a:r>
-            <a:r>
-              <a:rPr lang="en-GB">
-                <a:latin typeface="Arial" charset="0"/>
-                <a:ea typeface="msgothic" charset="0"/>
-                <a:cs typeface="msgothic" charset="0"/>
-              </a:rPr>
-              <a:t> &lt; 0.001.</a:t>
+              <a:t> recording trace as well as normalized mean frequency is shown. Error bars represent SEM.</a:t>
             </a:r>
           </a:p>
         </p:txBody>
       </p:sp>
     </p:spTree>
+  </p:cSld>
+  <p:clrMapOvr>
+    <a:masterClrMapping/>
+  </p:clrMapOvr>
+</p:notes>
+</file>
+
+<file path=ppt/notesSlides/notesSlide7.xml><?xml version="1.0" encoding="utf-8"?>
+<p:notes xmlns:a="http://schemas.openxmlformats.org/drawingml/2006/main" xmlns:r="http://schemas.openxmlformats.org/officeDocument/2006/relationships" xmlns:p="http://schemas.openxmlformats.org/presentationml/2006/main">
+  <p:cSld>
+    <p:spTree>
+      <p:nvGrpSpPr>
+        <p:cNvPr id="1" name=""/>
+        <p:cNvGrpSpPr/>
+        <p:nvPr/>
+      </p:nvGrpSpPr>
+      <p:grpSpPr>
+        <a:xfrm>
+          <a:off x="0" y="0"/>
+          <a:ext cx="0" cy="0"/>
+          <a:chOff x="0" y="0"/>
+          <a:chExt cx="0" cy="0"/>
+        </a:xfrm>
+      </p:grpSpPr>
+      <p:sp>
+        <p:nvSpPr>
+          <p:cNvPr id="2" name="幻灯片图像占位符 1"/>
+          <p:cNvSpPr>
+            <a:spLocks noGrp="1" noRot="1" noChangeAspect="1"/>
+          </p:cNvSpPr>
+          <p:nvPr>
+            <p:ph type="sldImg"/>
+          </p:nvPr>
+        </p:nvSpPr>
+        <p:spPr/>
+      </p:sp>
+      <p:sp>
+        <p:nvSpPr>
+          <p:cNvPr id="3" name="备注占位符 2"/>
+          <p:cNvSpPr>
+            <a:spLocks noGrp="1"/>
+          </p:cNvSpPr>
+          <p:nvPr>
+            <p:ph type="body" idx="1"/>
+          </p:nvPr>
+        </p:nvSpPr>
+        <p:spPr/>
+        <p:txBody>
+          <a:bodyPr/>
+          <a:lstStyle/>
+          <a:p>
+            <a:endParaRPr lang="zh-CN" altLang="en-US" dirty="0"/>
+          </a:p>
+        </p:txBody>
+      </p:sp>
+      <p:sp>
+        <p:nvSpPr>
+          <p:cNvPr id="4" name="灯片编号占位符 3"/>
+          <p:cNvSpPr>
+            <a:spLocks noGrp="1"/>
+          </p:cNvSpPr>
+          <p:nvPr>
+            <p:ph type="sldNum" sz="quarter" idx="10"/>
+          </p:nvPr>
+        </p:nvSpPr>
+        <p:spPr/>
+        <p:txBody>
+          <a:bodyPr/>
+          <a:lstStyle/>
+          <a:p>
+            <a:fld id="{DD202784-B46A-4EF4-B218-4316F9133D14}" type="slidenum">
+              <a:rPr lang="zh-CN" altLang="en-US" smtClean="0"/>
+              <a:t>7</a:t>
+            </a:fld>
+            <a:endParaRPr lang="zh-CN" altLang="en-US"/>
+          </a:p>
+        </p:txBody>
+      </p:sp>
+    </p:spTree>
+    <p:extLst>
+      <p:ext uri="{BB962C8B-B14F-4D97-AF65-F5344CB8AC3E}">
+        <p14:creationId xmlns:p14="http://schemas.microsoft.com/office/powerpoint/2010/main" val="3776015239"/>
+      </p:ext>
+    </p:extLst>
+  </p:cSld>
+  <p:clrMapOvr>
+    <a:masterClrMapping/>
+  </p:clrMapOvr>
+</p:notes>
+</file>
+
+<file path=ppt/notesSlides/notesSlide8.xml><?xml version="1.0" encoding="utf-8"?>
+<p:notes xmlns:a="http://schemas.openxmlformats.org/drawingml/2006/main" xmlns:r="http://schemas.openxmlformats.org/officeDocument/2006/relationships" xmlns:p="http://schemas.openxmlformats.org/presentationml/2006/main">
+  <p:cSld>
+    <p:spTree>
+      <p:nvGrpSpPr>
+        <p:cNvPr id="1" name=""/>
+        <p:cNvGrpSpPr/>
+        <p:nvPr/>
+      </p:nvGrpSpPr>
+      <p:grpSpPr>
+        <a:xfrm>
+          <a:off x="0" y="0"/>
+          <a:ext cx="0" cy="0"/>
+          <a:chOff x="0" y="0"/>
+          <a:chExt cx="0" cy="0"/>
+        </a:xfrm>
+      </p:grpSpPr>
+      <p:sp>
+        <p:nvSpPr>
+          <p:cNvPr id="2" name="幻灯片图像占位符 1"/>
+          <p:cNvSpPr>
+            <a:spLocks noGrp="1" noRot="1" noChangeAspect="1"/>
+          </p:cNvSpPr>
+          <p:nvPr>
+            <p:ph type="sldImg"/>
+          </p:nvPr>
+        </p:nvSpPr>
+        <p:spPr/>
+      </p:sp>
+      <p:sp>
+        <p:nvSpPr>
+          <p:cNvPr id="3" name="备注占位符 2"/>
+          <p:cNvSpPr>
+            <a:spLocks noGrp="1"/>
+          </p:cNvSpPr>
+          <p:nvPr>
+            <p:ph type="body" idx="1"/>
+          </p:nvPr>
+        </p:nvSpPr>
+        <p:spPr/>
+        <p:txBody>
+          <a:bodyPr/>
+          <a:lstStyle/>
+          <a:p>
+            <a:r>
+              <a:rPr lang="zh-CN" altLang="en-US" dirty="0" smtClean="0"/>
+              <a:t>训练时间：</a:t>
+            </a:r>
+            <a:r>
+              <a:rPr lang="en-US" altLang="zh-CN" dirty="0" smtClean="0"/>
+              <a:t>				light</a:t>
+            </a:r>
+            <a:r>
+              <a:rPr lang="zh-CN" altLang="en-US" dirty="0" smtClean="0"/>
+              <a:t>：</a:t>
+            </a:r>
+            <a:endParaRPr lang="en-US" altLang="zh-CN" dirty="0" smtClean="0"/>
+          </a:p>
+          <a:p>
+            <a:r>
+              <a:rPr lang="en-US" altLang="zh-CN" dirty="0" smtClean="0"/>
+              <a:t>A</a:t>
+            </a:r>
+            <a:r>
+              <a:rPr lang="en-US" altLang="zh-CN" baseline="0" dirty="0" smtClean="0"/>
+              <a:t> 30s				On &amp; Off separately</a:t>
+            </a:r>
+          </a:p>
+          <a:p>
+            <a:r>
+              <a:rPr lang="en-US" altLang="zh-CN" baseline="0" dirty="0" smtClean="0"/>
+              <a:t>B 6 min				On</a:t>
+            </a:r>
+          </a:p>
+          <a:p>
+            <a:r>
+              <a:rPr lang="en-US" altLang="zh-CN" baseline="0" dirty="0" smtClean="0"/>
+              <a:t>C 11 days </a:t>
+            </a:r>
+            <a:r>
+              <a:rPr lang="zh-CN" altLang="en-US" baseline="0" dirty="0" smtClean="0"/>
+              <a:t>，</a:t>
+            </a:r>
+            <a:r>
+              <a:rPr lang="en-US" altLang="zh-CN" baseline="0" dirty="0" smtClean="0"/>
+              <a:t>then 7 days blank		On</a:t>
+            </a:r>
+          </a:p>
+          <a:p>
+            <a:r>
+              <a:rPr lang="en-US" altLang="zh-CN" baseline="0" dirty="0" smtClean="0"/>
+              <a:t>D 8 days				On</a:t>
+            </a:r>
+            <a:endParaRPr lang="zh-CN" altLang="en-US" dirty="0"/>
+          </a:p>
+        </p:txBody>
+      </p:sp>
+      <p:sp>
+        <p:nvSpPr>
+          <p:cNvPr id="4" name="灯片编号占位符 3"/>
+          <p:cNvSpPr>
+            <a:spLocks noGrp="1"/>
+          </p:cNvSpPr>
+          <p:nvPr>
+            <p:ph type="sldNum" sz="quarter" idx="10"/>
+          </p:nvPr>
+        </p:nvSpPr>
+        <p:spPr/>
+        <p:txBody>
+          <a:bodyPr/>
+          <a:lstStyle/>
+          <a:p>
+            <a:fld id="{DD202784-B46A-4EF4-B218-4316F9133D14}" type="slidenum">
+              <a:rPr lang="zh-CN" altLang="en-US" smtClean="0"/>
+              <a:t>8</a:t>
+            </a:fld>
+            <a:endParaRPr lang="zh-CN" altLang="en-US"/>
+          </a:p>
+        </p:txBody>
+      </p:sp>
+    </p:spTree>
+    <p:extLst>
+      <p:ext uri="{BB962C8B-B14F-4D97-AF65-F5344CB8AC3E}">
+        <p14:creationId xmlns:p14="http://schemas.microsoft.com/office/powerpoint/2010/main" val="3763311556"/>
+      </p:ext>
+    </p:extLst>
   </p:cSld>
   <p:clrMapOvr>
     <a:masterClrMapping/>
@@ -4661,15 +5019,15 @@
               <a:buNone/>
             </a:pPr>
             <a:r>
-              <a:rPr lang="en-GB">
+              <a:rPr lang="en-GB" dirty="0">
                 <a:latin typeface="Arial" charset="0"/>
                 <a:ea typeface="msgothic" charset="0"/>
                 <a:cs typeface="msgothic" charset="0"/>
               </a:rPr>
-              <a:t>Hippocampus-dependent associative spatial long-term memory uniquely requires the left CA3. (</a:t>
-            </a:r>
-            <a:r>
-              <a:rPr lang="en-GB" i="1">
+              <a:t>Hippocampus-dependent short-term memory requires the left and right CA3. (</a:t>
+            </a:r>
+            <a:r>
+              <a:rPr lang="en-GB" i="1" dirty="0">
                 <a:latin typeface="Arial" charset="0"/>
                 <a:ea typeface="msgothic" charset="0"/>
                 <a:cs typeface="msgothic" charset="0"/>
@@ -4677,15 +5035,15 @@
               <a:t>A</a:t>
             </a:r>
             <a:r>
-              <a:rPr lang="en-GB">
+              <a:rPr lang="en-GB" dirty="0">
                 <a:latin typeface="Arial" charset="0"/>
                 <a:ea typeface="msgothic" charset="0"/>
                 <a:cs typeface="msgothic" charset="0"/>
               </a:rPr>
-              <a:t>) Mice were trained on a hippocampus-dependent long-term memory task where they had to associate a reward location that was fixed with respect to allocentric extramaze spatial cues (black square, circle, and triangle), and remained constant for each mouse across consecutive days of testing. Mice received arm starts (S) to the left or the right of the rewarded arm (+) in a pseudorandom order. Mice entering the nonrewarded arm (−) were not allowed to self-correct. (</a:t>
-            </a:r>
-            <a:r>
-              <a:rPr lang="en-GB" i="1">
+              <a:t>) Mice were tested on a spontaneous alternation task in a T-maze. S, start arm. (</a:t>
+            </a:r>
+            <a:r>
+              <a:rPr lang="en-GB" i="1" dirty="0">
                 <a:latin typeface="Arial" charset="0"/>
                 <a:ea typeface="msgothic" charset="0"/>
                 <a:cs typeface="msgothic" charset="0"/>
@@ -4693,31 +5051,63 @@
               <a:t>B</a:t>
             </a:r>
             <a:r>
-              <a:rPr lang="en-GB">
+              <a:rPr lang="en-GB" dirty="0">
                 <a:latin typeface="Arial" charset="0"/>
                 <a:ea typeface="msgothic" charset="0"/>
                 <a:cs typeface="msgothic" charset="0"/>
               </a:rPr>
-              <a:t>) Light delivery in mice expressing eNpHR3.0 in the left CA3 (left-NpHR, blue) impairs but does not affect learning in right-NpHR mice (red) and control groups (left-YFP: black, right-YFP: gray) in this hippocampus-dependent long-term memory task. (</a:t>
-            </a:r>
-            <a:r>
-              <a:rPr lang="en-GB" i="1">
+              <a:t>) Light delivery during this task reduces spontaneous alternation of right-</a:t>
+            </a:r>
+            <a:r>
+              <a:rPr lang="en-GB" dirty="0" err="1">
                 <a:latin typeface="Arial" charset="0"/>
                 <a:ea typeface="msgothic" charset="0"/>
                 <a:cs typeface="msgothic" charset="0"/>
               </a:rPr>
+              <a:t>NpHR</a:t>
+            </a:r>
+            <a:r>
+              <a:rPr lang="en-GB" dirty="0">
+                <a:latin typeface="Arial" charset="0"/>
+                <a:ea typeface="msgothic" charset="0"/>
+                <a:cs typeface="msgothic" charset="0"/>
+              </a:rPr>
+              <a:t> and left-</a:t>
+            </a:r>
+            <a:r>
+              <a:rPr lang="en-GB" dirty="0" err="1">
+                <a:latin typeface="Arial" charset="0"/>
+                <a:ea typeface="msgothic" charset="0"/>
+                <a:cs typeface="msgothic" charset="0"/>
+              </a:rPr>
+              <a:t>NpHR</a:t>
+            </a:r>
+            <a:r>
+              <a:rPr lang="en-GB" dirty="0">
+                <a:latin typeface="Arial" charset="0"/>
+                <a:ea typeface="msgothic" charset="0"/>
+                <a:cs typeface="msgothic" charset="0"/>
+              </a:rPr>
+              <a:t> mice compared with their respective YFP controls. (</a:t>
+            </a:r>
+            <a:r>
+              <a:rPr lang="en-GB" i="1" dirty="0">
+                <a:latin typeface="Arial" charset="0"/>
+                <a:ea typeface="msgothic" charset="0"/>
+                <a:cs typeface="msgothic" charset="0"/>
+              </a:rPr>
               <a:t>C</a:t>
             </a:r>
             <a:r>
-              <a:rPr lang="en-GB">
+              <a:rPr lang="en-GB" dirty="0">
                 <a:latin typeface="Arial" charset="0"/>
                 <a:ea typeface="msgothic" charset="0"/>
                 <a:cs typeface="msgothic" charset="0"/>
               </a:rPr>
-              <a:t>) Average performance on penultimate day. (</a:t>
-            </a:r>
-            <a:r>
-              <a:rPr lang="en-GB" i="1">
+              <a:t>) Mice were tested on a spatial novelty preference task in a Y-maze. (</a:t>
+            </a:r>
+            <a:r>
+              <a:rPr lang="en-GB" i="1" dirty="0">
                 <a:latin typeface="Arial" charset="0"/>
                 <a:ea typeface="msgothic" charset="0"/>
                 <a:cs typeface="msgothic" charset="0"/>
@@ -4725,47 +5115,47 @@
               <a:t>D</a:t>
             </a:r>
             <a:r>
-              <a:rPr lang="en-GB">
+              <a:rPr lang="en-GB" dirty="0">
                 <a:latin typeface="Arial" charset="0"/>
                 <a:ea typeface="msgothic" charset="0"/>
                 <a:cs typeface="msgothic" charset="0"/>
               </a:rPr>
-              <a:t>) Mice were trained on a hippocampus-independent visual-discrimination long-term memory task where they had to associate arm floor and wall color (gray vs. black-and-white stripes) with a reward; this was fixed for each mouse across consecutive days of testing. Rewarded (+) and nonrewarded (−) arms were pseudorandomly interchanged so that reward location was learnt independent of the spatial position of the arms of the maze. (</a:t>
-            </a:r>
-            <a:r>
-              <a:rPr lang="en-GB" i="1">
+              <a:t>) Light delivery during this task reduces preference for the novel arm in right-</a:t>
+            </a:r>
+            <a:r>
+              <a:rPr lang="en-GB" dirty="0" err="1">
                 <a:latin typeface="Arial" charset="0"/>
                 <a:ea typeface="msgothic" charset="0"/>
                 <a:cs typeface="msgothic" charset="0"/>
               </a:rPr>
-              <a:t>E</a:t>
-            </a:r>
-            <a:r>
-              <a:rPr lang="en-GB">
+              <a:t>NpHR</a:t>
+            </a:r>
+            <a:r>
+              <a:rPr lang="en-GB" dirty="0">
                 <a:latin typeface="Arial" charset="0"/>
                 <a:ea typeface="msgothic" charset="0"/>
                 <a:cs typeface="msgothic" charset="0"/>
               </a:rPr>
-              <a:t>) Mice in all groups successfully learned this task at an equivalent rate. (</a:t>
-            </a:r>
-            <a:r>
-              <a:rPr lang="en-GB" i="1">
+              <a:t> and left-</a:t>
+            </a:r>
+            <a:r>
+              <a:rPr lang="en-GB" dirty="0" err="1">
                 <a:latin typeface="Arial" charset="0"/>
                 <a:ea typeface="msgothic" charset="0"/>
                 <a:cs typeface="msgothic" charset="0"/>
               </a:rPr>
-              <a:t>F</a:t>
-            </a:r>
-            <a:r>
-              <a:rPr lang="en-GB">
+              <a:t>NpHR</a:t>
+            </a:r>
+            <a:r>
+              <a:rPr lang="en-GB" dirty="0">
                 <a:latin typeface="Arial" charset="0"/>
                 <a:ea typeface="msgothic" charset="0"/>
                 <a:cs typeface="msgothic" charset="0"/>
               </a:rPr>
-              <a:t>) Average performance on penultimate day. In both tasks, on the last day of testing, reward was delivered after the animal had chosen to control for the possibility of mice smelling the milk (postchoice baiting). Broken lines represent chance performance. Mean percentage correct choices ± SEM. ***</a:t>
-            </a:r>
-            <a:r>
-              <a:rPr lang="en-GB" i="1">
+              <a:t> mice compared with their respective YFP controls. Broken lines represent chance performance. Mean percentages ± SEM. *</a:t>
+            </a:r>
+            <a:r>
+              <a:rPr lang="en-GB" i="1" dirty="0">
                 <a:latin typeface="Arial" charset="0"/>
                 <a:ea typeface="msgothic" charset="0"/>
                 <a:cs typeface="msgothic" charset="0"/>
@@ -4773,7 +5163,39 @@
               <a:t>P</a:t>
             </a:r>
             <a:r>
-              <a:rPr lang="en-GB">
+              <a:rPr lang="en-GB" dirty="0">
+                <a:latin typeface="Arial" charset="0"/>
+                <a:ea typeface="msgothic" charset="0"/>
+                <a:cs typeface="msgothic" charset="0"/>
+              </a:rPr>
+              <a:t> &lt; 0.05; **</a:t>
+            </a:r>
+            <a:r>
+              <a:rPr lang="en-GB" i="1" dirty="0">
+                <a:latin typeface="Arial" charset="0"/>
+                <a:ea typeface="msgothic" charset="0"/>
+                <a:cs typeface="msgothic" charset="0"/>
+              </a:rPr>
+              <a:t>P</a:t>
+            </a:r>
+            <a:r>
+              <a:rPr lang="en-GB" dirty="0">
+                <a:latin typeface="Arial" charset="0"/>
+                <a:ea typeface="msgothic" charset="0"/>
+                <a:cs typeface="msgothic" charset="0"/>
+              </a:rPr>
+              <a:t> &lt; 0.01, ***</a:t>
+            </a:r>
+            <a:r>
+              <a:rPr lang="en-GB" i="1" dirty="0">
+                <a:latin typeface="Arial" charset="0"/>
+                <a:ea typeface="msgothic" charset="0"/>
+                <a:cs typeface="msgothic" charset="0"/>
+              </a:rPr>
+              <a:t>P</a:t>
+            </a:r>
+            <a:r>
+              <a:rPr lang="en-GB" dirty="0">
                 <a:latin typeface="Arial" charset="0"/>
                 <a:ea typeface="msgothic" charset="0"/>
                 <a:cs typeface="msgothic" charset="0"/>
@@ -4920,7 +5342,7 @@
           <a:p>
             <a:fld id="{D7D8C689-48A4-48E7-8DC1-52CF9C1A4E1F}" type="datetimeFigureOut">
               <a:rPr lang="zh-CN" altLang="en-US" smtClean="0"/>
-              <a:t>2018/3/7</a:t>
+              <a:t>2018/3/8</a:t>
             </a:fld>
             <a:endParaRPr lang="zh-CN" altLang="en-US"/>
           </a:p>
@@ -5088,7 +5510,7 @@
           <a:p>
             <a:fld id="{D7D8C689-48A4-48E7-8DC1-52CF9C1A4E1F}" type="datetimeFigureOut">
               <a:rPr lang="zh-CN" altLang="en-US" smtClean="0"/>
-              <a:t>2018/3/7</a:t>
+              <a:t>2018/3/8</a:t>
             </a:fld>
             <a:endParaRPr lang="zh-CN" altLang="en-US"/>
           </a:p>
@@ -5266,7 +5688,7 @@
           <a:p>
             <a:fld id="{D7D8C689-48A4-48E7-8DC1-52CF9C1A4E1F}" type="datetimeFigureOut">
               <a:rPr lang="zh-CN" altLang="en-US" smtClean="0"/>
-              <a:t>2018/3/7</a:t>
+              <a:t>2018/3/8</a:t>
             </a:fld>
             <a:endParaRPr lang="zh-CN" altLang="en-US"/>
           </a:p>
@@ -5434,7 +5856,7 @@
           <a:p>
             <a:fld id="{D7D8C689-48A4-48E7-8DC1-52CF9C1A4E1F}" type="datetimeFigureOut">
               <a:rPr lang="zh-CN" altLang="en-US" smtClean="0"/>
-              <a:t>2018/3/7</a:t>
+              <a:t>2018/3/8</a:t>
             </a:fld>
             <a:endParaRPr lang="zh-CN" altLang="en-US"/>
           </a:p>
@@ -5679,7 +6101,7 @@
           <a:p>
             <a:fld id="{D7D8C689-48A4-48E7-8DC1-52CF9C1A4E1F}" type="datetimeFigureOut">
               <a:rPr lang="zh-CN" altLang="en-US" smtClean="0"/>
-              <a:t>2018/3/7</a:t>
+              <a:t>2018/3/8</a:t>
             </a:fld>
             <a:endParaRPr lang="zh-CN" altLang="en-US"/>
           </a:p>
@@ -5908,7 +6330,7 @@
           <a:p>
             <a:fld id="{D7D8C689-48A4-48E7-8DC1-52CF9C1A4E1F}" type="datetimeFigureOut">
               <a:rPr lang="zh-CN" altLang="en-US" smtClean="0"/>
-              <a:t>2018/3/7</a:t>
+              <a:t>2018/3/8</a:t>
             </a:fld>
             <a:endParaRPr lang="zh-CN" altLang="en-US"/>
           </a:p>
@@ -6272,7 +6694,7 @@
           <a:p>
             <a:fld id="{D7D8C689-48A4-48E7-8DC1-52CF9C1A4E1F}" type="datetimeFigureOut">
               <a:rPr lang="zh-CN" altLang="en-US" smtClean="0"/>
-              <a:t>2018/3/7</a:t>
+              <a:t>2018/3/8</a:t>
             </a:fld>
             <a:endParaRPr lang="zh-CN" altLang="en-US"/>
           </a:p>
@@ -6389,7 +6811,7 @@
           <a:p>
             <a:fld id="{D7D8C689-48A4-48E7-8DC1-52CF9C1A4E1F}" type="datetimeFigureOut">
               <a:rPr lang="zh-CN" altLang="en-US" smtClean="0"/>
-              <a:t>2018/3/7</a:t>
+              <a:t>2018/3/8</a:t>
             </a:fld>
             <a:endParaRPr lang="zh-CN" altLang="en-US"/>
           </a:p>
@@ -6484,7 +6906,7 @@
           <a:p>
             <a:fld id="{D7D8C689-48A4-48E7-8DC1-52CF9C1A4E1F}" type="datetimeFigureOut">
               <a:rPr lang="zh-CN" altLang="en-US" smtClean="0"/>
-              <a:t>2018/3/7</a:t>
+              <a:t>2018/3/8</a:t>
             </a:fld>
             <a:endParaRPr lang="zh-CN" altLang="en-US"/>
           </a:p>
@@ -6759,7 +7181,7 @@
           <a:p>
             <a:fld id="{D7D8C689-48A4-48E7-8DC1-52CF9C1A4E1F}" type="datetimeFigureOut">
               <a:rPr lang="zh-CN" altLang="en-US" smtClean="0"/>
-              <a:t>2018/3/7</a:t>
+              <a:t>2018/3/8</a:t>
             </a:fld>
             <a:endParaRPr lang="zh-CN" altLang="en-US"/>
           </a:p>
@@ -7011,7 +7433,7 @@
           <a:p>
             <a:fld id="{D7D8C689-48A4-48E7-8DC1-52CF9C1A4E1F}" type="datetimeFigureOut">
               <a:rPr lang="zh-CN" altLang="en-US" smtClean="0"/>
-              <a:t>2018/3/7</a:t>
+              <a:t>2018/3/8</a:t>
             </a:fld>
             <a:endParaRPr lang="zh-CN" altLang="en-US"/>
           </a:p>
@@ -7222,7 +7644,7 @@
           <a:p>
             <a:fld id="{D7D8C689-48A4-48E7-8DC1-52CF9C1A4E1F}" type="datetimeFigureOut">
               <a:rPr lang="zh-CN" altLang="en-US" smtClean="0"/>
-              <a:t>2018/3/7</a:t>
+              <a:t>2018/3/8</a:t>
             </a:fld>
             <a:endParaRPr lang="zh-CN" altLang="en-US"/>
           </a:p>
@@ -7629,14 +8051,160 @@
       </p:grpSpPr>
       <p:sp>
         <p:nvSpPr>
-          <p:cNvPr id="3" name="文本框 2"/>
+          <p:cNvPr id="5" name="文本框 4"/>
           <p:cNvSpPr txBox="1"/>
           <p:nvPr/>
         </p:nvSpPr>
         <p:spPr>
           <a:xfrm>
-            <a:off x="1729740" y="1761508"/>
-            <a:ext cx="8080652" cy="2308324"/>
+            <a:off x="5445728" y="1707631"/>
+            <a:ext cx="1704313" cy="1569660"/>
+          </a:xfrm>
+          <a:prstGeom prst="rect">
+            <a:avLst/>
+          </a:prstGeom>
+          <a:noFill/>
+        </p:spPr>
+        <p:txBody>
+          <a:bodyPr wrap="none" rtlCol="0">
+            <a:spAutoFit/>
+          </a:bodyPr>
+          <a:lstStyle/>
+          <a:p>
+            <a:r>
+              <a:rPr lang="en-US" altLang="zh-CN" sz="9600" b="1" dirty="0" smtClean="0">
+                <a:solidFill>
+                  <a:schemeClr val="accent2">
+                    <a:lumMod val="75000"/>
+                  </a:schemeClr>
+                </a:solidFill>
+                <a:latin typeface="微软雅黑" panose="020B0503020204020204" pitchFamily="34" charset="-122"/>
+                <a:ea typeface="微软雅黑" panose="020B0503020204020204" pitchFamily="34" charset="-122"/>
+              </a:rPr>
+              <a:t>01</a:t>
+            </a:r>
+            <a:endParaRPr lang="zh-CN" altLang="en-US" sz="9600" b="1" dirty="0">
+              <a:solidFill>
+                <a:schemeClr val="accent2">
+                  <a:lumMod val="75000"/>
+                </a:schemeClr>
+              </a:solidFill>
+              <a:latin typeface="微软雅黑" panose="020B0503020204020204" pitchFamily="34" charset="-122"/>
+              <a:ea typeface="微软雅黑" panose="020B0503020204020204" pitchFamily="34" charset="-122"/>
+            </a:endParaRPr>
+          </a:p>
+        </p:txBody>
+      </p:sp>
+      <p:sp>
+        <p:nvSpPr>
+          <p:cNvPr id="6" name="文本框 5"/>
+          <p:cNvSpPr txBox="1"/>
+          <p:nvPr/>
+        </p:nvSpPr>
+        <p:spPr>
+          <a:xfrm>
+            <a:off x="5445728" y="3422822"/>
+            <a:ext cx="3844770" cy="769441"/>
+          </a:xfrm>
+          <a:prstGeom prst="rect">
+            <a:avLst/>
+          </a:prstGeom>
+          <a:noFill/>
+        </p:spPr>
+        <p:txBody>
+          <a:bodyPr wrap="none" rtlCol="0">
+            <a:spAutoFit/>
+          </a:bodyPr>
+          <a:lstStyle/>
+          <a:p>
+            <a:r>
+              <a:rPr lang="en-US" altLang="zh-CN" sz="4400" b="1" dirty="0" smtClean="0">
+                <a:solidFill>
+                  <a:srgbClr val="00ABB4"/>
+                </a:solidFill>
+                <a:latin typeface="微软雅黑" panose="020B0503020204020204" pitchFamily="34" charset="-122"/>
+                <a:ea typeface="微软雅黑" panose="020B0503020204020204" pitchFamily="34" charset="-122"/>
+              </a:rPr>
+              <a:t>Jordan, 2017</a:t>
+            </a:r>
+            <a:endParaRPr lang="zh-CN" altLang="en-US" sz="4400" b="1" dirty="0">
+              <a:solidFill>
+                <a:srgbClr val="00ABB4"/>
+              </a:solidFill>
+              <a:latin typeface="微软雅黑" panose="020B0503020204020204" pitchFamily="34" charset="-122"/>
+              <a:ea typeface="微软雅黑" panose="020B0503020204020204" pitchFamily="34" charset="-122"/>
+            </a:endParaRPr>
+          </a:p>
+        </p:txBody>
+      </p:sp>
+      <p:sp>
+        <p:nvSpPr>
+          <p:cNvPr id="7" name="文本框 6"/>
+          <p:cNvSpPr txBox="1"/>
+          <p:nvPr/>
+        </p:nvSpPr>
+        <p:spPr>
+          <a:xfrm>
+            <a:off x="5445728" y="3003482"/>
+            <a:ext cx="1534972" cy="461665"/>
+          </a:xfrm>
+          <a:prstGeom prst="rect">
+            <a:avLst/>
+          </a:prstGeom>
+          <a:noFill/>
+        </p:spPr>
+        <p:txBody>
+          <a:bodyPr wrap="none" rtlCol="0">
+            <a:spAutoFit/>
+          </a:bodyPr>
+          <a:lstStyle/>
+          <a:p>
+            <a:r>
+              <a:rPr lang="en-US" altLang="zh-CN" sz="2400" dirty="0">
+                <a:solidFill>
+                  <a:schemeClr val="bg1">
+                    <a:lumMod val="50000"/>
+                  </a:schemeClr>
+                </a:solidFill>
+                <a:latin typeface="微软雅黑" panose="020B0503020204020204" pitchFamily="34" charset="-122"/>
+                <a:ea typeface="微软雅黑" panose="020B0503020204020204" pitchFamily="34" charset="-122"/>
+              </a:rPr>
+              <a:t>Part </a:t>
+            </a:r>
+            <a:r>
+              <a:rPr lang="en-US" altLang="zh-CN" sz="2400" dirty="0" smtClean="0">
+                <a:solidFill>
+                  <a:schemeClr val="bg1">
+                    <a:lumMod val="50000"/>
+                  </a:schemeClr>
+                </a:solidFill>
+                <a:latin typeface="微软雅黑" panose="020B0503020204020204" pitchFamily="34" charset="-122"/>
+                <a:ea typeface="微软雅黑" panose="020B0503020204020204" pitchFamily="34" charset="-122"/>
+              </a:rPr>
+              <a:t>ONE</a:t>
+            </a:r>
+            <a:endParaRPr lang="zh-CN" altLang="en-US" sz="2400" dirty="0">
+              <a:solidFill>
+                <a:schemeClr val="bg1">
+                  <a:lumMod val="50000"/>
+                </a:schemeClr>
+              </a:solidFill>
+              <a:latin typeface="微软雅黑" panose="020B0503020204020204" pitchFamily="34" charset="-122"/>
+              <a:ea typeface="微软雅黑" panose="020B0503020204020204" pitchFamily="34" charset="-122"/>
+            </a:endParaRPr>
+          </a:p>
+        </p:txBody>
+      </p:sp>
+      <p:sp>
+        <p:nvSpPr>
+          <p:cNvPr id="8" name="文本框 7"/>
+          <p:cNvSpPr txBox="1"/>
+          <p:nvPr/>
+        </p:nvSpPr>
+        <p:spPr>
+          <a:xfrm>
+            <a:off x="12936632" y="4355748"/>
+            <a:ext cx="6894418" cy="1200329"/>
           </a:xfrm>
           <a:prstGeom prst="rect">
             <a:avLst/>
@@ -7649,98 +8217,151 @@
           </a:bodyPr>
           <a:lstStyle/>
           <a:p>
+            <a:pPr marL="285750" indent="-285750">
+              <a:buFont typeface="Arial" panose="020B0604020202020204" pitchFamily="34" charset="0"/>
+              <a:buChar char="•"/>
+            </a:pPr>
+            <a:r>
+              <a:rPr lang="en-US" altLang="zh-CN" dirty="0" smtClean="0">
+                <a:solidFill>
+                  <a:schemeClr val="accent2"/>
+                </a:solidFill>
+                <a:ea typeface="Roboto Cn" pitchFamily="2" charset="0"/>
+                <a:cs typeface="Arial" panose="020B0604020202020204" pitchFamily="34" charset="0"/>
+              </a:rPr>
+              <a:t>Identify brain regions  scopolamine induce   intensity changes</a:t>
+            </a:r>
+            <a:endParaRPr lang="en-US" altLang="zh-CN" dirty="0">
+              <a:solidFill>
+                <a:schemeClr val="accent2"/>
+              </a:solidFill>
+              <a:ea typeface="Roboto Cn" pitchFamily="2" charset="0"/>
+              <a:cs typeface="Arial" panose="020B0604020202020204" pitchFamily="34" charset="0"/>
+            </a:endParaRPr>
+          </a:p>
+          <a:p>
+            <a:pPr marL="285750" indent="-285750">
+              <a:buFont typeface="Arial" panose="020B0604020202020204" pitchFamily="34" charset="0"/>
+              <a:buChar char="•"/>
+            </a:pPr>
+            <a:r>
+              <a:rPr lang="en-US" altLang="zh-CN" dirty="0" smtClean="0">
+                <a:solidFill>
+                  <a:schemeClr val="bg1">
+                    <a:lumMod val="50000"/>
+                  </a:schemeClr>
+                </a:solidFill>
+                <a:ea typeface="Roboto Cn" pitchFamily="2" charset="0"/>
+                <a:cs typeface="Arial" panose="020B0604020202020204" pitchFamily="34" charset="0"/>
+              </a:rPr>
+              <a:t>Evaluate the effects of scopolamine on FC </a:t>
+            </a:r>
+            <a:endParaRPr lang="en-US" altLang="zh-CN" dirty="0">
+              <a:solidFill>
+                <a:schemeClr val="bg1">
+                  <a:lumMod val="50000"/>
+                </a:schemeClr>
+              </a:solidFill>
+              <a:ea typeface="Roboto Cn" pitchFamily="2" charset="0"/>
+              <a:cs typeface="Arial" panose="020B0604020202020204" pitchFamily="34" charset="0"/>
+            </a:endParaRPr>
+          </a:p>
+          <a:p>
+            <a:pPr marL="285750" indent="-285750">
+              <a:buFont typeface="Arial" panose="020B0604020202020204" pitchFamily="34" charset="0"/>
+              <a:buChar char="•"/>
+            </a:pPr>
+            <a:r>
+              <a:rPr lang="en-US" altLang="zh-CN" dirty="0" smtClean="0">
+                <a:solidFill>
+                  <a:schemeClr val="bg1">
+                    <a:lumMod val="50000"/>
+                  </a:schemeClr>
+                </a:solidFill>
+                <a:ea typeface="Roboto Cn" pitchFamily="2" charset="0"/>
+                <a:cs typeface="Arial" panose="020B0604020202020204" pitchFamily="34" charset="0"/>
+              </a:rPr>
+              <a:t>Whether scopolamine-induced memory effect could be </a:t>
+            </a:r>
+          </a:p>
+          <a:p>
+            <a:r>
+              <a:rPr lang="en-US" altLang="zh-CN" dirty="0">
+                <a:solidFill>
+                  <a:schemeClr val="bg1">
+                    <a:lumMod val="50000"/>
+                  </a:schemeClr>
+                </a:solidFill>
+                <a:ea typeface="Roboto Cn" pitchFamily="2" charset="0"/>
+                <a:cs typeface="Arial" panose="020B0604020202020204" pitchFamily="34" charset="0"/>
+              </a:rPr>
+              <a:t> </a:t>
+            </a:r>
+            <a:r>
+              <a:rPr lang="en-US" altLang="zh-CN" dirty="0" smtClean="0">
+                <a:solidFill>
+                  <a:schemeClr val="bg1">
+                    <a:lumMod val="50000"/>
+                  </a:schemeClr>
+                </a:solidFill>
+                <a:ea typeface="Roboto Cn" pitchFamily="2" charset="0"/>
+                <a:cs typeface="Arial" panose="020B0604020202020204" pitchFamily="34" charset="0"/>
+              </a:rPr>
+              <a:t>     reversed with milameline</a:t>
+            </a:r>
+          </a:p>
+        </p:txBody>
+      </p:sp>
+      <p:sp>
+        <p:nvSpPr>
+          <p:cNvPr id="3" name="矩形 2"/>
+          <p:cNvSpPr/>
+          <p:nvPr/>
+        </p:nvSpPr>
+        <p:spPr>
+          <a:xfrm>
+            <a:off x="5156200" y="1562100"/>
+            <a:ext cx="6426200" cy="3911600"/>
+          </a:xfrm>
+          <a:prstGeom prst="rect">
+            <a:avLst/>
+          </a:prstGeom>
+          <a:noFill/>
+          <a:ln w="127000">
+            <a:solidFill>
+              <a:srgbClr val="00ABB4"/>
+            </a:solidFill>
+          </a:ln>
+        </p:spPr>
+        <p:style>
+          <a:lnRef idx="2">
+            <a:schemeClr val="accent1">
+              <a:shade val="50000"/>
+            </a:schemeClr>
+          </a:lnRef>
+          <a:fillRef idx="1">
+            <a:schemeClr val="accent1"/>
+          </a:fillRef>
+          <a:effectRef idx="0">
+            <a:schemeClr val="accent1"/>
+          </a:effectRef>
+          <a:fontRef idx="minor">
+            <a:schemeClr val="lt1"/>
+          </a:fontRef>
+        </p:style>
+        <p:txBody>
+          <a:bodyPr rtlCol="0" anchor="ctr"/>
+          <a:lstStyle/>
+          <a:p>
             <a:pPr algn="ctr"/>
-            <a:r>
-              <a:rPr lang="en-US" altLang="zh-CN" sz="4800" b="1" dirty="0" smtClean="0">
-                <a:solidFill>
-                  <a:srgbClr val="00ABB4"/>
-                </a:solidFill>
-                <a:effectLst>
-                  <a:outerShdw blurRad="38100" dist="38100" dir="2700000" algn="tl">
-                    <a:srgbClr val="000000">
-                      <a:alpha val="43137"/>
-                    </a:srgbClr>
-                  </a:outerShdw>
-                </a:effectLst>
-                <a:latin typeface="微软雅黑" panose="020B0503020204020204" pitchFamily="34" charset="-122"/>
-                <a:ea typeface="微软雅黑" panose="020B0503020204020204" pitchFamily="34" charset="-122"/>
-              </a:rPr>
-              <a:t>Left–right </a:t>
-            </a:r>
-            <a:r>
-              <a:rPr lang="en-US" altLang="zh-CN" sz="4800" b="1" dirty="0">
-                <a:solidFill>
-                  <a:srgbClr val="00ABB4"/>
-                </a:solidFill>
-                <a:effectLst>
-                  <a:outerShdw blurRad="38100" dist="38100" dir="2700000" algn="tl">
-                    <a:srgbClr val="000000">
-                      <a:alpha val="43137"/>
-                    </a:srgbClr>
-                  </a:outerShdw>
-                </a:effectLst>
-                <a:latin typeface="微软雅黑" panose="020B0503020204020204" pitchFamily="34" charset="-122"/>
-                <a:ea typeface="微软雅黑" panose="020B0503020204020204" pitchFamily="34" charset="-122"/>
-              </a:rPr>
-              <a:t>dissociation of hippocampal memory</a:t>
-            </a:r>
-            <a:br>
-              <a:rPr lang="en-US" altLang="zh-CN" sz="4800" b="1" dirty="0">
-                <a:solidFill>
-                  <a:srgbClr val="00ABB4"/>
-                </a:solidFill>
-                <a:effectLst>
-                  <a:outerShdw blurRad="38100" dist="38100" dir="2700000" algn="tl">
-                    <a:srgbClr val="000000">
-                      <a:alpha val="43137"/>
-                    </a:srgbClr>
-                  </a:outerShdw>
-                </a:effectLst>
-                <a:latin typeface="微软雅黑" panose="020B0503020204020204" pitchFamily="34" charset="-122"/>
-                <a:ea typeface="微软雅黑" panose="020B0503020204020204" pitchFamily="34" charset="-122"/>
-              </a:rPr>
-            </a:br>
-            <a:r>
-              <a:rPr lang="en-US" altLang="zh-CN" sz="4800" b="1" dirty="0">
-                <a:solidFill>
-                  <a:srgbClr val="00ABB4"/>
-                </a:solidFill>
-                <a:effectLst>
-                  <a:outerShdw blurRad="38100" dist="38100" dir="2700000" algn="tl">
-                    <a:srgbClr val="000000">
-                      <a:alpha val="43137"/>
-                    </a:srgbClr>
-                  </a:outerShdw>
-                </a:effectLst>
-                <a:latin typeface="微软雅黑" panose="020B0503020204020204" pitchFamily="34" charset="-122"/>
-                <a:ea typeface="微软雅黑" panose="020B0503020204020204" pitchFamily="34" charset="-122"/>
-              </a:rPr>
-              <a:t>processes in </a:t>
-            </a:r>
-            <a:r>
-              <a:rPr lang="en-US" altLang="zh-CN" sz="4800" b="1" dirty="0" smtClean="0">
-                <a:solidFill>
-                  <a:srgbClr val="00ABB4"/>
-                </a:solidFill>
-                <a:effectLst>
-                  <a:outerShdw blurRad="38100" dist="38100" dir="2700000" algn="tl">
-                    <a:srgbClr val="000000">
-                      <a:alpha val="43137"/>
-                    </a:srgbClr>
-                  </a:outerShdw>
-                </a:effectLst>
-                <a:latin typeface="微软雅黑" panose="020B0503020204020204" pitchFamily="34" charset="-122"/>
-                <a:ea typeface="微软雅黑" panose="020B0503020204020204" pitchFamily="34" charset="-122"/>
-              </a:rPr>
-              <a:t>mice </a:t>
-            </a:r>
+            <a:endParaRPr lang="zh-CN" altLang="en-US"/>
           </a:p>
         </p:txBody>
       </p:sp>
     </p:spTree>
     <p:extLst>
       <p:ext uri="{BB962C8B-B14F-4D97-AF65-F5344CB8AC3E}">
-        <p14:creationId xmlns:p14="http://schemas.microsoft.com/office/powerpoint/2010/main" val="1513466184"/>
+        <p14:creationId xmlns:p14="http://schemas.microsoft.com/office/powerpoint/2010/main" val="3076897032"/>
       </p:ext>
     </p:extLst>
   </p:cSld>
@@ -7758,6 +8379,932 @@
 </file>
 
 <file path=ppt/slides/slide10.xml><?xml version="1.0" encoding="utf-8"?>
+<p:sld xmlns:a="http://schemas.openxmlformats.org/drawingml/2006/main" xmlns:r="http://schemas.openxmlformats.org/officeDocument/2006/relationships" xmlns:p="http://schemas.openxmlformats.org/presentationml/2006/main">
+  <p:cSld>
+    <p:spTree>
+      <p:nvGrpSpPr>
+        <p:cNvPr id="1" name=""/>
+        <p:cNvGrpSpPr/>
+        <p:nvPr/>
+      </p:nvGrpSpPr>
+      <p:grpSpPr>
+        <a:xfrm>
+          <a:off x="0" y="0"/>
+          <a:ext cx="0" cy="0"/>
+          <a:chOff x="0" y="0"/>
+          <a:chExt cx="0" cy="0"/>
+        </a:xfrm>
+      </p:grpSpPr>
+      <p:sp>
+        <p:nvSpPr>
+          <p:cNvPr id="3073" name="Text Box 1"/>
+          <p:cNvSpPr txBox="1">
+            <a:spLocks noChangeArrowheads="1"/>
+          </p:cNvSpPr>
+          <p:nvPr/>
+        </p:nvSpPr>
+        <p:spPr bwMode="auto">
+          <a:xfrm>
+            <a:off x="433920" y="5918096"/>
+            <a:ext cx="11324160" cy="414764"/>
+          </a:xfrm>
+          <a:prstGeom prst="rect">
+            <a:avLst/>
+          </a:prstGeom>
+          <a:noFill/>
+          <a:ln>
+            <a:noFill/>
+          </a:ln>
+          <a:effectLst/>
+          <a:extLst>
+            <a:ext uri="{909E8E84-426E-40DD-AFC4-6F175D3DCCD1}">
+              <a14:hiddenFill xmlns:a14="http://schemas.microsoft.com/office/drawing/2010/main">
+                <a:solidFill>
+                  <a:srgbClr val="FFFFFF"/>
+                </a:solidFill>
+              </a14:hiddenFill>
+            </a:ext>
+            <a:ext uri="{91240B29-F687-4F45-9708-019B960494DF}">
+              <a14:hiddenLine xmlns:a14="http://schemas.microsoft.com/office/drawing/2010/main" w="9525">
+                <a:solidFill>
+                  <a:srgbClr val="FFFFFF"/>
+                </a:solidFill>
+                <a:round/>
+                <a:headEnd/>
+                <a:tailEnd/>
+              </a14:hiddenLine>
+            </a:ext>
+            <a:ext uri="{AF507438-7753-43E0-B8FC-AC1667EBCBE1}">
+              <a14:hiddenEffects xmlns:a14="http://schemas.microsoft.com/office/drawing/2010/main">
+                <a:effectLst>
+                  <a:outerShdw dist="35921" dir="2700000" algn="ctr" rotWithShape="0">
+                    <a:srgbClr val="808080"/>
+                  </a:outerShdw>
+                </a:effectLst>
+              </a14:hiddenEffects>
+            </a:ext>
+          </a:extLst>
+        </p:spPr>
+        <p:txBody>
+          <a:bodyPr lIns="0" tIns="0" rIns="0" bIns="0"/>
+          <a:lstStyle>
+            <a:lvl1pPr>
+              <a:tabLst>
+                <a:tab pos="723900" algn="l"/>
+                <a:tab pos="1447800" algn="l"/>
+                <a:tab pos="2171700" algn="l"/>
+                <a:tab pos="2895600" algn="l"/>
+                <a:tab pos="3619500" algn="l"/>
+                <a:tab pos="4343400" algn="l"/>
+                <a:tab pos="5067300" algn="l"/>
+                <a:tab pos="5791200" algn="l"/>
+                <a:tab pos="6515100" algn="l"/>
+                <a:tab pos="7239000" algn="l"/>
+                <a:tab pos="7962900" algn="l"/>
+                <a:tab pos="8686800" algn="l"/>
+              </a:tabLst>
+              <a:defRPr sz="2400">
+                <a:solidFill>
+                  <a:srgbClr val="000000"/>
+                </a:solidFill>
+                <a:latin typeface="Times New Roman" pitchFamily="16" charset="0"/>
+                <a:ea typeface="msgothic" charset="0"/>
+                <a:cs typeface="msgothic" charset="0"/>
+              </a:defRPr>
+            </a:lvl1pPr>
+            <a:lvl2pPr>
+              <a:tabLst>
+                <a:tab pos="723900" algn="l"/>
+                <a:tab pos="1447800" algn="l"/>
+                <a:tab pos="2171700" algn="l"/>
+                <a:tab pos="2895600" algn="l"/>
+                <a:tab pos="3619500" algn="l"/>
+                <a:tab pos="4343400" algn="l"/>
+                <a:tab pos="5067300" algn="l"/>
+                <a:tab pos="5791200" algn="l"/>
+                <a:tab pos="6515100" algn="l"/>
+                <a:tab pos="7239000" algn="l"/>
+                <a:tab pos="7962900" algn="l"/>
+                <a:tab pos="8686800" algn="l"/>
+              </a:tabLst>
+              <a:defRPr sz="2400">
+                <a:solidFill>
+                  <a:srgbClr val="000000"/>
+                </a:solidFill>
+                <a:latin typeface="Times New Roman" pitchFamily="16" charset="0"/>
+                <a:ea typeface="msgothic" charset="0"/>
+                <a:cs typeface="msgothic" charset="0"/>
+              </a:defRPr>
+            </a:lvl2pPr>
+            <a:lvl3pPr>
+              <a:tabLst>
+                <a:tab pos="723900" algn="l"/>
+                <a:tab pos="1447800" algn="l"/>
+                <a:tab pos="2171700" algn="l"/>
+                <a:tab pos="2895600" algn="l"/>
+                <a:tab pos="3619500" algn="l"/>
+                <a:tab pos="4343400" algn="l"/>
+                <a:tab pos="5067300" algn="l"/>
+                <a:tab pos="5791200" algn="l"/>
+                <a:tab pos="6515100" algn="l"/>
+                <a:tab pos="7239000" algn="l"/>
+                <a:tab pos="7962900" algn="l"/>
+                <a:tab pos="8686800" algn="l"/>
+              </a:tabLst>
+              <a:defRPr sz="2400">
+                <a:solidFill>
+                  <a:srgbClr val="000000"/>
+                </a:solidFill>
+                <a:latin typeface="Times New Roman" pitchFamily="16" charset="0"/>
+                <a:ea typeface="msgothic" charset="0"/>
+                <a:cs typeface="msgothic" charset="0"/>
+              </a:defRPr>
+            </a:lvl3pPr>
+            <a:lvl4pPr>
+              <a:tabLst>
+                <a:tab pos="723900" algn="l"/>
+                <a:tab pos="1447800" algn="l"/>
+                <a:tab pos="2171700" algn="l"/>
+                <a:tab pos="2895600" algn="l"/>
+                <a:tab pos="3619500" algn="l"/>
+                <a:tab pos="4343400" algn="l"/>
+                <a:tab pos="5067300" algn="l"/>
+                <a:tab pos="5791200" algn="l"/>
+                <a:tab pos="6515100" algn="l"/>
+                <a:tab pos="7239000" algn="l"/>
+                <a:tab pos="7962900" algn="l"/>
+                <a:tab pos="8686800" algn="l"/>
+              </a:tabLst>
+              <a:defRPr sz="2400">
+                <a:solidFill>
+                  <a:srgbClr val="000000"/>
+                </a:solidFill>
+                <a:latin typeface="Times New Roman" pitchFamily="16" charset="0"/>
+                <a:ea typeface="msgothic" charset="0"/>
+                <a:cs typeface="msgothic" charset="0"/>
+              </a:defRPr>
+            </a:lvl4pPr>
+            <a:lvl5pPr>
+              <a:tabLst>
+                <a:tab pos="723900" algn="l"/>
+                <a:tab pos="1447800" algn="l"/>
+                <a:tab pos="2171700" algn="l"/>
+                <a:tab pos="2895600" algn="l"/>
+                <a:tab pos="3619500" algn="l"/>
+                <a:tab pos="4343400" algn="l"/>
+                <a:tab pos="5067300" algn="l"/>
+                <a:tab pos="5791200" algn="l"/>
+                <a:tab pos="6515100" algn="l"/>
+                <a:tab pos="7239000" algn="l"/>
+                <a:tab pos="7962900" algn="l"/>
+                <a:tab pos="8686800" algn="l"/>
+              </a:tabLst>
+              <a:defRPr sz="2400">
+                <a:solidFill>
+                  <a:srgbClr val="000000"/>
+                </a:solidFill>
+                <a:latin typeface="Times New Roman" pitchFamily="16" charset="0"/>
+                <a:ea typeface="msgothic" charset="0"/>
+                <a:cs typeface="msgothic" charset="0"/>
+              </a:defRPr>
+            </a:lvl5pPr>
+            <a:lvl6pPr marL="1536700" indent="-215900" defTabSz="457200" fontAlgn="base" hangingPunct="0">
+              <a:lnSpc>
+                <a:spcPct val="93000"/>
+              </a:lnSpc>
+              <a:spcBef>
+                <a:spcPct val="0"/>
+              </a:spcBef>
+              <a:spcAft>
+                <a:spcPct val="0"/>
+              </a:spcAft>
+              <a:buClr>
+                <a:srgbClr val="000000"/>
+              </a:buClr>
+              <a:buSzPct val="45000"/>
+              <a:buFont typeface="Wingdings" charset="2"/>
+              <a:tabLst>
+                <a:tab pos="723900" algn="l"/>
+                <a:tab pos="1447800" algn="l"/>
+                <a:tab pos="2171700" algn="l"/>
+                <a:tab pos="2895600" algn="l"/>
+                <a:tab pos="3619500" algn="l"/>
+                <a:tab pos="4343400" algn="l"/>
+                <a:tab pos="5067300" algn="l"/>
+                <a:tab pos="5791200" algn="l"/>
+                <a:tab pos="6515100" algn="l"/>
+                <a:tab pos="7239000" algn="l"/>
+                <a:tab pos="7962900" algn="l"/>
+                <a:tab pos="8686800" algn="l"/>
+              </a:tabLst>
+              <a:defRPr sz="2400">
+                <a:solidFill>
+                  <a:srgbClr val="000000"/>
+                </a:solidFill>
+                <a:latin typeface="Times New Roman" pitchFamily="16" charset="0"/>
+                <a:ea typeface="msgothic" charset="0"/>
+                <a:cs typeface="msgothic" charset="0"/>
+              </a:defRPr>
+            </a:lvl6pPr>
+            <a:lvl7pPr marL="1993900" indent="-215900" defTabSz="457200" fontAlgn="base" hangingPunct="0">
+              <a:lnSpc>
+                <a:spcPct val="93000"/>
+              </a:lnSpc>
+              <a:spcBef>
+                <a:spcPct val="0"/>
+              </a:spcBef>
+              <a:spcAft>
+                <a:spcPct val="0"/>
+              </a:spcAft>
+              <a:buClr>
+                <a:srgbClr val="000000"/>
+              </a:buClr>
+              <a:buSzPct val="45000"/>
+              <a:buFont typeface="Wingdings" charset="2"/>
+              <a:tabLst>
+                <a:tab pos="723900" algn="l"/>
+                <a:tab pos="1447800" algn="l"/>
+                <a:tab pos="2171700" algn="l"/>
+                <a:tab pos="2895600" algn="l"/>
+                <a:tab pos="3619500" algn="l"/>
+                <a:tab pos="4343400" algn="l"/>
+                <a:tab pos="5067300" algn="l"/>
+                <a:tab pos="5791200" algn="l"/>
+                <a:tab pos="6515100" algn="l"/>
+                <a:tab pos="7239000" algn="l"/>
+                <a:tab pos="7962900" algn="l"/>
+                <a:tab pos="8686800" algn="l"/>
+              </a:tabLst>
+              <a:defRPr sz="2400">
+                <a:solidFill>
+                  <a:srgbClr val="000000"/>
+                </a:solidFill>
+                <a:latin typeface="Times New Roman" pitchFamily="16" charset="0"/>
+                <a:ea typeface="msgothic" charset="0"/>
+                <a:cs typeface="msgothic" charset="0"/>
+              </a:defRPr>
+            </a:lvl7pPr>
+            <a:lvl8pPr marL="2451100" indent="-215900" defTabSz="457200" fontAlgn="base" hangingPunct="0">
+              <a:lnSpc>
+                <a:spcPct val="93000"/>
+              </a:lnSpc>
+              <a:spcBef>
+                <a:spcPct val="0"/>
+              </a:spcBef>
+              <a:spcAft>
+                <a:spcPct val="0"/>
+              </a:spcAft>
+              <a:buClr>
+                <a:srgbClr val="000000"/>
+              </a:buClr>
+              <a:buSzPct val="45000"/>
+              <a:buFont typeface="Wingdings" charset="2"/>
+              <a:tabLst>
+                <a:tab pos="723900" algn="l"/>
+                <a:tab pos="1447800" algn="l"/>
+                <a:tab pos="2171700" algn="l"/>
+                <a:tab pos="2895600" algn="l"/>
+                <a:tab pos="3619500" algn="l"/>
+                <a:tab pos="4343400" algn="l"/>
+                <a:tab pos="5067300" algn="l"/>
+                <a:tab pos="5791200" algn="l"/>
+                <a:tab pos="6515100" algn="l"/>
+                <a:tab pos="7239000" algn="l"/>
+                <a:tab pos="7962900" algn="l"/>
+                <a:tab pos="8686800" algn="l"/>
+              </a:tabLst>
+              <a:defRPr sz="2400">
+                <a:solidFill>
+                  <a:srgbClr val="000000"/>
+                </a:solidFill>
+                <a:latin typeface="Times New Roman" pitchFamily="16" charset="0"/>
+                <a:ea typeface="msgothic" charset="0"/>
+                <a:cs typeface="msgothic" charset="0"/>
+              </a:defRPr>
+            </a:lvl8pPr>
+            <a:lvl9pPr marL="2908300" indent="-215900" defTabSz="457200" fontAlgn="base" hangingPunct="0">
+              <a:lnSpc>
+                <a:spcPct val="93000"/>
+              </a:lnSpc>
+              <a:spcBef>
+                <a:spcPct val="0"/>
+              </a:spcBef>
+              <a:spcAft>
+                <a:spcPct val="0"/>
+              </a:spcAft>
+              <a:buClr>
+                <a:srgbClr val="000000"/>
+              </a:buClr>
+              <a:buSzPct val="45000"/>
+              <a:buFont typeface="Wingdings" charset="2"/>
+              <a:tabLst>
+                <a:tab pos="723900" algn="l"/>
+                <a:tab pos="1447800" algn="l"/>
+                <a:tab pos="2171700" algn="l"/>
+                <a:tab pos="2895600" algn="l"/>
+                <a:tab pos="3619500" algn="l"/>
+                <a:tab pos="4343400" algn="l"/>
+                <a:tab pos="5067300" algn="l"/>
+                <a:tab pos="5791200" algn="l"/>
+                <a:tab pos="6515100" algn="l"/>
+                <a:tab pos="7239000" algn="l"/>
+                <a:tab pos="7962900" algn="l"/>
+                <a:tab pos="8686800" algn="l"/>
+              </a:tabLst>
+              <a:defRPr sz="2400">
+                <a:solidFill>
+                  <a:srgbClr val="000000"/>
+                </a:solidFill>
+                <a:latin typeface="Times New Roman" pitchFamily="16" charset="0"/>
+                <a:ea typeface="msgothic" charset="0"/>
+                <a:cs typeface="msgothic" charset="0"/>
+              </a:defRPr>
+            </a:lvl9pPr>
+          </a:lstStyle>
+          <a:p>
+            <a:pPr algn="ctr"/>
+            <a:r>
+              <a:rPr lang="en-GB" sz="1600" b="1" dirty="0">
+                <a:latin typeface="Arial" charset="0"/>
+              </a:rPr>
+              <a:t>Hippocampus-dependent short-term memory requires the left and right CA3. </a:t>
+            </a:r>
+          </a:p>
+        </p:txBody>
+      </p:sp>
+      <p:pic>
+        <p:nvPicPr>
+          <p:cNvPr id="3075" name="Picture 3"/>
+          <p:cNvPicPr>
+            <a:picLocks noChangeAspect="1" noChangeArrowheads="1"/>
+          </p:cNvPicPr>
+          <p:nvPr/>
+        </p:nvPicPr>
+        <p:blipFill>
+          <a:blip r:embed="rId3">
+            <a:extLst>
+              <a:ext uri="{28A0092B-C50C-407E-A947-70E740481C1C}">
+                <a14:useLocalDpi xmlns:a14="http://schemas.microsoft.com/office/drawing/2010/main" val="0"/>
+              </a:ext>
+            </a:extLst>
+          </a:blip>
+          <a:srcRect/>
+          <a:stretch>
+            <a:fillRect/>
+          </a:stretch>
+        </p:blipFill>
+        <p:spPr bwMode="auto">
+          <a:xfrm>
+            <a:off x="557404" y="-5503546"/>
+            <a:ext cx="11077193" cy="11007091"/>
+          </a:xfrm>
+          <a:prstGeom prst="rect">
+            <a:avLst/>
+          </a:prstGeom>
+          <a:noFill/>
+          <a:ln>
+            <a:noFill/>
+          </a:ln>
+          <a:effectLst/>
+          <a:extLst>
+            <a:ext uri="{909E8E84-426E-40DD-AFC4-6F175D3DCCD1}">
+              <a14:hiddenFill xmlns:a14="http://schemas.microsoft.com/office/drawing/2010/main">
+                <a:blipFill dpi="0" rotWithShape="0">
+                  <a:blip/>
+                  <a:srcRect/>
+                  <a:stretch>
+                    <a:fillRect/>
+                  </a:stretch>
+                </a:blipFill>
+              </a14:hiddenFill>
+            </a:ext>
+            <a:ext uri="{91240B29-F687-4F45-9708-019B960494DF}">
+              <a14:hiddenLine xmlns:a14="http://schemas.microsoft.com/office/drawing/2010/main" w="9525">
+                <a:solidFill>
+                  <a:srgbClr val="FFFFFF"/>
+                </a:solidFill>
+                <a:round/>
+                <a:headEnd/>
+                <a:tailEnd/>
+              </a14:hiddenLine>
+            </a:ext>
+            <a:ext uri="{AF507438-7753-43E0-B8FC-AC1667EBCBE1}">
+              <a14:hiddenEffects xmlns:a14="http://schemas.microsoft.com/office/drawing/2010/main">
+                <a:effectLst>
+                  <a:outerShdw dist="35921" dir="2700000" algn="ctr" rotWithShape="0">
+                    <a:srgbClr val="808080"/>
+                  </a:outerShdw>
+                </a:effectLst>
+              </a14:hiddenEffects>
+            </a:ext>
+          </a:extLst>
+        </p:spPr>
+      </p:pic>
+    </p:spTree>
+    <p:extLst>
+      <p:ext uri="{BB962C8B-B14F-4D97-AF65-F5344CB8AC3E}">
+        <p14:creationId xmlns:p14="http://schemas.microsoft.com/office/powerpoint/2010/main" val="4115088109"/>
+      </p:ext>
+    </p:extLst>
+  </p:cSld>
+  <p:clrMapOvr>
+    <a:masterClrMapping/>
+  </p:clrMapOvr>
+  <p:transition spd="med"/>
+  <p:timing>
+    <p:tnLst>
+      <p:par>
+        <p:cTn id="1" dur="indefinite" restart="never" nodeType="tmRoot">
+          <p:childTnLst>
+            <p:seq concurrent="1" nextAc="seek">
+              <p:cTn id="2" dur="0" nodeType="mainSeq"/>
+              <p:prevCondLst>
+                <p:cond evt="onPrev" delay="0">
+                  <p:tgtEl>
+                    <p:sldTgt/>
+                  </p:tgtEl>
+                </p:cond>
+              </p:prevCondLst>
+              <p:nextCondLst>
+                <p:cond evt="onNext" delay="0">
+                  <p:tgtEl>
+                    <p:sldTgt/>
+                  </p:tgtEl>
+                </p:cond>
+              </p:nextCondLst>
+            </p:seq>
+          </p:childTnLst>
+        </p:cTn>
+      </p:par>
+    </p:tnLst>
+  </p:timing>
+</p:sld>
+</file>
+
+<file path=ppt/slides/slide11.xml><?xml version="1.0" encoding="utf-8"?>
+<p:sld xmlns:a="http://schemas.openxmlformats.org/drawingml/2006/main" xmlns:r="http://schemas.openxmlformats.org/officeDocument/2006/relationships" xmlns:p="http://schemas.openxmlformats.org/presentationml/2006/main">
+  <p:cSld>
+    <p:spTree>
+      <p:nvGrpSpPr>
+        <p:cNvPr id="1" name=""/>
+        <p:cNvGrpSpPr/>
+        <p:nvPr/>
+      </p:nvGrpSpPr>
+      <p:grpSpPr>
+        <a:xfrm>
+          <a:off x="0" y="0"/>
+          <a:ext cx="0" cy="0"/>
+          <a:chOff x="0" y="0"/>
+          <a:chExt cx="0" cy="0"/>
+        </a:xfrm>
+      </p:grpSpPr>
+      <p:sp>
+        <p:nvSpPr>
+          <p:cNvPr id="3073" name="Text Box 1"/>
+          <p:cNvSpPr txBox="1">
+            <a:spLocks noChangeArrowheads="1"/>
+          </p:cNvSpPr>
+          <p:nvPr/>
+        </p:nvSpPr>
+        <p:spPr bwMode="auto">
+          <a:xfrm>
+            <a:off x="433921" y="381640"/>
+            <a:ext cx="11324160" cy="414764"/>
+          </a:xfrm>
+          <a:prstGeom prst="rect">
+            <a:avLst/>
+          </a:prstGeom>
+          <a:noFill/>
+          <a:ln>
+            <a:noFill/>
+          </a:ln>
+          <a:effectLst/>
+          <a:extLst>
+            <a:ext uri="{909E8E84-426E-40DD-AFC4-6F175D3DCCD1}">
+              <a14:hiddenFill xmlns:a14="http://schemas.microsoft.com/office/drawing/2010/main">
+                <a:solidFill>
+                  <a:srgbClr val="FFFFFF"/>
+                </a:solidFill>
+              </a14:hiddenFill>
+            </a:ext>
+            <a:ext uri="{91240B29-F687-4F45-9708-019B960494DF}">
+              <a14:hiddenLine xmlns:a14="http://schemas.microsoft.com/office/drawing/2010/main" w="9525">
+                <a:solidFill>
+                  <a:srgbClr val="FFFFFF"/>
+                </a:solidFill>
+                <a:round/>
+                <a:headEnd/>
+                <a:tailEnd/>
+              </a14:hiddenLine>
+            </a:ext>
+            <a:ext uri="{AF507438-7753-43E0-B8FC-AC1667EBCBE1}">
+              <a14:hiddenEffects xmlns:a14="http://schemas.microsoft.com/office/drawing/2010/main">
+                <a:effectLst>
+                  <a:outerShdw dist="35921" dir="2700000" algn="ctr" rotWithShape="0">
+                    <a:srgbClr val="808080"/>
+                  </a:outerShdw>
+                </a:effectLst>
+              </a14:hiddenEffects>
+            </a:ext>
+          </a:extLst>
+        </p:spPr>
+        <p:txBody>
+          <a:bodyPr lIns="0" tIns="0" rIns="0" bIns="0"/>
+          <a:lstStyle>
+            <a:lvl1pPr>
+              <a:tabLst>
+                <a:tab pos="723900" algn="l"/>
+                <a:tab pos="1447800" algn="l"/>
+                <a:tab pos="2171700" algn="l"/>
+                <a:tab pos="2895600" algn="l"/>
+                <a:tab pos="3619500" algn="l"/>
+                <a:tab pos="4343400" algn="l"/>
+                <a:tab pos="5067300" algn="l"/>
+                <a:tab pos="5791200" algn="l"/>
+                <a:tab pos="6515100" algn="l"/>
+                <a:tab pos="7239000" algn="l"/>
+                <a:tab pos="7962900" algn="l"/>
+                <a:tab pos="8686800" algn="l"/>
+              </a:tabLst>
+              <a:defRPr sz="2400">
+                <a:solidFill>
+                  <a:srgbClr val="000000"/>
+                </a:solidFill>
+                <a:latin typeface="Times New Roman" pitchFamily="16" charset="0"/>
+                <a:ea typeface="msgothic" charset="0"/>
+                <a:cs typeface="msgothic" charset="0"/>
+              </a:defRPr>
+            </a:lvl1pPr>
+            <a:lvl2pPr>
+              <a:tabLst>
+                <a:tab pos="723900" algn="l"/>
+                <a:tab pos="1447800" algn="l"/>
+                <a:tab pos="2171700" algn="l"/>
+                <a:tab pos="2895600" algn="l"/>
+                <a:tab pos="3619500" algn="l"/>
+                <a:tab pos="4343400" algn="l"/>
+                <a:tab pos="5067300" algn="l"/>
+                <a:tab pos="5791200" algn="l"/>
+                <a:tab pos="6515100" algn="l"/>
+                <a:tab pos="7239000" algn="l"/>
+                <a:tab pos="7962900" algn="l"/>
+                <a:tab pos="8686800" algn="l"/>
+              </a:tabLst>
+              <a:defRPr sz="2400">
+                <a:solidFill>
+                  <a:srgbClr val="000000"/>
+                </a:solidFill>
+                <a:latin typeface="Times New Roman" pitchFamily="16" charset="0"/>
+                <a:ea typeface="msgothic" charset="0"/>
+                <a:cs typeface="msgothic" charset="0"/>
+              </a:defRPr>
+            </a:lvl2pPr>
+            <a:lvl3pPr>
+              <a:tabLst>
+                <a:tab pos="723900" algn="l"/>
+                <a:tab pos="1447800" algn="l"/>
+                <a:tab pos="2171700" algn="l"/>
+                <a:tab pos="2895600" algn="l"/>
+                <a:tab pos="3619500" algn="l"/>
+                <a:tab pos="4343400" algn="l"/>
+                <a:tab pos="5067300" algn="l"/>
+                <a:tab pos="5791200" algn="l"/>
+                <a:tab pos="6515100" algn="l"/>
+                <a:tab pos="7239000" algn="l"/>
+                <a:tab pos="7962900" algn="l"/>
+                <a:tab pos="8686800" algn="l"/>
+              </a:tabLst>
+              <a:defRPr sz="2400">
+                <a:solidFill>
+                  <a:srgbClr val="000000"/>
+                </a:solidFill>
+                <a:latin typeface="Times New Roman" pitchFamily="16" charset="0"/>
+                <a:ea typeface="msgothic" charset="0"/>
+                <a:cs typeface="msgothic" charset="0"/>
+              </a:defRPr>
+            </a:lvl3pPr>
+            <a:lvl4pPr>
+              <a:tabLst>
+                <a:tab pos="723900" algn="l"/>
+                <a:tab pos="1447800" algn="l"/>
+                <a:tab pos="2171700" algn="l"/>
+                <a:tab pos="2895600" algn="l"/>
+                <a:tab pos="3619500" algn="l"/>
+                <a:tab pos="4343400" algn="l"/>
+                <a:tab pos="5067300" algn="l"/>
+                <a:tab pos="5791200" algn="l"/>
+                <a:tab pos="6515100" algn="l"/>
+                <a:tab pos="7239000" algn="l"/>
+                <a:tab pos="7962900" algn="l"/>
+                <a:tab pos="8686800" algn="l"/>
+              </a:tabLst>
+              <a:defRPr sz="2400">
+                <a:solidFill>
+                  <a:srgbClr val="000000"/>
+                </a:solidFill>
+                <a:latin typeface="Times New Roman" pitchFamily="16" charset="0"/>
+                <a:ea typeface="msgothic" charset="0"/>
+                <a:cs typeface="msgothic" charset="0"/>
+              </a:defRPr>
+            </a:lvl4pPr>
+            <a:lvl5pPr>
+              <a:tabLst>
+                <a:tab pos="723900" algn="l"/>
+                <a:tab pos="1447800" algn="l"/>
+                <a:tab pos="2171700" algn="l"/>
+                <a:tab pos="2895600" algn="l"/>
+                <a:tab pos="3619500" algn="l"/>
+                <a:tab pos="4343400" algn="l"/>
+                <a:tab pos="5067300" algn="l"/>
+                <a:tab pos="5791200" algn="l"/>
+                <a:tab pos="6515100" algn="l"/>
+                <a:tab pos="7239000" algn="l"/>
+                <a:tab pos="7962900" algn="l"/>
+                <a:tab pos="8686800" algn="l"/>
+              </a:tabLst>
+              <a:defRPr sz="2400">
+                <a:solidFill>
+                  <a:srgbClr val="000000"/>
+                </a:solidFill>
+                <a:latin typeface="Times New Roman" pitchFamily="16" charset="0"/>
+                <a:ea typeface="msgothic" charset="0"/>
+                <a:cs typeface="msgothic" charset="0"/>
+              </a:defRPr>
+            </a:lvl5pPr>
+            <a:lvl6pPr marL="1536700" indent="-215900" defTabSz="457200" fontAlgn="base" hangingPunct="0">
+              <a:lnSpc>
+                <a:spcPct val="93000"/>
+              </a:lnSpc>
+              <a:spcBef>
+                <a:spcPct val="0"/>
+              </a:spcBef>
+              <a:spcAft>
+                <a:spcPct val="0"/>
+              </a:spcAft>
+              <a:buClr>
+                <a:srgbClr val="000000"/>
+              </a:buClr>
+              <a:buSzPct val="45000"/>
+              <a:buFont typeface="Wingdings" charset="2"/>
+              <a:tabLst>
+                <a:tab pos="723900" algn="l"/>
+                <a:tab pos="1447800" algn="l"/>
+                <a:tab pos="2171700" algn="l"/>
+                <a:tab pos="2895600" algn="l"/>
+                <a:tab pos="3619500" algn="l"/>
+                <a:tab pos="4343400" algn="l"/>
+                <a:tab pos="5067300" algn="l"/>
+                <a:tab pos="5791200" algn="l"/>
+                <a:tab pos="6515100" algn="l"/>
+                <a:tab pos="7239000" algn="l"/>
+                <a:tab pos="7962900" algn="l"/>
+                <a:tab pos="8686800" algn="l"/>
+              </a:tabLst>
+              <a:defRPr sz="2400">
+                <a:solidFill>
+                  <a:srgbClr val="000000"/>
+                </a:solidFill>
+                <a:latin typeface="Times New Roman" pitchFamily="16" charset="0"/>
+                <a:ea typeface="msgothic" charset="0"/>
+                <a:cs typeface="msgothic" charset="0"/>
+              </a:defRPr>
+            </a:lvl6pPr>
+            <a:lvl7pPr marL="1993900" indent="-215900" defTabSz="457200" fontAlgn="base" hangingPunct="0">
+              <a:lnSpc>
+                <a:spcPct val="93000"/>
+              </a:lnSpc>
+              <a:spcBef>
+                <a:spcPct val="0"/>
+              </a:spcBef>
+              <a:spcAft>
+                <a:spcPct val="0"/>
+              </a:spcAft>
+              <a:buClr>
+                <a:srgbClr val="000000"/>
+              </a:buClr>
+              <a:buSzPct val="45000"/>
+              <a:buFont typeface="Wingdings" charset="2"/>
+              <a:tabLst>
+                <a:tab pos="723900" algn="l"/>
+                <a:tab pos="1447800" algn="l"/>
+                <a:tab pos="2171700" algn="l"/>
+                <a:tab pos="2895600" algn="l"/>
+                <a:tab pos="3619500" algn="l"/>
+                <a:tab pos="4343400" algn="l"/>
+                <a:tab pos="5067300" algn="l"/>
+                <a:tab pos="5791200" algn="l"/>
+                <a:tab pos="6515100" algn="l"/>
+                <a:tab pos="7239000" algn="l"/>
+                <a:tab pos="7962900" algn="l"/>
+                <a:tab pos="8686800" algn="l"/>
+              </a:tabLst>
+              <a:defRPr sz="2400">
+                <a:solidFill>
+                  <a:srgbClr val="000000"/>
+                </a:solidFill>
+                <a:latin typeface="Times New Roman" pitchFamily="16" charset="0"/>
+                <a:ea typeface="msgothic" charset="0"/>
+                <a:cs typeface="msgothic" charset="0"/>
+              </a:defRPr>
+            </a:lvl7pPr>
+            <a:lvl8pPr marL="2451100" indent="-215900" defTabSz="457200" fontAlgn="base" hangingPunct="0">
+              <a:lnSpc>
+                <a:spcPct val="93000"/>
+              </a:lnSpc>
+              <a:spcBef>
+                <a:spcPct val="0"/>
+              </a:spcBef>
+              <a:spcAft>
+                <a:spcPct val="0"/>
+              </a:spcAft>
+              <a:buClr>
+                <a:srgbClr val="000000"/>
+              </a:buClr>
+              <a:buSzPct val="45000"/>
+              <a:buFont typeface="Wingdings" charset="2"/>
+              <a:tabLst>
+                <a:tab pos="723900" algn="l"/>
+                <a:tab pos="1447800" algn="l"/>
+                <a:tab pos="2171700" algn="l"/>
+                <a:tab pos="2895600" algn="l"/>
+                <a:tab pos="3619500" algn="l"/>
+                <a:tab pos="4343400" algn="l"/>
+                <a:tab pos="5067300" algn="l"/>
+                <a:tab pos="5791200" algn="l"/>
+                <a:tab pos="6515100" algn="l"/>
+                <a:tab pos="7239000" algn="l"/>
+                <a:tab pos="7962900" algn="l"/>
+                <a:tab pos="8686800" algn="l"/>
+              </a:tabLst>
+              <a:defRPr sz="2400">
+                <a:solidFill>
+                  <a:srgbClr val="000000"/>
+                </a:solidFill>
+                <a:latin typeface="Times New Roman" pitchFamily="16" charset="0"/>
+                <a:ea typeface="msgothic" charset="0"/>
+                <a:cs typeface="msgothic" charset="0"/>
+              </a:defRPr>
+            </a:lvl8pPr>
+            <a:lvl9pPr marL="2908300" indent="-215900" defTabSz="457200" fontAlgn="base" hangingPunct="0">
+              <a:lnSpc>
+                <a:spcPct val="93000"/>
+              </a:lnSpc>
+              <a:spcBef>
+                <a:spcPct val="0"/>
+              </a:spcBef>
+              <a:spcAft>
+                <a:spcPct val="0"/>
+              </a:spcAft>
+              <a:buClr>
+                <a:srgbClr val="000000"/>
+              </a:buClr>
+              <a:buSzPct val="45000"/>
+              <a:buFont typeface="Wingdings" charset="2"/>
+              <a:tabLst>
+                <a:tab pos="723900" algn="l"/>
+                <a:tab pos="1447800" algn="l"/>
+                <a:tab pos="2171700" algn="l"/>
+                <a:tab pos="2895600" algn="l"/>
+                <a:tab pos="3619500" algn="l"/>
+                <a:tab pos="4343400" algn="l"/>
+                <a:tab pos="5067300" algn="l"/>
+                <a:tab pos="5791200" algn="l"/>
+                <a:tab pos="6515100" algn="l"/>
+                <a:tab pos="7239000" algn="l"/>
+                <a:tab pos="7962900" algn="l"/>
+                <a:tab pos="8686800" algn="l"/>
+              </a:tabLst>
+              <a:defRPr sz="2400">
+                <a:solidFill>
+                  <a:srgbClr val="000000"/>
+                </a:solidFill>
+                <a:latin typeface="Times New Roman" pitchFamily="16" charset="0"/>
+                <a:ea typeface="msgothic" charset="0"/>
+                <a:cs typeface="msgothic" charset="0"/>
+              </a:defRPr>
+            </a:lvl9pPr>
+          </a:lstStyle>
+          <a:p>
+            <a:pPr algn="ctr"/>
+            <a:r>
+              <a:rPr lang="en-GB" sz="1600" b="1">
+                <a:latin typeface="Arial" charset="0"/>
+              </a:rPr>
+              <a:t>Hippocampus-dependent associative spatial long-term memory uniquely requires the left CA3. </a:t>
+            </a:r>
+          </a:p>
+        </p:txBody>
+      </p:sp>
+      <p:pic>
+        <p:nvPicPr>
+          <p:cNvPr id="3075" name="Picture 3"/>
+          <p:cNvPicPr>
+            <a:picLocks noChangeAspect="1" noChangeArrowheads="1"/>
+          </p:cNvPicPr>
+          <p:nvPr/>
+        </p:nvPicPr>
+        <p:blipFill>
+          <a:blip r:embed="rId3">
+            <a:extLst>
+              <a:ext uri="{28A0092B-C50C-407E-A947-70E740481C1C}">
+                <a14:useLocalDpi xmlns:a14="http://schemas.microsoft.com/office/drawing/2010/main" val="0"/>
+              </a:ext>
+            </a:extLst>
+          </a:blip>
+          <a:srcRect/>
+          <a:stretch>
+            <a:fillRect/>
+          </a:stretch>
+        </p:blipFill>
+        <p:spPr bwMode="auto">
+          <a:xfrm>
+            <a:off x="706430" y="1264920"/>
+            <a:ext cx="10779142" cy="10390897"/>
+          </a:xfrm>
+          <a:prstGeom prst="rect">
+            <a:avLst/>
+          </a:prstGeom>
+          <a:noFill/>
+          <a:ln>
+            <a:noFill/>
+          </a:ln>
+          <a:effectLst/>
+          <a:extLst>
+            <a:ext uri="{909E8E84-426E-40DD-AFC4-6F175D3DCCD1}">
+              <a14:hiddenFill xmlns:a14="http://schemas.microsoft.com/office/drawing/2010/main">
+                <a:blipFill dpi="0" rotWithShape="0">
+                  <a:blip/>
+                  <a:srcRect/>
+                  <a:stretch>
+                    <a:fillRect/>
+                  </a:stretch>
+                </a:blipFill>
+              </a14:hiddenFill>
+            </a:ext>
+            <a:ext uri="{91240B29-F687-4F45-9708-019B960494DF}">
+              <a14:hiddenLine xmlns:a14="http://schemas.microsoft.com/office/drawing/2010/main" w="9525">
+                <a:solidFill>
+                  <a:srgbClr val="FFFFFF"/>
+                </a:solidFill>
+                <a:round/>
+                <a:headEnd/>
+                <a:tailEnd/>
+              </a14:hiddenLine>
+            </a:ext>
+            <a:ext uri="{AF507438-7753-43E0-B8FC-AC1667EBCBE1}">
+              <a14:hiddenEffects xmlns:a14="http://schemas.microsoft.com/office/drawing/2010/main">
+                <a:effectLst>
+                  <a:outerShdw dist="35921" dir="2700000" algn="ctr" rotWithShape="0">
+                    <a:srgbClr val="808080"/>
+                  </a:outerShdw>
+                </a:effectLst>
+              </a14:hiddenEffects>
+            </a:ext>
+          </a:extLst>
+        </p:spPr>
+      </p:pic>
+    </p:spTree>
+    <p:extLst>
+      <p:ext uri="{BB962C8B-B14F-4D97-AF65-F5344CB8AC3E}">
+        <p14:creationId xmlns:p14="http://schemas.microsoft.com/office/powerpoint/2010/main" val="3797090149"/>
+      </p:ext>
+    </p:extLst>
+  </p:cSld>
+  <p:clrMapOvr>
+    <a:masterClrMapping/>
+  </p:clrMapOvr>
+  <p:transition spd="med"/>
+  <p:timing>
+    <p:tnLst>
+      <p:par>
+        <p:cTn id="1" dur="indefinite" restart="never" nodeType="tmRoot">
+          <p:childTnLst>
+            <p:seq concurrent="1" nextAc="seek">
+              <p:cTn id="2" dur="0" nodeType="mainSeq"/>
+              <p:prevCondLst>
+                <p:cond evt="onPrev" delay="0">
+                  <p:tgtEl>
+                    <p:sldTgt/>
+                  </p:tgtEl>
+                </p:cond>
+              </p:prevCondLst>
+              <p:nextCondLst>
+                <p:cond evt="onNext" delay="0">
+                  <p:tgtEl>
+                    <p:sldTgt/>
+                  </p:tgtEl>
+                </p:cond>
+              </p:nextCondLst>
+            </p:seq>
+          </p:childTnLst>
+        </p:cTn>
+      </p:par>
+    </p:tnLst>
+  </p:timing>
+</p:sld>
+</file>
+
+<file path=ppt/slides/slide12.xml><?xml version="1.0" encoding="utf-8"?>
 <p:sld xmlns:a="http://schemas.openxmlformats.org/drawingml/2006/main" xmlns:r="http://schemas.openxmlformats.org/officeDocument/2006/relationships" xmlns:p="http://schemas.openxmlformats.org/presentationml/2006/main">
   <p:cSld>
     <p:spTree>
@@ -7883,7 +9430,7 @@
 </p:sld>
 </file>
 
-<file path=ppt/slides/slide11.xml><?xml version="1.0" encoding="utf-8"?>
+<file path=ppt/slides/slide13.xml><?xml version="1.0" encoding="utf-8"?>
 <p:sld xmlns:a="http://schemas.openxmlformats.org/drawingml/2006/main" xmlns:r="http://schemas.openxmlformats.org/officeDocument/2006/relationships" xmlns:p="http://schemas.openxmlformats.org/presentationml/2006/main">
   <p:cSld>
     <p:spTree>
@@ -8009,7 +9556,7 @@
 </p:sld>
 </file>
 
-<file path=ppt/slides/slide12.xml><?xml version="1.0" encoding="utf-8"?>
+<file path=ppt/slides/slide14.xml><?xml version="1.0" encoding="utf-8"?>
 <p:sld xmlns:a="http://schemas.openxmlformats.org/drawingml/2006/main" xmlns:r="http://schemas.openxmlformats.org/officeDocument/2006/relationships" xmlns:p="http://schemas.openxmlformats.org/presentationml/2006/main">
   <p:cSld>
     <p:spTree>
@@ -8231,7 +9778,7 @@
 </p:sld>
 </file>
 
-<file path=ppt/slides/slide13.xml><?xml version="1.0" encoding="utf-8"?>
+<file path=ppt/slides/slide15.xml><?xml version="1.0" encoding="utf-8"?>
 <p:sld xmlns:a="http://schemas.openxmlformats.org/drawingml/2006/main" xmlns:r="http://schemas.openxmlformats.org/officeDocument/2006/relationships" xmlns:p="http://schemas.openxmlformats.org/presentationml/2006/main">
   <p:cSld>
     <p:spTree>
@@ -8545,7 +10092,7 @@
 </p:sld>
 </file>
 
-<file path=ppt/slides/slide14.xml><?xml version="1.0" encoding="utf-8"?>
+<file path=ppt/slides/slide16.xml><?xml version="1.0" encoding="utf-8"?>
 <p:sld xmlns:a="http://schemas.openxmlformats.org/drawingml/2006/main" xmlns:r="http://schemas.openxmlformats.org/officeDocument/2006/relationships" xmlns:p="http://schemas.openxmlformats.org/presentationml/2006/main">
   <p:cSld>
     <p:spTree>
@@ -9640,7 +11187,7 @@
 </p:sld>
 </file>
 
-<file path=ppt/slides/slide15.xml><?xml version="1.0" encoding="utf-8"?>
+<file path=ppt/slides/slide17.xml><?xml version="1.0" encoding="utf-8"?>
 <p:sld xmlns:a="http://schemas.openxmlformats.org/drawingml/2006/main" xmlns:r="http://schemas.openxmlformats.org/officeDocument/2006/relationships" xmlns:p="http://schemas.openxmlformats.org/presentationml/2006/main">
   <p:cSld>
     <p:spTree>
@@ -9659,133 +11206,6 @@
       </p:grpSpPr>
       <p:sp>
         <p:nvSpPr>
-          <p:cNvPr id="3" name="文本框 2"/>
-          <p:cNvSpPr txBox="1"/>
-          <p:nvPr/>
-        </p:nvSpPr>
-        <p:spPr>
-          <a:xfrm>
-            <a:off x="2618510" y="2333008"/>
-            <a:ext cx="6964407" cy="1261884"/>
-          </a:xfrm>
-          <a:prstGeom prst="rect">
-            <a:avLst/>
-          </a:prstGeom>
-          <a:noFill/>
-        </p:spPr>
-        <p:txBody>
-          <a:bodyPr wrap="none" rtlCol="0">
-            <a:spAutoFit/>
-          </a:bodyPr>
-          <a:lstStyle/>
-          <a:p>
-            <a:pPr algn="ctr"/>
-            <a:r>
-              <a:rPr lang="en-US" altLang="zh-CN" sz="3800" b="1" dirty="0" smtClean="0">
-                <a:solidFill>
-                  <a:srgbClr val="00ABB4"/>
-                </a:solidFill>
-                <a:effectLst>
-                  <a:outerShdw blurRad="38100" dist="38100" dir="2700000" algn="tl">
-                    <a:srgbClr val="000000">
-                      <a:alpha val="43137"/>
-                    </a:srgbClr>
-                  </a:outerShdw>
-                </a:effectLst>
-                <a:latin typeface="微软雅黑" panose="020B0503020204020204" pitchFamily="34" charset="-122"/>
-                <a:ea typeface="微软雅黑" panose="020B0503020204020204" pitchFamily="34" charset="-122"/>
-              </a:rPr>
-              <a:t>Thank you all for listening~</a:t>
-            </a:r>
-            <a:r>
-              <a:rPr lang="en-US" altLang="zh-CN" sz="3800" b="1" dirty="0">
-                <a:solidFill>
-                  <a:srgbClr val="00ABB4"/>
-                </a:solidFill>
-                <a:effectLst>
-                  <a:outerShdw blurRad="38100" dist="38100" dir="2700000" algn="tl">
-                    <a:srgbClr val="000000">
-                      <a:alpha val="43137"/>
-                    </a:srgbClr>
-                  </a:outerShdw>
-                </a:effectLst>
-                <a:latin typeface="微软雅黑" panose="020B0503020204020204" pitchFamily="34" charset="-122"/>
-                <a:ea typeface="微软雅黑" panose="020B0503020204020204" pitchFamily="34" charset="-122"/>
-              </a:rPr>
-              <a:t/>
-            </a:r>
-            <a:br>
-              <a:rPr lang="en-US" altLang="zh-CN" sz="3800" b="1" dirty="0">
-                <a:solidFill>
-                  <a:srgbClr val="00ABB4"/>
-                </a:solidFill>
-                <a:effectLst>
-                  <a:outerShdw blurRad="38100" dist="38100" dir="2700000" algn="tl">
-                    <a:srgbClr val="000000">
-                      <a:alpha val="43137"/>
-                    </a:srgbClr>
-                  </a:outerShdw>
-                </a:effectLst>
-                <a:latin typeface="微软雅黑" panose="020B0503020204020204" pitchFamily="34" charset="-122"/>
-                <a:ea typeface="微软雅黑" panose="020B0503020204020204" pitchFamily="34" charset="-122"/>
-              </a:rPr>
-            </a:br>
-            <a:endParaRPr lang="en-US" altLang="zh-CN" sz="3800" b="1" dirty="0">
-              <a:solidFill>
-                <a:srgbClr val="00ABB4"/>
-              </a:solidFill>
-              <a:effectLst>
-                <a:outerShdw blurRad="38100" dist="38100" dir="2700000" algn="tl">
-                  <a:srgbClr val="000000">
-                    <a:alpha val="43137"/>
-                  </a:srgbClr>
-                </a:outerShdw>
-              </a:effectLst>
-              <a:latin typeface="微软雅黑" panose="020B0503020204020204" pitchFamily="34" charset="-122"/>
-              <a:ea typeface="微软雅黑" panose="020B0503020204020204" pitchFamily="34" charset="-122"/>
-            </a:endParaRPr>
-          </a:p>
-        </p:txBody>
-      </p:sp>
-    </p:spTree>
-    <p:extLst>
-      <p:ext uri="{BB962C8B-B14F-4D97-AF65-F5344CB8AC3E}">
-        <p14:creationId xmlns:p14="http://schemas.microsoft.com/office/powerpoint/2010/main" val="3711594375"/>
-      </p:ext>
-    </p:extLst>
-  </p:cSld>
-  <p:clrMapOvr>
-    <a:masterClrMapping/>
-  </p:clrMapOvr>
-  <p:timing>
-    <p:tnLst>
-      <p:par>
-        <p:cTn id="1" dur="indefinite" restart="never" nodeType="tmRoot"/>
-      </p:par>
-    </p:tnLst>
-  </p:timing>
-</p:sld>
-</file>
-
-<file path=ppt/slides/slide16.xml><?xml version="1.0" encoding="utf-8"?>
-<p:sld xmlns:a="http://schemas.openxmlformats.org/drawingml/2006/main" xmlns:r="http://schemas.openxmlformats.org/officeDocument/2006/relationships" xmlns:p="http://schemas.openxmlformats.org/presentationml/2006/main">
-  <p:cSld>
-    <p:spTree>
-      <p:nvGrpSpPr>
-        <p:cNvPr id="1" name=""/>
-        <p:cNvGrpSpPr/>
-        <p:nvPr/>
-      </p:nvGrpSpPr>
-      <p:grpSpPr>
-        <a:xfrm>
-          <a:off x="0" y="0"/>
-          <a:ext cx="0" cy="0"/>
-          <a:chOff x="0" y="0"/>
-          <a:chExt cx="0" cy="0"/>
-        </a:xfrm>
-      </p:grpSpPr>
-      <p:sp>
-        <p:nvSpPr>
           <p:cNvPr id="5" name="文本框 4"/>
           <p:cNvSpPr txBox="1"/>
           <p:nvPr/>
@@ -9816,7 +11236,7 @@
                 <a:latin typeface="微软雅黑" panose="020B0503020204020204" pitchFamily="34" charset="-122"/>
                 <a:ea typeface="微软雅黑" panose="020B0503020204020204" pitchFamily="34" charset="-122"/>
               </a:rPr>
-              <a:t>02</a:t>
+              <a:t>03</a:t>
             </a:r>
             <a:endParaRPr lang="zh-CN" altLang="en-US" sz="9600" b="1" dirty="0">
               <a:solidFill>
@@ -9839,7 +11259,7 @@
         <p:spPr>
           <a:xfrm>
             <a:off x="5445728" y="3422822"/>
-            <a:ext cx="4532716" cy="769441"/>
+            <a:ext cx="2872902" cy="769441"/>
           </a:xfrm>
           <a:prstGeom prst="rect">
             <a:avLst/>
@@ -9860,7 +11280,7 @@
                 <a:latin typeface="微软雅黑" panose="020B0503020204020204" pitchFamily="34" charset="-122"/>
                 <a:ea typeface="微软雅黑" panose="020B0503020204020204" pitchFamily="34" charset="-122"/>
               </a:rPr>
-              <a:t>Neural systems</a:t>
+              <a:t>Lee, 2016</a:t>
             </a:r>
             <a:endParaRPr lang="zh-CN" altLang="en-US" sz="4400" b="1" dirty="0">
               <a:solidFill>
@@ -9881,7 +11301,7 @@
         <p:spPr>
           <a:xfrm>
             <a:off x="5445728" y="3003482"/>
-            <a:ext cx="1610184" cy="461665"/>
+            <a:ext cx="1820307" cy="461665"/>
           </a:xfrm>
           <a:prstGeom prst="rect">
             <a:avLst/>
@@ -9916,7 +11336,7 @@
                 <a:latin typeface="微软雅黑" panose="020B0503020204020204" pitchFamily="34" charset="-122"/>
                 <a:ea typeface="微软雅黑" panose="020B0503020204020204" pitchFamily="34" charset="-122"/>
               </a:rPr>
-              <a:t>TWO</a:t>
+              <a:t>THREE</a:t>
             </a:r>
             <a:endParaRPr lang="zh-CN" altLang="en-US" sz="2400" dirty="0">
               <a:solidFill>
@@ -9938,7 +11358,7 @@
         </p:nvSpPr>
         <p:spPr>
           <a:xfrm>
-            <a:off x="5240432" y="4142388"/>
+            <a:off x="12936632" y="4355748"/>
             <a:ext cx="6894418" cy="1200329"/>
           </a:xfrm>
           <a:prstGeom prst="rect">
@@ -10096,7 +11516,7 @@
     </p:spTree>
     <p:extLst>
       <p:ext uri="{BB962C8B-B14F-4D97-AF65-F5344CB8AC3E}">
-        <p14:creationId xmlns:p14="http://schemas.microsoft.com/office/powerpoint/2010/main" val="80250234"/>
+        <p14:creationId xmlns:p14="http://schemas.microsoft.com/office/powerpoint/2010/main" val="619661100"/>
       </p:ext>
     </p:extLst>
   </p:cSld>
@@ -10113,7 +11533,7 @@
 </p:sld>
 </file>
 
-<file path=ppt/slides/slide17.xml><?xml version="1.0" encoding="utf-8"?>
+<file path=ppt/slides/slide18.xml><?xml version="1.0" encoding="utf-8"?>
 <p:sld xmlns:a="http://schemas.openxmlformats.org/drawingml/2006/main" xmlns:r="http://schemas.openxmlformats.org/officeDocument/2006/relationships" xmlns:p="http://schemas.openxmlformats.org/presentationml/2006/main">
   <p:cSld>
     <p:spTree>
@@ -10132,300 +11552,133 @@
       </p:grpSpPr>
       <p:sp>
         <p:nvSpPr>
-          <p:cNvPr id="3" name="矩形 2"/>
-          <p:cNvSpPr/>
+          <p:cNvPr id="3" name="文本框 2"/>
+          <p:cNvSpPr txBox="1"/>
           <p:nvPr/>
         </p:nvSpPr>
         <p:spPr>
           <a:xfrm>
-            <a:off x="4077446" y="1815450"/>
-            <a:ext cx="4305299" cy="2998177"/>
-          </a:xfrm>
-          <a:prstGeom prst="rect">
-            <a:avLst/>
-          </a:prstGeom>
-          <a:solidFill>
-            <a:schemeClr val="accent2">
-              <a:alpha val="81000"/>
-            </a:schemeClr>
-          </a:solidFill>
-          <a:ln>
-            <a:noFill/>
-          </a:ln>
-        </p:spPr>
-        <p:style>
-          <a:lnRef idx="2">
-            <a:schemeClr val="accent1">
-              <a:shade val="50000"/>
-            </a:schemeClr>
-          </a:lnRef>
-          <a:fillRef idx="1">
-            <a:schemeClr val="accent1"/>
-          </a:fillRef>
-          <a:effectRef idx="0">
-            <a:schemeClr val="accent1"/>
-          </a:effectRef>
-          <a:fontRef idx="minor">
-            <a:schemeClr val="lt1"/>
-          </a:fontRef>
-        </p:style>
-        <p:txBody>
-          <a:bodyPr rtlCol="0" anchor="ctr"/>
-          <a:lstStyle/>
-          <a:p>
-            <a:pPr algn="ctr"/>
-            <a:endParaRPr lang="zh-CN" altLang="en-US"/>
-          </a:p>
-        </p:txBody>
-      </p:sp>
-      <p:sp>
-        <p:nvSpPr>
-          <p:cNvPr id="9" name="矩形 8"/>
-          <p:cNvSpPr/>
-          <p:nvPr/>
-        </p:nvSpPr>
-        <p:spPr>
-          <a:xfrm>
-            <a:off x="249145" y="-1448167"/>
-            <a:ext cx="2636930" cy="1767254"/>
-          </a:xfrm>
-          <a:prstGeom prst="rect">
-            <a:avLst/>
-          </a:prstGeom>
-          <a:solidFill>
-            <a:schemeClr val="accent2">
-              <a:alpha val="81000"/>
-            </a:schemeClr>
-          </a:solidFill>
-          <a:ln>
-            <a:noFill/>
-          </a:ln>
-        </p:spPr>
-        <p:style>
-          <a:lnRef idx="2">
-            <a:schemeClr val="accent1">
-              <a:shade val="50000"/>
-            </a:schemeClr>
-          </a:lnRef>
-          <a:fillRef idx="1">
-            <a:schemeClr val="accent1"/>
-          </a:fillRef>
-          <a:effectRef idx="0">
-            <a:schemeClr val="accent1"/>
-          </a:effectRef>
-          <a:fontRef idx="minor">
-            <a:schemeClr val="lt1"/>
-          </a:fontRef>
-        </p:style>
-        <p:txBody>
-          <a:bodyPr rtlCol="0" anchor="ctr"/>
-          <a:lstStyle/>
-          <a:p>
-            <a:pPr algn="ctr"/>
-            <a:endParaRPr lang="zh-CN" altLang="en-US"/>
-          </a:p>
-        </p:txBody>
-      </p:sp>
-      <p:sp>
-        <p:nvSpPr>
-          <p:cNvPr id="10" name="矩形 9"/>
-          <p:cNvSpPr/>
-          <p:nvPr/>
-        </p:nvSpPr>
-        <p:spPr>
-          <a:xfrm>
-            <a:off x="7690152" y="4881806"/>
-            <a:ext cx="3141784" cy="1767254"/>
-          </a:xfrm>
-          <a:prstGeom prst="rect">
-            <a:avLst/>
-          </a:prstGeom>
-          <a:solidFill>
-            <a:schemeClr val="accent2">
-              <a:alpha val="81000"/>
-            </a:schemeClr>
-          </a:solidFill>
-          <a:ln>
-            <a:noFill/>
-          </a:ln>
-        </p:spPr>
-        <p:style>
-          <a:lnRef idx="2">
-            <a:schemeClr val="accent1">
-              <a:shade val="50000"/>
-            </a:schemeClr>
-          </a:lnRef>
-          <a:fillRef idx="1">
-            <a:schemeClr val="accent1"/>
-          </a:fillRef>
-          <a:effectRef idx="0">
-            <a:schemeClr val="accent1"/>
-          </a:effectRef>
-          <a:fontRef idx="minor">
-            <a:schemeClr val="lt1"/>
-          </a:fontRef>
-        </p:style>
-        <p:txBody>
-          <a:bodyPr rtlCol="0" anchor="ctr"/>
-          <a:lstStyle/>
-          <a:p>
-            <a:pPr algn="ctr"/>
-            <a:endParaRPr lang="zh-CN" altLang="en-US"/>
-          </a:p>
-        </p:txBody>
-      </p:sp>
-      <p:sp>
-        <p:nvSpPr>
-          <p:cNvPr id="11" name="矩形 10"/>
-          <p:cNvSpPr/>
-          <p:nvPr/>
-        </p:nvSpPr>
-        <p:spPr>
-          <a:xfrm>
-            <a:off x="1506389" y="1663922"/>
-            <a:ext cx="1349496" cy="104775"/>
-          </a:xfrm>
-          <a:prstGeom prst="rect">
-            <a:avLst/>
-          </a:prstGeom>
-          <a:solidFill>
-            <a:schemeClr val="accent2"/>
-          </a:solidFill>
-          <a:ln>
-            <a:noFill/>
-          </a:ln>
-        </p:spPr>
-        <p:style>
-          <a:lnRef idx="2">
-            <a:schemeClr val="accent1">
-              <a:shade val="50000"/>
-            </a:schemeClr>
-          </a:lnRef>
-          <a:fillRef idx="1">
-            <a:schemeClr val="accent1"/>
-          </a:fillRef>
-          <a:effectRef idx="0">
-            <a:schemeClr val="accent1"/>
-          </a:effectRef>
-          <a:fontRef idx="minor">
-            <a:schemeClr val="lt1"/>
-          </a:fontRef>
-        </p:style>
-        <p:txBody>
-          <a:bodyPr rtlCol="0" anchor="ctr"/>
-          <a:lstStyle/>
-          <a:p>
-            <a:pPr algn="ctr"/>
-            <a:endParaRPr lang="zh-CN" altLang="en-US"/>
-          </a:p>
-        </p:txBody>
-      </p:sp>
-      <p:sp>
-        <p:nvSpPr>
-          <p:cNvPr id="12" name="矩形 11"/>
-          <p:cNvSpPr/>
-          <p:nvPr/>
-        </p:nvSpPr>
-        <p:spPr>
-          <a:xfrm>
-            <a:off x="10588867" y="2977768"/>
-            <a:ext cx="1603132" cy="1767254"/>
-          </a:xfrm>
-          <a:prstGeom prst="rect">
-            <a:avLst/>
-          </a:prstGeom>
-          <a:solidFill>
-            <a:schemeClr val="accent2">
-              <a:alpha val="81000"/>
-            </a:schemeClr>
-          </a:solidFill>
-          <a:ln>
-            <a:noFill/>
-          </a:ln>
-        </p:spPr>
-        <p:style>
-          <a:lnRef idx="2">
-            <a:schemeClr val="accent1">
-              <a:shade val="50000"/>
-            </a:schemeClr>
-          </a:lnRef>
-          <a:fillRef idx="1">
-            <a:schemeClr val="accent1"/>
-          </a:fillRef>
-          <a:effectRef idx="0">
-            <a:schemeClr val="accent1"/>
-          </a:effectRef>
-          <a:fontRef idx="minor">
-            <a:schemeClr val="lt1"/>
-          </a:fontRef>
-        </p:style>
-        <p:txBody>
-          <a:bodyPr rtlCol="0" anchor="ctr"/>
-          <a:lstStyle/>
-          <a:p>
-            <a:pPr algn="ctr"/>
-            <a:endParaRPr lang="zh-CN" altLang="en-US"/>
-          </a:p>
-        </p:txBody>
-      </p:sp>
-      <p:pic>
-        <p:nvPicPr>
-          <p:cNvPr id="1026" name="Picture 2"/>
-          <p:cNvPicPr>
-            <a:picLocks noChangeAspect="1" noChangeArrowheads="1"/>
-          </p:cNvPicPr>
-          <p:nvPr/>
-        </p:nvPicPr>
-        <p:blipFill>
-          <a:blip r:embed="rId2">
-            <a:extLst>
-              <a:ext uri="{28A0092B-C50C-407E-A947-70E740481C1C}">
-                <a14:useLocalDpi xmlns:a14="http://schemas.microsoft.com/office/drawing/2010/main" val="0"/>
-              </a:ext>
-            </a:extLst>
-          </a:blip>
-          <a:srcRect/>
-          <a:stretch>
-            <a:fillRect/>
-          </a:stretch>
-        </p:blipFill>
-        <p:spPr bwMode="auto">
-          <a:xfrm>
-            <a:off x="0" y="457200"/>
-            <a:ext cx="11812920" cy="5538789"/>
+            <a:off x="617220" y="1075708"/>
+            <a:ext cx="10972800" cy="3785652"/>
           </a:xfrm>
           <a:prstGeom prst="rect">
             <a:avLst/>
           </a:prstGeom>
           <a:noFill/>
-          <a:ln>
-            <a:noFill/>
-          </a:ln>
-          <a:extLst>
-            <a:ext uri="{909E8E84-426E-40DD-AFC4-6F175D3DCCD1}">
-              <a14:hiddenFill xmlns:a14="http://schemas.microsoft.com/office/drawing/2010/main">
-                <a:solidFill>
-                  <a:schemeClr val="accent1"/>
-                </a:solidFill>
-              </a14:hiddenFill>
-            </a:ext>
-            <a:ext uri="{91240B29-F687-4F45-9708-019B960494DF}">
-              <a14:hiddenLine xmlns:a14="http://schemas.microsoft.com/office/drawing/2010/main" w="9525">
-                <a:solidFill>
-                  <a:schemeClr val="tx1"/>
-                </a:solidFill>
-                <a:miter lim="800000"/>
-                <a:headEnd/>
-                <a:tailEnd/>
-              </a14:hiddenLine>
-            </a:ext>
-          </a:extLst>
         </p:spPr>
-      </p:pic>
+        <p:txBody>
+          <a:bodyPr wrap="square" rtlCol="0">
+            <a:spAutoFit/>
+          </a:bodyPr>
+          <a:lstStyle/>
+          <a:p>
+            <a:pPr algn="ctr"/>
+            <a:r>
+              <a:rPr lang="en-US" altLang="zh-CN" sz="4800" b="1" dirty="0" smtClean="0">
+                <a:solidFill>
+                  <a:srgbClr val="00ABB4"/>
+                </a:solidFill>
+                <a:effectLst>
+                  <a:outerShdw blurRad="38100" dist="38100" dir="2700000" algn="tl">
+                    <a:srgbClr val="000000">
+                      <a:alpha val="43137"/>
+                    </a:srgbClr>
+                  </a:outerShdw>
+                </a:effectLst>
+                <a:latin typeface="微软雅黑" panose="020B0503020204020204" pitchFamily="34" charset="-122"/>
+                <a:ea typeface="微软雅黑" panose="020B0503020204020204" pitchFamily="34" charset="-122"/>
+              </a:rPr>
+              <a:t>Functional </a:t>
+            </a:r>
+            <a:r>
+              <a:rPr lang="en-US" altLang="zh-CN" sz="4800" b="1" dirty="0">
+                <a:solidFill>
+                  <a:srgbClr val="00ABB4"/>
+                </a:solidFill>
+                <a:effectLst>
+                  <a:outerShdw blurRad="38100" dist="38100" dir="2700000" algn="tl">
+                    <a:srgbClr val="000000">
+                      <a:alpha val="43137"/>
+                    </a:srgbClr>
+                  </a:outerShdw>
+                </a:effectLst>
+                <a:latin typeface="微软雅黑" panose="020B0503020204020204" pitchFamily="34" charset="-122"/>
+                <a:ea typeface="微软雅黑" panose="020B0503020204020204" pitchFamily="34" charset="-122"/>
+              </a:rPr>
+              <a:t>Cross-Hemispheric Shift Between </a:t>
+            </a:r>
+            <a:r>
+              <a:rPr lang="en-US" altLang="zh-CN" sz="4800" b="1" dirty="0" smtClean="0">
+                <a:solidFill>
+                  <a:srgbClr val="00ABB4"/>
+                </a:solidFill>
+                <a:effectLst>
+                  <a:outerShdw blurRad="38100" dist="38100" dir="2700000" algn="tl">
+                    <a:srgbClr val="000000">
+                      <a:alpha val="43137"/>
+                    </a:srgbClr>
+                  </a:outerShdw>
+                </a:effectLst>
+                <a:latin typeface="微软雅黑" panose="020B0503020204020204" pitchFamily="34" charset="-122"/>
+                <a:ea typeface="微软雅黑" panose="020B0503020204020204" pitchFamily="34" charset="-122"/>
+              </a:rPr>
+              <a:t>Object-Place Paired Associate </a:t>
+            </a:r>
+            <a:r>
+              <a:rPr lang="en-US" altLang="zh-CN" sz="4800" b="1" dirty="0">
+                <a:solidFill>
+                  <a:srgbClr val="00ABB4"/>
+                </a:solidFill>
+                <a:effectLst>
+                  <a:outerShdw blurRad="38100" dist="38100" dir="2700000" algn="tl">
+                    <a:srgbClr val="000000">
+                      <a:alpha val="43137"/>
+                    </a:srgbClr>
+                  </a:outerShdw>
+                </a:effectLst>
+                <a:latin typeface="微软雅黑" panose="020B0503020204020204" pitchFamily="34" charset="-122"/>
+                <a:ea typeface="微软雅黑" panose="020B0503020204020204" pitchFamily="34" charset="-122"/>
+              </a:rPr>
+              <a:t>Memory and Spatial Memory in the Human Hippocampus </a:t>
+            </a:r>
+            <a:r>
+              <a:rPr lang="en-US" altLang="zh-CN" sz="4800" b="1" dirty="0" smtClean="0">
+                <a:solidFill>
+                  <a:srgbClr val="00ABB4"/>
+                </a:solidFill>
+                <a:effectLst>
+                  <a:outerShdw blurRad="38100" dist="38100" dir="2700000" algn="tl">
+                    <a:srgbClr val="000000">
+                      <a:alpha val="43137"/>
+                    </a:srgbClr>
+                  </a:outerShdw>
+                </a:effectLst>
+                <a:latin typeface="微软雅黑" panose="020B0503020204020204" pitchFamily="34" charset="-122"/>
+                <a:ea typeface="微软雅黑" panose="020B0503020204020204" pitchFamily="34" charset="-122"/>
+              </a:rPr>
+              <a:t> </a:t>
+            </a:r>
+            <a:endParaRPr lang="en-US" altLang="zh-CN" sz="4800" b="1" dirty="0">
+              <a:solidFill>
+                <a:srgbClr val="00ABB4"/>
+              </a:solidFill>
+              <a:effectLst>
+                <a:outerShdw blurRad="38100" dist="38100" dir="2700000" algn="tl">
+                  <a:srgbClr val="000000">
+                    <a:alpha val="43137"/>
+                  </a:srgbClr>
+                </a:outerShdw>
+              </a:effectLst>
+              <a:latin typeface="微软雅黑" panose="020B0503020204020204" pitchFamily="34" charset="-122"/>
+              <a:ea typeface="微软雅黑" panose="020B0503020204020204" pitchFamily="34" charset="-122"/>
+            </a:endParaRPr>
+          </a:p>
+        </p:txBody>
+      </p:sp>
     </p:spTree>
     <p:extLst>
       <p:ext uri="{BB962C8B-B14F-4D97-AF65-F5344CB8AC3E}">
-        <p14:creationId xmlns:p14="http://schemas.microsoft.com/office/powerpoint/2010/main" val="1872795815"/>
+        <p14:creationId xmlns:p14="http://schemas.microsoft.com/office/powerpoint/2010/main" val="3094252058"/>
       </p:ext>
     </p:extLst>
   </p:cSld>
@@ -10442,7 +11695,7 @@
 </p:sld>
 </file>
 
-<file path=ppt/slides/slide2.xml><?xml version="1.0" encoding="utf-8"?>
+<file path=ppt/slides/slide19.xml><?xml version="1.0" encoding="utf-8"?>
 <p:sld xmlns:a="http://schemas.openxmlformats.org/drawingml/2006/main" xmlns:r="http://schemas.openxmlformats.org/officeDocument/2006/relationships" xmlns:p="http://schemas.openxmlformats.org/presentationml/2006/main">
   <p:cSld>
     <p:spTree>
@@ -10545,7 +11798,7 @@
         <p:spPr>
           <a:xfrm>
             <a:off x="886817" y="929034"/>
-            <a:ext cx="9464642" cy="2308324"/>
+            <a:ext cx="10198818" cy="2308324"/>
           </a:xfrm>
           <a:prstGeom prst="rect">
             <a:avLst/>
@@ -10566,17 +11819,27 @@
                 <a:latin typeface="微软雅黑" panose="020B0503020204020204" pitchFamily="34" charset="-122"/>
                 <a:ea typeface="微软雅黑" panose="020B0503020204020204" pitchFamily="34" charset="-122"/>
               </a:rPr>
-              <a:t>PNAS   </a:t>
-            </a:r>
-            <a:r>
-              <a:rPr lang="en-US" altLang="zh-CN" sz="5400" b="1" dirty="0" smtClean="0">
+              <a:t>HIPPOCAMPUS</a:t>
+            </a:r>
+            <a:r>
+              <a:rPr lang="en-US" altLang="zh-CN" sz="7200" b="1" dirty="0" smtClean="0">
                 <a:solidFill>
                   <a:srgbClr val="00ABB4"/>
                 </a:solidFill>
                 <a:latin typeface="微软雅黑" panose="020B0503020204020204" pitchFamily="34" charset="-122"/>
                 <a:ea typeface="微软雅黑" panose="020B0503020204020204" pitchFamily="34" charset="-122"/>
               </a:rPr>
-              <a:t>9.423</a:t>
+              <a:t>   </a:t>
+            </a:r>
+            <a:r>
+              <a:rPr lang="en-US" altLang="zh-CN" sz="5400" b="1" dirty="0" smtClean="0">
+                <a:solidFill>
+                  <a:srgbClr val="00ABB4"/>
+                </a:solidFill>
+                <a:latin typeface="微软雅黑" panose="020B0503020204020204" pitchFamily="34" charset="-122"/>
+                <a:ea typeface="微软雅黑" panose="020B0503020204020204" pitchFamily="34" charset="-122"/>
+              </a:rPr>
+              <a:t>4.162</a:t>
             </a:r>
             <a:endParaRPr lang="en-US" altLang="zh-CN" sz="7200" b="1" dirty="0" smtClean="0">
               <a:solidFill>
@@ -10608,14 +11871,14 @@
               <a:t>			  </a:t>
             </a:r>
             <a:r>
-              <a:rPr lang="en-US" altLang="zh-CN" sz="5400" b="1" dirty="0" err="1" smtClean="0">
+              <a:rPr lang="en-US" altLang="zh-CN" sz="5400" b="1" dirty="0">
                 <a:solidFill>
                   <a:srgbClr val="00ABB4"/>
                 </a:solidFill>
                 <a:latin typeface="微软雅黑" panose="020B0503020204020204" pitchFamily="34" charset="-122"/>
                 <a:ea typeface="微软雅黑" panose="020B0503020204020204" pitchFamily="34" charset="-122"/>
               </a:rPr>
-              <a:t>Shipton</a:t>
+              <a:t>	</a:t>
             </a:r>
             <a:r>
               <a:rPr lang="en-US" altLang="zh-CN" sz="5400" b="1" dirty="0" smtClean="0">
@@ -10625,7 +11888,37 @@
                 <a:latin typeface="微软雅黑" panose="020B0503020204020204" pitchFamily="34" charset="-122"/>
                 <a:ea typeface="微软雅黑" panose="020B0503020204020204" pitchFamily="34" charset="-122"/>
               </a:rPr>
-              <a:t> , 2014</a:t>
+              <a:t>	</a:t>
+            </a:r>
+            <a:r>
+              <a:rPr lang="en-US" altLang="zh-CN" sz="5400" b="1" dirty="0" smtClean="0">
+                <a:solidFill>
+                  <a:srgbClr val="00ABB4"/>
+                </a:solidFill>
+                <a:latin typeface="微软雅黑" panose="020B0503020204020204" pitchFamily="34" charset="-122"/>
+                <a:ea typeface="微软雅黑" panose="020B0503020204020204" pitchFamily="34" charset="-122"/>
+              </a:rPr>
+              <a:t>Lee </a:t>
+            </a:r>
+            <a:r>
+              <a:rPr lang="en-US" altLang="zh-CN" sz="5400" b="1" dirty="0" smtClean="0">
+                <a:solidFill>
+                  <a:srgbClr val="00ABB4"/>
+                </a:solidFill>
+                <a:latin typeface="微软雅黑" panose="020B0503020204020204" pitchFamily="34" charset="-122"/>
+                <a:ea typeface="微软雅黑" panose="020B0503020204020204" pitchFamily="34" charset="-122"/>
+              </a:rPr>
+              <a:t>, </a:t>
+            </a:r>
+            <a:r>
+              <a:rPr lang="en-US" altLang="zh-CN" sz="5400" b="1" dirty="0" smtClean="0">
+                <a:solidFill>
+                  <a:srgbClr val="00ABB4"/>
+                </a:solidFill>
+                <a:latin typeface="微软雅黑" panose="020B0503020204020204" pitchFamily="34" charset="-122"/>
+                <a:ea typeface="微软雅黑" panose="020B0503020204020204" pitchFamily="34" charset="-122"/>
+              </a:rPr>
+              <a:t>2016</a:t>
             </a:r>
             <a:endParaRPr lang="zh-CN" altLang="en-US" sz="5400" dirty="0">
               <a:solidFill>
@@ -10683,7 +11976,7 @@
         <p:spPr>
           <a:xfrm>
             <a:off x="3944383" y="3824441"/>
-            <a:ext cx="3852950" cy="2554545"/>
+            <a:ext cx="3852950" cy="1323439"/>
           </a:xfrm>
           <a:prstGeom prst="rect">
             <a:avLst/>
@@ -10709,24 +12002,13 @@
                 <a:ea typeface="Meiryo" panose="020B0604030504040204" pitchFamily="34" charset="-128"/>
                 <a:cs typeface="Meiryo" panose="020B0604030504040204" pitchFamily="34" charset="-128"/>
               </a:rPr>
-              <a:t>Spontaneous </a:t>
-            </a:r>
-            <a:r>
-              <a:rPr lang="en-US" altLang="zh-CN" sz="2000" dirty="0">
-                <a:latin typeface="Meiryo" panose="020B0604030504040204" pitchFamily="34" charset="-128"/>
-                <a:ea typeface="Meiryo" panose="020B0604030504040204" pitchFamily="34" charset="-128"/>
-                <a:cs typeface="Meiryo" panose="020B0604030504040204" pitchFamily="34" charset="-128"/>
-              </a:rPr>
-              <a:t>alternation </a:t>
-            </a:r>
-            <a:r>
-              <a:rPr lang="en-US" altLang="zh-CN" sz="2000" dirty="0" smtClean="0">
-                <a:latin typeface="Meiryo" panose="020B0604030504040204" pitchFamily="34" charset="-128"/>
-                <a:ea typeface="Meiryo" panose="020B0604030504040204" pitchFamily="34" charset="-128"/>
-                <a:cs typeface="Meiryo" panose="020B0604030504040204" pitchFamily="34" charset="-128"/>
-              </a:rPr>
-              <a:t>T-maze task (86)</a:t>
-            </a:r>
+              <a:t>fMRI</a:t>
+            </a:r>
+            <a:endParaRPr lang="en-US" altLang="zh-CN" sz="2000" dirty="0" smtClean="0">
+              <a:latin typeface="Meiryo" panose="020B0604030504040204" pitchFamily="34" charset="-128"/>
+              <a:ea typeface="Meiryo" panose="020B0604030504040204" pitchFamily="34" charset="-128"/>
+              <a:cs typeface="Meiryo" panose="020B0604030504040204" pitchFamily="34" charset="-128"/>
+            </a:endParaRPr>
           </a:p>
           <a:p>
             <a:pPr marL="342900" indent="-342900">
@@ -10737,20 +12019,12 @@
               <a:buChar char="•"/>
             </a:pPr>
             <a:r>
-              <a:rPr lang="en-US" altLang="zh-CN" sz="2000" dirty="0">
-                <a:latin typeface="Meiryo" panose="020B0604030504040204" pitchFamily="34" charset="-128"/>
-                <a:ea typeface="Meiryo" panose="020B0604030504040204" pitchFamily="34" charset="-128"/>
-                <a:cs typeface="Meiryo" panose="020B0604030504040204" pitchFamily="34" charset="-128"/>
-              </a:rPr>
-              <a:t>Spatial novelty preference </a:t>
-            </a:r>
-            <a:r>
               <a:rPr lang="en-US" altLang="zh-CN" sz="2000" dirty="0" smtClean="0">
                 <a:latin typeface="Meiryo" panose="020B0604030504040204" pitchFamily="34" charset="-128"/>
                 <a:ea typeface="Meiryo" panose="020B0604030504040204" pitchFamily="34" charset="-128"/>
                 <a:cs typeface="Meiryo" panose="020B0604030504040204" pitchFamily="34" charset="-128"/>
               </a:rPr>
-              <a:t>Y-maze task (22)</a:t>
+              <a:t>Efficiency index</a:t>
             </a:r>
             <a:endParaRPr lang="en-US" altLang="zh-CN" sz="2000" dirty="0">
               <a:latin typeface="Meiryo" panose="020B0604030504040204" pitchFamily="34" charset="-128"/>
@@ -10769,7 +12043,7 @@
         <p:spPr>
           <a:xfrm>
             <a:off x="405600" y="3825650"/>
-            <a:ext cx="2314095" cy="1323439"/>
+            <a:ext cx="1435008" cy="1323439"/>
           </a:xfrm>
           <a:prstGeom prst="rect">
             <a:avLst/>
@@ -10790,18 +12064,21 @@
               <a:buChar char="•"/>
             </a:pPr>
             <a:r>
-              <a:rPr lang="en-US" altLang="zh-CN" sz="2000" dirty="0" err="1">
+              <a:rPr lang="en-US" altLang="zh-CN" sz="2000" dirty="0" smtClean="0">
                 <a:latin typeface="Meiryo" panose="020B0604030504040204" pitchFamily="34" charset="-128"/>
                 <a:ea typeface="Meiryo" panose="020B0604030504040204" pitchFamily="34" charset="-128"/>
-                <a:cs typeface="Meiryo" panose="020B0604030504040204" pitchFamily="34" charset="-128"/>
-              </a:rPr>
-              <a:t>Optogenetics</a:t>
-            </a:r>
-            <a:r>
-              <a:rPr lang="en-US" altLang="zh-CN" sz="2000" dirty="0"/>
+              </a:rPr>
+              <a:t>VR</a:t>
+            </a:r>
+            <a:r>
+              <a:rPr lang="en-US" altLang="zh-CN" sz="2000" dirty="0" smtClean="0"/>
               <a:t> </a:t>
             </a:r>
-            <a:endParaRPr lang="en-US" altLang="zh-CN" sz="2000" dirty="0" smtClean="0"/>
+            <a:endParaRPr lang="en-US" altLang="zh-CN" sz="2000" dirty="0" smtClean="0">
+              <a:latin typeface="Meiryo" panose="020B0604030504040204" pitchFamily="34" charset="-128"/>
+              <a:ea typeface="Meiryo" panose="020B0604030504040204" pitchFamily="34" charset="-128"/>
+              <a:cs typeface="Meiryo" panose="020B0604030504040204" pitchFamily="34" charset="-128"/>
+            </a:endParaRPr>
           </a:p>
           <a:p>
             <a:pPr marL="342900" indent="-342900">
@@ -10817,8 +12094,13 @@
                 <a:ea typeface="Meiryo" panose="020B0604030504040204" pitchFamily="34" charset="-128"/>
                 <a:cs typeface="Meiryo" panose="020B0604030504040204" pitchFamily="34" charset="-128"/>
               </a:rPr>
-              <a:t>LTP(CA3-CA1)</a:t>
-            </a:r>
+              <a:t>Human</a:t>
+            </a:r>
+            <a:endParaRPr lang="en-US" altLang="zh-CN" sz="2000" dirty="0" smtClean="0">
+              <a:latin typeface="Meiryo" panose="020B0604030504040204" pitchFamily="34" charset="-128"/>
+              <a:ea typeface="Meiryo" panose="020B0604030504040204" pitchFamily="34" charset="-128"/>
+              <a:cs typeface="Meiryo" panose="020B0604030504040204" pitchFamily="34" charset="-128"/>
+            </a:endParaRPr>
           </a:p>
         </p:txBody>
       </p:sp>
@@ -10868,6 +12150,1477 @@
         <p:spPr>
           <a:xfrm>
             <a:off x="8141996" y="3784186"/>
+            <a:ext cx="3926598" cy="1938992"/>
+          </a:xfrm>
+          <a:prstGeom prst="rect">
+            <a:avLst/>
+          </a:prstGeom>
+          <a:noFill/>
+        </p:spPr>
+        <p:txBody>
+          <a:bodyPr wrap="square" rtlCol="0">
+            <a:spAutoFit/>
+          </a:bodyPr>
+          <a:lstStyle/>
+          <a:p>
+            <a:pPr marL="342900" indent="-342900">
+              <a:lnSpc>
+                <a:spcPct val="200000"/>
+              </a:lnSpc>
+              <a:buFont typeface="Arial" panose="020B0604020202020204" pitchFamily="34" charset="0"/>
+              <a:buChar char="•"/>
+            </a:pPr>
+            <a:r>
+              <a:rPr lang="en-US" altLang="zh-CN" sz="2000" dirty="0" smtClean="0">
+                <a:latin typeface="Meiryo" panose="020B0604030504040204" pitchFamily="34" charset="-128"/>
+                <a:ea typeface="Meiryo" panose="020B0604030504040204" pitchFamily="34" charset="-128"/>
+                <a:cs typeface="Meiryo" panose="020B0604030504040204" pitchFamily="34" charset="-128"/>
+              </a:rPr>
+              <a:t>Object-based event </a:t>
+            </a:r>
+            <a:r>
+              <a:rPr lang="en-US" altLang="zh-CN" sz="2000" smtClean="0">
+                <a:latin typeface="Meiryo" panose="020B0604030504040204" pitchFamily="34" charset="-128"/>
+                <a:ea typeface="Meiryo" panose="020B0604030504040204" pitchFamily="34" charset="-128"/>
+                <a:cs typeface="Meiryo" panose="020B0604030504040204" pitchFamily="34" charset="-128"/>
+              </a:rPr>
+              <a:t>memory task</a:t>
+            </a:r>
+            <a:endParaRPr lang="en-US" altLang="zh-CN" sz="2000" dirty="0" smtClean="0">
+              <a:latin typeface="Meiryo" panose="020B0604030504040204" pitchFamily="34" charset="-128"/>
+              <a:ea typeface="Meiryo" panose="020B0604030504040204" pitchFamily="34" charset="-128"/>
+              <a:cs typeface="Meiryo" panose="020B0604030504040204" pitchFamily="34" charset="-128"/>
+            </a:endParaRPr>
+          </a:p>
+          <a:p>
+            <a:pPr marL="342900" indent="-342900">
+              <a:lnSpc>
+                <a:spcPct val="200000"/>
+              </a:lnSpc>
+              <a:buFont typeface="Arial" panose="020B0604020202020204" pitchFamily="34" charset="0"/>
+              <a:buChar char="•"/>
+            </a:pPr>
+            <a:r>
+              <a:rPr lang="en-US" altLang="zh-CN" sz="2000" dirty="0" smtClean="0">
+                <a:latin typeface="Meiryo" panose="020B0604030504040204" pitchFamily="34" charset="-128"/>
+                <a:ea typeface="Meiryo" panose="020B0604030504040204" pitchFamily="34" charset="-128"/>
+                <a:cs typeface="Meiryo" panose="020B0604030504040204" pitchFamily="34" charset="-128"/>
+              </a:rPr>
+              <a:t>Spatial navigation task</a:t>
+            </a:r>
+            <a:endParaRPr lang="en-US" altLang="zh-CN" sz="2000" dirty="0">
+              <a:latin typeface="Meiryo" panose="020B0604030504040204" pitchFamily="34" charset="-128"/>
+              <a:ea typeface="Meiryo" panose="020B0604030504040204" pitchFamily="34" charset="-128"/>
+              <a:cs typeface="Meiryo" panose="020B0604030504040204" pitchFamily="34" charset="-128"/>
+            </a:endParaRPr>
+          </a:p>
+        </p:txBody>
+      </p:sp>
+    </p:spTree>
+    <p:extLst>
+      <p:ext uri="{BB962C8B-B14F-4D97-AF65-F5344CB8AC3E}">
+        <p14:creationId xmlns:p14="http://schemas.microsoft.com/office/powerpoint/2010/main" val="294300342"/>
+      </p:ext>
+    </p:extLst>
+  </p:cSld>
+  <p:clrMapOvr>
+    <a:masterClrMapping/>
+  </p:clrMapOvr>
+  <p:timing>
+    <p:tnLst>
+      <p:par>
+        <p:cTn id="1" dur="indefinite" restart="never" nodeType="tmRoot"/>
+      </p:par>
+    </p:tnLst>
+  </p:timing>
+</p:sld>
+</file>
+
+<file path=ppt/slides/slide2.xml><?xml version="1.0" encoding="utf-8"?>
+<p:sld xmlns:a="http://schemas.openxmlformats.org/drawingml/2006/main" xmlns:r="http://schemas.openxmlformats.org/officeDocument/2006/relationships" xmlns:p="http://schemas.openxmlformats.org/presentationml/2006/main">
+  <p:cSld>
+    <p:spTree>
+      <p:nvGrpSpPr>
+        <p:cNvPr id="1" name=""/>
+        <p:cNvGrpSpPr/>
+        <p:nvPr/>
+      </p:nvGrpSpPr>
+      <p:grpSpPr>
+        <a:xfrm>
+          <a:off x="0" y="0"/>
+          <a:ext cx="0" cy="0"/>
+          <a:chOff x="0" y="0"/>
+          <a:chExt cx="0" cy="0"/>
+        </a:xfrm>
+      </p:grpSpPr>
+      <p:sp>
+        <p:nvSpPr>
+          <p:cNvPr id="5" name="文本框 4"/>
+          <p:cNvSpPr txBox="1"/>
+          <p:nvPr/>
+        </p:nvSpPr>
+        <p:spPr>
+          <a:xfrm>
+            <a:off x="5445728" y="1707631"/>
+            <a:ext cx="1704313" cy="1569660"/>
+          </a:xfrm>
+          <a:prstGeom prst="rect">
+            <a:avLst/>
+          </a:prstGeom>
+          <a:noFill/>
+        </p:spPr>
+        <p:txBody>
+          <a:bodyPr wrap="none" rtlCol="0">
+            <a:spAutoFit/>
+          </a:bodyPr>
+          <a:lstStyle/>
+          <a:p>
+            <a:r>
+              <a:rPr lang="en-US" altLang="zh-CN" sz="9600" b="1" dirty="0" smtClean="0">
+                <a:solidFill>
+                  <a:schemeClr val="accent2">
+                    <a:lumMod val="75000"/>
+                  </a:schemeClr>
+                </a:solidFill>
+                <a:latin typeface="微软雅黑" panose="020B0503020204020204" pitchFamily="34" charset="-122"/>
+                <a:ea typeface="微软雅黑" panose="020B0503020204020204" pitchFamily="34" charset="-122"/>
+              </a:rPr>
+              <a:t>02</a:t>
+            </a:r>
+            <a:endParaRPr lang="zh-CN" altLang="en-US" sz="9600" b="1" dirty="0">
+              <a:solidFill>
+                <a:schemeClr val="accent2">
+                  <a:lumMod val="75000"/>
+                </a:schemeClr>
+              </a:solidFill>
+              <a:latin typeface="微软雅黑" panose="020B0503020204020204" pitchFamily="34" charset="-122"/>
+              <a:ea typeface="微软雅黑" panose="020B0503020204020204" pitchFamily="34" charset="-122"/>
+            </a:endParaRPr>
+          </a:p>
+        </p:txBody>
+      </p:sp>
+      <p:sp>
+        <p:nvSpPr>
+          <p:cNvPr id="6" name="文本框 5"/>
+          <p:cNvSpPr txBox="1"/>
+          <p:nvPr/>
+        </p:nvSpPr>
+        <p:spPr>
+          <a:xfrm>
+            <a:off x="5445728" y="3422822"/>
+            <a:ext cx="4119141" cy="769441"/>
+          </a:xfrm>
+          <a:prstGeom prst="rect">
+            <a:avLst/>
+          </a:prstGeom>
+          <a:noFill/>
+        </p:spPr>
+        <p:txBody>
+          <a:bodyPr wrap="none" rtlCol="0">
+            <a:spAutoFit/>
+          </a:bodyPr>
+          <a:lstStyle/>
+          <a:p>
+            <a:r>
+              <a:rPr lang="en-US" altLang="zh-CN" sz="4400" b="1" dirty="0" err="1" smtClean="0">
+                <a:solidFill>
+                  <a:srgbClr val="00ABB4"/>
+                </a:solidFill>
+                <a:latin typeface="微软雅黑" panose="020B0503020204020204" pitchFamily="34" charset="-122"/>
+                <a:ea typeface="微软雅黑" panose="020B0503020204020204" pitchFamily="34" charset="-122"/>
+              </a:rPr>
+              <a:t>Shipton</a:t>
+            </a:r>
+            <a:r>
+              <a:rPr lang="en-US" altLang="zh-CN" sz="4400" b="1" dirty="0" smtClean="0">
+                <a:solidFill>
+                  <a:srgbClr val="00ABB4"/>
+                </a:solidFill>
+                <a:latin typeface="微软雅黑" panose="020B0503020204020204" pitchFamily="34" charset="-122"/>
+                <a:ea typeface="微软雅黑" panose="020B0503020204020204" pitchFamily="34" charset="-122"/>
+              </a:rPr>
+              <a:t>, 2014</a:t>
+            </a:r>
+            <a:endParaRPr lang="zh-CN" altLang="en-US" sz="4400" b="1" dirty="0">
+              <a:solidFill>
+                <a:srgbClr val="00ABB4"/>
+              </a:solidFill>
+              <a:latin typeface="微软雅黑" panose="020B0503020204020204" pitchFamily="34" charset="-122"/>
+              <a:ea typeface="微软雅黑" panose="020B0503020204020204" pitchFamily="34" charset="-122"/>
+            </a:endParaRPr>
+          </a:p>
+        </p:txBody>
+      </p:sp>
+      <p:sp>
+        <p:nvSpPr>
+          <p:cNvPr id="7" name="文本框 6"/>
+          <p:cNvSpPr txBox="1"/>
+          <p:nvPr/>
+        </p:nvSpPr>
+        <p:spPr>
+          <a:xfrm>
+            <a:off x="5445728" y="3003482"/>
+            <a:ext cx="1610184" cy="461665"/>
+          </a:xfrm>
+          <a:prstGeom prst="rect">
+            <a:avLst/>
+          </a:prstGeom>
+          <a:noFill/>
+        </p:spPr>
+        <p:txBody>
+          <a:bodyPr wrap="none" rtlCol="0">
+            <a:spAutoFit/>
+          </a:bodyPr>
+          <a:lstStyle/>
+          <a:p>
+            <a:r>
+              <a:rPr lang="en-US" altLang="zh-CN" sz="2400" dirty="0">
+                <a:solidFill>
+                  <a:schemeClr val="bg1">
+                    <a:lumMod val="50000"/>
+                  </a:schemeClr>
+                </a:solidFill>
+                <a:latin typeface="微软雅黑" panose="020B0503020204020204" pitchFamily="34" charset="-122"/>
+                <a:ea typeface="微软雅黑" panose="020B0503020204020204" pitchFamily="34" charset="-122"/>
+              </a:rPr>
+              <a:t>Part </a:t>
+            </a:r>
+            <a:r>
+              <a:rPr lang="en-US" altLang="zh-CN" sz="2400" dirty="0" smtClean="0">
+                <a:solidFill>
+                  <a:schemeClr val="bg1">
+                    <a:lumMod val="50000"/>
+                  </a:schemeClr>
+                </a:solidFill>
+                <a:latin typeface="微软雅黑" panose="020B0503020204020204" pitchFamily="34" charset="-122"/>
+                <a:ea typeface="微软雅黑" panose="020B0503020204020204" pitchFamily="34" charset="-122"/>
+              </a:rPr>
+              <a:t>TWO</a:t>
+            </a:r>
+            <a:endParaRPr lang="zh-CN" altLang="en-US" sz="2400" dirty="0">
+              <a:solidFill>
+                <a:schemeClr val="bg1">
+                  <a:lumMod val="50000"/>
+                </a:schemeClr>
+              </a:solidFill>
+              <a:latin typeface="微软雅黑" panose="020B0503020204020204" pitchFamily="34" charset="-122"/>
+              <a:ea typeface="微软雅黑" panose="020B0503020204020204" pitchFamily="34" charset="-122"/>
+            </a:endParaRPr>
+          </a:p>
+        </p:txBody>
+      </p:sp>
+      <p:sp>
+        <p:nvSpPr>
+          <p:cNvPr id="8" name="文本框 7"/>
+          <p:cNvSpPr txBox="1"/>
+          <p:nvPr/>
+        </p:nvSpPr>
+        <p:spPr>
+          <a:xfrm>
+            <a:off x="12936632" y="4355748"/>
+            <a:ext cx="6894418" cy="1200329"/>
+          </a:xfrm>
+          <a:prstGeom prst="rect">
+            <a:avLst/>
+          </a:prstGeom>
+          <a:noFill/>
+        </p:spPr>
+        <p:txBody>
+          <a:bodyPr wrap="square" rtlCol="0">
+            <a:spAutoFit/>
+          </a:bodyPr>
+          <a:lstStyle/>
+          <a:p>
+            <a:pPr marL="285750" indent="-285750">
+              <a:buFont typeface="Arial" panose="020B0604020202020204" pitchFamily="34" charset="0"/>
+              <a:buChar char="•"/>
+            </a:pPr>
+            <a:r>
+              <a:rPr lang="en-US" altLang="zh-CN" dirty="0" smtClean="0">
+                <a:solidFill>
+                  <a:schemeClr val="accent2"/>
+                </a:solidFill>
+                <a:ea typeface="Roboto Cn" pitchFamily="2" charset="0"/>
+                <a:cs typeface="Arial" panose="020B0604020202020204" pitchFamily="34" charset="0"/>
+              </a:rPr>
+              <a:t>Identify brain regions  scopolamine induce   intensity changes</a:t>
+            </a:r>
+            <a:endParaRPr lang="en-US" altLang="zh-CN" dirty="0">
+              <a:solidFill>
+                <a:schemeClr val="accent2"/>
+              </a:solidFill>
+              <a:ea typeface="Roboto Cn" pitchFamily="2" charset="0"/>
+              <a:cs typeface="Arial" panose="020B0604020202020204" pitchFamily="34" charset="0"/>
+            </a:endParaRPr>
+          </a:p>
+          <a:p>
+            <a:pPr marL="285750" indent="-285750">
+              <a:buFont typeface="Arial" panose="020B0604020202020204" pitchFamily="34" charset="0"/>
+              <a:buChar char="•"/>
+            </a:pPr>
+            <a:r>
+              <a:rPr lang="en-US" altLang="zh-CN" dirty="0" smtClean="0">
+                <a:solidFill>
+                  <a:schemeClr val="bg1">
+                    <a:lumMod val="50000"/>
+                  </a:schemeClr>
+                </a:solidFill>
+                <a:ea typeface="Roboto Cn" pitchFamily="2" charset="0"/>
+                <a:cs typeface="Arial" panose="020B0604020202020204" pitchFamily="34" charset="0"/>
+              </a:rPr>
+              <a:t>Evaluate the effects of scopolamine on FC </a:t>
+            </a:r>
+            <a:endParaRPr lang="en-US" altLang="zh-CN" dirty="0">
+              <a:solidFill>
+                <a:schemeClr val="bg1">
+                  <a:lumMod val="50000"/>
+                </a:schemeClr>
+              </a:solidFill>
+              <a:ea typeface="Roboto Cn" pitchFamily="2" charset="0"/>
+              <a:cs typeface="Arial" panose="020B0604020202020204" pitchFamily="34" charset="0"/>
+            </a:endParaRPr>
+          </a:p>
+          <a:p>
+            <a:pPr marL="285750" indent="-285750">
+              <a:buFont typeface="Arial" panose="020B0604020202020204" pitchFamily="34" charset="0"/>
+              <a:buChar char="•"/>
+            </a:pPr>
+            <a:r>
+              <a:rPr lang="en-US" altLang="zh-CN" dirty="0" smtClean="0">
+                <a:solidFill>
+                  <a:schemeClr val="bg1">
+                    <a:lumMod val="50000"/>
+                  </a:schemeClr>
+                </a:solidFill>
+                <a:ea typeface="Roboto Cn" pitchFamily="2" charset="0"/>
+                <a:cs typeface="Arial" panose="020B0604020202020204" pitchFamily="34" charset="0"/>
+              </a:rPr>
+              <a:t>Whether scopolamine-induced memory effect could be </a:t>
+            </a:r>
+          </a:p>
+          <a:p>
+            <a:r>
+              <a:rPr lang="en-US" altLang="zh-CN" dirty="0">
+                <a:solidFill>
+                  <a:schemeClr val="bg1">
+                    <a:lumMod val="50000"/>
+                  </a:schemeClr>
+                </a:solidFill>
+                <a:ea typeface="Roboto Cn" pitchFamily="2" charset="0"/>
+                <a:cs typeface="Arial" panose="020B0604020202020204" pitchFamily="34" charset="0"/>
+              </a:rPr>
+              <a:t> </a:t>
+            </a:r>
+            <a:r>
+              <a:rPr lang="en-US" altLang="zh-CN" dirty="0" smtClean="0">
+                <a:solidFill>
+                  <a:schemeClr val="bg1">
+                    <a:lumMod val="50000"/>
+                  </a:schemeClr>
+                </a:solidFill>
+                <a:ea typeface="Roboto Cn" pitchFamily="2" charset="0"/>
+                <a:cs typeface="Arial" panose="020B0604020202020204" pitchFamily="34" charset="0"/>
+              </a:rPr>
+              <a:t>     reversed with milameline</a:t>
+            </a:r>
+          </a:p>
+        </p:txBody>
+      </p:sp>
+      <p:sp>
+        <p:nvSpPr>
+          <p:cNvPr id="3" name="矩形 2"/>
+          <p:cNvSpPr/>
+          <p:nvPr/>
+        </p:nvSpPr>
+        <p:spPr>
+          <a:xfrm>
+            <a:off x="5156200" y="1562100"/>
+            <a:ext cx="6426200" cy="3911600"/>
+          </a:xfrm>
+          <a:prstGeom prst="rect">
+            <a:avLst/>
+          </a:prstGeom>
+          <a:noFill/>
+          <a:ln w="127000">
+            <a:solidFill>
+              <a:srgbClr val="00ABB4"/>
+            </a:solidFill>
+          </a:ln>
+        </p:spPr>
+        <p:style>
+          <a:lnRef idx="2">
+            <a:schemeClr val="accent1">
+              <a:shade val="50000"/>
+            </a:schemeClr>
+          </a:lnRef>
+          <a:fillRef idx="1">
+            <a:schemeClr val="accent1"/>
+          </a:fillRef>
+          <a:effectRef idx="0">
+            <a:schemeClr val="accent1"/>
+          </a:effectRef>
+          <a:fontRef idx="minor">
+            <a:schemeClr val="lt1"/>
+          </a:fontRef>
+        </p:style>
+        <p:txBody>
+          <a:bodyPr rtlCol="0" anchor="ctr"/>
+          <a:lstStyle/>
+          <a:p>
+            <a:pPr algn="ctr"/>
+            <a:endParaRPr lang="zh-CN" altLang="en-US"/>
+          </a:p>
+        </p:txBody>
+      </p:sp>
+    </p:spTree>
+    <p:extLst>
+      <p:ext uri="{BB962C8B-B14F-4D97-AF65-F5344CB8AC3E}">
+        <p14:creationId xmlns:p14="http://schemas.microsoft.com/office/powerpoint/2010/main" val="3066643834"/>
+      </p:ext>
+    </p:extLst>
+  </p:cSld>
+  <p:clrMapOvr>
+    <a:masterClrMapping/>
+  </p:clrMapOvr>
+  <p:timing>
+    <p:tnLst>
+      <p:par>
+        <p:cTn id="1" dur="indefinite" restart="never" nodeType="tmRoot"/>
+      </p:par>
+    </p:tnLst>
+  </p:timing>
+</p:sld>
+</file>
+
+<file path=ppt/slides/slide20.xml><?xml version="1.0" encoding="utf-8"?>
+<p:sld xmlns:a="http://schemas.openxmlformats.org/drawingml/2006/main" xmlns:r="http://schemas.openxmlformats.org/officeDocument/2006/relationships" xmlns:p="http://schemas.openxmlformats.org/presentationml/2006/main">
+  <p:cSld>
+    <p:spTree>
+      <p:nvGrpSpPr>
+        <p:cNvPr id="1" name=""/>
+        <p:cNvGrpSpPr/>
+        <p:nvPr/>
+      </p:nvGrpSpPr>
+      <p:grpSpPr>
+        <a:xfrm>
+          <a:off x="0" y="0"/>
+          <a:ext cx="0" cy="0"/>
+          <a:chOff x="0" y="0"/>
+          <a:chExt cx="0" cy="0"/>
+        </a:xfrm>
+      </p:grpSpPr>
+      <p:sp>
+        <p:nvSpPr>
+          <p:cNvPr id="3" name="文本框 2"/>
+          <p:cNvSpPr txBox="1"/>
+          <p:nvPr/>
+        </p:nvSpPr>
+        <p:spPr>
+          <a:xfrm>
+            <a:off x="2618510" y="2333008"/>
+            <a:ext cx="6964407" cy="1261884"/>
+          </a:xfrm>
+          <a:prstGeom prst="rect">
+            <a:avLst/>
+          </a:prstGeom>
+          <a:noFill/>
+        </p:spPr>
+        <p:txBody>
+          <a:bodyPr wrap="none" rtlCol="0">
+            <a:spAutoFit/>
+          </a:bodyPr>
+          <a:lstStyle/>
+          <a:p>
+            <a:pPr algn="ctr"/>
+            <a:r>
+              <a:rPr lang="en-US" altLang="zh-CN" sz="3800" b="1" dirty="0" smtClean="0">
+                <a:solidFill>
+                  <a:srgbClr val="00ABB4"/>
+                </a:solidFill>
+                <a:effectLst>
+                  <a:outerShdw blurRad="38100" dist="38100" dir="2700000" algn="tl">
+                    <a:srgbClr val="000000">
+                      <a:alpha val="43137"/>
+                    </a:srgbClr>
+                  </a:outerShdw>
+                </a:effectLst>
+                <a:latin typeface="微软雅黑" panose="020B0503020204020204" pitchFamily="34" charset="-122"/>
+                <a:ea typeface="微软雅黑" panose="020B0503020204020204" pitchFamily="34" charset="-122"/>
+              </a:rPr>
+              <a:t>Thank you all for listening~</a:t>
+            </a:r>
+            <a:r>
+              <a:rPr lang="en-US" altLang="zh-CN" sz="3800" b="1" dirty="0">
+                <a:solidFill>
+                  <a:srgbClr val="00ABB4"/>
+                </a:solidFill>
+                <a:effectLst>
+                  <a:outerShdw blurRad="38100" dist="38100" dir="2700000" algn="tl">
+                    <a:srgbClr val="000000">
+                      <a:alpha val="43137"/>
+                    </a:srgbClr>
+                  </a:outerShdw>
+                </a:effectLst>
+                <a:latin typeface="微软雅黑" panose="020B0503020204020204" pitchFamily="34" charset="-122"/>
+                <a:ea typeface="微软雅黑" panose="020B0503020204020204" pitchFamily="34" charset="-122"/>
+              </a:rPr>
+              <a:t/>
+            </a:r>
+            <a:br>
+              <a:rPr lang="en-US" altLang="zh-CN" sz="3800" b="1" dirty="0">
+                <a:solidFill>
+                  <a:srgbClr val="00ABB4"/>
+                </a:solidFill>
+                <a:effectLst>
+                  <a:outerShdw blurRad="38100" dist="38100" dir="2700000" algn="tl">
+                    <a:srgbClr val="000000">
+                      <a:alpha val="43137"/>
+                    </a:srgbClr>
+                  </a:outerShdw>
+                </a:effectLst>
+                <a:latin typeface="微软雅黑" panose="020B0503020204020204" pitchFamily="34" charset="-122"/>
+                <a:ea typeface="微软雅黑" panose="020B0503020204020204" pitchFamily="34" charset="-122"/>
+              </a:rPr>
+            </a:br>
+            <a:endParaRPr lang="en-US" altLang="zh-CN" sz="3800" b="1" dirty="0">
+              <a:solidFill>
+                <a:srgbClr val="00ABB4"/>
+              </a:solidFill>
+              <a:effectLst>
+                <a:outerShdw blurRad="38100" dist="38100" dir="2700000" algn="tl">
+                  <a:srgbClr val="000000">
+                    <a:alpha val="43137"/>
+                  </a:srgbClr>
+                </a:outerShdw>
+              </a:effectLst>
+              <a:latin typeface="微软雅黑" panose="020B0503020204020204" pitchFamily="34" charset="-122"/>
+              <a:ea typeface="微软雅黑" panose="020B0503020204020204" pitchFamily="34" charset="-122"/>
+            </a:endParaRPr>
+          </a:p>
+        </p:txBody>
+      </p:sp>
+    </p:spTree>
+    <p:extLst>
+      <p:ext uri="{BB962C8B-B14F-4D97-AF65-F5344CB8AC3E}">
+        <p14:creationId xmlns:p14="http://schemas.microsoft.com/office/powerpoint/2010/main" val="3711594375"/>
+      </p:ext>
+    </p:extLst>
+  </p:cSld>
+  <p:clrMapOvr>
+    <a:masterClrMapping/>
+  </p:clrMapOvr>
+  <p:timing>
+    <p:tnLst>
+      <p:par>
+        <p:cTn id="1" dur="indefinite" restart="never" nodeType="tmRoot"/>
+      </p:par>
+    </p:tnLst>
+  </p:timing>
+</p:sld>
+</file>
+
+<file path=ppt/slides/slide21.xml><?xml version="1.0" encoding="utf-8"?>
+<p:sld xmlns:a="http://schemas.openxmlformats.org/drawingml/2006/main" xmlns:r="http://schemas.openxmlformats.org/officeDocument/2006/relationships" xmlns:p="http://schemas.openxmlformats.org/presentationml/2006/main">
+  <p:cSld>
+    <p:spTree>
+      <p:nvGrpSpPr>
+        <p:cNvPr id="1" name=""/>
+        <p:cNvGrpSpPr/>
+        <p:nvPr/>
+      </p:nvGrpSpPr>
+      <p:grpSpPr>
+        <a:xfrm>
+          <a:off x="0" y="0"/>
+          <a:ext cx="0" cy="0"/>
+          <a:chOff x="0" y="0"/>
+          <a:chExt cx="0" cy="0"/>
+        </a:xfrm>
+      </p:grpSpPr>
+      <p:sp>
+        <p:nvSpPr>
+          <p:cNvPr id="3" name="矩形 2"/>
+          <p:cNvSpPr/>
+          <p:nvPr/>
+        </p:nvSpPr>
+        <p:spPr>
+          <a:xfrm>
+            <a:off x="4077446" y="1815450"/>
+            <a:ext cx="4305299" cy="2998177"/>
+          </a:xfrm>
+          <a:prstGeom prst="rect">
+            <a:avLst/>
+          </a:prstGeom>
+          <a:solidFill>
+            <a:schemeClr val="accent2">
+              <a:alpha val="81000"/>
+            </a:schemeClr>
+          </a:solidFill>
+          <a:ln>
+            <a:noFill/>
+          </a:ln>
+        </p:spPr>
+        <p:style>
+          <a:lnRef idx="2">
+            <a:schemeClr val="accent1">
+              <a:shade val="50000"/>
+            </a:schemeClr>
+          </a:lnRef>
+          <a:fillRef idx="1">
+            <a:schemeClr val="accent1"/>
+          </a:fillRef>
+          <a:effectRef idx="0">
+            <a:schemeClr val="accent1"/>
+          </a:effectRef>
+          <a:fontRef idx="minor">
+            <a:schemeClr val="lt1"/>
+          </a:fontRef>
+        </p:style>
+        <p:txBody>
+          <a:bodyPr rtlCol="0" anchor="ctr"/>
+          <a:lstStyle/>
+          <a:p>
+            <a:pPr algn="ctr"/>
+            <a:endParaRPr lang="zh-CN" altLang="en-US"/>
+          </a:p>
+        </p:txBody>
+      </p:sp>
+      <p:sp>
+        <p:nvSpPr>
+          <p:cNvPr id="9" name="矩形 8"/>
+          <p:cNvSpPr/>
+          <p:nvPr/>
+        </p:nvSpPr>
+        <p:spPr>
+          <a:xfrm>
+            <a:off x="249145" y="-1448167"/>
+            <a:ext cx="2636930" cy="1767254"/>
+          </a:xfrm>
+          <a:prstGeom prst="rect">
+            <a:avLst/>
+          </a:prstGeom>
+          <a:solidFill>
+            <a:schemeClr val="accent2">
+              <a:alpha val="81000"/>
+            </a:schemeClr>
+          </a:solidFill>
+          <a:ln>
+            <a:noFill/>
+          </a:ln>
+        </p:spPr>
+        <p:style>
+          <a:lnRef idx="2">
+            <a:schemeClr val="accent1">
+              <a:shade val="50000"/>
+            </a:schemeClr>
+          </a:lnRef>
+          <a:fillRef idx="1">
+            <a:schemeClr val="accent1"/>
+          </a:fillRef>
+          <a:effectRef idx="0">
+            <a:schemeClr val="accent1"/>
+          </a:effectRef>
+          <a:fontRef idx="minor">
+            <a:schemeClr val="lt1"/>
+          </a:fontRef>
+        </p:style>
+        <p:txBody>
+          <a:bodyPr rtlCol="0" anchor="ctr"/>
+          <a:lstStyle/>
+          <a:p>
+            <a:pPr algn="ctr"/>
+            <a:endParaRPr lang="zh-CN" altLang="en-US"/>
+          </a:p>
+        </p:txBody>
+      </p:sp>
+      <p:sp>
+        <p:nvSpPr>
+          <p:cNvPr id="10" name="矩形 9"/>
+          <p:cNvSpPr/>
+          <p:nvPr/>
+        </p:nvSpPr>
+        <p:spPr>
+          <a:xfrm>
+            <a:off x="7690152" y="4881806"/>
+            <a:ext cx="3141784" cy="1767254"/>
+          </a:xfrm>
+          <a:prstGeom prst="rect">
+            <a:avLst/>
+          </a:prstGeom>
+          <a:solidFill>
+            <a:schemeClr val="accent2">
+              <a:alpha val="81000"/>
+            </a:schemeClr>
+          </a:solidFill>
+          <a:ln>
+            <a:noFill/>
+          </a:ln>
+        </p:spPr>
+        <p:style>
+          <a:lnRef idx="2">
+            <a:schemeClr val="accent1">
+              <a:shade val="50000"/>
+            </a:schemeClr>
+          </a:lnRef>
+          <a:fillRef idx="1">
+            <a:schemeClr val="accent1"/>
+          </a:fillRef>
+          <a:effectRef idx="0">
+            <a:schemeClr val="accent1"/>
+          </a:effectRef>
+          <a:fontRef idx="minor">
+            <a:schemeClr val="lt1"/>
+          </a:fontRef>
+        </p:style>
+        <p:txBody>
+          <a:bodyPr rtlCol="0" anchor="ctr"/>
+          <a:lstStyle/>
+          <a:p>
+            <a:pPr algn="ctr"/>
+            <a:endParaRPr lang="zh-CN" altLang="en-US"/>
+          </a:p>
+        </p:txBody>
+      </p:sp>
+      <p:sp>
+        <p:nvSpPr>
+          <p:cNvPr id="11" name="矩形 10"/>
+          <p:cNvSpPr/>
+          <p:nvPr/>
+        </p:nvSpPr>
+        <p:spPr>
+          <a:xfrm>
+            <a:off x="1506389" y="1663922"/>
+            <a:ext cx="1349496" cy="104775"/>
+          </a:xfrm>
+          <a:prstGeom prst="rect">
+            <a:avLst/>
+          </a:prstGeom>
+          <a:solidFill>
+            <a:schemeClr val="accent2"/>
+          </a:solidFill>
+          <a:ln>
+            <a:noFill/>
+          </a:ln>
+        </p:spPr>
+        <p:style>
+          <a:lnRef idx="2">
+            <a:schemeClr val="accent1">
+              <a:shade val="50000"/>
+            </a:schemeClr>
+          </a:lnRef>
+          <a:fillRef idx="1">
+            <a:schemeClr val="accent1"/>
+          </a:fillRef>
+          <a:effectRef idx="0">
+            <a:schemeClr val="accent1"/>
+          </a:effectRef>
+          <a:fontRef idx="minor">
+            <a:schemeClr val="lt1"/>
+          </a:fontRef>
+        </p:style>
+        <p:txBody>
+          <a:bodyPr rtlCol="0" anchor="ctr"/>
+          <a:lstStyle/>
+          <a:p>
+            <a:pPr algn="ctr"/>
+            <a:endParaRPr lang="zh-CN" altLang="en-US"/>
+          </a:p>
+        </p:txBody>
+      </p:sp>
+      <p:sp>
+        <p:nvSpPr>
+          <p:cNvPr id="12" name="矩形 11"/>
+          <p:cNvSpPr/>
+          <p:nvPr/>
+        </p:nvSpPr>
+        <p:spPr>
+          <a:xfrm>
+            <a:off x="10588867" y="2977768"/>
+            <a:ext cx="1603132" cy="1767254"/>
+          </a:xfrm>
+          <a:prstGeom prst="rect">
+            <a:avLst/>
+          </a:prstGeom>
+          <a:solidFill>
+            <a:schemeClr val="accent2">
+              <a:alpha val="81000"/>
+            </a:schemeClr>
+          </a:solidFill>
+          <a:ln>
+            <a:noFill/>
+          </a:ln>
+        </p:spPr>
+        <p:style>
+          <a:lnRef idx="2">
+            <a:schemeClr val="accent1">
+              <a:shade val="50000"/>
+            </a:schemeClr>
+          </a:lnRef>
+          <a:fillRef idx="1">
+            <a:schemeClr val="accent1"/>
+          </a:fillRef>
+          <a:effectRef idx="0">
+            <a:schemeClr val="accent1"/>
+          </a:effectRef>
+          <a:fontRef idx="minor">
+            <a:schemeClr val="lt1"/>
+          </a:fontRef>
+        </p:style>
+        <p:txBody>
+          <a:bodyPr rtlCol="0" anchor="ctr"/>
+          <a:lstStyle/>
+          <a:p>
+            <a:pPr algn="ctr"/>
+            <a:endParaRPr lang="zh-CN" altLang="en-US"/>
+          </a:p>
+        </p:txBody>
+      </p:sp>
+      <p:pic>
+        <p:nvPicPr>
+          <p:cNvPr id="1026" name="Picture 2"/>
+          <p:cNvPicPr>
+            <a:picLocks noChangeAspect="1" noChangeArrowheads="1"/>
+          </p:cNvPicPr>
+          <p:nvPr/>
+        </p:nvPicPr>
+        <p:blipFill>
+          <a:blip r:embed="rId2">
+            <a:extLst>
+              <a:ext uri="{28A0092B-C50C-407E-A947-70E740481C1C}">
+                <a14:useLocalDpi xmlns:a14="http://schemas.microsoft.com/office/drawing/2010/main" val="0"/>
+              </a:ext>
+            </a:extLst>
+          </a:blip>
+          <a:srcRect/>
+          <a:stretch>
+            <a:fillRect/>
+          </a:stretch>
+        </p:blipFill>
+        <p:spPr bwMode="auto">
+          <a:xfrm>
+            <a:off x="0" y="457200"/>
+            <a:ext cx="11812920" cy="5538789"/>
+          </a:xfrm>
+          <a:prstGeom prst="rect">
+            <a:avLst/>
+          </a:prstGeom>
+          <a:noFill/>
+          <a:ln>
+            <a:noFill/>
+          </a:ln>
+          <a:extLst>
+            <a:ext uri="{909E8E84-426E-40DD-AFC4-6F175D3DCCD1}">
+              <a14:hiddenFill xmlns:a14="http://schemas.microsoft.com/office/drawing/2010/main">
+                <a:solidFill>
+                  <a:schemeClr val="accent1"/>
+                </a:solidFill>
+              </a14:hiddenFill>
+            </a:ext>
+            <a:ext uri="{91240B29-F687-4F45-9708-019B960494DF}">
+              <a14:hiddenLine xmlns:a14="http://schemas.microsoft.com/office/drawing/2010/main" w="9525">
+                <a:solidFill>
+                  <a:schemeClr val="tx1"/>
+                </a:solidFill>
+                <a:miter lim="800000"/>
+                <a:headEnd/>
+                <a:tailEnd/>
+              </a14:hiddenLine>
+            </a:ext>
+          </a:extLst>
+        </p:spPr>
+      </p:pic>
+    </p:spTree>
+    <p:extLst>
+      <p:ext uri="{BB962C8B-B14F-4D97-AF65-F5344CB8AC3E}">
+        <p14:creationId xmlns:p14="http://schemas.microsoft.com/office/powerpoint/2010/main" val="1872795815"/>
+      </p:ext>
+    </p:extLst>
+  </p:cSld>
+  <p:clrMapOvr>
+    <a:masterClrMapping/>
+  </p:clrMapOvr>
+  <p:timing>
+    <p:tnLst>
+      <p:par>
+        <p:cTn id="1" dur="indefinite" restart="never" nodeType="tmRoot"/>
+      </p:par>
+    </p:tnLst>
+  </p:timing>
+</p:sld>
+</file>
+
+<file path=ppt/slides/slide3.xml><?xml version="1.0" encoding="utf-8"?>
+<p:sld xmlns:a="http://schemas.openxmlformats.org/drawingml/2006/main" xmlns:r="http://schemas.openxmlformats.org/officeDocument/2006/relationships" xmlns:p="http://schemas.openxmlformats.org/presentationml/2006/main">
+  <p:cSld>
+    <p:spTree>
+      <p:nvGrpSpPr>
+        <p:cNvPr id="1" name=""/>
+        <p:cNvGrpSpPr/>
+        <p:nvPr/>
+      </p:nvGrpSpPr>
+      <p:grpSpPr>
+        <a:xfrm>
+          <a:off x="0" y="0"/>
+          <a:ext cx="0" cy="0"/>
+          <a:chOff x="0" y="0"/>
+          <a:chExt cx="0" cy="0"/>
+        </a:xfrm>
+      </p:grpSpPr>
+      <p:sp>
+        <p:nvSpPr>
+          <p:cNvPr id="3" name="文本框 2"/>
+          <p:cNvSpPr txBox="1"/>
+          <p:nvPr/>
+        </p:nvSpPr>
+        <p:spPr>
+          <a:xfrm>
+            <a:off x="1729740" y="1761508"/>
+            <a:ext cx="8080652" cy="2308324"/>
+          </a:xfrm>
+          <a:prstGeom prst="rect">
+            <a:avLst/>
+          </a:prstGeom>
+          <a:noFill/>
+        </p:spPr>
+        <p:txBody>
+          <a:bodyPr wrap="square" rtlCol="0">
+            <a:spAutoFit/>
+          </a:bodyPr>
+          <a:lstStyle/>
+          <a:p>
+            <a:pPr algn="ctr"/>
+            <a:r>
+              <a:rPr lang="en-US" altLang="zh-CN" sz="4800" b="1" dirty="0" smtClean="0">
+                <a:solidFill>
+                  <a:srgbClr val="00ABB4"/>
+                </a:solidFill>
+                <a:effectLst>
+                  <a:outerShdw blurRad="38100" dist="38100" dir="2700000" algn="tl">
+                    <a:srgbClr val="000000">
+                      <a:alpha val="43137"/>
+                    </a:srgbClr>
+                  </a:outerShdw>
+                </a:effectLst>
+                <a:latin typeface="微软雅黑" panose="020B0503020204020204" pitchFamily="34" charset="-122"/>
+                <a:ea typeface="微软雅黑" panose="020B0503020204020204" pitchFamily="34" charset="-122"/>
+              </a:rPr>
+              <a:t>Left–right </a:t>
+            </a:r>
+            <a:r>
+              <a:rPr lang="en-US" altLang="zh-CN" sz="4800" b="1" dirty="0">
+                <a:solidFill>
+                  <a:srgbClr val="00ABB4"/>
+                </a:solidFill>
+                <a:effectLst>
+                  <a:outerShdw blurRad="38100" dist="38100" dir="2700000" algn="tl">
+                    <a:srgbClr val="000000">
+                      <a:alpha val="43137"/>
+                    </a:srgbClr>
+                  </a:outerShdw>
+                </a:effectLst>
+                <a:latin typeface="微软雅黑" panose="020B0503020204020204" pitchFamily="34" charset="-122"/>
+                <a:ea typeface="微软雅黑" panose="020B0503020204020204" pitchFamily="34" charset="-122"/>
+              </a:rPr>
+              <a:t>dissociation of hippocampal memory</a:t>
+            </a:r>
+            <a:br>
+              <a:rPr lang="en-US" altLang="zh-CN" sz="4800" b="1" dirty="0">
+                <a:solidFill>
+                  <a:srgbClr val="00ABB4"/>
+                </a:solidFill>
+                <a:effectLst>
+                  <a:outerShdw blurRad="38100" dist="38100" dir="2700000" algn="tl">
+                    <a:srgbClr val="000000">
+                      <a:alpha val="43137"/>
+                    </a:srgbClr>
+                  </a:outerShdw>
+                </a:effectLst>
+                <a:latin typeface="微软雅黑" panose="020B0503020204020204" pitchFamily="34" charset="-122"/>
+                <a:ea typeface="微软雅黑" panose="020B0503020204020204" pitchFamily="34" charset="-122"/>
+              </a:rPr>
+            </a:br>
+            <a:r>
+              <a:rPr lang="en-US" altLang="zh-CN" sz="4800" b="1" dirty="0">
+                <a:solidFill>
+                  <a:srgbClr val="00ABB4"/>
+                </a:solidFill>
+                <a:effectLst>
+                  <a:outerShdw blurRad="38100" dist="38100" dir="2700000" algn="tl">
+                    <a:srgbClr val="000000">
+                      <a:alpha val="43137"/>
+                    </a:srgbClr>
+                  </a:outerShdw>
+                </a:effectLst>
+                <a:latin typeface="微软雅黑" panose="020B0503020204020204" pitchFamily="34" charset="-122"/>
+                <a:ea typeface="微软雅黑" panose="020B0503020204020204" pitchFamily="34" charset="-122"/>
+              </a:rPr>
+              <a:t>processes in </a:t>
+            </a:r>
+            <a:r>
+              <a:rPr lang="en-US" altLang="zh-CN" sz="4800" b="1" dirty="0" smtClean="0">
+                <a:solidFill>
+                  <a:srgbClr val="00ABB4"/>
+                </a:solidFill>
+                <a:effectLst>
+                  <a:outerShdw blurRad="38100" dist="38100" dir="2700000" algn="tl">
+                    <a:srgbClr val="000000">
+                      <a:alpha val="43137"/>
+                    </a:srgbClr>
+                  </a:outerShdw>
+                </a:effectLst>
+                <a:latin typeface="微软雅黑" panose="020B0503020204020204" pitchFamily="34" charset="-122"/>
+                <a:ea typeface="微软雅黑" panose="020B0503020204020204" pitchFamily="34" charset="-122"/>
+              </a:rPr>
+              <a:t>mice </a:t>
+            </a:r>
+          </a:p>
+        </p:txBody>
+      </p:sp>
+    </p:spTree>
+    <p:extLst>
+      <p:ext uri="{BB962C8B-B14F-4D97-AF65-F5344CB8AC3E}">
+        <p14:creationId xmlns:p14="http://schemas.microsoft.com/office/powerpoint/2010/main" val="1513466184"/>
+      </p:ext>
+    </p:extLst>
+  </p:cSld>
+  <p:clrMapOvr>
+    <a:masterClrMapping/>
+  </p:clrMapOvr>
+  <p:timing>
+    <p:tnLst>
+      <p:par>
+        <p:cTn id="1" dur="indefinite" restart="never" nodeType="tmRoot"/>
+      </p:par>
+    </p:tnLst>
+  </p:timing>
+</p:sld>
+</file>
+
+<file path=ppt/slides/slide4.xml><?xml version="1.0" encoding="utf-8"?>
+<p:sld xmlns:a="http://schemas.openxmlformats.org/drawingml/2006/main" xmlns:r="http://schemas.openxmlformats.org/officeDocument/2006/relationships" xmlns:p="http://schemas.openxmlformats.org/presentationml/2006/main">
+  <p:cSld>
+    <p:spTree>
+      <p:nvGrpSpPr>
+        <p:cNvPr id="1" name=""/>
+        <p:cNvGrpSpPr/>
+        <p:nvPr/>
+      </p:nvGrpSpPr>
+      <p:grpSpPr>
+        <a:xfrm>
+          <a:off x="0" y="0"/>
+          <a:ext cx="0" cy="0"/>
+          <a:chOff x="0" y="0"/>
+          <a:chExt cx="0" cy="0"/>
+        </a:xfrm>
+      </p:grpSpPr>
+      <p:pic>
+        <p:nvPicPr>
+          <p:cNvPr id="2" name="图片 1"/>
+          <p:cNvPicPr>
+            <a:picLocks noChangeAspect="1"/>
+          </p:cNvPicPr>
+          <p:nvPr/>
+        </p:nvPicPr>
+        <p:blipFill rotWithShape="1">
+          <a:blip r:embed="rId3" cstate="print">
+            <a:extLst>
+              <a:ext uri="{28A0092B-C50C-407E-A947-70E740481C1C}">
+                <a14:useLocalDpi xmlns:a14="http://schemas.microsoft.com/office/drawing/2010/main" val="0"/>
+              </a:ext>
+            </a:extLst>
+          </a:blip>
+          <a:srcRect t="19936" b="38073"/>
+          <a:stretch/>
+        </p:blipFill>
+        <p:spPr>
+          <a:xfrm>
+            <a:off x="0" y="-1"/>
+            <a:ext cx="12192000" cy="3390901"/>
+          </a:xfrm>
+          <a:prstGeom prst="rect">
+            <a:avLst/>
+          </a:prstGeom>
+        </p:spPr>
+      </p:pic>
+      <p:sp>
+        <p:nvSpPr>
+          <p:cNvPr id="8" name="矩形 7"/>
+          <p:cNvSpPr/>
+          <p:nvPr/>
+        </p:nvSpPr>
+        <p:spPr>
+          <a:xfrm>
+            <a:off x="0" y="0"/>
+            <a:ext cx="12192000" cy="3390900"/>
+          </a:xfrm>
+          <a:prstGeom prst="rect">
+            <a:avLst/>
+          </a:prstGeom>
+          <a:solidFill>
+            <a:schemeClr val="tx1">
+              <a:alpha val="64000"/>
+            </a:schemeClr>
+          </a:solidFill>
+          <a:ln>
+            <a:noFill/>
+          </a:ln>
+        </p:spPr>
+        <p:style>
+          <a:lnRef idx="2">
+            <a:schemeClr val="accent1">
+              <a:shade val="50000"/>
+            </a:schemeClr>
+          </a:lnRef>
+          <a:fillRef idx="1">
+            <a:schemeClr val="accent1"/>
+          </a:fillRef>
+          <a:effectRef idx="0">
+            <a:schemeClr val="accent1"/>
+          </a:effectRef>
+          <a:fontRef idx="minor">
+            <a:schemeClr val="lt1"/>
+          </a:fontRef>
+        </p:style>
+        <p:txBody>
+          <a:bodyPr rtlCol="0" anchor="ctr"/>
+          <a:lstStyle/>
+          <a:p>
+            <a:pPr algn="ctr"/>
+            <a:endParaRPr lang="zh-CN" altLang="en-US"/>
+          </a:p>
+        </p:txBody>
+      </p:sp>
+      <p:sp>
+        <p:nvSpPr>
+          <p:cNvPr id="4" name="文本框 3"/>
+          <p:cNvSpPr txBox="1"/>
+          <p:nvPr/>
+        </p:nvSpPr>
+        <p:spPr>
+          <a:xfrm>
+            <a:off x="886817" y="929034"/>
+            <a:ext cx="9464642" cy="2308324"/>
+          </a:xfrm>
+          <a:prstGeom prst="rect">
+            <a:avLst/>
+          </a:prstGeom>
+          <a:noFill/>
+        </p:spPr>
+        <p:txBody>
+          <a:bodyPr wrap="none" rtlCol="0">
+            <a:spAutoFit/>
+          </a:bodyPr>
+          <a:lstStyle/>
+          <a:p>
+            <a:r>
+              <a:rPr lang="en-US" altLang="zh-CN" sz="7200" b="1" dirty="0" smtClean="0">
+                <a:solidFill>
+                  <a:srgbClr val="00ABB4"/>
+                </a:solidFill>
+                <a:latin typeface="微软雅黑" panose="020B0503020204020204" pitchFamily="34" charset="-122"/>
+                <a:ea typeface="微软雅黑" panose="020B0503020204020204" pitchFamily="34" charset="-122"/>
+              </a:rPr>
+              <a:t>PNAS   </a:t>
+            </a:r>
+            <a:r>
+              <a:rPr lang="en-US" altLang="zh-CN" sz="5400" b="1" dirty="0" smtClean="0">
+                <a:solidFill>
+                  <a:srgbClr val="00ABB4"/>
+                </a:solidFill>
+                <a:latin typeface="微软雅黑" panose="020B0503020204020204" pitchFamily="34" charset="-122"/>
+                <a:ea typeface="微软雅黑" panose="020B0503020204020204" pitchFamily="34" charset="-122"/>
+              </a:rPr>
+              <a:t>9.423</a:t>
+            </a:r>
+            <a:endParaRPr lang="en-US" altLang="zh-CN" sz="7200" b="1" dirty="0" smtClean="0">
+              <a:solidFill>
+                <a:srgbClr val="00ABB4"/>
+              </a:solidFill>
+              <a:latin typeface="微软雅黑" panose="020B0503020204020204" pitchFamily="34" charset="-122"/>
+              <a:ea typeface="微软雅黑" panose="020B0503020204020204" pitchFamily="34" charset="-122"/>
+            </a:endParaRPr>
+          </a:p>
+          <a:p>
+            <a:r>
+              <a:rPr lang="en-US" altLang="zh-CN" sz="7200" b="1" dirty="0">
+                <a:solidFill>
+                  <a:srgbClr val="00ABB4"/>
+                </a:solidFill>
+                <a:latin typeface="微软雅黑" panose="020B0503020204020204" pitchFamily="34" charset="-122"/>
+                <a:ea typeface="微软雅黑" panose="020B0503020204020204" pitchFamily="34" charset="-122"/>
+              </a:rPr>
+              <a:t>	</a:t>
+            </a:r>
+            <a:r>
+              <a:rPr lang="en-US" altLang="zh-CN" sz="7200" b="1" dirty="0" smtClean="0">
+                <a:solidFill>
+                  <a:srgbClr val="00ABB4"/>
+                </a:solidFill>
+                <a:latin typeface="微软雅黑" panose="020B0503020204020204" pitchFamily="34" charset="-122"/>
+                <a:ea typeface="微软雅黑" panose="020B0503020204020204" pitchFamily="34" charset="-122"/>
+              </a:rPr>
+              <a:t>			  </a:t>
+            </a:r>
+            <a:r>
+              <a:rPr lang="en-US" altLang="zh-CN" sz="5400" b="1" dirty="0" err="1" smtClean="0">
+                <a:solidFill>
+                  <a:srgbClr val="00ABB4"/>
+                </a:solidFill>
+                <a:latin typeface="微软雅黑" panose="020B0503020204020204" pitchFamily="34" charset="-122"/>
+                <a:ea typeface="微软雅黑" panose="020B0503020204020204" pitchFamily="34" charset="-122"/>
+              </a:rPr>
+              <a:t>Shipton</a:t>
+            </a:r>
+            <a:r>
+              <a:rPr lang="en-US" altLang="zh-CN" sz="5400" b="1" dirty="0" smtClean="0">
+                <a:solidFill>
+                  <a:srgbClr val="00ABB4"/>
+                </a:solidFill>
+                <a:latin typeface="微软雅黑" panose="020B0503020204020204" pitchFamily="34" charset="-122"/>
+                <a:ea typeface="微软雅黑" panose="020B0503020204020204" pitchFamily="34" charset="-122"/>
+              </a:rPr>
+              <a:t> , 2014</a:t>
+            </a:r>
+            <a:endParaRPr lang="zh-CN" altLang="en-US" sz="5400" dirty="0">
+              <a:solidFill>
+                <a:srgbClr val="00ABB4"/>
+              </a:solidFill>
+              <a:latin typeface="+mj-ea"/>
+              <a:ea typeface="+mj-ea"/>
+            </a:endParaRPr>
+          </a:p>
+        </p:txBody>
+      </p:sp>
+      <p:cxnSp>
+        <p:nvCxnSpPr>
+          <p:cNvPr id="18" name="直接连接符 17"/>
+          <p:cNvCxnSpPr/>
+          <p:nvPr/>
+        </p:nvCxnSpPr>
+        <p:spPr>
+          <a:xfrm>
+            <a:off x="3794758" y="3824441"/>
+            <a:ext cx="0" cy="2464837"/>
+          </a:xfrm>
+          <a:prstGeom prst="line">
+            <a:avLst/>
+          </a:prstGeom>
+          <a:ln>
+            <a:solidFill>
+              <a:schemeClr val="bg1">
+                <a:lumMod val="50000"/>
+              </a:schemeClr>
+            </a:solidFill>
+          </a:ln>
+        </p:spPr>
+        <p:style>
+          <a:lnRef idx="1">
+            <a:schemeClr val="accent1"/>
+          </a:lnRef>
+          <a:fillRef idx="0">
+            <a:schemeClr val="accent1"/>
+          </a:fillRef>
+          <a:effectRef idx="0">
+            <a:schemeClr val="accent1"/>
+          </a:effectRef>
+          <a:fontRef idx="minor">
+            <a:schemeClr val="tx1"/>
+          </a:fontRef>
+        </p:style>
+      </p:cxnSp>
+      <p:sp>
+        <p:nvSpPr>
+          <p:cNvPr id="19" name="文本框 18"/>
+          <p:cNvSpPr txBox="1"/>
+          <p:nvPr/>
+        </p:nvSpPr>
+        <p:spPr>
+          <a:xfrm>
+            <a:off x="3944383" y="3824441"/>
+            <a:ext cx="3852950" cy="2554545"/>
+          </a:xfrm>
+          <a:prstGeom prst="rect">
+            <a:avLst/>
+          </a:prstGeom>
+          <a:noFill/>
+        </p:spPr>
+        <p:txBody>
+          <a:bodyPr wrap="square" rtlCol="0">
+            <a:spAutoFit/>
+          </a:bodyPr>
+          <a:lstStyle/>
+          <a:p>
+            <a:pPr marL="342900" indent="-342900">
+              <a:lnSpc>
+                <a:spcPct val="200000"/>
+              </a:lnSpc>
+              <a:buFont typeface="Arial" panose="020B0604020202020204" pitchFamily="34" charset="0"/>
+              <a:buChar char="•"/>
+            </a:pPr>
+            <a:r>
+              <a:rPr lang="en-US" altLang="zh-CN" sz="2000" dirty="0" smtClean="0">
+                <a:latin typeface="Meiryo" panose="020B0604030504040204" pitchFamily="34" charset="-128"/>
+                <a:ea typeface="Meiryo" panose="020B0604030504040204" pitchFamily="34" charset="-128"/>
+                <a:cs typeface="Meiryo" panose="020B0604030504040204" pitchFamily="34" charset="-128"/>
+              </a:rPr>
+              <a:t>Spontaneous </a:t>
+            </a:r>
+            <a:r>
+              <a:rPr lang="en-US" altLang="zh-CN" sz="2000" dirty="0">
+                <a:latin typeface="Meiryo" panose="020B0604030504040204" pitchFamily="34" charset="-128"/>
+                <a:ea typeface="Meiryo" panose="020B0604030504040204" pitchFamily="34" charset="-128"/>
+                <a:cs typeface="Meiryo" panose="020B0604030504040204" pitchFamily="34" charset="-128"/>
+              </a:rPr>
+              <a:t>alternation </a:t>
+            </a:r>
+            <a:r>
+              <a:rPr lang="en-US" altLang="zh-CN" sz="2000" dirty="0" smtClean="0">
+                <a:latin typeface="Meiryo" panose="020B0604030504040204" pitchFamily="34" charset="-128"/>
+                <a:ea typeface="Meiryo" panose="020B0604030504040204" pitchFamily="34" charset="-128"/>
+                <a:cs typeface="Meiryo" panose="020B0604030504040204" pitchFamily="34" charset="-128"/>
+              </a:rPr>
+              <a:t>T-maze task (86)</a:t>
+            </a:r>
+          </a:p>
+          <a:p>
+            <a:pPr marL="342900" indent="-342900">
+              <a:lnSpc>
+                <a:spcPct val="200000"/>
+              </a:lnSpc>
+              <a:buFont typeface="Arial" panose="020B0604020202020204" pitchFamily="34" charset="0"/>
+              <a:buChar char="•"/>
+            </a:pPr>
+            <a:r>
+              <a:rPr lang="en-US" altLang="zh-CN" sz="2000" dirty="0">
+                <a:latin typeface="Meiryo" panose="020B0604030504040204" pitchFamily="34" charset="-128"/>
+                <a:ea typeface="Meiryo" panose="020B0604030504040204" pitchFamily="34" charset="-128"/>
+                <a:cs typeface="Meiryo" panose="020B0604030504040204" pitchFamily="34" charset="-128"/>
+              </a:rPr>
+              <a:t>Spatial novelty preference </a:t>
+            </a:r>
+            <a:r>
+              <a:rPr lang="en-US" altLang="zh-CN" sz="2000" dirty="0" smtClean="0">
+                <a:latin typeface="Meiryo" panose="020B0604030504040204" pitchFamily="34" charset="-128"/>
+                <a:ea typeface="Meiryo" panose="020B0604030504040204" pitchFamily="34" charset="-128"/>
+                <a:cs typeface="Meiryo" panose="020B0604030504040204" pitchFamily="34" charset="-128"/>
+              </a:rPr>
+              <a:t>Y-maze task (22)</a:t>
+            </a:r>
+            <a:endParaRPr lang="en-US" altLang="zh-CN" sz="2000" dirty="0">
+              <a:latin typeface="Meiryo" panose="020B0604030504040204" pitchFamily="34" charset="-128"/>
+              <a:ea typeface="Meiryo" panose="020B0604030504040204" pitchFamily="34" charset="-128"/>
+              <a:cs typeface="Meiryo" panose="020B0604030504040204" pitchFamily="34" charset="-128"/>
+            </a:endParaRPr>
+          </a:p>
+        </p:txBody>
+      </p:sp>
+      <p:sp>
+        <p:nvSpPr>
+          <p:cNvPr id="17" name="文本框 16"/>
+          <p:cNvSpPr txBox="1"/>
+          <p:nvPr/>
+        </p:nvSpPr>
+        <p:spPr>
+          <a:xfrm>
+            <a:off x="405600" y="3825650"/>
+            <a:ext cx="2314095" cy="1323439"/>
+          </a:xfrm>
+          <a:prstGeom prst="rect">
+            <a:avLst/>
+          </a:prstGeom>
+          <a:noFill/>
+        </p:spPr>
+        <p:txBody>
+          <a:bodyPr wrap="none" rtlCol="0">
+            <a:spAutoFit/>
+          </a:bodyPr>
+          <a:lstStyle/>
+          <a:p>
+            <a:pPr marL="342900" indent="-342900">
+              <a:lnSpc>
+                <a:spcPct val="200000"/>
+              </a:lnSpc>
+              <a:buFont typeface="Arial" panose="020B0604020202020204" pitchFamily="34" charset="0"/>
+              <a:buChar char="•"/>
+            </a:pPr>
+            <a:r>
+              <a:rPr lang="en-US" altLang="zh-CN" sz="2000" dirty="0" err="1">
+                <a:latin typeface="Meiryo" panose="020B0604030504040204" pitchFamily="34" charset="-128"/>
+                <a:ea typeface="Meiryo" panose="020B0604030504040204" pitchFamily="34" charset="-128"/>
+                <a:cs typeface="Meiryo" panose="020B0604030504040204" pitchFamily="34" charset="-128"/>
+              </a:rPr>
+              <a:t>Optogenetics</a:t>
+            </a:r>
+            <a:r>
+              <a:rPr lang="en-US" altLang="zh-CN" sz="2000" dirty="0"/>
+              <a:t> </a:t>
+            </a:r>
+            <a:endParaRPr lang="en-US" altLang="zh-CN" sz="2000" dirty="0" smtClean="0"/>
+          </a:p>
+          <a:p>
+            <a:pPr marL="342900" indent="-342900">
+              <a:lnSpc>
+                <a:spcPct val="200000"/>
+              </a:lnSpc>
+              <a:buFont typeface="Arial" panose="020B0604020202020204" pitchFamily="34" charset="0"/>
+              <a:buChar char="•"/>
+            </a:pPr>
+            <a:r>
+              <a:rPr lang="en-US" altLang="zh-CN" sz="2000" dirty="0" smtClean="0">
+                <a:latin typeface="Meiryo" panose="020B0604030504040204" pitchFamily="34" charset="-128"/>
+                <a:ea typeface="Meiryo" panose="020B0604030504040204" pitchFamily="34" charset="-128"/>
+                <a:cs typeface="Meiryo" panose="020B0604030504040204" pitchFamily="34" charset="-128"/>
+              </a:rPr>
+              <a:t>LTP(CA3-CA1)</a:t>
+            </a:r>
+          </a:p>
+        </p:txBody>
+      </p:sp>
+      <p:cxnSp>
+        <p:nvCxnSpPr>
+          <p:cNvPr id="22" name="直接连接符 21"/>
+          <p:cNvCxnSpPr/>
+          <p:nvPr/>
+        </p:nvCxnSpPr>
+        <p:spPr>
+          <a:xfrm>
+            <a:off x="7949009" y="3820584"/>
+            <a:ext cx="0" cy="2464837"/>
+          </a:xfrm>
+          <a:prstGeom prst="line">
+            <a:avLst/>
+          </a:prstGeom>
+          <a:ln>
+            <a:solidFill>
+              <a:schemeClr val="bg1">
+                <a:lumMod val="50000"/>
+              </a:schemeClr>
+            </a:solidFill>
+          </a:ln>
+        </p:spPr>
+        <p:style>
+          <a:lnRef idx="1">
+            <a:schemeClr val="accent1"/>
+          </a:lnRef>
+          <a:fillRef idx="0">
+            <a:schemeClr val="accent1"/>
+          </a:fillRef>
+          <a:effectRef idx="0">
+            <a:schemeClr val="accent1"/>
+          </a:effectRef>
+          <a:fontRef idx="minor">
+            <a:schemeClr val="tx1"/>
+          </a:fontRef>
+        </p:style>
+      </p:cxnSp>
+      <p:sp>
+        <p:nvSpPr>
+          <p:cNvPr id="23" name="文本框 22"/>
+          <p:cNvSpPr txBox="1"/>
+          <p:nvPr/>
+        </p:nvSpPr>
+        <p:spPr>
+          <a:xfrm>
+            <a:off x="8141996" y="3784186"/>
             <a:ext cx="3926598" cy="2554545"/>
           </a:xfrm>
           <a:prstGeom prst="rect">
@@ -10981,7 +13734,7 @@
 </p:sld>
 </file>
 
-<file path=ppt/slides/slide3.xml><?xml version="1.0" encoding="utf-8"?>
+<file path=ppt/slides/slide5.xml><?xml version="1.0" encoding="utf-8"?>
 <p:sld xmlns:a="http://schemas.openxmlformats.org/drawingml/2006/main" xmlns:r="http://schemas.openxmlformats.org/officeDocument/2006/relationships" xmlns:p="http://schemas.openxmlformats.org/presentationml/2006/main">
   <p:cSld>
     <p:spTree>
@@ -11307,7 +14060,7 @@
 </p:sld>
 </file>
 
-<file path=ppt/slides/slide4.xml><?xml version="1.0" encoding="utf-8"?>
+<file path=ppt/slides/slide6.xml><?xml version="1.0" encoding="utf-8"?>
 <p:sld xmlns:a="http://schemas.openxmlformats.org/drawingml/2006/main" xmlns:r="http://schemas.openxmlformats.org/officeDocument/2006/relationships" xmlns:p="http://schemas.openxmlformats.org/presentationml/2006/main">
   <p:cSld>
     <p:spTree>
@@ -12402,7 +15155,7 @@
 </p:sld>
 </file>
 
-<file path=ppt/slides/slide5.xml><?xml version="1.0" encoding="utf-8"?>
+<file path=ppt/slides/slide7.xml><?xml version="1.0" encoding="utf-8"?>
 <p:sld xmlns:a="http://schemas.openxmlformats.org/drawingml/2006/main" xmlns:r="http://schemas.openxmlformats.org/officeDocument/2006/relationships" xmlns:p="http://schemas.openxmlformats.org/presentationml/2006/main">
   <p:cSld>
     <p:spTree>
@@ -12729,7 +15482,7 @@
 </p:sld>
 </file>
 
-<file path=ppt/slides/slide6.xml><?xml version="1.0" encoding="utf-8"?>
+<file path=ppt/slides/slide8.xml><?xml version="1.0" encoding="utf-8"?>
 <p:sld xmlns:a="http://schemas.openxmlformats.org/drawingml/2006/main" xmlns:r="http://schemas.openxmlformats.org/officeDocument/2006/relationships" xmlns:p="http://schemas.openxmlformats.org/presentationml/2006/main">
   <p:cSld>
     <p:spTree>
@@ -13015,7 +15768,7 @@
 </p:sld>
 </file>
 
-<file path=ppt/slides/slide7.xml><?xml version="1.0" encoding="utf-8"?>
+<file path=ppt/slides/slide9.xml><?xml version="1.0" encoding="utf-8"?>
 <p:sld xmlns:a="http://schemas.openxmlformats.org/drawingml/2006/main" xmlns:r="http://schemas.openxmlformats.org/officeDocument/2006/relationships" xmlns:p="http://schemas.openxmlformats.org/presentationml/2006/main">
   <p:cSld>
     <p:spTree>
@@ -13441,932 +16194,6 @@
     <p:extLst>
       <p:ext uri="{BB962C8B-B14F-4D97-AF65-F5344CB8AC3E}">
         <p14:creationId xmlns:p14="http://schemas.microsoft.com/office/powerpoint/2010/main" val="588236981"/>
-      </p:ext>
-    </p:extLst>
-  </p:cSld>
-  <p:clrMapOvr>
-    <a:masterClrMapping/>
-  </p:clrMapOvr>
-  <p:transition spd="med"/>
-  <p:timing>
-    <p:tnLst>
-      <p:par>
-        <p:cTn id="1" dur="indefinite" restart="never" nodeType="tmRoot">
-          <p:childTnLst>
-            <p:seq concurrent="1" nextAc="seek">
-              <p:cTn id="2" dur="0" nodeType="mainSeq"/>
-              <p:prevCondLst>
-                <p:cond evt="onPrev" delay="0">
-                  <p:tgtEl>
-                    <p:sldTgt/>
-                  </p:tgtEl>
-                </p:cond>
-              </p:prevCondLst>
-              <p:nextCondLst>
-                <p:cond evt="onNext" delay="0">
-                  <p:tgtEl>
-                    <p:sldTgt/>
-                  </p:tgtEl>
-                </p:cond>
-              </p:nextCondLst>
-            </p:seq>
-          </p:childTnLst>
-        </p:cTn>
-      </p:par>
-    </p:tnLst>
-  </p:timing>
-</p:sld>
-</file>
-
-<file path=ppt/slides/slide8.xml><?xml version="1.0" encoding="utf-8"?>
-<p:sld xmlns:a="http://schemas.openxmlformats.org/drawingml/2006/main" xmlns:r="http://schemas.openxmlformats.org/officeDocument/2006/relationships" xmlns:p="http://schemas.openxmlformats.org/presentationml/2006/main">
-  <p:cSld>
-    <p:spTree>
-      <p:nvGrpSpPr>
-        <p:cNvPr id="1" name=""/>
-        <p:cNvGrpSpPr/>
-        <p:nvPr/>
-      </p:nvGrpSpPr>
-      <p:grpSpPr>
-        <a:xfrm>
-          <a:off x="0" y="0"/>
-          <a:ext cx="0" cy="0"/>
-          <a:chOff x="0" y="0"/>
-          <a:chExt cx="0" cy="0"/>
-        </a:xfrm>
-      </p:grpSpPr>
-      <p:sp>
-        <p:nvSpPr>
-          <p:cNvPr id="3073" name="Text Box 1"/>
-          <p:cNvSpPr txBox="1">
-            <a:spLocks noChangeArrowheads="1"/>
-          </p:cNvSpPr>
-          <p:nvPr/>
-        </p:nvSpPr>
-        <p:spPr bwMode="auto">
-          <a:xfrm>
-            <a:off x="433920" y="5918096"/>
-            <a:ext cx="11324160" cy="414764"/>
-          </a:xfrm>
-          <a:prstGeom prst="rect">
-            <a:avLst/>
-          </a:prstGeom>
-          <a:noFill/>
-          <a:ln>
-            <a:noFill/>
-          </a:ln>
-          <a:effectLst/>
-          <a:extLst>
-            <a:ext uri="{909E8E84-426E-40DD-AFC4-6F175D3DCCD1}">
-              <a14:hiddenFill xmlns:a14="http://schemas.microsoft.com/office/drawing/2010/main">
-                <a:solidFill>
-                  <a:srgbClr val="FFFFFF"/>
-                </a:solidFill>
-              </a14:hiddenFill>
-            </a:ext>
-            <a:ext uri="{91240B29-F687-4F45-9708-019B960494DF}">
-              <a14:hiddenLine xmlns:a14="http://schemas.microsoft.com/office/drawing/2010/main" w="9525">
-                <a:solidFill>
-                  <a:srgbClr val="FFFFFF"/>
-                </a:solidFill>
-                <a:round/>
-                <a:headEnd/>
-                <a:tailEnd/>
-              </a14:hiddenLine>
-            </a:ext>
-            <a:ext uri="{AF507438-7753-43E0-B8FC-AC1667EBCBE1}">
-              <a14:hiddenEffects xmlns:a14="http://schemas.microsoft.com/office/drawing/2010/main">
-                <a:effectLst>
-                  <a:outerShdw dist="35921" dir="2700000" algn="ctr" rotWithShape="0">
-                    <a:srgbClr val="808080"/>
-                  </a:outerShdw>
-                </a:effectLst>
-              </a14:hiddenEffects>
-            </a:ext>
-          </a:extLst>
-        </p:spPr>
-        <p:txBody>
-          <a:bodyPr lIns="0" tIns="0" rIns="0" bIns="0"/>
-          <a:lstStyle>
-            <a:lvl1pPr>
-              <a:tabLst>
-                <a:tab pos="723900" algn="l"/>
-                <a:tab pos="1447800" algn="l"/>
-                <a:tab pos="2171700" algn="l"/>
-                <a:tab pos="2895600" algn="l"/>
-                <a:tab pos="3619500" algn="l"/>
-                <a:tab pos="4343400" algn="l"/>
-                <a:tab pos="5067300" algn="l"/>
-                <a:tab pos="5791200" algn="l"/>
-                <a:tab pos="6515100" algn="l"/>
-                <a:tab pos="7239000" algn="l"/>
-                <a:tab pos="7962900" algn="l"/>
-                <a:tab pos="8686800" algn="l"/>
-              </a:tabLst>
-              <a:defRPr sz="2400">
-                <a:solidFill>
-                  <a:srgbClr val="000000"/>
-                </a:solidFill>
-                <a:latin typeface="Times New Roman" pitchFamily="16" charset="0"/>
-                <a:ea typeface="msgothic" charset="0"/>
-                <a:cs typeface="msgothic" charset="0"/>
-              </a:defRPr>
-            </a:lvl1pPr>
-            <a:lvl2pPr>
-              <a:tabLst>
-                <a:tab pos="723900" algn="l"/>
-                <a:tab pos="1447800" algn="l"/>
-                <a:tab pos="2171700" algn="l"/>
-                <a:tab pos="2895600" algn="l"/>
-                <a:tab pos="3619500" algn="l"/>
-                <a:tab pos="4343400" algn="l"/>
-                <a:tab pos="5067300" algn="l"/>
-                <a:tab pos="5791200" algn="l"/>
-                <a:tab pos="6515100" algn="l"/>
-                <a:tab pos="7239000" algn="l"/>
-                <a:tab pos="7962900" algn="l"/>
-                <a:tab pos="8686800" algn="l"/>
-              </a:tabLst>
-              <a:defRPr sz="2400">
-                <a:solidFill>
-                  <a:srgbClr val="000000"/>
-                </a:solidFill>
-                <a:latin typeface="Times New Roman" pitchFamily="16" charset="0"/>
-                <a:ea typeface="msgothic" charset="0"/>
-                <a:cs typeface="msgothic" charset="0"/>
-              </a:defRPr>
-            </a:lvl2pPr>
-            <a:lvl3pPr>
-              <a:tabLst>
-                <a:tab pos="723900" algn="l"/>
-                <a:tab pos="1447800" algn="l"/>
-                <a:tab pos="2171700" algn="l"/>
-                <a:tab pos="2895600" algn="l"/>
-                <a:tab pos="3619500" algn="l"/>
-                <a:tab pos="4343400" algn="l"/>
-                <a:tab pos="5067300" algn="l"/>
-                <a:tab pos="5791200" algn="l"/>
-                <a:tab pos="6515100" algn="l"/>
-                <a:tab pos="7239000" algn="l"/>
-                <a:tab pos="7962900" algn="l"/>
-                <a:tab pos="8686800" algn="l"/>
-              </a:tabLst>
-              <a:defRPr sz="2400">
-                <a:solidFill>
-                  <a:srgbClr val="000000"/>
-                </a:solidFill>
-                <a:latin typeface="Times New Roman" pitchFamily="16" charset="0"/>
-                <a:ea typeface="msgothic" charset="0"/>
-                <a:cs typeface="msgothic" charset="0"/>
-              </a:defRPr>
-            </a:lvl3pPr>
-            <a:lvl4pPr>
-              <a:tabLst>
-                <a:tab pos="723900" algn="l"/>
-                <a:tab pos="1447800" algn="l"/>
-                <a:tab pos="2171700" algn="l"/>
-                <a:tab pos="2895600" algn="l"/>
-                <a:tab pos="3619500" algn="l"/>
-                <a:tab pos="4343400" algn="l"/>
-                <a:tab pos="5067300" algn="l"/>
-                <a:tab pos="5791200" algn="l"/>
-                <a:tab pos="6515100" algn="l"/>
-                <a:tab pos="7239000" algn="l"/>
-                <a:tab pos="7962900" algn="l"/>
-                <a:tab pos="8686800" algn="l"/>
-              </a:tabLst>
-              <a:defRPr sz="2400">
-                <a:solidFill>
-                  <a:srgbClr val="000000"/>
-                </a:solidFill>
-                <a:latin typeface="Times New Roman" pitchFamily="16" charset="0"/>
-                <a:ea typeface="msgothic" charset="0"/>
-                <a:cs typeface="msgothic" charset="0"/>
-              </a:defRPr>
-            </a:lvl4pPr>
-            <a:lvl5pPr>
-              <a:tabLst>
-                <a:tab pos="723900" algn="l"/>
-                <a:tab pos="1447800" algn="l"/>
-                <a:tab pos="2171700" algn="l"/>
-                <a:tab pos="2895600" algn="l"/>
-                <a:tab pos="3619500" algn="l"/>
-                <a:tab pos="4343400" algn="l"/>
-                <a:tab pos="5067300" algn="l"/>
-                <a:tab pos="5791200" algn="l"/>
-                <a:tab pos="6515100" algn="l"/>
-                <a:tab pos="7239000" algn="l"/>
-                <a:tab pos="7962900" algn="l"/>
-                <a:tab pos="8686800" algn="l"/>
-              </a:tabLst>
-              <a:defRPr sz="2400">
-                <a:solidFill>
-                  <a:srgbClr val="000000"/>
-                </a:solidFill>
-                <a:latin typeface="Times New Roman" pitchFamily="16" charset="0"/>
-                <a:ea typeface="msgothic" charset="0"/>
-                <a:cs typeface="msgothic" charset="0"/>
-              </a:defRPr>
-            </a:lvl5pPr>
-            <a:lvl6pPr marL="1536700" indent="-215900" defTabSz="457200" fontAlgn="base" hangingPunct="0">
-              <a:lnSpc>
-                <a:spcPct val="93000"/>
-              </a:lnSpc>
-              <a:spcBef>
-                <a:spcPct val="0"/>
-              </a:spcBef>
-              <a:spcAft>
-                <a:spcPct val="0"/>
-              </a:spcAft>
-              <a:buClr>
-                <a:srgbClr val="000000"/>
-              </a:buClr>
-              <a:buSzPct val="45000"/>
-              <a:buFont typeface="Wingdings" charset="2"/>
-              <a:tabLst>
-                <a:tab pos="723900" algn="l"/>
-                <a:tab pos="1447800" algn="l"/>
-                <a:tab pos="2171700" algn="l"/>
-                <a:tab pos="2895600" algn="l"/>
-                <a:tab pos="3619500" algn="l"/>
-                <a:tab pos="4343400" algn="l"/>
-                <a:tab pos="5067300" algn="l"/>
-                <a:tab pos="5791200" algn="l"/>
-                <a:tab pos="6515100" algn="l"/>
-                <a:tab pos="7239000" algn="l"/>
-                <a:tab pos="7962900" algn="l"/>
-                <a:tab pos="8686800" algn="l"/>
-              </a:tabLst>
-              <a:defRPr sz="2400">
-                <a:solidFill>
-                  <a:srgbClr val="000000"/>
-                </a:solidFill>
-                <a:latin typeface="Times New Roman" pitchFamily="16" charset="0"/>
-                <a:ea typeface="msgothic" charset="0"/>
-                <a:cs typeface="msgothic" charset="0"/>
-              </a:defRPr>
-            </a:lvl6pPr>
-            <a:lvl7pPr marL="1993900" indent="-215900" defTabSz="457200" fontAlgn="base" hangingPunct="0">
-              <a:lnSpc>
-                <a:spcPct val="93000"/>
-              </a:lnSpc>
-              <a:spcBef>
-                <a:spcPct val="0"/>
-              </a:spcBef>
-              <a:spcAft>
-                <a:spcPct val="0"/>
-              </a:spcAft>
-              <a:buClr>
-                <a:srgbClr val="000000"/>
-              </a:buClr>
-              <a:buSzPct val="45000"/>
-              <a:buFont typeface="Wingdings" charset="2"/>
-              <a:tabLst>
-                <a:tab pos="723900" algn="l"/>
-                <a:tab pos="1447800" algn="l"/>
-                <a:tab pos="2171700" algn="l"/>
-                <a:tab pos="2895600" algn="l"/>
-                <a:tab pos="3619500" algn="l"/>
-                <a:tab pos="4343400" algn="l"/>
-                <a:tab pos="5067300" algn="l"/>
-                <a:tab pos="5791200" algn="l"/>
-                <a:tab pos="6515100" algn="l"/>
-                <a:tab pos="7239000" algn="l"/>
-                <a:tab pos="7962900" algn="l"/>
-                <a:tab pos="8686800" algn="l"/>
-              </a:tabLst>
-              <a:defRPr sz="2400">
-                <a:solidFill>
-                  <a:srgbClr val="000000"/>
-                </a:solidFill>
-                <a:latin typeface="Times New Roman" pitchFamily="16" charset="0"/>
-                <a:ea typeface="msgothic" charset="0"/>
-                <a:cs typeface="msgothic" charset="0"/>
-              </a:defRPr>
-            </a:lvl7pPr>
-            <a:lvl8pPr marL="2451100" indent="-215900" defTabSz="457200" fontAlgn="base" hangingPunct="0">
-              <a:lnSpc>
-                <a:spcPct val="93000"/>
-              </a:lnSpc>
-              <a:spcBef>
-                <a:spcPct val="0"/>
-              </a:spcBef>
-              <a:spcAft>
-                <a:spcPct val="0"/>
-              </a:spcAft>
-              <a:buClr>
-                <a:srgbClr val="000000"/>
-              </a:buClr>
-              <a:buSzPct val="45000"/>
-              <a:buFont typeface="Wingdings" charset="2"/>
-              <a:tabLst>
-                <a:tab pos="723900" algn="l"/>
-                <a:tab pos="1447800" algn="l"/>
-                <a:tab pos="2171700" algn="l"/>
-                <a:tab pos="2895600" algn="l"/>
-                <a:tab pos="3619500" algn="l"/>
-                <a:tab pos="4343400" algn="l"/>
-                <a:tab pos="5067300" algn="l"/>
-                <a:tab pos="5791200" algn="l"/>
-                <a:tab pos="6515100" algn="l"/>
-                <a:tab pos="7239000" algn="l"/>
-                <a:tab pos="7962900" algn="l"/>
-                <a:tab pos="8686800" algn="l"/>
-              </a:tabLst>
-              <a:defRPr sz="2400">
-                <a:solidFill>
-                  <a:srgbClr val="000000"/>
-                </a:solidFill>
-                <a:latin typeface="Times New Roman" pitchFamily="16" charset="0"/>
-                <a:ea typeface="msgothic" charset="0"/>
-                <a:cs typeface="msgothic" charset="0"/>
-              </a:defRPr>
-            </a:lvl8pPr>
-            <a:lvl9pPr marL="2908300" indent="-215900" defTabSz="457200" fontAlgn="base" hangingPunct="0">
-              <a:lnSpc>
-                <a:spcPct val="93000"/>
-              </a:lnSpc>
-              <a:spcBef>
-                <a:spcPct val="0"/>
-              </a:spcBef>
-              <a:spcAft>
-                <a:spcPct val="0"/>
-              </a:spcAft>
-              <a:buClr>
-                <a:srgbClr val="000000"/>
-              </a:buClr>
-              <a:buSzPct val="45000"/>
-              <a:buFont typeface="Wingdings" charset="2"/>
-              <a:tabLst>
-                <a:tab pos="723900" algn="l"/>
-                <a:tab pos="1447800" algn="l"/>
-                <a:tab pos="2171700" algn="l"/>
-                <a:tab pos="2895600" algn="l"/>
-                <a:tab pos="3619500" algn="l"/>
-                <a:tab pos="4343400" algn="l"/>
-                <a:tab pos="5067300" algn="l"/>
-                <a:tab pos="5791200" algn="l"/>
-                <a:tab pos="6515100" algn="l"/>
-                <a:tab pos="7239000" algn="l"/>
-                <a:tab pos="7962900" algn="l"/>
-                <a:tab pos="8686800" algn="l"/>
-              </a:tabLst>
-              <a:defRPr sz="2400">
-                <a:solidFill>
-                  <a:srgbClr val="000000"/>
-                </a:solidFill>
-                <a:latin typeface="Times New Roman" pitchFamily="16" charset="0"/>
-                <a:ea typeface="msgothic" charset="0"/>
-                <a:cs typeface="msgothic" charset="0"/>
-              </a:defRPr>
-            </a:lvl9pPr>
-          </a:lstStyle>
-          <a:p>
-            <a:pPr algn="ctr"/>
-            <a:r>
-              <a:rPr lang="en-GB" sz="1600" b="1" dirty="0">
-                <a:latin typeface="Arial" charset="0"/>
-              </a:rPr>
-              <a:t>Hippocampus-dependent short-term memory requires the left and right CA3. </a:t>
-            </a:r>
-          </a:p>
-        </p:txBody>
-      </p:sp>
-      <p:pic>
-        <p:nvPicPr>
-          <p:cNvPr id="3075" name="Picture 3"/>
-          <p:cNvPicPr>
-            <a:picLocks noChangeAspect="1" noChangeArrowheads="1"/>
-          </p:cNvPicPr>
-          <p:nvPr/>
-        </p:nvPicPr>
-        <p:blipFill>
-          <a:blip r:embed="rId3">
-            <a:extLst>
-              <a:ext uri="{28A0092B-C50C-407E-A947-70E740481C1C}">
-                <a14:useLocalDpi xmlns:a14="http://schemas.microsoft.com/office/drawing/2010/main" val="0"/>
-              </a:ext>
-            </a:extLst>
-          </a:blip>
-          <a:srcRect/>
-          <a:stretch>
-            <a:fillRect/>
-          </a:stretch>
-        </p:blipFill>
-        <p:spPr bwMode="auto">
-          <a:xfrm>
-            <a:off x="557404" y="-5503546"/>
-            <a:ext cx="11077193" cy="11007091"/>
-          </a:xfrm>
-          <a:prstGeom prst="rect">
-            <a:avLst/>
-          </a:prstGeom>
-          <a:noFill/>
-          <a:ln>
-            <a:noFill/>
-          </a:ln>
-          <a:effectLst/>
-          <a:extLst>
-            <a:ext uri="{909E8E84-426E-40DD-AFC4-6F175D3DCCD1}">
-              <a14:hiddenFill xmlns:a14="http://schemas.microsoft.com/office/drawing/2010/main">
-                <a:blipFill dpi="0" rotWithShape="0">
-                  <a:blip/>
-                  <a:srcRect/>
-                  <a:stretch>
-                    <a:fillRect/>
-                  </a:stretch>
-                </a:blipFill>
-              </a14:hiddenFill>
-            </a:ext>
-            <a:ext uri="{91240B29-F687-4F45-9708-019B960494DF}">
-              <a14:hiddenLine xmlns:a14="http://schemas.microsoft.com/office/drawing/2010/main" w="9525">
-                <a:solidFill>
-                  <a:srgbClr val="FFFFFF"/>
-                </a:solidFill>
-                <a:round/>
-                <a:headEnd/>
-                <a:tailEnd/>
-              </a14:hiddenLine>
-            </a:ext>
-            <a:ext uri="{AF507438-7753-43E0-B8FC-AC1667EBCBE1}">
-              <a14:hiddenEffects xmlns:a14="http://schemas.microsoft.com/office/drawing/2010/main">
-                <a:effectLst>
-                  <a:outerShdw dist="35921" dir="2700000" algn="ctr" rotWithShape="0">
-                    <a:srgbClr val="808080"/>
-                  </a:outerShdw>
-                </a:effectLst>
-              </a14:hiddenEffects>
-            </a:ext>
-          </a:extLst>
-        </p:spPr>
-      </p:pic>
-    </p:spTree>
-    <p:extLst>
-      <p:ext uri="{BB962C8B-B14F-4D97-AF65-F5344CB8AC3E}">
-        <p14:creationId xmlns:p14="http://schemas.microsoft.com/office/powerpoint/2010/main" val="4115088109"/>
-      </p:ext>
-    </p:extLst>
-  </p:cSld>
-  <p:clrMapOvr>
-    <a:masterClrMapping/>
-  </p:clrMapOvr>
-  <p:transition spd="med"/>
-  <p:timing>
-    <p:tnLst>
-      <p:par>
-        <p:cTn id="1" dur="indefinite" restart="never" nodeType="tmRoot">
-          <p:childTnLst>
-            <p:seq concurrent="1" nextAc="seek">
-              <p:cTn id="2" dur="0" nodeType="mainSeq"/>
-              <p:prevCondLst>
-                <p:cond evt="onPrev" delay="0">
-                  <p:tgtEl>
-                    <p:sldTgt/>
-                  </p:tgtEl>
-                </p:cond>
-              </p:prevCondLst>
-              <p:nextCondLst>
-                <p:cond evt="onNext" delay="0">
-                  <p:tgtEl>
-                    <p:sldTgt/>
-                  </p:tgtEl>
-                </p:cond>
-              </p:nextCondLst>
-            </p:seq>
-          </p:childTnLst>
-        </p:cTn>
-      </p:par>
-    </p:tnLst>
-  </p:timing>
-</p:sld>
-</file>
-
-<file path=ppt/slides/slide9.xml><?xml version="1.0" encoding="utf-8"?>
-<p:sld xmlns:a="http://schemas.openxmlformats.org/drawingml/2006/main" xmlns:r="http://schemas.openxmlformats.org/officeDocument/2006/relationships" xmlns:p="http://schemas.openxmlformats.org/presentationml/2006/main">
-  <p:cSld>
-    <p:spTree>
-      <p:nvGrpSpPr>
-        <p:cNvPr id="1" name=""/>
-        <p:cNvGrpSpPr/>
-        <p:nvPr/>
-      </p:nvGrpSpPr>
-      <p:grpSpPr>
-        <a:xfrm>
-          <a:off x="0" y="0"/>
-          <a:ext cx="0" cy="0"/>
-          <a:chOff x="0" y="0"/>
-          <a:chExt cx="0" cy="0"/>
-        </a:xfrm>
-      </p:grpSpPr>
-      <p:sp>
-        <p:nvSpPr>
-          <p:cNvPr id="3073" name="Text Box 1"/>
-          <p:cNvSpPr txBox="1">
-            <a:spLocks noChangeArrowheads="1"/>
-          </p:cNvSpPr>
-          <p:nvPr/>
-        </p:nvSpPr>
-        <p:spPr bwMode="auto">
-          <a:xfrm>
-            <a:off x="433921" y="381640"/>
-            <a:ext cx="11324160" cy="414764"/>
-          </a:xfrm>
-          <a:prstGeom prst="rect">
-            <a:avLst/>
-          </a:prstGeom>
-          <a:noFill/>
-          <a:ln>
-            <a:noFill/>
-          </a:ln>
-          <a:effectLst/>
-          <a:extLst>
-            <a:ext uri="{909E8E84-426E-40DD-AFC4-6F175D3DCCD1}">
-              <a14:hiddenFill xmlns:a14="http://schemas.microsoft.com/office/drawing/2010/main">
-                <a:solidFill>
-                  <a:srgbClr val="FFFFFF"/>
-                </a:solidFill>
-              </a14:hiddenFill>
-            </a:ext>
-            <a:ext uri="{91240B29-F687-4F45-9708-019B960494DF}">
-              <a14:hiddenLine xmlns:a14="http://schemas.microsoft.com/office/drawing/2010/main" w="9525">
-                <a:solidFill>
-                  <a:srgbClr val="FFFFFF"/>
-                </a:solidFill>
-                <a:round/>
-                <a:headEnd/>
-                <a:tailEnd/>
-              </a14:hiddenLine>
-            </a:ext>
-            <a:ext uri="{AF507438-7753-43E0-B8FC-AC1667EBCBE1}">
-              <a14:hiddenEffects xmlns:a14="http://schemas.microsoft.com/office/drawing/2010/main">
-                <a:effectLst>
-                  <a:outerShdw dist="35921" dir="2700000" algn="ctr" rotWithShape="0">
-                    <a:srgbClr val="808080"/>
-                  </a:outerShdw>
-                </a:effectLst>
-              </a14:hiddenEffects>
-            </a:ext>
-          </a:extLst>
-        </p:spPr>
-        <p:txBody>
-          <a:bodyPr lIns="0" tIns="0" rIns="0" bIns="0"/>
-          <a:lstStyle>
-            <a:lvl1pPr>
-              <a:tabLst>
-                <a:tab pos="723900" algn="l"/>
-                <a:tab pos="1447800" algn="l"/>
-                <a:tab pos="2171700" algn="l"/>
-                <a:tab pos="2895600" algn="l"/>
-                <a:tab pos="3619500" algn="l"/>
-                <a:tab pos="4343400" algn="l"/>
-                <a:tab pos="5067300" algn="l"/>
-                <a:tab pos="5791200" algn="l"/>
-                <a:tab pos="6515100" algn="l"/>
-                <a:tab pos="7239000" algn="l"/>
-                <a:tab pos="7962900" algn="l"/>
-                <a:tab pos="8686800" algn="l"/>
-              </a:tabLst>
-              <a:defRPr sz="2400">
-                <a:solidFill>
-                  <a:srgbClr val="000000"/>
-                </a:solidFill>
-                <a:latin typeface="Times New Roman" pitchFamily="16" charset="0"/>
-                <a:ea typeface="msgothic" charset="0"/>
-                <a:cs typeface="msgothic" charset="0"/>
-              </a:defRPr>
-            </a:lvl1pPr>
-            <a:lvl2pPr>
-              <a:tabLst>
-                <a:tab pos="723900" algn="l"/>
-                <a:tab pos="1447800" algn="l"/>
-                <a:tab pos="2171700" algn="l"/>
-                <a:tab pos="2895600" algn="l"/>
-                <a:tab pos="3619500" algn="l"/>
-                <a:tab pos="4343400" algn="l"/>
-                <a:tab pos="5067300" algn="l"/>
-                <a:tab pos="5791200" algn="l"/>
-                <a:tab pos="6515100" algn="l"/>
-                <a:tab pos="7239000" algn="l"/>
-                <a:tab pos="7962900" algn="l"/>
-                <a:tab pos="8686800" algn="l"/>
-              </a:tabLst>
-              <a:defRPr sz="2400">
-                <a:solidFill>
-                  <a:srgbClr val="000000"/>
-                </a:solidFill>
-                <a:latin typeface="Times New Roman" pitchFamily="16" charset="0"/>
-                <a:ea typeface="msgothic" charset="0"/>
-                <a:cs typeface="msgothic" charset="0"/>
-              </a:defRPr>
-            </a:lvl2pPr>
-            <a:lvl3pPr>
-              <a:tabLst>
-                <a:tab pos="723900" algn="l"/>
-                <a:tab pos="1447800" algn="l"/>
-                <a:tab pos="2171700" algn="l"/>
-                <a:tab pos="2895600" algn="l"/>
-                <a:tab pos="3619500" algn="l"/>
-                <a:tab pos="4343400" algn="l"/>
-                <a:tab pos="5067300" algn="l"/>
-                <a:tab pos="5791200" algn="l"/>
-                <a:tab pos="6515100" algn="l"/>
-                <a:tab pos="7239000" algn="l"/>
-                <a:tab pos="7962900" algn="l"/>
-                <a:tab pos="8686800" algn="l"/>
-              </a:tabLst>
-              <a:defRPr sz="2400">
-                <a:solidFill>
-                  <a:srgbClr val="000000"/>
-                </a:solidFill>
-                <a:latin typeface="Times New Roman" pitchFamily="16" charset="0"/>
-                <a:ea typeface="msgothic" charset="0"/>
-                <a:cs typeface="msgothic" charset="0"/>
-              </a:defRPr>
-            </a:lvl3pPr>
-            <a:lvl4pPr>
-              <a:tabLst>
-                <a:tab pos="723900" algn="l"/>
-                <a:tab pos="1447800" algn="l"/>
-                <a:tab pos="2171700" algn="l"/>
-                <a:tab pos="2895600" algn="l"/>
-                <a:tab pos="3619500" algn="l"/>
-                <a:tab pos="4343400" algn="l"/>
-                <a:tab pos="5067300" algn="l"/>
-                <a:tab pos="5791200" algn="l"/>
-                <a:tab pos="6515100" algn="l"/>
-                <a:tab pos="7239000" algn="l"/>
-                <a:tab pos="7962900" algn="l"/>
-                <a:tab pos="8686800" algn="l"/>
-              </a:tabLst>
-              <a:defRPr sz="2400">
-                <a:solidFill>
-                  <a:srgbClr val="000000"/>
-                </a:solidFill>
-                <a:latin typeface="Times New Roman" pitchFamily="16" charset="0"/>
-                <a:ea typeface="msgothic" charset="0"/>
-                <a:cs typeface="msgothic" charset="0"/>
-              </a:defRPr>
-            </a:lvl4pPr>
-            <a:lvl5pPr>
-              <a:tabLst>
-                <a:tab pos="723900" algn="l"/>
-                <a:tab pos="1447800" algn="l"/>
-                <a:tab pos="2171700" algn="l"/>
-                <a:tab pos="2895600" algn="l"/>
-                <a:tab pos="3619500" algn="l"/>
-                <a:tab pos="4343400" algn="l"/>
-                <a:tab pos="5067300" algn="l"/>
-                <a:tab pos="5791200" algn="l"/>
-                <a:tab pos="6515100" algn="l"/>
-                <a:tab pos="7239000" algn="l"/>
-                <a:tab pos="7962900" algn="l"/>
-                <a:tab pos="8686800" algn="l"/>
-              </a:tabLst>
-              <a:defRPr sz="2400">
-                <a:solidFill>
-                  <a:srgbClr val="000000"/>
-                </a:solidFill>
-                <a:latin typeface="Times New Roman" pitchFamily="16" charset="0"/>
-                <a:ea typeface="msgothic" charset="0"/>
-                <a:cs typeface="msgothic" charset="0"/>
-              </a:defRPr>
-            </a:lvl5pPr>
-            <a:lvl6pPr marL="1536700" indent="-215900" defTabSz="457200" fontAlgn="base" hangingPunct="0">
-              <a:lnSpc>
-                <a:spcPct val="93000"/>
-              </a:lnSpc>
-              <a:spcBef>
-                <a:spcPct val="0"/>
-              </a:spcBef>
-              <a:spcAft>
-                <a:spcPct val="0"/>
-              </a:spcAft>
-              <a:buClr>
-                <a:srgbClr val="000000"/>
-              </a:buClr>
-              <a:buSzPct val="45000"/>
-              <a:buFont typeface="Wingdings" charset="2"/>
-              <a:tabLst>
-                <a:tab pos="723900" algn="l"/>
-                <a:tab pos="1447800" algn="l"/>
-                <a:tab pos="2171700" algn="l"/>
-                <a:tab pos="2895600" algn="l"/>
-                <a:tab pos="3619500" algn="l"/>
-                <a:tab pos="4343400" algn="l"/>
-                <a:tab pos="5067300" algn="l"/>
-                <a:tab pos="5791200" algn="l"/>
-                <a:tab pos="6515100" algn="l"/>
-                <a:tab pos="7239000" algn="l"/>
-                <a:tab pos="7962900" algn="l"/>
-                <a:tab pos="8686800" algn="l"/>
-              </a:tabLst>
-              <a:defRPr sz="2400">
-                <a:solidFill>
-                  <a:srgbClr val="000000"/>
-                </a:solidFill>
-                <a:latin typeface="Times New Roman" pitchFamily="16" charset="0"/>
-                <a:ea typeface="msgothic" charset="0"/>
-                <a:cs typeface="msgothic" charset="0"/>
-              </a:defRPr>
-            </a:lvl6pPr>
-            <a:lvl7pPr marL="1993900" indent="-215900" defTabSz="457200" fontAlgn="base" hangingPunct="0">
-              <a:lnSpc>
-                <a:spcPct val="93000"/>
-              </a:lnSpc>
-              <a:spcBef>
-                <a:spcPct val="0"/>
-              </a:spcBef>
-              <a:spcAft>
-                <a:spcPct val="0"/>
-              </a:spcAft>
-              <a:buClr>
-                <a:srgbClr val="000000"/>
-              </a:buClr>
-              <a:buSzPct val="45000"/>
-              <a:buFont typeface="Wingdings" charset="2"/>
-              <a:tabLst>
-                <a:tab pos="723900" algn="l"/>
-                <a:tab pos="1447800" algn="l"/>
-                <a:tab pos="2171700" algn="l"/>
-                <a:tab pos="2895600" algn="l"/>
-                <a:tab pos="3619500" algn="l"/>
-                <a:tab pos="4343400" algn="l"/>
-                <a:tab pos="5067300" algn="l"/>
-                <a:tab pos="5791200" algn="l"/>
-                <a:tab pos="6515100" algn="l"/>
-                <a:tab pos="7239000" algn="l"/>
-                <a:tab pos="7962900" algn="l"/>
-                <a:tab pos="8686800" algn="l"/>
-              </a:tabLst>
-              <a:defRPr sz="2400">
-                <a:solidFill>
-                  <a:srgbClr val="000000"/>
-                </a:solidFill>
-                <a:latin typeface="Times New Roman" pitchFamily="16" charset="0"/>
-                <a:ea typeface="msgothic" charset="0"/>
-                <a:cs typeface="msgothic" charset="0"/>
-              </a:defRPr>
-            </a:lvl7pPr>
-            <a:lvl8pPr marL="2451100" indent="-215900" defTabSz="457200" fontAlgn="base" hangingPunct="0">
-              <a:lnSpc>
-                <a:spcPct val="93000"/>
-              </a:lnSpc>
-              <a:spcBef>
-                <a:spcPct val="0"/>
-              </a:spcBef>
-              <a:spcAft>
-                <a:spcPct val="0"/>
-              </a:spcAft>
-              <a:buClr>
-                <a:srgbClr val="000000"/>
-              </a:buClr>
-              <a:buSzPct val="45000"/>
-              <a:buFont typeface="Wingdings" charset="2"/>
-              <a:tabLst>
-                <a:tab pos="723900" algn="l"/>
-                <a:tab pos="1447800" algn="l"/>
-                <a:tab pos="2171700" algn="l"/>
-                <a:tab pos="2895600" algn="l"/>
-                <a:tab pos="3619500" algn="l"/>
-                <a:tab pos="4343400" algn="l"/>
-                <a:tab pos="5067300" algn="l"/>
-                <a:tab pos="5791200" algn="l"/>
-                <a:tab pos="6515100" algn="l"/>
-                <a:tab pos="7239000" algn="l"/>
-                <a:tab pos="7962900" algn="l"/>
-                <a:tab pos="8686800" algn="l"/>
-              </a:tabLst>
-              <a:defRPr sz="2400">
-                <a:solidFill>
-                  <a:srgbClr val="000000"/>
-                </a:solidFill>
-                <a:latin typeface="Times New Roman" pitchFamily="16" charset="0"/>
-                <a:ea typeface="msgothic" charset="0"/>
-                <a:cs typeface="msgothic" charset="0"/>
-              </a:defRPr>
-            </a:lvl8pPr>
-            <a:lvl9pPr marL="2908300" indent="-215900" defTabSz="457200" fontAlgn="base" hangingPunct="0">
-              <a:lnSpc>
-                <a:spcPct val="93000"/>
-              </a:lnSpc>
-              <a:spcBef>
-                <a:spcPct val="0"/>
-              </a:spcBef>
-              <a:spcAft>
-                <a:spcPct val="0"/>
-              </a:spcAft>
-              <a:buClr>
-                <a:srgbClr val="000000"/>
-              </a:buClr>
-              <a:buSzPct val="45000"/>
-              <a:buFont typeface="Wingdings" charset="2"/>
-              <a:tabLst>
-                <a:tab pos="723900" algn="l"/>
-                <a:tab pos="1447800" algn="l"/>
-                <a:tab pos="2171700" algn="l"/>
-                <a:tab pos="2895600" algn="l"/>
-                <a:tab pos="3619500" algn="l"/>
-                <a:tab pos="4343400" algn="l"/>
-                <a:tab pos="5067300" algn="l"/>
-                <a:tab pos="5791200" algn="l"/>
-                <a:tab pos="6515100" algn="l"/>
-                <a:tab pos="7239000" algn="l"/>
-                <a:tab pos="7962900" algn="l"/>
-                <a:tab pos="8686800" algn="l"/>
-              </a:tabLst>
-              <a:defRPr sz="2400">
-                <a:solidFill>
-                  <a:srgbClr val="000000"/>
-                </a:solidFill>
-                <a:latin typeface="Times New Roman" pitchFamily="16" charset="0"/>
-                <a:ea typeface="msgothic" charset="0"/>
-                <a:cs typeface="msgothic" charset="0"/>
-              </a:defRPr>
-            </a:lvl9pPr>
-          </a:lstStyle>
-          <a:p>
-            <a:pPr algn="ctr"/>
-            <a:r>
-              <a:rPr lang="en-GB" sz="1600" b="1">
-                <a:latin typeface="Arial" charset="0"/>
-              </a:rPr>
-              <a:t>Hippocampus-dependent associative spatial long-term memory uniquely requires the left CA3. </a:t>
-            </a:r>
-          </a:p>
-        </p:txBody>
-      </p:sp>
-      <p:pic>
-        <p:nvPicPr>
-          <p:cNvPr id="3075" name="Picture 3"/>
-          <p:cNvPicPr>
-            <a:picLocks noChangeAspect="1" noChangeArrowheads="1"/>
-          </p:cNvPicPr>
-          <p:nvPr/>
-        </p:nvPicPr>
-        <p:blipFill>
-          <a:blip r:embed="rId3">
-            <a:extLst>
-              <a:ext uri="{28A0092B-C50C-407E-A947-70E740481C1C}">
-                <a14:useLocalDpi xmlns:a14="http://schemas.microsoft.com/office/drawing/2010/main" val="0"/>
-              </a:ext>
-            </a:extLst>
-          </a:blip>
-          <a:srcRect/>
-          <a:stretch>
-            <a:fillRect/>
-          </a:stretch>
-        </p:blipFill>
-        <p:spPr bwMode="auto">
-          <a:xfrm>
-            <a:off x="706430" y="1264920"/>
-            <a:ext cx="10779142" cy="10390897"/>
-          </a:xfrm>
-          <a:prstGeom prst="rect">
-            <a:avLst/>
-          </a:prstGeom>
-          <a:noFill/>
-          <a:ln>
-            <a:noFill/>
-          </a:ln>
-          <a:effectLst/>
-          <a:extLst>
-            <a:ext uri="{909E8E84-426E-40DD-AFC4-6F175D3DCCD1}">
-              <a14:hiddenFill xmlns:a14="http://schemas.microsoft.com/office/drawing/2010/main">
-                <a:blipFill dpi="0" rotWithShape="0">
-                  <a:blip/>
-                  <a:srcRect/>
-                  <a:stretch>
-                    <a:fillRect/>
-                  </a:stretch>
-                </a:blipFill>
-              </a14:hiddenFill>
-            </a:ext>
-            <a:ext uri="{91240B29-F687-4F45-9708-019B960494DF}">
-              <a14:hiddenLine xmlns:a14="http://schemas.microsoft.com/office/drawing/2010/main" w="9525">
-                <a:solidFill>
-                  <a:srgbClr val="FFFFFF"/>
-                </a:solidFill>
-                <a:round/>
-                <a:headEnd/>
-                <a:tailEnd/>
-              </a14:hiddenLine>
-            </a:ext>
-            <a:ext uri="{AF507438-7753-43E0-B8FC-AC1667EBCBE1}">
-              <a14:hiddenEffects xmlns:a14="http://schemas.microsoft.com/office/drawing/2010/main">
-                <a:effectLst>
-                  <a:outerShdw dist="35921" dir="2700000" algn="ctr" rotWithShape="0">
-                    <a:srgbClr val="808080"/>
-                  </a:outerShdw>
-                </a:effectLst>
-              </a14:hiddenEffects>
-            </a:ext>
-          </a:extLst>
-        </p:spPr>
-      </p:pic>
-    </p:spTree>
-    <p:extLst>
-      <p:ext uri="{BB962C8B-B14F-4D97-AF65-F5344CB8AC3E}">
-        <p14:creationId xmlns:p14="http://schemas.microsoft.com/office/powerpoint/2010/main" val="3797090149"/>
       </p:ext>
     </p:extLst>
   </p:cSld>
@@ -14718,7 +16545,7 @@
   <a:extraClrSchemeLst/>
   <a:extLst>
     <a:ext uri="{05A4C25C-085E-4340-85A3-A5531E510DB2}">
-      <thm15:themeFamily xmlns:thm15="http://schemas.microsoft.com/office/thememl/2012/main" xmlns="" name="Office Theme" id="{62F939B6-93AF-4DB8-9C6B-D6C7DFDC589F}" vid="{4A3C46E8-61CC-4603-A589-7422A47A8E4A}"/>
+      <thm15:themeFamily xmlns="" xmlns:thm15="http://schemas.microsoft.com/office/thememl/2012/main" name="Office Theme" id="{62F939B6-93AF-4DB8-9C6B-D6C7DFDC589F}" vid="{4A3C46E8-61CC-4603-A589-7422A47A8E4A}"/>
     </a:ext>
   </a:extLst>
 </a:theme>
@@ -14979,7 +16806,7 @@
   <a:extraClrSchemeLst/>
   <a:extLst>
     <a:ext uri="{05A4C25C-085E-4340-85A3-A5531E510DB2}">
-      <thm15:themeFamily xmlns:thm15="http://schemas.microsoft.com/office/thememl/2012/main" xmlns="" name="Office Theme" id="{62F939B6-93AF-4DB8-9C6B-D6C7DFDC589F}" vid="{4A3C46E8-61CC-4603-A589-7422A47A8E4A}"/>
+      <thm15:themeFamily xmlns="" xmlns:thm15="http://schemas.microsoft.com/office/thememl/2012/main" name="Office Theme" id="{62F939B6-93AF-4DB8-9C6B-D6C7DFDC589F}" vid="{4A3C46E8-61CC-4603-A589-7422A47A8E4A}"/>
     </a:ext>
   </a:extLst>
 </a:theme>

--- a/Event/Lateralization.pptx
+++ b/Event/Lateralization.pptx
@@ -5,7 +5,7 @@
     <p:sldMasterId id="2147483648" r:id="rId1"/>
   </p:sldMasterIdLst>
   <p:notesMasterIdLst>
-    <p:notesMasterId r:id="rId23"/>
+    <p:notesMasterId r:id="rId33"/>
   </p:notesMasterIdLst>
   <p:sldIdLst>
     <p:sldId id="410" r:id="rId2"/>
@@ -27,8 +27,18 @@
     <p:sldId id="414" r:id="rId18"/>
     <p:sldId id="415" r:id="rId19"/>
     <p:sldId id="416" r:id="rId20"/>
-    <p:sldId id="303" r:id="rId21"/>
-    <p:sldId id="387" r:id="rId22"/>
+    <p:sldId id="419" r:id="rId21"/>
+    <p:sldId id="420" r:id="rId22"/>
+    <p:sldId id="421" r:id="rId23"/>
+    <p:sldId id="422" r:id="rId24"/>
+    <p:sldId id="423" r:id="rId25"/>
+    <p:sldId id="424" r:id="rId26"/>
+    <p:sldId id="425" r:id="rId27"/>
+    <p:sldId id="426" r:id="rId28"/>
+    <p:sldId id="417" r:id="rId29"/>
+    <p:sldId id="418" r:id="rId30"/>
+    <p:sldId id="303" r:id="rId31"/>
+    <p:sldId id="387" r:id="rId32"/>
   </p:sldIdLst>
   <p:sldSz cx="12192000" cy="6858000"/>
   <p:notesSz cx="6858000" cy="9144000"/>
@@ -3584,6 +3594,1593 @@
 </p:notes>
 </file>
 
+<file path=ppt/notesSlides/notesSlide20.xml><?xml version="1.0" encoding="utf-8"?>
+<p:notes xmlns:a="http://schemas.openxmlformats.org/drawingml/2006/main" xmlns:r="http://schemas.openxmlformats.org/officeDocument/2006/relationships" xmlns:p="http://schemas.openxmlformats.org/presentationml/2006/main">
+  <p:cSld>
+    <p:bg>
+      <p:bgPr>
+        <a:solidFill>
+          <a:srgbClr val="FFFFFF"/>
+        </a:solidFill>
+        <a:effectLst/>
+      </p:bgPr>
+    </p:bg>
+    <p:spTree>
+      <p:nvGrpSpPr>
+        <p:cNvPr id="1" name=""/>
+        <p:cNvGrpSpPr/>
+        <p:nvPr/>
+      </p:nvGrpSpPr>
+      <p:grpSpPr>
+        <a:xfrm>
+          <a:off x="0" y="0"/>
+          <a:ext cx="0" cy="0"/>
+          <a:chOff x="0" y="0"/>
+          <a:chExt cx="0" cy="0"/>
+        </a:xfrm>
+      </p:grpSpPr>
+      <p:sp>
+        <p:nvSpPr>
+          <p:cNvPr id="4098" name="Rectangle 6"/>
+          <p:cNvSpPr>
+            <a:spLocks noGrp="1" noChangeArrowheads="1"/>
+          </p:cNvSpPr>
+          <p:nvPr>
+            <p:ph type="sldNum" sz="quarter"/>
+          </p:nvPr>
+        </p:nvSpPr>
+        <p:spPr>
+          <a:noFill/>
+        </p:spPr>
+        <p:txBody>
+          <a:bodyPr/>
+          <a:lstStyle/>
+          <a:p>
+            <a:fld id="{0E78A471-D789-41F3-8A64-F8CE717DD838}" type="slidenum">
+              <a:rPr lang="en-GB"/>
+              <a:t>20</a:t>
+            </a:fld>
+            <a:endParaRPr lang="en-GB"/>
+          </a:p>
+        </p:txBody>
+      </p:sp>
+      <p:sp>
+        <p:nvSpPr>
+          <p:cNvPr id="4099" name="Rectangle 1"/>
+          <p:cNvSpPr txBox="1">
+            <a:spLocks noGrp="1" noRot="1" noChangeAspect="1" noChangeArrowheads="1" noTextEdit="1"/>
+          </p:cNvSpPr>
+          <p:nvPr>
+            <p:ph type="sldImg"/>
+          </p:nvPr>
+        </p:nvSpPr>
+        <p:spPr>
+          <a:xfrm>
+            <a:off x="1003786" y="695134"/>
+            <a:ext cx="4848989" cy="3428152"/>
+          </a:xfrm>
+          <a:solidFill>
+            <a:srgbClr val="FFFFFF"/>
+          </a:solidFill>
+          <a:ln>
+            <a:solidFill>
+              <a:srgbClr val="000000"/>
+            </a:solidFill>
+            <a:miter lim="800000"/>
+          </a:ln>
+        </p:spPr>
+      </p:sp>
+      <p:sp>
+        <p:nvSpPr>
+          <p:cNvPr id="4100" name="Text Box 2"/>
+          <p:cNvSpPr txBox="1">
+            <a:spLocks noGrp="1" noChangeArrowheads="1"/>
+          </p:cNvSpPr>
+          <p:nvPr>
+            <p:ph type="body" idx="1"/>
+          </p:nvPr>
+        </p:nvSpPr>
+        <p:spPr>
+          <a:xfrm>
+            <a:off x="685512" y="4343230"/>
+            <a:ext cx="5486976" cy="4115139"/>
+          </a:xfrm>
+          <a:noFill/>
+          <a:ln/>
+        </p:spPr>
+        <p:txBody>
+          <a:bodyPr tIns="9279"/>
+          <a:lstStyle/>
+          <a:p>
+            <a:pPr algn="just">
+              <a:lnSpc>
+                <a:spcPct val="93000"/>
+              </a:lnSpc>
+              <a:spcBef>
+                <a:spcPct val="0"/>
+              </a:spcBef>
+              <a:tabLst>
+                <a:tab pos="634643" algn="l"/>
+                <a:tab pos="1269286" algn="l"/>
+                <a:tab pos="1903929" algn="l"/>
+                <a:tab pos="2538573" algn="l"/>
+                <a:tab pos="3173216" algn="l"/>
+                <a:tab pos="3807859" algn="l"/>
+                <a:tab pos="4442502" algn="l"/>
+                <a:tab pos="5077145" algn="l"/>
+              </a:tabLst>
+            </a:pPr>
+            <a:r>
+              <a:rPr lang="en-US" dirty="0" smtClean="0"/>
+              <a:t>Fig1</a:t>
+            </a:r>
+            <a:r>
+              <a:rPr dirty="0"/>
+              <a:t>
+VR Environment. (A) Bird's eye view of the VR environment. N: North, E: East, S: South, W: West. (B) Front view of the east building. (C) Objects in the four corners inside each building. [Color figure can be viewed in the online issue, which is available at wileyonlinelibrary.com.]</a:t>
+            </a:r>
+          </a:p>
+          <a:p>
+            <a:endParaRPr dirty="0"/>
+          </a:p>
+          <a:p>
+            <a:r>
+              <a:rPr lang="en-GB" dirty="0"/>
+              <a:t>IF THIS IMAGE HAS BEEN PROVIDED BY OR IS OWNED BY A THIRD PARTY, AS INDICATED IN THE CAPTION LINE, THEN FURTHER PERMISSION MAY BE NEEDED BEFORE ANY FURTHER USE. PLEASE CONTACT WILEY'S PERMISSIONS DEPARTMENT ON PERMISSIONS@WILEY.COM OR USE THE RIGHTSLINK SERVICE BY CLICKING ON THE 'REQUEST PERMISSIONS' LINK ACCOMPANYING THIS ARTICLE. WILEY OR AUTHOR OWNED IMAGES MAY BE USED FOR NON-COMMERCIAL PURPOSES, SUBJECT TO PROPER CITATION OF THE ARTICLE, AUTHOR, AND PUBLISHER.</a:t>
+            </a:r>
+            <a:endParaRPr dirty="0"/>
+          </a:p>
+        </p:txBody>
+      </p:sp>
+    </p:spTree>
+  </p:cSld>
+  <p:clrMapOvr>
+    <a:masterClrMapping/>
+  </p:clrMapOvr>
+</p:notes>
+</file>
+
+<file path=ppt/notesSlides/notesSlide21.xml><?xml version="1.0" encoding="utf-8"?>
+<p:notes xmlns:a="http://schemas.openxmlformats.org/drawingml/2006/main" xmlns:r="http://schemas.openxmlformats.org/officeDocument/2006/relationships" xmlns:p="http://schemas.openxmlformats.org/presentationml/2006/main">
+  <p:cSld>
+    <p:bg>
+      <p:bgPr>
+        <a:solidFill>
+          <a:srgbClr val="FFFFFF"/>
+        </a:solidFill>
+        <a:effectLst/>
+      </p:bgPr>
+    </p:bg>
+    <p:spTree>
+      <p:nvGrpSpPr>
+        <p:cNvPr id="1" name=""/>
+        <p:cNvGrpSpPr/>
+        <p:nvPr/>
+      </p:nvGrpSpPr>
+      <p:grpSpPr>
+        <a:xfrm>
+          <a:off x="0" y="0"/>
+          <a:ext cx="0" cy="0"/>
+          <a:chOff x="0" y="0"/>
+          <a:chExt cx="0" cy="0"/>
+        </a:xfrm>
+      </p:grpSpPr>
+      <p:sp>
+        <p:nvSpPr>
+          <p:cNvPr id="4098" name="Rectangle 6"/>
+          <p:cNvSpPr>
+            <a:spLocks noGrp="1" noChangeArrowheads="1"/>
+          </p:cNvSpPr>
+          <p:nvPr>
+            <p:ph type="sldNum" sz="quarter"/>
+          </p:nvPr>
+        </p:nvSpPr>
+        <p:spPr>
+          <a:noFill/>
+        </p:spPr>
+        <p:txBody>
+          <a:bodyPr/>
+          <a:lstStyle/>
+          <a:p>
+            <a:fld id="{0E78A471-D789-41F3-8A64-F8CE717DD838}" type="slidenum">
+              <a:rPr lang="en-GB"/>
+              <a:t>21</a:t>
+            </a:fld>
+            <a:endParaRPr lang="en-GB"/>
+          </a:p>
+        </p:txBody>
+      </p:sp>
+      <p:sp>
+        <p:nvSpPr>
+          <p:cNvPr id="4099" name="Rectangle 1"/>
+          <p:cNvSpPr txBox="1">
+            <a:spLocks noGrp="1" noRot="1" noChangeAspect="1" noChangeArrowheads="1" noTextEdit="1"/>
+          </p:cNvSpPr>
+          <p:nvPr>
+            <p:ph type="sldImg"/>
+          </p:nvPr>
+        </p:nvSpPr>
+        <p:spPr>
+          <a:xfrm>
+            <a:off x="1003786" y="695134"/>
+            <a:ext cx="4848989" cy="3428152"/>
+          </a:xfrm>
+          <a:solidFill>
+            <a:srgbClr val="FFFFFF"/>
+          </a:solidFill>
+          <a:ln>
+            <a:solidFill>
+              <a:srgbClr val="000000"/>
+            </a:solidFill>
+            <a:miter lim="800000"/>
+          </a:ln>
+        </p:spPr>
+      </p:sp>
+      <p:sp>
+        <p:nvSpPr>
+          <p:cNvPr id="4100" name="Text Box 2"/>
+          <p:cNvSpPr txBox="1">
+            <a:spLocks noGrp="1" noChangeArrowheads="1"/>
+          </p:cNvSpPr>
+          <p:nvPr>
+            <p:ph type="body" idx="1"/>
+          </p:nvPr>
+        </p:nvSpPr>
+        <p:spPr>
+          <a:xfrm>
+            <a:off x="685512" y="4343230"/>
+            <a:ext cx="5486976" cy="4115139"/>
+          </a:xfrm>
+          <a:noFill/>
+          <a:ln/>
+        </p:spPr>
+        <p:txBody>
+          <a:bodyPr tIns="9279"/>
+          <a:lstStyle/>
+          <a:p>
+            <a:pPr algn="just">
+              <a:lnSpc>
+                <a:spcPct val="93000"/>
+              </a:lnSpc>
+              <a:spcBef>
+                <a:spcPct val="0"/>
+              </a:spcBef>
+              <a:tabLst>
+                <a:tab pos="634643" algn="l"/>
+                <a:tab pos="1269286" algn="l"/>
+                <a:tab pos="1903929" algn="l"/>
+                <a:tab pos="2538573" algn="l"/>
+                <a:tab pos="3173216" algn="l"/>
+                <a:tab pos="3807859" algn="l"/>
+                <a:tab pos="4442502" algn="l"/>
+                <a:tab pos="5077145" algn="l"/>
+              </a:tabLst>
+            </a:pPr>
+            <a:r>
+              <a:rPr lang="en-US" dirty="0" smtClean="0"/>
+              <a:t>Fig2</a:t>
+            </a:r>
+            <a:r>
+              <a:rPr dirty="0"/>
+              <a:t>
+Experimental design. (A) After the encoding period, fMRI scanning was conducted for testing memory retrieval. The structure of a single trial is shown (trial n). Red tick marks denote button responses for recognition. EXP and CTRL denote experimental and control conditions, respectively. Dotted, dashed, and continuous lines denote three types of movement allowed for each period: passive viewing, rotation at a fixed position, and free navigation, respectively. (B) Close‐up views of the building in experimental (left) and control (right) conditions. Note that the light above the entrance door was lit only in the control condition. (C) The control object used throughout all control trials. [Color figure can be viewed in the online issue, which is available at wileyonlinelibrary.com.]</a:t>
+            </a:r>
+          </a:p>
+          <a:p>
+            <a:endParaRPr dirty="0"/>
+          </a:p>
+          <a:p>
+            <a:r>
+              <a:rPr lang="en-GB" dirty="0"/>
+              <a:t>IF THIS IMAGE HAS BEEN PROVIDED BY OR IS OWNED BY A THIRD PARTY, AS INDICATED IN THE CAPTION LINE, THEN FURTHER PERMISSION MAY BE NEEDED BEFORE ANY FURTHER USE. PLEASE CONTACT WILEY'S PERMISSIONS DEPARTMENT ON PERMISSIONS@WILEY.COM OR USE THE RIGHTSLINK SERVICE BY CLICKING ON THE 'REQUEST PERMISSIONS' LINK ACCOMPANYING THIS ARTICLE. WILEY OR AUTHOR OWNED IMAGES MAY BE USED FOR NON-COMMERCIAL PURPOSES, SUBJECT TO PROPER CITATION OF THE ARTICLE, AUTHOR, AND PUBLISHER.</a:t>
+            </a:r>
+            <a:endParaRPr dirty="0"/>
+          </a:p>
+        </p:txBody>
+      </p:sp>
+    </p:spTree>
+  </p:cSld>
+  <p:clrMapOvr>
+    <a:masterClrMapping/>
+  </p:clrMapOvr>
+</p:notes>
+</file>
+
+<file path=ppt/notesSlides/notesSlide22.xml><?xml version="1.0" encoding="utf-8"?>
+<p:notes xmlns:a="http://schemas.openxmlformats.org/drawingml/2006/main" xmlns:r="http://schemas.openxmlformats.org/officeDocument/2006/relationships" xmlns:p="http://schemas.openxmlformats.org/presentationml/2006/main">
+  <p:cSld>
+    <p:bg>
+      <p:bgPr>
+        <a:solidFill>
+          <a:srgbClr val="FFFFFF"/>
+        </a:solidFill>
+        <a:effectLst/>
+      </p:bgPr>
+    </p:bg>
+    <p:spTree>
+      <p:nvGrpSpPr>
+        <p:cNvPr id="1" name=""/>
+        <p:cNvGrpSpPr/>
+        <p:nvPr/>
+      </p:nvGrpSpPr>
+      <p:grpSpPr>
+        <a:xfrm>
+          <a:off x="0" y="0"/>
+          <a:ext cx="0" cy="0"/>
+          <a:chOff x="0" y="0"/>
+          <a:chExt cx="0" cy="0"/>
+        </a:xfrm>
+      </p:grpSpPr>
+      <p:sp>
+        <p:nvSpPr>
+          <p:cNvPr id="4098" name="Rectangle 6"/>
+          <p:cNvSpPr>
+            <a:spLocks noGrp="1" noChangeArrowheads="1"/>
+          </p:cNvSpPr>
+          <p:nvPr>
+            <p:ph type="sldNum" sz="quarter"/>
+          </p:nvPr>
+        </p:nvSpPr>
+        <p:spPr>
+          <a:noFill/>
+        </p:spPr>
+        <p:txBody>
+          <a:bodyPr/>
+          <a:lstStyle/>
+          <a:p>
+            <a:fld id="{0E78A471-D789-41F3-8A64-F8CE717DD838}" type="slidenum">
+              <a:rPr lang="en-GB"/>
+              <a:t>22</a:t>
+            </a:fld>
+            <a:endParaRPr lang="en-GB"/>
+          </a:p>
+        </p:txBody>
+      </p:sp>
+      <p:sp>
+        <p:nvSpPr>
+          <p:cNvPr id="4099" name="Rectangle 1"/>
+          <p:cNvSpPr txBox="1">
+            <a:spLocks noGrp="1" noRot="1" noChangeAspect="1" noChangeArrowheads="1" noTextEdit="1"/>
+          </p:cNvSpPr>
+          <p:nvPr>
+            <p:ph type="sldImg"/>
+          </p:nvPr>
+        </p:nvSpPr>
+        <p:spPr>
+          <a:xfrm>
+            <a:off x="1003786" y="695134"/>
+            <a:ext cx="4848989" cy="3428152"/>
+          </a:xfrm>
+          <a:solidFill>
+            <a:srgbClr val="FFFFFF"/>
+          </a:solidFill>
+          <a:ln>
+            <a:solidFill>
+              <a:srgbClr val="000000"/>
+            </a:solidFill>
+            <a:miter lim="800000"/>
+          </a:ln>
+        </p:spPr>
+      </p:sp>
+      <p:sp>
+        <p:nvSpPr>
+          <p:cNvPr id="4100" name="Text Box 2"/>
+          <p:cNvSpPr txBox="1">
+            <a:spLocks noGrp="1" noChangeArrowheads="1"/>
+          </p:cNvSpPr>
+          <p:nvPr>
+            <p:ph type="body" idx="1"/>
+          </p:nvPr>
+        </p:nvSpPr>
+        <p:spPr>
+          <a:xfrm>
+            <a:off x="685512" y="4343230"/>
+            <a:ext cx="5486976" cy="4115139"/>
+          </a:xfrm>
+          <a:noFill/>
+          <a:ln/>
+        </p:spPr>
+        <p:txBody>
+          <a:bodyPr tIns="9279"/>
+          <a:lstStyle/>
+          <a:p>
+            <a:pPr algn="just">
+              <a:lnSpc>
+                <a:spcPct val="93000"/>
+              </a:lnSpc>
+              <a:spcBef>
+                <a:spcPct val="0"/>
+              </a:spcBef>
+              <a:tabLst>
+                <a:tab pos="634643" algn="l"/>
+                <a:tab pos="1269286" algn="l"/>
+                <a:tab pos="1903929" algn="l"/>
+                <a:tab pos="2538573" algn="l"/>
+                <a:tab pos="3173216" algn="l"/>
+                <a:tab pos="3807859" algn="l"/>
+                <a:tab pos="4442502" algn="l"/>
+                <a:tab pos="5077145" algn="l"/>
+              </a:tabLst>
+            </a:pPr>
+            <a:r>
+              <a:rPr lang="en-US" dirty="0" smtClean="0"/>
+              <a:t>Fig3</a:t>
+            </a:r>
+            <a:r>
+              <a:rPr dirty="0"/>
+              <a:t>
+Task performance. (A) Cumulative choices for target buildings (</a:t>
+            </a:r>
+            <a:r>
+              <a:rPr dirty="0" err="1"/>
+              <a:t>Tgt</a:t>
+            </a:r>
+            <a:r>
+              <a:rPr dirty="0"/>
+              <a:t>) in the object‐cued place recognition period (all targets aligned to 0°). The vector arrow indicates the strength of the target response. (B–C) Distributions of response accuracies in the object‐cued place recognition period (OPRP) (B) and the spatial memory period (SMP) (C) for individual subjects. Dashed lines denote chance level (25%). For each period, results of one‐sample </a:t>
+            </a:r>
+            <a:r>
+              <a:rPr i="1" dirty="0"/>
+              <a:t>t</a:t>
+            </a:r>
+            <a:r>
+              <a:rPr dirty="0"/>
+              <a:t> tests for comparing average retrieval accuracy during the experimental condition (top) and paired </a:t>
+            </a:r>
+            <a:r>
+              <a:rPr i="1" dirty="0"/>
+              <a:t>t</a:t>
+            </a:r>
+            <a:r>
+              <a:rPr dirty="0"/>
+              <a:t> test for comparing average retrieval accuracies between experimental and control conditions (bottom) are shown.</a:t>
+            </a:r>
+          </a:p>
+          <a:p>
+            <a:endParaRPr dirty="0"/>
+          </a:p>
+          <a:p>
+            <a:r>
+              <a:rPr lang="en-GB" dirty="0"/>
+              <a:t>IF THIS IMAGE HAS BEEN PROVIDED BY OR IS OWNED BY A THIRD PARTY, AS INDICATED IN THE CAPTION LINE, THEN FURTHER PERMISSION MAY BE NEEDED BEFORE ANY FURTHER USE. PLEASE CONTACT WILEY'S PERMISSIONS DEPARTMENT ON PERMISSIONS@WILEY.COM OR USE THE RIGHTSLINK SERVICE BY CLICKING ON THE 'REQUEST PERMISSIONS' LINK ACCOMPANYING THIS ARTICLE. WILEY OR AUTHOR OWNED IMAGES MAY BE USED FOR NON-COMMERCIAL PURPOSES, SUBJECT TO PROPER CITATION OF THE ARTICLE, AUTHOR, AND PUBLISHER.</a:t>
+            </a:r>
+            <a:endParaRPr dirty="0"/>
+          </a:p>
+        </p:txBody>
+      </p:sp>
+    </p:spTree>
+  </p:cSld>
+  <p:clrMapOvr>
+    <a:masterClrMapping/>
+  </p:clrMapOvr>
+</p:notes>
+</file>
+
+<file path=ppt/notesSlides/notesSlide23.xml><?xml version="1.0" encoding="utf-8"?>
+<p:notes xmlns:a="http://schemas.openxmlformats.org/drawingml/2006/main" xmlns:r="http://schemas.openxmlformats.org/officeDocument/2006/relationships" xmlns:p="http://schemas.openxmlformats.org/presentationml/2006/main">
+  <p:cSld>
+    <p:bg>
+      <p:bgPr>
+        <a:solidFill>
+          <a:srgbClr val="FFFFFF"/>
+        </a:solidFill>
+        <a:effectLst/>
+      </p:bgPr>
+    </p:bg>
+    <p:spTree>
+      <p:nvGrpSpPr>
+        <p:cNvPr id="1" name=""/>
+        <p:cNvGrpSpPr/>
+        <p:nvPr/>
+      </p:nvGrpSpPr>
+      <p:grpSpPr>
+        <a:xfrm>
+          <a:off x="0" y="0"/>
+          <a:ext cx="0" cy="0"/>
+          <a:chOff x="0" y="0"/>
+          <a:chExt cx="0" cy="0"/>
+        </a:xfrm>
+      </p:grpSpPr>
+      <p:sp>
+        <p:nvSpPr>
+          <p:cNvPr id="4098" name="Rectangle 6"/>
+          <p:cNvSpPr>
+            <a:spLocks noGrp="1" noChangeArrowheads="1"/>
+          </p:cNvSpPr>
+          <p:nvPr>
+            <p:ph type="sldNum" sz="quarter"/>
+          </p:nvPr>
+        </p:nvSpPr>
+        <p:spPr>
+          <a:noFill/>
+        </p:spPr>
+        <p:txBody>
+          <a:bodyPr/>
+          <a:lstStyle/>
+          <a:p>
+            <a:fld id="{0E78A471-D789-41F3-8A64-F8CE717DD838}" type="slidenum">
+              <a:rPr lang="en-GB"/>
+              <a:t>23</a:t>
+            </a:fld>
+            <a:endParaRPr lang="en-GB"/>
+          </a:p>
+        </p:txBody>
+      </p:sp>
+      <p:sp>
+        <p:nvSpPr>
+          <p:cNvPr id="4099" name="Rectangle 1"/>
+          <p:cNvSpPr txBox="1">
+            <a:spLocks noGrp="1" noRot="1" noChangeAspect="1" noChangeArrowheads="1" noTextEdit="1"/>
+          </p:cNvSpPr>
+          <p:nvPr>
+            <p:ph type="sldImg"/>
+          </p:nvPr>
+        </p:nvSpPr>
+        <p:spPr>
+          <a:xfrm>
+            <a:off x="1003786" y="695134"/>
+            <a:ext cx="4848989" cy="3428152"/>
+          </a:xfrm>
+          <a:solidFill>
+            <a:srgbClr val="FFFFFF"/>
+          </a:solidFill>
+          <a:ln>
+            <a:solidFill>
+              <a:srgbClr val="000000"/>
+            </a:solidFill>
+            <a:miter lim="800000"/>
+          </a:ln>
+        </p:spPr>
+      </p:sp>
+      <p:sp>
+        <p:nvSpPr>
+          <p:cNvPr id="4100" name="Text Box 2"/>
+          <p:cNvSpPr txBox="1">
+            <a:spLocks noGrp="1" noChangeArrowheads="1"/>
+          </p:cNvSpPr>
+          <p:nvPr>
+            <p:ph type="body" idx="1"/>
+          </p:nvPr>
+        </p:nvSpPr>
+        <p:spPr>
+          <a:xfrm>
+            <a:off x="685512" y="4343230"/>
+            <a:ext cx="5486976" cy="4115139"/>
+          </a:xfrm>
+          <a:noFill/>
+          <a:ln/>
+        </p:spPr>
+        <p:txBody>
+          <a:bodyPr tIns="9279"/>
+          <a:lstStyle/>
+          <a:p>
+            <a:pPr algn="just">
+              <a:lnSpc>
+                <a:spcPct val="93000"/>
+              </a:lnSpc>
+              <a:spcBef>
+                <a:spcPct val="0"/>
+              </a:spcBef>
+              <a:tabLst>
+                <a:tab pos="634643" algn="l"/>
+                <a:tab pos="1269286" algn="l"/>
+                <a:tab pos="1903929" algn="l"/>
+                <a:tab pos="2538573" algn="l"/>
+                <a:tab pos="3173216" algn="l"/>
+                <a:tab pos="3807859" algn="l"/>
+                <a:tab pos="4442502" algn="l"/>
+                <a:tab pos="5077145" algn="l"/>
+              </a:tabLst>
+            </a:pPr>
+            <a:r>
+              <a:rPr lang="en-US" dirty="0" smtClean="0"/>
+              <a:t>Fig4</a:t>
+            </a:r>
+            <a:r>
+              <a:rPr dirty="0"/>
+              <a:t>
+Choice accuracy for individual buildings and objects. Average choice accuracy for all objects associated with the four buildings in the experimental condition in the object‐cued place recognition period. Dotted lines indicate the mean accuracy for the corresponding building. Objects are shown in a descending order based on choice accuracy. Mean ± S.E.M. *</a:t>
+            </a:r>
+            <a:r>
+              <a:rPr i="1" dirty="0"/>
+              <a:t>P</a:t>
+            </a:r>
+            <a:r>
+              <a:rPr dirty="0"/>
+              <a:t> &lt; 0.05, **</a:t>
+            </a:r>
+            <a:r>
+              <a:rPr i="1" dirty="0"/>
+              <a:t>P</a:t>
+            </a:r>
+            <a:r>
+              <a:rPr dirty="0"/>
+              <a:t> &lt; 0.01, ***</a:t>
+            </a:r>
+            <a:r>
+              <a:rPr i="1" dirty="0"/>
+              <a:t>P</a:t>
+            </a:r>
+            <a:r>
+              <a:rPr dirty="0"/>
+              <a:t> &lt; 0.001, </a:t>
+            </a:r>
+            <a:r>
+              <a:rPr dirty="0" err="1"/>
+              <a:t>n.s</a:t>
+            </a:r>
+            <a:r>
+              <a:rPr dirty="0"/>
+              <a:t>. </a:t>
+            </a:r>
+            <a:r>
+              <a:rPr i="1" dirty="0"/>
+              <a:t>P</a:t>
+            </a:r>
+            <a:r>
+              <a:rPr dirty="0"/>
+              <a:t> &gt; 0.05. [Color figure can be viewed in the online issue, which is available at wileyonlinelibrary.com.]</a:t>
+            </a:r>
+          </a:p>
+          <a:p>
+            <a:endParaRPr dirty="0"/>
+          </a:p>
+          <a:p>
+            <a:r>
+              <a:rPr lang="en-GB" dirty="0"/>
+              <a:t>IF THIS IMAGE HAS BEEN PROVIDED BY OR IS OWNED BY A THIRD PARTY, AS INDICATED IN THE CAPTION LINE, THEN FURTHER PERMISSION MAY BE NEEDED BEFORE ANY FURTHER USE. PLEASE CONTACT WILEY'S PERMISSIONS DEPARTMENT ON PERMISSIONS@WILEY.COM OR USE THE RIGHTSLINK SERVICE BY CLICKING ON THE 'REQUEST PERMISSIONS' LINK ACCOMPANYING THIS ARTICLE. WILEY OR AUTHOR OWNED IMAGES MAY BE USED FOR NON-COMMERCIAL PURPOSES, SUBJECT TO PROPER CITATION OF THE ARTICLE, AUTHOR, AND PUBLISHER.</a:t>
+            </a:r>
+            <a:endParaRPr dirty="0"/>
+          </a:p>
+        </p:txBody>
+      </p:sp>
+    </p:spTree>
+  </p:cSld>
+  <p:clrMapOvr>
+    <a:masterClrMapping/>
+  </p:clrMapOvr>
+</p:notes>
+</file>
+
+<file path=ppt/notesSlides/notesSlide24.xml><?xml version="1.0" encoding="utf-8"?>
+<p:notes xmlns:a="http://schemas.openxmlformats.org/drawingml/2006/main" xmlns:r="http://schemas.openxmlformats.org/officeDocument/2006/relationships" xmlns:p="http://schemas.openxmlformats.org/presentationml/2006/main">
+  <p:cSld>
+    <p:bg>
+      <p:bgPr>
+        <a:solidFill>
+          <a:srgbClr val="FFFFFF"/>
+        </a:solidFill>
+        <a:effectLst/>
+      </p:bgPr>
+    </p:bg>
+    <p:spTree>
+      <p:nvGrpSpPr>
+        <p:cNvPr id="1" name=""/>
+        <p:cNvGrpSpPr/>
+        <p:nvPr/>
+      </p:nvGrpSpPr>
+      <p:grpSpPr>
+        <a:xfrm>
+          <a:off x="0" y="0"/>
+          <a:ext cx="0" cy="0"/>
+          <a:chOff x="0" y="0"/>
+          <a:chExt cx="0" cy="0"/>
+        </a:xfrm>
+      </p:grpSpPr>
+      <p:sp>
+        <p:nvSpPr>
+          <p:cNvPr id="4098" name="Rectangle 6"/>
+          <p:cNvSpPr>
+            <a:spLocks noGrp="1" noChangeArrowheads="1"/>
+          </p:cNvSpPr>
+          <p:nvPr>
+            <p:ph type="sldNum" sz="quarter"/>
+          </p:nvPr>
+        </p:nvSpPr>
+        <p:spPr>
+          <a:noFill/>
+        </p:spPr>
+        <p:txBody>
+          <a:bodyPr/>
+          <a:lstStyle/>
+          <a:p>
+            <a:fld id="{0E78A471-D789-41F3-8A64-F8CE717DD838}" type="slidenum">
+              <a:rPr lang="en-GB"/>
+              <a:t>24</a:t>
+            </a:fld>
+            <a:endParaRPr lang="en-GB"/>
+          </a:p>
+        </p:txBody>
+      </p:sp>
+      <p:sp>
+        <p:nvSpPr>
+          <p:cNvPr id="4099" name="Rectangle 1"/>
+          <p:cNvSpPr txBox="1">
+            <a:spLocks noGrp="1" noRot="1" noChangeAspect="1" noChangeArrowheads="1" noTextEdit="1"/>
+          </p:cNvSpPr>
+          <p:nvPr>
+            <p:ph type="sldImg"/>
+          </p:nvPr>
+        </p:nvSpPr>
+        <p:spPr>
+          <a:xfrm>
+            <a:off x="1003786" y="695134"/>
+            <a:ext cx="4848989" cy="3428152"/>
+          </a:xfrm>
+          <a:solidFill>
+            <a:srgbClr val="FFFFFF"/>
+          </a:solidFill>
+          <a:ln>
+            <a:solidFill>
+              <a:srgbClr val="000000"/>
+            </a:solidFill>
+            <a:miter lim="800000"/>
+          </a:ln>
+        </p:spPr>
+      </p:sp>
+      <p:sp>
+        <p:nvSpPr>
+          <p:cNvPr id="4100" name="Text Box 2"/>
+          <p:cNvSpPr txBox="1">
+            <a:spLocks noGrp="1" noChangeArrowheads="1"/>
+          </p:cNvSpPr>
+          <p:nvPr>
+            <p:ph type="body" idx="1"/>
+          </p:nvPr>
+        </p:nvSpPr>
+        <p:spPr>
+          <a:xfrm>
+            <a:off x="685512" y="4343230"/>
+            <a:ext cx="5486976" cy="4115139"/>
+          </a:xfrm>
+          <a:noFill/>
+          <a:ln/>
+        </p:spPr>
+        <p:txBody>
+          <a:bodyPr tIns="9279"/>
+          <a:lstStyle/>
+          <a:p>
+            <a:pPr algn="just">
+              <a:lnSpc>
+                <a:spcPct val="93000"/>
+              </a:lnSpc>
+              <a:spcBef>
+                <a:spcPct val="0"/>
+              </a:spcBef>
+              <a:tabLst>
+                <a:tab pos="634643" algn="l"/>
+                <a:tab pos="1269286" algn="l"/>
+                <a:tab pos="1903929" algn="l"/>
+                <a:tab pos="2538573" algn="l"/>
+                <a:tab pos="3173216" algn="l"/>
+                <a:tab pos="3807859" algn="l"/>
+                <a:tab pos="4442502" algn="l"/>
+                <a:tab pos="5077145" algn="l"/>
+              </a:tabLst>
+            </a:pPr>
+            <a:r>
+              <a:rPr lang="en-US" dirty="0" smtClean="0"/>
+              <a:t>Fig5</a:t>
+            </a:r>
+            <a:r>
+              <a:rPr dirty="0"/>
+              <a:t>
+Individual difference in search efficiency. Examples of angular trajectory of four subjects with efficiency indices (E) during the object‐cued place recognition period. For each subject, trajectory data were aligned so that the correct target (denoted as </a:t>
+            </a:r>
+            <a:r>
+              <a:rPr dirty="0" err="1"/>
+              <a:t>Tgt</a:t>
+            </a:r>
+            <a:r>
+              <a:rPr dirty="0"/>
+              <a:t>) was located on the east, separately shown for the experimental and control conditions. Distance from the center of the plot represents the duration of time (maximum of 11.2 s, as depicted in inset) and the azimuth of the point depicts the viewing angle of the subject at that particular time. Black and white lines denote trajectories for correct and incorrect trials, respectively.</a:t>
+            </a:r>
+          </a:p>
+          <a:p>
+            <a:endParaRPr dirty="0"/>
+          </a:p>
+          <a:p>
+            <a:r>
+              <a:rPr lang="en-GB" dirty="0"/>
+              <a:t>IF THIS IMAGE HAS BEEN PROVIDED BY OR IS OWNED BY A THIRD PARTY, AS INDICATED IN THE CAPTION LINE, THEN FURTHER PERMISSION MAY BE NEEDED BEFORE ANY FURTHER USE. PLEASE CONTACT WILEY'S PERMISSIONS DEPARTMENT ON PERMISSIONS@WILEY.COM OR USE THE RIGHTSLINK SERVICE BY CLICKING ON THE 'REQUEST PERMISSIONS' LINK ACCOMPANYING THIS ARTICLE. WILEY OR AUTHOR OWNED IMAGES MAY BE USED FOR NON-COMMERCIAL PURPOSES, SUBJECT TO PROPER CITATION OF THE ARTICLE, AUTHOR, AND PUBLISHER.</a:t>
+            </a:r>
+            <a:endParaRPr dirty="0"/>
+          </a:p>
+        </p:txBody>
+      </p:sp>
+    </p:spTree>
+  </p:cSld>
+  <p:clrMapOvr>
+    <a:masterClrMapping/>
+  </p:clrMapOvr>
+</p:notes>
+</file>
+
+<file path=ppt/notesSlides/notesSlide25.xml><?xml version="1.0" encoding="utf-8"?>
+<p:notes xmlns:a="http://schemas.openxmlformats.org/drawingml/2006/main" xmlns:r="http://schemas.openxmlformats.org/officeDocument/2006/relationships" xmlns:p="http://schemas.openxmlformats.org/presentationml/2006/main">
+  <p:cSld>
+    <p:bg>
+      <p:bgPr>
+        <a:solidFill>
+          <a:srgbClr val="FFFFFF"/>
+        </a:solidFill>
+        <a:effectLst/>
+      </p:bgPr>
+    </p:bg>
+    <p:spTree>
+      <p:nvGrpSpPr>
+        <p:cNvPr id="1" name=""/>
+        <p:cNvGrpSpPr/>
+        <p:nvPr/>
+      </p:nvGrpSpPr>
+      <p:grpSpPr>
+        <a:xfrm>
+          <a:off x="0" y="0"/>
+          <a:ext cx="0" cy="0"/>
+          <a:chOff x="0" y="0"/>
+          <a:chExt cx="0" cy="0"/>
+        </a:xfrm>
+      </p:grpSpPr>
+      <p:sp>
+        <p:nvSpPr>
+          <p:cNvPr id="4098" name="Rectangle 6"/>
+          <p:cNvSpPr>
+            <a:spLocks noGrp="1" noChangeArrowheads="1"/>
+          </p:cNvSpPr>
+          <p:nvPr>
+            <p:ph type="sldNum" sz="quarter"/>
+          </p:nvPr>
+        </p:nvSpPr>
+        <p:spPr>
+          <a:noFill/>
+        </p:spPr>
+        <p:txBody>
+          <a:bodyPr/>
+          <a:lstStyle/>
+          <a:p>
+            <a:fld id="{0E78A471-D789-41F3-8A64-F8CE717DD838}" type="slidenum">
+              <a:rPr lang="en-GB"/>
+              <a:t>25</a:t>
+            </a:fld>
+            <a:endParaRPr lang="en-GB"/>
+          </a:p>
+        </p:txBody>
+      </p:sp>
+      <p:sp>
+        <p:nvSpPr>
+          <p:cNvPr id="4099" name="Rectangle 1"/>
+          <p:cNvSpPr txBox="1">
+            <a:spLocks noGrp="1" noRot="1" noChangeAspect="1" noChangeArrowheads="1" noTextEdit="1"/>
+          </p:cNvSpPr>
+          <p:nvPr>
+            <p:ph type="sldImg"/>
+          </p:nvPr>
+        </p:nvSpPr>
+        <p:spPr>
+          <a:xfrm>
+            <a:off x="1003786" y="695134"/>
+            <a:ext cx="4848989" cy="3428152"/>
+          </a:xfrm>
+          <a:solidFill>
+            <a:srgbClr val="FFFFFF"/>
+          </a:solidFill>
+          <a:ln>
+            <a:solidFill>
+              <a:srgbClr val="000000"/>
+            </a:solidFill>
+            <a:miter lim="800000"/>
+          </a:ln>
+        </p:spPr>
+      </p:sp>
+      <p:sp>
+        <p:nvSpPr>
+          <p:cNvPr id="4100" name="Text Box 2"/>
+          <p:cNvSpPr txBox="1">
+            <a:spLocks noGrp="1" noChangeArrowheads="1"/>
+          </p:cNvSpPr>
+          <p:nvPr>
+            <p:ph type="body" idx="1"/>
+          </p:nvPr>
+        </p:nvSpPr>
+        <p:spPr>
+          <a:xfrm>
+            <a:off x="685512" y="4343230"/>
+            <a:ext cx="5486976" cy="4115139"/>
+          </a:xfrm>
+          <a:noFill/>
+          <a:ln/>
+        </p:spPr>
+        <p:txBody>
+          <a:bodyPr tIns="9279"/>
+          <a:lstStyle/>
+          <a:p>
+            <a:pPr algn="just">
+              <a:lnSpc>
+                <a:spcPct val="93000"/>
+              </a:lnSpc>
+              <a:spcBef>
+                <a:spcPct val="0"/>
+              </a:spcBef>
+              <a:tabLst>
+                <a:tab pos="634643" algn="l"/>
+                <a:tab pos="1269286" algn="l"/>
+                <a:tab pos="1903929" algn="l"/>
+                <a:tab pos="2538573" algn="l"/>
+                <a:tab pos="3173216" algn="l"/>
+                <a:tab pos="3807859" algn="l"/>
+                <a:tab pos="4442502" algn="l"/>
+                <a:tab pos="5077145" algn="l"/>
+              </a:tabLst>
+            </a:pPr>
+            <a:r>
+              <a:rPr lang="en-US" dirty="0" smtClean="0"/>
+              <a:t>Fig6</a:t>
+            </a:r>
+            <a:r>
+              <a:rPr dirty="0"/>
+              <a:t>
+BOLD activity during object‐cueing period, object‐cued place recognition period, and spatial memory period. (A, C, E) A sagittal (left) and a coronal (right) section showing the peak hippocampal activity for each event period (</a:t>
+            </a:r>
+            <a:r>
+              <a:rPr i="1" dirty="0"/>
+              <a:t>P</a:t>
+            </a:r>
+            <a:r>
+              <a:rPr dirty="0"/>
+              <a:t> &lt; 0.05, FWE‐corrected, one‐sample </a:t>
+            </a:r>
+            <a:r>
+              <a:rPr i="1" dirty="0"/>
+              <a:t>t</a:t>
+            </a:r>
+            <a:r>
+              <a:rPr dirty="0"/>
+              <a:t> test). MNI coordinates are shown above the corresponding sections. In each row, the scale bar shows the range of the t‐statistics from GLM analysis for each event period with red color representing higher response. OCP: Object‐cueing period, OPRP: Object‐cued place recognition period, SMP: Spatial memory period. Mean ± S.E.M. *</a:t>
+            </a:r>
+            <a:r>
+              <a:rPr i="1" dirty="0"/>
+              <a:t>P</a:t>
+            </a:r>
+            <a:r>
+              <a:rPr dirty="0"/>
+              <a:t> &lt; 0.05, **</a:t>
+            </a:r>
+            <a:r>
+              <a:rPr i="1" dirty="0"/>
+              <a:t>P</a:t>
+            </a:r>
+            <a:r>
+              <a:rPr dirty="0"/>
+              <a:t> &lt; 0.01, ***</a:t>
+            </a:r>
+            <a:r>
+              <a:rPr i="1" dirty="0"/>
+              <a:t>P</a:t>
+            </a:r>
+            <a:r>
+              <a:rPr dirty="0"/>
+              <a:t> &lt; 0.001. (A) Object‐cueing period (OCP): A subset of voxels in the left hippocampus showing significant activity during the object‐cueing period (highlighted with a dotted circle), compared to the control. (B) Mean coefficient contrasts of the OCP‐responsive voxels in the left hippocampus across three different periods. (C) Object‐cued place recognition period (OPRP): A subset of voxels in the right hippocampus (highlighted with dotted circles) showing significant BOLD activity during the OPRP. (D) Mean coefficient contrasts of the OPRP‐response voxels in the right hippocampus across three different event periods. (E) Spatial memory period (SMP): During the spatial memory period, the right hippocampus (highlighted with a dotted circle) showed significant BOLD activity compared to the control condition. (F) Average coefficient contrasts of the SMP‐responsive voxels in the right hippocampus across three different event periods. [Color figure can be viewed in the online issue, which is available at wileyonlinelibrary.com.]</a:t>
+            </a:r>
+          </a:p>
+          <a:p>
+            <a:endParaRPr dirty="0"/>
+          </a:p>
+          <a:p>
+            <a:r>
+              <a:rPr lang="en-GB" dirty="0"/>
+              <a:t>IF THIS IMAGE HAS BEEN PROVIDED BY OR IS OWNED BY A THIRD PARTY, AS INDICATED IN THE CAPTION LINE, THEN FURTHER PERMISSION MAY BE NEEDED BEFORE ANY FURTHER USE. PLEASE CONTACT WILEY'S PERMISSIONS DEPARTMENT ON PERMISSIONS@WILEY.COM OR USE THE RIGHTSLINK SERVICE BY CLICKING ON THE 'REQUEST PERMISSIONS' LINK ACCOMPANYING THIS ARTICLE. WILEY OR AUTHOR OWNED IMAGES MAY BE USED FOR NON-COMMERCIAL PURPOSES, SUBJECT TO PROPER CITATION OF THE ARTICLE, AUTHOR, AND PUBLISHER.</a:t>
+            </a:r>
+            <a:endParaRPr dirty="0"/>
+          </a:p>
+        </p:txBody>
+      </p:sp>
+    </p:spTree>
+  </p:cSld>
+  <p:clrMapOvr>
+    <a:masterClrMapping/>
+  </p:clrMapOvr>
+</p:notes>
+</file>
+
+<file path=ppt/notesSlides/notesSlide26.xml><?xml version="1.0" encoding="utf-8"?>
+<p:notes xmlns:a="http://schemas.openxmlformats.org/drawingml/2006/main" xmlns:r="http://schemas.openxmlformats.org/officeDocument/2006/relationships" xmlns:p="http://schemas.openxmlformats.org/presentationml/2006/main">
+  <p:cSld>
+    <p:bg>
+      <p:bgPr>
+        <a:solidFill>
+          <a:srgbClr val="FFFFFF"/>
+        </a:solidFill>
+        <a:effectLst/>
+      </p:bgPr>
+    </p:bg>
+    <p:spTree>
+      <p:nvGrpSpPr>
+        <p:cNvPr id="1" name=""/>
+        <p:cNvGrpSpPr/>
+        <p:nvPr/>
+      </p:nvGrpSpPr>
+      <p:grpSpPr>
+        <a:xfrm>
+          <a:off x="0" y="0"/>
+          <a:ext cx="0" cy="0"/>
+          <a:chOff x="0" y="0"/>
+          <a:chExt cx="0" cy="0"/>
+        </a:xfrm>
+      </p:grpSpPr>
+      <p:sp>
+        <p:nvSpPr>
+          <p:cNvPr id="4098" name="Rectangle 6"/>
+          <p:cNvSpPr>
+            <a:spLocks noGrp="1" noChangeArrowheads="1"/>
+          </p:cNvSpPr>
+          <p:nvPr>
+            <p:ph type="sldNum" sz="quarter"/>
+          </p:nvPr>
+        </p:nvSpPr>
+        <p:spPr>
+          <a:noFill/>
+        </p:spPr>
+        <p:txBody>
+          <a:bodyPr/>
+          <a:lstStyle/>
+          <a:p>
+            <a:fld id="{0E78A471-D789-41F3-8A64-F8CE717DD838}" type="slidenum">
+              <a:rPr lang="en-GB"/>
+              <a:t>26</a:t>
+            </a:fld>
+            <a:endParaRPr lang="en-GB"/>
+          </a:p>
+        </p:txBody>
+      </p:sp>
+      <p:sp>
+        <p:nvSpPr>
+          <p:cNvPr id="4099" name="Rectangle 1"/>
+          <p:cNvSpPr txBox="1">
+            <a:spLocks noGrp="1" noRot="1" noChangeAspect="1" noChangeArrowheads="1" noTextEdit="1"/>
+          </p:cNvSpPr>
+          <p:nvPr>
+            <p:ph type="sldImg"/>
+          </p:nvPr>
+        </p:nvSpPr>
+        <p:spPr>
+          <a:xfrm>
+            <a:off x="1003786" y="695134"/>
+            <a:ext cx="4848989" cy="3428152"/>
+          </a:xfrm>
+          <a:solidFill>
+            <a:srgbClr val="FFFFFF"/>
+          </a:solidFill>
+          <a:ln>
+            <a:solidFill>
+              <a:srgbClr val="000000"/>
+            </a:solidFill>
+            <a:miter lim="800000"/>
+          </a:ln>
+        </p:spPr>
+      </p:sp>
+      <p:sp>
+        <p:nvSpPr>
+          <p:cNvPr id="4100" name="Text Box 2"/>
+          <p:cNvSpPr txBox="1">
+            <a:spLocks noGrp="1" noChangeArrowheads="1"/>
+          </p:cNvSpPr>
+          <p:nvPr>
+            <p:ph type="body" idx="1"/>
+          </p:nvPr>
+        </p:nvSpPr>
+        <p:spPr>
+          <a:xfrm>
+            <a:off x="685512" y="4343230"/>
+            <a:ext cx="5486976" cy="4115139"/>
+          </a:xfrm>
+          <a:noFill/>
+          <a:ln/>
+        </p:spPr>
+        <p:txBody>
+          <a:bodyPr tIns="9279"/>
+          <a:lstStyle/>
+          <a:p>
+            <a:pPr algn="just">
+              <a:lnSpc>
+                <a:spcPct val="93000"/>
+              </a:lnSpc>
+              <a:spcBef>
+                <a:spcPct val="0"/>
+              </a:spcBef>
+              <a:tabLst>
+                <a:tab pos="634643" algn="l"/>
+                <a:tab pos="1269286" algn="l"/>
+                <a:tab pos="1903929" algn="l"/>
+                <a:tab pos="2538573" algn="l"/>
+                <a:tab pos="3173216" algn="l"/>
+                <a:tab pos="3807859" algn="l"/>
+                <a:tab pos="4442502" algn="l"/>
+                <a:tab pos="5077145" algn="l"/>
+              </a:tabLst>
+            </a:pPr>
+            <a:r>
+              <a:rPr lang="en-US" dirty="0" smtClean="0"/>
+              <a:t>Fig7</a:t>
+            </a:r>
+            <a:r>
+              <a:rPr dirty="0"/>
+              <a:t>
+Contributions of object‐associated task difficulty and sex to the hemispheric bias in %BOLD signal change. (A) Hemispheric bias in normalized %BOLD signal change in each event period. (B) Hemispheric bias in normalized %BOLD signal change for each event period, shown separately for the objects with which performance levels were either high (Hi, </a:t>
+            </a:r>
+            <a:r>
+              <a:rPr i="1" dirty="0"/>
+              <a:t>n</a:t>
+            </a:r>
+            <a:r>
+              <a:rPr dirty="0"/>
+              <a:t> = 19) or low (Lo, </a:t>
+            </a:r>
+            <a:r>
+              <a:rPr i="1" dirty="0"/>
+              <a:t>n</a:t>
+            </a:r>
+            <a:r>
+              <a:rPr dirty="0"/>
+              <a:t> = 21). (C) Hemispheric bias in normalized % BOLD signal change for each event period, drawn separately for female (F, </a:t>
+            </a:r>
+            <a:r>
+              <a:rPr i="1" dirty="0"/>
+              <a:t>n</a:t>
+            </a:r>
+            <a:r>
+              <a:rPr dirty="0"/>
+              <a:t> = 5) and male (M, </a:t>
+            </a:r>
+            <a:r>
+              <a:rPr i="1" dirty="0"/>
+              <a:t>n</a:t>
+            </a:r>
+            <a:r>
+              <a:rPr dirty="0"/>
+              <a:t> = 11) subjects. OCP: object‐cueing period, OPRP: object‐cued place recognition period, SMP: spatial memory period. Mean ± S.E.M. **</a:t>
+            </a:r>
+            <a:r>
+              <a:rPr i="1" dirty="0"/>
+              <a:t>P</a:t>
+            </a:r>
+            <a:r>
+              <a:rPr dirty="0"/>
+              <a:t> &lt; 0.01, ***</a:t>
+            </a:r>
+            <a:r>
+              <a:rPr i="1" dirty="0"/>
+              <a:t>P</a:t>
+            </a:r>
+            <a:r>
+              <a:rPr dirty="0"/>
+              <a:t> &lt; 0.001. [Color figure can be viewed in the online issue, which is available at wileyonlinelibrary.com.]</a:t>
+            </a:r>
+          </a:p>
+          <a:p>
+            <a:endParaRPr dirty="0"/>
+          </a:p>
+          <a:p>
+            <a:r>
+              <a:rPr lang="en-GB" dirty="0"/>
+              <a:t>IF THIS IMAGE HAS BEEN PROVIDED BY OR IS OWNED BY A THIRD PARTY, AS INDICATED IN THE CAPTION LINE, THEN FURTHER PERMISSION MAY BE NEEDED BEFORE ANY FURTHER USE. PLEASE CONTACT WILEY'S PERMISSIONS DEPARTMENT ON PERMISSIONS@WILEY.COM OR USE THE RIGHTSLINK SERVICE BY CLICKING ON THE 'REQUEST PERMISSIONS' LINK ACCOMPANYING THIS ARTICLE. WILEY OR AUTHOR OWNED IMAGES MAY BE USED FOR NON-COMMERCIAL PURPOSES, SUBJECT TO PROPER CITATION OF THE ARTICLE, AUTHOR, AND PUBLISHER.</a:t>
+            </a:r>
+            <a:endParaRPr dirty="0"/>
+          </a:p>
+        </p:txBody>
+      </p:sp>
+    </p:spTree>
+  </p:cSld>
+  <p:clrMapOvr>
+    <a:masterClrMapping/>
+  </p:clrMapOvr>
+</p:notes>
+</file>
+
+<file path=ppt/notesSlides/notesSlide27.xml><?xml version="1.0" encoding="utf-8"?>
+<p:notes xmlns:a="http://schemas.openxmlformats.org/drawingml/2006/main" xmlns:r="http://schemas.openxmlformats.org/officeDocument/2006/relationships" xmlns:p="http://schemas.openxmlformats.org/presentationml/2006/main">
+  <p:cSld>
+    <p:bg>
+      <p:bgPr>
+        <a:solidFill>
+          <a:srgbClr val="FFFFFF"/>
+        </a:solidFill>
+        <a:effectLst/>
+      </p:bgPr>
+    </p:bg>
+    <p:spTree>
+      <p:nvGrpSpPr>
+        <p:cNvPr id="1" name=""/>
+        <p:cNvGrpSpPr/>
+        <p:nvPr/>
+      </p:nvGrpSpPr>
+      <p:grpSpPr>
+        <a:xfrm>
+          <a:off x="0" y="0"/>
+          <a:ext cx="0" cy="0"/>
+          <a:chOff x="0" y="0"/>
+          <a:chExt cx="0" cy="0"/>
+        </a:xfrm>
+      </p:grpSpPr>
+      <p:sp>
+        <p:nvSpPr>
+          <p:cNvPr id="4098" name="Rectangle 6"/>
+          <p:cNvSpPr>
+            <a:spLocks noGrp="1" noChangeArrowheads="1"/>
+          </p:cNvSpPr>
+          <p:nvPr>
+            <p:ph type="sldNum" sz="quarter"/>
+          </p:nvPr>
+        </p:nvSpPr>
+        <p:spPr>
+          <a:noFill/>
+        </p:spPr>
+        <p:txBody>
+          <a:bodyPr/>
+          <a:lstStyle/>
+          <a:p>
+            <a:fld id="{0E78A471-D789-41F3-8A64-F8CE717DD838}" type="slidenum">
+              <a:rPr lang="en-GB"/>
+              <a:t>27</a:t>
+            </a:fld>
+            <a:endParaRPr lang="en-GB"/>
+          </a:p>
+        </p:txBody>
+      </p:sp>
+      <p:sp>
+        <p:nvSpPr>
+          <p:cNvPr id="4099" name="Rectangle 1"/>
+          <p:cNvSpPr txBox="1">
+            <a:spLocks noGrp="1" noRot="1" noChangeAspect="1" noChangeArrowheads="1" noTextEdit="1"/>
+          </p:cNvSpPr>
+          <p:nvPr>
+            <p:ph type="sldImg"/>
+          </p:nvPr>
+        </p:nvSpPr>
+        <p:spPr>
+          <a:xfrm>
+            <a:off x="1003786" y="695134"/>
+            <a:ext cx="4848989" cy="3428152"/>
+          </a:xfrm>
+          <a:solidFill>
+            <a:srgbClr val="FFFFFF"/>
+          </a:solidFill>
+          <a:ln>
+            <a:solidFill>
+              <a:srgbClr val="000000"/>
+            </a:solidFill>
+            <a:miter lim="800000"/>
+          </a:ln>
+        </p:spPr>
+      </p:sp>
+      <p:sp>
+        <p:nvSpPr>
+          <p:cNvPr id="4100" name="Text Box 2"/>
+          <p:cNvSpPr txBox="1">
+            <a:spLocks noGrp="1" noChangeArrowheads="1"/>
+          </p:cNvSpPr>
+          <p:nvPr>
+            <p:ph type="body" idx="1"/>
+          </p:nvPr>
+        </p:nvSpPr>
+        <p:spPr>
+          <a:xfrm>
+            <a:off x="685512" y="4343230"/>
+            <a:ext cx="5486976" cy="4115139"/>
+          </a:xfrm>
+          <a:noFill/>
+          <a:ln/>
+        </p:spPr>
+        <p:txBody>
+          <a:bodyPr tIns="9279"/>
+          <a:lstStyle/>
+          <a:p>
+            <a:pPr algn="just">
+              <a:lnSpc>
+                <a:spcPct val="93000"/>
+              </a:lnSpc>
+              <a:spcBef>
+                <a:spcPct val="0"/>
+              </a:spcBef>
+              <a:tabLst>
+                <a:tab pos="634643" algn="l"/>
+                <a:tab pos="1269286" algn="l"/>
+                <a:tab pos="1903929" algn="l"/>
+                <a:tab pos="2538573" algn="l"/>
+                <a:tab pos="3173216" algn="l"/>
+                <a:tab pos="3807859" algn="l"/>
+                <a:tab pos="4442502" algn="l"/>
+                <a:tab pos="5077145" algn="l"/>
+              </a:tabLst>
+            </a:pPr>
+            <a:r>
+              <a:rPr lang="en-US" smtClean="0"/>
+              <a:t>Fig8</a:t>
+            </a:r>
+            <a:r>
+              <a:rPr/>
+              <a:t>
+Left and right hippocampal BOLD activity correlated with efficient search for target place during the object‐cued place recognition period (OPRP) and spatial memory period (SMP), respectively. </a:t>
+            </a:r>
+            <a:r>
+              <a:rPr dirty="0"/>
+              <a:t>(A,B) Sagittal (left) and coronal (right) hippocampal sections showing the regions significantly modulated by search efficiency during the OPRP and the SMP, two event periods in which spatial memory components were important. Scale bars show the range of the t‐statistics from </a:t>
+            </a:r>
+            <a:r>
+              <a:rPr i="1" dirty="0"/>
+              <a:t>t</a:t>
+            </a:r>
+            <a:r>
+              <a:rPr dirty="0"/>
+              <a:t> test. (A) The BOLD signal in the left hippocampus (highlighted with dotted circles) was significantly modulated by search efficiency during the OPRP, compared to the control baseline (</a:t>
+            </a:r>
+            <a:r>
+              <a:rPr i="1" dirty="0"/>
+              <a:t>P</a:t>
+            </a:r>
+            <a:r>
+              <a:rPr dirty="0"/>
+              <a:t> &lt; 0.001, uncorrected, one‐sample </a:t>
+            </a:r>
+            <a:r>
+              <a:rPr i="1" dirty="0"/>
+              <a:t>t</a:t>
+            </a:r>
+            <a:r>
+              <a:rPr dirty="0"/>
+              <a:t> test). (B) The BOLD response of the right hippocampus (highlighted with dotted circles) was significantly modulated by search efficiency during the SMP, compared to the control baseline (</a:t>
+            </a:r>
+            <a:r>
+              <a:rPr i="1" dirty="0"/>
+              <a:t>P</a:t>
+            </a:r>
+            <a:r>
+              <a:rPr dirty="0"/>
+              <a:t> &lt; 0.001, uncorrected, one‐sample </a:t>
+            </a:r>
+            <a:r>
+              <a:rPr i="1" dirty="0"/>
+              <a:t>t</a:t>
+            </a:r>
+            <a:r>
+              <a:rPr dirty="0"/>
+              <a:t> test). (C) Comparison of the modulatory coefficient contrasts for the left and right hippocampal voxels showed a significant interaction between hemisphere and event period. Mean ± S.E.M. *</a:t>
+            </a:r>
+            <a:r>
+              <a:rPr i="1" dirty="0"/>
+              <a:t>P</a:t>
+            </a:r>
+            <a:r>
+              <a:rPr dirty="0"/>
+              <a:t> &lt; 0.05, **</a:t>
+            </a:r>
+            <a:r>
+              <a:rPr i="1" dirty="0"/>
+              <a:t>P</a:t>
+            </a:r>
+            <a:r>
+              <a:rPr dirty="0"/>
+              <a:t> &lt; 0.01, ***</a:t>
+            </a:r>
+            <a:r>
+              <a:rPr i="1" dirty="0"/>
+              <a:t>P</a:t>
+            </a:r>
+            <a:r>
+              <a:rPr dirty="0"/>
+              <a:t> &lt; 0.001 (</a:t>
+            </a:r>
+            <a:r>
+              <a:rPr dirty="0" err="1"/>
+              <a:t>Bonferroni</a:t>
+            </a:r>
+            <a:r>
+              <a:rPr dirty="0"/>
+              <a:t> corrected, paired </a:t>
+            </a:r>
+            <a:r>
+              <a:rPr i="1" dirty="0"/>
+              <a:t>t</a:t>
+            </a:r>
+            <a:r>
+              <a:rPr dirty="0"/>
+              <a:t> test). [Color figure can be viewed in the online issue, which is available at wileyonlinelibrary.com.]</a:t>
+            </a:r>
+          </a:p>
+          <a:p>
+            <a:endParaRPr dirty="0"/>
+          </a:p>
+          <a:p>
+            <a:r>
+              <a:rPr lang="en-GB" dirty="0"/>
+              <a:t>IF THIS IMAGE HAS BEEN PROVIDED BY OR IS OWNED BY A THIRD PARTY, AS INDICATED IN THE CAPTION LINE, THEN FURTHER PERMISSION MAY BE NEEDED BEFORE ANY FURTHER USE. PLEASE CONTACT WILEY'S PERMISSIONS DEPARTMENT ON PERMISSIONS@WILEY.COM OR USE THE RIGHTSLINK SERVICE BY CLICKING ON THE 'REQUEST PERMISSIONS' LINK ACCOMPANYING THIS ARTICLE. WILEY OR AUTHOR OWNED IMAGES MAY BE USED FOR NON-COMMERCIAL PURPOSES, SUBJECT TO PROPER CITATION OF THE ARTICLE, AUTHOR, AND PUBLISHER.</a:t>
+            </a:r>
+            <a:endParaRPr dirty="0"/>
+          </a:p>
+        </p:txBody>
+      </p:sp>
+    </p:spTree>
+  </p:cSld>
+  <p:clrMapOvr>
+    <a:masterClrMapping/>
+  </p:clrMapOvr>
+</p:notes>
+</file>
+
+<file path=ppt/notesSlides/notesSlide28.xml><?xml version="1.0" encoding="utf-8"?>
+<p:notes xmlns:a="http://schemas.openxmlformats.org/drawingml/2006/main" xmlns:r="http://schemas.openxmlformats.org/officeDocument/2006/relationships" xmlns:p="http://schemas.openxmlformats.org/presentationml/2006/main">
+  <p:cSld>
+    <p:spTree>
+      <p:nvGrpSpPr>
+        <p:cNvPr id="1" name=""/>
+        <p:cNvGrpSpPr/>
+        <p:nvPr/>
+      </p:nvGrpSpPr>
+      <p:grpSpPr>
+        <a:xfrm>
+          <a:off x="0" y="0"/>
+          <a:ext cx="0" cy="0"/>
+          <a:chOff x="0" y="0"/>
+          <a:chExt cx="0" cy="0"/>
+        </a:xfrm>
+      </p:grpSpPr>
+      <p:sp>
+        <p:nvSpPr>
+          <p:cNvPr id="2" name="幻灯片图像占位符 1"/>
+          <p:cNvSpPr>
+            <a:spLocks noGrp="1" noRot="1" noChangeAspect="1"/>
+          </p:cNvSpPr>
+          <p:nvPr>
+            <p:ph type="sldImg"/>
+          </p:nvPr>
+        </p:nvSpPr>
+        <p:spPr/>
+      </p:sp>
+      <p:sp>
+        <p:nvSpPr>
+          <p:cNvPr id="3" name="备注占位符 2"/>
+          <p:cNvSpPr>
+            <a:spLocks noGrp="1"/>
+          </p:cNvSpPr>
+          <p:nvPr>
+            <p:ph type="body" idx="1"/>
+          </p:nvPr>
+        </p:nvSpPr>
+        <p:spPr/>
+        <p:txBody>
+          <a:bodyPr/>
+          <a:lstStyle/>
+          <a:p>
+            <a:endParaRPr lang="zh-CN" altLang="en-US" dirty="0"/>
+          </a:p>
+        </p:txBody>
+      </p:sp>
+      <p:sp>
+        <p:nvSpPr>
+          <p:cNvPr id="4" name="灯片编号占位符 3"/>
+          <p:cNvSpPr>
+            <a:spLocks noGrp="1"/>
+          </p:cNvSpPr>
+          <p:nvPr>
+            <p:ph type="sldNum" sz="quarter" idx="10"/>
+          </p:nvPr>
+        </p:nvSpPr>
+        <p:spPr/>
+        <p:txBody>
+          <a:bodyPr/>
+          <a:lstStyle/>
+          <a:p>
+            <a:fld id="{DD202784-B46A-4EF4-B218-4316F9133D14}" type="slidenum">
+              <a:rPr lang="zh-CN" altLang="en-US" smtClean="0"/>
+              <a:t>28</a:t>
+            </a:fld>
+            <a:endParaRPr lang="zh-CN" altLang="en-US"/>
+          </a:p>
+        </p:txBody>
+      </p:sp>
+    </p:spTree>
+    <p:extLst>
+      <p:ext uri="{BB962C8B-B14F-4D97-AF65-F5344CB8AC3E}">
+        <p14:creationId xmlns:p14="http://schemas.microsoft.com/office/powerpoint/2010/main" val="3776015239"/>
+      </p:ext>
+    </p:extLst>
+  </p:cSld>
+  <p:clrMapOvr>
+    <a:masterClrMapping/>
+  </p:clrMapOvr>
+</p:notes>
+</file>
+
+<file path=ppt/notesSlides/notesSlide29.xml><?xml version="1.0" encoding="utf-8"?>
+<p:notes xmlns:a="http://schemas.openxmlformats.org/drawingml/2006/main" xmlns:r="http://schemas.openxmlformats.org/officeDocument/2006/relationships" xmlns:p="http://schemas.openxmlformats.org/presentationml/2006/main">
+  <p:cSld>
+    <p:spTree>
+      <p:nvGrpSpPr>
+        <p:cNvPr id="1" name=""/>
+        <p:cNvGrpSpPr/>
+        <p:nvPr/>
+      </p:nvGrpSpPr>
+      <p:grpSpPr>
+        <a:xfrm>
+          <a:off x="0" y="0"/>
+          <a:ext cx="0" cy="0"/>
+          <a:chOff x="0" y="0"/>
+          <a:chExt cx="0" cy="0"/>
+        </a:xfrm>
+      </p:grpSpPr>
+      <p:sp>
+        <p:nvSpPr>
+          <p:cNvPr id="2" name="幻灯片图像占位符 1"/>
+          <p:cNvSpPr>
+            <a:spLocks noGrp="1" noRot="1" noChangeAspect="1"/>
+          </p:cNvSpPr>
+          <p:nvPr>
+            <p:ph type="sldImg"/>
+          </p:nvPr>
+        </p:nvSpPr>
+        <p:spPr/>
+      </p:sp>
+      <p:sp>
+        <p:nvSpPr>
+          <p:cNvPr id="3" name="备注占位符 2"/>
+          <p:cNvSpPr>
+            <a:spLocks noGrp="1"/>
+          </p:cNvSpPr>
+          <p:nvPr>
+            <p:ph type="body" idx="1"/>
+          </p:nvPr>
+        </p:nvSpPr>
+        <p:spPr/>
+        <p:txBody>
+          <a:bodyPr/>
+          <a:lstStyle/>
+          <a:p>
+            <a:pPr marL="457200" lvl="1" indent="0">
+              <a:lnSpc>
+                <a:spcPct val="150000"/>
+              </a:lnSpc>
+              <a:buFont typeface="Arial" panose="020B0604020202020204" pitchFamily="34" charset="0"/>
+              <a:buNone/>
+            </a:pPr>
+            <a:endParaRPr lang="en-US" altLang="zh-CN" sz="2800" dirty="0"/>
+          </a:p>
+        </p:txBody>
+      </p:sp>
+      <p:sp>
+        <p:nvSpPr>
+          <p:cNvPr id="4" name="灯片编号占位符 3"/>
+          <p:cNvSpPr>
+            <a:spLocks noGrp="1"/>
+          </p:cNvSpPr>
+          <p:nvPr>
+            <p:ph type="sldNum" sz="quarter" idx="10"/>
+          </p:nvPr>
+        </p:nvSpPr>
+        <p:spPr/>
+        <p:txBody>
+          <a:bodyPr/>
+          <a:lstStyle/>
+          <a:p>
+            <a:fld id="{DD202784-B46A-4EF4-B218-4316F9133D14}" type="slidenum">
+              <a:rPr lang="zh-CN" altLang="en-US" smtClean="0"/>
+              <a:t>29</a:t>
+            </a:fld>
+            <a:endParaRPr lang="zh-CN" altLang="en-US"/>
+          </a:p>
+        </p:txBody>
+      </p:sp>
+    </p:spTree>
+    <p:extLst>
+      <p:ext uri="{BB962C8B-B14F-4D97-AF65-F5344CB8AC3E}">
+        <p14:creationId xmlns:p14="http://schemas.microsoft.com/office/powerpoint/2010/main" val="3763311556"/>
+      </p:ext>
+    </p:extLst>
+  </p:cSld>
+  <p:clrMapOvr>
+    <a:masterClrMapping/>
+  </p:clrMapOvr>
+</p:notes>
+</file>
+
 <file path=ppt/notesSlides/notesSlide3.xml><?xml version="1.0" encoding="utf-8"?>
 <p:notes xmlns:a="http://schemas.openxmlformats.org/drawingml/2006/main" xmlns:r="http://schemas.openxmlformats.org/officeDocument/2006/relationships" xmlns:p="http://schemas.openxmlformats.org/presentationml/2006/main">
   <p:cSld>
@@ -5749,6 +7346,258 @@
 </p:sldLayout>
 </file>
 
+<file path=ppt/slideLayouts/slideLayout12.xml><?xml version="1.0" encoding="utf-8"?>
+<p:sldLayout xmlns:a="http://schemas.openxmlformats.org/drawingml/2006/main" xmlns:r="http://schemas.openxmlformats.org/officeDocument/2006/relationships" xmlns:p="http://schemas.openxmlformats.org/presentationml/2006/main" type="objOverTx">
+  <p:cSld name="Title and Content over Text">
+    <p:spTree>
+      <p:nvGrpSpPr>
+        <p:cNvPr id="1" name=""/>
+        <p:cNvGrpSpPr/>
+        <p:nvPr/>
+      </p:nvGrpSpPr>
+      <p:grpSpPr>
+        <a:xfrm>
+          <a:off x="0" y="0"/>
+          <a:ext cx="0" cy="0"/>
+          <a:chOff x="0" y="0"/>
+          <a:chExt cx="0" cy="0"/>
+        </a:xfrm>
+      </p:grpSpPr>
+      <p:sp>
+        <p:nvSpPr>
+          <p:cNvPr id="2" name="Title 1"/>
+          <p:cNvSpPr>
+            <a:spLocks noGrp="1"/>
+          </p:cNvSpPr>
+          <p:nvPr>
+            <p:ph type="title"/>
+          </p:nvPr>
+        </p:nvSpPr>
+        <p:spPr>
+          <a:xfrm>
+            <a:off x="608641" y="273629"/>
+            <a:ext cx="10968959" cy="1143480"/>
+          </a:xfrm>
+        </p:spPr>
+        <p:txBody>
+          <a:bodyPr/>
+          <a:lstStyle/>
+          <a:p>
+            <a:r>
+              <a:rPr lang="en-US" smtClean="0"/>
+              <a:t>Click to edit Master title style</a:t>
+            </a:r>
+            <a:endParaRPr lang="en-US"/>
+          </a:p>
+        </p:txBody>
+      </p:sp>
+      <p:sp>
+        <p:nvSpPr>
+          <p:cNvPr id="3" name="Content Placeholder 2"/>
+          <p:cNvSpPr>
+            <a:spLocks noGrp="1"/>
+          </p:cNvSpPr>
+          <p:nvPr>
+            <p:ph sz="half" idx="1"/>
+          </p:nvPr>
+        </p:nvSpPr>
+        <p:spPr>
+          <a:xfrm>
+            <a:off x="608641" y="1604329"/>
+            <a:ext cx="10968959" cy="2193351"/>
+          </a:xfrm>
+        </p:spPr>
+        <p:txBody>
+          <a:bodyPr/>
+          <a:lstStyle/>
+          <a:p>
+            <a:pPr lvl="0"/>
+            <a:r>
+              <a:rPr lang="en-US" smtClean="0"/>
+              <a:t>Click to edit Master text styles</a:t>
+            </a:r>
+          </a:p>
+          <a:p>
+            <a:pPr lvl="1"/>
+            <a:r>
+              <a:rPr lang="en-US" smtClean="0"/>
+              <a:t>Second level</a:t>
+            </a:r>
+          </a:p>
+          <a:p>
+            <a:pPr lvl="2"/>
+            <a:r>
+              <a:rPr lang="en-US" smtClean="0"/>
+              <a:t>Third level</a:t>
+            </a:r>
+          </a:p>
+          <a:p>
+            <a:pPr lvl="3"/>
+            <a:r>
+              <a:rPr lang="en-US" smtClean="0"/>
+              <a:t>Fourth level</a:t>
+            </a:r>
+          </a:p>
+          <a:p>
+            <a:pPr lvl="4"/>
+            <a:r>
+              <a:rPr lang="en-US" smtClean="0"/>
+              <a:t>Fifth level</a:t>
+            </a:r>
+            <a:endParaRPr lang="en-US"/>
+          </a:p>
+        </p:txBody>
+      </p:sp>
+      <p:sp>
+        <p:nvSpPr>
+          <p:cNvPr id="4" name="Text Placeholder 3"/>
+          <p:cNvSpPr>
+            <a:spLocks noGrp="1"/>
+          </p:cNvSpPr>
+          <p:nvPr>
+            <p:ph type="body" sz="half" idx="2"/>
+          </p:nvPr>
+        </p:nvSpPr>
+        <p:spPr>
+          <a:xfrm>
+            <a:off x="608641" y="3935934"/>
+            <a:ext cx="10968959" cy="2193350"/>
+          </a:xfrm>
+        </p:spPr>
+        <p:txBody>
+          <a:bodyPr/>
+          <a:lstStyle/>
+          <a:p>
+            <a:pPr lvl="0"/>
+            <a:r>
+              <a:rPr lang="en-US" smtClean="0"/>
+              <a:t>Click to edit Master text styles</a:t>
+            </a:r>
+          </a:p>
+          <a:p>
+            <a:pPr lvl="1"/>
+            <a:r>
+              <a:rPr lang="en-US" smtClean="0"/>
+              <a:t>Second level</a:t>
+            </a:r>
+          </a:p>
+          <a:p>
+            <a:pPr lvl="2"/>
+            <a:r>
+              <a:rPr lang="en-US" smtClean="0"/>
+              <a:t>Third level</a:t>
+            </a:r>
+          </a:p>
+          <a:p>
+            <a:pPr lvl="3"/>
+            <a:r>
+              <a:rPr lang="en-US" smtClean="0"/>
+              <a:t>Fourth level</a:t>
+            </a:r>
+          </a:p>
+          <a:p>
+            <a:pPr lvl="4"/>
+            <a:r>
+              <a:rPr lang="en-US" smtClean="0"/>
+              <a:t>Fifth level</a:t>
+            </a:r>
+            <a:endParaRPr lang="en-US"/>
+          </a:p>
+        </p:txBody>
+      </p:sp>
+      <p:sp>
+        <p:nvSpPr>
+          <p:cNvPr id="5" name="Rectangle 3"/>
+          <p:cNvSpPr>
+            <a:spLocks noGrp="1" noChangeArrowheads="1"/>
+          </p:cNvSpPr>
+          <p:nvPr>
+            <p:ph type="dt" idx="10"/>
+          </p:nvPr>
+        </p:nvSpPr>
+        <p:spPr>
+          <a:ln/>
+        </p:spPr>
+        <p:txBody>
+          <a:bodyPr/>
+          <a:lstStyle>
+            <a:lvl1pPr>
+              <a:defRPr/>
+            </a:lvl1pPr>
+          </a:lstStyle>
+          <a:p>
+            <a:endParaRPr lang="en-US"/>
+          </a:p>
+        </p:txBody>
+      </p:sp>
+      <p:sp>
+        <p:nvSpPr>
+          <p:cNvPr id="6" name="Rectangle 4"/>
+          <p:cNvSpPr>
+            <a:spLocks noGrp="1" noChangeArrowheads="1"/>
+          </p:cNvSpPr>
+          <p:nvPr>
+            <p:ph type="ftr" idx="11"/>
+          </p:nvPr>
+        </p:nvSpPr>
+        <p:spPr>
+          <a:ln/>
+        </p:spPr>
+        <p:txBody>
+          <a:bodyPr/>
+          <a:lstStyle>
+            <a:lvl1pPr>
+              <a:defRPr/>
+            </a:lvl1pPr>
+          </a:lstStyle>
+          <a:p>
+            <a:endParaRPr lang="en-US"/>
+          </a:p>
+        </p:txBody>
+      </p:sp>
+      <p:sp>
+        <p:nvSpPr>
+          <p:cNvPr id="7" name="Rectangle 5"/>
+          <p:cNvSpPr>
+            <a:spLocks noGrp="1" noChangeArrowheads="1"/>
+          </p:cNvSpPr>
+          <p:nvPr>
+            <p:ph type="sldNum" idx="12"/>
+          </p:nvPr>
+        </p:nvSpPr>
+        <p:spPr>
+          <a:ln/>
+        </p:spPr>
+        <p:txBody>
+          <a:bodyPr/>
+          <a:lstStyle>
+            <a:lvl1pPr>
+              <a:defRPr/>
+            </a:lvl1pPr>
+          </a:lstStyle>
+          <a:p>
+            <a:fld id="{D165E9B0-7DA8-466E-963D-86F25D5E43BA}" type="slidenum">
+              <a:rPr lang="en-GB"/>
+              <a:pPr/>
+              <a:t>‹#›</a:t>
+            </a:fld>
+            <a:endParaRPr lang="en-GB"/>
+          </a:p>
+        </p:txBody>
+      </p:sp>
+    </p:spTree>
+    <p:extLst>
+      <p:ext uri="{BB962C8B-B14F-4D97-AF65-F5344CB8AC3E}">
+        <p14:creationId xmlns:p14="http://schemas.microsoft.com/office/powerpoint/2010/main" val="2169249329"/>
+      </p:ext>
+    </p:extLst>
+  </p:cSld>
+  <p:clrMapOvr>
+    <a:masterClrMapping/>
+  </p:clrMapOvr>
+</p:sldLayout>
+</file>
+
 <file path=ppt/slideLayouts/slideLayout2.xml><?xml version="1.0" encoding="utf-8"?>
 <p:sldLayout xmlns:a="http://schemas.openxmlformats.org/drawingml/2006/main" xmlns:r="http://schemas.openxmlformats.org/officeDocument/2006/relationships" xmlns:p="http://schemas.openxmlformats.org/presentationml/2006/main" type="obj" preserve="1">
   <p:cSld name="标题和内容">
@@ -7748,6 +9597,7 @@
     <p:sldLayoutId id="2147483657" r:id="rId9"/>
     <p:sldLayoutId id="2147483658" r:id="rId10"/>
     <p:sldLayoutId id="2147483659" r:id="rId11"/>
+    <p:sldLayoutId id="2147483660" r:id="rId12"/>
   </p:sldLayoutIdLst>
   <p:txStyles>
     <p:titleStyle>
@@ -12176,15 +14026,7 @@
                 <a:ea typeface="Meiryo" panose="020B0604030504040204" pitchFamily="34" charset="-128"/>
                 <a:cs typeface="Meiryo" panose="020B0604030504040204" pitchFamily="34" charset="-128"/>
               </a:rPr>
-              <a:t>Object-based event </a:t>
-            </a:r>
-            <a:r>
-              <a:rPr lang="en-US" altLang="zh-CN" sz="2000" smtClean="0">
-                <a:latin typeface="Meiryo" panose="020B0604030504040204" pitchFamily="34" charset="-128"/>
-                <a:ea typeface="Meiryo" panose="020B0604030504040204" pitchFamily="34" charset="-128"/>
-                <a:cs typeface="Meiryo" panose="020B0604030504040204" pitchFamily="34" charset="-128"/>
-              </a:rPr>
-              <a:t>memory task</a:t>
+              <a:t>Object-based event memory task</a:t>
             </a:r>
             <a:endParaRPr lang="en-US" altLang="zh-CN" sz="2000" dirty="0" smtClean="0">
               <a:latin typeface="Meiryo" panose="020B0604030504040204" pitchFamily="34" charset="-128"/>
@@ -12611,6 +14453,2821 @@
       </p:grpSpPr>
       <p:sp>
         <p:nvSpPr>
+          <p:cNvPr id="2050" name="Rectangle 1"/>
+          <p:cNvSpPr>
+            <a:spLocks noGrp="1" noChangeArrowheads="1"/>
+          </p:cNvSpPr>
+          <p:nvPr>
+            <p:ph type="title"/>
+          </p:nvPr>
+        </p:nvSpPr>
+        <p:spPr>
+          <a:xfrm>
+            <a:off x="566401" y="419084"/>
+            <a:ext cx="10970880" cy="724396"/>
+          </a:xfrm>
+        </p:spPr>
+        <p:txBody>
+          <a:bodyPr tIns="14112"/>
+          <a:lstStyle/>
+          <a:p>
+            <a:pPr eaLnBrk="1">
+              <a:tabLst>
+                <a:tab pos="723900" algn="l"/>
+                <a:tab pos="1447800" algn="l"/>
+                <a:tab pos="2171700" algn="l"/>
+                <a:tab pos="2895600" algn="l"/>
+                <a:tab pos="3619500" algn="l"/>
+                <a:tab pos="4343400" algn="l"/>
+                <a:tab pos="5067300" algn="l"/>
+                <a:tab pos="5791200" algn="l"/>
+                <a:tab pos="6515100" algn="l"/>
+                <a:tab pos="7239000" algn="l"/>
+                <a:tab pos="7962900" algn="l"/>
+                <a:tab pos="8686800" algn="l"/>
+              </a:tabLst>
+            </a:pPr>
+            <a:r>
+              <a:rPr lang="en-GB" sz="1600" b="1" smtClean="0"/>
+              <a:t>Functional cross‐hemispheric shift between object‐place paired associate memory and spatial memory in the human hippocampus</a:t>
+            </a:r>
+          </a:p>
+        </p:txBody>
+      </p:sp>
+      <p:pic>
+        <p:nvPicPr>
+          <p:cNvPr id="2051" name="Picture 2"/>
+          <p:cNvPicPr>
+            <a:picLocks noChangeAspect="1" noChangeArrowheads="1"/>
+          </p:cNvPicPr>
+          <p:nvPr/>
+        </p:nvPicPr>
+        <p:blipFill>
+          <a:blip r:embed="rId3" cstate="print"/>
+          <a:srcRect/>
+          <a:stretch>
+            <a:fillRect/>
+          </a:stretch>
+        </p:blipFill>
+        <p:spPr bwMode="auto">
+          <a:xfrm>
+            <a:off x="3058484" y="1306342"/>
+            <a:ext cx="5837225" cy="4320000"/>
+          </a:xfrm>
+          <a:prstGeom prst="rect">
+            <a:avLst/>
+          </a:prstGeom>
+          <a:noFill/>
+          <a:ln w="9525">
+            <a:noFill/>
+            <a:round/>
+            <a:headEnd/>
+            <a:tailEnd/>
+          </a:ln>
+        </p:spPr>
+      </p:pic>
+      <p:pic>
+        <p:nvPicPr>
+          <p:cNvPr id="2052" name="Picture 3"/>
+          <p:cNvPicPr>
+            <a:picLocks noChangeAspect="1" noChangeArrowheads="1"/>
+          </p:cNvPicPr>
+          <p:nvPr/>
+        </p:nvPicPr>
+        <p:blipFill>
+          <a:blip r:embed="rId4" cstate="print"/>
+          <a:srcRect/>
+          <a:stretch>
+            <a:fillRect/>
+          </a:stretch>
+        </p:blipFill>
+        <p:spPr bwMode="auto">
+          <a:xfrm>
+            <a:off x="0" y="0"/>
+            <a:ext cx="0" cy="0"/>
+          </a:xfrm>
+          <a:prstGeom prst="rect">
+            <a:avLst/>
+          </a:prstGeom>
+          <a:noFill/>
+          <a:ln w="9525">
+            <a:noFill/>
+            <a:round/>
+            <a:headEnd/>
+            <a:tailEnd/>
+          </a:ln>
+        </p:spPr>
+      </p:pic>
+      <p:sp>
+        <p:nvSpPr>
+          <p:cNvPr id="2053" name="Text Box 4"/>
+          <p:cNvSpPr txBox="1">
+            <a:spLocks noChangeArrowheads="1"/>
+          </p:cNvSpPr>
+          <p:nvPr/>
+        </p:nvSpPr>
+        <p:spPr bwMode="auto">
+          <a:xfrm>
+            <a:off x="153601" y="6205612"/>
+            <a:ext cx="8336640" cy="505493"/>
+          </a:xfrm>
+          <a:prstGeom prst="rect">
+            <a:avLst/>
+          </a:prstGeom>
+          <a:noFill/>
+          <a:ln w="9525">
+            <a:noFill/>
+            <a:round/>
+            <a:headEnd/>
+            <a:tailEnd/>
+          </a:ln>
+        </p:spPr>
+        <p:txBody>
+          <a:bodyPr lIns="90000" tIns="54702" rIns="90000" bIns="45000"/>
+          <a:lstStyle/>
+          <a:p>
+            <a:pPr>
+              <a:tabLst>
+                <a:tab pos="723900" algn="l"/>
+                <a:tab pos="1447800" algn="l"/>
+                <a:tab pos="2171700" algn="l"/>
+                <a:tab pos="2895600" algn="l"/>
+                <a:tab pos="3619500" algn="l"/>
+                <a:tab pos="4343400" algn="l"/>
+                <a:tab pos="5067300" algn="l"/>
+                <a:tab pos="5791200" algn="l"/>
+                <a:tab pos="6515100" algn="l"/>
+              </a:tabLst>
+            </a:pPr>
+            <a:r>
+              <a:rPr lang="en-GB" sz="1100" b="1">
+                <a:solidFill>
+                  <a:srgbClr val="000000"/>
+                </a:solidFill>
+              </a:rPr>
+              <a:t>Hippocampus</a:t>
+            </a:r>
+            <a:r>
+              <a:rPr lang="en-GB" sz="1100">
+                <a:solidFill>
+                  <a:srgbClr val="000000"/>
+                </a:solidFill>
+              </a:rPr>
+              <a:t/>
+            </a:r>
+            <a:br>
+              <a:rPr lang="en-GB" sz="1100">
+                <a:solidFill>
+                  <a:srgbClr val="000000"/>
+                </a:solidFill>
+              </a:rPr>
+            </a:br>
+            <a:r>
+              <a:rPr lang="en-GB" sz="1100">
+                <a:solidFill>
+                  <a:srgbClr val="000000"/>
+                </a:solidFill>
+                <a:hlinkClick r:id="rId5"/>
+              </a:rPr>
+              <a:t>Volume 26, Issue 8, </a:t>
+            </a:r>
+            <a:r>
+              <a:rPr lang="en-GB" sz="1100">
+                <a:solidFill>
+                  <a:srgbClr val="000000"/>
+                </a:solidFill>
+              </a:rPr>
+              <a:t>pages 1061-1077, 9 APR 2016 DOI: 10.1002/hipo.22587</a:t>
+            </a:r>
+            <a:br>
+              <a:rPr lang="en-GB" sz="1100">
+                <a:solidFill>
+                  <a:srgbClr val="000000"/>
+                </a:solidFill>
+              </a:rPr>
+            </a:br>
+            <a:r>
+              <a:rPr lang="en-GB" sz="1100">
+                <a:solidFill>
+                  <a:srgbClr val="000000"/>
+                </a:solidFill>
+                <a:hlinkClick r:id="rId6"/>
+              </a:rPr>
+              <a:t>http://onlinelibrary.wiley.com/doi/10.1002/hipo.22587/full#hipo22587-fig-0001</a:t>
+            </a:r>
+          </a:p>
+        </p:txBody>
+      </p:sp>
+    </p:spTree>
+    <p:extLst>
+      <p:ext uri="{BB962C8B-B14F-4D97-AF65-F5344CB8AC3E}">
+        <p14:creationId xmlns:p14="http://schemas.microsoft.com/office/powerpoint/2010/main" val="4096552176"/>
+      </p:ext>
+    </p:extLst>
+  </p:cSld>
+  <p:clrMapOvr>
+    <a:masterClrMapping/>
+  </p:clrMapOvr>
+  <p:transition spd="med"/>
+  <p:timing>
+    <p:tnLst>
+      <p:par>
+        <p:cTn id="1" dur="indefinite" restart="never" nodeType="tmRoot">
+          <p:childTnLst>
+            <p:seq concurrent="1" nextAc="seek">
+              <p:cTn id="2" dur="0" nodeType="mainSeq"/>
+              <p:prevCondLst>
+                <p:cond evt="onPrev" delay="0">
+                  <p:tgtEl>
+                    <p:sldTgt/>
+                  </p:tgtEl>
+                </p:cond>
+              </p:prevCondLst>
+              <p:nextCondLst>
+                <p:cond evt="onNext" delay="0">
+                  <p:tgtEl>
+                    <p:sldTgt/>
+                  </p:tgtEl>
+                </p:cond>
+              </p:nextCondLst>
+            </p:seq>
+          </p:childTnLst>
+        </p:cTn>
+      </p:par>
+    </p:tnLst>
+  </p:timing>
+</p:sld>
+</file>
+
+<file path=ppt/slides/slide21.xml><?xml version="1.0" encoding="utf-8"?>
+<p:sld xmlns:a="http://schemas.openxmlformats.org/drawingml/2006/main" xmlns:r="http://schemas.openxmlformats.org/officeDocument/2006/relationships" xmlns:p="http://schemas.openxmlformats.org/presentationml/2006/main">
+  <p:cSld>
+    <p:spTree>
+      <p:nvGrpSpPr>
+        <p:cNvPr id="1" name=""/>
+        <p:cNvGrpSpPr/>
+        <p:nvPr/>
+      </p:nvGrpSpPr>
+      <p:grpSpPr>
+        <a:xfrm>
+          <a:off x="0" y="0"/>
+          <a:ext cx="0" cy="0"/>
+          <a:chOff x="0" y="0"/>
+          <a:chExt cx="0" cy="0"/>
+        </a:xfrm>
+      </p:grpSpPr>
+      <p:sp>
+        <p:nvSpPr>
+          <p:cNvPr id="2050" name="Rectangle 1"/>
+          <p:cNvSpPr>
+            <a:spLocks noGrp="1" noChangeArrowheads="1"/>
+          </p:cNvSpPr>
+          <p:nvPr>
+            <p:ph type="title"/>
+          </p:nvPr>
+        </p:nvSpPr>
+        <p:spPr>
+          <a:xfrm>
+            <a:off x="566401" y="419084"/>
+            <a:ext cx="10970880" cy="724396"/>
+          </a:xfrm>
+        </p:spPr>
+        <p:txBody>
+          <a:bodyPr tIns="14112"/>
+          <a:lstStyle/>
+          <a:p>
+            <a:pPr eaLnBrk="1">
+              <a:tabLst>
+                <a:tab pos="723900" algn="l"/>
+                <a:tab pos="1447800" algn="l"/>
+                <a:tab pos="2171700" algn="l"/>
+                <a:tab pos="2895600" algn="l"/>
+                <a:tab pos="3619500" algn="l"/>
+                <a:tab pos="4343400" algn="l"/>
+                <a:tab pos="5067300" algn="l"/>
+                <a:tab pos="5791200" algn="l"/>
+                <a:tab pos="6515100" algn="l"/>
+                <a:tab pos="7239000" algn="l"/>
+                <a:tab pos="7962900" algn="l"/>
+                <a:tab pos="8686800" algn="l"/>
+              </a:tabLst>
+            </a:pPr>
+            <a:r>
+              <a:rPr lang="en-GB" sz="1600" b="1" smtClean="0"/>
+              <a:t>Functional cross‐hemispheric shift between object‐place paired associate memory and spatial memory in the human hippocampus</a:t>
+            </a:r>
+          </a:p>
+        </p:txBody>
+      </p:sp>
+      <p:pic>
+        <p:nvPicPr>
+          <p:cNvPr id="2051" name="Picture 2"/>
+          <p:cNvPicPr>
+            <a:picLocks noChangeAspect="1" noChangeArrowheads="1"/>
+          </p:cNvPicPr>
+          <p:nvPr/>
+        </p:nvPicPr>
+        <p:blipFill>
+          <a:blip r:embed="rId3" cstate="print"/>
+          <a:srcRect/>
+          <a:stretch>
+            <a:fillRect/>
+          </a:stretch>
+        </p:blipFill>
+        <p:spPr bwMode="auto">
+          <a:xfrm>
+            <a:off x="2043429" y="1634662"/>
+            <a:ext cx="7867334" cy="3663360"/>
+          </a:xfrm>
+          <a:prstGeom prst="rect">
+            <a:avLst/>
+          </a:prstGeom>
+          <a:noFill/>
+          <a:ln w="9525">
+            <a:noFill/>
+            <a:round/>
+            <a:headEnd/>
+            <a:tailEnd/>
+          </a:ln>
+        </p:spPr>
+      </p:pic>
+      <p:pic>
+        <p:nvPicPr>
+          <p:cNvPr id="2052" name="Picture 3"/>
+          <p:cNvPicPr>
+            <a:picLocks noChangeAspect="1" noChangeArrowheads="1"/>
+          </p:cNvPicPr>
+          <p:nvPr/>
+        </p:nvPicPr>
+        <p:blipFill>
+          <a:blip r:embed="rId4" cstate="print"/>
+          <a:srcRect/>
+          <a:stretch>
+            <a:fillRect/>
+          </a:stretch>
+        </p:blipFill>
+        <p:spPr bwMode="auto">
+          <a:xfrm>
+            <a:off x="0" y="0"/>
+            <a:ext cx="0" cy="0"/>
+          </a:xfrm>
+          <a:prstGeom prst="rect">
+            <a:avLst/>
+          </a:prstGeom>
+          <a:noFill/>
+          <a:ln w="9525">
+            <a:noFill/>
+            <a:round/>
+            <a:headEnd/>
+            <a:tailEnd/>
+          </a:ln>
+        </p:spPr>
+      </p:pic>
+      <p:sp>
+        <p:nvSpPr>
+          <p:cNvPr id="2053" name="Text Box 4"/>
+          <p:cNvSpPr txBox="1">
+            <a:spLocks noChangeArrowheads="1"/>
+          </p:cNvSpPr>
+          <p:nvPr/>
+        </p:nvSpPr>
+        <p:spPr bwMode="auto">
+          <a:xfrm>
+            <a:off x="153601" y="6205612"/>
+            <a:ext cx="8336640" cy="505493"/>
+          </a:xfrm>
+          <a:prstGeom prst="rect">
+            <a:avLst/>
+          </a:prstGeom>
+          <a:noFill/>
+          <a:ln w="9525">
+            <a:noFill/>
+            <a:round/>
+            <a:headEnd/>
+            <a:tailEnd/>
+          </a:ln>
+        </p:spPr>
+        <p:txBody>
+          <a:bodyPr lIns="90000" tIns="54702" rIns="90000" bIns="45000"/>
+          <a:lstStyle/>
+          <a:p>
+            <a:pPr>
+              <a:tabLst>
+                <a:tab pos="723900" algn="l"/>
+                <a:tab pos="1447800" algn="l"/>
+                <a:tab pos="2171700" algn="l"/>
+                <a:tab pos="2895600" algn="l"/>
+                <a:tab pos="3619500" algn="l"/>
+                <a:tab pos="4343400" algn="l"/>
+                <a:tab pos="5067300" algn="l"/>
+                <a:tab pos="5791200" algn="l"/>
+                <a:tab pos="6515100" algn="l"/>
+              </a:tabLst>
+            </a:pPr>
+            <a:r>
+              <a:rPr lang="en-GB" sz="1100" b="1">
+                <a:solidFill>
+                  <a:srgbClr val="000000"/>
+                </a:solidFill>
+              </a:rPr>
+              <a:t>Hippocampus</a:t>
+            </a:r>
+            <a:r>
+              <a:rPr lang="en-GB" sz="1100">
+                <a:solidFill>
+                  <a:srgbClr val="000000"/>
+                </a:solidFill>
+              </a:rPr>
+              <a:t/>
+            </a:r>
+            <a:br>
+              <a:rPr lang="en-GB" sz="1100">
+                <a:solidFill>
+                  <a:srgbClr val="000000"/>
+                </a:solidFill>
+              </a:rPr>
+            </a:br>
+            <a:r>
+              <a:rPr lang="en-GB" sz="1100">
+                <a:solidFill>
+                  <a:srgbClr val="000000"/>
+                </a:solidFill>
+                <a:hlinkClick r:id="rId5"/>
+              </a:rPr>
+              <a:t>Volume 26, Issue 8, </a:t>
+            </a:r>
+            <a:r>
+              <a:rPr lang="en-GB" sz="1100">
+                <a:solidFill>
+                  <a:srgbClr val="000000"/>
+                </a:solidFill>
+              </a:rPr>
+              <a:t>pages 1061-1077, 9 APR 2016 DOI: 10.1002/hipo.22587</a:t>
+            </a:r>
+            <a:br>
+              <a:rPr lang="en-GB" sz="1100">
+                <a:solidFill>
+                  <a:srgbClr val="000000"/>
+                </a:solidFill>
+              </a:rPr>
+            </a:br>
+            <a:r>
+              <a:rPr lang="en-GB" sz="1100">
+                <a:solidFill>
+                  <a:srgbClr val="000000"/>
+                </a:solidFill>
+                <a:hlinkClick r:id="rId6"/>
+              </a:rPr>
+              <a:t>http://onlinelibrary.wiley.com/doi/10.1002/hipo.22587/full#hipo22587-fig-0002</a:t>
+            </a:r>
+          </a:p>
+        </p:txBody>
+      </p:sp>
+    </p:spTree>
+    <p:extLst>
+      <p:ext uri="{BB962C8B-B14F-4D97-AF65-F5344CB8AC3E}">
+        <p14:creationId xmlns:p14="http://schemas.microsoft.com/office/powerpoint/2010/main" val="2105019529"/>
+      </p:ext>
+    </p:extLst>
+  </p:cSld>
+  <p:clrMapOvr>
+    <a:masterClrMapping/>
+  </p:clrMapOvr>
+  <p:transition spd="med"/>
+  <p:timing>
+    <p:tnLst>
+      <p:par>
+        <p:cTn id="1" dur="indefinite" restart="never" nodeType="tmRoot">
+          <p:childTnLst>
+            <p:seq concurrent="1" nextAc="seek">
+              <p:cTn id="2" dur="0" nodeType="mainSeq"/>
+              <p:prevCondLst>
+                <p:cond evt="onPrev" delay="0">
+                  <p:tgtEl>
+                    <p:sldTgt/>
+                  </p:tgtEl>
+                </p:cond>
+              </p:prevCondLst>
+              <p:nextCondLst>
+                <p:cond evt="onNext" delay="0">
+                  <p:tgtEl>
+                    <p:sldTgt/>
+                  </p:tgtEl>
+                </p:cond>
+              </p:nextCondLst>
+            </p:seq>
+          </p:childTnLst>
+        </p:cTn>
+      </p:par>
+    </p:tnLst>
+  </p:timing>
+</p:sld>
+</file>
+
+<file path=ppt/slides/slide22.xml><?xml version="1.0" encoding="utf-8"?>
+<p:sld xmlns:a="http://schemas.openxmlformats.org/drawingml/2006/main" xmlns:r="http://schemas.openxmlformats.org/officeDocument/2006/relationships" xmlns:p="http://schemas.openxmlformats.org/presentationml/2006/main">
+  <p:cSld>
+    <p:spTree>
+      <p:nvGrpSpPr>
+        <p:cNvPr id="1" name=""/>
+        <p:cNvGrpSpPr/>
+        <p:nvPr/>
+      </p:nvGrpSpPr>
+      <p:grpSpPr>
+        <a:xfrm>
+          <a:off x="0" y="0"/>
+          <a:ext cx="0" cy="0"/>
+          <a:chOff x="0" y="0"/>
+          <a:chExt cx="0" cy="0"/>
+        </a:xfrm>
+      </p:grpSpPr>
+      <p:sp>
+        <p:nvSpPr>
+          <p:cNvPr id="2050" name="Rectangle 1"/>
+          <p:cNvSpPr>
+            <a:spLocks noGrp="1" noChangeArrowheads="1"/>
+          </p:cNvSpPr>
+          <p:nvPr>
+            <p:ph type="title"/>
+          </p:nvPr>
+        </p:nvSpPr>
+        <p:spPr>
+          <a:xfrm>
+            <a:off x="566401" y="419084"/>
+            <a:ext cx="10970880" cy="724396"/>
+          </a:xfrm>
+        </p:spPr>
+        <p:txBody>
+          <a:bodyPr tIns="14112"/>
+          <a:lstStyle/>
+          <a:p>
+            <a:pPr eaLnBrk="1">
+              <a:tabLst>
+                <a:tab pos="723900" algn="l"/>
+                <a:tab pos="1447800" algn="l"/>
+                <a:tab pos="2171700" algn="l"/>
+                <a:tab pos="2895600" algn="l"/>
+                <a:tab pos="3619500" algn="l"/>
+                <a:tab pos="4343400" algn="l"/>
+                <a:tab pos="5067300" algn="l"/>
+                <a:tab pos="5791200" algn="l"/>
+                <a:tab pos="6515100" algn="l"/>
+                <a:tab pos="7239000" algn="l"/>
+                <a:tab pos="7962900" algn="l"/>
+                <a:tab pos="8686800" algn="l"/>
+              </a:tabLst>
+            </a:pPr>
+            <a:r>
+              <a:rPr lang="en-GB" sz="1600" b="1" smtClean="0"/>
+              <a:t>Functional cross‐hemispheric shift between object‐place paired associate memory and spatial memory in the human hippocampus</a:t>
+            </a:r>
+          </a:p>
+        </p:txBody>
+      </p:sp>
+      <p:pic>
+        <p:nvPicPr>
+          <p:cNvPr id="2051" name="Picture 2"/>
+          <p:cNvPicPr>
+            <a:picLocks noChangeAspect="1" noChangeArrowheads="1"/>
+          </p:cNvPicPr>
+          <p:nvPr/>
+        </p:nvPicPr>
+        <p:blipFill>
+          <a:blip r:embed="rId3" cstate="print"/>
+          <a:srcRect/>
+          <a:stretch>
+            <a:fillRect/>
+          </a:stretch>
+        </p:blipFill>
+        <p:spPr bwMode="auto">
+          <a:xfrm>
+            <a:off x="2043429" y="2442502"/>
+            <a:ext cx="7867334" cy="2047680"/>
+          </a:xfrm>
+          <a:prstGeom prst="rect">
+            <a:avLst/>
+          </a:prstGeom>
+          <a:noFill/>
+          <a:ln w="9525">
+            <a:noFill/>
+            <a:round/>
+            <a:headEnd/>
+            <a:tailEnd/>
+          </a:ln>
+        </p:spPr>
+      </p:pic>
+      <p:pic>
+        <p:nvPicPr>
+          <p:cNvPr id="2052" name="Picture 3"/>
+          <p:cNvPicPr>
+            <a:picLocks noChangeAspect="1" noChangeArrowheads="1"/>
+          </p:cNvPicPr>
+          <p:nvPr/>
+        </p:nvPicPr>
+        <p:blipFill>
+          <a:blip r:embed="rId4" cstate="print"/>
+          <a:srcRect/>
+          <a:stretch>
+            <a:fillRect/>
+          </a:stretch>
+        </p:blipFill>
+        <p:spPr bwMode="auto">
+          <a:xfrm>
+            <a:off x="0" y="0"/>
+            <a:ext cx="0" cy="0"/>
+          </a:xfrm>
+          <a:prstGeom prst="rect">
+            <a:avLst/>
+          </a:prstGeom>
+          <a:noFill/>
+          <a:ln w="9525">
+            <a:noFill/>
+            <a:round/>
+            <a:headEnd/>
+            <a:tailEnd/>
+          </a:ln>
+        </p:spPr>
+      </p:pic>
+      <p:sp>
+        <p:nvSpPr>
+          <p:cNvPr id="2053" name="Text Box 4"/>
+          <p:cNvSpPr txBox="1">
+            <a:spLocks noChangeArrowheads="1"/>
+          </p:cNvSpPr>
+          <p:nvPr/>
+        </p:nvSpPr>
+        <p:spPr bwMode="auto">
+          <a:xfrm>
+            <a:off x="153601" y="6205612"/>
+            <a:ext cx="8336640" cy="505493"/>
+          </a:xfrm>
+          <a:prstGeom prst="rect">
+            <a:avLst/>
+          </a:prstGeom>
+          <a:noFill/>
+          <a:ln w="9525">
+            <a:noFill/>
+            <a:round/>
+            <a:headEnd/>
+            <a:tailEnd/>
+          </a:ln>
+        </p:spPr>
+        <p:txBody>
+          <a:bodyPr lIns="90000" tIns="54702" rIns="90000" bIns="45000"/>
+          <a:lstStyle/>
+          <a:p>
+            <a:pPr>
+              <a:tabLst>
+                <a:tab pos="723900" algn="l"/>
+                <a:tab pos="1447800" algn="l"/>
+                <a:tab pos="2171700" algn="l"/>
+                <a:tab pos="2895600" algn="l"/>
+                <a:tab pos="3619500" algn="l"/>
+                <a:tab pos="4343400" algn="l"/>
+                <a:tab pos="5067300" algn="l"/>
+                <a:tab pos="5791200" algn="l"/>
+                <a:tab pos="6515100" algn="l"/>
+              </a:tabLst>
+            </a:pPr>
+            <a:r>
+              <a:rPr lang="en-GB" sz="1100" b="1">
+                <a:solidFill>
+                  <a:srgbClr val="000000"/>
+                </a:solidFill>
+              </a:rPr>
+              <a:t>Hippocampus</a:t>
+            </a:r>
+            <a:r>
+              <a:rPr lang="en-GB" sz="1100">
+                <a:solidFill>
+                  <a:srgbClr val="000000"/>
+                </a:solidFill>
+              </a:rPr>
+              <a:t/>
+            </a:r>
+            <a:br>
+              <a:rPr lang="en-GB" sz="1100">
+                <a:solidFill>
+                  <a:srgbClr val="000000"/>
+                </a:solidFill>
+              </a:rPr>
+            </a:br>
+            <a:r>
+              <a:rPr lang="en-GB" sz="1100">
+                <a:solidFill>
+                  <a:srgbClr val="000000"/>
+                </a:solidFill>
+                <a:hlinkClick r:id="rId5"/>
+              </a:rPr>
+              <a:t>Volume 26, Issue 8, </a:t>
+            </a:r>
+            <a:r>
+              <a:rPr lang="en-GB" sz="1100">
+                <a:solidFill>
+                  <a:srgbClr val="000000"/>
+                </a:solidFill>
+              </a:rPr>
+              <a:t>pages 1061-1077, 9 APR 2016 DOI: 10.1002/hipo.22587</a:t>
+            </a:r>
+            <a:br>
+              <a:rPr lang="en-GB" sz="1100">
+                <a:solidFill>
+                  <a:srgbClr val="000000"/>
+                </a:solidFill>
+              </a:rPr>
+            </a:br>
+            <a:r>
+              <a:rPr lang="en-GB" sz="1100">
+                <a:solidFill>
+                  <a:srgbClr val="000000"/>
+                </a:solidFill>
+                <a:hlinkClick r:id="rId6"/>
+              </a:rPr>
+              <a:t>http://onlinelibrary.wiley.com/doi/10.1002/hipo.22587/full#hipo22587-fig-0003</a:t>
+            </a:r>
+          </a:p>
+        </p:txBody>
+      </p:sp>
+    </p:spTree>
+    <p:extLst>
+      <p:ext uri="{BB962C8B-B14F-4D97-AF65-F5344CB8AC3E}">
+        <p14:creationId xmlns:p14="http://schemas.microsoft.com/office/powerpoint/2010/main" val="3312053812"/>
+      </p:ext>
+    </p:extLst>
+  </p:cSld>
+  <p:clrMapOvr>
+    <a:masterClrMapping/>
+  </p:clrMapOvr>
+  <p:transition spd="med"/>
+  <p:timing>
+    <p:tnLst>
+      <p:par>
+        <p:cTn id="1" dur="indefinite" restart="never" nodeType="tmRoot">
+          <p:childTnLst>
+            <p:seq concurrent="1" nextAc="seek">
+              <p:cTn id="2" dur="0" nodeType="mainSeq"/>
+              <p:prevCondLst>
+                <p:cond evt="onPrev" delay="0">
+                  <p:tgtEl>
+                    <p:sldTgt/>
+                  </p:tgtEl>
+                </p:cond>
+              </p:prevCondLst>
+              <p:nextCondLst>
+                <p:cond evt="onNext" delay="0">
+                  <p:tgtEl>
+                    <p:sldTgt/>
+                  </p:tgtEl>
+                </p:cond>
+              </p:nextCondLst>
+            </p:seq>
+          </p:childTnLst>
+        </p:cTn>
+      </p:par>
+    </p:tnLst>
+  </p:timing>
+</p:sld>
+</file>
+
+<file path=ppt/slides/slide23.xml><?xml version="1.0" encoding="utf-8"?>
+<p:sld xmlns:a="http://schemas.openxmlformats.org/drawingml/2006/main" xmlns:r="http://schemas.openxmlformats.org/officeDocument/2006/relationships" xmlns:p="http://schemas.openxmlformats.org/presentationml/2006/main">
+  <p:cSld>
+    <p:spTree>
+      <p:nvGrpSpPr>
+        <p:cNvPr id="1" name=""/>
+        <p:cNvGrpSpPr/>
+        <p:nvPr/>
+      </p:nvGrpSpPr>
+      <p:grpSpPr>
+        <a:xfrm>
+          <a:off x="0" y="0"/>
+          <a:ext cx="0" cy="0"/>
+          <a:chOff x="0" y="0"/>
+          <a:chExt cx="0" cy="0"/>
+        </a:xfrm>
+      </p:grpSpPr>
+      <p:sp>
+        <p:nvSpPr>
+          <p:cNvPr id="2050" name="Rectangle 1"/>
+          <p:cNvSpPr>
+            <a:spLocks noGrp="1" noChangeArrowheads="1"/>
+          </p:cNvSpPr>
+          <p:nvPr>
+            <p:ph type="title"/>
+          </p:nvPr>
+        </p:nvSpPr>
+        <p:spPr>
+          <a:xfrm>
+            <a:off x="566401" y="419084"/>
+            <a:ext cx="10970880" cy="724396"/>
+          </a:xfrm>
+        </p:spPr>
+        <p:txBody>
+          <a:bodyPr tIns="14112"/>
+          <a:lstStyle/>
+          <a:p>
+            <a:pPr eaLnBrk="1">
+              <a:tabLst>
+                <a:tab pos="723900" algn="l"/>
+                <a:tab pos="1447800" algn="l"/>
+                <a:tab pos="2171700" algn="l"/>
+                <a:tab pos="2895600" algn="l"/>
+                <a:tab pos="3619500" algn="l"/>
+                <a:tab pos="4343400" algn="l"/>
+                <a:tab pos="5067300" algn="l"/>
+                <a:tab pos="5791200" algn="l"/>
+                <a:tab pos="6515100" algn="l"/>
+                <a:tab pos="7239000" algn="l"/>
+                <a:tab pos="7962900" algn="l"/>
+                <a:tab pos="8686800" algn="l"/>
+              </a:tabLst>
+            </a:pPr>
+            <a:r>
+              <a:rPr lang="en-GB" sz="1600" b="1" smtClean="0"/>
+              <a:t>Functional cross‐hemispheric shift between object‐place paired associate memory and spatial memory in the human hippocampus</a:t>
+            </a:r>
+          </a:p>
+        </p:txBody>
+      </p:sp>
+      <p:pic>
+        <p:nvPicPr>
+          <p:cNvPr id="2051" name="Picture 2"/>
+          <p:cNvPicPr>
+            <a:picLocks noChangeAspect="1" noChangeArrowheads="1"/>
+          </p:cNvPicPr>
+          <p:nvPr/>
+        </p:nvPicPr>
+        <p:blipFill>
+          <a:blip r:embed="rId3" cstate="print"/>
+          <a:srcRect/>
+          <a:stretch>
+            <a:fillRect/>
+          </a:stretch>
+        </p:blipFill>
+        <p:spPr bwMode="auto">
+          <a:xfrm>
+            <a:off x="2043429" y="1785862"/>
+            <a:ext cx="7867334" cy="3360960"/>
+          </a:xfrm>
+          <a:prstGeom prst="rect">
+            <a:avLst/>
+          </a:prstGeom>
+          <a:noFill/>
+          <a:ln w="9525">
+            <a:noFill/>
+            <a:round/>
+            <a:headEnd/>
+            <a:tailEnd/>
+          </a:ln>
+        </p:spPr>
+      </p:pic>
+      <p:pic>
+        <p:nvPicPr>
+          <p:cNvPr id="2052" name="Picture 3"/>
+          <p:cNvPicPr>
+            <a:picLocks noChangeAspect="1" noChangeArrowheads="1"/>
+          </p:cNvPicPr>
+          <p:nvPr/>
+        </p:nvPicPr>
+        <p:blipFill>
+          <a:blip r:embed="rId4" cstate="print"/>
+          <a:srcRect/>
+          <a:stretch>
+            <a:fillRect/>
+          </a:stretch>
+        </p:blipFill>
+        <p:spPr bwMode="auto">
+          <a:xfrm>
+            <a:off x="0" y="0"/>
+            <a:ext cx="0" cy="0"/>
+          </a:xfrm>
+          <a:prstGeom prst="rect">
+            <a:avLst/>
+          </a:prstGeom>
+          <a:noFill/>
+          <a:ln w="9525">
+            <a:noFill/>
+            <a:round/>
+            <a:headEnd/>
+            <a:tailEnd/>
+          </a:ln>
+        </p:spPr>
+      </p:pic>
+      <p:sp>
+        <p:nvSpPr>
+          <p:cNvPr id="2053" name="Text Box 4"/>
+          <p:cNvSpPr txBox="1">
+            <a:spLocks noChangeArrowheads="1"/>
+          </p:cNvSpPr>
+          <p:nvPr/>
+        </p:nvSpPr>
+        <p:spPr bwMode="auto">
+          <a:xfrm>
+            <a:off x="153601" y="6205612"/>
+            <a:ext cx="8336640" cy="505493"/>
+          </a:xfrm>
+          <a:prstGeom prst="rect">
+            <a:avLst/>
+          </a:prstGeom>
+          <a:noFill/>
+          <a:ln w="9525">
+            <a:noFill/>
+            <a:round/>
+            <a:headEnd/>
+            <a:tailEnd/>
+          </a:ln>
+        </p:spPr>
+        <p:txBody>
+          <a:bodyPr lIns="90000" tIns="54702" rIns="90000" bIns="45000"/>
+          <a:lstStyle/>
+          <a:p>
+            <a:pPr>
+              <a:tabLst>
+                <a:tab pos="723900" algn="l"/>
+                <a:tab pos="1447800" algn="l"/>
+                <a:tab pos="2171700" algn="l"/>
+                <a:tab pos="2895600" algn="l"/>
+                <a:tab pos="3619500" algn="l"/>
+                <a:tab pos="4343400" algn="l"/>
+                <a:tab pos="5067300" algn="l"/>
+                <a:tab pos="5791200" algn="l"/>
+                <a:tab pos="6515100" algn="l"/>
+              </a:tabLst>
+            </a:pPr>
+            <a:r>
+              <a:rPr lang="en-GB" sz="1100" b="1">
+                <a:solidFill>
+                  <a:srgbClr val="000000"/>
+                </a:solidFill>
+              </a:rPr>
+              <a:t>Hippocampus</a:t>
+            </a:r>
+            <a:r>
+              <a:rPr lang="en-GB" sz="1100">
+                <a:solidFill>
+                  <a:srgbClr val="000000"/>
+                </a:solidFill>
+              </a:rPr>
+              <a:t/>
+            </a:r>
+            <a:br>
+              <a:rPr lang="en-GB" sz="1100">
+                <a:solidFill>
+                  <a:srgbClr val="000000"/>
+                </a:solidFill>
+              </a:rPr>
+            </a:br>
+            <a:r>
+              <a:rPr lang="en-GB" sz="1100">
+                <a:solidFill>
+                  <a:srgbClr val="000000"/>
+                </a:solidFill>
+                <a:hlinkClick r:id="rId5"/>
+              </a:rPr>
+              <a:t>Volume 26, Issue 8, </a:t>
+            </a:r>
+            <a:r>
+              <a:rPr lang="en-GB" sz="1100">
+                <a:solidFill>
+                  <a:srgbClr val="000000"/>
+                </a:solidFill>
+              </a:rPr>
+              <a:t>pages 1061-1077, 9 APR 2016 DOI: 10.1002/hipo.22587</a:t>
+            </a:r>
+            <a:br>
+              <a:rPr lang="en-GB" sz="1100">
+                <a:solidFill>
+                  <a:srgbClr val="000000"/>
+                </a:solidFill>
+              </a:rPr>
+            </a:br>
+            <a:r>
+              <a:rPr lang="en-GB" sz="1100">
+                <a:solidFill>
+                  <a:srgbClr val="000000"/>
+                </a:solidFill>
+                <a:hlinkClick r:id="rId6"/>
+              </a:rPr>
+              <a:t>http://onlinelibrary.wiley.com/doi/10.1002/hipo.22587/full#hipo22587-fig-0004</a:t>
+            </a:r>
+          </a:p>
+        </p:txBody>
+      </p:sp>
+    </p:spTree>
+    <p:extLst>
+      <p:ext uri="{BB962C8B-B14F-4D97-AF65-F5344CB8AC3E}">
+        <p14:creationId xmlns:p14="http://schemas.microsoft.com/office/powerpoint/2010/main" val="4197774723"/>
+      </p:ext>
+    </p:extLst>
+  </p:cSld>
+  <p:clrMapOvr>
+    <a:masterClrMapping/>
+  </p:clrMapOvr>
+  <p:transition spd="med"/>
+  <p:timing>
+    <p:tnLst>
+      <p:par>
+        <p:cTn id="1" dur="indefinite" restart="never" nodeType="tmRoot">
+          <p:childTnLst>
+            <p:seq concurrent="1" nextAc="seek">
+              <p:cTn id="2" dur="0" nodeType="mainSeq"/>
+              <p:prevCondLst>
+                <p:cond evt="onPrev" delay="0">
+                  <p:tgtEl>
+                    <p:sldTgt/>
+                  </p:tgtEl>
+                </p:cond>
+              </p:prevCondLst>
+              <p:nextCondLst>
+                <p:cond evt="onNext" delay="0">
+                  <p:tgtEl>
+                    <p:sldTgt/>
+                  </p:tgtEl>
+                </p:cond>
+              </p:nextCondLst>
+            </p:seq>
+          </p:childTnLst>
+        </p:cTn>
+      </p:par>
+    </p:tnLst>
+  </p:timing>
+</p:sld>
+</file>
+
+<file path=ppt/slides/slide24.xml><?xml version="1.0" encoding="utf-8"?>
+<p:sld xmlns:a="http://schemas.openxmlformats.org/drawingml/2006/main" xmlns:r="http://schemas.openxmlformats.org/officeDocument/2006/relationships" xmlns:p="http://schemas.openxmlformats.org/presentationml/2006/main">
+  <p:cSld>
+    <p:spTree>
+      <p:nvGrpSpPr>
+        <p:cNvPr id="1" name=""/>
+        <p:cNvGrpSpPr/>
+        <p:nvPr/>
+      </p:nvGrpSpPr>
+      <p:grpSpPr>
+        <a:xfrm>
+          <a:off x="0" y="0"/>
+          <a:ext cx="0" cy="0"/>
+          <a:chOff x="0" y="0"/>
+          <a:chExt cx="0" cy="0"/>
+        </a:xfrm>
+      </p:grpSpPr>
+      <p:sp>
+        <p:nvSpPr>
+          <p:cNvPr id="2050" name="Rectangle 1"/>
+          <p:cNvSpPr>
+            <a:spLocks noGrp="1" noChangeArrowheads="1"/>
+          </p:cNvSpPr>
+          <p:nvPr>
+            <p:ph type="title"/>
+          </p:nvPr>
+        </p:nvSpPr>
+        <p:spPr>
+          <a:xfrm>
+            <a:off x="566401" y="419084"/>
+            <a:ext cx="10970880" cy="724396"/>
+          </a:xfrm>
+        </p:spPr>
+        <p:txBody>
+          <a:bodyPr tIns="14112"/>
+          <a:lstStyle/>
+          <a:p>
+            <a:pPr eaLnBrk="1">
+              <a:tabLst>
+                <a:tab pos="723900" algn="l"/>
+                <a:tab pos="1447800" algn="l"/>
+                <a:tab pos="2171700" algn="l"/>
+                <a:tab pos="2895600" algn="l"/>
+                <a:tab pos="3619500" algn="l"/>
+                <a:tab pos="4343400" algn="l"/>
+                <a:tab pos="5067300" algn="l"/>
+                <a:tab pos="5791200" algn="l"/>
+                <a:tab pos="6515100" algn="l"/>
+                <a:tab pos="7239000" algn="l"/>
+                <a:tab pos="7962900" algn="l"/>
+                <a:tab pos="8686800" algn="l"/>
+              </a:tabLst>
+            </a:pPr>
+            <a:r>
+              <a:rPr lang="en-GB" sz="1600" b="1" smtClean="0"/>
+              <a:t>Functional cross‐hemispheric shift between object‐place paired associate memory and spatial memory in the human hippocampus</a:t>
+            </a:r>
+          </a:p>
+        </p:txBody>
+      </p:sp>
+      <p:pic>
+        <p:nvPicPr>
+          <p:cNvPr id="2051" name="Picture 2"/>
+          <p:cNvPicPr>
+            <a:picLocks noChangeAspect="1" noChangeArrowheads="1"/>
+          </p:cNvPicPr>
+          <p:nvPr/>
+        </p:nvPicPr>
+        <p:blipFill>
+          <a:blip r:embed="rId3" cstate="print"/>
+          <a:srcRect/>
+          <a:stretch>
+            <a:fillRect/>
+          </a:stretch>
+        </p:blipFill>
+        <p:spPr bwMode="auto">
+          <a:xfrm>
+            <a:off x="2043429" y="1712422"/>
+            <a:ext cx="7867334" cy="3507840"/>
+          </a:xfrm>
+          <a:prstGeom prst="rect">
+            <a:avLst/>
+          </a:prstGeom>
+          <a:noFill/>
+          <a:ln w="9525">
+            <a:noFill/>
+            <a:round/>
+            <a:headEnd/>
+            <a:tailEnd/>
+          </a:ln>
+        </p:spPr>
+      </p:pic>
+      <p:pic>
+        <p:nvPicPr>
+          <p:cNvPr id="2052" name="Picture 3"/>
+          <p:cNvPicPr>
+            <a:picLocks noChangeAspect="1" noChangeArrowheads="1"/>
+          </p:cNvPicPr>
+          <p:nvPr/>
+        </p:nvPicPr>
+        <p:blipFill>
+          <a:blip r:embed="rId4" cstate="print"/>
+          <a:srcRect/>
+          <a:stretch>
+            <a:fillRect/>
+          </a:stretch>
+        </p:blipFill>
+        <p:spPr bwMode="auto">
+          <a:xfrm>
+            <a:off x="0" y="0"/>
+            <a:ext cx="0" cy="0"/>
+          </a:xfrm>
+          <a:prstGeom prst="rect">
+            <a:avLst/>
+          </a:prstGeom>
+          <a:noFill/>
+          <a:ln w="9525">
+            <a:noFill/>
+            <a:round/>
+            <a:headEnd/>
+            <a:tailEnd/>
+          </a:ln>
+        </p:spPr>
+      </p:pic>
+      <p:sp>
+        <p:nvSpPr>
+          <p:cNvPr id="2053" name="Text Box 4"/>
+          <p:cNvSpPr txBox="1">
+            <a:spLocks noChangeArrowheads="1"/>
+          </p:cNvSpPr>
+          <p:nvPr/>
+        </p:nvSpPr>
+        <p:spPr bwMode="auto">
+          <a:xfrm>
+            <a:off x="153601" y="6205612"/>
+            <a:ext cx="8336640" cy="505493"/>
+          </a:xfrm>
+          <a:prstGeom prst="rect">
+            <a:avLst/>
+          </a:prstGeom>
+          <a:noFill/>
+          <a:ln w="9525">
+            <a:noFill/>
+            <a:round/>
+            <a:headEnd/>
+            <a:tailEnd/>
+          </a:ln>
+        </p:spPr>
+        <p:txBody>
+          <a:bodyPr lIns="90000" tIns="54702" rIns="90000" bIns="45000"/>
+          <a:lstStyle/>
+          <a:p>
+            <a:pPr>
+              <a:tabLst>
+                <a:tab pos="723900" algn="l"/>
+                <a:tab pos="1447800" algn="l"/>
+                <a:tab pos="2171700" algn="l"/>
+                <a:tab pos="2895600" algn="l"/>
+                <a:tab pos="3619500" algn="l"/>
+                <a:tab pos="4343400" algn="l"/>
+                <a:tab pos="5067300" algn="l"/>
+                <a:tab pos="5791200" algn="l"/>
+                <a:tab pos="6515100" algn="l"/>
+              </a:tabLst>
+            </a:pPr>
+            <a:r>
+              <a:rPr lang="en-GB" sz="1100" b="1">
+                <a:solidFill>
+                  <a:srgbClr val="000000"/>
+                </a:solidFill>
+              </a:rPr>
+              <a:t>Hippocampus</a:t>
+            </a:r>
+            <a:r>
+              <a:rPr lang="en-GB" sz="1100">
+                <a:solidFill>
+                  <a:srgbClr val="000000"/>
+                </a:solidFill>
+              </a:rPr>
+              <a:t/>
+            </a:r>
+            <a:br>
+              <a:rPr lang="en-GB" sz="1100">
+                <a:solidFill>
+                  <a:srgbClr val="000000"/>
+                </a:solidFill>
+              </a:rPr>
+            </a:br>
+            <a:r>
+              <a:rPr lang="en-GB" sz="1100">
+                <a:solidFill>
+                  <a:srgbClr val="000000"/>
+                </a:solidFill>
+                <a:hlinkClick r:id="rId5"/>
+              </a:rPr>
+              <a:t>Volume 26, Issue 8, </a:t>
+            </a:r>
+            <a:r>
+              <a:rPr lang="en-GB" sz="1100">
+                <a:solidFill>
+                  <a:srgbClr val="000000"/>
+                </a:solidFill>
+              </a:rPr>
+              <a:t>pages 1061-1077, 9 APR 2016 DOI: 10.1002/hipo.22587</a:t>
+            </a:r>
+            <a:br>
+              <a:rPr lang="en-GB" sz="1100">
+                <a:solidFill>
+                  <a:srgbClr val="000000"/>
+                </a:solidFill>
+              </a:rPr>
+            </a:br>
+            <a:r>
+              <a:rPr lang="en-GB" sz="1100">
+                <a:solidFill>
+                  <a:srgbClr val="000000"/>
+                </a:solidFill>
+                <a:hlinkClick r:id="rId6"/>
+              </a:rPr>
+              <a:t>http://onlinelibrary.wiley.com/doi/10.1002/hipo.22587/full#hipo22587-fig-0005</a:t>
+            </a:r>
+          </a:p>
+        </p:txBody>
+      </p:sp>
+    </p:spTree>
+    <p:extLst>
+      <p:ext uri="{BB962C8B-B14F-4D97-AF65-F5344CB8AC3E}">
+        <p14:creationId xmlns:p14="http://schemas.microsoft.com/office/powerpoint/2010/main" val="1183797523"/>
+      </p:ext>
+    </p:extLst>
+  </p:cSld>
+  <p:clrMapOvr>
+    <a:masterClrMapping/>
+  </p:clrMapOvr>
+  <p:transition spd="med"/>
+  <p:timing>
+    <p:tnLst>
+      <p:par>
+        <p:cTn id="1" dur="indefinite" restart="never" nodeType="tmRoot">
+          <p:childTnLst>
+            <p:seq concurrent="1" nextAc="seek">
+              <p:cTn id="2" dur="0" nodeType="mainSeq"/>
+              <p:prevCondLst>
+                <p:cond evt="onPrev" delay="0">
+                  <p:tgtEl>
+                    <p:sldTgt/>
+                  </p:tgtEl>
+                </p:cond>
+              </p:prevCondLst>
+              <p:nextCondLst>
+                <p:cond evt="onNext" delay="0">
+                  <p:tgtEl>
+                    <p:sldTgt/>
+                  </p:tgtEl>
+                </p:cond>
+              </p:nextCondLst>
+            </p:seq>
+          </p:childTnLst>
+        </p:cTn>
+      </p:par>
+    </p:tnLst>
+  </p:timing>
+</p:sld>
+</file>
+
+<file path=ppt/slides/slide25.xml><?xml version="1.0" encoding="utf-8"?>
+<p:sld xmlns:a="http://schemas.openxmlformats.org/drawingml/2006/main" xmlns:r="http://schemas.openxmlformats.org/officeDocument/2006/relationships" xmlns:p="http://schemas.openxmlformats.org/presentationml/2006/main">
+  <p:cSld>
+    <p:spTree>
+      <p:nvGrpSpPr>
+        <p:cNvPr id="1" name=""/>
+        <p:cNvGrpSpPr/>
+        <p:nvPr/>
+      </p:nvGrpSpPr>
+      <p:grpSpPr>
+        <a:xfrm>
+          <a:off x="0" y="0"/>
+          <a:ext cx="0" cy="0"/>
+          <a:chOff x="0" y="0"/>
+          <a:chExt cx="0" cy="0"/>
+        </a:xfrm>
+      </p:grpSpPr>
+      <p:sp>
+        <p:nvSpPr>
+          <p:cNvPr id="2050" name="Rectangle 1"/>
+          <p:cNvSpPr>
+            <a:spLocks noGrp="1" noChangeArrowheads="1"/>
+          </p:cNvSpPr>
+          <p:nvPr>
+            <p:ph type="title"/>
+          </p:nvPr>
+        </p:nvSpPr>
+        <p:spPr>
+          <a:xfrm>
+            <a:off x="566401" y="419084"/>
+            <a:ext cx="10970880" cy="724396"/>
+          </a:xfrm>
+        </p:spPr>
+        <p:txBody>
+          <a:bodyPr tIns="14112"/>
+          <a:lstStyle/>
+          <a:p>
+            <a:pPr eaLnBrk="1">
+              <a:tabLst>
+                <a:tab pos="723900" algn="l"/>
+                <a:tab pos="1447800" algn="l"/>
+                <a:tab pos="2171700" algn="l"/>
+                <a:tab pos="2895600" algn="l"/>
+                <a:tab pos="3619500" algn="l"/>
+                <a:tab pos="4343400" algn="l"/>
+                <a:tab pos="5067300" algn="l"/>
+                <a:tab pos="5791200" algn="l"/>
+                <a:tab pos="6515100" algn="l"/>
+                <a:tab pos="7239000" algn="l"/>
+                <a:tab pos="7962900" algn="l"/>
+                <a:tab pos="8686800" algn="l"/>
+              </a:tabLst>
+            </a:pPr>
+            <a:r>
+              <a:rPr lang="en-GB" sz="1600" b="1" smtClean="0"/>
+              <a:t>Functional cross‐hemispheric shift between object‐place paired associate memory and spatial memory in the human hippocampus</a:t>
+            </a:r>
+          </a:p>
+        </p:txBody>
+      </p:sp>
+      <p:pic>
+        <p:nvPicPr>
+          <p:cNvPr id="2051" name="Picture 2"/>
+          <p:cNvPicPr>
+            <a:picLocks noChangeAspect="1" noChangeArrowheads="1"/>
+          </p:cNvPicPr>
+          <p:nvPr/>
+        </p:nvPicPr>
+        <p:blipFill>
+          <a:blip r:embed="rId3" cstate="print"/>
+          <a:srcRect/>
+          <a:stretch>
+            <a:fillRect/>
+          </a:stretch>
+        </p:blipFill>
+        <p:spPr bwMode="auto">
+          <a:xfrm>
+            <a:off x="3050261" y="1306342"/>
+            <a:ext cx="5853671" cy="4320000"/>
+          </a:xfrm>
+          <a:prstGeom prst="rect">
+            <a:avLst/>
+          </a:prstGeom>
+          <a:noFill/>
+          <a:ln w="9525">
+            <a:noFill/>
+            <a:round/>
+            <a:headEnd/>
+            <a:tailEnd/>
+          </a:ln>
+        </p:spPr>
+      </p:pic>
+      <p:pic>
+        <p:nvPicPr>
+          <p:cNvPr id="2052" name="Picture 3"/>
+          <p:cNvPicPr>
+            <a:picLocks noChangeAspect="1" noChangeArrowheads="1"/>
+          </p:cNvPicPr>
+          <p:nvPr/>
+        </p:nvPicPr>
+        <p:blipFill>
+          <a:blip r:embed="rId4" cstate="print"/>
+          <a:srcRect/>
+          <a:stretch>
+            <a:fillRect/>
+          </a:stretch>
+        </p:blipFill>
+        <p:spPr bwMode="auto">
+          <a:xfrm>
+            <a:off x="0" y="0"/>
+            <a:ext cx="0" cy="0"/>
+          </a:xfrm>
+          <a:prstGeom prst="rect">
+            <a:avLst/>
+          </a:prstGeom>
+          <a:noFill/>
+          <a:ln w="9525">
+            <a:noFill/>
+            <a:round/>
+            <a:headEnd/>
+            <a:tailEnd/>
+          </a:ln>
+        </p:spPr>
+      </p:pic>
+      <p:sp>
+        <p:nvSpPr>
+          <p:cNvPr id="2053" name="Text Box 4"/>
+          <p:cNvSpPr txBox="1">
+            <a:spLocks noChangeArrowheads="1"/>
+          </p:cNvSpPr>
+          <p:nvPr/>
+        </p:nvSpPr>
+        <p:spPr bwMode="auto">
+          <a:xfrm>
+            <a:off x="153601" y="6205612"/>
+            <a:ext cx="8336640" cy="505493"/>
+          </a:xfrm>
+          <a:prstGeom prst="rect">
+            <a:avLst/>
+          </a:prstGeom>
+          <a:noFill/>
+          <a:ln w="9525">
+            <a:noFill/>
+            <a:round/>
+            <a:headEnd/>
+            <a:tailEnd/>
+          </a:ln>
+        </p:spPr>
+        <p:txBody>
+          <a:bodyPr lIns="90000" tIns="54702" rIns="90000" bIns="45000"/>
+          <a:lstStyle/>
+          <a:p>
+            <a:pPr>
+              <a:tabLst>
+                <a:tab pos="723900" algn="l"/>
+                <a:tab pos="1447800" algn="l"/>
+                <a:tab pos="2171700" algn="l"/>
+                <a:tab pos="2895600" algn="l"/>
+                <a:tab pos="3619500" algn="l"/>
+                <a:tab pos="4343400" algn="l"/>
+                <a:tab pos="5067300" algn="l"/>
+                <a:tab pos="5791200" algn="l"/>
+                <a:tab pos="6515100" algn="l"/>
+              </a:tabLst>
+            </a:pPr>
+            <a:r>
+              <a:rPr lang="en-GB" sz="1100" b="1">
+                <a:solidFill>
+                  <a:srgbClr val="000000"/>
+                </a:solidFill>
+              </a:rPr>
+              <a:t>Hippocampus</a:t>
+            </a:r>
+            <a:r>
+              <a:rPr lang="en-GB" sz="1100">
+                <a:solidFill>
+                  <a:srgbClr val="000000"/>
+                </a:solidFill>
+              </a:rPr>
+              <a:t/>
+            </a:r>
+            <a:br>
+              <a:rPr lang="en-GB" sz="1100">
+                <a:solidFill>
+                  <a:srgbClr val="000000"/>
+                </a:solidFill>
+              </a:rPr>
+            </a:br>
+            <a:r>
+              <a:rPr lang="en-GB" sz="1100">
+                <a:solidFill>
+                  <a:srgbClr val="000000"/>
+                </a:solidFill>
+                <a:hlinkClick r:id="rId5"/>
+              </a:rPr>
+              <a:t>Volume 26, Issue 8, </a:t>
+            </a:r>
+            <a:r>
+              <a:rPr lang="en-GB" sz="1100">
+                <a:solidFill>
+                  <a:srgbClr val="000000"/>
+                </a:solidFill>
+              </a:rPr>
+              <a:t>pages 1061-1077, 9 APR 2016 DOI: 10.1002/hipo.22587</a:t>
+            </a:r>
+            <a:br>
+              <a:rPr lang="en-GB" sz="1100">
+                <a:solidFill>
+                  <a:srgbClr val="000000"/>
+                </a:solidFill>
+              </a:rPr>
+            </a:br>
+            <a:r>
+              <a:rPr lang="en-GB" sz="1100">
+                <a:solidFill>
+                  <a:srgbClr val="000000"/>
+                </a:solidFill>
+                <a:hlinkClick r:id="rId6"/>
+              </a:rPr>
+              <a:t>http://onlinelibrary.wiley.com/doi/10.1002/hipo.22587/full#hipo22587-fig-0006</a:t>
+            </a:r>
+          </a:p>
+        </p:txBody>
+      </p:sp>
+    </p:spTree>
+    <p:extLst>
+      <p:ext uri="{BB962C8B-B14F-4D97-AF65-F5344CB8AC3E}">
+        <p14:creationId xmlns:p14="http://schemas.microsoft.com/office/powerpoint/2010/main" val="2040840273"/>
+      </p:ext>
+    </p:extLst>
+  </p:cSld>
+  <p:clrMapOvr>
+    <a:masterClrMapping/>
+  </p:clrMapOvr>
+  <p:transition spd="med"/>
+  <p:timing>
+    <p:tnLst>
+      <p:par>
+        <p:cTn id="1" dur="indefinite" restart="never" nodeType="tmRoot">
+          <p:childTnLst>
+            <p:seq concurrent="1" nextAc="seek">
+              <p:cTn id="2" dur="0" nodeType="mainSeq"/>
+              <p:prevCondLst>
+                <p:cond evt="onPrev" delay="0">
+                  <p:tgtEl>
+                    <p:sldTgt/>
+                  </p:tgtEl>
+                </p:cond>
+              </p:prevCondLst>
+              <p:nextCondLst>
+                <p:cond evt="onNext" delay="0">
+                  <p:tgtEl>
+                    <p:sldTgt/>
+                  </p:tgtEl>
+                </p:cond>
+              </p:nextCondLst>
+            </p:seq>
+          </p:childTnLst>
+        </p:cTn>
+      </p:par>
+    </p:tnLst>
+  </p:timing>
+</p:sld>
+</file>
+
+<file path=ppt/slides/slide26.xml><?xml version="1.0" encoding="utf-8"?>
+<p:sld xmlns:a="http://schemas.openxmlformats.org/drawingml/2006/main" xmlns:r="http://schemas.openxmlformats.org/officeDocument/2006/relationships" xmlns:p="http://schemas.openxmlformats.org/presentationml/2006/main">
+  <p:cSld>
+    <p:spTree>
+      <p:nvGrpSpPr>
+        <p:cNvPr id="1" name=""/>
+        <p:cNvGrpSpPr/>
+        <p:nvPr/>
+      </p:nvGrpSpPr>
+      <p:grpSpPr>
+        <a:xfrm>
+          <a:off x="0" y="0"/>
+          <a:ext cx="0" cy="0"/>
+          <a:chOff x="0" y="0"/>
+          <a:chExt cx="0" cy="0"/>
+        </a:xfrm>
+      </p:grpSpPr>
+      <p:sp>
+        <p:nvSpPr>
+          <p:cNvPr id="2050" name="Rectangle 1"/>
+          <p:cNvSpPr>
+            <a:spLocks noGrp="1" noChangeArrowheads="1"/>
+          </p:cNvSpPr>
+          <p:nvPr>
+            <p:ph type="title"/>
+          </p:nvPr>
+        </p:nvSpPr>
+        <p:spPr>
+          <a:xfrm>
+            <a:off x="566401" y="419084"/>
+            <a:ext cx="10970880" cy="724396"/>
+          </a:xfrm>
+        </p:spPr>
+        <p:txBody>
+          <a:bodyPr tIns="14112"/>
+          <a:lstStyle/>
+          <a:p>
+            <a:pPr eaLnBrk="1">
+              <a:tabLst>
+                <a:tab pos="723900" algn="l"/>
+                <a:tab pos="1447800" algn="l"/>
+                <a:tab pos="2171700" algn="l"/>
+                <a:tab pos="2895600" algn="l"/>
+                <a:tab pos="3619500" algn="l"/>
+                <a:tab pos="4343400" algn="l"/>
+                <a:tab pos="5067300" algn="l"/>
+                <a:tab pos="5791200" algn="l"/>
+                <a:tab pos="6515100" algn="l"/>
+                <a:tab pos="7239000" algn="l"/>
+                <a:tab pos="7962900" algn="l"/>
+                <a:tab pos="8686800" algn="l"/>
+              </a:tabLst>
+            </a:pPr>
+            <a:r>
+              <a:rPr lang="en-GB" sz="1600" b="1" smtClean="0"/>
+              <a:t>Functional cross‐hemispheric shift between object‐place paired associate memory and spatial memory in the human hippocampus</a:t>
+            </a:r>
+          </a:p>
+        </p:txBody>
+      </p:sp>
+      <p:pic>
+        <p:nvPicPr>
+          <p:cNvPr id="2051" name="Picture 2"/>
+          <p:cNvPicPr>
+            <a:picLocks noChangeAspect="1" noChangeArrowheads="1"/>
+          </p:cNvPicPr>
+          <p:nvPr/>
+        </p:nvPicPr>
+        <p:blipFill>
+          <a:blip r:embed="rId3" cstate="print"/>
+          <a:srcRect/>
+          <a:stretch>
+            <a:fillRect/>
+          </a:stretch>
+        </p:blipFill>
+        <p:spPr bwMode="auto">
+          <a:xfrm>
+            <a:off x="2043429" y="2636902"/>
+            <a:ext cx="7867334" cy="1658880"/>
+          </a:xfrm>
+          <a:prstGeom prst="rect">
+            <a:avLst/>
+          </a:prstGeom>
+          <a:noFill/>
+          <a:ln w="9525">
+            <a:noFill/>
+            <a:round/>
+            <a:headEnd/>
+            <a:tailEnd/>
+          </a:ln>
+        </p:spPr>
+      </p:pic>
+      <p:pic>
+        <p:nvPicPr>
+          <p:cNvPr id="2052" name="Picture 3"/>
+          <p:cNvPicPr>
+            <a:picLocks noChangeAspect="1" noChangeArrowheads="1"/>
+          </p:cNvPicPr>
+          <p:nvPr/>
+        </p:nvPicPr>
+        <p:blipFill>
+          <a:blip r:embed="rId4" cstate="print"/>
+          <a:srcRect/>
+          <a:stretch>
+            <a:fillRect/>
+          </a:stretch>
+        </p:blipFill>
+        <p:spPr bwMode="auto">
+          <a:xfrm>
+            <a:off x="0" y="0"/>
+            <a:ext cx="0" cy="0"/>
+          </a:xfrm>
+          <a:prstGeom prst="rect">
+            <a:avLst/>
+          </a:prstGeom>
+          <a:noFill/>
+          <a:ln w="9525">
+            <a:noFill/>
+            <a:round/>
+            <a:headEnd/>
+            <a:tailEnd/>
+          </a:ln>
+        </p:spPr>
+      </p:pic>
+      <p:sp>
+        <p:nvSpPr>
+          <p:cNvPr id="2053" name="Text Box 4"/>
+          <p:cNvSpPr txBox="1">
+            <a:spLocks noChangeArrowheads="1"/>
+          </p:cNvSpPr>
+          <p:nvPr/>
+        </p:nvSpPr>
+        <p:spPr bwMode="auto">
+          <a:xfrm>
+            <a:off x="153601" y="6205612"/>
+            <a:ext cx="8336640" cy="505493"/>
+          </a:xfrm>
+          <a:prstGeom prst="rect">
+            <a:avLst/>
+          </a:prstGeom>
+          <a:noFill/>
+          <a:ln w="9525">
+            <a:noFill/>
+            <a:round/>
+            <a:headEnd/>
+            <a:tailEnd/>
+          </a:ln>
+        </p:spPr>
+        <p:txBody>
+          <a:bodyPr lIns="90000" tIns="54702" rIns="90000" bIns="45000"/>
+          <a:lstStyle/>
+          <a:p>
+            <a:pPr>
+              <a:tabLst>
+                <a:tab pos="723900" algn="l"/>
+                <a:tab pos="1447800" algn="l"/>
+                <a:tab pos="2171700" algn="l"/>
+                <a:tab pos="2895600" algn="l"/>
+                <a:tab pos="3619500" algn="l"/>
+                <a:tab pos="4343400" algn="l"/>
+                <a:tab pos="5067300" algn="l"/>
+                <a:tab pos="5791200" algn="l"/>
+                <a:tab pos="6515100" algn="l"/>
+              </a:tabLst>
+            </a:pPr>
+            <a:r>
+              <a:rPr lang="en-GB" sz="1100" b="1">
+                <a:solidFill>
+                  <a:srgbClr val="000000"/>
+                </a:solidFill>
+              </a:rPr>
+              <a:t>Hippocampus</a:t>
+            </a:r>
+            <a:r>
+              <a:rPr lang="en-GB" sz="1100">
+                <a:solidFill>
+                  <a:srgbClr val="000000"/>
+                </a:solidFill>
+              </a:rPr>
+              <a:t/>
+            </a:r>
+            <a:br>
+              <a:rPr lang="en-GB" sz="1100">
+                <a:solidFill>
+                  <a:srgbClr val="000000"/>
+                </a:solidFill>
+              </a:rPr>
+            </a:br>
+            <a:r>
+              <a:rPr lang="en-GB" sz="1100">
+                <a:solidFill>
+                  <a:srgbClr val="000000"/>
+                </a:solidFill>
+                <a:hlinkClick r:id="rId5"/>
+              </a:rPr>
+              <a:t>Volume 26, Issue 8, </a:t>
+            </a:r>
+            <a:r>
+              <a:rPr lang="en-GB" sz="1100">
+                <a:solidFill>
+                  <a:srgbClr val="000000"/>
+                </a:solidFill>
+              </a:rPr>
+              <a:t>pages 1061-1077, 9 APR 2016 DOI: 10.1002/hipo.22587</a:t>
+            </a:r>
+            <a:br>
+              <a:rPr lang="en-GB" sz="1100">
+                <a:solidFill>
+                  <a:srgbClr val="000000"/>
+                </a:solidFill>
+              </a:rPr>
+            </a:br>
+            <a:r>
+              <a:rPr lang="en-GB" sz="1100">
+                <a:solidFill>
+                  <a:srgbClr val="000000"/>
+                </a:solidFill>
+                <a:hlinkClick r:id="rId6"/>
+              </a:rPr>
+              <a:t>http://onlinelibrary.wiley.com/doi/10.1002/hipo.22587/full#hipo22587-fig-0007</a:t>
+            </a:r>
+          </a:p>
+        </p:txBody>
+      </p:sp>
+    </p:spTree>
+    <p:extLst>
+      <p:ext uri="{BB962C8B-B14F-4D97-AF65-F5344CB8AC3E}">
+        <p14:creationId xmlns:p14="http://schemas.microsoft.com/office/powerpoint/2010/main" val="360000308"/>
+      </p:ext>
+    </p:extLst>
+  </p:cSld>
+  <p:clrMapOvr>
+    <a:masterClrMapping/>
+  </p:clrMapOvr>
+  <p:transition spd="med"/>
+  <p:timing>
+    <p:tnLst>
+      <p:par>
+        <p:cTn id="1" dur="indefinite" restart="never" nodeType="tmRoot">
+          <p:childTnLst>
+            <p:seq concurrent="1" nextAc="seek">
+              <p:cTn id="2" dur="0" nodeType="mainSeq"/>
+              <p:prevCondLst>
+                <p:cond evt="onPrev" delay="0">
+                  <p:tgtEl>
+                    <p:sldTgt/>
+                  </p:tgtEl>
+                </p:cond>
+              </p:prevCondLst>
+              <p:nextCondLst>
+                <p:cond evt="onNext" delay="0">
+                  <p:tgtEl>
+                    <p:sldTgt/>
+                  </p:tgtEl>
+                </p:cond>
+              </p:nextCondLst>
+            </p:seq>
+          </p:childTnLst>
+        </p:cTn>
+      </p:par>
+    </p:tnLst>
+  </p:timing>
+</p:sld>
+</file>
+
+<file path=ppt/slides/slide27.xml><?xml version="1.0" encoding="utf-8"?>
+<p:sld xmlns:a="http://schemas.openxmlformats.org/drawingml/2006/main" xmlns:r="http://schemas.openxmlformats.org/officeDocument/2006/relationships" xmlns:p="http://schemas.openxmlformats.org/presentationml/2006/main">
+  <p:cSld>
+    <p:spTree>
+      <p:nvGrpSpPr>
+        <p:cNvPr id="1" name=""/>
+        <p:cNvGrpSpPr/>
+        <p:nvPr/>
+      </p:nvGrpSpPr>
+      <p:grpSpPr>
+        <a:xfrm>
+          <a:off x="0" y="0"/>
+          <a:ext cx="0" cy="0"/>
+          <a:chOff x="0" y="0"/>
+          <a:chExt cx="0" cy="0"/>
+        </a:xfrm>
+      </p:grpSpPr>
+      <p:sp>
+        <p:nvSpPr>
+          <p:cNvPr id="2050" name="Rectangle 1"/>
+          <p:cNvSpPr>
+            <a:spLocks noGrp="1" noChangeArrowheads="1"/>
+          </p:cNvSpPr>
+          <p:nvPr>
+            <p:ph type="title"/>
+          </p:nvPr>
+        </p:nvSpPr>
+        <p:spPr>
+          <a:xfrm>
+            <a:off x="566401" y="419084"/>
+            <a:ext cx="10970880" cy="724396"/>
+          </a:xfrm>
+        </p:spPr>
+        <p:txBody>
+          <a:bodyPr tIns="14112"/>
+          <a:lstStyle/>
+          <a:p>
+            <a:pPr eaLnBrk="1">
+              <a:tabLst>
+                <a:tab pos="723900" algn="l"/>
+                <a:tab pos="1447800" algn="l"/>
+                <a:tab pos="2171700" algn="l"/>
+                <a:tab pos="2895600" algn="l"/>
+                <a:tab pos="3619500" algn="l"/>
+                <a:tab pos="4343400" algn="l"/>
+                <a:tab pos="5067300" algn="l"/>
+                <a:tab pos="5791200" algn="l"/>
+                <a:tab pos="6515100" algn="l"/>
+                <a:tab pos="7239000" algn="l"/>
+                <a:tab pos="7962900" algn="l"/>
+                <a:tab pos="8686800" algn="l"/>
+              </a:tabLst>
+            </a:pPr>
+            <a:r>
+              <a:rPr lang="en-GB" sz="1600" b="1" smtClean="0"/>
+              <a:t>Functional cross‐hemispheric shift between object‐place paired associate memory and spatial memory in the human hippocampus</a:t>
+            </a:r>
+          </a:p>
+        </p:txBody>
+      </p:sp>
+      <p:pic>
+        <p:nvPicPr>
+          <p:cNvPr id="2051" name="Picture 2"/>
+          <p:cNvPicPr>
+            <a:picLocks noChangeAspect="1" noChangeArrowheads="1"/>
+          </p:cNvPicPr>
+          <p:nvPr/>
+        </p:nvPicPr>
+        <p:blipFill>
+          <a:blip r:embed="rId3" cstate="print"/>
+          <a:srcRect/>
+          <a:stretch>
+            <a:fillRect/>
+          </a:stretch>
+        </p:blipFill>
+        <p:spPr bwMode="auto">
+          <a:xfrm>
+            <a:off x="3877399" y="1306342"/>
+            <a:ext cx="4199394" cy="4320000"/>
+          </a:xfrm>
+          <a:prstGeom prst="rect">
+            <a:avLst/>
+          </a:prstGeom>
+          <a:noFill/>
+          <a:ln w="9525">
+            <a:noFill/>
+            <a:round/>
+            <a:headEnd/>
+            <a:tailEnd/>
+          </a:ln>
+        </p:spPr>
+      </p:pic>
+      <p:pic>
+        <p:nvPicPr>
+          <p:cNvPr id="2052" name="Picture 3"/>
+          <p:cNvPicPr>
+            <a:picLocks noChangeAspect="1" noChangeArrowheads="1"/>
+          </p:cNvPicPr>
+          <p:nvPr/>
+        </p:nvPicPr>
+        <p:blipFill>
+          <a:blip r:embed="rId4" cstate="print"/>
+          <a:srcRect/>
+          <a:stretch>
+            <a:fillRect/>
+          </a:stretch>
+        </p:blipFill>
+        <p:spPr bwMode="auto">
+          <a:xfrm>
+            <a:off x="0" y="0"/>
+            <a:ext cx="0" cy="0"/>
+          </a:xfrm>
+          <a:prstGeom prst="rect">
+            <a:avLst/>
+          </a:prstGeom>
+          <a:noFill/>
+          <a:ln w="9525">
+            <a:noFill/>
+            <a:round/>
+            <a:headEnd/>
+            <a:tailEnd/>
+          </a:ln>
+        </p:spPr>
+      </p:pic>
+      <p:sp>
+        <p:nvSpPr>
+          <p:cNvPr id="2053" name="Text Box 4"/>
+          <p:cNvSpPr txBox="1">
+            <a:spLocks noChangeArrowheads="1"/>
+          </p:cNvSpPr>
+          <p:nvPr/>
+        </p:nvSpPr>
+        <p:spPr bwMode="auto">
+          <a:xfrm>
+            <a:off x="153601" y="6205612"/>
+            <a:ext cx="8336640" cy="505493"/>
+          </a:xfrm>
+          <a:prstGeom prst="rect">
+            <a:avLst/>
+          </a:prstGeom>
+          <a:noFill/>
+          <a:ln w="9525">
+            <a:noFill/>
+            <a:round/>
+            <a:headEnd/>
+            <a:tailEnd/>
+          </a:ln>
+        </p:spPr>
+        <p:txBody>
+          <a:bodyPr lIns="90000" tIns="54702" rIns="90000" bIns="45000"/>
+          <a:lstStyle/>
+          <a:p>
+            <a:pPr>
+              <a:tabLst>
+                <a:tab pos="723900" algn="l"/>
+                <a:tab pos="1447800" algn="l"/>
+                <a:tab pos="2171700" algn="l"/>
+                <a:tab pos="2895600" algn="l"/>
+                <a:tab pos="3619500" algn="l"/>
+                <a:tab pos="4343400" algn="l"/>
+                <a:tab pos="5067300" algn="l"/>
+                <a:tab pos="5791200" algn="l"/>
+                <a:tab pos="6515100" algn="l"/>
+              </a:tabLst>
+            </a:pPr>
+            <a:r>
+              <a:rPr lang="en-GB" sz="1100" b="1">
+                <a:solidFill>
+                  <a:srgbClr val="000000"/>
+                </a:solidFill>
+              </a:rPr>
+              <a:t>Hippocampus</a:t>
+            </a:r>
+            <a:r>
+              <a:rPr lang="en-GB" sz="1100">
+                <a:solidFill>
+                  <a:srgbClr val="000000"/>
+                </a:solidFill>
+              </a:rPr>
+              <a:t/>
+            </a:r>
+            <a:br>
+              <a:rPr lang="en-GB" sz="1100">
+                <a:solidFill>
+                  <a:srgbClr val="000000"/>
+                </a:solidFill>
+              </a:rPr>
+            </a:br>
+            <a:r>
+              <a:rPr lang="en-GB" sz="1100">
+                <a:solidFill>
+                  <a:srgbClr val="000000"/>
+                </a:solidFill>
+                <a:hlinkClick r:id="rId5"/>
+              </a:rPr>
+              <a:t>Volume 26, Issue 8, </a:t>
+            </a:r>
+            <a:r>
+              <a:rPr lang="en-GB" sz="1100">
+                <a:solidFill>
+                  <a:srgbClr val="000000"/>
+                </a:solidFill>
+              </a:rPr>
+              <a:t>pages 1061-1077, 9 APR 2016 DOI: 10.1002/hipo.22587</a:t>
+            </a:r>
+            <a:br>
+              <a:rPr lang="en-GB" sz="1100">
+                <a:solidFill>
+                  <a:srgbClr val="000000"/>
+                </a:solidFill>
+              </a:rPr>
+            </a:br>
+            <a:r>
+              <a:rPr lang="en-GB" sz="1100">
+                <a:solidFill>
+                  <a:srgbClr val="000000"/>
+                </a:solidFill>
+                <a:hlinkClick r:id="rId6"/>
+              </a:rPr>
+              <a:t>http://onlinelibrary.wiley.com/doi/10.1002/hipo.22587/full#hipo22587-fig-0008</a:t>
+            </a:r>
+          </a:p>
+        </p:txBody>
+      </p:sp>
+    </p:spTree>
+    <p:extLst>
+      <p:ext uri="{BB962C8B-B14F-4D97-AF65-F5344CB8AC3E}">
+        <p14:creationId xmlns:p14="http://schemas.microsoft.com/office/powerpoint/2010/main" val="2498295017"/>
+      </p:ext>
+    </p:extLst>
+  </p:cSld>
+  <p:clrMapOvr>
+    <a:masterClrMapping/>
+  </p:clrMapOvr>
+  <p:transition spd="med"/>
+  <p:timing>
+    <p:tnLst>
+      <p:par>
+        <p:cTn id="1" dur="indefinite" restart="never" nodeType="tmRoot">
+          <p:childTnLst>
+            <p:seq concurrent="1" nextAc="seek">
+              <p:cTn id="2" dur="0" nodeType="mainSeq"/>
+              <p:prevCondLst>
+                <p:cond evt="onPrev" delay="0">
+                  <p:tgtEl>
+                    <p:sldTgt/>
+                  </p:tgtEl>
+                </p:cond>
+              </p:prevCondLst>
+              <p:nextCondLst>
+                <p:cond evt="onNext" delay="0">
+                  <p:tgtEl>
+                    <p:sldTgt/>
+                  </p:tgtEl>
+                </p:cond>
+              </p:nextCondLst>
+            </p:seq>
+          </p:childTnLst>
+        </p:cTn>
+      </p:par>
+    </p:tnLst>
+  </p:timing>
+</p:sld>
+</file>
+
+<file path=ppt/slides/slide28.xml><?xml version="1.0" encoding="utf-8"?>
+<p:sld xmlns:a="http://schemas.openxmlformats.org/drawingml/2006/main" xmlns:r="http://schemas.openxmlformats.org/officeDocument/2006/relationships" xmlns:p="http://schemas.openxmlformats.org/presentationml/2006/main">
+  <p:cSld>
+    <p:spTree>
+      <p:nvGrpSpPr>
+        <p:cNvPr id="1" name=""/>
+        <p:cNvGrpSpPr/>
+        <p:nvPr/>
+      </p:nvGrpSpPr>
+      <p:grpSpPr>
+        <a:xfrm>
+          <a:off x="0" y="0"/>
+          <a:ext cx="0" cy="0"/>
+          <a:chOff x="0" y="0"/>
+          <a:chExt cx="0" cy="0"/>
+        </a:xfrm>
+      </p:grpSpPr>
+      <p:sp>
+        <p:nvSpPr>
+          <p:cNvPr id="5" name="矩形 4"/>
+          <p:cNvSpPr/>
+          <p:nvPr/>
+        </p:nvSpPr>
+        <p:spPr>
+          <a:xfrm>
+            <a:off x="6005399" y="3447534"/>
+            <a:ext cx="6172200" cy="3410465"/>
+          </a:xfrm>
+          <a:prstGeom prst="rect">
+            <a:avLst/>
+          </a:prstGeom>
+          <a:solidFill>
+            <a:schemeClr val="bg1">
+              <a:lumMod val="95000"/>
+            </a:schemeClr>
+          </a:solidFill>
+          <a:ln>
+            <a:noFill/>
+          </a:ln>
+        </p:spPr>
+        <p:style>
+          <a:lnRef idx="2">
+            <a:schemeClr val="accent1">
+              <a:shade val="50000"/>
+            </a:schemeClr>
+          </a:lnRef>
+          <a:fillRef idx="1">
+            <a:schemeClr val="accent1"/>
+          </a:fillRef>
+          <a:effectRef idx="0">
+            <a:schemeClr val="accent1"/>
+          </a:effectRef>
+          <a:fontRef idx="minor">
+            <a:schemeClr val="lt1"/>
+          </a:fontRef>
+        </p:style>
+        <p:txBody>
+          <a:bodyPr rtlCol="0" anchor="ctr"/>
+          <a:lstStyle/>
+          <a:p>
+            <a:pPr algn="ctr"/>
+            <a:endParaRPr lang="zh-CN" altLang="en-US"/>
+          </a:p>
+        </p:txBody>
+      </p:sp>
+      <p:sp>
+        <p:nvSpPr>
+          <p:cNvPr id="29" name="矩形 28"/>
+          <p:cNvSpPr/>
+          <p:nvPr/>
+        </p:nvSpPr>
+        <p:spPr>
+          <a:xfrm>
+            <a:off x="12346" y="1"/>
+            <a:ext cx="6006821" cy="3447534"/>
+          </a:xfrm>
+          <a:prstGeom prst="rect">
+            <a:avLst/>
+          </a:prstGeom>
+          <a:solidFill>
+            <a:schemeClr val="bg1">
+              <a:lumMod val="95000"/>
+            </a:schemeClr>
+          </a:solidFill>
+          <a:ln>
+            <a:noFill/>
+          </a:ln>
+        </p:spPr>
+        <p:style>
+          <a:lnRef idx="2">
+            <a:schemeClr val="accent1">
+              <a:shade val="50000"/>
+            </a:schemeClr>
+          </a:lnRef>
+          <a:fillRef idx="1">
+            <a:schemeClr val="accent1"/>
+          </a:fillRef>
+          <a:effectRef idx="0">
+            <a:schemeClr val="accent1"/>
+          </a:effectRef>
+          <a:fontRef idx="minor">
+            <a:schemeClr val="lt1"/>
+          </a:fontRef>
+        </p:style>
+        <p:txBody>
+          <a:bodyPr rtlCol="0" anchor="ctr"/>
+          <a:lstStyle/>
+          <a:p>
+            <a:pPr algn="ctr"/>
+            <a:endParaRPr lang="zh-CN" altLang="en-US"/>
+          </a:p>
+        </p:txBody>
+      </p:sp>
+      <p:sp>
+        <p:nvSpPr>
+          <p:cNvPr id="30" name="文本框 29"/>
+          <p:cNvSpPr txBox="1"/>
+          <p:nvPr/>
+        </p:nvSpPr>
+        <p:spPr>
+          <a:xfrm>
+            <a:off x="662539" y="294935"/>
+            <a:ext cx="5947811" cy="769441"/>
+          </a:xfrm>
+          <a:prstGeom prst="rect">
+            <a:avLst/>
+          </a:prstGeom>
+          <a:noFill/>
+        </p:spPr>
+        <p:txBody>
+          <a:bodyPr wrap="square" rtlCol="0">
+            <a:spAutoFit/>
+          </a:bodyPr>
+          <a:lstStyle/>
+          <a:p>
+            <a:r>
+              <a:rPr lang="en-US" altLang="zh-CN" sz="4400" b="1" dirty="0" err="1" smtClean="0">
+                <a:solidFill>
+                  <a:srgbClr val="00ABB4"/>
+                </a:solidFill>
+                <a:latin typeface="微软雅黑" panose="020B0503020204020204" pitchFamily="34" charset="-122"/>
+                <a:ea typeface="微软雅黑" panose="020B0503020204020204" pitchFamily="34" charset="-122"/>
+              </a:rPr>
+              <a:t>Optogenetics</a:t>
+            </a:r>
+            <a:endParaRPr lang="en-US" altLang="zh-CN" sz="4400" b="1" dirty="0">
+              <a:solidFill>
+                <a:srgbClr val="00ABB4"/>
+              </a:solidFill>
+              <a:latin typeface="微软雅黑" panose="020B0503020204020204" pitchFamily="34" charset="-122"/>
+              <a:ea typeface="微软雅黑" panose="020B0503020204020204" pitchFamily="34" charset="-122"/>
+            </a:endParaRPr>
+          </a:p>
+        </p:txBody>
+      </p:sp>
+      <p:sp>
+        <p:nvSpPr>
+          <p:cNvPr id="31" name="Rectangle 96"/>
+          <p:cNvSpPr/>
+          <p:nvPr/>
+        </p:nvSpPr>
+        <p:spPr>
+          <a:xfrm>
+            <a:off x="882750" y="1406718"/>
+            <a:ext cx="10245297" cy="3539430"/>
+          </a:xfrm>
+          <a:prstGeom prst="rect">
+            <a:avLst/>
+          </a:prstGeom>
+        </p:spPr>
+        <p:txBody>
+          <a:bodyPr wrap="square">
+            <a:spAutoFit/>
+          </a:bodyPr>
+          <a:lstStyle/>
+          <a:p>
+            <a:pPr marL="342900" indent="-342900">
+              <a:lnSpc>
+                <a:spcPct val="200000"/>
+              </a:lnSpc>
+              <a:buFont typeface="Arial" panose="020B0604020202020204" pitchFamily="34" charset="0"/>
+              <a:buChar char="•"/>
+            </a:pPr>
+            <a:r>
+              <a:rPr lang="en-US" altLang="zh-CN" sz="2800" dirty="0" smtClean="0">
+                <a:latin typeface="Meiryo" panose="020B0604030504040204" pitchFamily="34" charset="-128"/>
+                <a:ea typeface="Meiryo" panose="020B0604030504040204" pitchFamily="34" charset="-128"/>
+                <a:cs typeface="Meiryo" panose="020B0604030504040204" pitchFamily="34" charset="-128"/>
+              </a:rPr>
+              <a:t>AAV5-CaMKII</a:t>
+            </a:r>
+            <a:r>
+              <a:rPr lang="el-GR" altLang="zh-CN" sz="2800" dirty="0">
+                <a:latin typeface="Meiryo" panose="020B0604030504040204" pitchFamily="34" charset="-128"/>
+                <a:ea typeface="Meiryo" panose="020B0604030504040204" pitchFamily="34" charset="-128"/>
+                <a:cs typeface="Meiryo" panose="020B0604030504040204" pitchFamily="34" charset="-128"/>
+              </a:rPr>
+              <a:t>α-</a:t>
+            </a:r>
+            <a:r>
+              <a:rPr lang="en-US" altLang="zh-CN" sz="2800" dirty="0">
+                <a:latin typeface="Meiryo" panose="020B0604030504040204" pitchFamily="34" charset="-128"/>
+                <a:ea typeface="Meiryo" panose="020B0604030504040204" pitchFamily="34" charset="-128"/>
+                <a:cs typeface="Meiryo" panose="020B0604030504040204" pitchFamily="34" charset="-128"/>
+              </a:rPr>
+              <a:t>eNpHR3.0-eYFP </a:t>
+            </a:r>
+            <a:endParaRPr lang="en-US" altLang="zh-CN" sz="2800" dirty="0" smtClean="0">
+              <a:latin typeface="Meiryo" panose="020B0604030504040204" pitchFamily="34" charset="-128"/>
+              <a:ea typeface="Meiryo" panose="020B0604030504040204" pitchFamily="34" charset="-128"/>
+              <a:cs typeface="Meiryo" panose="020B0604030504040204" pitchFamily="34" charset="-128"/>
+            </a:endParaRPr>
+          </a:p>
+          <a:p>
+            <a:pPr marL="342900" indent="-342900">
+              <a:lnSpc>
+                <a:spcPct val="200000"/>
+              </a:lnSpc>
+              <a:buFont typeface="Arial" panose="020B0604020202020204" pitchFamily="34" charset="0"/>
+              <a:buChar char="•"/>
+            </a:pPr>
+            <a:r>
+              <a:rPr lang="en-US" altLang="zh-CN" sz="2800" dirty="0" smtClean="0">
+                <a:latin typeface="Meiryo" panose="020B0604030504040204" pitchFamily="34" charset="-128"/>
+                <a:ea typeface="Meiryo" panose="020B0604030504040204" pitchFamily="34" charset="-128"/>
+              </a:rPr>
+              <a:t>Green light</a:t>
+            </a:r>
+            <a:endParaRPr lang="en-US" altLang="zh-CN" sz="2800" dirty="0" smtClean="0"/>
+          </a:p>
+          <a:p>
+            <a:pPr marL="342900" indent="-342900">
+              <a:lnSpc>
+                <a:spcPct val="200000"/>
+              </a:lnSpc>
+              <a:buFont typeface="Arial" panose="020B0604020202020204" pitchFamily="34" charset="0"/>
+              <a:buChar char="•"/>
+            </a:pPr>
+            <a:r>
+              <a:rPr lang="en-US" altLang="zh-CN" sz="2800" dirty="0">
+                <a:latin typeface="Meiryo" panose="020B0604030504040204" pitchFamily="34" charset="-128"/>
+                <a:ea typeface="Meiryo" panose="020B0604030504040204" pitchFamily="34" charset="-128"/>
+                <a:cs typeface="Meiryo" panose="020B0604030504040204" pitchFamily="34" charset="-128"/>
+              </a:rPr>
+              <a:t>R</a:t>
+            </a:r>
+            <a:r>
+              <a:rPr lang="en-US" altLang="zh-CN" sz="2800" dirty="0" smtClean="0">
+                <a:latin typeface="Meiryo" panose="020B0604030504040204" pitchFamily="34" charset="-128"/>
+                <a:ea typeface="Meiryo" panose="020B0604030504040204" pitchFamily="34" charset="-128"/>
+                <a:cs typeface="Meiryo" panose="020B0604030504040204" pitchFamily="34" charset="-128"/>
+              </a:rPr>
+              <a:t>eversible </a:t>
+            </a:r>
+            <a:r>
+              <a:rPr lang="en-US" altLang="zh-CN" sz="2800" dirty="0">
+                <a:latin typeface="Meiryo" panose="020B0604030504040204" pitchFamily="34" charset="-128"/>
+                <a:ea typeface="Meiryo" panose="020B0604030504040204" pitchFamily="34" charset="-128"/>
+                <a:cs typeface="Meiryo" panose="020B0604030504040204" pitchFamily="34" charset="-128"/>
+              </a:rPr>
+              <a:t>silencing of spontaneous </a:t>
+            </a:r>
+            <a:r>
+              <a:rPr lang="en-US" altLang="zh-CN" sz="2800" dirty="0" smtClean="0">
+                <a:latin typeface="Meiryo" panose="020B0604030504040204" pitchFamily="34" charset="-128"/>
+                <a:ea typeface="Meiryo" panose="020B0604030504040204" pitchFamily="34" charset="-128"/>
+                <a:cs typeface="Meiryo" panose="020B0604030504040204" pitchFamily="34" charset="-128"/>
+              </a:rPr>
+              <a:t>spiking</a:t>
+            </a:r>
+          </a:p>
+          <a:p>
+            <a:pPr marL="342900" indent="-342900">
+              <a:lnSpc>
+                <a:spcPct val="200000"/>
+              </a:lnSpc>
+              <a:buFont typeface="Arial" panose="020B0604020202020204" pitchFamily="34" charset="0"/>
+              <a:buChar char="•"/>
+            </a:pPr>
+            <a:r>
+              <a:rPr lang="en-US" altLang="zh-CN" sz="2800" dirty="0">
+                <a:latin typeface="Meiryo" panose="020B0604030504040204" pitchFamily="34" charset="-128"/>
+                <a:ea typeface="Meiryo" panose="020B0604030504040204" pitchFamily="34" charset="-128"/>
+                <a:cs typeface="Meiryo" panose="020B0604030504040204" pitchFamily="34" charset="-128"/>
+              </a:rPr>
+              <a:t>O</a:t>
+            </a:r>
+            <a:r>
+              <a:rPr lang="en-US" altLang="zh-CN" sz="2800" dirty="0" smtClean="0">
+                <a:latin typeface="Meiryo" panose="020B0604030504040204" pitchFamily="34" charset="-128"/>
+                <a:ea typeface="Meiryo" panose="020B0604030504040204" pitchFamily="34" charset="-128"/>
+                <a:cs typeface="Meiryo" panose="020B0604030504040204" pitchFamily="34" charset="-128"/>
+              </a:rPr>
+              <a:t>ne-sample </a:t>
+            </a:r>
+            <a:r>
+              <a:rPr lang="en-US" altLang="zh-CN" sz="2800" dirty="0">
+                <a:latin typeface="Meiryo" panose="020B0604030504040204" pitchFamily="34" charset="-128"/>
+                <a:ea typeface="Meiryo" panose="020B0604030504040204" pitchFamily="34" charset="-128"/>
+                <a:cs typeface="Meiryo" panose="020B0604030504040204" pitchFamily="34" charset="-128"/>
+              </a:rPr>
+              <a:t>t tests </a:t>
+            </a:r>
+          </a:p>
+        </p:txBody>
+      </p:sp>
+    </p:spTree>
+    <p:extLst>
+      <p:ext uri="{BB962C8B-B14F-4D97-AF65-F5344CB8AC3E}">
+        <p14:creationId xmlns:p14="http://schemas.microsoft.com/office/powerpoint/2010/main" val="1557172402"/>
+      </p:ext>
+    </p:extLst>
+  </p:cSld>
+  <p:clrMapOvr>
+    <a:masterClrMapping/>
+  </p:clrMapOvr>
+  <p:timing>
+    <p:tnLst>
+      <p:par>
+        <p:cTn id="1" dur="indefinite" restart="never" nodeType="tmRoot"/>
+      </p:par>
+    </p:tnLst>
+  </p:timing>
+</p:sld>
+</file>
+
+<file path=ppt/slides/slide29.xml><?xml version="1.0" encoding="utf-8"?>
+<p:sld xmlns:a="http://schemas.openxmlformats.org/drawingml/2006/main" xmlns:r="http://schemas.openxmlformats.org/officeDocument/2006/relationships" xmlns:p="http://schemas.openxmlformats.org/presentationml/2006/main">
+  <p:cSld>
+    <p:spTree>
+      <p:nvGrpSpPr>
+        <p:cNvPr id="1" name=""/>
+        <p:cNvGrpSpPr/>
+        <p:nvPr/>
+      </p:nvGrpSpPr>
+      <p:grpSpPr>
+        <a:xfrm>
+          <a:off x="0" y="0"/>
+          <a:ext cx="0" cy="0"/>
+          <a:chOff x="0" y="0"/>
+          <a:chExt cx="0" cy="0"/>
+        </a:xfrm>
+      </p:grpSpPr>
+      <p:sp>
+        <p:nvSpPr>
+          <p:cNvPr id="29" name="矩形 28"/>
+          <p:cNvSpPr/>
+          <p:nvPr/>
+        </p:nvSpPr>
+        <p:spPr>
+          <a:xfrm>
+            <a:off x="5918899" y="0"/>
+            <a:ext cx="6260123" cy="6858000"/>
+          </a:xfrm>
+          <a:prstGeom prst="rect">
+            <a:avLst/>
+          </a:prstGeom>
+          <a:solidFill>
+            <a:schemeClr val="bg1">
+              <a:lumMod val="95000"/>
+            </a:schemeClr>
+          </a:solidFill>
+          <a:ln>
+            <a:noFill/>
+          </a:ln>
+        </p:spPr>
+        <p:style>
+          <a:lnRef idx="2">
+            <a:schemeClr val="accent1">
+              <a:shade val="50000"/>
+            </a:schemeClr>
+          </a:lnRef>
+          <a:fillRef idx="1">
+            <a:schemeClr val="accent1"/>
+          </a:fillRef>
+          <a:effectRef idx="0">
+            <a:schemeClr val="accent1"/>
+          </a:effectRef>
+          <a:fontRef idx="minor">
+            <a:schemeClr val="lt1"/>
+          </a:fontRef>
+        </p:style>
+        <p:txBody>
+          <a:bodyPr rtlCol="0" anchor="ctr"/>
+          <a:lstStyle/>
+          <a:p>
+            <a:pPr algn="ctr"/>
+            <a:endParaRPr lang="zh-CN" altLang="en-US" dirty="0"/>
+          </a:p>
+        </p:txBody>
+      </p:sp>
+      <p:sp>
+        <p:nvSpPr>
+          <p:cNvPr id="31" name="Rectangle 96"/>
+          <p:cNvSpPr/>
+          <p:nvPr/>
+        </p:nvSpPr>
+        <p:spPr>
+          <a:xfrm>
+            <a:off x="765809" y="2035076"/>
+            <a:ext cx="11068049" cy="2677656"/>
+          </a:xfrm>
+          <a:prstGeom prst="rect">
+            <a:avLst/>
+          </a:prstGeom>
+        </p:spPr>
+        <p:txBody>
+          <a:bodyPr wrap="square">
+            <a:spAutoFit/>
+          </a:bodyPr>
+          <a:lstStyle/>
+          <a:p>
+            <a:pPr marL="285750" indent="-285750">
+              <a:lnSpc>
+                <a:spcPct val="150000"/>
+              </a:lnSpc>
+              <a:buFont typeface="Arial" panose="020B0604020202020204" pitchFamily="34" charset="0"/>
+              <a:buChar char="•"/>
+            </a:pPr>
+            <a:r>
+              <a:rPr lang="en-US" altLang="zh-CN" sz="2800" dirty="0"/>
+              <a:t>The behavioral results were analyzed by </a:t>
+            </a:r>
+            <a:r>
+              <a:rPr lang="en-US" altLang="zh-CN" sz="2800" b="1" dirty="0"/>
+              <a:t>two-way ANOVA</a:t>
+            </a:r>
+            <a:r>
+              <a:rPr lang="en-US" altLang="zh-CN" sz="2800" dirty="0"/>
+              <a:t/>
+            </a:r>
+            <a:br>
+              <a:rPr lang="en-US" altLang="zh-CN" sz="2800" dirty="0"/>
+            </a:br>
+            <a:r>
+              <a:rPr lang="en-US" altLang="zh-CN" sz="2800" dirty="0"/>
+              <a:t>with </a:t>
+            </a:r>
+            <a:r>
+              <a:rPr lang="en-US" altLang="zh-CN" sz="2800" b="1" dirty="0"/>
+              <a:t>between-subjects</a:t>
+            </a:r>
+            <a:r>
+              <a:rPr lang="en-US" altLang="zh-CN" sz="2800" dirty="0"/>
+              <a:t> factors of </a:t>
+            </a:r>
+            <a:r>
+              <a:rPr lang="en-US" altLang="zh-CN" sz="2800" b="1" dirty="0"/>
+              <a:t>transgene (</a:t>
+            </a:r>
+            <a:r>
+              <a:rPr lang="en-US" altLang="zh-CN" sz="2800" b="1" dirty="0" err="1"/>
+              <a:t>NpHR</a:t>
+            </a:r>
+            <a:r>
+              <a:rPr lang="en-US" altLang="zh-CN" sz="2800" b="1" dirty="0"/>
+              <a:t> vs. YFP) </a:t>
+            </a:r>
+            <a:r>
+              <a:rPr lang="en-US" altLang="zh-CN" sz="2800" dirty="0" smtClean="0"/>
+              <a:t>and </a:t>
+            </a:r>
+            <a:r>
+              <a:rPr lang="en-US" altLang="zh-CN" sz="2800" b="1" dirty="0" smtClean="0"/>
+              <a:t>hemisphere </a:t>
+            </a:r>
+            <a:r>
+              <a:rPr lang="en-US" altLang="zh-CN" sz="2800" b="1" dirty="0"/>
+              <a:t>(left vs. right), </a:t>
+            </a:r>
+            <a:r>
+              <a:rPr lang="en-US" altLang="zh-CN" sz="2800" dirty="0"/>
+              <a:t>and also a </a:t>
+            </a:r>
+            <a:r>
+              <a:rPr lang="en-US" altLang="zh-CN" sz="2800" b="1" dirty="0"/>
+              <a:t>within-subjects</a:t>
+            </a:r>
+            <a:r>
+              <a:rPr lang="en-US" altLang="zh-CN" sz="2800" dirty="0"/>
+              <a:t> factor </a:t>
+            </a:r>
+            <a:r>
+              <a:rPr lang="en-US" altLang="zh-CN" sz="2800" dirty="0" smtClean="0"/>
+              <a:t>of block </a:t>
+            </a:r>
+            <a:r>
+              <a:rPr lang="en-US" altLang="zh-CN" sz="2800" dirty="0"/>
+              <a:t>for the long-term memory tests. </a:t>
+            </a:r>
+          </a:p>
+        </p:txBody>
+      </p:sp>
+      <p:sp>
+        <p:nvSpPr>
+          <p:cNvPr id="6" name="文本框 29"/>
+          <p:cNvSpPr txBox="1"/>
+          <p:nvPr/>
+        </p:nvSpPr>
+        <p:spPr>
+          <a:xfrm>
+            <a:off x="662539" y="294935"/>
+            <a:ext cx="5947811" cy="769441"/>
+          </a:xfrm>
+          <a:prstGeom prst="rect">
+            <a:avLst/>
+          </a:prstGeom>
+          <a:noFill/>
+        </p:spPr>
+        <p:txBody>
+          <a:bodyPr wrap="square" rtlCol="0">
+            <a:spAutoFit/>
+          </a:bodyPr>
+          <a:lstStyle/>
+          <a:p>
+            <a:r>
+              <a:rPr lang="en-US" altLang="zh-CN" sz="4400" b="1" dirty="0" smtClean="0">
+                <a:solidFill>
+                  <a:srgbClr val="00ABB4"/>
+                </a:solidFill>
+                <a:latin typeface="微软雅黑" panose="020B0503020204020204" pitchFamily="34" charset="-122"/>
+                <a:ea typeface="微软雅黑" panose="020B0503020204020204" pitchFamily="34" charset="-122"/>
+              </a:rPr>
+              <a:t>Analysis</a:t>
+            </a:r>
+          </a:p>
+        </p:txBody>
+      </p:sp>
+    </p:spTree>
+    <p:extLst>
+      <p:ext uri="{BB962C8B-B14F-4D97-AF65-F5344CB8AC3E}">
+        <p14:creationId xmlns:p14="http://schemas.microsoft.com/office/powerpoint/2010/main" val="696880558"/>
+      </p:ext>
+    </p:extLst>
+  </p:cSld>
+  <p:clrMapOvr>
+    <a:masterClrMapping/>
+  </p:clrMapOvr>
+  <p:timing>
+    <p:tnLst>
+      <p:par>
+        <p:cTn id="1" dur="indefinite" restart="never" nodeType="tmRoot"/>
+      </p:par>
+    </p:tnLst>
+  </p:timing>
+</p:sld>
+</file>
+
+<file path=ppt/slides/slide3.xml><?xml version="1.0" encoding="utf-8"?>
+<p:sld xmlns:a="http://schemas.openxmlformats.org/drawingml/2006/main" xmlns:r="http://schemas.openxmlformats.org/officeDocument/2006/relationships" xmlns:p="http://schemas.openxmlformats.org/presentationml/2006/main">
+  <p:cSld>
+    <p:spTree>
+      <p:nvGrpSpPr>
+        <p:cNvPr id="1" name=""/>
+        <p:cNvGrpSpPr/>
+        <p:nvPr/>
+      </p:nvGrpSpPr>
+      <p:grpSpPr>
+        <a:xfrm>
+          <a:off x="0" y="0"/>
+          <a:ext cx="0" cy="0"/>
+          <a:chOff x="0" y="0"/>
+          <a:chExt cx="0" cy="0"/>
+        </a:xfrm>
+      </p:grpSpPr>
+      <p:sp>
+        <p:nvSpPr>
+          <p:cNvPr id="3" name="文本框 2"/>
+          <p:cNvSpPr txBox="1"/>
+          <p:nvPr/>
+        </p:nvSpPr>
+        <p:spPr>
+          <a:xfrm>
+            <a:off x="1729740" y="1761508"/>
+            <a:ext cx="8080652" cy="2308324"/>
+          </a:xfrm>
+          <a:prstGeom prst="rect">
+            <a:avLst/>
+          </a:prstGeom>
+          <a:noFill/>
+        </p:spPr>
+        <p:txBody>
+          <a:bodyPr wrap="square" rtlCol="0">
+            <a:spAutoFit/>
+          </a:bodyPr>
+          <a:lstStyle/>
+          <a:p>
+            <a:pPr algn="ctr"/>
+            <a:r>
+              <a:rPr lang="en-US" altLang="zh-CN" sz="4800" b="1" dirty="0" smtClean="0">
+                <a:solidFill>
+                  <a:srgbClr val="00ABB4"/>
+                </a:solidFill>
+                <a:effectLst>
+                  <a:outerShdw blurRad="38100" dist="38100" dir="2700000" algn="tl">
+                    <a:srgbClr val="000000">
+                      <a:alpha val="43137"/>
+                    </a:srgbClr>
+                  </a:outerShdw>
+                </a:effectLst>
+                <a:latin typeface="微软雅黑" panose="020B0503020204020204" pitchFamily="34" charset="-122"/>
+                <a:ea typeface="微软雅黑" panose="020B0503020204020204" pitchFamily="34" charset="-122"/>
+              </a:rPr>
+              <a:t>Left–right </a:t>
+            </a:r>
+            <a:r>
+              <a:rPr lang="en-US" altLang="zh-CN" sz="4800" b="1" dirty="0">
+                <a:solidFill>
+                  <a:srgbClr val="00ABB4"/>
+                </a:solidFill>
+                <a:effectLst>
+                  <a:outerShdw blurRad="38100" dist="38100" dir="2700000" algn="tl">
+                    <a:srgbClr val="000000">
+                      <a:alpha val="43137"/>
+                    </a:srgbClr>
+                  </a:outerShdw>
+                </a:effectLst>
+                <a:latin typeface="微软雅黑" panose="020B0503020204020204" pitchFamily="34" charset="-122"/>
+                <a:ea typeface="微软雅黑" panose="020B0503020204020204" pitchFamily="34" charset="-122"/>
+              </a:rPr>
+              <a:t>dissociation of hippocampal memory</a:t>
+            </a:r>
+            <a:br>
+              <a:rPr lang="en-US" altLang="zh-CN" sz="4800" b="1" dirty="0">
+                <a:solidFill>
+                  <a:srgbClr val="00ABB4"/>
+                </a:solidFill>
+                <a:effectLst>
+                  <a:outerShdw blurRad="38100" dist="38100" dir="2700000" algn="tl">
+                    <a:srgbClr val="000000">
+                      <a:alpha val="43137"/>
+                    </a:srgbClr>
+                  </a:outerShdw>
+                </a:effectLst>
+                <a:latin typeface="微软雅黑" panose="020B0503020204020204" pitchFamily="34" charset="-122"/>
+                <a:ea typeface="微软雅黑" panose="020B0503020204020204" pitchFamily="34" charset="-122"/>
+              </a:rPr>
+            </a:br>
+            <a:r>
+              <a:rPr lang="en-US" altLang="zh-CN" sz="4800" b="1" dirty="0">
+                <a:solidFill>
+                  <a:srgbClr val="00ABB4"/>
+                </a:solidFill>
+                <a:effectLst>
+                  <a:outerShdw blurRad="38100" dist="38100" dir="2700000" algn="tl">
+                    <a:srgbClr val="000000">
+                      <a:alpha val="43137"/>
+                    </a:srgbClr>
+                  </a:outerShdw>
+                </a:effectLst>
+                <a:latin typeface="微软雅黑" panose="020B0503020204020204" pitchFamily="34" charset="-122"/>
+                <a:ea typeface="微软雅黑" panose="020B0503020204020204" pitchFamily="34" charset="-122"/>
+              </a:rPr>
+              <a:t>processes in </a:t>
+            </a:r>
+            <a:r>
+              <a:rPr lang="en-US" altLang="zh-CN" sz="4800" b="1" dirty="0" smtClean="0">
+                <a:solidFill>
+                  <a:srgbClr val="00ABB4"/>
+                </a:solidFill>
+                <a:effectLst>
+                  <a:outerShdw blurRad="38100" dist="38100" dir="2700000" algn="tl">
+                    <a:srgbClr val="000000">
+                      <a:alpha val="43137"/>
+                    </a:srgbClr>
+                  </a:outerShdw>
+                </a:effectLst>
+                <a:latin typeface="微软雅黑" panose="020B0503020204020204" pitchFamily="34" charset="-122"/>
+                <a:ea typeface="微软雅黑" panose="020B0503020204020204" pitchFamily="34" charset="-122"/>
+              </a:rPr>
+              <a:t>mice </a:t>
+            </a:r>
+          </a:p>
+        </p:txBody>
+      </p:sp>
+    </p:spTree>
+    <p:extLst>
+      <p:ext uri="{BB962C8B-B14F-4D97-AF65-F5344CB8AC3E}">
+        <p14:creationId xmlns:p14="http://schemas.microsoft.com/office/powerpoint/2010/main" val="1513466184"/>
+      </p:ext>
+    </p:extLst>
+  </p:cSld>
+  <p:clrMapOvr>
+    <a:masterClrMapping/>
+  </p:clrMapOvr>
+  <p:timing>
+    <p:tnLst>
+      <p:par>
+        <p:cTn id="1" dur="indefinite" restart="never" nodeType="tmRoot"/>
+      </p:par>
+    </p:tnLst>
+  </p:timing>
+</p:sld>
+</file>
+
+<file path=ppt/slides/slide30.xml><?xml version="1.0" encoding="utf-8"?>
+<p:sld xmlns:a="http://schemas.openxmlformats.org/drawingml/2006/main" xmlns:r="http://schemas.openxmlformats.org/officeDocument/2006/relationships" xmlns:p="http://schemas.openxmlformats.org/presentationml/2006/main">
+  <p:cSld>
+    <p:spTree>
+      <p:nvGrpSpPr>
+        <p:cNvPr id="1" name=""/>
+        <p:cNvGrpSpPr/>
+        <p:nvPr/>
+      </p:nvGrpSpPr>
+      <p:grpSpPr>
+        <a:xfrm>
+          <a:off x="0" y="0"/>
+          <a:ext cx="0" cy="0"/>
+          <a:chOff x="0" y="0"/>
+          <a:chExt cx="0" cy="0"/>
+        </a:xfrm>
+      </p:grpSpPr>
+      <p:sp>
+        <p:nvSpPr>
           <p:cNvPr id="3" name="文本框 2"/>
           <p:cNvSpPr txBox="1"/>
           <p:nvPr/>
@@ -12719,7 +17376,7 @@
 </p:sld>
 </file>
 
-<file path=ppt/slides/slide21.xml><?xml version="1.0" encoding="utf-8"?>
+<file path=ppt/slides/slide31.xml><?xml version="1.0" encoding="utf-8"?>
 <p:sld xmlns:a="http://schemas.openxmlformats.org/drawingml/2006/main" xmlns:r="http://schemas.openxmlformats.org/officeDocument/2006/relationships" xmlns:p="http://schemas.openxmlformats.org/presentationml/2006/main">
   <p:cSld>
     <p:spTree>
@@ -13032,153 +17689,6 @@
     <p:extLst>
       <p:ext uri="{BB962C8B-B14F-4D97-AF65-F5344CB8AC3E}">
         <p14:creationId xmlns:p14="http://schemas.microsoft.com/office/powerpoint/2010/main" val="1872795815"/>
-      </p:ext>
-    </p:extLst>
-  </p:cSld>
-  <p:clrMapOvr>
-    <a:masterClrMapping/>
-  </p:clrMapOvr>
-  <p:timing>
-    <p:tnLst>
-      <p:par>
-        <p:cTn id="1" dur="indefinite" restart="never" nodeType="tmRoot"/>
-      </p:par>
-    </p:tnLst>
-  </p:timing>
-</p:sld>
-</file>
-
-<file path=ppt/slides/slide3.xml><?xml version="1.0" encoding="utf-8"?>
-<p:sld xmlns:a="http://schemas.openxmlformats.org/drawingml/2006/main" xmlns:r="http://schemas.openxmlformats.org/officeDocument/2006/relationships" xmlns:p="http://schemas.openxmlformats.org/presentationml/2006/main">
-  <p:cSld>
-    <p:spTree>
-      <p:nvGrpSpPr>
-        <p:cNvPr id="1" name=""/>
-        <p:cNvGrpSpPr/>
-        <p:nvPr/>
-      </p:nvGrpSpPr>
-      <p:grpSpPr>
-        <a:xfrm>
-          <a:off x="0" y="0"/>
-          <a:ext cx="0" cy="0"/>
-          <a:chOff x="0" y="0"/>
-          <a:chExt cx="0" cy="0"/>
-        </a:xfrm>
-      </p:grpSpPr>
-      <p:sp>
-        <p:nvSpPr>
-          <p:cNvPr id="3" name="文本框 2"/>
-          <p:cNvSpPr txBox="1"/>
-          <p:nvPr/>
-        </p:nvSpPr>
-        <p:spPr>
-          <a:xfrm>
-            <a:off x="1729740" y="1761508"/>
-            <a:ext cx="8080652" cy="2308324"/>
-          </a:xfrm>
-          <a:prstGeom prst="rect">
-            <a:avLst/>
-          </a:prstGeom>
-          <a:noFill/>
-        </p:spPr>
-        <p:txBody>
-          <a:bodyPr wrap="square" rtlCol="0">
-            <a:spAutoFit/>
-          </a:bodyPr>
-          <a:lstStyle/>
-          <a:p>
-            <a:pPr algn="ctr"/>
-            <a:r>
-              <a:rPr lang="en-US" altLang="zh-CN" sz="4800" b="1" dirty="0" smtClean="0">
-                <a:solidFill>
-                  <a:srgbClr val="00ABB4"/>
-                </a:solidFill>
-                <a:effectLst>
-                  <a:outerShdw blurRad="38100" dist="38100" dir="2700000" algn="tl">
-                    <a:srgbClr val="000000">
-                      <a:alpha val="43137"/>
-                    </a:srgbClr>
-                  </a:outerShdw>
-                </a:effectLst>
-                <a:latin typeface="微软雅黑" panose="020B0503020204020204" pitchFamily="34" charset="-122"/>
-                <a:ea typeface="微软雅黑" panose="020B0503020204020204" pitchFamily="34" charset="-122"/>
-              </a:rPr>
-              <a:t>Left–right </a:t>
-            </a:r>
-            <a:r>
-              <a:rPr lang="en-US" altLang="zh-CN" sz="4800" b="1" dirty="0">
-                <a:solidFill>
-                  <a:srgbClr val="00ABB4"/>
-                </a:solidFill>
-                <a:effectLst>
-                  <a:outerShdw blurRad="38100" dist="38100" dir="2700000" algn="tl">
-                    <a:srgbClr val="000000">
-                      <a:alpha val="43137"/>
-                    </a:srgbClr>
-                  </a:outerShdw>
-                </a:effectLst>
-                <a:latin typeface="微软雅黑" panose="020B0503020204020204" pitchFamily="34" charset="-122"/>
-                <a:ea typeface="微软雅黑" panose="020B0503020204020204" pitchFamily="34" charset="-122"/>
-              </a:rPr>
-              <a:t>dissociation of hippocampal memory</a:t>
-            </a:r>
-            <a:br>
-              <a:rPr lang="en-US" altLang="zh-CN" sz="4800" b="1" dirty="0">
-                <a:solidFill>
-                  <a:srgbClr val="00ABB4"/>
-                </a:solidFill>
-                <a:effectLst>
-                  <a:outerShdw blurRad="38100" dist="38100" dir="2700000" algn="tl">
-                    <a:srgbClr val="000000">
-                      <a:alpha val="43137"/>
-                    </a:srgbClr>
-                  </a:outerShdw>
-                </a:effectLst>
-                <a:latin typeface="微软雅黑" panose="020B0503020204020204" pitchFamily="34" charset="-122"/>
-                <a:ea typeface="微软雅黑" panose="020B0503020204020204" pitchFamily="34" charset="-122"/>
-              </a:rPr>
-            </a:br>
-            <a:r>
-              <a:rPr lang="en-US" altLang="zh-CN" sz="4800" b="1" dirty="0">
-                <a:solidFill>
-                  <a:srgbClr val="00ABB4"/>
-                </a:solidFill>
-                <a:effectLst>
-                  <a:outerShdw blurRad="38100" dist="38100" dir="2700000" algn="tl">
-                    <a:srgbClr val="000000">
-                      <a:alpha val="43137"/>
-                    </a:srgbClr>
-                  </a:outerShdw>
-                </a:effectLst>
-                <a:latin typeface="微软雅黑" panose="020B0503020204020204" pitchFamily="34" charset="-122"/>
-                <a:ea typeface="微软雅黑" panose="020B0503020204020204" pitchFamily="34" charset="-122"/>
-              </a:rPr>
-              <a:t>processes in </a:t>
-            </a:r>
-            <a:r>
-              <a:rPr lang="en-US" altLang="zh-CN" sz="4800" b="1" dirty="0" smtClean="0">
-                <a:solidFill>
-                  <a:srgbClr val="00ABB4"/>
-                </a:solidFill>
-                <a:effectLst>
-                  <a:outerShdw blurRad="38100" dist="38100" dir="2700000" algn="tl">
-                    <a:srgbClr val="000000">
-                      <a:alpha val="43137"/>
-                    </a:srgbClr>
-                  </a:outerShdw>
-                </a:effectLst>
-                <a:latin typeface="微软雅黑" panose="020B0503020204020204" pitchFamily="34" charset="-122"/>
-                <a:ea typeface="微软雅黑" panose="020B0503020204020204" pitchFamily="34" charset="-122"/>
-              </a:rPr>
-              <a:t>mice </a:t>
-            </a:r>
-          </a:p>
-        </p:txBody>
-      </p:sp>
-    </p:spTree>
-    <p:extLst>
-      <p:ext uri="{BB962C8B-B14F-4D97-AF65-F5344CB8AC3E}">
-        <p14:creationId xmlns:p14="http://schemas.microsoft.com/office/powerpoint/2010/main" val="1513466184"/>
       </p:ext>
     </p:extLst>
   </p:cSld>

--- a/Event/Lateralization.pptx
+++ b/Event/Lateralization.pptx
@@ -5,7 +5,7 @@
     <p:sldMasterId id="2147483648" r:id="rId1"/>
   </p:sldMasterIdLst>
   <p:notesMasterIdLst>
-    <p:notesMasterId r:id="rId33"/>
+    <p:notesMasterId r:id="rId45"/>
   </p:notesMasterIdLst>
   <p:sldIdLst>
     <p:sldId id="410" r:id="rId2"/>
@@ -28,17 +28,29 @@
     <p:sldId id="415" r:id="rId19"/>
     <p:sldId id="416" r:id="rId20"/>
     <p:sldId id="419" r:id="rId21"/>
-    <p:sldId id="420" r:id="rId22"/>
-    <p:sldId id="421" r:id="rId23"/>
-    <p:sldId id="422" r:id="rId24"/>
-    <p:sldId id="423" r:id="rId25"/>
-    <p:sldId id="424" r:id="rId26"/>
-    <p:sldId id="425" r:id="rId27"/>
-    <p:sldId id="426" r:id="rId28"/>
-    <p:sldId id="417" r:id="rId29"/>
-    <p:sldId id="418" r:id="rId30"/>
-    <p:sldId id="303" r:id="rId31"/>
-    <p:sldId id="387" r:id="rId32"/>
+    <p:sldId id="427" r:id="rId22"/>
+    <p:sldId id="428" r:id="rId23"/>
+    <p:sldId id="429" r:id="rId24"/>
+    <p:sldId id="430" r:id="rId25"/>
+    <p:sldId id="420" r:id="rId26"/>
+    <p:sldId id="431" r:id="rId27"/>
+    <p:sldId id="432" r:id="rId28"/>
+    <p:sldId id="421" r:id="rId29"/>
+    <p:sldId id="422" r:id="rId30"/>
+    <p:sldId id="437" r:id="rId31"/>
+    <p:sldId id="433" r:id="rId32"/>
+    <p:sldId id="439" r:id="rId33"/>
+    <p:sldId id="440" r:id="rId34"/>
+    <p:sldId id="441" r:id="rId35"/>
+    <p:sldId id="424" r:id="rId36"/>
+    <p:sldId id="434" r:id="rId37"/>
+    <p:sldId id="425" r:id="rId38"/>
+    <p:sldId id="435" r:id="rId39"/>
+    <p:sldId id="436" r:id="rId40"/>
+    <p:sldId id="423" r:id="rId41"/>
+    <p:sldId id="426" r:id="rId42"/>
+    <p:sldId id="438" r:id="rId43"/>
+    <p:sldId id="303" r:id="rId44"/>
   </p:sldIdLst>
   <p:sldSz cx="12192000" cy="6858000"/>
   <p:notesSz cx="6858000" cy="9144000"/>
@@ -3656,8 +3668,8 @@
         </p:nvSpPr>
         <p:spPr>
           <a:xfrm>
-            <a:off x="1003786" y="695134"/>
-            <a:ext cx="4848989" cy="3428152"/>
+            <a:off x="382588" y="695325"/>
+            <a:ext cx="6091237" cy="3427413"/>
           </a:xfrm>
           <a:solidFill>
             <a:srgbClr val="FFFFFF"/>
@@ -3743,14 +3755,6 @@
 <file path=ppt/notesSlides/notesSlide21.xml><?xml version="1.0" encoding="utf-8"?>
 <p:notes xmlns:a="http://schemas.openxmlformats.org/drawingml/2006/main" xmlns:r="http://schemas.openxmlformats.org/officeDocument/2006/relationships" xmlns:p="http://schemas.openxmlformats.org/presentationml/2006/main">
   <p:cSld>
-    <p:bg>
-      <p:bgPr>
-        <a:solidFill>
-          <a:srgbClr val="FFFFFF"/>
-        </a:solidFill>
-        <a:effectLst/>
-      </p:bgPr>
-    </p:bg>
     <p:spTree>
       <p:nvGrpSpPr>
         <p:cNvPr id="1" name=""/>
@@ -3767,118 +3771,64 @@
       </p:grpSpPr>
       <p:sp>
         <p:nvSpPr>
-          <p:cNvPr id="4098" name="Rectangle 6"/>
+          <p:cNvPr id="2" name="幻灯片图像占位符 1"/>
           <p:cNvSpPr>
-            <a:spLocks noGrp="1" noChangeArrowheads="1"/>
-          </p:cNvSpPr>
-          <p:nvPr>
-            <p:ph type="sldNum" sz="quarter"/>
-          </p:nvPr>
-        </p:nvSpPr>
-        <p:spPr>
-          <a:noFill/>
-        </p:spPr>
-        <p:txBody>
-          <a:bodyPr/>
-          <a:lstStyle/>
-          <a:p>
-            <a:fld id="{0E78A471-D789-41F3-8A64-F8CE717DD838}" type="slidenum">
-              <a:rPr lang="en-GB"/>
-              <a:t>21</a:t>
-            </a:fld>
-            <a:endParaRPr lang="en-GB"/>
-          </a:p>
-        </p:txBody>
-      </p:sp>
-      <p:sp>
-        <p:nvSpPr>
-          <p:cNvPr id="4099" name="Rectangle 1"/>
-          <p:cNvSpPr txBox="1">
-            <a:spLocks noGrp="1" noRot="1" noChangeAspect="1" noChangeArrowheads="1" noTextEdit="1"/>
+            <a:spLocks noGrp="1" noRot="1" noChangeAspect="1"/>
           </p:cNvSpPr>
           <p:nvPr>
             <p:ph type="sldImg"/>
           </p:nvPr>
         </p:nvSpPr>
-        <p:spPr>
-          <a:xfrm>
-            <a:off x="1003786" y="695134"/>
-            <a:ext cx="4848989" cy="3428152"/>
-          </a:xfrm>
-          <a:solidFill>
-            <a:srgbClr val="FFFFFF"/>
-          </a:solidFill>
-          <a:ln>
-            <a:solidFill>
-              <a:srgbClr val="000000"/>
-            </a:solidFill>
-            <a:miter lim="800000"/>
-          </a:ln>
-        </p:spPr>
-      </p:sp>
-      <p:sp>
-        <p:nvSpPr>
-          <p:cNvPr id="4100" name="Text Box 2"/>
-          <p:cNvSpPr txBox="1">
-            <a:spLocks noGrp="1" noChangeArrowheads="1"/>
+        <p:spPr/>
+      </p:sp>
+      <p:sp>
+        <p:nvSpPr>
+          <p:cNvPr id="3" name="备注占位符 2"/>
+          <p:cNvSpPr>
+            <a:spLocks noGrp="1"/>
           </p:cNvSpPr>
           <p:nvPr>
             <p:ph type="body" idx="1"/>
           </p:nvPr>
         </p:nvSpPr>
-        <p:spPr>
-          <a:xfrm>
-            <a:off x="685512" y="4343230"/>
-            <a:ext cx="5486976" cy="4115139"/>
-          </a:xfrm>
-          <a:noFill/>
-          <a:ln/>
-        </p:spPr>
-        <p:txBody>
-          <a:bodyPr tIns="9279"/>
+        <p:spPr/>
+        <p:txBody>
+          <a:bodyPr/>
           <a:lstStyle/>
           <a:p>
-            <a:pPr algn="just">
-              <a:lnSpc>
-                <a:spcPct val="93000"/>
-              </a:lnSpc>
-              <a:spcBef>
-                <a:spcPct val="0"/>
-              </a:spcBef>
-              <a:tabLst>
-                <a:tab pos="634643" algn="l"/>
-                <a:tab pos="1269286" algn="l"/>
-                <a:tab pos="1903929" algn="l"/>
-                <a:tab pos="2538573" algn="l"/>
-                <a:tab pos="3173216" algn="l"/>
-                <a:tab pos="3807859" algn="l"/>
-                <a:tab pos="4442502" algn="l"/>
-                <a:tab pos="5077145" algn="l"/>
-              </a:tabLst>
-            </a:pPr>
-            <a:r>
-              <a:rPr lang="en-US" dirty="0" smtClean="0"/>
-              <a:t>Fig2</a:t>
-            </a:r>
-            <a:r>
-              <a:rPr dirty="0"/>
-              <a:t>
-Experimental design. (A) After the encoding period, fMRI scanning was conducted for testing memory retrieval. The structure of a single trial is shown (trial n). Red tick marks denote button responses for recognition. EXP and CTRL denote experimental and control conditions, respectively. Dotted, dashed, and continuous lines denote three types of movement allowed for each period: passive viewing, rotation at a fixed position, and free navigation, respectively. (B) Close‐up views of the building in experimental (left) and control (right) conditions. Note that the light above the entrance door was lit only in the control condition. (C) The control object used throughout all control trials. [Color figure can be viewed in the online issue, which is available at wileyonlinelibrary.com.]</a:t>
-            </a:r>
-          </a:p>
-          <a:p>
-            <a:endParaRPr dirty="0"/>
-          </a:p>
-          <a:p>
-            <a:r>
-              <a:rPr lang="en-GB" dirty="0"/>
-              <a:t>IF THIS IMAGE HAS BEEN PROVIDED BY OR IS OWNED BY A THIRD PARTY, AS INDICATED IN THE CAPTION LINE, THEN FURTHER PERMISSION MAY BE NEEDED BEFORE ANY FURTHER USE. PLEASE CONTACT WILEY'S PERMISSIONS DEPARTMENT ON PERMISSIONS@WILEY.COM OR USE THE RIGHTSLINK SERVICE BY CLICKING ON THE 'REQUEST PERMISSIONS' LINK ACCOMPANYING THIS ARTICLE. WILEY OR AUTHOR OWNED IMAGES MAY BE USED FOR NON-COMMERCIAL PURPOSES, SUBJECT TO PROPER CITATION OF THE ARTICLE, AUTHOR, AND PUBLISHER.</a:t>
-            </a:r>
-            <a:endParaRPr dirty="0"/>
+            <a:endParaRPr lang="zh-CN" altLang="en-US" dirty="0"/>
+          </a:p>
+        </p:txBody>
+      </p:sp>
+      <p:sp>
+        <p:nvSpPr>
+          <p:cNvPr id="4" name="灯片编号占位符 3"/>
+          <p:cNvSpPr>
+            <a:spLocks noGrp="1"/>
+          </p:cNvSpPr>
+          <p:nvPr>
+            <p:ph type="sldNum" sz="quarter" idx="10"/>
+          </p:nvPr>
+        </p:nvSpPr>
+        <p:spPr/>
+        <p:txBody>
+          <a:bodyPr/>
+          <a:lstStyle/>
+          <a:p>
+            <a:fld id="{DD202784-B46A-4EF4-B218-4316F9133D14}" type="slidenum">
+              <a:rPr lang="zh-CN" altLang="en-US" smtClean="0"/>
+              <a:t>21</a:t>
+            </a:fld>
+            <a:endParaRPr lang="zh-CN" altLang="en-US"/>
           </a:p>
         </p:txBody>
       </p:sp>
     </p:spTree>
+    <p:extLst>
+      <p:ext uri="{BB962C8B-B14F-4D97-AF65-F5344CB8AC3E}">
+        <p14:creationId xmlns:p14="http://schemas.microsoft.com/office/powerpoint/2010/main" val="3776015239"/>
+      </p:ext>
+    </p:extLst>
   </p:cSld>
   <p:clrMapOvr>
     <a:masterClrMapping/>
@@ -3889,14 +3839,6 @@
 <file path=ppt/notesSlides/notesSlide22.xml><?xml version="1.0" encoding="utf-8"?>
 <p:notes xmlns:a="http://schemas.openxmlformats.org/drawingml/2006/main" xmlns:r="http://schemas.openxmlformats.org/officeDocument/2006/relationships" xmlns:p="http://schemas.openxmlformats.org/presentationml/2006/main">
   <p:cSld>
-    <p:bg>
-      <p:bgPr>
-        <a:solidFill>
-          <a:srgbClr val="FFFFFF"/>
-        </a:solidFill>
-        <a:effectLst/>
-      </p:bgPr>
-    </p:bg>
     <p:spTree>
       <p:nvGrpSpPr>
         <p:cNvPr id="1" name=""/>
@@ -3913,142 +3855,64 @@
       </p:grpSpPr>
       <p:sp>
         <p:nvSpPr>
-          <p:cNvPr id="4098" name="Rectangle 6"/>
+          <p:cNvPr id="2" name="幻灯片图像占位符 1"/>
           <p:cNvSpPr>
-            <a:spLocks noGrp="1" noChangeArrowheads="1"/>
-          </p:cNvSpPr>
-          <p:nvPr>
-            <p:ph type="sldNum" sz="quarter"/>
-          </p:nvPr>
-        </p:nvSpPr>
-        <p:spPr>
-          <a:noFill/>
-        </p:spPr>
-        <p:txBody>
-          <a:bodyPr/>
-          <a:lstStyle/>
-          <a:p>
-            <a:fld id="{0E78A471-D789-41F3-8A64-F8CE717DD838}" type="slidenum">
-              <a:rPr lang="en-GB"/>
-              <a:t>22</a:t>
-            </a:fld>
-            <a:endParaRPr lang="en-GB"/>
-          </a:p>
-        </p:txBody>
-      </p:sp>
-      <p:sp>
-        <p:nvSpPr>
-          <p:cNvPr id="4099" name="Rectangle 1"/>
-          <p:cNvSpPr txBox="1">
-            <a:spLocks noGrp="1" noRot="1" noChangeAspect="1" noChangeArrowheads="1" noTextEdit="1"/>
+            <a:spLocks noGrp="1" noRot="1" noChangeAspect="1"/>
           </p:cNvSpPr>
           <p:nvPr>
             <p:ph type="sldImg"/>
           </p:nvPr>
         </p:nvSpPr>
-        <p:spPr>
-          <a:xfrm>
-            <a:off x="1003786" y="695134"/>
-            <a:ext cx="4848989" cy="3428152"/>
-          </a:xfrm>
-          <a:solidFill>
-            <a:srgbClr val="FFFFFF"/>
-          </a:solidFill>
-          <a:ln>
-            <a:solidFill>
-              <a:srgbClr val="000000"/>
-            </a:solidFill>
-            <a:miter lim="800000"/>
-          </a:ln>
-        </p:spPr>
-      </p:sp>
-      <p:sp>
-        <p:nvSpPr>
-          <p:cNvPr id="4100" name="Text Box 2"/>
-          <p:cNvSpPr txBox="1">
-            <a:spLocks noGrp="1" noChangeArrowheads="1"/>
+        <p:spPr/>
+      </p:sp>
+      <p:sp>
+        <p:nvSpPr>
+          <p:cNvPr id="3" name="备注占位符 2"/>
+          <p:cNvSpPr>
+            <a:spLocks noGrp="1"/>
           </p:cNvSpPr>
           <p:nvPr>
             <p:ph type="body" idx="1"/>
           </p:nvPr>
         </p:nvSpPr>
-        <p:spPr>
-          <a:xfrm>
-            <a:off x="685512" y="4343230"/>
-            <a:ext cx="5486976" cy="4115139"/>
-          </a:xfrm>
-          <a:noFill/>
-          <a:ln/>
-        </p:spPr>
-        <p:txBody>
-          <a:bodyPr tIns="9279"/>
+        <p:spPr/>
+        <p:txBody>
+          <a:bodyPr/>
           <a:lstStyle/>
           <a:p>
-            <a:pPr algn="just">
-              <a:lnSpc>
-                <a:spcPct val="93000"/>
-              </a:lnSpc>
-              <a:spcBef>
-                <a:spcPct val="0"/>
-              </a:spcBef>
-              <a:tabLst>
-                <a:tab pos="634643" algn="l"/>
-                <a:tab pos="1269286" algn="l"/>
-                <a:tab pos="1903929" algn="l"/>
-                <a:tab pos="2538573" algn="l"/>
-                <a:tab pos="3173216" algn="l"/>
-                <a:tab pos="3807859" algn="l"/>
-                <a:tab pos="4442502" algn="l"/>
-                <a:tab pos="5077145" algn="l"/>
-              </a:tabLst>
-            </a:pPr>
-            <a:r>
-              <a:rPr lang="en-US" dirty="0" smtClean="0"/>
-              <a:t>Fig3</a:t>
-            </a:r>
-            <a:r>
-              <a:rPr dirty="0"/>
-              <a:t>
-Task performance. (A) Cumulative choices for target buildings (</a:t>
-            </a:r>
-            <a:r>
-              <a:rPr dirty="0" err="1"/>
-              <a:t>Tgt</a:t>
-            </a:r>
-            <a:r>
-              <a:rPr dirty="0"/>
-              <a:t>) in the object‐cued place recognition period (all targets aligned to 0°). The vector arrow indicates the strength of the target response. (B–C) Distributions of response accuracies in the object‐cued place recognition period (OPRP) (B) and the spatial memory period (SMP) (C) for individual subjects. Dashed lines denote chance level (25%). For each period, results of one‐sample </a:t>
-            </a:r>
-            <a:r>
-              <a:rPr i="1" dirty="0"/>
-              <a:t>t</a:t>
-            </a:r>
-            <a:r>
-              <a:rPr dirty="0"/>
-              <a:t> tests for comparing average retrieval accuracy during the experimental condition (top) and paired </a:t>
-            </a:r>
-            <a:r>
-              <a:rPr i="1" dirty="0"/>
-              <a:t>t</a:t>
-            </a:r>
-            <a:r>
-              <a:rPr dirty="0"/>
-              <a:t> test for comparing average retrieval accuracies between experimental and control conditions (bottom) are shown.</a:t>
-            </a:r>
-          </a:p>
-          <a:p>
-            <a:endParaRPr dirty="0"/>
-          </a:p>
-          <a:p>
-            <a:r>
-              <a:rPr lang="en-GB" dirty="0"/>
-              <a:t>IF THIS IMAGE HAS BEEN PROVIDED BY OR IS OWNED BY A THIRD PARTY, AS INDICATED IN THE CAPTION LINE, THEN FURTHER PERMISSION MAY BE NEEDED BEFORE ANY FURTHER USE. PLEASE CONTACT WILEY'S PERMISSIONS DEPARTMENT ON PERMISSIONS@WILEY.COM OR USE THE RIGHTSLINK SERVICE BY CLICKING ON THE 'REQUEST PERMISSIONS' LINK ACCOMPANYING THIS ARTICLE. WILEY OR AUTHOR OWNED IMAGES MAY BE USED FOR NON-COMMERCIAL PURPOSES, SUBJECT TO PROPER CITATION OF THE ARTICLE, AUTHOR, AND PUBLISHER.</a:t>
-            </a:r>
-            <a:endParaRPr dirty="0"/>
+            <a:endParaRPr lang="zh-CN" altLang="en-US" dirty="0"/>
+          </a:p>
+        </p:txBody>
+      </p:sp>
+      <p:sp>
+        <p:nvSpPr>
+          <p:cNvPr id="4" name="灯片编号占位符 3"/>
+          <p:cNvSpPr>
+            <a:spLocks noGrp="1"/>
+          </p:cNvSpPr>
+          <p:nvPr>
+            <p:ph type="sldNum" sz="quarter" idx="10"/>
+          </p:nvPr>
+        </p:nvSpPr>
+        <p:spPr/>
+        <p:txBody>
+          <a:bodyPr/>
+          <a:lstStyle/>
+          <a:p>
+            <a:fld id="{DD202784-B46A-4EF4-B218-4316F9133D14}" type="slidenum">
+              <a:rPr lang="zh-CN" altLang="en-US" smtClean="0"/>
+              <a:t>22</a:t>
+            </a:fld>
+            <a:endParaRPr lang="zh-CN" altLang="en-US"/>
           </a:p>
         </p:txBody>
       </p:sp>
     </p:spTree>
+    <p:extLst>
+      <p:ext uri="{BB962C8B-B14F-4D97-AF65-F5344CB8AC3E}">
+        <p14:creationId xmlns:p14="http://schemas.microsoft.com/office/powerpoint/2010/main" val="3776015239"/>
+      </p:ext>
+    </p:extLst>
   </p:cSld>
   <p:clrMapOvr>
     <a:masterClrMapping/>
@@ -4059,14 +3923,6 @@
 <file path=ppt/notesSlides/notesSlide23.xml><?xml version="1.0" encoding="utf-8"?>
 <p:notes xmlns:a="http://schemas.openxmlformats.org/drawingml/2006/main" xmlns:r="http://schemas.openxmlformats.org/officeDocument/2006/relationships" xmlns:p="http://schemas.openxmlformats.org/presentationml/2006/main">
   <p:cSld>
-    <p:bg>
-      <p:bgPr>
-        <a:solidFill>
-          <a:srgbClr val="FFFFFF"/>
-        </a:solidFill>
-        <a:effectLst/>
-      </p:bgPr>
-    </p:bg>
     <p:spTree>
       <p:nvGrpSpPr>
         <p:cNvPr id="1" name=""/>
@@ -4083,158 +3939,71 @@
       </p:grpSpPr>
       <p:sp>
         <p:nvSpPr>
-          <p:cNvPr id="4098" name="Rectangle 6"/>
+          <p:cNvPr id="2" name="幻灯片图像占位符 1"/>
           <p:cNvSpPr>
-            <a:spLocks noGrp="1" noChangeArrowheads="1"/>
-          </p:cNvSpPr>
-          <p:nvPr>
-            <p:ph type="sldNum" sz="quarter"/>
-          </p:nvPr>
-        </p:nvSpPr>
-        <p:spPr>
-          <a:noFill/>
-        </p:spPr>
-        <p:txBody>
-          <a:bodyPr/>
-          <a:lstStyle/>
-          <a:p>
-            <a:fld id="{0E78A471-D789-41F3-8A64-F8CE717DD838}" type="slidenum">
-              <a:rPr lang="en-GB"/>
-              <a:t>23</a:t>
-            </a:fld>
-            <a:endParaRPr lang="en-GB"/>
-          </a:p>
-        </p:txBody>
-      </p:sp>
-      <p:sp>
-        <p:nvSpPr>
-          <p:cNvPr id="4099" name="Rectangle 1"/>
-          <p:cNvSpPr txBox="1">
-            <a:spLocks noGrp="1" noRot="1" noChangeAspect="1" noChangeArrowheads="1" noTextEdit="1"/>
+            <a:spLocks noGrp="1" noRot="1" noChangeAspect="1"/>
           </p:cNvSpPr>
           <p:nvPr>
             <p:ph type="sldImg"/>
           </p:nvPr>
         </p:nvSpPr>
-        <p:spPr>
-          <a:xfrm>
-            <a:off x="1003786" y="695134"/>
-            <a:ext cx="4848989" cy="3428152"/>
-          </a:xfrm>
-          <a:solidFill>
-            <a:srgbClr val="FFFFFF"/>
-          </a:solidFill>
-          <a:ln>
-            <a:solidFill>
-              <a:srgbClr val="000000"/>
-            </a:solidFill>
-            <a:miter lim="800000"/>
-          </a:ln>
-        </p:spPr>
-      </p:sp>
-      <p:sp>
-        <p:nvSpPr>
-          <p:cNvPr id="4100" name="Text Box 2"/>
-          <p:cNvSpPr txBox="1">
-            <a:spLocks noGrp="1" noChangeArrowheads="1"/>
+        <p:spPr/>
+      </p:sp>
+      <p:sp>
+        <p:nvSpPr>
+          <p:cNvPr id="3" name="备注占位符 2"/>
+          <p:cNvSpPr>
+            <a:spLocks noGrp="1"/>
           </p:cNvSpPr>
           <p:nvPr>
             <p:ph type="body" idx="1"/>
           </p:nvPr>
         </p:nvSpPr>
-        <p:spPr>
-          <a:xfrm>
-            <a:off x="685512" y="4343230"/>
-            <a:ext cx="5486976" cy="4115139"/>
-          </a:xfrm>
-          <a:noFill/>
-          <a:ln/>
-        </p:spPr>
-        <p:txBody>
-          <a:bodyPr tIns="9279"/>
+        <p:spPr/>
+        <p:txBody>
+          <a:bodyPr/>
           <a:lstStyle/>
           <a:p>
-            <a:pPr algn="just">
+            <a:pPr marL="457200" lvl="1" indent="0">
               <a:lnSpc>
-                <a:spcPct val="93000"/>
+                <a:spcPct val="150000"/>
               </a:lnSpc>
-              <a:spcBef>
-                <a:spcPct val="0"/>
-              </a:spcBef>
-              <a:tabLst>
-                <a:tab pos="634643" algn="l"/>
-                <a:tab pos="1269286" algn="l"/>
-                <a:tab pos="1903929" algn="l"/>
-                <a:tab pos="2538573" algn="l"/>
-                <a:tab pos="3173216" algn="l"/>
-                <a:tab pos="3807859" algn="l"/>
-                <a:tab pos="4442502" algn="l"/>
-                <a:tab pos="5077145" algn="l"/>
-              </a:tabLst>
+              <a:buFont typeface="Arial" panose="020B0604020202020204" pitchFamily="34" charset="0"/>
+              <a:buNone/>
             </a:pPr>
-            <a:r>
-              <a:rPr lang="en-US" dirty="0" smtClean="0"/>
-              <a:t>Fig4</a:t>
-            </a:r>
-            <a:r>
-              <a:rPr dirty="0"/>
-              <a:t>
-Choice accuracy for individual buildings and objects. Average choice accuracy for all objects associated with the four buildings in the experimental condition in the object‐cued place recognition period. Dotted lines indicate the mean accuracy for the corresponding building. Objects are shown in a descending order based on choice accuracy. Mean ± S.E.M. *</a:t>
-            </a:r>
-            <a:r>
-              <a:rPr i="1" dirty="0"/>
-              <a:t>P</a:t>
-            </a:r>
-            <a:r>
-              <a:rPr dirty="0"/>
-              <a:t> &lt; 0.05, **</a:t>
-            </a:r>
-            <a:r>
-              <a:rPr i="1" dirty="0"/>
-              <a:t>P</a:t>
-            </a:r>
-            <a:r>
-              <a:rPr dirty="0"/>
-              <a:t> &lt; 0.01, ***</a:t>
-            </a:r>
-            <a:r>
-              <a:rPr i="1" dirty="0"/>
-              <a:t>P</a:t>
-            </a:r>
-            <a:r>
-              <a:rPr dirty="0"/>
-              <a:t> &lt; 0.001, </a:t>
-            </a:r>
-            <a:r>
-              <a:rPr dirty="0" err="1"/>
-              <a:t>n.s</a:t>
-            </a:r>
-            <a:r>
-              <a:rPr dirty="0"/>
-              <a:t>. </a:t>
-            </a:r>
-            <a:r>
-              <a:rPr i="1" dirty="0"/>
-              <a:t>P</a:t>
-            </a:r>
-            <a:r>
-              <a:rPr dirty="0"/>
-              <a:t> &gt; 0.05. [Color figure can be viewed in the online issue, which is available at wileyonlinelibrary.com.]</a:t>
-            </a:r>
-          </a:p>
-          <a:p>
-            <a:endParaRPr dirty="0"/>
-          </a:p>
-          <a:p>
-            <a:r>
-              <a:rPr lang="en-GB" dirty="0"/>
-              <a:t>IF THIS IMAGE HAS BEEN PROVIDED BY OR IS OWNED BY A THIRD PARTY, AS INDICATED IN THE CAPTION LINE, THEN FURTHER PERMISSION MAY BE NEEDED BEFORE ANY FURTHER USE. PLEASE CONTACT WILEY'S PERMISSIONS DEPARTMENT ON PERMISSIONS@WILEY.COM OR USE THE RIGHTSLINK SERVICE BY CLICKING ON THE 'REQUEST PERMISSIONS' LINK ACCOMPANYING THIS ARTICLE. WILEY OR AUTHOR OWNED IMAGES MAY BE USED FOR NON-COMMERCIAL PURPOSES, SUBJECT TO PROPER CITATION OF THE ARTICLE, AUTHOR, AND PUBLISHER.</a:t>
-            </a:r>
-            <a:endParaRPr dirty="0"/>
+            <a:endParaRPr lang="en-US" altLang="zh-CN" sz="2800" dirty="0"/>
+          </a:p>
+        </p:txBody>
+      </p:sp>
+      <p:sp>
+        <p:nvSpPr>
+          <p:cNvPr id="4" name="灯片编号占位符 3"/>
+          <p:cNvSpPr>
+            <a:spLocks noGrp="1"/>
+          </p:cNvSpPr>
+          <p:nvPr>
+            <p:ph type="sldNum" sz="quarter" idx="10"/>
+          </p:nvPr>
+        </p:nvSpPr>
+        <p:spPr/>
+        <p:txBody>
+          <a:bodyPr/>
+          <a:lstStyle/>
+          <a:p>
+            <a:fld id="{DD202784-B46A-4EF4-B218-4316F9133D14}" type="slidenum">
+              <a:rPr lang="zh-CN" altLang="en-US" smtClean="0"/>
+              <a:t>23</a:t>
+            </a:fld>
+            <a:endParaRPr lang="zh-CN" altLang="en-US"/>
           </a:p>
         </p:txBody>
       </p:sp>
     </p:spTree>
+    <p:extLst>
+      <p:ext uri="{BB962C8B-B14F-4D97-AF65-F5344CB8AC3E}">
+        <p14:creationId xmlns:p14="http://schemas.microsoft.com/office/powerpoint/2010/main" val="3763311556"/>
+      </p:ext>
+    </p:extLst>
   </p:cSld>
   <p:clrMapOvr>
     <a:masterClrMapping/>
@@ -4245,14 +4014,6 @@
 <file path=ppt/notesSlides/notesSlide24.xml><?xml version="1.0" encoding="utf-8"?>
 <p:notes xmlns:a="http://schemas.openxmlformats.org/drawingml/2006/main" xmlns:r="http://schemas.openxmlformats.org/officeDocument/2006/relationships" xmlns:p="http://schemas.openxmlformats.org/presentationml/2006/main">
   <p:cSld>
-    <p:bg>
-      <p:bgPr>
-        <a:solidFill>
-          <a:srgbClr val="FFFFFF"/>
-        </a:solidFill>
-        <a:effectLst/>
-      </p:bgPr>
-    </p:bg>
     <p:spTree>
       <p:nvGrpSpPr>
         <p:cNvPr id="1" name=""/>
@@ -4269,126 +4030,71 @@
       </p:grpSpPr>
       <p:sp>
         <p:nvSpPr>
-          <p:cNvPr id="4098" name="Rectangle 6"/>
+          <p:cNvPr id="2" name="幻灯片图像占位符 1"/>
           <p:cNvSpPr>
-            <a:spLocks noGrp="1" noChangeArrowheads="1"/>
-          </p:cNvSpPr>
-          <p:nvPr>
-            <p:ph type="sldNum" sz="quarter"/>
-          </p:nvPr>
-        </p:nvSpPr>
-        <p:spPr>
-          <a:noFill/>
-        </p:spPr>
-        <p:txBody>
-          <a:bodyPr/>
-          <a:lstStyle/>
-          <a:p>
-            <a:fld id="{0E78A471-D789-41F3-8A64-F8CE717DD838}" type="slidenum">
-              <a:rPr lang="en-GB"/>
-              <a:t>24</a:t>
-            </a:fld>
-            <a:endParaRPr lang="en-GB"/>
-          </a:p>
-        </p:txBody>
-      </p:sp>
-      <p:sp>
-        <p:nvSpPr>
-          <p:cNvPr id="4099" name="Rectangle 1"/>
-          <p:cNvSpPr txBox="1">
-            <a:spLocks noGrp="1" noRot="1" noChangeAspect="1" noChangeArrowheads="1" noTextEdit="1"/>
+            <a:spLocks noGrp="1" noRot="1" noChangeAspect="1"/>
           </p:cNvSpPr>
           <p:nvPr>
             <p:ph type="sldImg"/>
           </p:nvPr>
         </p:nvSpPr>
-        <p:spPr>
-          <a:xfrm>
-            <a:off x="1003786" y="695134"/>
-            <a:ext cx="4848989" cy="3428152"/>
-          </a:xfrm>
-          <a:solidFill>
-            <a:srgbClr val="FFFFFF"/>
-          </a:solidFill>
-          <a:ln>
-            <a:solidFill>
-              <a:srgbClr val="000000"/>
-            </a:solidFill>
-            <a:miter lim="800000"/>
-          </a:ln>
-        </p:spPr>
-      </p:sp>
-      <p:sp>
-        <p:nvSpPr>
-          <p:cNvPr id="4100" name="Text Box 2"/>
-          <p:cNvSpPr txBox="1">
-            <a:spLocks noGrp="1" noChangeArrowheads="1"/>
+        <p:spPr/>
+      </p:sp>
+      <p:sp>
+        <p:nvSpPr>
+          <p:cNvPr id="3" name="备注占位符 2"/>
+          <p:cNvSpPr>
+            <a:spLocks noGrp="1"/>
           </p:cNvSpPr>
           <p:nvPr>
             <p:ph type="body" idx="1"/>
           </p:nvPr>
         </p:nvSpPr>
-        <p:spPr>
-          <a:xfrm>
-            <a:off x="685512" y="4343230"/>
-            <a:ext cx="5486976" cy="4115139"/>
-          </a:xfrm>
-          <a:noFill/>
-          <a:ln/>
-        </p:spPr>
-        <p:txBody>
-          <a:bodyPr tIns="9279"/>
+        <p:spPr/>
+        <p:txBody>
+          <a:bodyPr/>
           <a:lstStyle/>
           <a:p>
-            <a:pPr algn="just">
+            <a:pPr marL="457200" lvl="1" indent="0">
               <a:lnSpc>
-                <a:spcPct val="93000"/>
+                <a:spcPct val="150000"/>
               </a:lnSpc>
-              <a:spcBef>
-                <a:spcPct val="0"/>
-              </a:spcBef>
-              <a:tabLst>
-                <a:tab pos="634643" algn="l"/>
-                <a:tab pos="1269286" algn="l"/>
-                <a:tab pos="1903929" algn="l"/>
-                <a:tab pos="2538573" algn="l"/>
-                <a:tab pos="3173216" algn="l"/>
-                <a:tab pos="3807859" algn="l"/>
-                <a:tab pos="4442502" algn="l"/>
-                <a:tab pos="5077145" algn="l"/>
-              </a:tabLst>
+              <a:buFont typeface="Arial" panose="020B0604020202020204" pitchFamily="34" charset="0"/>
+              <a:buNone/>
             </a:pPr>
-            <a:r>
-              <a:rPr lang="en-US" dirty="0" smtClean="0"/>
-              <a:t>Fig5</a:t>
-            </a:r>
-            <a:r>
-              <a:rPr dirty="0"/>
-              <a:t>
-Individual difference in search efficiency. Examples of angular trajectory of four subjects with efficiency indices (E) during the object‐cued place recognition period. For each subject, trajectory data were aligned so that the correct target (denoted as </a:t>
-            </a:r>
-            <a:r>
-              <a:rPr dirty="0" err="1"/>
-              <a:t>Tgt</a:t>
-            </a:r>
-            <a:r>
-              <a:rPr dirty="0"/>
-              <a:t>) was located on the east, separately shown for the experimental and control conditions. Distance from the center of the plot represents the duration of time (maximum of 11.2 s, as depicted in inset) and the azimuth of the point depicts the viewing angle of the subject at that particular time. Black and white lines denote trajectories for correct and incorrect trials, respectively.</a:t>
-            </a:r>
-          </a:p>
-          <a:p>
-            <a:endParaRPr dirty="0"/>
-          </a:p>
-          <a:p>
-            <a:r>
-              <a:rPr lang="en-GB" dirty="0"/>
-              <a:t>IF THIS IMAGE HAS BEEN PROVIDED BY OR IS OWNED BY A THIRD PARTY, AS INDICATED IN THE CAPTION LINE, THEN FURTHER PERMISSION MAY BE NEEDED BEFORE ANY FURTHER USE. PLEASE CONTACT WILEY'S PERMISSIONS DEPARTMENT ON PERMISSIONS@WILEY.COM OR USE THE RIGHTSLINK SERVICE BY CLICKING ON THE 'REQUEST PERMISSIONS' LINK ACCOMPANYING THIS ARTICLE. WILEY OR AUTHOR OWNED IMAGES MAY BE USED FOR NON-COMMERCIAL PURPOSES, SUBJECT TO PROPER CITATION OF THE ARTICLE, AUTHOR, AND PUBLISHER.</a:t>
-            </a:r>
-            <a:endParaRPr dirty="0"/>
+            <a:endParaRPr lang="en-US" altLang="zh-CN" sz="2800" dirty="0"/>
+          </a:p>
+        </p:txBody>
+      </p:sp>
+      <p:sp>
+        <p:nvSpPr>
+          <p:cNvPr id="4" name="灯片编号占位符 3"/>
+          <p:cNvSpPr>
+            <a:spLocks noGrp="1"/>
+          </p:cNvSpPr>
+          <p:nvPr>
+            <p:ph type="sldNum" sz="quarter" idx="10"/>
+          </p:nvPr>
+        </p:nvSpPr>
+        <p:spPr/>
+        <p:txBody>
+          <a:bodyPr/>
+          <a:lstStyle/>
+          <a:p>
+            <a:fld id="{DD202784-B46A-4EF4-B218-4316F9133D14}" type="slidenum">
+              <a:rPr lang="zh-CN" altLang="en-US" smtClean="0"/>
+              <a:t>24</a:t>
+            </a:fld>
+            <a:endParaRPr lang="zh-CN" altLang="en-US"/>
           </a:p>
         </p:txBody>
       </p:sp>
     </p:spTree>
+    <p:extLst>
+      <p:ext uri="{BB962C8B-B14F-4D97-AF65-F5344CB8AC3E}">
+        <p14:creationId xmlns:p14="http://schemas.microsoft.com/office/powerpoint/2010/main" val="3763311556"/>
+      </p:ext>
+    </p:extLst>
   </p:cSld>
   <p:clrMapOvr>
     <a:masterClrMapping/>
@@ -4458,8 +4164,8 @@
         </p:nvSpPr>
         <p:spPr>
           <a:xfrm>
-            <a:off x="1003786" y="695134"/>
-            <a:ext cx="4848989" cy="3428152"/>
+            <a:off x="382588" y="695325"/>
+            <a:ext cx="6091237" cy="3427413"/>
           </a:xfrm>
           <a:solidFill>
             <a:srgbClr val="FFFFFF"/>
@@ -4514,52 +4220,12 @@
             </a:pPr>
             <a:r>
               <a:rPr lang="en-US" dirty="0" smtClean="0"/>
-              <a:t>Fig6</a:t>
+              <a:t>Fig2</a:t>
             </a:r>
             <a:r>
               <a:rPr dirty="0"/>
               <a:t>
-BOLD activity during object‐cueing period, object‐cued place recognition period, and spatial memory period. (A, C, E) A sagittal (left) and a coronal (right) section showing the peak hippocampal activity for each event period (</a:t>
-            </a:r>
-            <a:r>
-              <a:rPr i="1" dirty="0"/>
-              <a:t>P</a:t>
-            </a:r>
-            <a:r>
-              <a:rPr dirty="0"/>
-              <a:t> &lt; 0.05, FWE‐corrected, one‐sample </a:t>
-            </a:r>
-            <a:r>
-              <a:rPr i="1" dirty="0"/>
-              <a:t>t</a:t>
-            </a:r>
-            <a:r>
-              <a:rPr dirty="0"/>
-              <a:t> test). MNI coordinates are shown above the corresponding sections. In each row, the scale bar shows the range of the t‐statistics from GLM analysis for each event period with red color representing higher response. OCP: Object‐cueing period, OPRP: Object‐cued place recognition period, SMP: Spatial memory period. Mean ± S.E.M. *</a:t>
-            </a:r>
-            <a:r>
-              <a:rPr i="1" dirty="0"/>
-              <a:t>P</a:t>
-            </a:r>
-            <a:r>
-              <a:rPr dirty="0"/>
-              <a:t> &lt; 0.05, **</a:t>
-            </a:r>
-            <a:r>
-              <a:rPr i="1" dirty="0"/>
-              <a:t>P</a:t>
-            </a:r>
-            <a:r>
-              <a:rPr dirty="0"/>
-              <a:t> &lt; 0.01, ***</a:t>
-            </a:r>
-            <a:r>
-              <a:rPr i="1" dirty="0"/>
-              <a:t>P</a:t>
-            </a:r>
-            <a:r>
-              <a:rPr dirty="0"/>
-              <a:t> &lt; 0.001. (A) Object‐cueing period (OCP): A subset of voxels in the left hippocampus showing significant activity during the object‐cueing period (highlighted with a dotted circle), compared to the control. (B) Mean coefficient contrasts of the OCP‐responsive voxels in the left hippocampus across three different periods. (C) Object‐cued place recognition period (OPRP): A subset of voxels in the right hippocampus (highlighted with dotted circles) showing significant BOLD activity during the OPRP. (D) Mean coefficient contrasts of the OPRP‐response voxels in the right hippocampus across three different event periods. (E) Spatial memory period (SMP): During the spatial memory period, the right hippocampus (highlighted with a dotted circle) showed significant BOLD activity compared to the control condition. (F) Average coefficient contrasts of the SMP‐responsive voxels in the right hippocampus across three different event periods. [Color figure can be viewed in the online issue, which is available at wileyonlinelibrary.com.]</a:t>
+Experimental design. (A) After the encoding period, fMRI scanning was conducted for testing memory retrieval. The structure of a single trial is shown (trial n). Red tick marks denote button responses for recognition. EXP and CTRL denote experimental and control conditions, respectively. Dotted, dashed, and continuous lines denote three types of movement allowed for each period: passive viewing, rotation at a fixed position, and free navigation, respectively. (B) Close‐up views of the building in experimental (left) and control (right) conditions. Note that the light above the entrance door was lit only in the control condition. (C) The control object used throughout all control trials. [Color figure can be viewed in the online issue, which is available at wileyonlinelibrary.com.]</a:t>
             </a:r>
           </a:p>
           <a:p>
@@ -4583,6 +4249,181 @@
 </file>
 
 <file path=ppt/notesSlides/notesSlide26.xml><?xml version="1.0" encoding="utf-8"?>
+<p:notes xmlns:a="http://schemas.openxmlformats.org/drawingml/2006/main" xmlns:r="http://schemas.openxmlformats.org/officeDocument/2006/relationships" xmlns:p="http://schemas.openxmlformats.org/presentationml/2006/main">
+  <p:cSld>
+    <p:spTree>
+      <p:nvGrpSpPr>
+        <p:cNvPr id="1" name=""/>
+        <p:cNvGrpSpPr/>
+        <p:nvPr/>
+      </p:nvGrpSpPr>
+      <p:grpSpPr>
+        <a:xfrm>
+          <a:off x="0" y="0"/>
+          <a:ext cx="0" cy="0"/>
+          <a:chOff x="0" y="0"/>
+          <a:chExt cx="0" cy="0"/>
+        </a:xfrm>
+      </p:grpSpPr>
+      <p:sp>
+        <p:nvSpPr>
+          <p:cNvPr id="2" name="幻灯片图像占位符 1"/>
+          <p:cNvSpPr>
+            <a:spLocks noGrp="1" noRot="1" noChangeAspect="1"/>
+          </p:cNvSpPr>
+          <p:nvPr>
+            <p:ph type="sldImg"/>
+          </p:nvPr>
+        </p:nvSpPr>
+        <p:spPr/>
+      </p:sp>
+      <p:sp>
+        <p:nvSpPr>
+          <p:cNvPr id="3" name="备注占位符 2"/>
+          <p:cNvSpPr>
+            <a:spLocks noGrp="1"/>
+          </p:cNvSpPr>
+          <p:nvPr>
+            <p:ph type="body" idx="1"/>
+          </p:nvPr>
+        </p:nvSpPr>
+        <p:spPr/>
+        <p:txBody>
+          <a:bodyPr/>
+          <a:lstStyle/>
+          <a:p>
+            <a:endParaRPr lang="zh-CN" altLang="en-US" dirty="0"/>
+          </a:p>
+        </p:txBody>
+      </p:sp>
+      <p:sp>
+        <p:nvSpPr>
+          <p:cNvPr id="4" name="灯片编号占位符 3"/>
+          <p:cNvSpPr>
+            <a:spLocks noGrp="1"/>
+          </p:cNvSpPr>
+          <p:nvPr>
+            <p:ph type="sldNum" sz="quarter" idx="10"/>
+          </p:nvPr>
+        </p:nvSpPr>
+        <p:spPr/>
+        <p:txBody>
+          <a:bodyPr/>
+          <a:lstStyle/>
+          <a:p>
+            <a:fld id="{DD202784-B46A-4EF4-B218-4316F9133D14}" type="slidenum">
+              <a:rPr lang="zh-CN" altLang="en-US" smtClean="0"/>
+              <a:t>26</a:t>
+            </a:fld>
+            <a:endParaRPr lang="zh-CN" altLang="en-US"/>
+          </a:p>
+        </p:txBody>
+      </p:sp>
+    </p:spTree>
+    <p:extLst>
+      <p:ext uri="{BB962C8B-B14F-4D97-AF65-F5344CB8AC3E}">
+        <p14:creationId xmlns:p14="http://schemas.microsoft.com/office/powerpoint/2010/main" val="3776015239"/>
+      </p:ext>
+    </p:extLst>
+  </p:cSld>
+  <p:clrMapOvr>
+    <a:masterClrMapping/>
+  </p:clrMapOvr>
+</p:notes>
+</file>
+
+<file path=ppt/notesSlides/notesSlide27.xml><?xml version="1.0" encoding="utf-8"?>
+<p:notes xmlns:a="http://schemas.openxmlformats.org/drawingml/2006/main" xmlns:r="http://schemas.openxmlformats.org/officeDocument/2006/relationships" xmlns:p="http://schemas.openxmlformats.org/presentationml/2006/main">
+  <p:cSld>
+    <p:spTree>
+      <p:nvGrpSpPr>
+        <p:cNvPr id="1" name=""/>
+        <p:cNvGrpSpPr/>
+        <p:nvPr/>
+      </p:nvGrpSpPr>
+      <p:grpSpPr>
+        <a:xfrm>
+          <a:off x="0" y="0"/>
+          <a:ext cx="0" cy="0"/>
+          <a:chOff x="0" y="0"/>
+          <a:chExt cx="0" cy="0"/>
+        </a:xfrm>
+      </p:grpSpPr>
+      <p:sp>
+        <p:nvSpPr>
+          <p:cNvPr id="2" name="幻灯片图像占位符 1"/>
+          <p:cNvSpPr>
+            <a:spLocks noGrp="1" noRot="1" noChangeAspect="1"/>
+          </p:cNvSpPr>
+          <p:nvPr>
+            <p:ph type="sldImg"/>
+          </p:nvPr>
+        </p:nvSpPr>
+        <p:spPr/>
+      </p:sp>
+      <p:sp>
+        <p:nvSpPr>
+          <p:cNvPr id="3" name="备注占位符 2"/>
+          <p:cNvSpPr>
+            <a:spLocks noGrp="1"/>
+          </p:cNvSpPr>
+          <p:nvPr>
+            <p:ph type="body" idx="1"/>
+          </p:nvPr>
+        </p:nvSpPr>
+        <p:spPr/>
+        <p:txBody>
+          <a:bodyPr/>
+          <a:lstStyle/>
+          <a:p>
+            <a:pPr marL="457200" lvl="1" indent="0">
+              <a:lnSpc>
+                <a:spcPct val="150000"/>
+              </a:lnSpc>
+              <a:buFont typeface="Arial" panose="020B0604020202020204" pitchFamily="34" charset="0"/>
+              <a:buNone/>
+            </a:pPr>
+            <a:endParaRPr lang="en-US" altLang="zh-CN" sz="2800" dirty="0"/>
+          </a:p>
+        </p:txBody>
+      </p:sp>
+      <p:sp>
+        <p:nvSpPr>
+          <p:cNvPr id="4" name="灯片编号占位符 3"/>
+          <p:cNvSpPr>
+            <a:spLocks noGrp="1"/>
+          </p:cNvSpPr>
+          <p:nvPr>
+            <p:ph type="sldNum" sz="quarter" idx="10"/>
+          </p:nvPr>
+        </p:nvSpPr>
+        <p:spPr/>
+        <p:txBody>
+          <a:bodyPr/>
+          <a:lstStyle/>
+          <a:p>
+            <a:fld id="{DD202784-B46A-4EF4-B218-4316F9133D14}" type="slidenum">
+              <a:rPr lang="zh-CN" altLang="en-US" smtClean="0"/>
+              <a:t>27</a:t>
+            </a:fld>
+            <a:endParaRPr lang="zh-CN" altLang="en-US"/>
+          </a:p>
+        </p:txBody>
+      </p:sp>
+    </p:spTree>
+    <p:extLst>
+      <p:ext uri="{BB962C8B-B14F-4D97-AF65-F5344CB8AC3E}">
+        <p14:creationId xmlns:p14="http://schemas.microsoft.com/office/powerpoint/2010/main" val="3763311556"/>
+      </p:ext>
+    </p:extLst>
+  </p:cSld>
+  <p:clrMapOvr>
+    <a:masterClrMapping/>
+  </p:clrMapOvr>
+</p:notes>
+</file>
+
+<file path=ppt/notesSlides/notesSlide28.xml><?xml version="1.0" encoding="utf-8"?>
 <p:notes xmlns:a="http://schemas.openxmlformats.org/drawingml/2006/main" xmlns:r="http://schemas.openxmlformats.org/officeDocument/2006/relationships" xmlns:p="http://schemas.openxmlformats.org/presentationml/2006/main">
   <p:cSld>
     <p:bg>
@@ -4626,7 +4467,7 @@
           <a:p>
             <a:fld id="{0E78A471-D789-41F3-8A64-F8CE717DD838}" type="slidenum">
               <a:rPr lang="en-GB"/>
-              <a:t>26</a:t>
+              <a:t>28</a:t>
             </a:fld>
             <a:endParaRPr lang="en-GB"/>
           </a:p>
@@ -4644,8 +4485,8 @@
         </p:nvSpPr>
         <p:spPr>
           <a:xfrm>
-            <a:off x="1003786" y="695134"/>
-            <a:ext cx="4848989" cy="3428152"/>
+            <a:off x="382588" y="695325"/>
+            <a:ext cx="6091237" cy="3427413"/>
           </a:xfrm>
           <a:solidFill>
             <a:srgbClr val="FFFFFF"/>
@@ -4700,60 +4541,36 @@
             </a:pPr>
             <a:r>
               <a:rPr lang="en-US" dirty="0" smtClean="0"/>
-              <a:t>Fig7</a:t>
+              <a:t>Fig3</a:t>
             </a:r>
             <a:r>
               <a:rPr dirty="0"/>
               <a:t>
-Contributions of object‐associated task difficulty and sex to the hemispheric bias in %BOLD signal change. (A) Hemispheric bias in normalized %BOLD signal change in each event period. (B) Hemispheric bias in normalized %BOLD signal change for each event period, shown separately for the objects with which performance levels were either high (Hi, </a:t>
+Task performance. (A) Cumulative choices for target buildings (</a:t>
+            </a:r>
+            <a:r>
+              <a:rPr dirty="0" err="1"/>
+              <a:t>Tgt</a:t>
+            </a:r>
+            <a:r>
+              <a:rPr dirty="0"/>
+              <a:t>) in the object‐cued place recognition period (all targets aligned to 0°). The vector arrow indicates the strength of the target response. (B–C) Distributions of response accuracies in the object‐cued place recognition period (OPRP) (B) and the spatial memory period (SMP) (C) for individual subjects. Dashed lines denote chance level (25%). For each period, results of one‐sample </a:t>
             </a:r>
             <a:r>
               <a:rPr i="1" dirty="0"/>
-              <a:t>n</a:t>
+              <a:t>t</a:t>
             </a:r>
             <a:r>
               <a:rPr dirty="0"/>
-              <a:t> = 19) or low (Lo, </a:t>
+              <a:t> tests for comparing average retrieval accuracy during the experimental condition (top) and paired </a:t>
             </a:r>
             <a:r>
               <a:rPr i="1" dirty="0"/>
-              <a:t>n</a:t>
+              <a:t>t</a:t>
             </a:r>
             <a:r>
               <a:rPr dirty="0"/>
-              <a:t> = 21). (C) Hemispheric bias in normalized % BOLD signal change for each event period, drawn separately for female (F, </a:t>
-            </a:r>
-            <a:r>
-              <a:rPr i="1" dirty="0"/>
-              <a:t>n</a:t>
-            </a:r>
-            <a:r>
-              <a:rPr dirty="0"/>
-              <a:t> = 5) and male (M, </a:t>
-            </a:r>
-            <a:r>
-              <a:rPr i="1" dirty="0"/>
-              <a:t>n</a:t>
-            </a:r>
-            <a:r>
-              <a:rPr dirty="0"/>
-              <a:t> = 11) subjects. OCP: object‐cueing period, OPRP: object‐cued place recognition period, SMP: spatial memory period. Mean ± S.E.M. **</a:t>
-            </a:r>
-            <a:r>
-              <a:rPr i="1" dirty="0"/>
-              <a:t>P</a:t>
-            </a:r>
-            <a:r>
-              <a:rPr dirty="0"/>
-              <a:t> &lt; 0.01, ***</a:t>
-            </a:r>
-            <a:r>
-              <a:rPr i="1" dirty="0"/>
-              <a:t>P</a:t>
-            </a:r>
-            <a:r>
-              <a:rPr dirty="0"/>
-              <a:t> &lt; 0.001. [Color figure can be viewed in the online issue, which is available at wileyonlinelibrary.com.]</a:t>
+              <a:t> test for comparing average retrieval accuracies between experimental and control conditions (bottom) are shown.</a:t>
             </a:r>
           </a:p>
           <a:p>
@@ -4776,7 +4593,7 @@
 </p:notes>
 </file>
 
-<file path=ppt/notesSlides/notesSlide27.xml><?xml version="1.0" encoding="utf-8"?>
+<file path=ppt/notesSlides/notesSlide29.xml><?xml version="1.0" encoding="utf-8"?>
 <p:notes xmlns:a="http://schemas.openxmlformats.org/drawingml/2006/main" xmlns:r="http://schemas.openxmlformats.org/officeDocument/2006/relationships" xmlns:p="http://schemas.openxmlformats.org/presentationml/2006/main">
   <p:cSld>
     <p:bg>
@@ -4820,7 +4637,7 @@
           <a:p>
             <a:fld id="{0E78A471-D789-41F3-8A64-F8CE717DD838}" type="slidenum">
               <a:rPr lang="en-GB"/>
-              <a:t>27</a:t>
+              <a:t>29</a:t>
             </a:fld>
             <a:endParaRPr lang="en-GB"/>
           </a:p>
@@ -4838,8 +4655,8 @@
         </p:nvSpPr>
         <p:spPr>
           <a:xfrm>
-            <a:off x="1003786" y="695134"/>
-            <a:ext cx="4848989" cy="3428152"/>
+            <a:off x="382588" y="695325"/>
+            <a:ext cx="6091237" cy="3427413"/>
           </a:xfrm>
           <a:solidFill>
             <a:srgbClr val="FFFFFF"/>
@@ -4893,25 +4710,13 @@
               </a:tabLst>
             </a:pPr>
             <a:r>
-              <a:rPr lang="en-US" smtClean="0"/>
-              <a:t>Fig8</a:t>
-            </a:r>
-            <a:r>
-              <a:rPr/>
+              <a:rPr lang="en-US" dirty="0" smtClean="0"/>
+              <a:t>Fig4</a:t>
+            </a:r>
+            <a:r>
+              <a:rPr dirty="0"/>
               <a:t>
-Left and right hippocampal BOLD activity correlated with efficient search for target place during the object‐cued place recognition period (OPRP) and spatial memory period (SMP), respectively. </a:t>
-            </a:r>
-            <a:r>
-              <a:rPr dirty="0"/>
-              <a:t>(A,B) Sagittal (left) and coronal (right) hippocampal sections showing the regions significantly modulated by search efficiency during the OPRP and the SMP, two event periods in which spatial memory components were important. Scale bars show the range of the t‐statistics from </a:t>
-            </a:r>
-            <a:r>
-              <a:rPr i="1" dirty="0"/>
-              <a:t>t</a:t>
-            </a:r>
-            <a:r>
-              <a:rPr dirty="0"/>
-              <a:t> test. (A) The BOLD signal in the left hippocampus (highlighted with dotted circles) was significantly modulated by search efficiency during the OPRP, compared to the control baseline (</a:t>
+Choice accuracy for individual buildings and objects. Average choice accuracy for all objects associated with the four buildings in the experimental condition in the object‐cued place recognition period. Dotted lines indicate the mean accuracy for the corresponding building. Objects are shown in a descending order based on choice accuracy. Mean ± S.E.M. *</a:t>
             </a:r>
             <a:r>
               <a:rPr i="1" dirty="0"/>
@@ -4919,15 +4724,7 @@
             </a:r>
             <a:r>
               <a:rPr dirty="0"/>
-              <a:t> &lt; 0.001, uncorrected, one‐sample </a:t>
-            </a:r>
-            <a:r>
-              <a:rPr i="1" dirty="0"/>
-              <a:t>t</a:t>
-            </a:r>
-            <a:r>
-              <a:rPr dirty="0"/>
-              <a:t> test). (B) The BOLD response of the right hippocampus (highlighted with dotted circles) was significantly modulated by search efficiency during the SMP, compared to the control baseline (</a:t>
+              <a:t> &lt; 0.05, **</a:t>
             </a:r>
             <a:r>
               <a:rPr i="1" dirty="0"/>
@@ -4935,15 +4732,7 @@
             </a:r>
             <a:r>
               <a:rPr dirty="0"/>
-              <a:t> &lt; 0.001, uncorrected, one‐sample </a:t>
-            </a:r>
-            <a:r>
-              <a:rPr i="1" dirty="0"/>
-              <a:t>t</a:t>
-            </a:r>
-            <a:r>
-              <a:rPr dirty="0"/>
-              <a:t> test). (C) Comparison of the modulatory coefficient contrasts for the left and right hippocampal voxels showed a significant interaction between hemisphere and event period. Mean ± S.E.M. *</a:t>
+              <a:t> &lt; 0.01, ***</a:t>
             </a:r>
             <a:r>
               <a:rPr i="1" dirty="0"/>
@@ -4951,7 +4740,15 @@
             </a:r>
             <a:r>
               <a:rPr dirty="0"/>
-              <a:t> &lt; 0.05, **</a:t>
+              <a:t> &lt; 0.001, </a:t>
+            </a:r>
+            <a:r>
+              <a:rPr dirty="0" err="1"/>
+              <a:t>n.s</a:t>
+            </a:r>
+            <a:r>
+              <a:rPr dirty="0"/>
+              <a:t>. </a:t>
             </a:r>
             <a:r>
               <a:rPr i="1" dirty="0"/>
@@ -4959,31 +4756,7 @@
             </a:r>
             <a:r>
               <a:rPr dirty="0"/>
-              <a:t> &lt; 0.01, ***</a:t>
-            </a:r>
-            <a:r>
-              <a:rPr i="1" dirty="0"/>
-              <a:t>P</a:t>
-            </a:r>
-            <a:r>
-              <a:rPr dirty="0"/>
-              <a:t> &lt; 0.001 (</a:t>
-            </a:r>
-            <a:r>
-              <a:rPr dirty="0" err="1"/>
-              <a:t>Bonferroni</a:t>
-            </a:r>
-            <a:r>
-              <a:rPr dirty="0"/>
-              <a:t> corrected, paired </a:t>
-            </a:r>
-            <a:r>
-              <a:rPr i="1" dirty="0"/>
-              <a:t>t</a:t>
-            </a:r>
-            <a:r>
-              <a:rPr dirty="0"/>
-              <a:t> test). [Color figure can be viewed in the online issue, which is available at wileyonlinelibrary.com.]</a:t>
+              <a:t> &gt; 0.05. [Color figure can be viewed in the online issue, which is available at wileyonlinelibrary.com.]</a:t>
             </a:r>
           </a:p>
           <a:p>
@@ -4999,181 +4772,6 @@
         </p:txBody>
       </p:sp>
     </p:spTree>
-  </p:cSld>
-  <p:clrMapOvr>
-    <a:masterClrMapping/>
-  </p:clrMapOvr>
-</p:notes>
-</file>
-
-<file path=ppt/notesSlides/notesSlide28.xml><?xml version="1.0" encoding="utf-8"?>
-<p:notes xmlns:a="http://schemas.openxmlformats.org/drawingml/2006/main" xmlns:r="http://schemas.openxmlformats.org/officeDocument/2006/relationships" xmlns:p="http://schemas.openxmlformats.org/presentationml/2006/main">
-  <p:cSld>
-    <p:spTree>
-      <p:nvGrpSpPr>
-        <p:cNvPr id="1" name=""/>
-        <p:cNvGrpSpPr/>
-        <p:nvPr/>
-      </p:nvGrpSpPr>
-      <p:grpSpPr>
-        <a:xfrm>
-          <a:off x="0" y="0"/>
-          <a:ext cx="0" cy="0"/>
-          <a:chOff x="0" y="0"/>
-          <a:chExt cx="0" cy="0"/>
-        </a:xfrm>
-      </p:grpSpPr>
-      <p:sp>
-        <p:nvSpPr>
-          <p:cNvPr id="2" name="幻灯片图像占位符 1"/>
-          <p:cNvSpPr>
-            <a:spLocks noGrp="1" noRot="1" noChangeAspect="1"/>
-          </p:cNvSpPr>
-          <p:nvPr>
-            <p:ph type="sldImg"/>
-          </p:nvPr>
-        </p:nvSpPr>
-        <p:spPr/>
-      </p:sp>
-      <p:sp>
-        <p:nvSpPr>
-          <p:cNvPr id="3" name="备注占位符 2"/>
-          <p:cNvSpPr>
-            <a:spLocks noGrp="1"/>
-          </p:cNvSpPr>
-          <p:nvPr>
-            <p:ph type="body" idx="1"/>
-          </p:nvPr>
-        </p:nvSpPr>
-        <p:spPr/>
-        <p:txBody>
-          <a:bodyPr/>
-          <a:lstStyle/>
-          <a:p>
-            <a:endParaRPr lang="zh-CN" altLang="en-US" dirty="0"/>
-          </a:p>
-        </p:txBody>
-      </p:sp>
-      <p:sp>
-        <p:nvSpPr>
-          <p:cNvPr id="4" name="灯片编号占位符 3"/>
-          <p:cNvSpPr>
-            <a:spLocks noGrp="1"/>
-          </p:cNvSpPr>
-          <p:nvPr>
-            <p:ph type="sldNum" sz="quarter" idx="10"/>
-          </p:nvPr>
-        </p:nvSpPr>
-        <p:spPr/>
-        <p:txBody>
-          <a:bodyPr/>
-          <a:lstStyle/>
-          <a:p>
-            <a:fld id="{DD202784-B46A-4EF4-B218-4316F9133D14}" type="slidenum">
-              <a:rPr lang="zh-CN" altLang="en-US" smtClean="0"/>
-              <a:t>28</a:t>
-            </a:fld>
-            <a:endParaRPr lang="zh-CN" altLang="en-US"/>
-          </a:p>
-        </p:txBody>
-      </p:sp>
-    </p:spTree>
-    <p:extLst>
-      <p:ext uri="{BB962C8B-B14F-4D97-AF65-F5344CB8AC3E}">
-        <p14:creationId xmlns:p14="http://schemas.microsoft.com/office/powerpoint/2010/main" val="3776015239"/>
-      </p:ext>
-    </p:extLst>
-  </p:cSld>
-  <p:clrMapOvr>
-    <a:masterClrMapping/>
-  </p:clrMapOvr>
-</p:notes>
-</file>
-
-<file path=ppt/notesSlides/notesSlide29.xml><?xml version="1.0" encoding="utf-8"?>
-<p:notes xmlns:a="http://schemas.openxmlformats.org/drawingml/2006/main" xmlns:r="http://schemas.openxmlformats.org/officeDocument/2006/relationships" xmlns:p="http://schemas.openxmlformats.org/presentationml/2006/main">
-  <p:cSld>
-    <p:spTree>
-      <p:nvGrpSpPr>
-        <p:cNvPr id="1" name=""/>
-        <p:cNvGrpSpPr/>
-        <p:nvPr/>
-      </p:nvGrpSpPr>
-      <p:grpSpPr>
-        <a:xfrm>
-          <a:off x="0" y="0"/>
-          <a:ext cx="0" cy="0"/>
-          <a:chOff x="0" y="0"/>
-          <a:chExt cx="0" cy="0"/>
-        </a:xfrm>
-      </p:grpSpPr>
-      <p:sp>
-        <p:nvSpPr>
-          <p:cNvPr id="2" name="幻灯片图像占位符 1"/>
-          <p:cNvSpPr>
-            <a:spLocks noGrp="1" noRot="1" noChangeAspect="1"/>
-          </p:cNvSpPr>
-          <p:nvPr>
-            <p:ph type="sldImg"/>
-          </p:nvPr>
-        </p:nvSpPr>
-        <p:spPr/>
-      </p:sp>
-      <p:sp>
-        <p:nvSpPr>
-          <p:cNvPr id="3" name="备注占位符 2"/>
-          <p:cNvSpPr>
-            <a:spLocks noGrp="1"/>
-          </p:cNvSpPr>
-          <p:nvPr>
-            <p:ph type="body" idx="1"/>
-          </p:nvPr>
-        </p:nvSpPr>
-        <p:spPr/>
-        <p:txBody>
-          <a:bodyPr/>
-          <a:lstStyle/>
-          <a:p>
-            <a:pPr marL="457200" lvl="1" indent="0">
-              <a:lnSpc>
-                <a:spcPct val="150000"/>
-              </a:lnSpc>
-              <a:buFont typeface="Arial" panose="020B0604020202020204" pitchFamily="34" charset="0"/>
-              <a:buNone/>
-            </a:pPr>
-            <a:endParaRPr lang="en-US" altLang="zh-CN" sz="2800" dirty="0"/>
-          </a:p>
-        </p:txBody>
-      </p:sp>
-      <p:sp>
-        <p:nvSpPr>
-          <p:cNvPr id="4" name="灯片编号占位符 3"/>
-          <p:cNvSpPr>
-            <a:spLocks noGrp="1"/>
-          </p:cNvSpPr>
-          <p:nvPr>
-            <p:ph type="sldNum" sz="quarter" idx="10"/>
-          </p:nvPr>
-        </p:nvSpPr>
-        <p:spPr/>
-        <p:txBody>
-          <a:bodyPr/>
-          <a:lstStyle/>
-          <a:p>
-            <a:fld id="{DD202784-B46A-4EF4-B218-4316F9133D14}" type="slidenum">
-              <a:rPr lang="zh-CN" altLang="en-US" smtClean="0"/>
-              <a:t>29</a:t>
-            </a:fld>
-            <a:endParaRPr lang="zh-CN" altLang="en-US"/>
-          </a:p>
-        </p:txBody>
-      </p:sp>
-    </p:spTree>
-    <p:extLst>
-      <p:ext uri="{BB962C8B-B14F-4D97-AF65-F5344CB8AC3E}">
-        <p14:creationId xmlns:p14="http://schemas.microsoft.com/office/powerpoint/2010/main" val="3763311556"/>
-      </p:ext>
-    </p:extLst>
   </p:cSld>
   <p:clrMapOvr>
     <a:masterClrMapping/>
@@ -5256,6 +4854,1256 @@
     <p:extLst>
       <p:ext uri="{BB962C8B-B14F-4D97-AF65-F5344CB8AC3E}">
         <p14:creationId xmlns:p14="http://schemas.microsoft.com/office/powerpoint/2010/main" val="2904033859"/>
+      </p:ext>
+    </p:extLst>
+  </p:cSld>
+  <p:clrMapOvr>
+    <a:masterClrMapping/>
+  </p:clrMapOvr>
+</p:notes>
+</file>
+
+<file path=ppt/notesSlides/notesSlide30.xml><?xml version="1.0" encoding="utf-8"?>
+<p:notes xmlns:a="http://schemas.openxmlformats.org/drawingml/2006/main" xmlns:r="http://schemas.openxmlformats.org/officeDocument/2006/relationships" xmlns:p="http://schemas.openxmlformats.org/presentationml/2006/main">
+  <p:cSld>
+    <p:bg>
+      <p:bgPr>
+        <a:solidFill>
+          <a:srgbClr val="FFFFFF"/>
+        </a:solidFill>
+        <a:effectLst/>
+      </p:bgPr>
+    </p:bg>
+    <p:spTree>
+      <p:nvGrpSpPr>
+        <p:cNvPr id="1" name=""/>
+        <p:cNvGrpSpPr/>
+        <p:nvPr/>
+      </p:nvGrpSpPr>
+      <p:grpSpPr>
+        <a:xfrm>
+          <a:off x="0" y="0"/>
+          <a:ext cx="0" cy="0"/>
+          <a:chOff x="0" y="0"/>
+          <a:chExt cx="0" cy="0"/>
+        </a:xfrm>
+      </p:grpSpPr>
+      <p:sp>
+        <p:nvSpPr>
+          <p:cNvPr id="4098" name="Rectangle 6"/>
+          <p:cNvSpPr>
+            <a:spLocks noGrp="1" noChangeArrowheads="1"/>
+          </p:cNvSpPr>
+          <p:nvPr>
+            <p:ph type="sldNum" sz="quarter"/>
+          </p:nvPr>
+        </p:nvSpPr>
+        <p:spPr>
+          <a:noFill/>
+        </p:spPr>
+        <p:txBody>
+          <a:bodyPr/>
+          <a:lstStyle/>
+          <a:p>
+            <a:fld id="{0E78A471-D789-41F3-8A64-F8CE717DD838}" type="slidenum">
+              <a:rPr lang="en-GB"/>
+              <a:t>30</a:t>
+            </a:fld>
+            <a:endParaRPr lang="en-GB"/>
+          </a:p>
+        </p:txBody>
+      </p:sp>
+      <p:sp>
+        <p:nvSpPr>
+          <p:cNvPr id="4099" name="Rectangle 1"/>
+          <p:cNvSpPr txBox="1">
+            <a:spLocks noGrp="1" noRot="1" noChangeAspect="1" noChangeArrowheads="1" noTextEdit="1"/>
+          </p:cNvSpPr>
+          <p:nvPr>
+            <p:ph type="sldImg"/>
+          </p:nvPr>
+        </p:nvSpPr>
+        <p:spPr>
+          <a:xfrm>
+            <a:off x="382588" y="695325"/>
+            <a:ext cx="6091237" cy="3427413"/>
+          </a:xfrm>
+          <a:solidFill>
+            <a:srgbClr val="FFFFFF"/>
+          </a:solidFill>
+          <a:ln>
+            <a:solidFill>
+              <a:srgbClr val="000000"/>
+            </a:solidFill>
+            <a:miter lim="800000"/>
+          </a:ln>
+        </p:spPr>
+      </p:sp>
+      <p:sp>
+        <p:nvSpPr>
+          <p:cNvPr id="4100" name="Text Box 2"/>
+          <p:cNvSpPr txBox="1">
+            <a:spLocks noGrp="1" noChangeArrowheads="1"/>
+          </p:cNvSpPr>
+          <p:nvPr>
+            <p:ph type="body" idx="1"/>
+          </p:nvPr>
+        </p:nvSpPr>
+        <p:spPr>
+          <a:xfrm>
+            <a:off x="685512" y="4343230"/>
+            <a:ext cx="5486976" cy="4115139"/>
+          </a:xfrm>
+          <a:noFill/>
+          <a:ln/>
+        </p:spPr>
+        <p:txBody>
+          <a:bodyPr tIns="9279"/>
+          <a:lstStyle/>
+          <a:p>
+            <a:pPr algn="just">
+              <a:lnSpc>
+                <a:spcPct val="93000"/>
+              </a:lnSpc>
+              <a:spcBef>
+                <a:spcPct val="0"/>
+              </a:spcBef>
+              <a:tabLst>
+                <a:tab pos="634643" algn="l"/>
+                <a:tab pos="1269286" algn="l"/>
+                <a:tab pos="1903929" algn="l"/>
+                <a:tab pos="2538573" algn="l"/>
+                <a:tab pos="3173216" algn="l"/>
+                <a:tab pos="3807859" algn="l"/>
+                <a:tab pos="4442502" algn="l"/>
+                <a:tab pos="5077145" algn="l"/>
+              </a:tabLst>
+            </a:pPr>
+            <a:r>
+              <a:rPr lang="en-US" dirty="0" smtClean="0"/>
+              <a:t>Fig5</a:t>
+            </a:r>
+            <a:r>
+              <a:rPr dirty="0"/>
+              <a:t>
+Individual difference in search efficiency. Examples of angular trajectory of four subjects with efficiency indices (E) during the object‐cued place recognition period. For each subject, trajectory data were aligned so that the correct target (denoted as </a:t>
+            </a:r>
+            <a:r>
+              <a:rPr dirty="0" err="1"/>
+              <a:t>Tgt</a:t>
+            </a:r>
+            <a:r>
+              <a:rPr dirty="0"/>
+              <a:t>) was located on the east, separately shown for the experimental and control conditions. Distance from the center of the plot represents the duration of time (maximum of 11.2 s, as depicted in inset) and the azimuth of the point depicts the viewing angle of the subject at that particular time. Black and white lines denote trajectories for correct and incorrect trials, respectively.</a:t>
+            </a:r>
+          </a:p>
+          <a:p>
+            <a:endParaRPr dirty="0"/>
+          </a:p>
+          <a:p>
+            <a:r>
+              <a:rPr lang="en-GB" dirty="0"/>
+              <a:t>IF THIS IMAGE HAS BEEN PROVIDED BY OR IS OWNED BY A THIRD PARTY, AS INDICATED IN THE CAPTION LINE, THEN FURTHER PERMISSION MAY BE NEEDED BEFORE ANY FURTHER USE. PLEASE CONTACT WILEY'S PERMISSIONS DEPARTMENT ON PERMISSIONS@WILEY.COM OR USE THE RIGHTSLINK SERVICE BY CLICKING ON THE 'REQUEST PERMISSIONS' LINK ACCOMPANYING THIS ARTICLE. WILEY OR AUTHOR OWNED IMAGES MAY BE USED FOR NON-COMMERCIAL PURPOSES, SUBJECT TO PROPER CITATION OF THE ARTICLE, AUTHOR, AND PUBLISHER.</a:t>
+            </a:r>
+            <a:endParaRPr dirty="0"/>
+          </a:p>
+        </p:txBody>
+      </p:sp>
+    </p:spTree>
+  </p:cSld>
+  <p:clrMapOvr>
+    <a:masterClrMapping/>
+  </p:clrMapOvr>
+</p:notes>
+</file>
+
+<file path=ppt/notesSlides/notesSlide31.xml><?xml version="1.0" encoding="utf-8"?>
+<p:notes xmlns:a="http://schemas.openxmlformats.org/drawingml/2006/main" xmlns:r="http://schemas.openxmlformats.org/officeDocument/2006/relationships" xmlns:p="http://schemas.openxmlformats.org/presentationml/2006/main">
+  <p:cSld>
+    <p:spTree>
+      <p:nvGrpSpPr>
+        <p:cNvPr id="1" name=""/>
+        <p:cNvGrpSpPr/>
+        <p:nvPr/>
+      </p:nvGrpSpPr>
+      <p:grpSpPr>
+        <a:xfrm>
+          <a:off x="0" y="0"/>
+          <a:ext cx="0" cy="0"/>
+          <a:chOff x="0" y="0"/>
+          <a:chExt cx="0" cy="0"/>
+        </a:xfrm>
+      </p:grpSpPr>
+      <p:sp>
+        <p:nvSpPr>
+          <p:cNvPr id="2" name="幻灯片图像占位符 1"/>
+          <p:cNvSpPr>
+            <a:spLocks noGrp="1" noRot="1" noChangeAspect="1"/>
+          </p:cNvSpPr>
+          <p:nvPr>
+            <p:ph type="sldImg"/>
+          </p:nvPr>
+        </p:nvSpPr>
+        <p:spPr/>
+      </p:sp>
+      <p:sp>
+        <p:nvSpPr>
+          <p:cNvPr id="3" name="备注占位符 2"/>
+          <p:cNvSpPr>
+            <a:spLocks noGrp="1"/>
+          </p:cNvSpPr>
+          <p:nvPr>
+            <p:ph type="body" idx="1"/>
+          </p:nvPr>
+        </p:nvSpPr>
+        <p:spPr/>
+        <p:txBody>
+          <a:bodyPr/>
+          <a:lstStyle/>
+          <a:p>
+            <a:pPr marL="457200" lvl="1" indent="0">
+              <a:lnSpc>
+                <a:spcPct val="150000"/>
+              </a:lnSpc>
+              <a:buFont typeface="Arial" panose="020B0604020202020204" pitchFamily="34" charset="0"/>
+              <a:buNone/>
+            </a:pPr>
+            <a:endParaRPr lang="en-US" altLang="zh-CN" sz="2800" dirty="0"/>
+          </a:p>
+        </p:txBody>
+      </p:sp>
+      <p:sp>
+        <p:nvSpPr>
+          <p:cNvPr id="4" name="灯片编号占位符 3"/>
+          <p:cNvSpPr>
+            <a:spLocks noGrp="1"/>
+          </p:cNvSpPr>
+          <p:nvPr>
+            <p:ph type="sldNum" sz="quarter" idx="10"/>
+          </p:nvPr>
+        </p:nvSpPr>
+        <p:spPr/>
+        <p:txBody>
+          <a:bodyPr/>
+          <a:lstStyle/>
+          <a:p>
+            <a:fld id="{DD202784-B46A-4EF4-B218-4316F9133D14}" type="slidenum">
+              <a:rPr lang="zh-CN" altLang="en-US" smtClean="0"/>
+              <a:t>31</a:t>
+            </a:fld>
+            <a:endParaRPr lang="zh-CN" altLang="en-US"/>
+          </a:p>
+        </p:txBody>
+      </p:sp>
+    </p:spTree>
+    <p:extLst>
+      <p:ext uri="{BB962C8B-B14F-4D97-AF65-F5344CB8AC3E}">
+        <p14:creationId xmlns:p14="http://schemas.microsoft.com/office/powerpoint/2010/main" val="3763311556"/>
+      </p:ext>
+    </p:extLst>
+  </p:cSld>
+  <p:clrMapOvr>
+    <a:masterClrMapping/>
+  </p:clrMapOvr>
+</p:notes>
+</file>
+
+<file path=ppt/notesSlides/notesSlide32.xml><?xml version="1.0" encoding="utf-8"?>
+<p:notes xmlns:a="http://schemas.openxmlformats.org/drawingml/2006/main" xmlns:r="http://schemas.openxmlformats.org/officeDocument/2006/relationships" xmlns:p="http://schemas.openxmlformats.org/presentationml/2006/main">
+  <p:cSld>
+    <p:spTree>
+      <p:nvGrpSpPr>
+        <p:cNvPr id="1" name=""/>
+        <p:cNvGrpSpPr/>
+        <p:nvPr/>
+      </p:nvGrpSpPr>
+      <p:grpSpPr>
+        <a:xfrm>
+          <a:off x="0" y="0"/>
+          <a:ext cx="0" cy="0"/>
+          <a:chOff x="0" y="0"/>
+          <a:chExt cx="0" cy="0"/>
+        </a:xfrm>
+      </p:grpSpPr>
+      <p:sp>
+        <p:nvSpPr>
+          <p:cNvPr id="2" name="幻灯片图像占位符 1"/>
+          <p:cNvSpPr>
+            <a:spLocks noGrp="1" noRot="1" noChangeAspect="1"/>
+          </p:cNvSpPr>
+          <p:nvPr>
+            <p:ph type="sldImg"/>
+          </p:nvPr>
+        </p:nvSpPr>
+        <p:spPr/>
+      </p:sp>
+      <p:sp>
+        <p:nvSpPr>
+          <p:cNvPr id="3" name="备注占位符 2"/>
+          <p:cNvSpPr>
+            <a:spLocks noGrp="1"/>
+          </p:cNvSpPr>
+          <p:nvPr>
+            <p:ph type="body" idx="1"/>
+          </p:nvPr>
+        </p:nvSpPr>
+        <p:spPr/>
+        <p:txBody>
+          <a:bodyPr/>
+          <a:lstStyle/>
+          <a:p>
+            <a:pPr marL="457200" lvl="1" indent="0">
+              <a:lnSpc>
+                <a:spcPct val="150000"/>
+              </a:lnSpc>
+              <a:buFont typeface="Arial" panose="020B0604020202020204" pitchFamily="34" charset="0"/>
+              <a:buNone/>
+            </a:pPr>
+            <a:endParaRPr lang="en-US" altLang="zh-CN" sz="2800" dirty="0"/>
+          </a:p>
+        </p:txBody>
+      </p:sp>
+      <p:sp>
+        <p:nvSpPr>
+          <p:cNvPr id="4" name="灯片编号占位符 3"/>
+          <p:cNvSpPr>
+            <a:spLocks noGrp="1"/>
+          </p:cNvSpPr>
+          <p:nvPr>
+            <p:ph type="sldNum" sz="quarter" idx="10"/>
+          </p:nvPr>
+        </p:nvSpPr>
+        <p:spPr/>
+        <p:txBody>
+          <a:bodyPr/>
+          <a:lstStyle/>
+          <a:p>
+            <a:fld id="{DD202784-B46A-4EF4-B218-4316F9133D14}" type="slidenum">
+              <a:rPr lang="zh-CN" altLang="en-US" smtClean="0"/>
+              <a:t>32</a:t>
+            </a:fld>
+            <a:endParaRPr lang="zh-CN" altLang="en-US"/>
+          </a:p>
+        </p:txBody>
+      </p:sp>
+    </p:spTree>
+    <p:extLst>
+      <p:ext uri="{BB962C8B-B14F-4D97-AF65-F5344CB8AC3E}">
+        <p14:creationId xmlns:p14="http://schemas.microsoft.com/office/powerpoint/2010/main" val="3763311556"/>
+      </p:ext>
+    </p:extLst>
+  </p:cSld>
+  <p:clrMapOvr>
+    <a:masterClrMapping/>
+  </p:clrMapOvr>
+</p:notes>
+</file>
+
+<file path=ppt/notesSlides/notesSlide33.xml><?xml version="1.0" encoding="utf-8"?>
+<p:notes xmlns:a="http://schemas.openxmlformats.org/drawingml/2006/main" xmlns:r="http://schemas.openxmlformats.org/officeDocument/2006/relationships" xmlns:p="http://schemas.openxmlformats.org/presentationml/2006/main">
+  <p:cSld>
+    <p:spTree>
+      <p:nvGrpSpPr>
+        <p:cNvPr id="1" name=""/>
+        <p:cNvGrpSpPr/>
+        <p:nvPr/>
+      </p:nvGrpSpPr>
+      <p:grpSpPr>
+        <a:xfrm>
+          <a:off x="0" y="0"/>
+          <a:ext cx="0" cy="0"/>
+          <a:chOff x="0" y="0"/>
+          <a:chExt cx="0" cy="0"/>
+        </a:xfrm>
+      </p:grpSpPr>
+      <p:sp>
+        <p:nvSpPr>
+          <p:cNvPr id="2" name="幻灯片图像占位符 1"/>
+          <p:cNvSpPr>
+            <a:spLocks noGrp="1" noRot="1" noChangeAspect="1"/>
+          </p:cNvSpPr>
+          <p:nvPr>
+            <p:ph type="sldImg"/>
+          </p:nvPr>
+        </p:nvSpPr>
+        <p:spPr/>
+      </p:sp>
+      <p:sp>
+        <p:nvSpPr>
+          <p:cNvPr id="3" name="备注占位符 2"/>
+          <p:cNvSpPr>
+            <a:spLocks noGrp="1"/>
+          </p:cNvSpPr>
+          <p:nvPr>
+            <p:ph type="body" idx="1"/>
+          </p:nvPr>
+        </p:nvSpPr>
+        <p:spPr/>
+        <p:txBody>
+          <a:bodyPr/>
+          <a:lstStyle/>
+          <a:p>
+            <a:pPr marL="457200" lvl="1" indent="0">
+              <a:lnSpc>
+                <a:spcPct val="150000"/>
+              </a:lnSpc>
+              <a:buFont typeface="Arial" panose="020B0604020202020204" pitchFamily="34" charset="0"/>
+              <a:buNone/>
+            </a:pPr>
+            <a:endParaRPr lang="en-US" altLang="zh-CN" sz="2800" dirty="0"/>
+          </a:p>
+        </p:txBody>
+      </p:sp>
+      <p:sp>
+        <p:nvSpPr>
+          <p:cNvPr id="4" name="灯片编号占位符 3"/>
+          <p:cNvSpPr>
+            <a:spLocks noGrp="1"/>
+          </p:cNvSpPr>
+          <p:nvPr>
+            <p:ph type="sldNum" sz="quarter" idx="10"/>
+          </p:nvPr>
+        </p:nvSpPr>
+        <p:spPr/>
+        <p:txBody>
+          <a:bodyPr/>
+          <a:lstStyle/>
+          <a:p>
+            <a:fld id="{DD202784-B46A-4EF4-B218-4316F9133D14}" type="slidenum">
+              <a:rPr lang="zh-CN" altLang="en-US" smtClean="0"/>
+              <a:t>33</a:t>
+            </a:fld>
+            <a:endParaRPr lang="zh-CN" altLang="en-US"/>
+          </a:p>
+        </p:txBody>
+      </p:sp>
+    </p:spTree>
+    <p:extLst>
+      <p:ext uri="{BB962C8B-B14F-4D97-AF65-F5344CB8AC3E}">
+        <p14:creationId xmlns:p14="http://schemas.microsoft.com/office/powerpoint/2010/main" val="3763311556"/>
+      </p:ext>
+    </p:extLst>
+  </p:cSld>
+  <p:clrMapOvr>
+    <a:masterClrMapping/>
+  </p:clrMapOvr>
+</p:notes>
+</file>
+
+<file path=ppt/notesSlides/notesSlide34.xml><?xml version="1.0" encoding="utf-8"?>
+<p:notes xmlns:a="http://schemas.openxmlformats.org/drawingml/2006/main" xmlns:r="http://schemas.openxmlformats.org/officeDocument/2006/relationships" xmlns:p="http://schemas.openxmlformats.org/presentationml/2006/main">
+  <p:cSld>
+    <p:spTree>
+      <p:nvGrpSpPr>
+        <p:cNvPr id="1" name=""/>
+        <p:cNvGrpSpPr/>
+        <p:nvPr/>
+      </p:nvGrpSpPr>
+      <p:grpSpPr>
+        <a:xfrm>
+          <a:off x="0" y="0"/>
+          <a:ext cx="0" cy="0"/>
+          <a:chOff x="0" y="0"/>
+          <a:chExt cx="0" cy="0"/>
+        </a:xfrm>
+      </p:grpSpPr>
+      <p:sp>
+        <p:nvSpPr>
+          <p:cNvPr id="2" name="幻灯片图像占位符 1"/>
+          <p:cNvSpPr>
+            <a:spLocks noGrp="1" noRot="1" noChangeAspect="1"/>
+          </p:cNvSpPr>
+          <p:nvPr>
+            <p:ph type="sldImg"/>
+          </p:nvPr>
+        </p:nvSpPr>
+        <p:spPr/>
+      </p:sp>
+      <p:sp>
+        <p:nvSpPr>
+          <p:cNvPr id="3" name="备注占位符 2"/>
+          <p:cNvSpPr>
+            <a:spLocks noGrp="1"/>
+          </p:cNvSpPr>
+          <p:nvPr>
+            <p:ph type="body" idx="1"/>
+          </p:nvPr>
+        </p:nvSpPr>
+        <p:spPr/>
+        <p:txBody>
+          <a:bodyPr/>
+          <a:lstStyle/>
+          <a:p>
+            <a:pPr marL="457200" lvl="1" indent="0">
+              <a:lnSpc>
+                <a:spcPct val="150000"/>
+              </a:lnSpc>
+              <a:buFont typeface="Arial" panose="020B0604020202020204" pitchFamily="34" charset="0"/>
+              <a:buNone/>
+            </a:pPr>
+            <a:endParaRPr lang="en-US" altLang="zh-CN" sz="2800" dirty="0"/>
+          </a:p>
+        </p:txBody>
+      </p:sp>
+      <p:sp>
+        <p:nvSpPr>
+          <p:cNvPr id="4" name="灯片编号占位符 3"/>
+          <p:cNvSpPr>
+            <a:spLocks noGrp="1"/>
+          </p:cNvSpPr>
+          <p:nvPr>
+            <p:ph type="sldNum" sz="quarter" idx="10"/>
+          </p:nvPr>
+        </p:nvSpPr>
+        <p:spPr/>
+        <p:txBody>
+          <a:bodyPr/>
+          <a:lstStyle/>
+          <a:p>
+            <a:fld id="{DD202784-B46A-4EF4-B218-4316F9133D14}" type="slidenum">
+              <a:rPr lang="zh-CN" altLang="en-US" smtClean="0"/>
+              <a:t>34</a:t>
+            </a:fld>
+            <a:endParaRPr lang="zh-CN" altLang="en-US"/>
+          </a:p>
+        </p:txBody>
+      </p:sp>
+    </p:spTree>
+    <p:extLst>
+      <p:ext uri="{BB962C8B-B14F-4D97-AF65-F5344CB8AC3E}">
+        <p14:creationId xmlns:p14="http://schemas.microsoft.com/office/powerpoint/2010/main" val="3763311556"/>
+      </p:ext>
+    </p:extLst>
+  </p:cSld>
+  <p:clrMapOvr>
+    <a:masterClrMapping/>
+  </p:clrMapOvr>
+</p:notes>
+</file>
+
+<file path=ppt/notesSlides/notesSlide35.xml><?xml version="1.0" encoding="utf-8"?>
+<p:notes xmlns:a="http://schemas.openxmlformats.org/drawingml/2006/main" xmlns:r="http://schemas.openxmlformats.org/officeDocument/2006/relationships" xmlns:p="http://schemas.openxmlformats.org/presentationml/2006/main">
+  <p:cSld>
+    <p:bg>
+      <p:bgPr>
+        <a:solidFill>
+          <a:srgbClr val="FFFFFF"/>
+        </a:solidFill>
+        <a:effectLst/>
+      </p:bgPr>
+    </p:bg>
+    <p:spTree>
+      <p:nvGrpSpPr>
+        <p:cNvPr id="1" name=""/>
+        <p:cNvGrpSpPr/>
+        <p:nvPr/>
+      </p:nvGrpSpPr>
+      <p:grpSpPr>
+        <a:xfrm>
+          <a:off x="0" y="0"/>
+          <a:ext cx="0" cy="0"/>
+          <a:chOff x="0" y="0"/>
+          <a:chExt cx="0" cy="0"/>
+        </a:xfrm>
+      </p:grpSpPr>
+      <p:sp>
+        <p:nvSpPr>
+          <p:cNvPr id="4098" name="Rectangle 6"/>
+          <p:cNvSpPr>
+            <a:spLocks noGrp="1" noChangeArrowheads="1"/>
+          </p:cNvSpPr>
+          <p:nvPr>
+            <p:ph type="sldNum" sz="quarter"/>
+          </p:nvPr>
+        </p:nvSpPr>
+        <p:spPr>
+          <a:noFill/>
+        </p:spPr>
+        <p:txBody>
+          <a:bodyPr/>
+          <a:lstStyle/>
+          <a:p>
+            <a:fld id="{0E78A471-D789-41F3-8A64-F8CE717DD838}" type="slidenum">
+              <a:rPr lang="en-GB"/>
+              <a:t>35</a:t>
+            </a:fld>
+            <a:endParaRPr lang="en-GB"/>
+          </a:p>
+        </p:txBody>
+      </p:sp>
+      <p:sp>
+        <p:nvSpPr>
+          <p:cNvPr id="4099" name="Rectangle 1"/>
+          <p:cNvSpPr txBox="1">
+            <a:spLocks noGrp="1" noRot="1" noChangeAspect="1" noChangeArrowheads="1" noTextEdit="1"/>
+          </p:cNvSpPr>
+          <p:nvPr>
+            <p:ph type="sldImg"/>
+          </p:nvPr>
+        </p:nvSpPr>
+        <p:spPr>
+          <a:xfrm>
+            <a:off x="382588" y="695325"/>
+            <a:ext cx="6091237" cy="3427413"/>
+          </a:xfrm>
+          <a:solidFill>
+            <a:srgbClr val="FFFFFF"/>
+          </a:solidFill>
+          <a:ln>
+            <a:solidFill>
+              <a:srgbClr val="000000"/>
+            </a:solidFill>
+            <a:miter lim="800000"/>
+          </a:ln>
+        </p:spPr>
+      </p:sp>
+      <p:sp>
+        <p:nvSpPr>
+          <p:cNvPr id="4100" name="Text Box 2"/>
+          <p:cNvSpPr txBox="1">
+            <a:spLocks noGrp="1" noChangeArrowheads="1"/>
+          </p:cNvSpPr>
+          <p:nvPr>
+            <p:ph type="body" idx="1"/>
+          </p:nvPr>
+        </p:nvSpPr>
+        <p:spPr>
+          <a:xfrm>
+            <a:off x="685512" y="4343230"/>
+            <a:ext cx="5486976" cy="4115139"/>
+          </a:xfrm>
+          <a:noFill/>
+          <a:ln/>
+        </p:spPr>
+        <p:txBody>
+          <a:bodyPr tIns="9279"/>
+          <a:lstStyle/>
+          <a:p>
+            <a:pPr algn="just">
+              <a:lnSpc>
+                <a:spcPct val="93000"/>
+              </a:lnSpc>
+              <a:spcBef>
+                <a:spcPct val="0"/>
+              </a:spcBef>
+              <a:tabLst>
+                <a:tab pos="634643" algn="l"/>
+                <a:tab pos="1269286" algn="l"/>
+                <a:tab pos="1903929" algn="l"/>
+                <a:tab pos="2538573" algn="l"/>
+                <a:tab pos="3173216" algn="l"/>
+                <a:tab pos="3807859" algn="l"/>
+                <a:tab pos="4442502" algn="l"/>
+                <a:tab pos="5077145" algn="l"/>
+              </a:tabLst>
+            </a:pPr>
+            <a:r>
+              <a:rPr lang="en-US" dirty="0" smtClean="0"/>
+              <a:t>Fig6</a:t>
+            </a:r>
+            <a:r>
+              <a:rPr dirty="0"/>
+              <a:t>
+BOLD activity during object‐cueing period, object‐cued place recognition period, and spatial memory period. (A, C, E) A sagittal (left) and a coronal (right) section showing the peak hippocampal activity for each event period (</a:t>
+            </a:r>
+            <a:r>
+              <a:rPr i="1" dirty="0"/>
+              <a:t>P</a:t>
+            </a:r>
+            <a:r>
+              <a:rPr dirty="0"/>
+              <a:t> &lt; 0.05, FWE‐corrected, one‐sample </a:t>
+            </a:r>
+            <a:r>
+              <a:rPr i="1" dirty="0"/>
+              <a:t>t</a:t>
+            </a:r>
+            <a:r>
+              <a:rPr dirty="0"/>
+              <a:t> test). MNI coordinates are shown above the corresponding sections. In each row, the scale bar shows the range of the t‐statistics from GLM analysis for each event period with red color representing higher response. OCP: Object‐cueing period, OPRP: Object‐cued place recognition period, SMP: Spatial memory period. Mean ± S.E.M. *</a:t>
+            </a:r>
+            <a:r>
+              <a:rPr i="1" dirty="0"/>
+              <a:t>P</a:t>
+            </a:r>
+            <a:r>
+              <a:rPr dirty="0"/>
+              <a:t> &lt; 0.05, **</a:t>
+            </a:r>
+            <a:r>
+              <a:rPr i="1" dirty="0"/>
+              <a:t>P</a:t>
+            </a:r>
+            <a:r>
+              <a:rPr dirty="0"/>
+              <a:t> &lt; 0.01, ***</a:t>
+            </a:r>
+            <a:r>
+              <a:rPr i="1" dirty="0"/>
+              <a:t>P</a:t>
+            </a:r>
+            <a:r>
+              <a:rPr dirty="0"/>
+              <a:t> &lt; 0.001. (A) Object‐cueing period (OCP): A subset of voxels in the left hippocampus showing significant activity during the object‐cueing period (highlighted with a dotted circle), compared to the control. (B) Mean coefficient contrasts of the OCP‐responsive voxels in the left hippocampus across three different periods. (C) Object‐cued place recognition period (OPRP): A subset of voxels in the right hippocampus (highlighted with dotted circles) showing significant BOLD activity during the OPRP. (D) Mean coefficient contrasts of the OPRP‐response voxels in the right hippocampus across three different event periods. (E) Spatial memory period (SMP): During the spatial memory period, the right hippocampus (highlighted with a dotted circle) showed significant BOLD activity compared to the control condition. (F) Average coefficient contrasts of the SMP‐responsive voxels in the right hippocampus across three different event periods. [Color figure can be viewed in the online issue, which is available at wileyonlinelibrary.com.]</a:t>
+            </a:r>
+          </a:p>
+          <a:p>
+            <a:endParaRPr dirty="0"/>
+          </a:p>
+          <a:p>
+            <a:r>
+              <a:rPr lang="en-GB" dirty="0"/>
+              <a:t>IF THIS IMAGE HAS BEEN PROVIDED BY OR IS OWNED BY A THIRD PARTY, AS INDICATED IN THE CAPTION LINE, THEN FURTHER PERMISSION MAY BE NEEDED BEFORE ANY FURTHER USE. PLEASE CONTACT WILEY'S PERMISSIONS DEPARTMENT ON PERMISSIONS@WILEY.COM OR USE THE RIGHTSLINK SERVICE BY CLICKING ON THE 'REQUEST PERMISSIONS' LINK ACCOMPANYING THIS ARTICLE. WILEY OR AUTHOR OWNED IMAGES MAY BE USED FOR NON-COMMERCIAL PURPOSES, SUBJECT TO PROPER CITATION OF THE ARTICLE, AUTHOR, AND PUBLISHER.</a:t>
+            </a:r>
+            <a:endParaRPr dirty="0"/>
+          </a:p>
+        </p:txBody>
+      </p:sp>
+    </p:spTree>
+  </p:cSld>
+  <p:clrMapOvr>
+    <a:masterClrMapping/>
+  </p:clrMapOvr>
+</p:notes>
+</file>
+
+<file path=ppt/notesSlides/notesSlide36.xml><?xml version="1.0" encoding="utf-8"?>
+<p:notes xmlns:a="http://schemas.openxmlformats.org/drawingml/2006/main" xmlns:r="http://schemas.openxmlformats.org/officeDocument/2006/relationships" xmlns:p="http://schemas.openxmlformats.org/presentationml/2006/main">
+  <p:cSld>
+    <p:spTree>
+      <p:nvGrpSpPr>
+        <p:cNvPr id="1" name=""/>
+        <p:cNvGrpSpPr/>
+        <p:nvPr/>
+      </p:nvGrpSpPr>
+      <p:grpSpPr>
+        <a:xfrm>
+          <a:off x="0" y="0"/>
+          <a:ext cx="0" cy="0"/>
+          <a:chOff x="0" y="0"/>
+          <a:chExt cx="0" cy="0"/>
+        </a:xfrm>
+      </p:grpSpPr>
+      <p:sp>
+        <p:nvSpPr>
+          <p:cNvPr id="2" name="幻灯片图像占位符 1"/>
+          <p:cNvSpPr>
+            <a:spLocks noGrp="1" noRot="1" noChangeAspect="1"/>
+          </p:cNvSpPr>
+          <p:nvPr>
+            <p:ph type="sldImg"/>
+          </p:nvPr>
+        </p:nvSpPr>
+        <p:spPr/>
+      </p:sp>
+      <p:sp>
+        <p:nvSpPr>
+          <p:cNvPr id="3" name="备注占位符 2"/>
+          <p:cNvSpPr>
+            <a:spLocks noGrp="1"/>
+          </p:cNvSpPr>
+          <p:nvPr>
+            <p:ph type="body" idx="1"/>
+          </p:nvPr>
+        </p:nvSpPr>
+        <p:spPr/>
+        <p:txBody>
+          <a:bodyPr/>
+          <a:lstStyle/>
+          <a:p>
+            <a:pPr marL="457200" lvl="1" indent="0">
+              <a:lnSpc>
+                <a:spcPct val="150000"/>
+              </a:lnSpc>
+              <a:buFont typeface="Arial" panose="020B0604020202020204" pitchFamily="34" charset="0"/>
+              <a:buNone/>
+            </a:pPr>
+            <a:endParaRPr lang="en-US" altLang="zh-CN" sz="2800" dirty="0"/>
+          </a:p>
+        </p:txBody>
+      </p:sp>
+      <p:sp>
+        <p:nvSpPr>
+          <p:cNvPr id="4" name="灯片编号占位符 3"/>
+          <p:cNvSpPr>
+            <a:spLocks noGrp="1"/>
+          </p:cNvSpPr>
+          <p:nvPr>
+            <p:ph type="sldNum" sz="quarter" idx="10"/>
+          </p:nvPr>
+        </p:nvSpPr>
+        <p:spPr/>
+        <p:txBody>
+          <a:bodyPr/>
+          <a:lstStyle/>
+          <a:p>
+            <a:fld id="{DD202784-B46A-4EF4-B218-4316F9133D14}" type="slidenum">
+              <a:rPr lang="zh-CN" altLang="en-US" smtClean="0"/>
+              <a:t>36</a:t>
+            </a:fld>
+            <a:endParaRPr lang="zh-CN" altLang="en-US"/>
+          </a:p>
+        </p:txBody>
+      </p:sp>
+    </p:spTree>
+    <p:extLst>
+      <p:ext uri="{BB962C8B-B14F-4D97-AF65-F5344CB8AC3E}">
+        <p14:creationId xmlns:p14="http://schemas.microsoft.com/office/powerpoint/2010/main" val="3763311556"/>
+      </p:ext>
+    </p:extLst>
+  </p:cSld>
+  <p:clrMapOvr>
+    <a:masterClrMapping/>
+  </p:clrMapOvr>
+</p:notes>
+</file>
+
+<file path=ppt/notesSlides/notesSlide37.xml><?xml version="1.0" encoding="utf-8"?>
+<p:notes xmlns:a="http://schemas.openxmlformats.org/drawingml/2006/main" xmlns:r="http://schemas.openxmlformats.org/officeDocument/2006/relationships" xmlns:p="http://schemas.openxmlformats.org/presentationml/2006/main">
+  <p:cSld>
+    <p:bg>
+      <p:bgPr>
+        <a:solidFill>
+          <a:srgbClr val="FFFFFF"/>
+        </a:solidFill>
+        <a:effectLst/>
+      </p:bgPr>
+    </p:bg>
+    <p:spTree>
+      <p:nvGrpSpPr>
+        <p:cNvPr id="1" name=""/>
+        <p:cNvGrpSpPr/>
+        <p:nvPr/>
+      </p:nvGrpSpPr>
+      <p:grpSpPr>
+        <a:xfrm>
+          <a:off x="0" y="0"/>
+          <a:ext cx="0" cy="0"/>
+          <a:chOff x="0" y="0"/>
+          <a:chExt cx="0" cy="0"/>
+        </a:xfrm>
+      </p:grpSpPr>
+      <p:sp>
+        <p:nvSpPr>
+          <p:cNvPr id="4098" name="Rectangle 6"/>
+          <p:cNvSpPr>
+            <a:spLocks noGrp="1" noChangeArrowheads="1"/>
+          </p:cNvSpPr>
+          <p:nvPr>
+            <p:ph type="sldNum" sz="quarter"/>
+          </p:nvPr>
+        </p:nvSpPr>
+        <p:spPr>
+          <a:noFill/>
+        </p:spPr>
+        <p:txBody>
+          <a:bodyPr/>
+          <a:lstStyle/>
+          <a:p>
+            <a:fld id="{0E78A471-D789-41F3-8A64-F8CE717DD838}" type="slidenum">
+              <a:rPr lang="en-GB"/>
+              <a:t>37</a:t>
+            </a:fld>
+            <a:endParaRPr lang="en-GB"/>
+          </a:p>
+        </p:txBody>
+      </p:sp>
+      <p:sp>
+        <p:nvSpPr>
+          <p:cNvPr id="4099" name="Rectangle 1"/>
+          <p:cNvSpPr txBox="1">
+            <a:spLocks noGrp="1" noRot="1" noChangeAspect="1" noChangeArrowheads="1" noTextEdit="1"/>
+          </p:cNvSpPr>
+          <p:nvPr>
+            <p:ph type="sldImg"/>
+          </p:nvPr>
+        </p:nvSpPr>
+        <p:spPr>
+          <a:xfrm>
+            <a:off x="382588" y="695325"/>
+            <a:ext cx="6091237" cy="3427413"/>
+          </a:xfrm>
+          <a:solidFill>
+            <a:srgbClr val="FFFFFF"/>
+          </a:solidFill>
+          <a:ln>
+            <a:solidFill>
+              <a:srgbClr val="000000"/>
+            </a:solidFill>
+            <a:miter lim="800000"/>
+          </a:ln>
+        </p:spPr>
+      </p:sp>
+      <p:sp>
+        <p:nvSpPr>
+          <p:cNvPr id="4100" name="Text Box 2"/>
+          <p:cNvSpPr txBox="1">
+            <a:spLocks noGrp="1" noChangeArrowheads="1"/>
+          </p:cNvSpPr>
+          <p:nvPr>
+            <p:ph type="body" idx="1"/>
+          </p:nvPr>
+        </p:nvSpPr>
+        <p:spPr>
+          <a:xfrm>
+            <a:off x="685512" y="4343230"/>
+            <a:ext cx="5486976" cy="4115139"/>
+          </a:xfrm>
+          <a:noFill/>
+          <a:ln/>
+        </p:spPr>
+        <p:txBody>
+          <a:bodyPr tIns="9279"/>
+          <a:lstStyle/>
+          <a:p>
+            <a:pPr algn="just">
+              <a:lnSpc>
+                <a:spcPct val="93000"/>
+              </a:lnSpc>
+              <a:spcBef>
+                <a:spcPct val="0"/>
+              </a:spcBef>
+              <a:tabLst>
+                <a:tab pos="634643" algn="l"/>
+                <a:tab pos="1269286" algn="l"/>
+                <a:tab pos="1903929" algn="l"/>
+                <a:tab pos="2538573" algn="l"/>
+                <a:tab pos="3173216" algn="l"/>
+                <a:tab pos="3807859" algn="l"/>
+                <a:tab pos="4442502" algn="l"/>
+                <a:tab pos="5077145" algn="l"/>
+              </a:tabLst>
+            </a:pPr>
+            <a:r>
+              <a:rPr lang="en-US" dirty="0" smtClean="0"/>
+              <a:t>Fig7</a:t>
+            </a:r>
+            <a:r>
+              <a:rPr dirty="0"/>
+              <a:t>
+Contributions of object‐associated task difficulty and sex to the hemispheric bias in %BOLD signal change. (A) Hemispheric bias in normalized %BOLD signal change in each event period. (B) Hemispheric bias in normalized %BOLD signal change for each event period, shown separately for the objects with which performance levels were either high (Hi, </a:t>
+            </a:r>
+            <a:r>
+              <a:rPr i="1" dirty="0"/>
+              <a:t>n</a:t>
+            </a:r>
+            <a:r>
+              <a:rPr dirty="0"/>
+              <a:t> = 19) or low (Lo, </a:t>
+            </a:r>
+            <a:r>
+              <a:rPr i="1" dirty="0"/>
+              <a:t>n</a:t>
+            </a:r>
+            <a:r>
+              <a:rPr dirty="0"/>
+              <a:t> = 21). (C) Hemispheric bias in normalized % BOLD signal change for each event period, drawn separately for female (F, </a:t>
+            </a:r>
+            <a:r>
+              <a:rPr i="1" dirty="0"/>
+              <a:t>n</a:t>
+            </a:r>
+            <a:r>
+              <a:rPr dirty="0"/>
+              <a:t> = 5) and male (M, </a:t>
+            </a:r>
+            <a:r>
+              <a:rPr i="1" dirty="0"/>
+              <a:t>n</a:t>
+            </a:r>
+            <a:r>
+              <a:rPr dirty="0"/>
+              <a:t> = 11) subjects. OCP: object‐cueing period, OPRP: object‐cued place recognition period, SMP: spatial memory period. Mean ± S.E.M. **</a:t>
+            </a:r>
+            <a:r>
+              <a:rPr i="1" dirty="0"/>
+              <a:t>P</a:t>
+            </a:r>
+            <a:r>
+              <a:rPr dirty="0"/>
+              <a:t> &lt; 0.01, ***</a:t>
+            </a:r>
+            <a:r>
+              <a:rPr i="1" dirty="0"/>
+              <a:t>P</a:t>
+            </a:r>
+            <a:r>
+              <a:rPr dirty="0"/>
+              <a:t> &lt; 0.001. [Color figure can be viewed in the online issue, which is available at wileyonlinelibrary.com.]</a:t>
+            </a:r>
+          </a:p>
+          <a:p>
+            <a:endParaRPr dirty="0"/>
+          </a:p>
+          <a:p>
+            <a:r>
+              <a:rPr lang="en-GB" dirty="0"/>
+              <a:t>IF THIS IMAGE HAS BEEN PROVIDED BY OR IS OWNED BY A THIRD PARTY, AS INDICATED IN THE CAPTION LINE, THEN FURTHER PERMISSION MAY BE NEEDED BEFORE ANY FURTHER USE. PLEASE CONTACT WILEY'S PERMISSIONS DEPARTMENT ON PERMISSIONS@WILEY.COM OR USE THE RIGHTSLINK SERVICE BY CLICKING ON THE 'REQUEST PERMISSIONS' LINK ACCOMPANYING THIS ARTICLE. WILEY OR AUTHOR OWNED IMAGES MAY BE USED FOR NON-COMMERCIAL PURPOSES, SUBJECT TO PROPER CITATION OF THE ARTICLE, AUTHOR, AND PUBLISHER.</a:t>
+            </a:r>
+            <a:endParaRPr dirty="0"/>
+          </a:p>
+        </p:txBody>
+      </p:sp>
+    </p:spTree>
+  </p:cSld>
+  <p:clrMapOvr>
+    <a:masterClrMapping/>
+  </p:clrMapOvr>
+</p:notes>
+</file>
+
+<file path=ppt/notesSlides/notesSlide38.xml><?xml version="1.0" encoding="utf-8"?>
+<p:notes xmlns:a="http://schemas.openxmlformats.org/drawingml/2006/main" xmlns:r="http://schemas.openxmlformats.org/officeDocument/2006/relationships" xmlns:p="http://schemas.openxmlformats.org/presentationml/2006/main">
+  <p:cSld>
+    <p:bg>
+      <p:bgPr>
+        <a:solidFill>
+          <a:srgbClr val="FFFFFF"/>
+        </a:solidFill>
+        <a:effectLst/>
+      </p:bgPr>
+    </p:bg>
+    <p:spTree>
+      <p:nvGrpSpPr>
+        <p:cNvPr id="1" name=""/>
+        <p:cNvGrpSpPr/>
+        <p:nvPr/>
+      </p:nvGrpSpPr>
+      <p:grpSpPr>
+        <a:xfrm>
+          <a:off x="0" y="0"/>
+          <a:ext cx="0" cy="0"/>
+          <a:chOff x="0" y="0"/>
+          <a:chExt cx="0" cy="0"/>
+        </a:xfrm>
+      </p:grpSpPr>
+      <p:sp>
+        <p:nvSpPr>
+          <p:cNvPr id="4098" name="Rectangle 6"/>
+          <p:cNvSpPr>
+            <a:spLocks noGrp="1" noChangeArrowheads="1"/>
+          </p:cNvSpPr>
+          <p:nvPr>
+            <p:ph type="sldNum" sz="quarter"/>
+          </p:nvPr>
+        </p:nvSpPr>
+        <p:spPr>
+          <a:noFill/>
+        </p:spPr>
+        <p:txBody>
+          <a:bodyPr/>
+          <a:lstStyle/>
+          <a:p>
+            <a:fld id="{0E78A471-D789-41F3-8A64-F8CE717DD838}" type="slidenum">
+              <a:rPr lang="en-GB"/>
+              <a:t>38</a:t>
+            </a:fld>
+            <a:endParaRPr lang="en-GB"/>
+          </a:p>
+        </p:txBody>
+      </p:sp>
+      <p:sp>
+        <p:nvSpPr>
+          <p:cNvPr id="4099" name="Rectangle 1"/>
+          <p:cNvSpPr txBox="1">
+            <a:spLocks noGrp="1" noRot="1" noChangeAspect="1" noChangeArrowheads="1" noTextEdit="1"/>
+          </p:cNvSpPr>
+          <p:nvPr>
+            <p:ph type="sldImg"/>
+          </p:nvPr>
+        </p:nvSpPr>
+        <p:spPr>
+          <a:xfrm>
+            <a:off x="382588" y="695325"/>
+            <a:ext cx="6091237" cy="3427413"/>
+          </a:xfrm>
+          <a:solidFill>
+            <a:srgbClr val="FFFFFF"/>
+          </a:solidFill>
+          <a:ln>
+            <a:solidFill>
+              <a:srgbClr val="000000"/>
+            </a:solidFill>
+            <a:miter lim="800000"/>
+          </a:ln>
+        </p:spPr>
+      </p:sp>
+      <p:sp>
+        <p:nvSpPr>
+          <p:cNvPr id="4100" name="Text Box 2"/>
+          <p:cNvSpPr txBox="1">
+            <a:spLocks noGrp="1" noChangeArrowheads="1"/>
+          </p:cNvSpPr>
+          <p:nvPr>
+            <p:ph type="body" idx="1"/>
+          </p:nvPr>
+        </p:nvSpPr>
+        <p:spPr>
+          <a:xfrm>
+            <a:off x="685512" y="4343230"/>
+            <a:ext cx="5486976" cy="4115139"/>
+          </a:xfrm>
+          <a:noFill/>
+          <a:ln/>
+        </p:spPr>
+        <p:txBody>
+          <a:bodyPr tIns="9279"/>
+          <a:lstStyle/>
+          <a:p>
+            <a:pPr algn="just">
+              <a:lnSpc>
+                <a:spcPct val="93000"/>
+              </a:lnSpc>
+              <a:spcBef>
+                <a:spcPct val="0"/>
+              </a:spcBef>
+              <a:tabLst>
+                <a:tab pos="634643" algn="l"/>
+                <a:tab pos="1269286" algn="l"/>
+                <a:tab pos="1903929" algn="l"/>
+                <a:tab pos="2538573" algn="l"/>
+                <a:tab pos="3173216" algn="l"/>
+                <a:tab pos="3807859" algn="l"/>
+                <a:tab pos="4442502" algn="l"/>
+                <a:tab pos="5077145" algn="l"/>
+              </a:tabLst>
+            </a:pPr>
+            <a:r>
+              <a:rPr lang="en-US" dirty="0" smtClean="0"/>
+              <a:t>Fig3</a:t>
+            </a:r>
+            <a:r>
+              <a:rPr dirty="0"/>
+              <a:t>
+Task performance. (A) Cumulative choices for target buildings (</a:t>
+            </a:r>
+            <a:r>
+              <a:rPr dirty="0" err="1"/>
+              <a:t>Tgt</a:t>
+            </a:r>
+            <a:r>
+              <a:rPr dirty="0"/>
+              <a:t>) in the object‐cued place recognition period (all targets aligned to 0°). The vector arrow indicates the strength of the target response. (B–C) Distributions of response accuracies in the object‐cued place recognition period (OPRP) (B) and the spatial memory period (SMP) (C) for individual subjects. Dashed lines denote chance level (25%). For each period, results of one‐sample </a:t>
+            </a:r>
+            <a:r>
+              <a:rPr i="1" dirty="0"/>
+              <a:t>t</a:t>
+            </a:r>
+            <a:r>
+              <a:rPr dirty="0"/>
+              <a:t> tests for comparing average retrieval accuracy during the experimental condition (top) and paired </a:t>
+            </a:r>
+            <a:r>
+              <a:rPr i="1" dirty="0"/>
+              <a:t>t</a:t>
+            </a:r>
+            <a:r>
+              <a:rPr dirty="0"/>
+              <a:t> test for comparing average retrieval accuracies between experimental and control conditions (bottom) are shown.</a:t>
+            </a:r>
+          </a:p>
+          <a:p>
+            <a:endParaRPr dirty="0"/>
+          </a:p>
+          <a:p>
+            <a:r>
+              <a:rPr lang="en-GB" dirty="0"/>
+              <a:t>IF THIS IMAGE HAS BEEN PROVIDED BY OR IS OWNED BY A THIRD PARTY, AS INDICATED IN THE CAPTION LINE, THEN FURTHER PERMISSION MAY BE NEEDED BEFORE ANY FURTHER USE. PLEASE CONTACT WILEY'S PERMISSIONS DEPARTMENT ON PERMISSIONS@WILEY.COM OR USE THE RIGHTSLINK SERVICE BY CLICKING ON THE 'REQUEST PERMISSIONS' LINK ACCOMPANYING THIS ARTICLE. WILEY OR AUTHOR OWNED IMAGES MAY BE USED FOR NON-COMMERCIAL PURPOSES, SUBJECT TO PROPER CITATION OF THE ARTICLE, AUTHOR, AND PUBLISHER.</a:t>
+            </a:r>
+            <a:endParaRPr dirty="0"/>
+          </a:p>
+        </p:txBody>
+      </p:sp>
+    </p:spTree>
+  </p:cSld>
+  <p:clrMapOvr>
+    <a:masterClrMapping/>
+  </p:clrMapOvr>
+</p:notes>
+</file>
+
+<file path=ppt/notesSlides/notesSlide39.xml><?xml version="1.0" encoding="utf-8"?>
+<p:notes xmlns:a="http://schemas.openxmlformats.org/drawingml/2006/main" xmlns:r="http://schemas.openxmlformats.org/officeDocument/2006/relationships" xmlns:p="http://schemas.openxmlformats.org/presentationml/2006/main">
+  <p:cSld>
+    <p:spTree>
+      <p:nvGrpSpPr>
+        <p:cNvPr id="1" name=""/>
+        <p:cNvGrpSpPr/>
+        <p:nvPr/>
+      </p:nvGrpSpPr>
+      <p:grpSpPr>
+        <a:xfrm>
+          <a:off x="0" y="0"/>
+          <a:ext cx="0" cy="0"/>
+          <a:chOff x="0" y="0"/>
+          <a:chExt cx="0" cy="0"/>
+        </a:xfrm>
+      </p:grpSpPr>
+      <p:sp>
+        <p:nvSpPr>
+          <p:cNvPr id="2" name="幻灯片图像占位符 1"/>
+          <p:cNvSpPr>
+            <a:spLocks noGrp="1" noRot="1" noChangeAspect="1"/>
+          </p:cNvSpPr>
+          <p:nvPr>
+            <p:ph type="sldImg"/>
+          </p:nvPr>
+        </p:nvSpPr>
+        <p:spPr/>
+      </p:sp>
+      <p:sp>
+        <p:nvSpPr>
+          <p:cNvPr id="3" name="备注占位符 2"/>
+          <p:cNvSpPr>
+            <a:spLocks noGrp="1"/>
+          </p:cNvSpPr>
+          <p:nvPr>
+            <p:ph type="body" idx="1"/>
+          </p:nvPr>
+        </p:nvSpPr>
+        <p:spPr/>
+        <p:txBody>
+          <a:bodyPr/>
+          <a:lstStyle/>
+          <a:p>
+            <a:pPr marL="457200" lvl="1" indent="0">
+              <a:lnSpc>
+                <a:spcPct val="150000"/>
+              </a:lnSpc>
+              <a:buFont typeface="Arial" panose="020B0604020202020204" pitchFamily="34" charset="0"/>
+              <a:buNone/>
+            </a:pPr>
+            <a:endParaRPr lang="en-US" altLang="zh-CN" sz="2800" dirty="0"/>
+          </a:p>
+        </p:txBody>
+      </p:sp>
+      <p:sp>
+        <p:nvSpPr>
+          <p:cNvPr id="4" name="灯片编号占位符 3"/>
+          <p:cNvSpPr>
+            <a:spLocks noGrp="1"/>
+          </p:cNvSpPr>
+          <p:nvPr>
+            <p:ph type="sldNum" sz="quarter" idx="10"/>
+          </p:nvPr>
+        </p:nvSpPr>
+        <p:spPr/>
+        <p:txBody>
+          <a:bodyPr/>
+          <a:lstStyle/>
+          <a:p>
+            <a:fld id="{DD202784-B46A-4EF4-B218-4316F9133D14}" type="slidenum">
+              <a:rPr lang="zh-CN" altLang="en-US" smtClean="0"/>
+              <a:t>39</a:t>
+            </a:fld>
+            <a:endParaRPr lang="zh-CN" altLang="en-US"/>
+          </a:p>
+        </p:txBody>
+      </p:sp>
+    </p:spTree>
+    <p:extLst>
+      <p:ext uri="{BB962C8B-B14F-4D97-AF65-F5344CB8AC3E}">
+        <p14:creationId xmlns:p14="http://schemas.microsoft.com/office/powerpoint/2010/main" val="3763311556"/>
       </p:ext>
     </p:extLst>
   </p:cSld>
@@ -5400,6 +6248,477 @@
     <p:extLst>
       <p:ext uri="{BB962C8B-B14F-4D97-AF65-F5344CB8AC3E}">
         <p14:creationId xmlns:p14="http://schemas.microsoft.com/office/powerpoint/2010/main" val="3950054587"/>
+      </p:ext>
+    </p:extLst>
+  </p:cSld>
+  <p:clrMapOvr>
+    <a:masterClrMapping/>
+  </p:clrMapOvr>
+</p:notes>
+</file>
+
+<file path=ppt/notesSlides/notesSlide40.xml><?xml version="1.0" encoding="utf-8"?>
+<p:notes xmlns:a="http://schemas.openxmlformats.org/drawingml/2006/main" xmlns:r="http://schemas.openxmlformats.org/officeDocument/2006/relationships" xmlns:p="http://schemas.openxmlformats.org/presentationml/2006/main">
+  <p:cSld>
+    <p:bg>
+      <p:bgPr>
+        <a:solidFill>
+          <a:srgbClr val="FFFFFF"/>
+        </a:solidFill>
+        <a:effectLst/>
+      </p:bgPr>
+    </p:bg>
+    <p:spTree>
+      <p:nvGrpSpPr>
+        <p:cNvPr id="1" name=""/>
+        <p:cNvGrpSpPr/>
+        <p:nvPr/>
+      </p:nvGrpSpPr>
+      <p:grpSpPr>
+        <a:xfrm>
+          <a:off x="0" y="0"/>
+          <a:ext cx="0" cy="0"/>
+          <a:chOff x="0" y="0"/>
+          <a:chExt cx="0" cy="0"/>
+        </a:xfrm>
+      </p:grpSpPr>
+      <p:sp>
+        <p:nvSpPr>
+          <p:cNvPr id="4098" name="Rectangle 6"/>
+          <p:cNvSpPr>
+            <a:spLocks noGrp="1" noChangeArrowheads="1"/>
+          </p:cNvSpPr>
+          <p:nvPr>
+            <p:ph type="sldNum" sz="quarter"/>
+          </p:nvPr>
+        </p:nvSpPr>
+        <p:spPr>
+          <a:noFill/>
+        </p:spPr>
+        <p:txBody>
+          <a:bodyPr/>
+          <a:lstStyle/>
+          <a:p>
+            <a:fld id="{0E78A471-D789-41F3-8A64-F8CE717DD838}" type="slidenum">
+              <a:rPr lang="en-GB"/>
+              <a:t>40</a:t>
+            </a:fld>
+            <a:endParaRPr lang="en-GB"/>
+          </a:p>
+        </p:txBody>
+      </p:sp>
+      <p:sp>
+        <p:nvSpPr>
+          <p:cNvPr id="4099" name="Rectangle 1"/>
+          <p:cNvSpPr txBox="1">
+            <a:spLocks noGrp="1" noRot="1" noChangeAspect="1" noChangeArrowheads="1" noTextEdit="1"/>
+          </p:cNvSpPr>
+          <p:nvPr>
+            <p:ph type="sldImg"/>
+          </p:nvPr>
+        </p:nvSpPr>
+        <p:spPr>
+          <a:xfrm>
+            <a:off x="382588" y="695325"/>
+            <a:ext cx="6091237" cy="3427413"/>
+          </a:xfrm>
+          <a:solidFill>
+            <a:srgbClr val="FFFFFF"/>
+          </a:solidFill>
+          <a:ln>
+            <a:solidFill>
+              <a:srgbClr val="000000"/>
+            </a:solidFill>
+            <a:miter lim="800000"/>
+          </a:ln>
+        </p:spPr>
+      </p:sp>
+      <p:sp>
+        <p:nvSpPr>
+          <p:cNvPr id="4100" name="Text Box 2"/>
+          <p:cNvSpPr txBox="1">
+            <a:spLocks noGrp="1" noChangeArrowheads="1"/>
+          </p:cNvSpPr>
+          <p:nvPr>
+            <p:ph type="body" idx="1"/>
+          </p:nvPr>
+        </p:nvSpPr>
+        <p:spPr>
+          <a:xfrm>
+            <a:off x="685512" y="4343230"/>
+            <a:ext cx="5486976" cy="4115139"/>
+          </a:xfrm>
+          <a:noFill/>
+          <a:ln/>
+        </p:spPr>
+        <p:txBody>
+          <a:bodyPr tIns="9279"/>
+          <a:lstStyle/>
+          <a:p>
+            <a:pPr algn="just">
+              <a:lnSpc>
+                <a:spcPct val="93000"/>
+              </a:lnSpc>
+              <a:spcBef>
+                <a:spcPct val="0"/>
+              </a:spcBef>
+              <a:tabLst>
+                <a:tab pos="634643" algn="l"/>
+                <a:tab pos="1269286" algn="l"/>
+                <a:tab pos="1903929" algn="l"/>
+                <a:tab pos="2538573" algn="l"/>
+                <a:tab pos="3173216" algn="l"/>
+                <a:tab pos="3807859" algn="l"/>
+                <a:tab pos="4442502" algn="l"/>
+                <a:tab pos="5077145" algn="l"/>
+              </a:tabLst>
+            </a:pPr>
+            <a:r>
+              <a:rPr lang="en-US" dirty="0" smtClean="0"/>
+              <a:t>Fig5</a:t>
+            </a:r>
+            <a:r>
+              <a:rPr dirty="0"/>
+              <a:t>
+Individual difference in search efficiency. Examples of angular trajectory of four subjects with efficiency indices (E) during the object‐cued place recognition period. For each subject, trajectory data were aligned so that the correct target (denoted as </a:t>
+            </a:r>
+            <a:r>
+              <a:rPr dirty="0" err="1"/>
+              <a:t>Tgt</a:t>
+            </a:r>
+            <a:r>
+              <a:rPr dirty="0"/>
+              <a:t>) was located on the east, separately shown for the experimental and control conditions. Distance from the center of the plot represents the duration of time (maximum of 11.2 s, as depicted in inset) and the azimuth of the point depicts the viewing angle of the subject at that particular time. Black and white lines denote trajectories for correct and incorrect trials, respectively.</a:t>
+            </a:r>
+          </a:p>
+          <a:p>
+            <a:endParaRPr dirty="0"/>
+          </a:p>
+          <a:p>
+            <a:r>
+              <a:rPr lang="en-GB" dirty="0"/>
+              <a:t>IF THIS IMAGE HAS BEEN PROVIDED BY OR IS OWNED BY A THIRD PARTY, AS INDICATED IN THE CAPTION LINE, THEN FURTHER PERMISSION MAY BE NEEDED BEFORE ANY FURTHER USE. PLEASE CONTACT WILEY'S PERMISSIONS DEPARTMENT ON PERMISSIONS@WILEY.COM OR USE THE RIGHTSLINK SERVICE BY CLICKING ON THE 'REQUEST PERMISSIONS' LINK ACCOMPANYING THIS ARTICLE. WILEY OR AUTHOR OWNED IMAGES MAY BE USED FOR NON-COMMERCIAL PURPOSES, SUBJECT TO PROPER CITATION OF THE ARTICLE, AUTHOR, AND PUBLISHER.</a:t>
+            </a:r>
+            <a:endParaRPr dirty="0"/>
+          </a:p>
+        </p:txBody>
+      </p:sp>
+    </p:spTree>
+  </p:cSld>
+  <p:clrMapOvr>
+    <a:masterClrMapping/>
+  </p:clrMapOvr>
+</p:notes>
+</file>
+
+<file path=ppt/notesSlides/notesSlide41.xml><?xml version="1.0" encoding="utf-8"?>
+<p:notes xmlns:a="http://schemas.openxmlformats.org/drawingml/2006/main" xmlns:r="http://schemas.openxmlformats.org/officeDocument/2006/relationships" xmlns:p="http://schemas.openxmlformats.org/presentationml/2006/main">
+  <p:cSld>
+    <p:bg>
+      <p:bgPr>
+        <a:solidFill>
+          <a:srgbClr val="FFFFFF"/>
+        </a:solidFill>
+        <a:effectLst/>
+      </p:bgPr>
+    </p:bg>
+    <p:spTree>
+      <p:nvGrpSpPr>
+        <p:cNvPr id="1" name=""/>
+        <p:cNvGrpSpPr/>
+        <p:nvPr/>
+      </p:nvGrpSpPr>
+      <p:grpSpPr>
+        <a:xfrm>
+          <a:off x="0" y="0"/>
+          <a:ext cx="0" cy="0"/>
+          <a:chOff x="0" y="0"/>
+          <a:chExt cx="0" cy="0"/>
+        </a:xfrm>
+      </p:grpSpPr>
+      <p:sp>
+        <p:nvSpPr>
+          <p:cNvPr id="4098" name="Rectangle 6"/>
+          <p:cNvSpPr>
+            <a:spLocks noGrp="1" noChangeArrowheads="1"/>
+          </p:cNvSpPr>
+          <p:nvPr>
+            <p:ph type="sldNum" sz="quarter"/>
+          </p:nvPr>
+        </p:nvSpPr>
+        <p:spPr>
+          <a:noFill/>
+        </p:spPr>
+        <p:txBody>
+          <a:bodyPr/>
+          <a:lstStyle/>
+          <a:p>
+            <a:fld id="{0E78A471-D789-41F3-8A64-F8CE717DD838}" type="slidenum">
+              <a:rPr lang="en-GB"/>
+              <a:t>41</a:t>
+            </a:fld>
+            <a:endParaRPr lang="en-GB"/>
+          </a:p>
+        </p:txBody>
+      </p:sp>
+      <p:sp>
+        <p:nvSpPr>
+          <p:cNvPr id="4099" name="Rectangle 1"/>
+          <p:cNvSpPr txBox="1">
+            <a:spLocks noGrp="1" noRot="1" noChangeAspect="1" noChangeArrowheads="1" noTextEdit="1"/>
+          </p:cNvSpPr>
+          <p:nvPr>
+            <p:ph type="sldImg"/>
+          </p:nvPr>
+        </p:nvSpPr>
+        <p:spPr>
+          <a:xfrm>
+            <a:off x="382588" y="695325"/>
+            <a:ext cx="6091237" cy="3427413"/>
+          </a:xfrm>
+          <a:solidFill>
+            <a:srgbClr val="FFFFFF"/>
+          </a:solidFill>
+          <a:ln>
+            <a:solidFill>
+              <a:srgbClr val="000000"/>
+            </a:solidFill>
+            <a:miter lim="800000"/>
+          </a:ln>
+        </p:spPr>
+      </p:sp>
+      <p:sp>
+        <p:nvSpPr>
+          <p:cNvPr id="4100" name="Text Box 2"/>
+          <p:cNvSpPr txBox="1">
+            <a:spLocks noGrp="1" noChangeArrowheads="1"/>
+          </p:cNvSpPr>
+          <p:nvPr>
+            <p:ph type="body" idx="1"/>
+          </p:nvPr>
+        </p:nvSpPr>
+        <p:spPr>
+          <a:xfrm>
+            <a:off x="685512" y="4343230"/>
+            <a:ext cx="5486976" cy="4115139"/>
+          </a:xfrm>
+          <a:noFill/>
+          <a:ln/>
+        </p:spPr>
+        <p:txBody>
+          <a:bodyPr tIns="9279"/>
+          <a:lstStyle/>
+          <a:p>
+            <a:pPr algn="just">
+              <a:lnSpc>
+                <a:spcPct val="93000"/>
+              </a:lnSpc>
+              <a:spcBef>
+                <a:spcPct val="0"/>
+              </a:spcBef>
+              <a:tabLst>
+                <a:tab pos="634643" algn="l"/>
+                <a:tab pos="1269286" algn="l"/>
+                <a:tab pos="1903929" algn="l"/>
+                <a:tab pos="2538573" algn="l"/>
+                <a:tab pos="3173216" algn="l"/>
+                <a:tab pos="3807859" algn="l"/>
+                <a:tab pos="4442502" algn="l"/>
+                <a:tab pos="5077145" algn="l"/>
+              </a:tabLst>
+            </a:pPr>
+            <a:r>
+              <a:rPr lang="en-US" dirty="0" smtClean="0"/>
+              <a:t>Fig8</a:t>
+            </a:r>
+            <a:r>
+              <a:rPr dirty="0"/>
+              <a:t>
+Left and right hippocampal BOLD activity correlated with efficient search for target place during the object‐cued place recognition period (OPRP) and spatial memory period (SMP), respectively. (A,B) Sagittal (left) and coronal (right) hippocampal sections showing the regions significantly modulated by search efficiency during the OPRP and the SMP, two event periods in which spatial memory components were important. Scale bars show the range of the t‐statistics from </a:t>
+            </a:r>
+            <a:r>
+              <a:rPr i="1" dirty="0"/>
+              <a:t>t</a:t>
+            </a:r>
+            <a:r>
+              <a:rPr dirty="0"/>
+              <a:t> test. (A) The BOLD signal in the left hippocampus (highlighted with dotted circles) was significantly modulated by search efficiency during the OPRP, compared to the control baseline (</a:t>
+            </a:r>
+            <a:r>
+              <a:rPr i="1" dirty="0"/>
+              <a:t>P</a:t>
+            </a:r>
+            <a:r>
+              <a:rPr dirty="0"/>
+              <a:t> &lt; 0.001, uncorrected, one‐sample </a:t>
+            </a:r>
+            <a:r>
+              <a:rPr i="1" dirty="0"/>
+              <a:t>t</a:t>
+            </a:r>
+            <a:r>
+              <a:rPr dirty="0"/>
+              <a:t> test). (B) The BOLD response of the right hippocampus (highlighted with dotted circles) was significantly modulated by search efficiency during the SMP, compared to the control baseline (</a:t>
+            </a:r>
+            <a:r>
+              <a:rPr i="1" dirty="0"/>
+              <a:t>P</a:t>
+            </a:r>
+            <a:r>
+              <a:rPr dirty="0"/>
+              <a:t> &lt; 0.001, uncorrected, one‐sample </a:t>
+            </a:r>
+            <a:r>
+              <a:rPr i="1" dirty="0"/>
+              <a:t>t</a:t>
+            </a:r>
+            <a:r>
+              <a:rPr dirty="0"/>
+              <a:t> test). (C) Comparison of the modulatory coefficient contrasts for the left and right hippocampal voxels showed a significant interaction between hemisphere and event period. Mean ± S.E.M. *</a:t>
+            </a:r>
+            <a:r>
+              <a:rPr i="1" dirty="0"/>
+              <a:t>P</a:t>
+            </a:r>
+            <a:r>
+              <a:rPr dirty="0"/>
+              <a:t> &lt; 0.05, **</a:t>
+            </a:r>
+            <a:r>
+              <a:rPr i="1" dirty="0"/>
+              <a:t>P</a:t>
+            </a:r>
+            <a:r>
+              <a:rPr dirty="0"/>
+              <a:t> &lt; 0.01, ***</a:t>
+            </a:r>
+            <a:r>
+              <a:rPr i="1" dirty="0"/>
+              <a:t>P</a:t>
+            </a:r>
+            <a:r>
+              <a:rPr dirty="0"/>
+              <a:t> &lt; 0.001 (</a:t>
+            </a:r>
+            <a:r>
+              <a:rPr dirty="0" err="1"/>
+              <a:t>Bonferroni</a:t>
+            </a:r>
+            <a:r>
+              <a:rPr dirty="0"/>
+              <a:t> corrected, paired </a:t>
+            </a:r>
+            <a:r>
+              <a:rPr i="1" dirty="0"/>
+              <a:t>t</a:t>
+            </a:r>
+            <a:r>
+              <a:rPr dirty="0"/>
+              <a:t> test). [Color figure can be viewed in the online issue, which is available at wileyonlinelibrary.com.]</a:t>
+            </a:r>
+          </a:p>
+          <a:p>
+            <a:endParaRPr dirty="0"/>
+          </a:p>
+          <a:p>
+            <a:r>
+              <a:rPr lang="en-GB" dirty="0"/>
+              <a:t>IF THIS IMAGE HAS BEEN PROVIDED BY OR IS OWNED BY A THIRD PARTY, AS INDICATED IN THE CAPTION LINE, THEN FURTHER PERMISSION MAY BE NEEDED BEFORE ANY FURTHER USE. PLEASE CONTACT WILEY'S PERMISSIONS DEPARTMENT ON PERMISSIONS@WILEY.COM OR USE THE RIGHTSLINK SERVICE BY CLICKING ON THE 'REQUEST PERMISSIONS' LINK ACCOMPANYING THIS ARTICLE. WILEY OR AUTHOR OWNED IMAGES MAY BE USED FOR NON-COMMERCIAL PURPOSES, SUBJECT TO PROPER CITATION OF THE ARTICLE, AUTHOR, AND PUBLISHER.</a:t>
+            </a:r>
+            <a:endParaRPr dirty="0"/>
+          </a:p>
+        </p:txBody>
+      </p:sp>
+    </p:spTree>
+  </p:cSld>
+  <p:clrMapOvr>
+    <a:masterClrMapping/>
+  </p:clrMapOvr>
+</p:notes>
+</file>
+
+<file path=ppt/notesSlides/notesSlide42.xml><?xml version="1.0" encoding="utf-8"?>
+<p:notes xmlns:a="http://schemas.openxmlformats.org/drawingml/2006/main" xmlns:r="http://schemas.openxmlformats.org/officeDocument/2006/relationships" xmlns:p="http://schemas.openxmlformats.org/presentationml/2006/main">
+  <p:cSld>
+    <p:spTree>
+      <p:nvGrpSpPr>
+        <p:cNvPr id="1" name=""/>
+        <p:cNvGrpSpPr/>
+        <p:nvPr/>
+      </p:nvGrpSpPr>
+      <p:grpSpPr>
+        <a:xfrm>
+          <a:off x="0" y="0"/>
+          <a:ext cx="0" cy="0"/>
+          <a:chOff x="0" y="0"/>
+          <a:chExt cx="0" cy="0"/>
+        </a:xfrm>
+      </p:grpSpPr>
+      <p:sp>
+        <p:nvSpPr>
+          <p:cNvPr id="2" name="幻灯片图像占位符 1"/>
+          <p:cNvSpPr>
+            <a:spLocks noGrp="1" noRot="1" noChangeAspect="1"/>
+          </p:cNvSpPr>
+          <p:nvPr>
+            <p:ph type="sldImg"/>
+          </p:nvPr>
+        </p:nvSpPr>
+        <p:spPr/>
+      </p:sp>
+      <p:sp>
+        <p:nvSpPr>
+          <p:cNvPr id="3" name="备注占位符 2"/>
+          <p:cNvSpPr>
+            <a:spLocks noGrp="1"/>
+          </p:cNvSpPr>
+          <p:nvPr>
+            <p:ph type="body" idx="1"/>
+          </p:nvPr>
+        </p:nvSpPr>
+        <p:spPr/>
+        <p:txBody>
+          <a:bodyPr/>
+          <a:lstStyle/>
+          <a:p>
+            <a:pPr marL="457200" lvl="1" indent="0">
+              <a:lnSpc>
+                <a:spcPct val="150000"/>
+              </a:lnSpc>
+              <a:buFont typeface="Arial" panose="020B0604020202020204" pitchFamily="34" charset="0"/>
+              <a:buNone/>
+            </a:pPr>
+            <a:endParaRPr lang="en-US" altLang="zh-CN" sz="2800" dirty="0"/>
+          </a:p>
+        </p:txBody>
+      </p:sp>
+      <p:sp>
+        <p:nvSpPr>
+          <p:cNvPr id="4" name="灯片编号占位符 3"/>
+          <p:cNvSpPr>
+            <a:spLocks noGrp="1"/>
+          </p:cNvSpPr>
+          <p:nvPr>
+            <p:ph type="sldNum" sz="quarter" idx="10"/>
+          </p:nvPr>
+        </p:nvSpPr>
+        <p:spPr/>
+        <p:txBody>
+          <a:bodyPr/>
+          <a:lstStyle/>
+          <a:p>
+            <a:fld id="{DD202784-B46A-4EF4-B218-4316F9133D14}" type="slidenum">
+              <a:rPr lang="zh-CN" altLang="en-US" smtClean="0"/>
+              <a:t>42</a:t>
+            </a:fld>
+            <a:endParaRPr lang="zh-CN" altLang="en-US"/>
+          </a:p>
+        </p:txBody>
+      </p:sp>
+    </p:spTree>
+    <p:extLst>
+      <p:ext uri="{BB962C8B-B14F-4D97-AF65-F5344CB8AC3E}">
+        <p14:creationId xmlns:p14="http://schemas.microsoft.com/office/powerpoint/2010/main" val="3763311556"/>
       </p:ext>
     </p:extLst>
   </p:cSld>
@@ -13599,7 +14918,7 @@
         </p:nvSpPr>
         <p:spPr>
           <a:xfrm>
-            <a:off x="0" y="0"/>
+            <a:off x="-7620" y="0"/>
             <a:ext cx="12192000" cy="3390900"/>
           </a:xfrm>
           <a:prstGeom prst="rect">
@@ -13647,8 +14966,8 @@
         </p:nvSpPr>
         <p:spPr>
           <a:xfrm>
-            <a:off x="886817" y="929034"/>
-            <a:ext cx="10198818" cy="2308324"/>
+            <a:off x="582017" y="929034"/>
+            <a:ext cx="11070659" cy="2308324"/>
           </a:xfrm>
           <a:prstGeom prst="rect">
             <a:avLst/>
@@ -13738,7 +15057,7 @@
                 <a:latin typeface="微软雅黑" panose="020B0503020204020204" pitchFamily="34" charset="-122"/>
                 <a:ea typeface="微软雅黑" panose="020B0503020204020204" pitchFamily="34" charset="-122"/>
               </a:rPr>
-              <a:t>	</a:t>
+              <a:t>			</a:t>
             </a:r>
             <a:r>
               <a:rPr lang="en-US" altLang="zh-CN" sz="5400" b="1" dirty="0" smtClean="0">
@@ -13893,7 +15212,7 @@
         <p:spPr>
           <a:xfrm>
             <a:off x="405600" y="3825650"/>
-            <a:ext cx="1435008" cy="1323439"/>
+            <a:ext cx="3337773" cy="1938992"/>
           </a:xfrm>
           <a:prstGeom prst="rect">
             <a:avLst/>
@@ -13944,7 +15263,22 @@
                 <a:ea typeface="Meiryo" panose="020B0604030504040204" pitchFamily="34" charset="-128"/>
                 <a:cs typeface="Meiryo" panose="020B0604030504040204" pitchFamily="34" charset="-128"/>
               </a:rPr>
-              <a:t>Human</a:t>
+              <a:t>Human(5f+11m,aging</a:t>
+            </a:r>
+          </a:p>
+          <a:p>
+            <a:pPr>
+              <a:lnSpc>
+                <a:spcPct val="200000"/>
+              </a:lnSpc>
+            </a:pPr>
+            <a:r>
+              <a:rPr lang="en-US" altLang="zh-CN" sz="2000" dirty="0" smtClean="0">
+                <a:latin typeface="Meiryo" panose="020B0604030504040204" pitchFamily="34" charset="-128"/>
+                <a:ea typeface="Meiryo" panose="020B0604030504040204" pitchFamily="34" charset="-128"/>
+                <a:cs typeface="Meiryo" panose="020B0604030504040204" pitchFamily="34" charset="-128"/>
+              </a:rPr>
+              <a:t>    19~25)</a:t>
             </a:r>
             <a:endParaRPr lang="en-US" altLang="zh-CN" sz="2000" dirty="0" smtClean="0">
               <a:latin typeface="Meiryo" panose="020B0604030504040204" pitchFamily="34" charset="-128"/>
@@ -14451,49 +15785,6 @@
           <a:chExt cx="0" cy="0"/>
         </a:xfrm>
       </p:grpSpPr>
-      <p:sp>
-        <p:nvSpPr>
-          <p:cNvPr id="2050" name="Rectangle 1"/>
-          <p:cNvSpPr>
-            <a:spLocks noGrp="1" noChangeArrowheads="1"/>
-          </p:cNvSpPr>
-          <p:nvPr>
-            <p:ph type="title"/>
-          </p:nvPr>
-        </p:nvSpPr>
-        <p:spPr>
-          <a:xfrm>
-            <a:off x="566401" y="419084"/>
-            <a:ext cx="10970880" cy="724396"/>
-          </a:xfrm>
-        </p:spPr>
-        <p:txBody>
-          <a:bodyPr tIns="14112"/>
-          <a:lstStyle/>
-          <a:p>
-            <a:pPr eaLnBrk="1">
-              <a:tabLst>
-                <a:tab pos="723900" algn="l"/>
-                <a:tab pos="1447800" algn="l"/>
-                <a:tab pos="2171700" algn="l"/>
-                <a:tab pos="2895600" algn="l"/>
-                <a:tab pos="3619500" algn="l"/>
-                <a:tab pos="4343400" algn="l"/>
-                <a:tab pos="5067300" algn="l"/>
-                <a:tab pos="5791200" algn="l"/>
-                <a:tab pos="6515100" algn="l"/>
-                <a:tab pos="7239000" algn="l"/>
-                <a:tab pos="7962900" algn="l"/>
-                <a:tab pos="8686800" algn="l"/>
-              </a:tabLst>
-            </a:pPr>
-            <a:r>
-              <a:rPr lang="en-GB" sz="1600" b="1" smtClean="0"/>
-              <a:t>Functional cross‐hemispheric shift between object‐place paired associate memory and spatial memory in the human hippocampus</a:t>
-            </a:r>
-          </a:p>
-        </p:txBody>
-      </p:sp>
       <p:pic>
         <p:nvPicPr>
           <p:cNvPr id="2051" name="Picture 2"/>
@@ -14511,8 +15802,8 @@
         </p:blipFill>
         <p:spPr bwMode="auto">
           <a:xfrm>
-            <a:off x="3058484" y="1306342"/>
-            <a:ext cx="5837225" cy="4320000"/>
+            <a:off x="2529840" y="591207"/>
+            <a:ext cx="7283686" cy="5390493"/>
           </a:xfrm>
           <a:prstGeom prst="rect">
             <a:avLst/>
@@ -14558,106 +15849,6 @@
           </a:ln>
         </p:spPr>
       </p:pic>
-      <p:sp>
-        <p:nvSpPr>
-          <p:cNvPr id="2053" name="Text Box 4"/>
-          <p:cNvSpPr txBox="1">
-            <a:spLocks noChangeArrowheads="1"/>
-          </p:cNvSpPr>
-          <p:nvPr/>
-        </p:nvSpPr>
-        <p:spPr bwMode="auto">
-          <a:xfrm>
-            <a:off x="153601" y="6205612"/>
-            <a:ext cx="8336640" cy="505493"/>
-          </a:xfrm>
-          <a:prstGeom prst="rect">
-            <a:avLst/>
-          </a:prstGeom>
-          <a:noFill/>
-          <a:ln w="9525">
-            <a:noFill/>
-            <a:round/>
-            <a:headEnd/>
-            <a:tailEnd/>
-          </a:ln>
-        </p:spPr>
-        <p:txBody>
-          <a:bodyPr lIns="90000" tIns="54702" rIns="90000" bIns="45000"/>
-          <a:lstStyle/>
-          <a:p>
-            <a:pPr>
-              <a:tabLst>
-                <a:tab pos="723900" algn="l"/>
-                <a:tab pos="1447800" algn="l"/>
-                <a:tab pos="2171700" algn="l"/>
-                <a:tab pos="2895600" algn="l"/>
-                <a:tab pos="3619500" algn="l"/>
-                <a:tab pos="4343400" algn="l"/>
-                <a:tab pos="5067300" algn="l"/>
-                <a:tab pos="5791200" algn="l"/>
-                <a:tab pos="6515100" algn="l"/>
-              </a:tabLst>
-            </a:pPr>
-            <a:r>
-              <a:rPr lang="en-GB" sz="1100" b="1">
-                <a:solidFill>
-                  <a:srgbClr val="000000"/>
-                </a:solidFill>
-              </a:rPr>
-              <a:t>Hippocampus</a:t>
-            </a:r>
-            <a:r>
-              <a:rPr lang="en-GB" sz="1100">
-                <a:solidFill>
-                  <a:srgbClr val="000000"/>
-                </a:solidFill>
-              </a:rPr>
-              <a:t/>
-            </a:r>
-            <a:br>
-              <a:rPr lang="en-GB" sz="1100">
-                <a:solidFill>
-                  <a:srgbClr val="000000"/>
-                </a:solidFill>
-              </a:rPr>
-            </a:br>
-            <a:r>
-              <a:rPr lang="en-GB" sz="1100">
-                <a:solidFill>
-                  <a:srgbClr val="000000"/>
-                </a:solidFill>
-                <a:hlinkClick r:id="rId5"/>
-              </a:rPr>
-              <a:t>Volume 26, Issue 8, </a:t>
-            </a:r>
-            <a:r>
-              <a:rPr lang="en-GB" sz="1100">
-                <a:solidFill>
-                  <a:srgbClr val="000000"/>
-                </a:solidFill>
-              </a:rPr>
-              <a:t>pages 1061-1077, 9 APR 2016 DOI: 10.1002/hipo.22587</a:t>
-            </a:r>
-            <a:br>
-              <a:rPr lang="en-GB" sz="1100">
-                <a:solidFill>
-                  <a:srgbClr val="000000"/>
-                </a:solidFill>
-              </a:rPr>
-            </a:br>
-            <a:r>
-              <a:rPr lang="en-GB" sz="1100">
-                <a:solidFill>
-                  <a:srgbClr val="000000"/>
-                </a:solidFill>
-                <a:hlinkClick r:id="rId6"/>
-              </a:rPr>
-              <a:t>http://onlinelibrary.wiley.com/doi/10.1002/hipo.22587/full#hipo22587-fig-0001</a:t>
-            </a:r>
-          </a:p>
-        </p:txBody>
-      </p:sp>
     </p:spTree>
     <p:extLst>
       <p:ext uri="{BB962C8B-B14F-4D97-AF65-F5344CB8AC3E}">
@@ -14718,47 +15909,1200 @@
       </p:grpSpPr>
       <p:sp>
         <p:nvSpPr>
-          <p:cNvPr id="2050" name="Rectangle 1"/>
-          <p:cNvSpPr>
-            <a:spLocks noGrp="1" noChangeArrowheads="1"/>
-          </p:cNvSpPr>
-          <p:nvPr>
-            <p:ph type="title"/>
-          </p:nvPr>
+          <p:cNvPr id="5" name="矩形 4"/>
+          <p:cNvSpPr/>
+          <p:nvPr/>
         </p:nvSpPr>
         <p:spPr>
           <a:xfrm>
-            <a:off x="566401" y="419084"/>
-            <a:ext cx="10970880" cy="724396"/>
+            <a:off x="6005399" y="3447534"/>
+            <a:ext cx="6172200" cy="3410465"/>
           </a:xfrm>
+          <a:prstGeom prst="rect">
+            <a:avLst/>
+          </a:prstGeom>
+          <a:solidFill>
+            <a:schemeClr val="bg1">
+              <a:lumMod val="95000"/>
+            </a:schemeClr>
+          </a:solidFill>
+          <a:ln>
+            <a:noFill/>
+          </a:ln>
         </p:spPr>
-        <p:txBody>
-          <a:bodyPr tIns="14112"/>
+        <p:style>
+          <a:lnRef idx="2">
+            <a:schemeClr val="accent1">
+              <a:shade val="50000"/>
+            </a:schemeClr>
+          </a:lnRef>
+          <a:fillRef idx="1">
+            <a:schemeClr val="accent1"/>
+          </a:fillRef>
+          <a:effectRef idx="0">
+            <a:schemeClr val="accent1"/>
+          </a:effectRef>
+          <a:fontRef idx="minor">
+            <a:schemeClr val="lt1"/>
+          </a:fontRef>
+        </p:style>
+        <p:txBody>
+          <a:bodyPr rtlCol="0" anchor="ctr"/>
           <a:lstStyle/>
           <a:p>
-            <a:pPr eaLnBrk="1">
-              <a:tabLst>
-                <a:tab pos="723900" algn="l"/>
-                <a:tab pos="1447800" algn="l"/>
-                <a:tab pos="2171700" algn="l"/>
-                <a:tab pos="2895600" algn="l"/>
-                <a:tab pos="3619500" algn="l"/>
-                <a:tab pos="4343400" algn="l"/>
-                <a:tab pos="5067300" algn="l"/>
-                <a:tab pos="5791200" algn="l"/>
-                <a:tab pos="6515100" algn="l"/>
-                <a:tab pos="7239000" algn="l"/>
-                <a:tab pos="7962900" algn="l"/>
-                <a:tab pos="8686800" algn="l"/>
-              </a:tabLst>
+            <a:pPr algn="ctr"/>
+            <a:endParaRPr lang="zh-CN" altLang="en-US"/>
+          </a:p>
+        </p:txBody>
+      </p:sp>
+      <p:sp>
+        <p:nvSpPr>
+          <p:cNvPr id="29" name="矩形 28"/>
+          <p:cNvSpPr/>
+          <p:nvPr/>
+        </p:nvSpPr>
+        <p:spPr>
+          <a:xfrm>
+            <a:off x="12346" y="1"/>
+            <a:ext cx="6006821" cy="3447534"/>
+          </a:xfrm>
+          <a:prstGeom prst="rect">
+            <a:avLst/>
+          </a:prstGeom>
+          <a:solidFill>
+            <a:schemeClr val="bg1">
+              <a:lumMod val="95000"/>
+            </a:schemeClr>
+          </a:solidFill>
+          <a:ln>
+            <a:noFill/>
+          </a:ln>
+        </p:spPr>
+        <p:style>
+          <a:lnRef idx="2">
+            <a:schemeClr val="accent1">
+              <a:shade val="50000"/>
+            </a:schemeClr>
+          </a:lnRef>
+          <a:fillRef idx="1">
+            <a:schemeClr val="accent1"/>
+          </a:fillRef>
+          <a:effectRef idx="0">
+            <a:schemeClr val="accent1"/>
+          </a:effectRef>
+          <a:fontRef idx="minor">
+            <a:schemeClr val="lt1"/>
+          </a:fontRef>
+        </p:style>
+        <p:txBody>
+          <a:bodyPr rtlCol="0" anchor="ctr"/>
+          <a:lstStyle/>
+          <a:p>
+            <a:pPr algn="ctr"/>
+            <a:endParaRPr lang="zh-CN" altLang="en-US"/>
+          </a:p>
+        </p:txBody>
+      </p:sp>
+      <p:sp>
+        <p:nvSpPr>
+          <p:cNvPr id="30" name="文本框 29"/>
+          <p:cNvSpPr txBox="1"/>
+          <p:nvPr/>
+        </p:nvSpPr>
+        <p:spPr>
+          <a:xfrm>
+            <a:off x="662539" y="294935"/>
+            <a:ext cx="5947811" cy="769441"/>
+          </a:xfrm>
+          <a:prstGeom prst="rect">
+            <a:avLst/>
+          </a:prstGeom>
+          <a:noFill/>
+        </p:spPr>
+        <p:txBody>
+          <a:bodyPr wrap="square" rtlCol="0">
+            <a:spAutoFit/>
+          </a:bodyPr>
+          <a:lstStyle/>
+          <a:p>
+            <a:r>
+              <a:rPr lang="en-US" altLang="zh-CN" sz="4400" b="1" dirty="0" smtClean="0">
+                <a:solidFill>
+                  <a:srgbClr val="00ABB4"/>
+                </a:solidFill>
+                <a:latin typeface="微软雅黑" panose="020B0503020204020204" pitchFamily="34" charset="-122"/>
+                <a:ea typeface="微软雅黑" panose="020B0503020204020204" pitchFamily="34" charset="-122"/>
+              </a:rPr>
+              <a:t>Objects</a:t>
+            </a:r>
+            <a:endParaRPr lang="en-US" altLang="zh-CN" sz="4400" b="1" dirty="0">
+              <a:solidFill>
+                <a:srgbClr val="00ABB4"/>
+              </a:solidFill>
+              <a:latin typeface="微软雅黑" panose="020B0503020204020204" pitchFamily="34" charset="-122"/>
+              <a:ea typeface="微软雅黑" panose="020B0503020204020204" pitchFamily="34" charset="-122"/>
+            </a:endParaRPr>
+          </a:p>
+        </p:txBody>
+      </p:sp>
+      <p:sp>
+        <p:nvSpPr>
+          <p:cNvPr id="31" name="Rectangle 96"/>
+          <p:cNvSpPr/>
+          <p:nvPr/>
+        </p:nvSpPr>
+        <p:spPr>
+          <a:xfrm>
+            <a:off x="882750" y="1406718"/>
+            <a:ext cx="10245297" cy="3539430"/>
+          </a:xfrm>
+          <a:prstGeom prst="rect">
+            <a:avLst/>
+          </a:prstGeom>
+        </p:spPr>
+        <p:txBody>
+          <a:bodyPr wrap="square">
+            <a:spAutoFit/>
+          </a:bodyPr>
+          <a:lstStyle/>
+          <a:p>
+            <a:pPr marL="342900" indent="-342900">
+              <a:lnSpc>
+                <a:spcPct val="200000"/>
+              </a:lnSpc>
+              <a:buFont typeface="Arial" panose="020B0604020202020204" pitchFamily="34" charset="0"/>
+              <a:buChar char="•"/>
             </a:pPr>
             <a:r>
-              <a:rPr lang="en-GB" sz="1600" b="1" smtClean="0"/>
-              <a:t>Functional cross‐hemispheric shift between object‐place paired associate memory and spatial memory in the human hippocampus</a:t>
-            </a:r>
-          </a:p>
-        </p:txBody>
-      </p:sp>
+              <a:rPr lang="en-US" altLang="zh-CN" sz="2800" dirty="0" smtClean="0">
+                <a:latin typeface="Meiryo" panose="020B0604030504040204" pitchFamily="34" charset="-128"/>
+                <a:ea typeface="Meiryo" panose="020B0604030504040204" pitchFamily="34" charset="-128"/>
+                <a:cs typeface="Meiryo" panose="020B0604030504040204" pitchFamily="34" charset="-128"/>
+              </a:rPr>
+              <a:t>Each building: 5 objects each </a:t>
+            </a:r>
+            <a:r>
+              <a:rPr lang="en-US" altLang="zh-CN" sz="2800" dirty="0" err="1" smtClean="0">
+                <a:latin typeface="Meiryo" panose="020B0604030504040204" pitchFamily="34" charset="-128"/>
+                <a:ea typeface="Meiryo" panose="020B0604030504040204" pitchFamily="34" charset="-128"/>
+                <a:cs typeface="Meiryo" panose="020B0604030504040204" pitchFamily="34" charset="-128"/>
+              </a:rPr>
+              <a:t>conner</a:t>
+            </a:r>
+            <a:endParaRPr lang="en-US" altLang="zh-CN" sz="2800" dirty="0" smtClean="0">
+              <a:latin typeface="Meiryo" panose="020B0604030504040204" pitchFamily="34" charset="-128"/>
+              <a:ea typeface="Meiryo" panose="020B0604030504040204" pitchFamily="34" charset="-128"/>
+              <a:cs typeface="Meiryo" panose="020B0604030504040204" pitchFamily="34" charset="-128"/>
+            </a:endParaRPr>
+          </a:p>
+          <a:p>
+            <a:pPr marL="342900" indent="-342900">
+              <a:lnSpc>
+                <a:spcPct val="200000"/>
+              </a:lnSpc>
+              <a:buFont typeface="Arial" panose="020B0604020202020204" pitchFamily="34" charset="0"/>
+              <a:buChar char="•"/>
+            </a:pPr>
+            <a:r>
+              <a:rPr lang="en-US" altLang="zh-CN" sz="2800" dirty="0" smtClean="0">
+                <a:latin typeface="Meiryo" panose="020B0604030504040204" pitchFamily="34" charset="-128"/>
+                <a:ea typeface="Meiryo" panose="020B0604030504040204" pitchFamily="34" charset="-128"/>
+              </a:rPr>
+              <a:t>Four buildings in total :20*4</a:t>
+            </a:r>
+            <a:endParaRPr lang="en-US" altLang="zh-CN" sz="2800" dirty="0" smtClean="0"/>
+          </a:p>
+          <a:p>
+            <a:pPr marL="342900" indent="-342900">
+              <a:lnSpc>
+                <a:spcPct val="200000"/>
+              </a:lnSpc>
+              <a:buFont typeface="Arial" panose="020B0604020202020204" pitchFamily="34" charset="0"/>
+              <a:buChar char="•"/>
+            </a:pPr>
+            <a:r>
+              <a:rPr lang="en-US" altLang="zh-CN" sz="2800" dirty="0" smtClean="0">
+                <a:latin typeface="Meiryo" panose="020B0604030504040204" pitchFamily="34" charset="-128"/>
+                <a:ea typeface="Meiryo" panose="020B0604030504040204" pitchFamily="34" charset="-128"/>
+                <a:cs typeface="Meiryo" panose="020B0604030504040204" pitchFamily="34" charset="-128"/>
+              </a:rPr>
+              <a:t>First day: half of the 80, and another 40 novel objects</a:t>
+            </a:r>
+            <a:endParaRPr lang="en-US" altLang="zh-CN" sz="2800" dirty="0" smtClean="0">
+              <a:latin typeface="Meiryo" panose="020B0604030504040204" pitchFamily="34" charset="-128"/>
+              <a:ea typeface="Meiryo" panose="020B0604030504040204" pitchFamily="34" charset="-128"/>
+              <a:cs typeface="Meiryo" panose="020B0604030504040204" pitchFamily="34" charset="-128"/>
+            </a:endParaRPr>
+          </a:p>
+          <a:p>
+            <a:pPr marL="342900" indent="-342900">
+              <a:lnSpc>
+                <a:spcPct val="200000"/>
+              </a:lnSpc>
+              <a:buFont typeface="Arial" panose="020B0604020202020204" pitchFamily="34" charset="0"/>
+              <a:buChar char="•"/>
+            </a:pPr>
+            <a:r>
+              <a:rPr lang="en-US" altLang="zh-CN" sz="2800" dirty="0" smtClean="0">
+                <a:latin typeface="Meiryo" panose="020B0604030504040204" pitchFamily="34" charset="-128"/>
+                <a:ea typeface="Meiryo" panose="020B0604030504040204" pitchFamily="34" charset="-128"/>
+                <a:cs typeface="Meiryo" panose="020B0604030504040204" pitchFamily="34" charset="-128"/>
+              </a:rPr>
+              <a:t>Second day: another half of the 80</a:t>
+            </a:r>
+            <a:endParaRPr lang="en-US" altLang="zh-CN" sz="2800" dirty="0">
+              <a:latin typeface="Meiryo" panose="020B0604030504040204" pitchFamily="34" charset="-128"/>
+              <a:ea typeface="Meiryo" panose="020B0604030504040204" pitchFamily="34" charset="-128"/>
+              <a:cs typeface="Meiryo" panose="020B0604030504040204" pitchFamily="34" charset="-128"/>
+            </a:endParaRPr>
+          </a:p>
+        </p:txBody>
+      </p:sp>
+    </p:spTree>
+    <p:extLst>
+      <p:ext uri="{BB962C8B-B14F-4D97-AF65-F5344CB8AC3E}">
+        <p14:creationId xmlns:p14="http://schemas.microsoft.com/office/powerpoint/2010/main" val="3959274198"/>
+      </p:ext>
+    </p:extLst>
+  </p:cSld>
+  <p:clrMapOvr>
+    <a:masterClrMapping/>
+  </p:clrMapOvr>
+  <p:timing>
+    <p:tnLst>
+      <p:par>
+        <p:cTn id="1" dur="indefinite" restart="never" nodeType="tmRoot"/>
+      </p:par>
+    </p:tnLst>
+  </p:timing>
+</p:sld>
+</file>
+
+<file path=ppt/slides/slide22.xml><?xml version="1.0" encoding="utf-8"?>
+<p:sld xmlns:a="http://schemas.openxmlformats.org/drawingml/2006/main" xmlns:r="http://schemas.openxmlformats.org/officeDocument/2006/relationships" xmlns:p="http://schemas.openxmlformats.org/presentationml/2006/main">
+  <p:cSld>
+    <p:spTree>
+      <p:nvGrpSpPr>
+        <p:cNvPr id="1" name=""/>
+        <p:cNvGrpSpPr/>
+        <p:nvPr/>
+      </p:nvGrpSpPr>
+      <p:grpSpPr>
+        <a:xfrm>
+          <a:off x="0" y="0"/>
+          <a:ext cx="0" cy="0"/>
+          <a:chOff x="0" y="0"/>
+          <a:chExt cx="0" cy="0"/>
+        </a:xfrm>
+      </p:grpSpPr>
+      <p:sp>
+        <p:nvSpPr>
+          <p:cNvPr id="5" name="矩形 4"/>
+          <p:cNvSpPr/>
+          <p:nvPr/>
+        </p:nvSpPr>
+        <p:spPr>
+          <a:xfrm>
+            <a:off x="6005399" y="3447534"/>
+            <a:ext cx="6172200" cy="3410465"/>
+          </a:xfrm>
+          <a:prstGeom prst="rect">
+            <a:avLst/>
+          </a:prstGeom>
+          <a:solidFill>
+            <a:schemeClr val="bg1">
+              <a:lumMod val="95000"/>
+            </a:schemeClr>
+          </a:solidFill>
+          <a:ln>
+            <a:noFill/>
+          </a:ln>
+        </p:spPr>
+        <p:style>
+          <a:lnRef idx="2">
+            <a:schemeClr val="accent1">
+              <a:shade val="50000"/>
+            </a:schemeClr>
+          </a:lnRef>
+          <a:fillRef idx="1">
+            <a:schemeClr val="accent1"/>
+          </a:fillRef>
+          <a:effectRef idx="0">
+            <a:schemeClr val="accent1"/>
+          </a:effectRef>
+          <a:fontRef idx="minor">
+            <a:schemeClr val="lt1"/>
+          </a:fontRef>
+        </p:style>
+        <p:txBody>
+          <a:bodyPr rtlCol="0" anchor="ctr"/>
+          <a:lstStyle/>
+          <a:p>
+            <a:pPr algn="ctr"/>
+            <a:endParaRPr lang="zh-CN" altLang="en-US"/>
+          </a:p>
+        </p:txBody>
+      </p:sp>
+      <p:sp>
+        <p:nvSpPr>
+          <p:cNvPr id="29" name="矩形 28"/>
+          <p:cNvSpPr/>
+          <p:nvPr/>
+        </p:nvSpPr>
+        <p:spPr>
+          <a:xfrm>
+            <a:off x="12346" y="1"/>
+            <a:ext cx="6006821" cy="3447534"/>
+          </a:xfrm>
+          <a:prstGeom prst="rect">
+            <a:avLst/>
+          </a:prstGeom>
+          <a:solidFill>
+            <a:schemeClr val="bg1">
+              <a:lumMod val="95000"/>
+            </a:schemeClr>
+          </a:solidFill>
+          <a:ln>
+            <a:noFill/>
+          </a:ln>
+        </p:spPr>
+        <p:style>
+          <a:lnRef idx="2">
+            <a:schemeClr val="accent1">
+              <a:shade val="50000"/>
+            </a:schemeClr>
+          </a:lnRef>
+          <a:fillRef idx="1">
+            <a:schemeClr val="accent1"/>
+          </a:fillRef>
+          <a:effectRef idx="0">
+            <a:schemeClr val="accent1"/>
+          </a:effectRef>
+          <a:fontRef idx="minor">
+            <a:schemeClr val="lt1"/>
+          </a:fontRef>
+        </p:style>
+        <p:txBody>
+          <a:bodyPr rtlCol="0" anchor="ctr"/>
+          <a:lstStyle/>
+          <a:p>
+            <a:pPr algn="ctr"/>
+            <a:endParaRPr lang="zh-CN" altLang="en-US"/>
+          </a:p>
+        </p:txBody>
+      </p:sp>
+      <p:sp>
+        <p:nvSpPr>
+          <p:cNvPr id="30" name="文本框 29"/>
+          <p:cNvSpPr txBox="1"/>
+          <p:nvPr/>
+        </p:nvSpPr>
+        <p:spPr>
+          <a:xfrm>
+            <a:off x="662539" y="294935"/>
+            <a:ext cx="5947811" cy="769441"/>
+          </a:xfrm>
+          <a:prstGeom prst="rect">
+            <a:avLst/>
+          </a:prstGeom>
+          <a:noFill/>
+        </p:spPr>
+        <p:txBody>
+          <a:bodyPr wrap="square" rtlCol="0">
+            <a:spAutoFit/>
+          </a:bodyPr>
+          <a:lstStyle/>
+          <a:p>
+            <a:r>
+              <a:rPr lang="en-US" altLang="zh-CN" sz="4400" b="1" dirty="0" smtClean="0">
+                <a:solidFill>
+                  <a:srgbClr val="00ABB4"/>
+                </a:solidFill>
+                <a:latin typeface="微软雅黑" panose="020B0503020204020204" pitchFamily="34" charset="-122"/>
+                <a:ea typeface="微软雅黑" panose="020B0503020204020204" pitchFamily="34" charset="-122"/>
+              </a:rPr>
+              <a:t>Group</a:t>
+            </a:r>
+            <a:r>
+              <a:rPr lang="en-US" altLang="zh-CN" sz="4400" b="1" dirty="0" smtClean="0">
+                <a:solidFill>
+                  <a:srgbClr val="00ABB4"/>
+                </a:solidFill>
+                <a:latin typeface="微软雅黑" panose="020B0503020204020204" pitchFamily="34" charset="-122"/>
+                <a:ea typeface="微软雅黑" panose="020B0503020204020204" pitchFamily="34" charset="-122"/>
+              </a:rPr>
+              <a:t>s</a:t>
+            </a:r>
+            <a:endParaRPr lang="en-US" altLang="zh-CN" sz="4400" b="1" dirty="0">
+              <a:solidFill>
+                <a:srgbClr val="00ABB4"/>
+              </a:solidFill>
+              <a:latin typeface="微软雅黑" panose="020B0503020204020204" pitchFamily="34" charset="-122"/>
+              <a:ea typeface="微软雅黑" panose="020B0503020204020204" pitchFamily="34" charset="-122"/>
+            </a:endParaRPr>
+          </a:p>
+        </p:txBody>
+      </p:sp>
+      <p:sp>
+        <p:nvSpPr>
+          <p:cNvPr id="31" name="Rectangle 96"/>
+          <p:cNvSpPr/>
+          <p:nvPr/>
+        </p:nvSpPr>
+        <p:spPr>
+          <a:xfrm>
+            <a:off x="882750" y="1406718"/>
+            <a:ext cx="10245297" cy="4401205"/>
+          </a:xfrm>
+          <a:prstGeom prst="rect">
+            <a:avLst/>
+          </a:prstGeom>
+        </p:spPr>
+        <p:txBody>
+          <a:bodyPr wrap="square">
+            <a:spAutoFit/>
+          </a:bodyPr>
+          <a:lstStyle/>
+          <a:p>
+            <a:pPr marL="342900" indent="-342900">
+              <a:lnSpc>
+                <a:spcPct val="200000"/>
+              </a:lnSpc>
+              <a:buFont typeface="Arial" panose="020B0604020202020204" pitchFamily="34" charset="0"/>
+              <a:buChar char="•"/>
+            </a:pPr>
+            <a:r>
+              <a:rPr lang="en-US" altLang="zh-CN" sz="2800" dirty="0" smtClean="0">
+                <a:latin typeface="Meiryo" panose="020B0604030504040204" pitchFamily="34" charset="-128"/>
+                <a:ea typeface="Meiryo" panose="020B0604030504040204" pitchFamily="34" charset="-128"/>
+                <a:cs typeface="Meiryo" panose="020B0604030504040204" pitchFamily="34" charset="-128"/>
+              </a:rPr>
+              <a:t>Experimental group</a:t>
+            </a:r>
+            <a:r>
+              <a:rPr lang="zh-CN" altLang="en-US" sz="2800" dirty="0" smtClean="0">
+                <a:latin typeface="Meiryo" panose="020B0604030504040204" pitchFamily="34" charset="-128"/>
+                <a:ea typeface="Meiryo" panose="020B0604030504040204" pitchFamily="34" charset="-128"/>
+                <a:cs typeface="Meiryo" panose="020B0604030504040204" pitchFamily="34" charset="-128"/>
+              </a:rPr>
+              <a:t>：</a:t>
+            </a:r>
+            <a:r>
+              <a:rPr lang="en-US" altLang="zh-CN" sz="2800" dirty="0" err="1" smtClean="0">
+                <a:latin typeface="Meiryo" panose="020B0604030504040204" pitchFamily="34" charset="-128"/>
+                <a:ea typeface="Meiryo" panose="020B0604030504040204" pitchFamily="34" charset="-128"/>
+                <a:cs typeface="Meiryo" panose="020B0604030504040204" pitchFamily="34" charset="-128"/>
+              </a:rPr>
+              <a:t>descibe</a:t>
+            </a:r>
+            <a:r>
+              <a:rPr lang="en-US" altLang="zh-CN" sz="2800" dirty="0" smtClean="0">
+                <a:latin typeface="Meiryo" panose="020B0604030504040204" pitchFamily="34" charset="-128"/>
+                <a:ea typeface="Meiryo" panose="020B0604030504040204" pitchFamily="34" charset="-128"/>
+                <a:cs typeface="Meiryo" panose="020B0604030504040204" pitchFamily="34" charset="-128"/>
+              </a:rPr>
+              <a:t> below</a:t>
+            </a:r>
+            <a:endParaRPr lang="en-US" altLang="zh-CN" sz="2800" dirty="0" smtClean="0">
+              <a:latin typeface="Meiryo" panose="020B0604030504040204" pitchFamily="34" charset="-128"/>
+              <a:ea typeface="Meiryo" panose="020B0604030504040204" pitchFamily="34" charset="-128"/>
+              <a:cs typeface="Meiryo" panose="020B0604030504040204" pitchFamily="34" charset="-128"/>
+            </a:endParaRPr>
+          </a:p>
+          <a:p>
+            <a:pPr marL="342900" indent="-342900">
+              <a:lnSpc>
+                <a:spcPct val="200000"/>
+              </a:lnSpc>
+              <a:buFont typeface="Arial" panose="020B0604020202020204" pitchFamily="34" charset="0"/>
+              <a:buChar char="•"/>
+            </a:pPr>
+            <a:r>
+              <a:rPr lang="en-US" altLang="zh-CN" sz="2800" dirty="0" smtClean="0">
+                <a:latin typeface="Meiryo" panose="020B0604030504040204" pitchFamily="34" charset="-128"/>
+                <a:ea typeface="Meiryo" panose="020B0604030504040204" pitchFamily="34" charset="-128"/>
+              </a:rPr>
+              <a:t>Control group: </a:t>
+            </a:r>
+          </a:p>
+          <a:p>
+            <a:pPr marL="800100" lvl="1" indent="-342900">
+              <a:lnSpc>
+                <a:spcPct val="200000"/>
+              </a:lnSpc>
+              <a:buFont typeface="Arial" panose="020B0604020202020204" pitchFamily="34" charset="0"/>
+              <a:buChar char="•"/>
+            </a:pPr>
+            <a:r>
+              <a:rPr lang="en-US" altLang="zh-CN" sz="2800" dirty="0" smtClean="0">
+                <a:latin typeface="Meiryo" panose="020B0604030504040204" pitchFamily="34" charset="-128"/>
+                <a:ea typeface="Meiryo" panose="020B0604030504040204" pitchFamily="34" charset="-128"/>
+              </a:rPr>
+              <a:t>the same object for all trail ( a pear-					shaped object)</a:t>
+            </a:r>
+          </a:p>
+          <a:p>
+            <a:pPr marL="800100" lvl="1" indent="-342900">
+              <a:lnSpc>
+                <a:spcPct val="200000"/>
+              </a:lnSpc>
+              <a:buFont typeface="Arial" panose="020B0604020202020204" pitchFamily="34" charset="0"/>
+              <a:buChar char="•"/>
+            </a:pPr>
+            <a:r>
+              <a:rPr lang="en-US" altLang="zh-CN" sz="2800" dirty="0" smtClean="0">
+                <a:latin typeface="Meiryo" panose="020B0604030504040204" pitchFamily="34" charset="-128"/>
+                <a:ea typeface="Meiryo" panose="020B0604030504040204" pitchFamily="34" charset="-128"/>
+                <a:cs typeface="Meiryo" panose="020B0604030504040204" pitchFamily="34" charset="-128"/>
+              </a:rPr>
+              <a:t>extra cue whe</a:t>
+            </a:r>
+            <a:r>
+              <a:rPr lang="en-US" altLang="zh-CN" sz="2800" dirty="0" smtClean="0">
+                <a:latin typeface="Meiryo" panose="020B0604030504040204" pitchFamily="34" charset="-128"/>
+                <a:ea typeface="Meiryo" panose="020B0604030504040204" pitchFamily="34" charset="-128"/>
+                <a:cs typeface="Meiryo" panose="020B0604030504040204" pitchFamily="34" charset="-128"/>
+              </a:rPr>
+              <a:t>n </a:t>
+            </a:r>
+            <a:r>
+              <a:rPr lang="en-US" altLang="zh-CN" sz="2800" dirty="0" err="1" smtClean="0">
+                <a:latin typeface="Meiryo" panose="020B0604030504040204" pitchFamily="34" charset="-128"/>
+                <a:ea typeface="Meiryo" panose="020B0604030504040204" pitchFamily="34" charset="-128"/>
+                <a:cs typeface="Meiryo" panose="020B0604030504040204" pitchFamily="34" charset="-128"/>
+              </a:rPr>
+              <a:t>recogniton</a:t>
+            </a:r>
+            <a:r>
+              <a:rPr lang="en-US" altLang="zh-CN" sz="2800" dirty="0" smtClean="0">
+                <a:latin typeface="Meiryo" panose="020B0604030504040204" pitchFamily="34" charset="-128"/>
+                <a:ea typeface="Meiryo" panose="020B0604030504040204" pitchFamily="34" charset="-128"/>
+                <a:cs typeface="Meiryo" panose="020B0604030504040204" pitchFamily="34" charset="-128"/>
+              </a:rPr>
+              <a:t> </a:t>
+            </a:r>
+            <a:endParaRPr lang="en-US" altLang="zh-CN" sz="2800" dirty="0">
+              <a:latin typeface="Meiryo" panose="020B0604030504040204" pitchFamily="34" charset="-128"/>
+              <a:ea typeface="Meiryo" panose="020B0604030504040204" pitchFamily="34" charset="-128"/>
+              <a:cs typeface="Meiryo" panose="020B0604030504040204" pitchFamily="34" charset="-128"/>
+            </a:endParaRPr>
+          </a:p>
+        </p:txBody>
+      </p:sp>
+    </p:spTree>
+    <p:extLst>
+      <p:ext uri="{BB962C8B-B14F-4D97-AF65-F5344CB8AC3E}">
+        <p14:creationId xmlns:p14="http://schemas.microsoft.com/office/powerpoint/2010/main" val="1934678614"/>
+      </p:ext>
+    </p:extLst>
+  </p:cSld>
+  <p:clrMapOvr>
+    <a:masterClrMapping/>
+  </p:clrMapOvr>
+  <p:timing>
+    <p:tnLst>
+      <p:par>
+        <p:cTn id="1" dur="indefinite" restart="never" nodeType="tmRoot"/>
+      </p:par>
+    </p:tnLst>
+  </p:timing>
+</p:sld>
+</file>
+
+<file path=ppt/slides/slide23.xml><?xml version="1.0" encoding="utf-8"?>
+<p:sld xmlns:a="http://schemas.openxmlformats.org/drawingml/2006/main" xmlns:r="http://schemas.openxmlformats.org/officeDocument/2006/relationships" xmlns:p="http://schemas.openxmlformats.org/presentationml/2006/main">
+  <p:cSld>
+    <p:spTree>
+      <p:nvGrpSpPr>
+        <p:cNvPr id="1" name=""/>
+        <p:cNvGrpSpPr/>
+        <p:nvPr/>
+      </p:nvGrpSpPr>
+      <p:grpSpPr>
+        <a:xfrm>
+          <a:off x="0" y="0"/>
+          <a:ext cx="0" cy="0"/>
+          <a:chOff x="0" y="0"/>
+          <a:chExt cx="0" cy="0"/>
+        </a:xfrm>
+      </p:grpSpPr>
+      <p:sp>
+        <p:nvSpPr>
+          <p:cNvPr id="29" name="矩形 28"/>
+          <p:cNvSpPr/>
+          <p:nvPr/>
+        </p:nvSpPr>
+        <p:spPr>
+          <a:xfrm>
+            <a:off x="5918899" y="0"/>
+            <a:ext cx="6260123" cy="6858000"/>
+          </a:xfrm>
+          <a:prstGeom prst="rect">
+            <a:avLst/>
+          </a:prstGeom>
+          <a:solidFill>
+            <a:schemeClr val="bg1">
+              <a:lumMod val="95000"/>
+            </a:schemeClr>
+          </a:solidFill>
+          <a:ln>
+            <a:noFill/>
+          </a:ln>
+        </p:spPr>
+        <p:style>
+          <a:lnRef idx="2">
+            <a:schemeClr val="accent1">
+              <a:shade val="50000"/>
+            </a:schemeClr>
+          </a:lnRef>
+          <a:fillRef idx="1">
+            <a:schemeClr val="accent1"/>
+          </a:fillRef>
+          <a:effectRef idx="0">
+            <a:schemeClr val="accent1"/>
+          </a:effectRef>
+          <a:fontRef idx="minor">
+            <a:schemeClr val="lt1"/>
+          </a:fontRef>
+        </p:style>
+        <p:txBody>
+          <a:bodyPr rtlCol="0" anchor="ctr"/>
+          <a:lstStyle/>
+          <a:p>
+            <a:pPr algn="ctr"/>
+            <a:endParaRPr lang="zh-CN" altLang="en-US" dirty="0"/>
+          </a:p>
+        </p:txBody>
+      </p:sp>
+      <p:sp>
+        <p:nvSpPr>
+          <p:cNvPr id="31" name="Rectangle 96"/>
+          <p:cNvSpPr/>
+          <p:nvPr/>
+        </p:nvSpPr>
+        <p:spPr>
+          <a:xfrm>
+            <a:off x="662539" y="1294013"/>
+            <a:ext cx="11068049" cy="5262979"/>
+          </a:xfrm>
+          <a:prstGeom prst="rect">
+            <a:avLst/>
+          </a:prstGeom>
+        </p:spPr>
+        <p:txBody>
+          <a:bodyPr wrap="square">
+            <a:spAutoFit/>
+          </a:bodyPr>
+          <a:lstStyle/>
+          <a:p>
+            <a:pPr marL="285750" indent="-285750">
+              <a:lnSpc>
+                <a:spcPct val="150000"/>
+              </a:lnSpc>
+              <a:buFont typeface="Arial" panose="020B0604020202020204" pitchFamily="34" charset="0"/>
+              <a:buChar char="•"/>
+            </a:pPr>
+            <a:r>
+              <a:rPr lang="en-US" altLang="zh-CN" sz="2800" dirty="0" smtClean="0"/>
+              <a:t>Before 1</a:t>
+            </a:r>
+            <a:r>
+              <a:rPr lang="en-US" altLang="zh-CN" sz="2800" baseline="30000" dirty="0" smtClean="0"/>
+              <a:t>st</a:t>
+            </a:r>
+            <a:r>
+              <a:rPr lang="en-US" altLang="zh-CN" sz="2800" dirty="0" smtClean="0"/>
+              <a:t> session: 5-10 min</a:t>
+            </a:r>
+          </a:p>
+          <a:p>
+            <a:pPr marL="285750" indent="-285750">
+              <a:lnSpc>
+                <a:spcPct val="150000"/>
+              </a:lnSpc>
+              <a:buFont typeface="Arial" panose="020B0604020202020204" pitchFamily="34" charset="0"/>
+              <a:buChar char="•"/>
+            </a:pPr>
+            <a:r>
+              <a:rPr lang="en-US" altLang="zh-CN" sz="2800" dirty="0" smtClean="0"/>
+              <a:t>1</a:t>
+            </a:r>
+            <a:r>
+              <a:rPr lang="en-US" altLang="zh-CN" sz="2800" baseline="30000" dirty="0" smtClean="0"/>
+              <a:t>st</a:t>
+            </a:r>
+            <a:r>
+              <a:rPr lang="en-US" altLang="zh-CN" sz="2800" dirty="0" smtClean="0"/>
+              <a:t> session:</a:t>
+            </a:r>
+          </a:p>
+          <a:p>
+            <a:pPr marL="742950" lvl="1" indent="-285750">
+              <a:lnSpc>
+                <a:spcPct val="150000"/>
+              </a:lnSpc>
+              <a:buFont typeface="Arial" panose="020B0604020202020204" pitchFamily="34" charset="0"/>
+              <a:buChar char="•"/>
+            </a:pPr>
+            <a:r>
+              <a:rPr lang="en-US" altLang="zh-CN" sz="2800" dirty="0" smtClean="0"/>
+              <a:t>Outside th</a:t>
+            </a:r>
+            <a:r>
+              <a:rPr lang="en-US" altLang="zh-CN" sz="2800" dirty="0" smtClean="0"/>
+              <a:t>e scanner</a:t>
+            </a:r>
+          </a:p>
+          <a:p>
+            <a:pPr marL="742950" lvl="1" indent="-285750">
+              <a:lnSpc>
+                <a:spcPct val="150000"/>
+              </a:lnSpc>
+              <a:buFont typeface="Arial" panose="020B0604020202020204" pitchFamily="34" charset="0"/>
+              <a:buChar char="•"/>
+            </a:pPr>
+            <a:r>
+              <a:rPr lang="en-US" altLang="zh-CN" sz="2800" dirty="0" smtClean="0"/>
+              <a:t>Explore the environment(5’20)</a:t>
+            </a:r>
+          </a:p>
+          <a:p>
+            <a:pPr marL="1200150" lvl="2" indent="-285750">
+              <a:lnSpc>
+                <a:spcPct val="150000"/>
+              </a:lnSpc>
+              <a:buFont typeface="Arial" panose="020B0604020202020204" pitchFamily="34" charset="0"/>
+              <a:buChar char="•"/>
+            </a:pPr>
+            <a:r>
+              <a:rPr lang="en-US" altLang="zh-CN" sz="2800" dirty="0" smtClean="0"/>
+              <a:t>Building order: twice, preference, no consecutively</a:t>
+            </a:r>
+          </a:p>
+          <a:p>
+            <a:pPr marL="1200150" lvl="2" indent="-285750">
+              <a:lnSpc>
+                <a:spcPct val="150000"/>
+              </a:lnSpc>
+              <a:buFont typeface="Arial" panose="020B0604020202020204" pitchFamily="34" charset="0"/>
+              <a:buChar char="•"/>
+            </a:pPr>
+            <a:r>
+              <a:rPr lang="en-US" altLang="zh-CN" sz="2800" dirty="0" smtClean="0"/>
+              <a:t>Corner order: green light controlled by </a:t>
+            </a:r>
+            <a:r>
+              <a:rPr lang="en-US" altLang="zh-CN" sz="2800" dirty="0" err="1" smtClean="0"/>
+              <a:t>enpreimenters</a:t>
+            </a:r>
+            <a:endParaRPr lang="en-US" altLang="zh-CN" sz="2800" dirty="0" smtClean="0"/>
+          </a:p>
+          <a:p>
+            <a:pPr marL="742950" lvl="1" indent="-285750">
+              <a:lnSpc>
+                <a:spcPct val="150000"/>
+              </a:lnSpc>
+              <a:buFont typeface="Arial" panose="020B0604020202020204" pitchFamily="34" charset="0"/>
+              <a:buChar char="•"/>
+            </a:pPr>
+            <a:r>
+              <a:rPr lang="en-US" altLang="zh-CN" sz="2800" dirty="0" smtClean="0"/>
+              <a:t>Object recognition task(short-term memory)</a:t>
+            </a:r>
+          </a:p>
+          <a:p>
+            <a:pPr marL="1200150" lvl="2" indent="-285750">
+              <a:lnSpc>
+                <a:spcPct val="150000"/>
+              </a:lnSpc>
+              <a:buFont typeface="Arial" panose="020B0604020202020204" pitchFamily="34" charset="0"/>
+              <a:buChar char="•"/>
+            </a:pPr>
+            <a:r>
+              <a:rPr lang="en-US" altLang="zh-CN" sz="2800" dirty="0" smtClean="0"/>
+              <a:t>In the center of th</a:t>
+            </a:r>
+            <a:r>
+              <a:rPr lang="en-US" altLang="zh-CN" sz="2800" dirty="0" smtClean="0"/>
+              <a:t>e maze with grey wall</a:t>
+            </a:r>
+            <a:endParaRPr lang="en-US" altLang="zh-CN" sz="2800" dirty="0"/>
+          </a:p>
+        </p:txBody>
+      </p:sp>
+      <p:sp>
+        <p:nvSpPr>
+          <p:cNvPr id="6" name="文本框 29"/>
+          <p:cNvSpPr txBox="1"/>
+          <p:nvPr/>
+        </p:nvSpPr>
+        <p:spPr>
+          <a:xfrm>
+            <a:off x="662539" y="294935"/>
+            <a:ext cx="7437521" cy="769441"/>
+          </a:xfrm>
+          <a:prstGeom prst="rect">
+            <a:avLst/>
+          </a:prstGeom>
+          <a:noFill/>
+        </p:spPr>
+        <p:txBody>
+          <a:bodyPr wrap="square" rtlCol="0">
+            <a:spAutoFit/>
+          </a:bodyPr>
+          <a:lstStyle/>
+          <a:p>
+            <a:r>
+              <a:rPr lang="en-US" altLang="zh-CN" sz="4400" b="1" dirty="0" smtClean="0">
+                <a:solidFill>
+                  <a:srgbClr val="00ABB4"/>
+                </a:solidFill>
+                <a:latin typeface="微软雅黑" panose="020B0503020204020204" pitchFamily="34" charset="-122"/>
+                <a:ea typeface="微软雅黑" panose="020B0503020204020204" pitchFamily="34" charset="-122"/>
+              </a:rPr>
+              <a:t>Experimental procedures</a:t>
+            </a:r>
+            <a:endParaRPr lang="en-US" altLang="zh-CN" sz="4400" b="1" dirty="0" smtClean="0">
+              <a:solidFill>
+                <a:srgbClr val="00ABB4"/>
+              </a:solidFill>
+              <a:latin typeface="微软雅黑" panose="020B0503020204020204" pitchFamily="34" charset="-122"/>
+              <a:ea typeface="微软雅黑" panose="020B0503020204020204" pitchFamily="34" charset="-122"/>
+            </a:endParaRPr>
+          </a:p>
+        </p:txBody>
+      </p:sp>
+    </p:spTree>
+    <p:extLst>
+      <p:ext uri="{BB962C8B-B14F-4D97-AF65-F5344CB8AC3E}">
+        <p14:creationId xmlns:p14="http://schemas.microsoft.com/office/powerpoint/2010/main" val="384021068"/>
+      </p:ext>
+    </p:extLst>
+  </p:cSld>
+  <p:clrMapOvr>
+    <a:masterClrMapping/>
+  </p:clrMapOvr>
+  <p:timing>
+    <p:tnLst>
+      <p:par>
+        <p:cTn id="1" dur="indefinite" restart="never" nodeType="tmRoot"/>
+      </p:par>
+    </p:tnLst>
+  </p:timing>
+</p:sld>
+</file>
+
+<file path=ppt/slides/slide24.xml><?xml version="1.0" encoding="utf-8"?>
+<p:sld xmlns:a="http://schemas.openxmlformats.org/drawingml/2006/main" xmlns:r="http://schemas.openxmlformats.org/officeDocument/2006/relationships" xmlns:p="http://schemas.openxmlformats.org/presentationml/2006/main">
+  <p:cSld>
+    <p:spTree>
+      <p:nvGrpSpPr>
+        <p:cNvPr id="1" name=""/>
+        <p:cNvGrpSpPr/>
+        <p:nvPr/>
+      </p:nvGrpSpPr>
+      <p:grpSpPr>
+        <a:xfrm>
+          <a:off x="0" y="0"/>
+          <a:ext cx="0" cy="0"/>
+          <a:chOff x="0" y="0"/>
+          <a:chExt cx="0" cy="0"/>
+        </a:xfrm>
+      </p:grpSpPr>
+      <p:sp>
+        <p:nvSpPr>
+          <p:cNvPr id="29" name="矩形 28"/>
+          <p:cNvSpPr/>
+          <p:nvPr/>
+        </p:nvSpPr>
+        <p:spPr>
+          <a:xfrm>
+            <a:off x="5918899" y="0"/>
+            <a:ext cx="6260123" cy="6858000"/>
+          </a:xfrm>
+          <a:prstGeom prst="rect">
+            <a:avLst/>
+          </a:prstGeom>
+          <a:solidFill>
+            <a:schemeClr val="bg1">
+              <a:lumMod val="95000"/>
+            </a:schemeClr>
+          </a:solidFill>
+          <a:ln>
+            <a:noFill/>
+          </a:ln>
+        </p:spPr>
+        <p:style>
+          <a:lnRef idx="2">
+            <a:schemeClr val="accent1">
+              <a:shade val="50000"/>
+            </a:schemeClr>
+          </a:lnRef>
+          <a:fillRef idx="1">
+            <a:schemeClr val="accent1"/>
+          </a:fillRef>
+          <a:effectRef idx="0">
+            <a:schemeClr val="accent1"/>
+          </a:effectRef>
+          <a:fontRef idx="minor">
+            <a:schemeClr val="lt1"/>
+          </a:fontRef>
+        </p:style>
+        <p:txBody>
+          <a:bodyPr rtlCol="0" anchor="ctr"/>
+          <a:lstStyle/>
+          <a:p>
+            <a:pPr algn="ctr"/>
+            <a:endParaRPr lang="zh-CN" altLang="en-US" dirty="0"/>
+          </a:p>
+        </p:txBody>
+      </p:sp>
+      <p:sp>
+        <p:nvSpPr>
+          <p:cNvPr id="31" name="Rectangle 96"/>
+          <p:cNvSpPr/>
+          <p:nvPr/>
+        </p:nvSpPr>
+        <p:spPr>
+          <a:xfrm>
+            <a:off x="662538" y="311033"/>
+            <a:ext cx="11068049" cy="6555641"/>
+          </a:xfrm>
+          <a:prstGeom prst="rect">
+            <a:avLst/>
+          </a:prstGeom>
+        </p:spPr>
+        <p:txBody>
+          <a:bodyPr wrap="square">
+            <a:spAutoFit/>
+          </a:bodyPr>
+          <a:lstStyle/>
+          <a:p>
+            <a:pPr marL="285750" indent="-285750">
+              <a:lnSpc>
+                <a:spcPct val="150000"/>
+              </a:lnSpc>
+              <a:buFont typeface="Arial" panose="020B0604020202020204" pitchFamily="34" charset="0"/>
+              <a:buChar char="•"/>
+            </a:pPr>
+            <a:r>
+              <a:rPr lang="en-US" altLang="zh-CN" sz="2800" b="1" dirty="0" smtClean="0"/>
+              <a:t>2</a:t>
+            </a:r>
+            <a:r>
+              <a:rPr lang="en-US" altLang="zh-CN" sz="2800" b="1" baseline="30000" dirty="0" smtClean="0"/>
+              <a:t>nd</a:t>
+            </a:r>
+            <a:r>
+              <a:rPr lang="en-US" altLang="zh-CN" sz="2800" b="1" dirty="0" smtClean="0"/>
+              <a:t> </a:t>
+            </a:r>
+            <a:r>
+              <a:rPr lang="en-US" altLang="zh-CN" sz="2800" b="1" dirty="0" err="1" smtClean="0"/>
+              <a:t>sessison</a:t>
+            </a:r>
+            <a:r>
+              <a:rPr lang="en-US" altLang="zh-CN" sz="2800" b="1" dirty="0" smtClean="0"/>
+              <a:t> next day</a:t>
+            </a:r>
+            <a:r>
+              <a:rPr lang="en-US" altLang="zh-CN" sz="2800" dirty="0" smtClean="0"/>
+              <a:t>(24hr later)</a:t>
+            </a:r>
+            <a:r>
+              <a:rPr lang="zh-CN" altLang="en-US" sz="2800" dirty="0" smtClean="0"/>
+              <a:t>：</a:t>
+            </a:r>
+            <a:endParaRPr lang="en-US" altLang="zh-CN" sz="2800" dirty="0" smtClean="0"/>
+          </a:p>
+          <a:p>
+            <a:pPr marL="742950" lvl="1" indent="-285750">
+              <a:lnSpc>
+                <a:spcPct val="150000"/>
+              </a:lnSpc>
+              <a:buFont typeface="Arial" panose="020B0604020202020204" pitchFamily="34" charset="0"/>
+              <a:buChar char="•"/>
+            </a:pPr>
+            <a:r>
+              <a:rPr lang="en-US" altLang="zh-CN" sz="2800" dirty="0" smtClean="0"/>
+              <a:t>Subjects with at least 70% correct performance</a:t>
+            </a:r>
+            <a:endParaRPr lang="en-US" altLang="zh-CN" sz="2800" dirty="0" smtClean="0"/>
+          </a:p>
+          <a:p>
+            <a:pPr marL="742950" lvl="1" indent="-285750">
+              <a:lnSpc>
+                <a:spcPct val="150000"/>
+              </a:lnSpc>
+              <a:buFont typeface="Arial" panose="020B0604020202020204" pitchFamily="34" charset="0"/>
+              <a:buChar char="•"/>
+            </a:pPr>
+            <a:r>
+              <a:rPr lang="en-US" altLang="zh-CN" sz="2800" dirty="0" smtClean="0"/>
+              <a:t>Inside the scanner</a:t>
+            </a:r>
+          </a:p>
+          <a:p>
+            <a:pPr marL="742950" lvl="1" indent="-285750">
+              <a:lnSpc>
+                <a:spcPct val="150000"/>
+              </a:lnSpc>
+              <a:buFont typeface="Arial" panose="020B0604020202020204" pitchFamily="34" charset="0"/>
+              <a:buChar char="•"/>
+            </a:pPr>
+            <a:r>
+              <a:rPr lang="en-US" altLang="zh-CN" sz="2800" dirty="0" smtClean="0"/>
+              <a:t>Explore(2’40)</a:t>
+            </a:r>
+          </a:p>
+          <a:p>
+            <a:pPr marL="742950" lvl="1" indent="-285750">
+              <a:lnSpc>
+                <a:spcPct val="150000"/>
+              </a:lnSpc>
+              <a:buFont typeface="Arial" panose="020B0604020202020204" pitchFamily="34" charset="0"/>
+              <a:buChar char="•"/>
+            </a:pPr>
+            <a:r>
+              <a:rPr lang="en-US" altLang="zh-CN" sz="2800" dirty="0" smtClean="0"/>
+              <a:t>80 trails : alternate between </a:t>
+            </a:r>
+            <a:r>
+              <a:rPr lang="en-US" altLang="zh-CN" sz="2800" dirty="0" err="1" smtClean="0"/>
+              <a:t>exp</a:t>
+            </a:r>
+            <a:r>
+              <a:rPr lang="en-US" altLang="zh-CN" sz="2800" dirty="0" smtClean="0"/>
+              <a:t> and ctrl trails</a:t>
+            </a:r>
+          </a:p>
+          <a:p>
+            <a:pPr marL="742950" lvl="1" indent="-285750">
+              <a:lnSpc>
+                <a:spcPct val="150000"/>
+              </a:lnSpc>
+              <a:buFont typeface="Arial" panose="020B0604020202020204" pitchFamily="34" charset="0"/>
+              <a:buChar char="•"/>
+            </a:pPr>
+            <a:r>
+              <a:rPr lang="en-US" altLang="zh-CN" sz="2800" dirty="0" smtClean="0"/>
+              <a:t>Each trail contains 3 periods:	</a:t>
+            </a:r>
+          </a:p>
+          <a:p>
+            <a:pPr marL="1428750" lvl="2" indent="-514350">
+              <a:lnSpc>
+                <a:spcPct val="150000"/>
+              </a:lnSpc>
+              <a:buFont typeface="+mj-ea"/>
+              <a:buAutoNum type="circleNumDbPlain"/>
+            </a:pPr>
+            <a:r>
+              <a:rPr lang="en-US" altLang="zh-CN" sz="2800" dirty="0" smtClean="0"/>
+              <a:t>Object-cuing period(11,2 </a:t>
+            </a:r>
+            <a:r>
+              <a:rPr lang="en-US" altLang="zh-CN" sz="2800" dirty="0" smtClean="0">
+                <a:sym typeface="Wingdings" pitchFamily="2" charset="2"/>
+              </a:rPr>
+              <a:t></a:t>
+            </a:r>
+            <a:r>
+              <a:rPr lang="en-US" altLang="zh-CN" sz="2800" dirty="0" smtClean="0"/>
+              <a:t> 4TR)</a:t>
+            </a:r>
+          </a:p>
+          <a:p>
+            <a:pPr marL="1428750" lvl="2" indent="-514350">
+              <a:lnSpc>
+                <a:spcPct val="150000"/>
+              </a:lnSpc>
+              <a:buFont typeface="+mj-ea"/>
+              <a:buAutoNum type="circleNumDbPlain"/>
+            </a:pPr>
+            <a:r>
+              <a:rPr lang="en-US" altLang="zh-CN" sz="2800" dirty="0" smtClean="0"/>
+              <a:t>Object-cued place </a:t>
+            </a:r>
+            <a:r>
+              <a:rPr lang="en-US" altLang="zh-CN" sz="2800" dirty="0" err="1" smtClean="0"/>
+              <a:t>recogniton</a:t>
+            </a:r>
+            <a:r>
+              <a:rPr lang="en-US" altLang="zh-CN" sz="2800" dirty="0" smtClean="0"/>
+              <a:t> period(at most 11.2)</a:t>
+            </a:r>
+          </a:p>
+          <a:p>
+            <a:pPr marL="1428750" lvl="2" indent="-514350">
+              <a:lnSpc>
+                <a:spcPct val="150000"/>
+              </a:lnSpc>
+              <a:buFont typeface="+mj-ea"/>
+              <a:buAutoNum type="circleNumDbPlain"/>
+            </a:pPr>
+            <a:r>
+              <a:rPr lang="en-US" altLang="zh-CN" sz="2800" dirty="0" smtClean="0"/>
+              <a:t>Spatial navigation period(11.1 in average)</a:t>
+            </a:r>
+          </a:p>
+          <a:p>
+            <a:pPr marL="971550" lvl="1" indent="-514350">
+              <a:lnSpc>
+                <a:spcPct val="150000"/>
+              </a:lnSpc>
+              <a:buFont typeface="Arial" pitchFamily="34" charset="0"/>
+              <a:buChar char="•"/>
+            </a:pPr>
+            <a:r>
+              <a:rPr lang="en-US" altLang="zh-CN" sz="2800" dirty="0" err="1" smtClean="0"/>
+              <a:t>Intertrail</a:t>
+            </a:r>
+            <a:r>
+              <a:rPr lang="en-US" altLang="zh-CN" sz="2800" dirty="0" smtClean="0"/>
+              <a:t> interval period: 2.8~5.6</a:t>
+            </a:r>
+            <a:endParaRPr lang="en-US" altLang="zh-CN" sz="2800" dirty="0"/>
+          </a:p>
+        </p:txBody>
+      </p:sp>
+    </p:spTree>
+    <p:extLst>
+      <p:ext uri="{BB962C8B-B14F-4D97-AF65-F5344CB8AC3E}">
+        <p14:creationId xmlns:p14="http://schemas.microsoft.com/office/powerpoint/2010/main" val="2086017251"/>
+      </p:ext>
+    </p:extLst>
+  </p:cSld>
+  <p:clrMapOvr>
+    <a:masterClrMapping/>
+  </p:clrMapOvr>
+  <p:timing>
+    <p:tnLst>
+      <p:par>
+        <p:cTn id="1" dur="indefinite" restart="never" nodeType="tmRoot"/>
+      </p:par>
+    </p:tnLst>
+  </p:timing>
+</p:sld>
+</file>
+
+<file path=ppt/slides/slide25.xml><?xml version="1.0" encoding="utf-8"?>
+<p:sld xmlns:a="http://schemas.openxmlformats.org/drawingml/2006/main" xmlns:r="http://schemas.openxmlformats.org/officeDocument/2006/relationships" xmlns:p="http://schemas.openxmlformats.org/presentationml/2006/main">
+  <p:cSld>
+    <p:spTree>
+      <p:nvGrpSpPr>
+        <p:cNvPr id="1" name=""/>
+        <p:cNvGrpSpPr/>
+        <p:nvPr/>
+      </p:nvGrpSpPr>
+      <p:grpSpPr>
+        <a:xfrm>
+          <a:off x="0" y="0"/>
+          <a:ext cx="0" cy="0"/>
+          <a:chOff x="0" y="0"/>
+          <a:chExt cx="0" cy="0"/>
+        </a:xfrm>
+      </p:grpSpPr>
       <p:pic>
         <p:nvPicPr>
           <p:cNvPr id="2051" name="Picture 2"/>
@@ -14776,8 +17120,8 @@
         </p:blipFill>
         <p:spPr bwMode="auto">
           <a:xfrm>
-            <a:off x="2043429" y="1634662"/>
-            <a:ext cx="7867334" cy="3663360"/>
+            <a:off x="396399" y="571500"/>
+            <a:ext cx="11426984" cy="5320882"/>
           </a:xfrm>
           <a:prstGeom prst="rect">
             <a:avLst/>
@@ -14823,1170 +17167,10 @@
           </a:ln>
         </p:spPr>
       </p:pic>
-      <p:sp>
-        <p:nvSpPr>
-          <p:cNvPr id="2053" name="Text Box 4"/>
-          <p:cNvSpPr txBox="1">
-            <a:spLocks noChangeArrowheads="1"/>
-          </p:cNvSpPr>
-          <p:nvPr/>
-        </p:nvSpPr>
-        <p:spPr bwMode="auto">
-          <a:xfrm>
-            <a:off x="153601" y="6205612"/>
-            <a:ext cx="8336640" cy="505493"/>
-          </a:xfrm>
-          <a:prstGeom prst="rect">
-            <a:avLst/>
-          </a:prstGeom>
-          <a:noFill/>
-          <a:ln w="9525">
-            <a:noFill/>
-            <a:round/>
-            <a:headEnd/>
-            <a:tailEnd/>
-          </a:ln>
-        </p:spPr>
-        <p:txBody>
-          <a:bodyPr lIns="90000" tIns="54702" rIns="90000" bIns="45000"/>
-          <a:lstStyle/>
-          <a:p>
-            <a:pPr>
-              <a:tabLst>
-                <a:tab pos="723900" algn="l"/>
-                <a:tab pos="1447800" algn="l"/>
-                <a:tab pos="2171700" algn="l"/>
-                <a:tab pos="2895600" algn="l"/>
-                <a:tab pos="3619500" algn="l"/>
-                <a:tab pos="4343400" algn="l"/>
-                <a:tab pos="5067300" algn="l"/>
-                <a:tab pos="5791200" algn="l"/>
-                <a:tab pos="6515100" algn="l"/>
-              </a:tabLst>
-            </a:pPr>
-            <a:r>
-              <a:rPr lang="en-GB" sz="1100" b="1">
-                <a:solidFill>
-                  <a:srgbClr val="000000"/>
-                </a:solidFill>
-              </a:rPr>
-              <a:t>Hippocampus</a:t>
-            </a:r>
-            <a:r>
-              <a:rPr lang="en-GB" sz="1100">
-                <a:solidFill>
-                  <a:srgbClr val="000000"/>
-                </a:solidFill>
-              </a:rPr>
-              <a:t/>
-            </a:r>
-            <a:br>
-              <a:rPr lang="en-GB" sz="1100">
-                <a:solidFill>
-                  <a:srgbClr val="000000"/>
-                </a:solidFill>
-              </a:rPr>
-            </a:br>
-            <a:r>
-              <a:rPr lang="en-GB" sz="1100">
-                <a:solidFill>
-                  <a:srgbClr val="000000"/>
-                </a:solidFill>
-                <a:hlinkClick r:id="rId5"/>
-              </a:rPr>
-              <a:t>Volume 26, Issue 8, </a:t>
-            </a:r>
-            <a:r>
-              <a:rPr lang="en-GB" sz="1100">
-                <a:solidFill>
-                  <a:srgbClr val="000000"/>
-                </a:solidFill>
-              </a:rPr>
-              <a:t>pages 1061-1077, 9 APR 2016 DOI: 10.1002/hipo.22587</a:t>
-            </a:r>
-            <a:br>
-              <a:rPr lang="en-GB" sz="1100">
-                <a:solidFill>
-                  <a:srgbClr val="000000"/>
-                </a:solidFill>
-              </a:rPr>
-            </a:br>
-            <a:r>
-              <a:rPr lang="en-GB" sz="1100">
-                <a:solidFill>
-                  <a:srgbClr val="000000"/>
-                </a:solidFill>
-                <a:hlinkClick r:id="rId6"/>
-              </a:rPr>
-              <a:t>http://onlinelibrary.wiley.com/doi/10.1002/hipo.22587/full#hipo22587-fig-0002</a:t>
-            </a:r>
-          </a:p>
-        </p:txBody>
-      </p:sp>
     </p:spTree>
     <p:extLst>
       <p:ext uri="{BB962C8B-B14F-4D97-AF65-F5344CB8AC3E}">
         <p14:creationId xmlns:p14="http://schemas.microsoft.com/office/powerpoint/2010/main" val="2105019529"/>
-      </p:ext>
-    </p:extLst>
-  </p:cSld>
-  <p:clrMapOvr>
-    <a:masterClrMapping/>
-  </p:clrMapOvr>
-  <p:transition spd="med"/>
-  <p:timing>
-    <p:tnLst>
-      <p:par>
-        <p:cTn id="1" dur="indefinite" restart="never" nodeType="tmRoot">
-          <p:childTnLst>
-            <p:seq concurrent="1" nextAc="seek">
-              <p:cTn id="2" dur="0" nodeType="mainSeq"/>
-              <p:prevCondLst>
-                <p:cond evt="onPrev" delay="0">
-                  <p:tgtEl>
-                    <p:sldTgt/>
-                  </p:tgtEl>
-                </p:cond>
-              </p:prevCondLst>
-              <p:nextCondLst>
-                <p:cond evt="onNext" delay="0">
-                  <p:tgtEl>
-                    <p:sldTgt/>
-                  </p:tgtEl>
-                </p:cond>
-              </p:nextCondLst>
-            </p:seq>
-          </p:childTnLst>
-        </p:cTn>
-      </p:par>
-    </p:tnLst>
-  </p:timing>
-</p:sld>
-</file>
-
-<file path=ppt/slides/slide22.xml><?xml version="1.0" encoding="utf-8"?>
-<p:sld xmlns:a="http://schemas.openxmlformats.org/drawingml/2006/main" xmlns:r="http://schemas.openxmlformats.org/officeDocument/2006/relationships" xmlns:p="http://schemas.openxmlformats.org/presentationml/2006/main">
-  <p:cSld>
-    <p:spTree>
-      <p:nvGrpSpPr>
-        <p:cNvPr id="1" name=""/>
-        <p:cNvGrpSpPr/>
-        <p:nvPr/>
-      </p:nvGrpSpPr>
-      <p:grpSpPr>
-        <a:xfrm>
-          <a:off x="0" y="0"/>
-          <a:ext cx="0" cy="0"/>
-          <a:chOff x="0" y="0"/>
-          <a:chExt cx="0" cy="0"/>
-        </a:xfrm>
-      </p:grpSpPr>
-      <p:sp>
-        <p:nvSpPr>
-          <p:cNvPr id="2050" name="Rectangle 1"/>
-          <p:cNvSpPr>
-            <a:spLocks noGrp="1" noChangeArrowheads="1"/>
-          </p:cNvSpPr>
-          <p:nvPr>
-            <p:ph type="title"/>
-          </p:nvPr>
-        </p:nvSpPr>
-        <p:spPr>
-          <a:xfrm>
-            <a:off x="566401" y="419084"/>
-            <a:ext cx="10970880" cy="724396"/>
-          </a:xfrm>
-        </p:spPr>
-        <p:txBody>
-          <a:bodyPr tIns="14112"/>
-          <a:lstStyle/>
-          <a:p>
-            <a:pPr eaLnBrk="1">
-              <a:tabLst>
-                <a:tab pos="723900" algn="l"/>
-                <a:tab pos="1447800" algn="l"/>
-                <a:tab pos="2171700" algn="l"/>
-                <a:tab pos="2895600" algn="l"/>
-                <a:tab pos="3619500" algn="l"/>
-                <a:tab pos="4343400" algn="l"/>
-                <a:tab pos="5067300" algn="l"/>
-                <a:tab pos="5791200" algn="l"/>
-                <a:tab pos="6515100" algn="l"/>
-                <a:tab pos="7239000" algn="l"/>
-                <a:tab pos="7962900" algn="l"/>
-                <a:tab pos="8686800" algn="l"/>
-              </a:tabLst>
-            </a:pPr>
-            <a:r>
-              <a:rPr lang="en-GB" sz="1600" b="1" smtClean="0"/>
-              <a:t>Functional cross‐hemispheric shift between object‐place paired associate memory and spatial memory in the human hippocampus</a:t>
-            </a:r>
-          </a:p>
-        </p:txBody>
-      </p:sp>
-      <p:pic>
-        <p:nvPicPr>
-          <p:cNvPr id="2051" name="Picture 2"/>
-          <p:cNvPicPr>
-            <a:picLocks noChangeAspect="1" noChangeArrowheads="1"/>
-          </p:cNvPicPr>
-          <p:nvPr/>
-        </p:nvPicPr>
-        <p:blipFill>
-          <a:blip r:embed="rId3" cstate="print"/>
-          <a:srcRect/>
-          <a:stretch>
-            <a:fillRect/>
-          </a:stretch>
-        </p:blipFill>
-        <p:spPr bwMode="auto">
-          <a:xfrm>
-            <a:off x="2043429" y="2442502"/>
-            <a:ext cx="7867334" cy="2047680"/>
-          </a:xfrm>
-          <a:prstGeom prst="rect">
-            <a:avLst/>
-          </a:prstGeom>
-          <a:noFill/>
-          <a:ln w="9525">
-            <a:noFill/>
-            <a:round/>
-            <a:headEnd/>
-            <a:tailEnd/>
-          </a:ln>
-        </p:spPr>
-      </p:pic>
-      <p:pic>
-        <p:nvPicPr>
-          <p:cNvPr id="2052" name="Picture 3"/>
-          <p:cNvPicPr>
-            <a:picLocks noChangeAspect="1" noChangeArrowheads="1"/>
-          </p:cNvPicPr>
-          <p:nvPr/>
-        </p:nvPicPr>
-        <p:blipFill>
-          <a:blip r:embed="rId4" cstate="print"/>
-          <a:srcRect/>
-          <a:stretch>
-            <a:fillRect/>
-          </a:stretch>
-        </p:blipFill>
-        <p:spPr bwMode="auto">
-          <a:xfrm>
-            <a:off x="0" y="0"/>
-            <a:ext cx="0" cy="0"/>
-          </a:xfrm>
-          <a:prstGeom prst="rect">
-            <a:avLst/>
-          </a:prstGeom>
-          <a:noFill/>
-          <a:ln w="9525">
-            <a:noFill/>
-            <a:round/>
-            <a:headEnd/>
-            <a:tailEnd/>
-          </a:ln>
-        </p:spPr>
-      </p:pic>
-      <p:sp>
-        <p:nvSpPr>
-          <p:cNvPr id="2053" name="Text Box 4"/>
-          <p:cNvSpPr txBox="1">
-            <a:spLocks noChangeArrowheads="1"/>
-          </p:cNvSpPr>
-          <p:nvPr/>
-        </p:nvSpPr>
-        <p:spPr bwMode="auto">
-          <a:xfrm>
-            <a:off x="153601" y="6205612"/>
-            <a:ext cx="8336640" cy="505493"/>
-          </a:xfrm>
-          <a:prstGeom prst="rect">
-            <a:avLst/>
-          </a:prstGeom>
-          <a:noFill/>
-          <a:ln w="9525">
-            <a:noFill/>
-            <a:round/>
-            <a:headEnd/>
-            <a:tailEnd/>
-          </a:ln>
-        </p:spPr>
-        <p:txBody>
-          <a:bodyPr lIns="90000" tIns="54702" rIns="90000" bIns="45000"/>
-          <a:lstStyle/>
-          <a:p>
-            <a:pPr>
-              <a:tabLst>
-                <a:tab pos="723900" algn="l"/>
-                <a:tab pos="1447800" algn="l"/>
-                <a:tab pos="2171700" algn="l"/>
-                <a:tab pos="2895600" algn="l"/>
-                <a:tab pos="3619500" algn="l"/>
-                <a:tab pos="4343400" algn="l"/>
-                <a:tab pos="5067300" algn="l"/>
-                <a:tab pos="5791200" algn="l"/>
-                <a:tab pos="6515100" algn="l"/>
-              </a:tabLst>
-            </a:pPr>
-            <a:r>
-              <a:rPr lang="en-GB" sz="1100" b="1">
-                <a:solidFill>
-                  <a:srgbClr val="000000"/>
-                </a:solidFill>
-              </a:rPr>
-              <a:t>Hippocampus</a:t>
-            </a:r>
-            <a:r>
-              <a:rPr lang="en-GB" sz="1100">
-                <a:solidFill>
-                  <a:srgbClr val="000000"/>
-                </a:solidFill>
-              </a:rPr>
-              <a:t/>
-            </a:r>
-            <a:br>
-              <a:rPr lang="en-GB" sz="1100">
-                <a:solidFill>
-                  <a:srgbClr val="000000"/>
-                </a:solidFill>
-              </a:rPr>
-            </a:br>
-            <a:r>
-              <a:rPr lang="en-GB" sz="1100">
-                <a:solidFill>
-                  <a:srgbClr val="000000"/>
-                </a:solidFill>
-                <a:hlinkClick r:id="rId5"/>
-              </a:rPr>
-              <a:t>Volume 26, Issue 8, </a:t>
-            </a:r>
-            <a:r>
-              <a:rPr lang="en-GB" sz="1100">
-                <a:solidFill>
-                  <a:srgbClr val="000000"/>
-                </a:solidFill>
-              </a:rPr>
-              <a:t>pages 1061-1077, 9 APR 2016 DOI: 10.1002/hipo.22587</a:t>
-            </a:r>
-            <a:br>
-              <a:rPr lang="en-GB" sz="1100">
-                <a:solidFill>
-                  <a:srgbClr val="000000"/>
-                </a:solidFill>
-              </a:rPr>
-            </a:br>
-            <a:r>
-              <a:rPr lang="en-GB" sz="1100">
-                <a:solidFill>
-                  <a:srgbClr val="000000"/>
-                </a:solidFill>
-                <a:hlinkClick r:id="rId6"/>
-              </a:rPr>
-              <a:t>http://onlinelibrary.wiley.com/doi/10.1002/hipo.22587/full#hipo22587-fig-0003</a:t>
-            </a:r>
-          </a:p>
-        </p:txBody>
-      </p:sp>
-    </p:spTree>
-    <p:extLst>
-      <p:ext uri="{BB962C8B-B14F-4D97-AF65-F5344CB8AC3E}">
-        <p14:creationId xmlns:p14="http://schemas.microsoft.com/office/powerpoint/2010/main" val="3312053812"/>
-      </p:ext>
-    </p:extLst>
-  </p:cSld>
-  <p:clrMapOvr>
-    <a:masterClrMapping/>
-  </p:clrMapOvr>
-  <p:transition spd="med"/>
-  <p:timing>
-    <p:tnLst>
-      <p:par>
-        <p:cTn id="1" dur="indefinite" restart="never" nodeType="tmRoot">
-          <p:childTnLst>
-            <p:seq concurrent="1" nextAc="seek">
-              <p:cTn id="2" dur="0" nodeType="mainSeq"/>
-              <p:prevCondLst>
-                <p:cond evt="onPrev" delay="0">
-                  <p:tgtEl>
-                    <p:sldTgt/>
-                  </p:tgtEl>
-                </p:cond>
-              </p:prevCondLst>
-              <p:nextCondLst>
-                <p:cond evt="onNext" delay="0">
-                  <p:tgtEl>
-                    <p:sldTgt/>
-                  </p:tgtEl>
-                </p:cond>
-              </p:nextCondLst>
-            </p:seq>
-          </p:childTnLst>
-        </p:cTn>
-      </p:par>
-    </p:tnLst>
-  </p:timing>
-</p:sld>
-</file>
-
-<file path=ppt/slides/slide23.xml><?xml version="1.0" encoding="utf-8"?>
-<p:sld xmlns:a="http://schemas.openxmlformats.org/drawingml/2006/main" xmlns:r="http://schemas.openxmlformats.org/officeDocument/2006/relationships" xmlns:p="http://schemas.openxmlformats.org/presentationml/2006/main">
-  <p:cSld>
-    <p:spTree>
-      <p:nvGrpSpPr>
-        <p:cNvPr id="1" name=""/>
-        <p:cNvGrpSpPr/>
-        <p:nvPr/>
-      </p:nvGrpSpPr>
-      <p:grpSpPr>
-        <a:xfrm>
-          <a:off x="0" y="0"/>
-          <a:ext cx="0" cy="0"/>
-          <a:chOff x="0" y="0"/>
-          <a:chExt cx="0" cy="0"/>
-        </a:xfrm>
-      </p:grpSpPr>
-      <p:sp>
-        <p:nvSpPr>
-          <p:cNvPr id="2050" name="Rectangle 1"/>
-          <p:cNvSpPr>
-            <a:spLocks noGrp="1" noChangeArrowheads="1"/>
-          </p:cNvSpPr>
-          <p:nvPr>
-            <p:ph type="title"/>
-          </p:nvPr>
-        </p:nvSpPr>
-        <p:spPr>
-          <a:xfrm>
-            <a:off x="566401" y="419084"/>
-            <a:ext cx="10970880" cy="724396"/>
-          </a:xfrm>
-        </p:spPr>
-        <p:txBody>
-          <a:bodyPr tIns="14112"/>
-          <a:lstStyle/>
-          <a:p>
-            <a:pPr eaLnBrk="1">
-              <a:tabLst>
-                <a:tab pos="723900" algn="l"/>
-                <a:tab pos="1447800" algn="l"/>
-                <a:tab pos="2171700" algn="l"/>
-                <a:tab pos="2895600" algn="l"/>
-                <a:tab pos="3619500" algn="l"/>
-                <a:tab pos="4343400" algn="l"/>
-                <a:tab pos="5067300" algn="l"/>
-                <a:tab pos="5791200" algn="l"/>
-                <a:tab pos="6515100" algn="l"/>
-                <a:tab pos="7239000" algn="l"/>
-                <a:tab pos="7962900" algn="l"/>
-                <a:tab pos="8686800" algn="l"/>
-              </a:tabLst>
-            </a:pPr>
-            <a:r>
-              <a:rPr lang="en-GB" sz="1600" b="1" smtClean="0"/>
-              <a:t>Functional cross‐hemispheric shift between object‐place paired associate memory and spatial memory in the human hippocampus</a:t>
-            </a:r>
-          </a:p>
-        </p:txBody>
-      </p:sp>
-      <p:pic>
-        <p:nvPicPr>
-          <p:cNvPr id="2051" name="Picture 2"/>
-          <p:cNvPicPr>
-            <a:picLocks noChangeAspect="1" noChangeArrowheads="1"/>
-          </p:cNvPicPr>
-          <p:nvPr/>
-        </p:nvPicPr>
-        <p:blipFill>
-          <a:blip r:embed="rId3" cstate="print"/>
-          <a:srcRect/>
-          <a:stretch>
-            <a:fillRect/>
-          </a:stretch>
-        </p:blipFill>
-        <p:spPr bwMode="auto">
-          <a:xfrm>
-            <a:off x="2043429" y="1785862"/>
-            <a:ext cx="7867334" cy="3360960"/>
-          </a:xfrm>
-          <a:prstGeom prst="rect">
-            <a:avLst/>
-          </a:prstGeom>
-          <a:noFill/>
-          <a:ln w="9525">
-            <a:noFill/>
-            <a:round/>
-            <a:headEnd/>
-            <a:tailEnd/>
-          </a:ln>
-        </p:spPr>
-      </p:pic>
-      <p:pic>
-        <p:nvPicPr>
-          <p:cNvPr id="2052" name="Picture 3"/>
-          <p:cNvPicPr>
-            <a:picLocks noChangeAspect="1" noChangeArrowheads="1"/>
-          </p:cNvPicPr>
-          <p:nvPr/>
-        </p:nvPicPr>
-        <p:blipFill>
-          <a:blip r:embed="rId4" cstate="print"/>
-          <a:srcRect/>
-          <a:stretch>
-            <a:fillRect/>
-          </a:stretch>
-        </p:blipFill>
-        <p:spPr bwMode="auto">
-          <a:xfrm>
-            <a:off x="0" y="0"/>
-            <a:ext cx="0" cy="0"/>
-          </a:xfrm>
-          <a:prstGeom prst="rect">
-            <a:avLst/>
-          </a:prstGeom>
-          <a:noFill/>
-          <a:ln w="9525">
-            <a:noFill/>
-            <a:round/>
-            <a:headEnd/>
-            <a:tailEnd/>
-          </a:ln>
-        </p:spPr>
-      </p:pic>
-      <p:sp>
-        <p:nvSpPr>
-          <p:cNvPr id="2053" name="Text Box 4"/>
-          <p:cNvSpPr txBox="1">
-            <a:spLocks noChangeArrowheads="1"/>
-          </p:cNvSpPr>
-          <p:nvPr/>
-        </p:nvSpPr>
-        <p:spPr bwMode="auto">
-          <a:xfrm>
-            <a:off x="153601" y="6205612"/>
-            <a:ext cx="8336640" cy="505493"/>
-          </a:xfrm>
-          <a:prstGeom prst="rect">
-            <a:avLst/>
-          </a:prstGeom>
-          <a:noFill/>
-          <a:ln w="9525">
-            <a:noFill/>
-            <a:round/>
-            <a:headEnd/>
-            <a:tailEnd/>
-          </a:ln>
-        </p:spPr>
-        <p:txBody>
-          <a:bodyPr lIns="90000" tIns="54702" rIns="90000" bIns="45000"/>
-          <a:lstStyle/>
-          <a:p>
-            <a:pPr>
-              <a:tabLst>
-                <a:tab pos="723900" algn="l"/>
-                <a:tab pos="1447800" algn="l"/>
-                <a:tab pos="2171700" algn="l"/>
-                <a:tab pos="2895600" algn="l"/>
-                <a:tab pos="3619500" algn="l"/>
-                <a:tab pos="4343400" algn="l"/>
-                <a:tab pos="5067300" algn="l"/>
-                <a:tab pos="5791200" algn="l"/>
-                <a:tab pos="6515100" algn="l"/>
-              </a:tabLst>
-            </a:pPr>
-            <a:r>
-              <a:rPr lang="en-GB" sz="1100" b="1">
-                <a:solidFill>
-                  <a:srgbClr val="000000"/>
-                </a:solidFill>
-              </a:rPr>
-              <a:t>Hippocampus</a:t>
-            </a:r>
-            <a:r>
-              <a:rPr lang="en-GB" sz="1100">
-                <a:solidFill>
-                  <a:srgbClr val="000000"/>
-                </a:solidFill>
-              </a:rPr>
-              <a:t/>
-            </a:r>
-            <a:br>
-              <a:rPr lang="en-GB" sz="1100">
-                <a:solidFill>
-                  <a:srgbClr val="000000"/>
-                </a:solidFill>
-              </a:rPr>
-            </a:br>
-            <a:r>
-              <a:rPr lang="en-GB" sz="1100">
-                <a:solidFill>
-                  <a:srgbClr val="000000"/>
-                </a:solidFill>
-                <a:hlinkClick r:id="rId5"/>
-              </a:rPr>
-              <a:t>Volume 26, Issue 8, </a:t>
-            </a:r>
-            <a:r>
-              <a:rPr lang="en-GB" sz="1100">
-                <a:solidFill>
-                  <a:srgbClr val="000000"/>
-                </a:solidFill>
-              </a:rPr>
-              <a:t>pages 1061-1077, 9 APR 2016 DOI: 10.1002/hipo.22587</a:t>
-            </a:r>
-            <a:br>
-              <a:rPr lang="en-GB" sz="1100">
-                <a:solidFill>
-                  <a:srgbClr val="000000"/>
-                </a:solidFill>
-              </a:rPr>
-            </a:br>
-            <a:r>
-              <a:rPr lang="en-GB" sz="1100">
-                <a:solidFill>
-                  <a:srgbClr val="000000"/>
-                </a:solidFill>
-                <a:hlinkClick r:id="rId6"/>
-              </a:rPr>
-              <a:t>http://onlinelibrary.wiley.com/doi/10.1002/hipo.22587/full#hipo22587-fig-0004</a:t>
-            </a:r>
-          </a:p>
-        </p:txBody>
-      </p:sp>
-    </p:spTree>
-    <p:extLst>
-      <p:ext uri="{BB962C8B-B14F-4D97-AF65-F5344CB8AC3E}">
-        <p14:creationId xmlns:p14="http://schemas.microsoft.com/office/powerpoint/2010/main" val="4197774723"/>
-      </p:ext>
-    </p:extLst>
-  </p:cSld>
-  <p:clrMapOvr>
-    <a:masterClrMapping/>
-  </p:clrMapOvr>
-  <p:transition spd="med"/>
-  <p:timing>
-    <p:tnLst>
-      <p:par>
-        <p:cTn id="1" dur="indefinite" restart="never" nodeType="tmRoot">
-          <p:childTnLst>
-            <p:seq concurrent="1" nextAc="seek">
-              <p:cTn id="2" dur="0" nodeType="mainSeq"/>
-              <p:prevCondLst>
-                <p:cond evt="onPrev" delay="0">
-                  <p:tgtEl>
-                    <p:sldTgt/>
-                  </p:tgtEl>
-                </p:cond>
-              </p:prevCondLst>
-              <p:nextCondLst>
-                <p:cond evt="onNext" delay="0">
-                  <p:tgtEl>
-                    <p:sldTgt/>
-                  </p:tgtEl>
-                </p:cond>
-              </p:nextCondLst>
-            </p:seq>
-          </p:childTnLst>
-        </p:cTn>
-      </p:par>
-    </p:tnLst>
-  </p:timing>
-</p:sld>
-</file>
-
-<file path=ppt/slides/slide24.xml><?xml version="1.0" encoding="utf-8"?>
-<p:sld xmlns:a="http://schemas.openxmlformats.org/drawingml/2006/main" xmlns:r="http://schemas.openxmlformats.org/officeDocument/2006/relationships" xmlns:p="http://schemas.openxmlformats.org/presentationml/2006/main">
-  <p:cSld>
-    <p:spTree>
-      <p:nvGrpSpPr>
-        <p:cNvPr id="1" name=""/>
-        <p:cNvGrpSpPr/>
-        <p:nvPr/>
-      </p:nvGrpSpPr>
-      <p:grpSpPr>
-        <a:xfrm>
-          <a:off x="0" y="0"/>
-          <a:ext cx="0" cy="0"/>
-          <a:chOff x="0" y="0"/>
-          <a:chExt cx="0" cy="0"/>
-        </a:xfrm>
-      </p:grpSpPr>
-      <p:sp>
-        <p:nvSpPr>
-          <p:cNvPr id="2050" name="Rectangle 1"/>
-          <p:cNvSpPr>
-            <a:spLocks noGrp="1" noChangeArrowheads="1"/>
-          </p:cNvSpPr>
-          <p:nvPr>
-            <p:ph type="title"/>
-          </p:nvPr>
-        </p:nvSpPr>
-        <p:spPr>
-          <a:xfrm>
-            <a:off x="566401" y="419084"/>
-            <a:ext cx="10970880" cy="724396"/>
-          </a:xfrm>
-        </p:spPr>
-        <p:txBody>
-          <a:bodyPr tIns="14112"/>
-          <a:lstStyle/>
-          <a:p>
-            <a:pPr eaLnBrk="1">
-              <a:tabLst>
-                <a:tab pos="723900" algn="l"/>
-                <a:tab pos="1447800" algn="l"/>
-                <a:tab pos="2171700" algn="l"/>
-                <a:tab pos="2895600" algn="l"/>
-                <a:tab pos="3619500" algn="l"/>
-                <a:tab pos="4343400" algn="l"/>
-                <a:tab pos="5067300" algn="l"/>
-                <a:tab pos="5791200" algn="l"/>
-                <a:tab pos="6515100" algn="l"/>
-                <a:tab pos="7239000" algn="l"/>
-                <a:tab pos="7962900" algn="l"/>
-                <a:tab pos="8686800" algn="l"/>
-              </a:tabLst>
-            </a:pPr>
-            <a:r>
-              <a:rPr lang="en-GB" sz="1600" b="1" smtClean="0"/>
-              <a:t>Functional cross‐hemispheric shift between object‐place paired associate memory and spatial memory in the human hippocampus</a:t>
-            </a:r>
-          </a:p>
-        </p:txBody>
-      </p:sp>
-      <p:pic>
-        <p:nvPicPr>
-          <p:cNvPr id="2051" name="Picture 2"/>
-          <p:cNvPicPr>
-            <a:picLocks noChangeAspect="1" noChangeArrowheads="1"/>
-          </p:cNvPicPr>
-          <p:nvPr/>
-        </p:nvPicPr>
-        <p:blipFill>
-          <a:blip r:embed="rId3" cstate="print"/>
-          <a:srcRect/>
-          <a:stretch>
-            <a:fillRect/>
-          </a:stretch>
-        </p:blipFill>
-        <p:spPr bwMode="auto">
-          <a:xfrm>
-            <a:off x="2043429" y="1712422"/>
-            <a:ext cx="7867334" cy="3507840"/>
-          </a:xfrm>
-          <a:prstGeom prst="rect">
-            <a:avLst/>
-          </a:prstGeom>
-          <a:noFill/>
-          <a:ln w="9525">
-            <a:noFill/>
-            <a:round/>
-            <a:headEnd/>
-            <a:tailEnd/>
-          </a:ln>
-        </p:spPr>
-      </p:pic>
-      <p:pic>
-        <p:nvPicPr>
-          <p:cNvPr id="2052" name="Picture 3"/>
-          <p:cNvPicPr>
-            <a:picLocks noChangeAspect="1" noChangeArrowheads="1"/>
-          </p:cNvPicPr>
-          <p:nvPr/>
-        </p:nvPicPr>
-        <p:blipFill>
-          <a:blip r:embed="rId4" cstate="print"/>
-          <a:srcRect/>
-          <a:stretch>
-            <a:fillRect/>
-          </a:stretch>
-        </p:blipFill>
-        <p:spPr bwMode="auto">
-          <a:xfrm>
-            <a:off x="0" y="0"/>
-            <a:ext cx="0" cy="0"/>
-          </a:xfrm>
-          <a:prstGeom prst="rect">
-            <a:avLst/>
-          </a:prstGeom>
-          <a:noFill/>
-          <a:ln w="9525">
-            <a:noFill/>
-            <a:round/>
-            <a:headEnd/>
-            <a:tailEnd/>
-          </a:ln>
-        </p:spPr>
-      </p:pic>
-      <p:sp>
-        <p:nvSpPr>
-          <p:cNvPr id="2053" name="Text Box 4"/>
-          <p:cNvSpPr txBox="1">
-            <a:spLocks noChangeArrowheads="1"/>
-          </p:cNvSpPr>
-          <p:nvPr/>
-        </p:nvSpPr>
-        <p:spPr bwMode="auto">
-          <a:xfrm>
-            <a:off x="153601" y="6205612"/>
-            <a:ext cx="8336640" cy="505493"/>
-          </a:xfrm>
-          <a:prstGeom prst="rect">
-            <a:avLst/>
-          </a:prstGeom>
-          <a:noFill/>
-          <a:ln w="9525">
-            <a:noFill/>
-            <a:round/>
-            <a:headEnd/>
-            <a:tailEnd/>
-          </a:ln>
-        </p:spPr>
-        <p:txBody>
-          <a:bodyPr lIns="90000" tIns="54702" rIns="90000" bIns="45000"/>
-          <a:lstStyle/>
-          <a:p>
-            <a:pPr>
-              <a:tabLst>
-                <a:tab pos="723900" algn="l"/>
-                <a:tab pos="1447800" algn="l"/>
-                <a:tab pos="2171700" algn="l"/>
-                <a:tab pos="2895600" algn="l"/>
-                <a:tab pos="3619500" algn="l"/>
-                <a:tab pos="4343400" algn="l"/>
-                <a:tab pos="5067300" algn="l"/>
-                <a:tab pos="5791200" algn="l"/>
-                <a:tab pos="6515100" algn="l"/>
-              </a:tabLst>
-            </a:pPr>
-            <a:r>
-              <a:rPr lang="en-GB" sz="1100" b="1">
-                <a:solidFill>
-                  <a:srgbClr val="000000"/>
-                </a:solidFill>
-              </a:rPr>
-              <a:t>Hippocampus</a:t>
-            </a:r>
-            <a:r>
-              <a:rPr lang="en-GB" sz="1100">
-                <a:solidFill>
-                  <a:srgbClr val="000000"/>
-                </a:solidFill>
-              </a:rPr>
-              <a:t/>
-            </a:r>
-            <a:br>
-              <a:rPr lang="en-GB" sz="1100">
-                <a:solidFill>
-                  <a:srgbClr val="000000"/>
-                </a:solidFill>
-              </a:rPr>
-            </a:br>
-            <a:r>
-              <a:rPr lang="en-GB" sz="1100">
-                <a:solidFill>
-                  <a:srgbClr val="000000"/>
-                </a:solidFill>
-                <a:hlinkClick r:id="rId5"/>
-              </a:rPr>
-              <a:t>Volume 26, Issue 8, </a:t>
-            </a:r>
-            <a:r>
-              <a:rPr lang="en-GB" sz="1100">
-                <a:solidFill>
-                  <a:srgbClr val="000000"/>
-                </a:solidFill>
-              </a:rPr>
-              <a:t>pages 1061-1077, 9 APR 2016 DOI: 10.1002/hipo.22587</a:t>
-            </a:r>
-            <a:br>
-              <a:rPr lang="en-GB" sz="1100">
-                <a:solidFill>
-                  <a:srgbClr val="000000"/>
-                </a:solidFill>
-              </a:rPr>
-            </a:br>
-            <a:r>
-              <a:rPr lang="en-GB" sz="1100">
-                <a:solidFill>
-                  <a:srgbClr val="000000"/>
-                </a:solidFill>
-                <a:hlinkClick r:id="rId6"/>
-              </a:rPr>
-              <a:t>http://onlinelibrary.wiley.com/doi/10.1002/hipo.22587/full#hipo22587-fig-0005</a:t>
-            </a:r>
-          </a:p>
-        </p:txBody>
-      </p:sp>
-    </p:spTree>
-    <p:extLst>
-      <p:ext uri="{BB962C8B-B14F-4D97-AF65-F5344CB8AC3E}">
-        <p14:creationId xmlns:p14="http://schemas.microsoft.com/office/powerpoint/2010/main" val="1183797523"/>
-      </p:ext>
-    </p:extLst>
-  </p:cSld>
-  <p:clrMapOvr>
-    <a:masterClrMapping/>
-  </p:clrMapOvr>
-  <p:transition spd="med"/>
-  <p:timing>
-    <p:tnLst>
-      <p:par>
-        <p:cTn id="1" dur="indefinite" restart="never" nodeType="tmRoot">
-          <p:childTnLst>
-            <p:seq concurrent="1" nextAc="seek">
-              <p:cTn id="2" dur="0" nodeType="mainSeq"/>
-              <p:prevCondLst>
-                <p:cond evt="onPrev" delay="0">
-                  <p:tgtEl>
-                    <p:sldTgt/>
-                  </p:tgtEl>
-                </p:cond>
-              </p:prevCondLst>
-              <p:nextCondLst>
-                <p:cond evt="onNext" delay="0">
-                  <p:tgtEl>
-                    <p:sldTgt/>
-                  </p:tgtEl>
-                </p:cond>
-              </p:nextCondLst>
-            </p:seq>
-          </p:childTnLst>
-        </p:cTn>
-      </p:par>
-    </p:tnLst>
-  </p:timing>
-</p:sld>
-</file>
-
-<file path=ppt/slides/slide25.xml><?xml version="1.0" encoding="utf-8"?>
-<p:sld xmlns:a="http://schemas.openxmlformats.org/drawingml/2006/main" xmlns:r="http://schemas.openxmlformats.org/officeDocument/2006/relationships" xmlns:p="http://schemas.openxmlformats.org/presentationml/2006/main">
-  <p:cSld>
-    <p:spTree>
-      <p:nvGrpSpPr>
-        <p:cNvPr id="1" name=""/>
-        <p:cNvGrpSpPr/>
-        <p:nvPr/>
-      </p:nvGrpSpPr>
-      <p:grpSpPr>
-        <a:xfrm>
-          <a:off x="0" y="0"/>
-          <a:ext cx="0" cy="0"/>
-          <a:chOff x="0" y="0"/>
-          <a:chExt cx="0" cy="0"/>
-        </a:xfrm>
-      </p:grpSpPr>
-      <p:sp>
-        <p:nvSpPr>
-          <p:cNvPr id="2050" name="Rectangle 1"/>
-          <p:cNvSpPr>
-            <a:spLocks noGrp="1" noChangeArrowheads="1"/>
-          </p:cNvSpPr>
-          <p:nvPr>
-            <p:ph type="title"/>
-          </p:nvPr>
-        </p:nvSpPr>
-        <p:spPr>
-          <a:xfrm>
-            <a:off x="566401" y="419084"/>
-            <a:ext cx="10970880" cy="724396"/>
-          </a:xfrm>
-        </p:spPr>
-        <p:txBody>
-          <a:bodyPr tIns="14112"/>
-          <a:lstStyle/>
-          <a:p>
-            <a:pPr eaLnBrk="1">
-              <a:tabLst>
-                <a:tab pos="723900" algn="l"/>
-                <a:tab pos="1447800" algn="l"/>
-                <a:tab pos="2171700" algn="l"/>
-                <a:tab pos="2895600" algn="l"/>
-                <a:tab pos="3619500" algn="l"/>
-                <a:tab pos="4343400" algn="l"/>
-                <a:tab pos="5067300" algn="l"/>
-                <a:tab pos="5791200" algn="l"/>
-                <a:tab pos="6515100" algn="l"/>
-                <a:tab pos="7239000" algn="l"/>
-                <a:tab pos="7962900" algn="l"/>
-                <a:tab pos="8686800" algn="l"/>
-              </a:tabLst>
-            </a:pPr>
-            <a:r>
-              <a:rPr lang="en-GB" sz="1600" b="1" smtClean="0"/>
-              <a:t>Functional cross‐hemispheric shift between object‐place paired associate memory and spatial memory in the human hippocampus</a:t>
-            </a:r>
-          </a:p>
-        </p:txBody>
-      </p:sp>
-      <p:pic>
-        <p:nvPicPr>
-          <p:cNvPr id="2051" name="Picture 2"/>
-          <p:cNvPicPr>
-            <a:picLocks noChangeAspect="1" noChangeArrowheads="1"/>
-          </p:cNvPicPr>
-          <p:nvPr/>
-        </p:nvPicPr>
-        <p:blipFill>
-          <a:blip r:embed="rId3" cstate="print"/>
-          <a:srcRect/>
-          <a:stretch>
-            <a:fillRect/>
-          </a:stretch>
-        </p:blipFill>
-        <p:spPr bwMode="auto">
-          <a:xfrm>
-            <a:off x="3050261" y="1306342"/>
-            <a:ext cx="5853671" cy="4320000"/>
-          </a:xfrm>
-          <a:prstGeom prst="rect">
-            <a:avLst/>
-          </a:prstGeom>
-          <a:noFill/>
-          <a:ln w="9525">
-            <a:noFill/>
-            <a:round/>
-            <a:headEnd/>
-            <a:tailEnd/>
-          </a:ln>
-        </p:spPr>
-      </p:pic>
-      <p:pic>
-        <p:nvPicPr>
-          <p:cNvPr id="2052" name="Picture 3"/>
-          <p:cNvPicPr>
-            <a:picLocks noChangeAspect="1" noChangeArrowheads="1"/>
-          </p:cNvPicPr>
-          <p:nvPr/>
-        </p:nvPicPr>
-        <p:blipFill>
-          <a:blip r:embed="rId4" cstate="print"/>
-          <a:srcRect/>
-          <a:stretch>
-            <a:fillRect/>
-          </a:stretch>
-        </p:blipFill>
-        <p:spPr bwMode="auto">
-          <a:xfrm>
-            <a:off x="0" y="0"/>
-            <a:ext cx="0" cy="0"/>
-          </a:xfrm>
-          <a:prstGeom prst="rect">
-            <a:avLst/>
-          </a:prstGeom>
-          <a:noFill/>
-          <a:ln w="9525">
-            <a:noFill/>
-            <a:round/>
-            <a:headEnd/>
-            <a:tailEnd/>
-          </a:ln>
-        </p:spPr>
-      </p:pic>
-      <p:sp>
-        <p:nvSpPr>
-          <p:cNvPr id="2053" name="Text Box 4"/>
-          <p:cNvSpPr txBox="1">
-            <a:spLocks noChangeArrowheads="1"/>
-          </p:cNvSpPr>
-          <p:nvPr/>
-        </p:nvSpPr>
-        <p:spPr bwMode="auto">
-          <a:xfrm>
-            <a:off x="153601" y="6205612"/>
-            <a:ext cx="8336640" cy="505493"/>
-          </a:xfrm>
-          <a:prstGeom prst="rect">
-            <a:avLst/>
-          </a:prstGeom>
-          <a:noFill/>
-          <a:ln w="9525">
-            <a:noFill/>
-            <a:round/>
-            <a:headEnd/>
-            <a:tailEnd/>
-          </a:ln>
-        </p:spPr>
-        <p:txBody>
-          <a:bodyPr lIns="90000" tIns="54702" rIns="90000" bIns="45000"/>
-          <a:lstStyle/>
-          <a:p>
-            <a:pPr>
-              <a:tabLst>
-                <a:tab pos="723900" algn="l"/>
-                <a:tab pos="1447800" algn="l"/>
-                <a:tab pos="2171700" algn="l"/>
-                <a:tab pos="2895600" algn="l"/>
-                <a:tab pos="3619500" algn="l"/>
-                <a:tab pos="4343400" algn="l"/>
-                <a:tab pos="5067300" algn="l"/>
-                <a:tab pos="5791200" algn="l"/>
-                <a:tab pos="6515100" algn="l"/>
-              </a:tabLst>
-            </a:pPr>
-            <a:r>
-              <a:rPr lang="en-GB" sz="1100" b="1">
-                <a:solidFill>
-                  <a:srgbClr val="000000"/>
-                </a:solidFill>
-              </a:rPr>
-              <a:t>Hippocampus</a:t>
-            </a:r>
-            <a:r>
-              <a:rPr lang="en-GB" sz="1100">
-                <a:solidFill>
-                  <a:srgbClr val="000000"/>
-                </a:solidFill>
-              </a:rPr>
-              <a:t/>
-            </a:r>
-            <a:br>
-              <a:rPr lang="en-GB" sz="1100">
-                <a:solidFill>
-                  <a:srgbClr val="000000"/>
-                </a:solidFill>
-              </a:rPr>
-            </a:br>
-            <a:r>
-              <a:rPr lang="en-GB" sz="1100">
-                <a:solidFill>
-                  <a:srgbClr val="000000"/>
-                </a:solidFill>
-                <a:hlinkClick r:id="rId5"/>
-              </a:rPr>
-              <a:t>Volume 26, Issue 8, </a:t>
-            </a:r>
-            <a:r>
-              <a:rPr lang="en-GB" sz="1100">
-                <a:solidFill>
-                  <a:srgbClr val="000000"/>
-                </a:solidFill>
-              </a:rPr>
-              <a:t>pages 1061-1077, 9 APR 2016 DOI: 10.1002/hipo.22587</a:t>
-            </a:r>
-            <a:br>
-              <a:rPr lang="en-GB" sz="1100">
-                <a:solidFill>
-                  <a:srgbClr val="000000"/>
-                </a:solidFill>
-              </a:rPr>
-            </a:br>
-            <a:r>
-              <a:rPr lang="en-GB" sz="1100">
-                <a:solidFill>
-                  <a:srgbClr val="000000"/>
-                </a:solidFill>
-                <a:hlinkClick r:id="rId6"/>
-              </a:rPr>
-              <a:t>http://onlinelibrary.wiley.com/doi/10.1002/hipo.22587/full#hipo22587-fig-0006</a:t>
-            </a:r>
-          </a:p>
-        </p:txBody>
-      </p:sp>
-    </p:spTree>
-    <p:extLst>
-      <p:ext uri="{BB962C8B-B14F-4D97-AF65-F5344CB8AC3E}">
-        <p14:creationId xmlns:p14="http://schemas.microsoft.com/office/powerpoint/2010/main" val="2040840273"/>
       </p:ext>
     </p:extLst>
   </p:cSld>
@@ -16043,47 +17227,590 @@
       </p:grpSpPr>
       <p:sp>
         <p:nvSpPr>
-          <p:cNvPr id="2050" name="Rectangle 1"/>
-          <p:cNvSpPr>
-            <a:spLocks noGrp="1" noChangeArrowheads="1"/>
-          </p:cNvSpPr>
-          <p:nvPr>
-            <p:ph type="title"/>
-          </p:nvPr>
+          <p:cNvPr id="5" name="矩形 4"/>
+          <p:cNvSpPr/>
+          <p:nvPr/>
         </p:nvSpPr>
         <p:spPr>
           <a:xfrm>
-            <a:off x="566401" y="419084"/>
-            <a:ext cx="10970880" cy="724396"/>
+            <a:off x="6005399" y="3447534"/>
+            <a:ext cx="6172200" cy="3410465"/>
           </a:xfrm>
+          <a:prstGeom prst="rect">
+            <a:avLst/>
+          </a:prstGeom>
+          <a:solidFill>
+            <a:schemeClr val="bg1">
+              <a:lumMod val="95000"/>
+            </a:schemeClr>
+          </a:solidFill>
+          <a:ln>
+            <a:noFill/>
+          </a:ln>
         </p:spPr>
-        <p:txBody>
-          <a:bodyPr tIns="14112"/>
+        <p:style>
+          <a:lnRef idx="2">
+            <a:schemeClr val="accent1">
+              <a:shade val="50000"/>
+            </a:schemeClr>
+          </a:lnRef>
+          <a:fillRef idx="1">
+            <a:schemeClr val="accent1"/>
+          </a:fillRef>
+          <a:effectRef idx="0">
+            <a:schemeClr val="accent1"/>
+          </a:effectRef>
+          <a:fontRef idx="minor">
+            <a:schemeClr val="lt1"/>
+          </a:fontRef>
+        </p:style>
+        <p:txBody>
+          <a:bodyPr rtlCol="0" anchor="ctr"/>
           <a:lstStyle/>
           <a:p>
-            <a:pPr eaLnBrk="1">
-              <a:tabLst>
-                <a:tab pos="723900" algn="l"/>
-                <a:tab pos="1447800" algn="l"/>
-                <a:tab pos="2171700" algn="l"/>
-                <a:tab pos="2895600" algn="l"/>
-                <a:tab pos="3619500" algn="l"/>
-                <a:tab pos="4343400" algn="l"/>
-                <a:tab pos="5067300" algn="l"/>
-                <a:tab pos="5791200" algn="l"/>
-                <a:tab pos="6515100" algn="l"/>
-                <a:tab pos="7239000" algn="l"/>
-                <a:tab pos="7962900" algn="l"/>
-                <a:tab pos="8686800" algn="l"/>
-              </a:tabLst>
+            <a:pPr algn="ctr"/>
+            <a:endParaRPr lang="zh-CN" altLang="en-US"/>
+          </a:p>
+        </p:txBody>
+      </p:sp>
+      <p:sp>
+        <p:nvSpPr>
+          <p:cNvPr id="29" name="矩形 28"/>
+          <p:cNvSpPr/>
+          <p:nvPr/>
+        </p:nvSpPr>
+        <p:spPr>
+          <a:xfrm>
+            <a:off x="12346" y="1"/>
+            <a:ext cx="6006821" cy="3447534"/>
+          </a:xfrm>
+          <a:prstGeom prst="rect">
+            <a:avLst/>
+          </a:prstGeom>
+          <a:solidFill>
+            <a:schemeClr val="bg1">
+              <a:lumMod val="95000"/>
+            </a:schemeClr>
+          </a:solidFill>
+          <a:ln>
+            <a:noFill/>
+          </a:ln>
+        </p:spPr>
+        <p:style>
+          <a:lnRef idx="2">
+            <a:schemeClr val="accent1">
+              <a:shade val="50000"/>
+            </a:schemeClr>
+          </a:lnRef>
+          <a:fillRef idx="1">
+            <a:schemeClr val="accent1"/>
+          </a:fillRef>
+          <a:effectRef idx="0">
+            <a:schemeClr val="accent1"/>
+          </a:effectRef>
+          <a:fontRef idx="minor">
+            <a:schemeClr val="lt1"/>
+          </a:fontRef>
+        </p:style>
+        <p:txBody>
+          <a:bodyPr rtlCol="0" anchor="ctr"/>
+          <a:lstStyle/>
+          <a:p>
+            <a:pPr algn="ctr"/>
+            <a:endParaRPr lang="zh-CN" altLang="en-US"/>
+          </a:p>
+        </p:txBody>
+      </p:sp>
+      <p:sp>
+        <p:nvSpPr>
+          <p:cNvPr id="30" name="文本框 29"/>
+          <p:cNvSpPr txBox="1"/>
+          <p:nvPr/>
+        </p:nvSpPr>
+        <p:spPr>
+          <a:xfrm>
+            <a:off x="662539" y="294935"/>
+            <a:ext cx="5947811" cy="1446550"/>
+          </a:xfrm>
+          <a:prstGeom prst="rect">
+            <a:avLst/>
+          </a:prstGeom>
+          <a:noFill/>
+        </p:spPr>
+        <p:txBody>
+          <a:bodyPr wrap="square" rtlCol="0">
+            <a:spAutoFit/>
+          </a:bodyPr>
+          <a:lstStyle/>
+          <a:p>
+            <a:r>
+              <a:rPr lang="en-US" altLang="zh-CN" sz="4400" b="1" dirty="0" smtClean="0">
+                <a:solidFill>
+                  <a:srgbClr val="00ABB4"/>
+                </a:solidFill>
+                <a:latin typeface="微软雅黑" panose="020B0503020204020204" pitchFamily="34" charset="-122"/>
+                <a:ea typeface="微软雅黑" panose="020B0503020204020204" pitchFamily="34" charset="-122"/>
+              </a:rPr>
+              <a:t>Behavioral </a:t>
+            </a:r>
+            <a:r>
+              <a:rPr lang="en-US" altLang="zh-CN" sz="4400" b="1" dirty="0">
+                <a:solidFill>
+                  <a:srgbClr val="00ABB4"/>
+                </a:solidFill>
+                <a:latin typeface="微软雅黑" panose="020B0503020204020204" pitchFamily="34" charset="-122"/>
+                <a:ea typeface="微软雅黑" panose="020B0503020204020204" pitchFamily="34" charset="-122"/>
+              </a:rPr>
+              <a:t>Analysis </a:t>
+            </a:r>
+            <a:br>
+              <a:rPr lang="en-US" altLang="zh-CN" sz="4400" b="1" dirty="0">
+                <a:solidFill>
+                  <a:srgbClr val="00ABB4"/>
+                </a:solidFill>
+                <a:latin typeface="微软雅黑" panose="020B0503020204020204" pitchFamily="34" charset="-122"/>
+                <a:ea typeface="微软雅黑" panose="020B0503020204020204" pitchFamily="34" charset="-122"/>
+              </a:rPr>
+            </a:br>
+            <a:endParaRPr lang="en-US" altLang="zh-CN" sz="4400" b="1" dirty="0">
+              <a:solidFill>
+                <a:srgbClr val="00ABB4"/>
+              </a:solidFill>
+              <a:latin typeface="微软雅黑" panose="020B0503020204020204" pitchFamily="34" charset="-122"/>
+              <a:ea typeface="微软雅黑" panose="020B0503020204020204" pitchFamily="34" charset="-122"/>
+            </a:endParaRPr>
+          </a:p>
+        </p:txBody>
+      </p:sp>
+      <p:sp>
+        <p:nvSpPr>
+          <p:cNvPr id="31" name="Rectangle 96"/>
+          <p:cNvSpPr/>
+          <p:nvPr/>
+        </p:nvSpPr>
+        <p:spPr>
+          <a:xfrm>
+            <a:off x="882750" y="1269558"/>
+            <a:ext cx="10783470" cy="5262979"/>
+          </a:xfrm>
+          <a:prstGeom prst="rect">
+            <a:avLst/>
+          </a:prstGeom>
+        </p:spPr>
+        <p:txBody>
+          <a:bodyPr wrap="square">
+            <a:spAutoFit/>
+          </a:bodyPr>
+          <a:lstStyle/>
+          <a:p>
+            <a:pPr marL="342900" indent="-342900">
+              <a:lnSpc>
+                <a:spcPct val="200000"/>
+              </a:lnSpc>
+              <a:buFont typeface="Arial" panose="020B0604020202020204" pitchFamily="34" charset="0"/>
+              <a:buChar char="•"/>
             </a:pPr>
             <a:r>
-              <a:rPr lang="en-GB" sz="1600" b="1" smtClean="0"/>
-              <a:t>Functional cross‐hemispheric shift between object‐place paired associate memory and spatial memory in the human hippocampus</a:t>
-            </a:r>
-          </a:p>
-        </p:txBody>
-      </p:sp>
+              <a:rPr lang="en-US" altLang="zh-CN" sz="2800" b="1" dirty="0" smtClean="0">
+                <a:latin typeface="Meiryo" panose="020B0604030504040204" pitchFamily="34" charset="-128"/>
+                <a:ea typeface="Meiryo" panose="020B0604030504040204" pitchFamily="34" charset="-128"/>
+                <a:cs typeface="Meiryo" panose="020B0604030504040204" pitchFamily="34" charset="-128"/>
+              </a:rPr>
+              <a:t>Binomial threshold</a:t>
+            </a:r>
+            <a:r>
+              <a:rPr lang="en-US" altLang="zh-CN" sz="2800" dirty="0">
+                <a:latin typeface="Meiryo" panose="020B0604030504040204" pitchFamily="34" charset="-128"/>
+                <a:ea typeface="Meiryo" panose="020B0604030504040204" pitchFamily="34" charset="-128"/>
+                <a:cs typeface="Meiryo" panose="020B0604030504040204" pitchFamily="34" charset="-128"/>
+              </a:rPr>
+              <a:t>: higher than </a:t>
+            </a:r>
+            <a:r>
+              <a:rPr lang="en-US" altLang="zh-CN" sz="2800" dirty="0" smtClean="0">
+                <a:latin typeface="Meiryo" panose="020B0604030504040204" pitchFamily="34" charset="-128"/>
+                <a:ea typeface="Meiryo" panose="020B0604030504040204" pitchFamily="34" charset="-128"/>
+                <a:cs typeface="Meiryo" panose="020B0604030504040204" pitchFamily="34" charset="-128"/>
+              </a:rPr>
+              <a:t>chance</a:t>
+            </a:r>
+          </a:p>
+          <a:p>
+            <a:pPr marL="342900" indent="-342900">
+              <a:lnSpc>
+                <a:spcPct val="200000"/>
+              </a:lnSpc>
+              <a:buFont typeface="Arial" panose="020B0604020202020204" pitchFamily="34" charset="0"/>
+              <a:buChar char="•"/>
+            </a:pPr>
+            <a:r>
+              <a:rPr lang="en-US" altLang="zh-CN" sz="2800" b="1" dirty="0" smtClean="0">
+                <a:latin typeface="Meiryo" panose="020B0604030504040204" pitchFamily="34" charset="-128"/>
+                <a:ea typeface="Meiryo" panose="020B0604030504040204" pitchFamily="34" charset="-128"/>
+                <a:cs typeface="Meiryo" panose="020B0604030504040204" pitchFamily="34" charset="-128"/>
+              </a:rPr>
+              <a:t>Efficiency index</a:t>
+            </a:r>
+            <a:r>
+              <a:rPr lang="en-US" altLang="zh-CN" sz="2800" dirty="0" smtClean="0">
+                <a:latin typeface="Meiryo" panose="020B0604030504040204" pitchFamily="34" charset="-128"/>
+                <a:ea typeface="Meiryo" panose="020B0604030504040204" pitchFamily="34" charset="-128"/>
+                <a:cs typeface="Meiryo" panose="020B0604030504040204" pitchFamily="34" charset="-128"/>
+              </a:rPr>
+              <a:t>: dividing the standard angular distance (shortest distance) </a:t>
+            </a:r>
+            <a:r>
+              <a:rPr lang="en-US" altLang="zh-CN" sz="2800" dirty="0">
+                <a:latin typeface="Meiryo" panose="020B0604030504040204" pitchFamily="34" charset="-128"/>
+                <a:ea typeface="Meiryo" panose="020B0604030504040204" pitchFamily="34" charset="-128"/>
+                <a:cs typeface="Meiryo" panose="020B0604030504040204" pitchFamily="34" charset="-128"/>
+              </a:rPr>
+              <a:t>by the cumulative angular distance </a:t>
+            </a:r>
+            <a:endParaRPr lang="en-US" altLang="zh-CN" sz="2800" dirty="0" smtClean="0">
+              <a:latin typeface="Meiryo" panose="020B0604030504040204" pitchFamily="34" charset="-128"/>
+              <a:ea typeface="Meiryo" panose="020B0604030504040204" pitchFamily="34" charset="-128"/>
+              <a:cs typeface="Meiryo" panose="020B0604030504040204" pitchFamily="34" charset="-128"/>
+            </a:endParaRPr>
+          </a:p>
+          <a:p>
+            <a:pPr marL="342900" indent="-342900">
+              <a:lnSpc>
+                <a:spcPct val="200000"/>
+              </a:lnSpc>
+              <a:buFont typeface="Arial" panose="020B0604020202020204" pitchFamily="34" charset="0"/>
+              <a:buChar char="•"/>
+            </a:pPr>
+            <a:r>
+              <a:rPr lang="en-US" altLang="zh-CN" sz="2800" b="1" dirty="0">
+                <a:latin typeface="Meiryo" panose="020B0604030504040204" pitchFamily="34" charset="-128"/>
+                <a:ea typeface="Meiryo" panose="020B0604030504040204" pitchFamily="34" charset="-128"/>
+                <a:cs typeface="Meiryo" panose="020B0604030504040204" pitchFamily="34" charset="-128"/>
+              </a:rPr>
+              <a:t>Individual </a:t>
+            </a:r>
+            <a:r>
+              <a:rPr lang="en-US" altLang="zh-CN" sz="2800" b="1" dirty="0" smtClean="0">
+                <a:latin typeface="Meiryo" panose="020B0604030504040204" pitchFamily="34" charset="-128"/>
+                <a:ea typeface="Meiryo" panose="020B0604030504040204" pitchFamily="34" charset="-128"/>
+                <a:cs typeface="Meiryo" panose="020B0604030504040204" pitchFamily="34" charset="-128"/>
+              </a:rPr>
+              <a:t>efficiency</a:t>
+            </a:r>
+            <a:r>
+              <a:rPr lang="en-US" altLang="zh-CN" sz="2800" dirty="0" smtClean="0">
+                <a:latin typeface="Meiryo" panose="020B0604030504040204" pitchFamily="34" charset="-128"/>
+                <a:ea typeface="Meiryo" panose="020B0604030504040204" pitchFamily="34" charset="-128"/>
+                <a:cs typeface="Meiryo" panose="020B0604030504040204" pitchFamily="34" charset="-128"/>
+              </a:rPr>
+              <a:t>: dividing </a:t>
+            </a:r>
+            <a:r>
+              <a:rPr lang="en-US" altLang="zh-CN" sz="2800" dirty="0">
+                <a:latin typeface="Meiryo" panose="020B0604030504040204" pitchFamily="34" charset="-128"/>
+                <a:ea typeface="Meiryo" panose="020B0604030504040204" pitchFamily="34" charset="-128"/>
+                <a:cs typeface="Meiryo" panose="020B0604030504040204" pitchFamily="34" charset="-128"/>
+              </a:rPr>
+              <a:t>the </a:t>
+            </a:r>
+            <a:r>
+              <a:rPr lang="en-US" altLang="zh-CN" sz="2800" dirty="0" smtClean="0">
+                <a:latin typeface="Meiryo" panose="020B0604030504040204" pitchFamily="34" charset="-128"/>
+                <a:ea typeface="Meiryo" panose="020B0604030504040204" pitchFamily="34" charset="-128"/>
+                <a:cs typeface="Meiryo" panose="020B0604030504040204" pitchFamily="34" charset="-128"/>
+              </a:rPr>
+              <a:t>average efficiency </a:t>
+            </a:r>
+            <a:r>
+              <a:rPr lang="en-US" altLang="zh-CN" sz="2800" dirty="0">
+                <a:latin typeface="Meiryo" panose="020B0604030504040204" pitchFamily="34" charset="-128"/>
+                <a:ea typeface="Meiryo" panose="020B0604030504040204" pitchFamily="34" charset="-128"/>
+                <a:cs typeface="Meiryo" panose="020B0604030504040204" pitchFamily="34" charset="-128"/>
+              </a:rPr>
+              <a:t>index for experimental trials by that for control </a:t>
+            </a:r>
+            <a:r>
+              <a:rPr lang="en-US" altLang="zh-CN" sz="2800" dirty="0" smtClean="0">
+                <a:latin typeface="Meiryo" panose="020B0604030504040204" pitchFamily="34" charset="-128"/>
+                <a:ea typeface="Meiryo" panose="020B0604030504040204" pitchFamily="34" charset="-128"/>
+                <a:cs typeface="Meiryo" panose="020B0604030504040204" pitchFamily="34" charset="-128"/>
+              </a:rPr>
+              <a:t>trials</a:t>
+            </a:r>
+          </a:p>
+          <a:p>
+            <a:pPr marL="342900" indent="-342900">
+              <a:lnSpc>
+                <a:spcPct val="200000"/>
+              </a:lnSpc>
+              <a:buFont typeface="Arial" panose="020B0604020202020204" pitchFamily="34" charset="0"/>
+              <a:buChar char="•"/>
+            </a:pPr>
+            <a:r>
+              <a:rPr lang="en-US" altLang="zh-CN" sz="2800" b="1" dirty="0" smtClean="0">
+                <a:latin typeface="Meiryo" panose="020B0604030504040204" pitchFamily="34" charset="-128"/>
+                <a:ea typeface="Meiryo" panose="020B0604030504040204" pitchFamily="34" charset="-128"/>
+                <a:cs typeface="Meiryo" panose="020B0604030504040204" pitchFamily="34" charset="-128"/>
+              </a:rPr>
+              <a:t>Advantages</a:t>
+            </a:r>
+            <a:r>
+              <a:rPr lang="en-US" altLang="zh-CN" sz="2800" dirty="0" smtClean="0">
+                <a:latin typeface="Meiryo" panose="020B0604030504040204" pitchFamily="34" charset="-128"/>
+                <a:ea typeface="Meiryo" panose="020B0604030504040204" pitchFamily="34" charset="-128"/>
+                <a:cs typeface="Meiryo" panose="020B0604030504040204" pitchFamily="34" charset="-128"/>
+              </a:rPr>
+              <a:t>: linearly, recall or </a:t>
+            </a:r>
+            <a:r>
+              <a:rPr lang="en-US" altLang="zh-CN" sz="2800" dirty="0" err="1" smtClean="0">
+                <a:latin typeface="Meiryo" panose="020B0604030504040204" pitchFamily="34" charset="-128"/>
+                <a:ea typeface="Meiryo" panose="020B0604030504040204" pitchFamily="34" charset="-128"/>
+                <a:cs typeface="Meiryo" panose="020B0604030504040204" pitchFamily="34" charset="-128"/>
+              </a:rPr>
+              <a:t>rerecogniton</a:t>
+            </a:r>
+            <a:r>
+              <a:rPr lang="en-US" altLang="zh-CN" sz="2800" dirty="0" smtClean="0">
+                <a:latin typeface="Meiryo" panose="020B0604030504040204" pitchFamily="34" charset="-128"/>
+                <a:ea typeface="Meiryo" panose="020B0604030504040204" pitchFamily="34" charset="-128"/>
+                <a:cs typeface="Meiryo" panose="020B0604030504040204" pitchFamily="34" charset="-128"/>
+              </a:rPr>
+              <a:t>, confidence</a:t>
+            </a:r>
+            <a:endParaRPr lang="en-US" altLang="zh-CN" sz="2800" dirty="0">
+              <a:latin typeface="Meiryo" panose="020B0604030504040204" pitchFamily="34" charset="-128"/>
+              <a:ea typeface="Meiryo" panose="020B0604030504040204" pitchFamily="34" charset="-128"/>
+              <a:cs typeface="Meiryo" panose="020B0604030504040204" pitchFamily="34" charset="-128"/>
+            </a:endParaRPr>
+          </a:p>
+        </p:txBody>
+      </p:sp>
+    </p:spTree>
+    <p:extLst>
+      <p:ext uri="{BB962C8B-B14F-4D97-AF65-F5344CB8AC3E}">
+        <p14:creationId xmlns:p14="http://schemas.microsoft.com/office/powerpoint/2010/main" val="2419611309"/>
+      </p:ext>
+    </p:extLst>
+  </p:cSld>
+  <p:clrMapOvr>
+    <a:masterClrMapping/>
+  </p:clrMapOvr>
+  <p:timing>
+    <p:tnLst>
+      <p:par>
+        <p:cTn id="1" dur="indefinite" restart="never" nodeType="tmRoot"/>
+      </p:par>
+    </p:tnLst>
+  </p:timing>
+</p:sld>
+</file>
+
+<file path=ppt/slides/slide27.xml><?xml version="1.0" encoding="utf-8"?>
+<p:sld xmlns:a="http://schemas.openxmlformats.org/drawingml/2006/main" xmlns:r="http://schemas.openxmlformats.org/officeDocument/2006/relationships" xmlns:p="http://schemas.openxmlformats.org/presentationml/2006/main">
+  <p:cSld>
+    <p:spTree>
+      <p:nvGrpSpPr>
+        <p:cNvPr id="1" name=""/>
+        <p:cNvGrpSpPr/>
+        <p:nvPr/>
+      </p:nvGrpSpPr>
+      <p:grpSpPr>
+        <a:xfrm>
+          <a:off x="0" y="0"/>
+          <a:ext cx="0" cy="0"/>
+          <a:chOff x="0" y="0"/>
+          <a:chExt cx="0" cy="0"/>
+        </a:xfrm>
+      </p:grpSpPr>
+      <p:sp>
+        <p:nvSpPr>
+          <p:cNvPr id="29" name="矩形 28"/>
+          <p:cNvSpPr/>
+          <p:nvPr/>
+        </p:nvSpPr>
+        <p:spPr>
+          <a:xfrm>
+            <a:off x="5918899" y="0"/>
+            <a:ext cx="6260123" cy="6858000"/>
+          </a:xfrm>
+          <a:prstGeom prst="rect">
+            <a:avLst/>
+          </a:prstGeom>
+          <a:solidFill>
+            <a:schemeClr val="bg1">
+              <a:lumMod val="95000"/>
+            </a:schemeClr>
+          </a:solidFill>
+          <a:ln>
+            <a:noFill/>
+          </a:ln>
+        </p:spPr>
+        <p:style>
+          <a:lnRef idx="2">
+            <a:schemeClr val="accent1">
+              <a:shade val="50000"/>
+            </a:schemeClr>
+          </a:lnRef>
+          <a:fillRef idx="1">
+            <a:schemeClr val="accent1"/>
+          </a:fillRef>
+          <a:effectRef idx="0">
+            <a:schemeClr val="accent1"/>
+          </a:effectRef>
+          <a:fontRef idx="minor">
+            <a:schemeClr val="lt1"/>
+          </a:fontRef>
+        </p:style>
+        <p:txBody>
+          <a:bodyPr rtlCol="0" anchor="ctr"/>
+          <a:lstStyle/>
+          <a:p>
+            <a:pPr algn="ctr"/>
+            <a:endParaRPr lang="zh-CN" altLang="en-US" dirty="0"/>
+          </a:p>
+        </p:txBody>
+      </p:sp>
+      <p:sp>
+        <p:nvSpPr>
+          <p:cNvPr id="31" name="Rectangle 96"/>
+          <p:cNvSpPr/>
+          <p:nvPr/>
+        </p:nvSpPr>
+        <p:spPr>
+          <a:xfrm>
+            <a:off x="842009" y="2370356"/>
+            <a:ext cx="11068049" cy="1477328"/>
+          </a:xfrm>
+          <a:prstGeom prst="rect">
+            <a:avLst/>
+          </a:prstGeom>
+        </p:spPr>
+        <p:txBody>
+          <a:bodyPr wrap="square">
+            <a:spAutoFit/>
+          </a:bodyPr>
+          <a:lstStyle/>
+          <a:p>
+            <a:pPr>
+              <a:lnSpc>
+                <a:spcPct val="150000"/>
+              </a:lnSpc>
+            </a:pPr>
+            <a:r>
+              <a:rPr lang="en-US" altLang="zh-CN" sz="3200" b="1" dirty="0"/>
+              <a:t> </a:t>
+            </a:r>
+            <a:r>
+              <a:rPr lang="en-US" altLang="zh-CN" sz="3200" b="1" dirty="0" smtClean="0"/>
+              <a:t> Successful </a:t>
+            </a:r>
+            <a:r>
+              <a:rPr lang="en-US" altLang="zh-CN" sz="3200" b="1" dirty="0"/>
+              <a:t>Behavioral </a:t>
+            </a:r>
+            <a:r>
+              <a:rPr lang="en-US" altLang="zh-CN" sz="3200" b="1" dirty="0" smtClean="0"/>
+              <a:t>Performance in </a:t>
+            </a:r>
+            <a:r>
+              <a:rPr lang="en-US" altLang="zh-CN" sz="3200" b="1" dirty="0"/>
+              <a:t>the VR Task</a:t>
+            </a:r>
+            <a:r>
+              <a:rPr lang="en-US" altLang="zh-CN" sz="3200" b="1" dirty="0"/>
+              <a:t> </a:t>
+            </a:r>
+            <a:r>
+              <a:rPr lang="en-US" altLang="zh-CN" sz="2800" dirty="0"/>
+              <a:t/>
+            </a:r>
+            <a:br>
+              <a:rPr lang="en-US" altLang="zh-CN" sz="2800" dirty="0"/>
+            </a:br>
+            <a:endParaRPr lang="en-US" altLang="zh-CN" sz="2800" dirty="0"/>
+          </a:p>
+        </p:txBody>
+      </p:sp>
+      <p:sp>
+        <p:nvSpPr>
+          <p:cNvPr id="6" name="文本框 29"/>
+          <p:cNvSpPr txBox="1"/>
+          <p:nvPr/>
+        </p:nvSpPr>
+        <p:spPr>
+          <a:xfrm>
+            <a:off x="842009" y="1323635"/>
+            <a:ext cx="5947811" cy="769441"/>
+          </a:xfrm>
+          <a:prstGeom prst="rect">
+            <a:avLst/>
+          </a:prstGeom>
+          <a:noFill/>
+        </p:spPr>
+        <p:txBody>
+          <a:bodyPr wrap="square" rtlCol="0">
+            <a:spAutoFit/>
+          </a:bodyPr>
+          <a:lstStyle/>
+          <a:p>
+            <a:r>
+              <a:rPr lang="en-US" altLang="zh-CN" sz="4400" b="1" dirty="0" smtClean="0">
+                <a:solidFill>
+                  <a:srgbClr val="00ABB4"/>
+                </a:solidFill>
+                <a:latin typeface="微软雅黑" panose="020B0503020204020204" pitchFamily="34" charset="-122"/>
+                <a:ea typeface="微软雅黑" panose="020B0503020204020204" pitchFamily="34" charset="-122"/>
+              </a:rPr>
+              <a:t>Result 1:</a:t>
+            </a:r>
+            <a:endParaRPr lang="en-US" altLang="zh-CN" sz="4400" b="1" dirty="0" smtClean="0">
+              <a:solidFill>
+                <a:srgbClr val="00ABB4"/>
+              </a:solidFill>
+              <a:latin typeface="微软雅黑" panose="020B0503020204020204" pitchFamily="34" charset="-122"/>
+              <a:ea typeface="微软雅黑" panose="020B0503020204020204" pitchFamily="34" charset="-122"/>
+            </a:endParaRPr>
+          </a:p>
+        </p:txBody>
+      </p:sp>
+    </p:spTree>
+    <p:extLst>
+      <p:ext uri="{BB962C8B-B14F-4D97-AF65-F5344CB8AC3E}">
+        <p14:creationId xmlns:p14="http://schemas.microsoft.com/office/powerpoint/2010/main" val="3858225932"/>
+      </p:ext>
+    </p:extLst>
+  </p:cSld>
+  <p:clrMapOvr>
+    <a:masterClrMapping/>
+  </p:clrMapOvr>
+  <p:timing>
+    <p:tnLst>
+      <p:par>
+        <p:cTn id="1" dur="indefinite" restart="never" nodeType="tmRoot"/>
+      </p:par>
+    </p:tnLst>
+  </p:timing>
+</p:sld>
+</file>
+
+<file path=ppt/slides/slide28.xml><?xml version="1.0" encoding="utf-8"?>
+<p:sld xmlns:a="http://schemas.openxmlformats.org/drawingml/2006/main" xmlns:r="http://schemas.openxmlformats.org/officeDocument/2006/relationships" xmlns:p="http://schemas.openxmlformats.org/presentationml/2006/main">
+  <p:cSld>
+    <p:spTree>
+      <p:nvGrpSpPr>
+        <p:cNvPr id="1" name=""/>
+        <p:cNvGrpSpPr/>
+        <p:nvPr/>
+      </p:nvGrpSpPr>
+      <p:grpSpPr>
+        <a:xfrm>
+          <a:off x="0" y="0"/>
+          <a:ext cx="0" cy="0"/>
+          <a:chOff x="0" y="0"/>
+          <a:chExt cx="0" cy="0"/>
+        </a:xfrm>
+      </p:grpSpPr>
       <p:pic>
         <p:nvPicPr>
           <p:cNvPr id="2051" name="Picture 2"/>
@@ -16101,8 +17828,8 @@
         </p:blipFill>
         <p:spPr bwMode="auto">
           <a:xfrm>
-            <a:off x="2043429" y="2636902"/>
-            <a:ext cx="7867334" cy="1658880"/>
+            <a:off x="382981" y="1828800"/>
+            <a:ext cx="11249902" cy="2928082"/>
           </a:xfrm>
           <a:prstGeom prst="rect">
             <a:avLst/>
@@ -16148,110 +17875,10 @@
           </a:ln>
         </p:spPr>
       </p:pic>
-      <p:sp>
-        <p:nvSpPr>
-          <p:cNvPr id="2053" name="Text Box 4"/>
-          <p:cNvSpPr txBox="1">
-            <a:spLocks noChangeArrowheads="1"/>
-          </p:cNvSpPr>
-          <p:nvPr/>
-        </p:nvSpPr>
-        <p:spPr bwMode="auto">
-          <a:xfrm>
-            <a:off x="153601" y="6205612"/>
-            <a:ext cx="8336640" cy="505493"/>
-          </a:xfrm>
-          <a:prstGeom prst="rect">
-            <a:avLst/>
-          </a:prstGeom>
-          <a:noFill/>
-          <a:ln w="9525">
-            <a:noFill/>
-            <a:round/>
-            <a:headEnd/>
-            <a:tailEnd/>
-          </a:ln>
-        </p:spPr>
-        <p:txBody>
-          <a:bodyPr lIns="90000" tIns="54702" rIns="90000" bIns="45000"/>
-          <a:lstStyle/>
-          <a:p>
-            <a:pPr>
-              <a:tabLst>
-                <a:tab pos="723900" algn="l"/>
-                <a:tab pos="1447800" algn="l"/>
-                <a:tab pos="2171700" algn="l"/>
-                <a:tab pos="2895600" algn="l"/>
-                <a:tab pos="3619500" algn="l"/>
-                <a:tab pos="4343400" algn="l"/>
-                <a:tab pos="5067300" algn="l"/>
-                <a:tab pos="5791200" algn="l"/>
-                <a:tab pos="6515100" algn="l"/>
-              </a:tabLst>
-            </a:pPr>
-            <a:r>
-              <a:rPr lang="en-GB" sz="1100" b="1">
-                <a:solidFill>
-                  <a:srgbClr val="000000"/>
-                </a:solidFill>
-              </a:rPr>
-              <a:t>Hippocampus</a:t>
-            </a:r>
-            <a:r>
-              <a:rPr lang="en-GB" sz="1100">
-                <a:solidFill>
-                  <a:srgbClr val="000000"/>
-                </a:solidFill>
-              </a:rPr>
-              <a:t/>
-            </a:r>
-            <a:br>
-              <a:rPr lang="en-GB" sz="1100">
-                <a:solidFill>
-                  <a:srgbClr val="000000"/>
-                </a:solidFill>
-              </a:rPr>
-            </a:br>
-            <a:r>
-              <a:rPr lang="en-GB" sz="1100">
-                <a:solidFill>
-                  <a:srgbClr val="000000"/>
-                </a:solidFill>
-                <a:hlinkClick r:id="rId5"/>
-              </a:rPr>
-              <a:t>Volume 26, Issue 8, </a:t>
-            </a:r>
-            <a:r>
-              <a:rPr lang="en-GB" sz="1100">
-                <a:solidFill>
-                  <a:srgbClr val="000000"/>
-                </a:solidFill>
-              </a:rPr>
-              <a:t>pages 1061-1077, 9 APR 2016 DOI: 10.1002/hipo.22587</a:t>
-            </a:r>
-            <a:br>
-              <a:rPr lang="en-GB" sz="1100">
-                <a:solidFill>
-                  <a:srgbClr val="000000"/>
-                </a:solidFill>
-              </a:rPr>
-            </a:br>
-            <a:r>
-              <a:rPr lang="en-GB" sz="1100">
-                <a:solidFill>
-                  <a:srgbClr val="000000"/>
-                </a:solidFill>
-                <a:hlinkClick r:id="rId6"/>
-              </a:rPr>
-              <a:t>http://onlinelibrary.wiley.com/doi/10.1002/hipo.22587/full#hipo22587-fig-0007</a:t>
-            </a:r>
-          </a:p>
-        </p:txBody>
-      </p:sp>
     </p:spTree>
     <p:extLst>
       <p:ext uri="{BB962C8B-B14F-4D97-AF65-F5344CB8AC3E}">
-        <p14:creationId xmlns:p14="http://schemas.microsoft.com/office/powerpoint/2010/main" val="360000308"/>
+        <p14:creationId xmlns:p14="http://schemas.microsoft.com/office/powerpoint/2010/main" val="3312053812"/>
       </p:ext>
     </p:extLst>
   </p:cSld>
@@ -16289,7 +17916,7 @@
 </p:sld>
 </file>
 
-<file path=ppt/slides/slide27.xml><?xml version="1.0" encoding="utf-8"?>
+<file path=ppt/slides/slide29.xml><?xml version="1.0" encoding="utf-8"?>
 <p:sld xmlns:a="http://schemas.openxmlformats.org/drawingml/2006/main" xmlns:r="http://schemas.openxmlformats.org/officeDocument/2006/relationships" xmlns:p="http://schemas.openxmlformats.org/presentationml/2006/main">
   <p:cSld>
     <p:spTree>
@@ -16306,49 +17933,6 @@
           <a:chExt cx="0" cy="0"/>
         </a:xfrm>
       </p:grpSpPr>
-      <p:sp>
-        <p:nvSpPr>
-          <p:cNvPr id="2050" name="Rectangle 1"/>
-          <p:cNvSpPr>
-            <a:spLocks noGrp="1" noChangeArrowheads="1"/>
-          </p:cNvSpPr>
-          <p:nvPr>
-            <p:ph type="title"/>
-          </p:nvPr>
-        </p:nvSpPr>
-        <p:spPr>
-          <a:xfrm>
-            <a:off x="566401" y="419084"/>
-            <a:ext cx="10970880" cy="724396"/>
-          </a:xfrm>
-        </p:spPr>
-        <p:txBody>
-          <a:bodyPr tIns="14112"/>
-          <a:lstStyle/>
-          <a:p>
-            <a:pPr eaLnBrk="1">
-              <a:tabLst>
-                <a:tab pos="723900" algn="l"/>
-                <a:tab pos="1447800" algn="l"/>
-                <a:tab pos="2171700" algn="l"/>
-                <a:tab pos="2895600" algn="l"/>
-                <a:tab pos="3619500" algn="l"/>
-                <a:tab pos="4343400" algn="l"/>
-                <a:tab pos="5067300" algn="l"/>
-                <a:tab pos="5791200" algn="l"/>
-                <a:tab pos="6515100" algn="l"/>
-                <a:tab pos="7239000" algn="l"/>
-                <a:tab pos="7962900" algn="l"/>
-                <a:tab pos="8686800" algn="l"/>
-              </a:tabLst>
-            </a:pPr>
-            <a:r>
-              <a:rPr lang="en-GB" sz="1600" b="1" smtClean="0"/>
-              <a:t>Functional cross‐hemispheric shift between object‐place paired associate memory and spatial memory in the human hippocampus</a:t>
-            </a:r>
-          </a:p>
-        </p:txBody>
-      </p:sp>
       <p:pic>
         <p:nvPicPr>
           <p:cNvPr id="2051" name="Picture 2"/>
@@ -16366,8 +17950,8 @@
         </p:blipFill>
         <p:spPr bwMode="auto">
           <a:xfrm>
-            <a:off x="3877399" y="1306342"/>
-            <a:ext cx="4199394" cy="4320000"/>
+            <a:off x="387694" y="1036320"/>
+            <a:ext cx="11298529" cy="4826782"/>
           </a:xfrm>
           <a:prstGeom prst="rect">
             <a:avLst/>
@@ -16413,110 +17997,10 @@
           </a:ln>
         </p:spPr>
       </p:pic>
-      <p:sp>
-        <p:nvSpPr>
-          <p:cNvPr id="2053" name="Text Box 4"/>
-          <p:cNvSpPr txBox="1">
-            <a:spLocks noChangeArrowheads="1"/>
-          </p:cNvSpPr>
-          <p:nvPr/>
-        </p:nvSpPr>
-        <p:spPr bwMode="auto">
-          <a:xfrm>
-            <a:off x="153601" y="6205612"/>
-            <a:ext cx="8336640" cy="505493"/>
-          </a:xfrm>
-          <a:prstGeom prst="rect">
-            <a:avLst/>
-          </a:prstGeom>
-          <a:noFill/>
-          <a:ln w="9525">
-            <a:noFill/>
-            <a:round/>
-            <a:headEnd/>
-            <a:tailEnd/>
-          </a:ln>
-        </p:spPr>
-        <p:txBody>
-          <a:bodyPr lIns="90000" tIns="54702" rIns="90000" bIns="45000"/>
-          <a:lstStyle/>
-          <a:p>
-            <a:pPr>
-              <a:tabLst>
-                <a:tab pos="723900" algn="l"/>
-                <a:tab pos="1447800" algn="l"/>
-                <a:tab pos="2171700" algn="l"/>
-                <a:tab pos="2895600" algn="l"/>
-                <a:tab pos="3619500" algn="l"/>
-                <a:tab pos="4343400" algn="l"/>
-                <a:tab pos="5067300" algn="l"/>
-                <a:tab pos="5791200" algn="l"/>
-                <a:tab pos="6515100" algn="l"/>
-              </a:tabLst>
-            </a:pPr>
-            <a:r>
-              <a:rPr lang="en-GB" sz="1100" b="1">
-                <a:solidFill>
-                  <a:srgbClr val="000000"/>
-                </a:solidFill>
-              </a:rPr>
-              <a:t>Hippocampus</a:t>
-            </a:r>
-            <a:r>
-              <a:rPr lang="en-GB" sz="1100">
-                <a:solidFill>
-                  <a:srgbClr val="000000"/>
-                </a:solidFill>
-              </a:rPr>
-              <a:t/>
-            </a:r>
-            <a:br>
-              <a:rPr lang="en-GB" sz="1100">
-                <a:solidFill>
-                  <a:srgbClr val="000000"/>
-                </a:solidFill>
-              </a:rPr>
-            </a:br>
-            <a:r>
-              <a:rPr lang="en-GB" sz="1100">
-                <a:solidFill>
-                  <a:srgbClr val="000000"/>
-                </a:solidFill>
-                <a:hlinkClick r:id="rId5"/>
-              </a:rPr>
-              <a:t>Volume 26, Issue 8, </a:t>
-            </a:r>
-            <a:r>
-              <a:rPr lang="en-GB" sz="1100">
-                <a:solidFill>
-                  <a:srgbClr val="000000"/>
-                </a:solidFill>
-              </a:rPr>
-              <a:t>pages 1061-1077, 9 APR 2016 DOI: 10.1002/hipo.22587</a:t>
-            </a:r>
-            <a:br>
-              <a:rPr lang="en-GB" sz="1100">
-                <a:solidFill>
-                  <a:srgbClr val="000000"/>
-                </a:solidFill>
-              </a:rPr>
-            </a:br>
-            <a:r>
-              <a:rPr lang="en-GB" sz="1100">
-                <a:solidFill>
-                  <a:srgbClr val="000000"/>
-                </a:solidFill>
-                <a:hlinkClick r:id="rId6"/>
-              </a:rPr>
-              <a:t>http://onlinelibrary.wiley.com/doi/10.1002/hipo.22587/full#hipo22587-fig-0008</a:t>
-            </a:r>
-          </a:p>
-        </p:txBody>
-      </p:sp>
     </p:spTree>
     <p:extLst>
       <p:ext uri="{BB962C8B-B14F-4D97-AF65-F5344CB8AC3E}">
-        <p14:creationId xmlns:p14="http://schemas.microsoft.com/office/powerpoint/2010/main" val="2498295017"/>
+        <p14:creationId xmlns:p14="http://schemas.microsoft.com/office/powerpoint/2010/main" val="4197774723"/>
       </p:ext>
     </p:extLst>
   </p:cSld>
@@ -16554,554 +18038,6 @@
 </p:sld>
 </file>
 
-<file path=ppt/slides/slide28.xml><?xml version="1.0" encoding="utf-8"?>
-<p:sld xmlns:a="http://schemas.openxmlformats.org/drawingml/2006/main" xmlns:r="http://schemas.openxmlformats.org/officeDocument/2006/relationships" xmlns:p="http://schemas.openxmlformats.org/presentationml/2006/main">
-  <p:cSld>
-    <p:spTree>
-      <p:nvGrpSpPr>
-        <p:cNvPr id="1" name=""/>
-        <p:cNvGrpSpPr/>
-        <p:nvPr/>
-      </p:nvGrpSpPr>
-      <p:grpSpPr>
-        <a:xfrm>
-          <a:off x="0" y="0"/>
-          <a:ext cx="0" cy="0"/>
-          <a:chOff x="0" y="0"/>
-          <a:chExt cx="0" cy="0"/>
-        </a:xfrm>
-      </p:grpSpPr>
-      <p:sp>
-        <p:nvSpPr>
-          <p:cNvPr id="5" name="矩形 4"/>
-          <p:cNvSpPr/>
-          <p:nvPr/>
-        </p:nvSpPr>
-        <p:spPr>
-          <a:xfrm>
-            <a:off x="6005399" y="3447534"/>
-            <a:ext cx="6172200" cy="3410465"/>
-          </a:xfrm>
-          <a:prstGeom prst="rect">
-            <a:avLst/>
-          </a:prstGeom>
-          <a:solidFill>
-            <a:schemeClr val="bg1">
-              <a:lumMod val="95000"/>
-            </a:schemeClr>
-          </a:solidFill>
-          <a:ln>
-            <a:noFill/>
-          </a:ln>
-        </p:spPr>
-        <p:style>
-          <a:lnRef idx="2">
-            <a:schemeClr val="accent1">
-              <a:shade val="50000"/>
-            </a:schemeClr>
-          </a:lnRef>
-          <a:fillRef idx="1">
-            <a:schemeClr val="accent1"/>
-          </a:fillRef>
-          <a:effectRef idx="0">
-            <a:schemeClr val="accent1"/>
-          </a:effectRef>
-          <a:fontRef idx="minor">
-            <a:schemeClr val="lt1"/>
-          </a:fontRef>
-        </p:style>
-        <p:txBody>
-          <a:bodyPr rtlCol="0" anchor="ctr"/>
-          <a:lstStyle/>
-          <a:p>
-            <a:pPr algn="ctr"/>
-            <a:endParaRPr lang="zh-CN" altLang="en-US"/>
-          </a:p>
-        </p:txBody>
-      </p:sp>
-      <p:sp>
-        <p:nvSpPr>
-          <p:cNvPr id="29" name="矩形 28"/>
-          <p:cNvSpPr/>
-          <p:nvPr/>
-        </p:nvSpPr>
-        <p:spPr>
-          <a:xfrm>
-            <a:off x="12346" y="1"/>
-            <a:ext cx="6006821" cy="3447534"/>
-          </a:xfrm>
-          <a:prstGeom prst="rect">
-            <a:avLst/>
-          </a:prstGeom>
-          <a:solidFill>
-            <a:schemeClr val="bg1">
-              <a:lumMod val="95000"/>
-            </a:schemeClr>
-          </a:solidFill>
-          <a:ln>
-            <a:noFill/>
-          </a:ln>
-        </p:spPr>
-        <p:style>
-          <a:lnRef idx="2">
-            <a:schemeClr val="accent1">
-              <a:shade val="50000"/>
-            </a:schemeClr>
-          </a:lnRef>
-          <a:fillRef idx="1">
-            <a:schemeClr val="accent1"/>
-          </a:fillRef>
-          <a:effectRef idx="0">
-            <a:schemeClr val="accent1"/>
-          </a:effectRef>
-          <a:fontRef idx="minor">
-            <a:schemeClr val="lt1"/>
-          </a:fontRef>
-        </p:style>
-        <p:txBody>
-          <a:bodyPr rtlCol="0" anchor="ctr"/>
-          <a:lstStyle/>
-          <a:p>
-            <a:pPr algn="ctr"/>
-            <a:endParaRPr lang="zh-CN" altLang="en-US"/>
-          </a:p>
-        </p:txBody>
-      </p:sp>
-      <p:sp>
-        <p:nvSpPr>
-          <p:cNvPr id="30" name="文本框 29"/>
-          <p:cNvSpPr txBox="1"/>
-          <p:nvPr/>
-        </p:nvSpPr>
-        <p:spPr>
-          <a:xfrm>
-            <a:off x="662539" y="294935"/>
-            <a:ext cx="5947811" cy="769441"/>
-          </a:xfrm>
-          <a:prstGeom prst="rect">
-            <a:avLst/>
-          </a:prstGeom>
-          <a:noFill/>
-        </p:spPr>
-        <p:txBody>
-          <a:bodyPr wrap="square" rtlCol="0">
-            <a:spAutoFit/>
-          </a:bodyPr>
-          <a:lstStyle/>
-          <a:p>
-            <a:r>
-              <a:rPr lang="en-US" altLang="zh-CN" sz="4400" b="1" dirty="0" err="1" smtClean="0">
-                <a:solidFill>
-                  <a:srgbClr val="00ABB4"/>
-                </a:solidFill>
-                <a:latin typeface="微软雅黑" panose="020B0503020204020204" pitchFamily="34" charset="-122"/>
-                <a:ea typeface="微软雅黑" panose="020B0503020204020204" pitchFamily="34" charset="-122"/>
-              </a:rPr>
-              <a:t>Optogenetics</a:t>
-            </a:r>
-            <a:endParaRPr lang="en-US" altLang="zh-CN" sz="4400" b="1" dirty="0">
-              <a:solidFill>
-                <a:srgbClr val="00ABB4"/>
-              </a:solidFill>
-              <a:latin typeface="微软雅黑" panose="020B0503020204020204" pitchFamily="34" charset="-122"/>
-              <a:ea typeface="微软雅黑" panose="020B0503020204020204" pitchFamily="34" charset="-122"/>
-            </a:endParaRPr>
-          </a:p>
-        </p:txBody>
-      </p:sp>
-      <p:sp>
-        <p:nvSpPr>
-          <p:cNvPr id="31" name="Rectangle 96"/>
-          <p:cNvSpPr/>
-          <p:nvPr/>
-        </p:nvSpPr>
-        <p:spPr>
-          <a:xfrm>
-            <a:off x="882750" y="1406718"/>
-            <a:ext cx="10245297" cy="3539430"/>
-          </a:xfrm>
-          <a:prstGeom prst="rect">
-            <a:avLst/>
-          </a:prstGeom>
-        </p:spPr>
-        <p:txBody>
-          <a:bodyPr wrap="square">
-            <a:spAutoFit/>
-          </a:bodyPr>
-          <a:lstStyle/>
-          <a:p>
-            <a:pPr marL="342900" indent="-342900">
-              <a:lnSpc>
-                <a:spcPct val="200000"/>
-              </a:lnSpc>
-              <a:buFont typeface="Arial" panose="020B0604020202020204" pitchFamily="34" charset="0"/>
-              <a:buChar char="•"/>
-            </a:pPr>
-            <a:r>
-              <a:rPr lang="en-US" altLang="zh-CN" sz="2800" dirty="0" smtClean="0">
-                <a:latin typeface="Meiryo" panose="020B0604030504040204" pitchFamily="34" charset="-128"/>
-                <a:ea typeface="Meiryo" panose="020B0604030504040204" pitchFamily="34" charset="-128"/>
-                <a:cs typeface="Meiryo" panose="020B0604030504040204" pitchFamily="34" charset="-128"/>
-              </a:rPr>
-              <a:t>AAV5-CaMKII</a:t>
-            </a:r>
-            <a:r>
-              <a:rPr lang="el-GR" altLang="zh-CN" sz="2800" dirty="0">
-                <a:latin typeface="Meiryo" panose="020B0604030504040204" pitchFamily="34" charset="-128"/>
-                <a:ea typeface="Meiryo" panose="020B0604030504040204" pitchFamily="34" charset="-128"/>
-                <a:cs typeface="Meiryo" panose="020B0604030504040204" pitchFamily="34" charset="-128"/>
-              </a:rPr>
-              <a:t>α-</a:t>
-            </a:r>
-            <a:r>
-              <a:rPr lang="en-US" altLang="zh-CN" sz="2800" dirty="0">
-                <a:latin typeface="Meiryo" panose="020B0604030504040204" pitchFamily="34" charset="-128"/>
-                <a:ea typeface="Meiryo" panose="020B0604030504040204" pitchFamily="34" charset="-128"/>
-                <a:cs typeface="Meiryo" panose="020B0604030504040204" pitchFamily="34" charset="-128"/>
-              </a:rPr>
-              <a:t>eNpHR3.0-eYFP </a:t>
-            </a:r>
-            <a:endParaRPr lang="en-US" altLang="zh-CN" sz="2800" dirty="0" smtClean="0">
-              <a:latin typeface="Meiryo" panose="020B0604030504040204" pitchFamily="34" charset="-128"/>
-              <a:ea typeface="Meiryo" panose="020B0604030504040204" pitchFamily="34" charset="-128"/>
-              <a:cs typeface="Meiryo" panose="020B0604030504040204" pitchFamily="34" charset="-128"/>
-            </a:endParaRPr>
-          </a:p>
-          <a:p>
-            <a:pPr marL="342900" indent="-342900">
-              <a:lnSpc>
-                <a:spcPct val="200000"/>
-              </a:lnSpc>
-              <a:buFont typeface="Arial" panose="020B0604020202020204" pitchFamily="34" charset="0"/>
-              <a:buChar char="•"/>
-            </a:pPr>
-            <a:r>
-              <a:rPr lang="en-US" altLang="zh-CN" sz="2800" dirty="0" smtClean="0">
-                <a:latin typeface="Meiryo" panose="020B0604030504040204" pitchFamily="34" charset="-128"/>
-                <a:ea typeface="Meiryo" panose="020B0604030504040204" pitchFamily="34" charset="-128"/>
-              </a:rPr>
-              <a:t>Green light</a:t>
-            </a:r>
-            <a:endParaRPr lang="en-US" altLang="zh-CN" sz="2800" dirty="0" smtClean="0"/>
-          </a:p>
-          <a:p>
-            <a:pPr marL="342900" indent="-342900">
-              <a:lnSpc>
-                <a:spcPct val="200000"/>
-              </a:lnSpc>
-              <a:buFont typeface="Arial" panose="020B0604020202020204" pitchFamily="34" charset="0"/>
-              <a:buChar char="•"/>
-            </a:pPr>
-            <a:r>
-              <a:rPr lang="en-US" altLang="zh-CN" sz="2800" dirty="0">
-                <a:latin typeface="Meiryo" panose="020B0604030504040204" pitchFamily="34" charset="-128"/>
-                <a:ea typeface="Meiryo" panose="020B0604030504040204" pitchFamily="34" charset="-128"/>
-                <a:cs typeface="Meiryo" panose="020B0604030504040204" pitchFamily="34" charset="-128"/>
-              </a:rPr>
-              <a:t>R</a:t>
-            </a:r>
-            <a:r>
-              <a:rPr lang="en-US" altLang="zh-CN" sz="2800" dirty="0" smtClean="0">
-                <a:latin typeface="Meiryo" panose="020B0604030504040204" pitchFamily="34" charset="-128"/>
-                <a:ea typeface="Meiryo" panose="020B0604030504040204" pitchFamily="34" charset="-128"/>
-                <a:cs typeface="Meiryo" panose="020B0604030504040204" pitchFamily="34" charset="-128"/>
-              </a:rPr>
-              <a:t>eversible </a:t>
-            </a:r>
-            <a:r>
-              <a:rPr lang="en-US" altLang="zh-CN" sz="2800" dirty="0">
-                <a:latin typeface="Meiryo" panose="020B0604030504040204" pitchFamily="34" charset="-128"/>
-                <a:ea typeface="Meiryo" panose="020B0604030504040204" pitchFamily="34" charset="-128"/>
-                <a:cs typeface="Meiryo" panose="020B0604030504040204" pitchFamily="34" charset="-128"/>
-              </a:rPr>
-              <a:t>silencing of spontaneous </a:t>
-            </a:r>
-            <a:r>
-              <a:rPr lang="en-US" altLang="zh-CN" sz="2800" dirty="0" smtClean="0">
-                <a:latin typeface="Meiryo" panose="020B0604030504040204" pitchFamily="34" charset="-128"/>
-                <a:ea typeface="Meiryo" panose="020B0604030504040204" pitchFamily="34" charset="-128"/>
-                <a:cs typeface="Meiryo" panose="020B0604030504040204" pitchFamily="34" charset="-128"/>
-              </a:rPr>
-              <a:t>spiking</a:t>
-            </a:r>
-          </a:p>
-          <a:p>
-            <a:pPr marL="342900" indent="-342900">
-              <a:lnSpc>
-                <a:spcPct val="200000"/>
-              </a:lnSpc>
-              <a:buFont typeface="Arial" panose="020B0604020202020204" pitchFamily="34" charset="0"/>
-              <a:buChar char="•"/>
-            </a:pPr>
-            <a:r>
-              <a:rPr lang="en-US" altLang="zh-CN" sz="2800" dirty="0">
-                <a:latin typeface="Meiryo" panose="020B0604030504040204" pitchFamily="34" charset="-128"/>
-                <a:ea typeface="Meiryo" panose="020B0604030504040204" pitchFamily="34" charset="-128"/>
-                <a:cs typeface="Meiryo" panose="020B0604030504040204" pitchFamily="34" charset="-128"/>
-              </a:rPr>
-              <a:t>O</a:t>
-            </a:r>
-            <a:r>
-              <a:rPr lang="en-US" altLang="zh-CN" sz="2800" dirty="0" smtClean="0">
-                <a:latin typeface="Meiryo" panose="020B0604030504040204" pitchFamily="34" charset="-128"/>
-                <a:ea typeface="Meiryo" panose="020B0604030504040204" pitchFamily="34" charset="-128"/>
-                <a:cs typeface="Meiryo" panose="020B0604030504040204" pitchFamily="34" charset="-128"/>
-              </a:rPr>
-              <a:t>ne-sample </a:t>
-            </a:r>
-            <a:r>
-              <a:rPr lang="en-US" altLang="zh-CN" sz="2800" dirty="0">
-                <a:latin typeface="Meiryo" panose="020B0604030504040204" pitchFamily="34" charset="-128"/>
-                <a:ea typeface="Meiryo" panose="020B0604030504040204" pitchFamily="34" charset="-128"/>
-                <a:cs typeface="Meiryo" panose="020B0604030504040204" pitchFamily="34" charset="-128"/>
-              </a:rPr>
-              <a:t>t tests </a:t>
-            </a:r>
-          </a:p>
-        </p:txBody>
-      </p:sp>
-    </p:spTree>
-    <p:extLst>
-      <p:ext uri="{BB962C8B-B14F-4D97-AF65-F5344CB8AC3E}">
-        <p14:creationId xmlns:p14="http://schemas.microsoft.com/office/powerpoint/2010/main" val="1557172402"/>
-      </p:ext>
-    </p:extLst>
-  </p:cSld>
-  <p:clrMapOvr>
-    <a:masterClrMapping/>
-  </p:clrMapOvr>
-  <p:timing>
-    <p:tnLst>
-      <p:par>
-        <p:cTn id="1" dur="indefinite" restart="never" nodeType="tmRoot"/>
-      </p:par>
-    </p:tnLst>
-  </p:timing>
-</p:sld>
-</file>
-
-<file path=ppt/slides/slide29.xml><?xml version="1.0" encoding="utf-8"?>
-<p:sld xmlns:a="http://schemas.openxmlformats.org/drawingml/2006/main" xmlns:r="http://schemas.openxmlformats.org/officeDocument/2006/relationships" xmlns:p="http://schemas.openxmlformats.org/presentationml/2006/main">
-  <p:cSld>
-    <p:spTree>
-      <p:nvGrpSpPr>
-        <p:cNvPr id="1" name=""/>
-        <p:cNvGrpSpPr/>
-        <p:nvPr/>
-      </p:nvGrpSpPr>
-      <p:grpSpPr>
-        <a:xfrm>
-          <a:off x="0" y="0"/>
-          <a:ext cx="0" cy="0"/>
-          <a:chOff x="0" y="0"/>
-          <a:chExt cx="0" cy="0"/>
-        </a:xfrm>
-      </p:grpSpPr>
-      <p:sp>
-        <p:nvSpPr>
-          <p:cNvPr id="29" name="矩形 28"/>
-          <p:cNvSpPr/>
-          <p:nvPr/>
-        </p:nvSpPr>
-        <p:spPr>
-          <a:xfrm>
-            <a:off x="5918899" y="0"/>
-            <a:ext cx="6260123" cy="6858000"/>
-          </a:xfrm>
-          <a:prstGeom prst="rect">
-            <a:avLst/>
-          </a:prstGeom>
-          <a:solidFill>
-            <a:schemeClr val="bg1">
-              <a:lumMod val="95000"/>
-            </a:schemeClr>
-          </a:solidFill>
-          <a:ln>
-            <a:noFill/>
-          </a:ln>
-        </p:spPr>
-        <p:style>
-          <a:lnRef idx="2">
-            <a:schemeClr val="accent1">
-              <a:shade val="50000"/>
-            </a:schemeClr>
-          </a:lnRef>
-          <a:fillRef idx="1">
-            <a:schemeClr val="accent1"/>
-          </a:fillRef>
-          <a:effectRef idx="0">
-            <a:schemeClr val="accent1"/>
-          </a:effectRef>
-          <a:fontRef idx="minor">
-            <a:schemeClr val="lt1"/>
-          </a:fontRef>
-        </p:style>
-        <p:txBody>
-          <a:bodyPr rtlCol="0" anchor="ctr"/>
-          <a:lstStyle/>
-          <a:p>
-            <a:pPr algn="ctr"/>
-            <a:endParaRPr lang="zh-CN" altLang="en-US" dirty="0"/>
-          </a:p>
-        </p:txBody>
-      </p:sp>
-      <p:sp>
-        <p:nvSpPr>
-          <p:cNvPr id="31" name="Rectangle 96"/>
-          <p:cNvSpPr/>
-          <p:nvPr/>
-        </p:nvSpPr>
-        <p:spPr>
-          <a:xfrm>
-            <a:off x="765809" y="2035076"/>
-            <a:ext cx="11068049" cy="2677656"/>
-          </a:xfrm>
-          <a:prstGeom prst="rect">
-            <a:avLst/>
-          </a:prstGeom>
-        </p:spPr>
-        <p:txBody>
-          <a:bodyPr wrap="square">
-            <a:spAutoFit/>
-          </a:bodyPr>
-          <a:lstStyle/>
-          <a:p>
-            <a:pPr marL="285750" indent="-285750">
-              <a:lnSpc>
-                <a:spcPct val="150000"/>
-              </a:lnSpc>
-              <a:buFont typeface="Arial" panose="020B0604020202020204" pitchFamily="34" charset="0"/>
-              <a:buChar char="•"/>
-            </a:pPr>
-            <a:r>
-              <a:rPr lang="en-US" altLang="zh-CN" sz="2800" dirty="0"/>
-              <a:t>The behavioral results were analyzed by </a:t>
-            </a:r>
-            <a:r>
-              <a:rPr lang="en-US" altLang="zh-CN" sz="2800" b="1" dirty="0"/>
-              <a:t>two-way ANOVA</a:t>
-            </a:r>
-            <a:r>
-              <a:rPr lang="en-US" altLang="zh-CN" sz="2800" dirty="0"/>
-              <a:t/>
-            </a:r>
-            <a:br>
-              <a:rPr lang="en-US" altLang="zh-CN" sz="2800" dirty="0"/>
-            </a:br>
-            <a:r>
-              <a:rPr lang="en-US" altLang="zh-CN" sz="2800" dirty="0"/>
-              <a:t>with </a:t>
-            </a:r>
-            <a:r>
-              <a:rPr lang="en-US" altLang="zh-CN" sz="2800" b="1" dirty="0"/>
-              <a:t>between-subjects</a:t>
-            </a:r>
-            <a:r>
-              <a:rPr lang="en-US" altLang="zh-CN" sz="2800" dirty="0"/>
-              <a:t> factors of </a:t>
-            </a:r>
-            <a:r>
-              <a:rPr lang="en-US" altLang="zh-CN" sz="2800" b="1" dirty="0"/>
-              <a:t>transgene (</a:t>
-            </a:r>
-            <a:r>
-              <a:rPr lang="en-US" altLang="zh-CN" sz="2800" b="1" dirty="0" err="1"/>
-              <a:t>NpHR</a:t>
-            </a:r>
-            <a:r>
-              <a:rPr lang="en-US" altLang="zh-CN" sz="2800" b="1" dirty="0"/>
-              <a:t> vs. YFP) </a:t>
-            </a:r>
-            <a:r>
-              <a:rPr lang="en-US" altLang="zh-CN" sz="2800" dirty="0" smtClean="0"/>
-              <a:t>and </a:t>
-            </a:r>
-            <a:r>
-              <a:rPr lang="en-US" altLang="zh-CN" sz="2800" b="1" dirty="0" smtClean="0"/>
-              <a:t>hemisphere </a:t>
-            </a:r>
-            <a:r>
-              <a:rPr lang="en-US" altLang="zh-CN" sz="2800" b="1" dirty="0"/>
-              <a:t>(left vs. right), </a:t>
-            </a:r>
-            <a:r>
-              <a:rPr lang="en-US" altLang="zh-CN" sz="2800" dirty="0"/>
-              <a:t>and also a </a:t>
-            </a:r>
-            <a:r>
-              <a:rPr lang="en-US" altLang="zh-CN" sz="2800" b="1" dirty="0"/>
-              <a:t>within-subjects</a:t>
-            </a:r>
-            <a:r>
-              <a:rPr lang="en-US" altLang="zh-CN" sz="2800" dirty="0"/>
-              <a:t> factor </a:t>
-            </a:r>
-            <a:r>
-              <a:rPr lang="en-US" altLang="zh-CN" sz="2800" dirty="0" smtClean="0"/>
-              <a:t>of block </a:t>
-            </a:r>
-            <a:r>
-              <a:rPr lang="en-US" altLang="zh-CN" sz="2800" dirty="0"/>
-              <a:t>for the long-term memory tests. </a:t>
-            </a:r>
-          </a:p>
-        </p:txBody>
-      </p:sp>
-      <p:sp>
-        <p:nvSpPr>
-          <p:cNvPr id="6" name="文本框 29"/>
-          <p:cNvSpPr txBox="1"/>
-          <p:nvPr/>
-        </p:nvSpPr>
-        <p:spPr>
-          <a:xfrm>
-            <a:off x="662539" y="294935"/>
-            <a:ext cx="5947811" cy="769441"/>
-          </a:xfrm>
-          <a:prstGeom prst="rect">
-            <a:avLst/>
-          </a:prstGeom>
-          <a:noFill/>
-        </p:spPr>
-        <p:txBody>
-          <a:bodyPr wrap="square" rtlCol="0">
-            <a:spAutoFit/>
-          </a:bodyPr>
-          <a:lstStyle/>
-          <a:p>
-            <a:r>
-              <a:rPr lang="en-US" altLang="zh-CN" sz="4400" b="1" dirty="0" smtClean="0">
-                <a:solidFill>
-                  <a:srgbClr val="00ABB4"/>
-                </a:solidFill>
-                <a:latin typeface="微软雅黑" panose="020B0503020204020204" pitchFamily="34" charset="-122"/>
-                <a:ea typeface="微软雅黑" panose="020B0503020204020204" pitchFamily="34" charset="-122"/>
-              </a:rPr>
-              <a:t>Analysis</a:t>
-            </a:r>
-          </a:p>
-        </p:txBody>
-      </p:sp>
-    </p:spTree>
-    <p:extLst>
-      <p:ext uri="{BB962C8B-B14F-4D97-AF65-F5344CB8AC3E}">
-        <p14:creationId xmlns:p14="http://schemas.microsoft.com/office/powerpoint/2010/main" val="696880558"/>
-      </p:ext>
-    </p:extLst>
-  </p:cSld>
-  <p:clrMapOvr>
-    <a:masterClrMapping/>
-  </p:clrMapOvr>
-  <p:timing>
-    <p:tnLst>
-      <p:par>
-        <p:cTn id="1" dur="indefinite" restart="never" nodeType="tmRoot"/>
-      </p:par>
-    </p:tnLst>
-  </p:timing>
-</p:sld>
-</file>
-
 <file path=ppt/slides/slide3.xml><?xml version="1.0" encoding="utf-8"?>
 <p:sld xmlns:a="http://schemas.openxmlformats.org/drawingml/2006/main" xmlns:r="http://schemas.openxmlformats.org/officeDocument/2006/relationships" xmlns:p="http://schemas.openxmlformats.org/presentationml/2006/main">
   <p:cSld>
@@ -17266,110 +18202,105 @@
           <a:chExt cx="0" cy="0"/>
         </a:xfrm>
       </p:grpSpPr>
-      <p:sp>
-        <p:nvSpPr>
-          <p:cNvPr id="3" name="文本框 2"/>
-          <p:cNvSpPr txBox="1"/>
+      <p:pic>
+        <p:nvPicPr>
+          <p:cNvPr id="2051" name="Picture 2"/>
+          <p:cNvPicPr>
+            <a:picLocks noChangeAspect="1" noChangeArrowheads="1"/>
+          </p:cNvPicPr>
           <p:nvPr/>
-        </p:nvSpPr>
-        <p:spPr>
+        </p:nvPicPr>
+        <p:blipFill>
+          <a:blip r:embed="rId3" cstate="print"/>
+          <a:srcRect/>
+          <a:stretch>
+            <a:fillRect/>
+          </a:stretch>
+        </p:blipFill>
+        <p:spPr bwMode="auto">
           <a:xfrm>
-            <a:off x="2618510" y="2333008"/>
-            <a:ext cx="6964407" cy="1261884"/>
+            <a:off x="572304" y="876300"/>
+            <a:ext cx="11007239" cy="4907842"/>
           </a:xfrm>
           <a:prstGeom prst="rect">
             <a:avLst/>
           </a:prstGeom>
           <a:noFill/>
+          <a:ln w="9525">
+            <a:noFill/>
+            <a:round/>
+            <a:headEnd/>
+            <a:tailEnd/>
+          </a:ln>
         </p:spPr>
-        <p:txBody>
-          <a:bodyPr wrap="none" rtlCol="0">
-            <a:spAutoFit/>
-          </a:bodyPr>
-          <a:lstStyle/>
-          <a:p>
-            <a:pPr algn="ctr"/>
-            <a:r>
-              <a:rPr lang="en-US" altLang="zh-CN" sz="3800" b="1" dirty="0" smtClean="0">
-                <a:solidFill>
-                  <a:srgbClr val="00ABB4"/>
-                </a:solidFill>
-                <a:effectLst>
-                  <a:outerShdw blurRad="38100" dist="38100" dir="2700000" algn="tl">
-                    <a:srgbClr val="000000">
-                      <a:alpha val="43137"/>
-                    </a:srgbClr>
-                  </a:outerShdw>
-                </a:effectLst>
-                <a:latin typeface="微软雅黑" panose="020B0503020204020204" pitchFamily="34" charset="-122"/>
-                <a:ea typeface="微软雅黑" panose="020B0503020204020204" pitchFamily="34" charset="-122"/>
-              </a:rPr>
-              <a:t>Thank you all for listening~</a:t>
-            </a:r>
-            <a:r>
-              <a:rPr lang="en-US" altLang="zh-CN" sz="3800" b="1" dirty="0">
-                <a:solidFill>
-                  <a:srgbClr val="00ABB4"/>
-                </a:solidFill>
-                <a:effectLst>
-                  <a:outerShdw blurRad="38100" dist="38100" dir="2700000" algn="tl">
-                    <a:srgbClr val="000000">
-                      <a:alpha val="43137"/>
-                    </a:srgbClr>
-                  </a:outerShdw>
-                </a:effectLst>
-                <a:latin typeface="微软雅黑" panose="020B0503020204020204" pitchFamily="34" charset="-122"/>
-                <a:ea typeface="微软雅黑" panose="020B0503020204020204" pitchFamily="34" charset="-122"/>
-              </a:rPr>
-              <a:t/>
-            </a:r>
-            <a:br>
-              <a:rPr lang="en-US" altLang="zh-CN" sz="3800" b="1" dirty="0">
-                <a:solidFill>
-                  <a:srgbClr val="00ABB4"/>
-                </a:solidFill>
-                <a:effectLst>
-                  <a:outerShdw blurRad="38100" dist="38100" dir="2700000" algn="tl">
-                    <a:srgbClr val="000000">
-                      <a:alpha val="43137"/>
-                    </a:srgbClr>
-                  </a:outerShdw>
-                </a:effectLst>
-                <a:latin typeface="微软雅黑" panose="020B0503020204020204" pitchFamily="34" charset="-122"/>
-                <a:ea typeface="微软雅黑" panose="020B0503020204020204" pitchFamily="34" charset="-122"/>
-              </a:rPr>
-            </a:br>
-            <a:endParaRPr lang="en-US" altLang="zh-CN" sz="3800" b="1" dirty="0">
-              <a:solidFill>
-                <a:srgbClr val="00ABB4"/>
-              </a:solidFill>
-              <a:effectLst>
-                <a:outerShdw blurRad="38100" dist="38100" dir="2700000" algn="tl">
-                  <a:srgbClr val="000000">
-                    <a:alpha val="43137"/>
-                  </a:srgbClr>
-                </a:outerShdw>
-              </a:effectLst>
-              <a:latin typeface="微软雅黑" panose="020B0503020204020204" pitchFamily="34" charset="-122"/>
-              <a:ea typeface="微软雅黑" panose="020B0503020204020204" pitchFamily="34" charset="-122"/>
-            </a:endParaRPr>
-          </a:p>
-        </p:txBody>
-      </p:sp>
+      </p:pic>
+      <p:pic>
+        <p:nvPicPr>
+          <p:cNvPr id="2052" name="Picture 3"/>
+          <p:cNvPicPr>
+            <a:picLocks noChangeAspect="1" noChangeArrowheads="1"/>
+          </p:cNvPicPr>
+          <p:nvPr/>
+        </p:nvPicPr>
+        <p:blipFill>
+          <a:blip r:embed="rId4" cstate="print"/>
+          <a:srcRect/>
+          <a:stretch>
+            <a:fillRect/>
+          </a:stretch>
+        </p:blipFill>
+        <p:spPr bwMode="auto">
+          <a:xfrm>
+            <a:off x="0" y="0"/>
+            <a:ext cx="0" cy="0"/>
+          </a:xfrm>
+          <a:prstGeom prst="rect">
+            <a:avLst/>
+          </a:prstGeom>
+          <a:noFill/>
+          <a:ln w="9525">
+            <a:noFill/>
+            <a:round/>
+            <a:headEnd/>
+            <a:tailEnd/>
+          </a:ln>
+        </p:spPr>
+      </p:pic>
     </p:spTree>
     <p:extLst>
       <p:ext uri="{BB962C8B-B14F-4D97-AF65-F5344CB8AC3E}">
-        <p14:creationId xmlns:p14="http://schemas.microsoft.com/office/powerpoint/2010/main" val="3711594375"/>
+        <p14:creationId xmlns:p14="http://schemas.microsoft.com/office/powerpoint/2010/main" val="3507483405"/>
       </p:ext>
     </p:extLst>
   </p:cSld>
   <p:clrMapOvr>
     <a:masterClrMapping/>
   </p:clrMapOvr>
+  <p:transition spd="med"/>
   <p:timing>
     <p:tnLst>
       <p:par>
-        <p:cTn id="1" dur="indefinite" restart="never" nodeType="tmRoot"/>
+        <p:cTn id="1" dur="indefinite" restart="never" nodeType="tmRoot">
+          <p:childTnLst>
+            <p:seq concurrent="1" nextAc="seek">
+              <p:cTn id="2" dur="0" nodeType="mainSeq"/>
+              <p:prevCondLst>
+                <p:cond evt="onPrev" delay="0">
+                  <p:tgtEl>
+                    <p:sldTgt/>
+                  </p:tgtEl>
+                </p:cond>
+              </p:prevCondLst>
+              <p:nextCondLst>
+                <p:cond evt="onNext" delay="0">
+                  <p:tgtEl>
+                    <p:sldTgt/>
+                  </p:tgtEl>
+                </p:cond>
+              </p:nextCondLst>
+            </p:seq>
+          </p:childTnLst>
+        </p:cTn>
       </p:par>
     </p:tnLst>
   </p:timing>
@@ -17395,21 +18326,21 @@
       </p:grpSpPr>
       <p:sp>
         <p:nvSpPr>
-          <p:cNvPr id="3" name="矩形 2"/>
+          <p:cNvPr id="29" name="矩形 28"/>
           <p:cNvSpPr/>
           <p:nvPr/>
         </p:nvSpPr>
         <p:spPr>
           <a:xfrm>
-            <a:off x="4077446" y="1815450"/>
-            <a:ext cx="4305299" cy="2998177"/>
+            <a:off x="5918899" y="0"/>
+            <a:ext cx="6260123" cy="6858000"/>
           </a:xfrm>
           <a:prstGeom prst="rect">
             <a:avLst/>
           </a:prstGeom>
           <a:solidFill>
-            <a:schemeClr val="accent2">
-              <a:alpha val="81000"/>
+            <a:schemeClr val="bg1">
+              <a:lumMod val="95000"/>
             </a:schemeClr>
           </a:solidFill>
           <a:ln>
@@ -17437,27 +18368,160 @@
           <a:lstStyle/>
           <a:p>
             <a:pPr algn="ctr"/>
-            <a:endParaRPr lang="zh-CN" altLang="en-US"/>
-          </a:p>
-        </p:txBody>
-      </p:sp>
-      <p:sp>
-        <p:nvSpPr>
-          <p:cNvPr id="9" name="矩形 8"/>
+            <a:endParaRPr lang="zh-CN" altLang="en-US" dirty="0"/>
+          </a:p>
+        </p:txBody>
+      </p:sp>
+      <p:sp>
+        <p:nvSpPr>
+          <p:cNvPr id="31" name="Rectangle 96"/>
           <p:cNvSpPr/>
           <p:nvPr/>
         </p:nvSpPr>
         <p:spPr>
           <a:xfrm>
-            <a:off x="249145" y="-1448167"/>
-            <a:ext cx="2636930" cy="1767254"/>
+            <a:off x="842009" y="2370356"/>
+            <a:ext cx="11068049" cy="1569660"/>
+          </a:xfrm>
+          <a:prstGeom prst="rect">
+            <a:avLst/>
+          </a:prstGeom>
+        </p:spPr>
+        <p:txBody>
+          <a:bodyPr wrap="square">
+            <a:spAutoFit/>
+          </a:bodyPr>
+          <a:lstStyle/>
+          <a:p>
+            <a:pPr>
+              <a:lnSpc>
+                <a:spcPct val="150000"/>
+              </a:lnSpc>
+            </a:pPr>
+            <a:r>
+              <a:rPr lang="en-US" altLang="zh-CN" sz="3200" b="1" dirty="0" smtClean="0"/>
+              <a:t>  BOLD </a:t>
+            </a:r>
+            <a:r>
+              <a:rPr lang="en-US" altLang="zh-CN" sz="3200" b="1" dirty="0"/>
+              <a:t>Signal Change during </a:t>
+            </a:r>
+            <a:r>
+              <a:rPr lang="en-US" altLang="zh-CN" sz="3200" b="1" dirty="0" smtClean="0"/>
+              <a:t>Memory-based versus </a:t>
+            </a:r>
+            <a:r>
+              <a:rPr lang="en-US" altLang="zh-CN" sz="3200" b="1" dirty="0"/>
+              <a:t>Visually </a:t>
+            </a:r>
+            <a:r>
+              <a:rPr lang="en-US" altLang="zh-CN" sz="3200" b="1" dirty="0"/>
+              <a:t>Guided </a:t>
+            </a:r>
+            <a:r>
+              <a:rPr lang="en-US" altLang="zh-CN" sz="3200" b="1" dirty="0" smtClean="0"/>
+              <a:t>Retrieval</a:t>
+            </a:r>
+            <a:endParaRPr lang="en-US" altLang="zh-CN" sz="2800" dirty="0"/>
+          </a:p>
+        </p:txBody>
+      </p:sp>
+      <p:sp>
+        <p:nvSpPr>
+          <p:cNvPr id="6" name="文本框 29"/>
+          <p:cNvSpPr txBox="1"/>
+          <p:nvPr/>
+        </p:nvSpPr>
+        <p:spPr>
+          <a:xfrm>
+            <a:off x="842009" y="1323635"/>
+            <a:ext cx="5947811" cy="769441"/>
+          </a:xfrm>
+          <a:prstGeom prst="rect">
+            <a:avLst/>
+          </a:prstGeom>
+          <a:noFill/>
+        </p:spPr>
+        <p:txBody>
+          <a:bodyPr wrap="square" rtlCol="0">
+            <a:spAutoFit/>
+          </a:bodyPr>
+          <a:lstStyle/>
+          <a:p>
+            <a:r>
+              <a:rPr lang="en-US" altLang="zh-CN" sz="4400" b="1" dirty="0" smtClean="0">
+                <a:solidFill>
+                  <a:srgbClr val="00ABB4"/>
+                </a:solidFill>
+                <a:latin typeface="微软雅黑" panose="020B0503020204020204" pitchFamily="34" charset="-122"/>
+                <a:ea typeface="微软雅黑" panose="020B0503020204020204" pitchFamily="34" charset="-122"/>
+              </a:rPr>
+              <a:t>Result 2:</a:t>
+            </a:r>
+            <a:endParaRPr lang="en-US" altLang="zh-CN" sz="4400" b="1" dirty="0" smtClean="0">
+              <a:solidFill>
+                <a:srgbClr val="00ABB4"/>
+              </a:solidFill>
+              <a:latin typeface="微软雅黑" panose="020B0503020204020204" pitchFamily="34" charset="-122"/>
+              <a:ea typeface="微软雅黑" panose="020B0503020204020204" pitchFamily="34" charset="-122"/>
+            </a:endParaRPr>
+          </a:p>
+        </p:txBody>
+      </p:sp>
+    </p:spTree>
+    <p:extLst>
+      <p:ext uri="{BB962C8B-B14F-4D97-AF65-F5344CB8AC3E}">
+        <p14:creationId xmlns:p14="http://schemas.microsoft.com/office/powerpoint/2010/main" val="2268605495"/>
+      </p:ext>
+    </p:extLst>
+  </p:cSld>
+  <p:clrMapOvr>
+    <a:masterClrMapping/>
+  </p:clrMapOvr>
+  <p:timing>
+    <p:tnLst>
+      <p:par>
+        <p:cTn id="1" dur="indefinite" restart="never" nodeType="tmRoot"/>
+      </p:par>
+    </p:tnLst>
+  </p:timing>
+</p:sld>
+</file>
+
+<file path=ppt/slides/slide32.xml><?xml version="1.0" encoding="utf-8"?>
+<p:sld xmlns:a="http://schemas.openxmlformats.org/drawingml/2006/main" xmlns:r="http://schemas.openxmlformats.org/officeDocument/2006/relationships" xmlns:p="http://schemas.openxmlformats.org/presentationml/2006/main">
+  <p:cSld>
+    <p:spTree>
+      <p:nvGrpSpPr>
+        <p:cNvPr id="1" name=""/>
+        <p:cNvGrpSpPr/>
+        <p:nvPr/>
+      </p:nvGrpSpPr>
+      <p:grpSpPr>
+        <a:xfrm>
+          <a:off x="0" y="0"/>
+          <a:ext cx="0" cy="0"/>
+          <a:chOff x="0" y="0"/>
+          <a:chExt cx="0" cy="0"/>
+        </a:xfrm>
+      </p:grpSpPr>
+      <p:sp>
+        <p:nvSpPr>
+          <p:cNvPr id="29" name="矩形 28"/>
+          <p:cNvSpPr/>
+          <p:nvPr/>
+        </p:nvSpPr>
+        <p:spPr>
+          <a:xfrm>
+            <a:off x="5918899" y="0"/>
+            <a:ext cx="6260123" cy="6858000"/>
           </a:xfrm>
           <a:prstGeom prst="rect">
             <a:avLst/>
           </a:prstGeom>
           <a:solidFill>
-            <a:schemeClr val="accent2">
-              <a:alpha val="81000"/>
+            <a:schemeClr val="bg1">
+              <a:lumMod val="95000"/>
             </a:schemeClr>
           </a:solidFill>
           <a:ln>
@@ -17485,27 +18549,236 @@
           <a:lstStyle/>
           <a:p>
             <a:pPr algn="ctr"/>
-            <a:endParaRPr lang="zh-CN" altLang="en-US"/>
-          </a:p>
-        </p:txBody>
-      </p:sp>
-      <p:sp>
-        <p:nvSpPr>
-          <p:cNvPr id="10" name="矩形 9"/>
+            <a:endParaRPr lang="zh-CN" altLang="en-US" dirty="0"/>
+          </a:p>
+        </p:txBody>
+      </p:sp>
+      <p:pic>
+        <p:nvPicPr>
+          <p:cNvPr id="1026" name="Picture 2"/>
+          <p:cNvPicPr>
+            <a:picLocks noChangeAspect="1" noChangeArrowheads="1"/>
+          </p:cNvPicPr>
+          <p:nvPr/>
+        </p:nvPicPr>
+        <p:blipFill>
+          <a:blip r:embed="rId3">
+            <a:extLst>
+              <a:ext uri="{28A0092B-C50C-407E-A947-70E740481C1C}">
+                <a14:useLocalDpi xmlns:a14="http://schemas.microsoft.com/office/drawing/2010/main" val="0"/>
+              </a:ext>
+            </a:extLst>
+          </a:blip>
+          <a:srcRect/>
+          <a:stretch>
+            <a:fillRect/>
+          </a:stretch>
+        </p:blipFill>
+        <p:spPr bwMode="auto">
+          <a:xfrm>
+            <a:off x="394651" y="990600"/>
+            <a:ext cx="11538269" cy="4571683"/>
+          </a:xfrm>
+          <a:prstGeom prst="rect">
+            <a:avLst/>
+          </a:prstGeom>
+          <a:noFill/>
+          <a:ln>
+            <a:noFill/>
+          </a:ln>
+          <a:effectLst/>
+          <a:extLst>
+            <a:ext uri="{909E8E84-426E-40DD-AFC4-6F175D3DCCD1}">
+              <a14:hiddenFill xmlns:a14="http://schemas.microsoft.com/office/drawing/2010/main">
+                <a:solidFill>
+                  <a:schemeClr val="accent1"/>
+                </a:solidFill>
+              </a14:hiddenFill>
+            </a:ext>
+            <a:ext uri="{91240B29-F687-4F45-9708-019B960494DF}">
+              <a14:hiddenLine xmlns:a14="http://schemas.microsoft.com/office/drawing/2010/main" w="9525">
+                <a:solidFill>
+                  <a:schemeClr val="tx1"/>
+                </a:solidFill>
+                <a:miter lim="800000"/>
+                <a:headEnd/>
+                <a:tailEnd/>
+              </a14:hiddenLine>
+            </a:ext>
+            <a:ext uri="{AF507438-7753-43E0-B8FC-AC1667EBCBE1}">
+              <a14:hiddenEffects xmlns:a14="http://schemas.microsoft.com/office/drawing/2010/main">
+                <a:effectLst>
+                  <a:outerShdw dist="35921" dir="2700000" algn="ctr" rotWithShape="0">
+                    <a:schemeClr val="bg2"/>
+                  </a:outerShdw>
+                </a:effectLst>
+              </a14:hiddenEffects>
+            </a:ext>
+          </a:extLst>
+        </p:spPr>
+      </p:pic>
+      <p:cxnSp>
+        <p:nvCxnSpPr>
+          <p:cNvPr id="5" name="直接连接符 4"/>
+          <p:cNvCxnSpPr/>
+          <p:nvPr/>
+        </p:nvCxnSpPr>
+        <p:spPr>
+          <a:xfrm>
+            <a:off x="3970020" y="1760220"/>
+            <a:ext cx="1261884" cy="0"/>
+          </a:xfrm>
+          <a:prstGeom prst="line">
+            <a:avLst/>
+          </a:prstGeom>
+          <a:ln w="38100">
+            <a:solidFill>
+              <a:srgbClr val="00ABB4"/>
+            </a:solidFill>
+            <a:tailEnd type="none"/>
+          </a:ln>
+        </p:spPr>
+        <p:style>
+          <a:lnRef idx="1">
+            <a:schemeClr val="accent1"/>
+          </a:lnRef>
+          <a:fillRef idx="0">
+            <a:schemeClr val="accent1"/>
+          </a:fillRef>
+          <a:effectRef idx="0">
+            <a:schemeClr val="accent1"/>
+          </a:effectRef>
+          <a:fontRef idx="minor">
+            <a:schemeClr val="tx1"/>
+          </a:fontRef>
+        </p:style>
+      </p:cxnSp>
+      <p:cxnSp>
+        <p:nvCxnSpPr>
+          <p:cNvPr id="11" name="直接连接符 10"/>
+          <p:cNvCxnSpPr/>
+          <p:nvPr/>
+        </p:nvCxnSpPr>
+        <p:spPr>
+          <a:xfrm>
+            <a:off x="8854440" y="1760220"/>
+            <a:ext cx="1261884" cy="0"/>
+          </a:xfrm>
+          <a:prstGeom prst="line">
+            <a:avLst/>
+          </a:prstGeom>
+          <a:ln w="38100">
+            <a:solidFill>
+              <a:srgbClr val="00ABB4"/>
+            </a:solidFill>
+            <a:tailEnd type="none"/>
+          </a:ln>
+        </p:spPr>
+        <p:style>
+          <a:lnRef idx="1">
+            <a:schemeClr val="accent1"/>
+          </a:lnRef>
+          <a:fillRef idx="0">
+            <a:schemeClr val="accent1"/>
+          </a:fillRef>
+          <a:effectRef idx="0">
+            <a:schemeClr val="accent1"/>
+          </a:effectRef>
+          <a:fontRef idx="minor">
+            <a:schemeClr val="tx1"/>
+          </a:fontRef>
+        </p:style>
+      </p:cxnSp>
+      <p:cxnSp>
+        <p:nvCxnSpPr>
+          <p:cNvPr id="12" name="直接连接符 11"/>
+          <p:cNvCxnSpPr/>
+          <p:nvPr/>
+        </p:nvCxnSpPr>
+        <p:spPr>
+          <a:xfrm>
+            <a:off x="388620" y="4701540"/>
+            <a:ext cx="1261884" cy="0"/>
+          </a:xfrm>
+          <a:prstGeom prst="line">
+            <a:avLst/>
+          </a:prstGeom>
+          <a:ln w="38100">
+            <a:solidFill>
+              <a:srgbClr val="00ABB4"/>
+            </a:solidFill>
+            <a:tailEnd type="none"/>
+          </a:ln>
+        </p:spPr>
+        <p:style>
+          <a:lnRef idx="1">
+            <a:schemeClr val="accent1"/>
+          </a:lnRef>
+          <a:fillRef idx="0">
+            <a:schemeClr val="accent1"/>
+          </a:fillRef>
+          <a:effectRef idx="0">
+            <a:schemeClr val="accent1"/>
+          </a:effectRef>
+          <a:fontRef idx="minor">
+            <a:schemeClr val="tx1"/>
+          </a:fontRef>
+        </p:style>
+      </p:cxnSp>
+    </p:spTree>
+    <p:extLst>
+      <p:ext uri="{BB962C8B-B14F-4D97-AF65-F5344CB8AC3E}">
+        <p14:creationId xmlns:p14="http://schemas.microsoft.com/office/powerpoint/2010/main" val="503093932"/>
+      </p:ext>
+    </p:extLst>
+  </p:cSld>
+  <p:clrMapOvr>
+    <a:masterClrMapping/>
+  </p:clrMapOvr>
+  <p:timing>
+    <p:tnLst>
+      <p:par>
+        <p:cTn id="1" dur="indefinite" restart="never" nodeType="tmRoot"/>
+      </p:par>
+    </p:tnLst>
+  </p:timing>
+</p:sld>
+</file>
+
+<file path=ppt/slides/slide33.xml><?xml version="1.0" encoding="utf-8"?>
+<p:sld xmlns:a="http://schemas.openxmlformats.org/drawingml/2006/main" xmlns:r="http://schemas.openxmlformats.org/officeDocument/2006/relationships" xmlns:p="http://schemas.openxmlformats.org/presentationml/2006/main">
+  <p:cSld>
+    <p:spTree>
+      <p:nvGrpSpPr>
+        <p:cNvPr id="1" name=""/>
+        <p:cNvGrpSpPr/>
+        <p:nvPr/>
+      </p:nvGrpSpPr>
+      <p:grpSpPr>
+        <a:xfrm>
+          <a:off x="0" y="0"/>
+          <a:ext cx="0" cy="0"/>
+          <a:chOff x="0" y="0"/>
+          <a:chExt cx="0" cy="0"/>
+        </a:xfrm>
+      </p:grpSpPr>
+      <p:sp>
+        <p:nvSpPr>
+          <p:cNvPr id="29" name="矩形 28"/>
           <p:cNvSpPr/>
           <p:nvPr/>
         </p:nvSpPr>
         <p:spPr>
           <a:xfrm>
-            <a:off x="7690152" y="4881806"/>
-            <a:ext cx="3141784" cy="1767254"/>
+            <a:off x="5918899" y="0"/>
+            <a:ext cx="6260123" cy="6858000"/>
           </a:xfrm>
           <a:prstGeom prst="rect">
             <a:avLst/>
           </a:prstGeom>
           <a:solidFill>
-            <a:schemeClr val="accent2">
-              <a:alpha val="81000"/>
+            <a:schemeClr val="bg1">
+              <a:lumMod val="95000"/>
             </a:schemeClr>
           </a:solidFill>
           <a:ln>
@@ -17533,73 +18806,164 @@
           <a:lstStyle/>
           <a:p>
             <a:pPr algn="ctr"/>
-            <a:endParaRPr lang="zh-CN" altLang="en-US"/>
-          </a:p>
-        </p:txBody>
-      </p:sp>
-      <p:sp>
-        <p:nvSpPr>
-          <p:cNvPr id="11" name="矩形 10"/>
-          <p:cNvSpPr/>
+            <a:endParaRPr lang="zh-CN" altLang="en-US" dirty="0"/>
+          </a:p>
+        </p:txBody>
+      </p:sp>
+      <p:pic>
+        <p:nvPicPr>
+          <p:cNvPr id="2050" name="Picture 2"/>
+          <p:cNvPicPr>
+            <a:picLocks noChangeAspect="1" noChangeArrowheads="1"/>
+          </p:cNvPicPr>
           <p:nvPr/>
-        </p:nvSpPr>
-        <p:spPr>
+        </p:nvPicPr>
+        <p:blipFill>
+          <a:blip r:embed="rId3">
+            <a:extLst>
+              <a:ext uri="{28A0092B-C50C-407E-A947-70E740481C1C}">
+                <a14:useLocalDpi xmlns:a14="http://schemas.microsoft.com/office/drawing/2010/main" val="0"/>
+              </a:ext>
+            </a:extLst>
+          </a:blip>
+          <a:srcRect/>
+          <a:stretch>
+            <a:fillRect/>
+          </a:stretch>
+        </p:blipFill>
+        <p:spPr bwMode="auto">
           <a:xfrm>
-            <a:off x="1506389" y="1663922"/>
-            <a:ext cx="1349496" cy="104775"/>
+            <a:off x="228600" y="1698716"/>
+            <a:ext cx="11731143" cy="3550511"/>
           </a:xfrm>
           <a:prstGeom prst="rect">
             <a:avLst/>
           </a:prstGeom>
-          <a:solidFill>
-            <a:schemeClr val="accent2"/>
-          </a:solidFill>
+          <a:noFill/>
           <a:ln>
             <a:noFill/>
           </a:ln>
+          <a:effectLst/>
+          <a:extLst>
+            <a:ext uri="{909E8E84-426E-40DD-AFC4-6F175D3DCCD1}">
+              <a14:hiddenFill xmlns:a14="http://schemas.microsoft.com/office/drawing/2010/main">
+                <a:solidFill>
+                  <a:schemeClr val="accent1"/>
+                </a:solidFill>
+              </a14:hiddenFill>
+            </a:ext>
+            <a:ext uri="{91240B29-F687-4F45-9708-019B960494DF}">
+              <a14:hiddenLine xmlns:a14="http://schemas.microsoft.com/office/drawing/2010/main" w="9525">
+                <a:solidFill>
+                  <a:schemeClr val="tx1"/>
+                </a:solidFill>
+                <a:miter lim="800000"/>
+                <a:headEnd/>
+                <a:tailEnd/>
+              </a14:hiddenLine>
+            </a:ext>
+            <a:ext uri="{AF507438-7753-43E0-B8FC-AC1667EBCBE1}">
+              <a14:hiddenEffects xmlns:a14="http://schemas.microsoft.com/office/drawing/2010/main">
+                <a:effectLst>
+                  <a:outerShdw dist="35921" dir="2700000" algn="ctr" rotWithShape="0">
+                    <a:schemeClr val="bg2"/>
+                  </a:outerShdw>
+                </a:effectLst>
+              </a14:hiddenEffects>
+            </a:ext>
+          </a:extLst>
+        </p:spPr>
+      </p:pic>
+      <p:cxnSp>
+        <p:nvCxnSpPr>
+          <p:cNvPr id="5" name="直接连接符 4"/>
+          <p:cNvCxnSpPr/>
+          <p:nvPr/>
+        </p:nvCxnSpPr>
+        <p:spPr>
+          <a:xfrm>
+            <a:off x="228600" y="3124200"/>
+            <a:ext cx="1261884" cy="0"/>
+          </a:xfrm>
+          <a:prstGeom prst="line">
+            <a:avLst/>
+          </a:prstGeom>
+          <a:ln w="38100">
+            <a:solidFill>
+              <a:srgbClr val="00ABB4"/>
+            </a:solidFill>
+            <a:tailEnd type="none"/>
+          </a:ln>
         </p:spPr>
         <p:style>
-          <a:lnRef idx="2">
-            <a:schemeClr val="accent1">
-              <a:shade val="50000"/>
-            </a:schemeClr>
+          <a:lnRef idx="1">
+            <a:schemeClr val="accent1"/>
           </a:lnRef>
-          <a:fillRef idx="1">
+          <a:fillRef idx="0">
             <a:schemeClr val="accent1"/>
           </a:fillRef>
           <a:effectRef idx="0">
             <a:schemeClr val="accent1"/>
           </a:effectRef>
           <a:fontRef idx="minor">
-            <a:schemeClr val="lt1"/>
+            <a:schemeClr val="tx1"/>
           </a:fontRef>
         </p:style>
-        <p:txBody>
-          <a:bodyPr rtlCol="0" anchor="ctr"/>
-          <a:lstStyle/>
-          <a:p>
-            <a:pPr algn="ctr"/>
-            <a:endParaRPr lang="zh-CN" altLang="en-US"/>
-          </a:p>
-        </p:txBody>
-      </p:sp>
-      <p:sp>
-        <p:nvSpPr>
-          <p:cNvPr id="12" name="矩形 11"/>
+      </p:cxnSp>
+    </p:spTree>
+    <p:extLst>
+      <p:ext uri="{BB962C8B-B14F-4D97-AF65-F5344CB8AC3E}">
+        <p14:creationId xmlns:p14="http://schemas.microsoft.com/office/powerpoint/2010/main" val="2838623651"/>
+      </p:ext>
+    </p:extLst>
+  </p:cSld>
+  <p:clrMapOvr>
+    <a:masterClrMapping/>
+  </p:clrMapOvr>
+  <p:timing>
+    <p:tnLst>
+      <p:par>
+        <p:cTn id="1" dur="indefinite" restart="never" nodeType="tmRoot"/>
+      </p:par>
+    </p:tnLst>
+  </p:timing>
+</p:sld>
+</file>
+
+<file path=ppt/slides/slide34.xml><?xml version="1.0" encoding="utf-8"?>
+<p:sld xmlns:a="http://schemas.openxmlformats.org/drawingml/2006/main" xmlns:r="http://schemas.openxmlformats.org/officeDocument/2006/relationships" xmlns:p="http://schemas.openxmlformats.org/presentationml/2006/main">
+  <p:cSld>
+    <p:spTree>
+      <p:nvGrpSpPr>
+        <p:cNvPr id="1" name=""/>
+        <p:cNvGrpSpPr/>
+        <p:nvPr/>
+      </p:nvGrpSpPr>
+      <p:grpSpPr>
+        <a:xfrm>
+          <a:off x="0" y="0"/>
+          <a:ext cx="0" cy="0"/>
+          <a:chOff x="0" y="0"/>
+          <a:chExt cx="0" cy="0"/>
+        </a:xfrm>
+      </p:grpSpPr>
+      <p:sp>
+        <p:nvSpPr>
+          <p:cNvPr id="29" name="矩形 28"/>
           <p:cNvSpPr/>
           <p:nvPr/>
         </p:nvSpPr>
         <p:spPr>
           <a:xfrm>
-            <a:off x="10588867" y="2977768"/>
-            <a:ext cx="1603132" cy="1767254"/>
+            <a:off x="5918899" y="0"/>
+            <a:ext cx="6260123" cy="6858000"/>
           </a:xfrm>
           <a:prstGeom prst="rect">
             <a:avLst/>
           </a:prstGeom>
           <a:solidFill>
-            <a:schemeClr val="accent2">
-              <a:alpha val="81000"/>
+            <a:schemeClr val="bg1">
+              <a:lumMod val="95000"/>
             </a:schemeClr>
           </a:solidFill>
           <a:ln>
@@ -17627,20 +18991,20 @@
           <a:lstStyle/>
           <a:p>
             <a:pPr algn="ctr"/>
-            <a:endParaRPr lang="zh-CN" altLang="en-US"/>
+            <a:endParaRPr lang="zh-CN" altLang="en-US" dirty="0"/>
           </a:p>
         </p:txBody>
       </p:sp>
       <p:pic>
         <p:nvPicPr>
-          <p:cNvPr id="1026" name="Picture 2"/>
+          <p:cNvPr id="3074" name="Picture 2"/>
           <p:cNvPicPr>
             <a:picLocks noChangeAspect="1" noChangeArrowheads="1"/>
           </p:cNvPicPr>
           <p:nvPr/>
         </p:nvPicPr>
         <p:blipFill>
-          <a:blip r:embed="rId2">
+          <a:blip r:embed="rId3">
             <a:extLst>
               <a:ext uri="{28A0092B-C50C-407E-A947-70E740481C1C}">
                 <a14:useLocalDpi xmlns:a14="http://schemas.microsoft.com/office/drawing/2010/main" val="0"/>
@@ -17654,8 +19018,8 @@
         </p:blipFill>
         <p:spPr bwMode="auto">
           <a:xfrm>
-            <a:off x="0" y="457200"/>
-            <a:ext cx="11812920" cy="5538789"/>
+            <a:off x="1059180" y="579644"/>
+            <a:ext cx="10271760" cy="5929406"/>
           </a:xfrm>
           <a:prstGeom prst="rect">
             <a:avLst/>
@@ -17664,6 +19028,7 @@
           <a:ln>
             <a:noFill/>
           </a:ln>
+          <a:effectLst/>
           <a:extLst>
             <a:ext uri="{909E8E84-426E-40DD-AFC4-6F175D3DCCD1}">
               <a14:hiddenFill xmlns:a14="http://schemas.microsoft.com/office/drawing/2010/main">
@@ -17682,13 +19047,825 @@
                 <a:tailEnd/>
               </a14:hiddenLine>
             </a:ext>
+            <a:ext uri="{AF507438-7753-43E0-B8FC-AC1667EBCBE1}">
+              <a14:hiddenEffects xmlns:a14="http://schemas.microsoft.com/office/drawing/2010/main">
+                <a:effectLst>
+                  <a:outerShdw dist="35921" dir="2700000" algn="ctr" rotWithShape="0">
+                    <a:schemeClr val="bg2"/>
+                  </a:outerShdw>
+                </a:effectLst>
+              </a14:hiddenEffects>
+            </a:ext>
           </a:extLst>
+        </p:spPr>
+      </p:pic>
+      <p:cxnSp>
+        <p:nvCxnSpPr>
+          <p:cNvPr id="5" name="直接连接符 4"/>
+          <p:cNvCxnSpPr/>
+          <p:nvPr/>
+        </p:nvCxnSpPr>
+        <p:spPr>
+          <a:xfrm>
+            <a:off x="1127760" y="6400800"/>
+            <a:ext cx="1261884" cy="0"/>
+          </a:xfrm>
+          <a:prstGeom prst="line">
+            <a:avLst/>
+          </a:prstGeom>
+          <a:ln w="38100">
+            <a:solidFill>
+              <a:srgbClr val="00ABB4"/>
+            </a:solidFill>
+            <a:tailEnd type="none"/>
+          </a:ln>
+        </p:spPr>
+        <p:style>
+          <a:lnRef idx="1">
+            <a:schemeClr val="accent1"/>
+          </a:lnRef>
+          <a:fillRef idx="0">
+            <a:schemeClr val="accent1"/>
+          </a:fillRef>
+          <a:effectRef idx="0">
+            <a:schemeClr val="accent1"/>
+          </a:effectRef>
+          <a:fontRef idx="minor">
+            <a:schemeClr val="tx1"/>
+          </a:fontRef>
+        </p:style>
+      </p:cxnSp>
+    </p:spTree>
+    <p:extLst>
+      <p:ext uri="{BB962C8B-B14F-4D97-AF65-F5344CB8AC3E}">
+        <p14:creationId xmlns:p14="http://schemas.microsoft.com/office/powerpoint/2010/main" val="2838623651"/>
+      </p:ext>
+    </p:extLst>
+  </p:cSld>
+  <p:clrMapOvr>
+    <a:masterClrMapping/>
+  </p:clrMapOvr>
+  <p:timing>
+    <p:tnLst>
+      <p:par>
+        <p:cTn id="1" dur="indefinite" restart="never" nodeType="tmRoot"/>
+      </p:par>
+    </p:tnLst>
+  </p:timing>
+</p:sld>
+</file>
+
+<file path=ppt/slides/slide35.xml><?xml version="1.0" encoding="utf-8"?>
+<p:sld xmlns:a="http://schemas.openxmlformats.org/drawingml/2006/main" xmlns:r="http://schemas.openxmlformats.org/officeDocument/2006/relationships" xmlns:p="http://schemas.openxmlformats.org/presentationml/2006/main">
+  <p:cSld>
+    <p:spTree>
+      <p:nvGrpSpPr>
+        <p:cNvPr id="1" name=""/>
+        <p:cNvGrpSpPr/>
+        <p:nvPr/>
+      </p:nvGrpSpPr>
+      <p:grpSpPr>
+        <a:xfrm>
+          <a:off x="0" y="0"/>
+          <a:ext cx="0" cy="0"/>
+          <a:chOff x="0" y="0"/>
+          <a:chExt cx="0" cy="0"/>
+        </a:xfrm>
+      </p:grpSpPr>
+      <p:pic>
+        <p:nvPicPr>
+          <p:cNvPr id="2051" name="Picture 2"/>
+          <p:cNvPicPr>
+            <a:picLocks noChangeAspect="1" noChangeArrowheads="1"/>
+          </p:cNvPicPr>
+          <p:nvPr/>
+        </p:nvPicPr>
+        <p:blipFill>
+          <a:blip r:embed="rId3" cstate="print"/>
+          <a:srcRect/>
+          <a:stretch>
+            <a:fillRect/>
+          </a:stretch>
+        </p:blipFill>
+        <p:spPr bwMode="auto">
+          <a:xfrm>
+            <a:off x="2225041" y="688706"/>
+            <a:ext cx="7547572" cy="5570096"/>
+          </a:xfrm>
+          <a:prstGeom prst="rect">
+            <a:avLst/>
+          </a:prstGeom>
+          <a:noFill/>
+          <a:ln w="9525">
+            <a:noFill/>
+            <a:round/>
+            <a:headEnd/>
+            <a:tailEnd/>
+          </a:ln>
+        </p:spPr>
+      </p:pic>
+      <p:pic>
+        <p:nvPicPr>
+          <p:cNvPr id="2052" name="Picture 3"/>
+          <p:cNvPicPr>
+            <a:picLocks noChangeAspect="1" noChangeArrowheads="1"/>
+          </p:cNvPicPr>
+          <p:nvPr/>
+        </p:nvPicPr>
+        <p:blipFill>
+          <a:blip r:embed="rId4" cstate="print"/>
+          <a:srcRect/>
+          <a:stretch>
+            <a:fillRect/>
+          </a:stretch>
+        </p:blipFill>
+        <p:spPr bwMode="auto">
+          <a:xfrm>
+            <a:off x="0" y="0"/>
+            <a:ext cx="0" cy="0"/>
+          </a:xfrm>
+          <a:prstGeom prst="rect">
+            <a:avLst/>
+          </a:prstGeom>
+          <a:noFill/>
+          <a:ln w="9525">
+            <a:noFill/>
+            <a:round/>
+            <a:headEnd/>
+            <a:tailEnd/>
+          </a:ln>
         </p:spPr>
       </p:pic>
     </p:spTree>
     <p:extLst>
       <p:ext uri="{BB962C8B-B14F-4D97-AF65-F5344CB8AC3E}">
-        <p14:creationId xmlns:p14="http://schemas.microsoft.com/office/powerpoint/2010/main" val="1872795815"/>
+        <p14:creationId xmlns:p14="http://schemas.microsoft.com/office/powerpoint/2010/main" val="2040840273"/>
+      </p:ext>
+    </p:extLst>
+  </p:cSld>
+  <p:clrMapOvr>
+    <a:masterClrMapping/>
+  </p:clrMapOvr>
+  <p:transition spd="med"/>
+  <p:timing>
+    <p:tnLst>
+      <p:par>
+        <p:cTn id="1" dur="indefinite" restart="never" nodeType="tmRoot">
+          <p:childTnLst>
+            <p:seq concurrent="1" nextAc="seek">
+              <p:cTn id="2" dur="0" nodeType="mainSeq"/>
+              <p:prevCondLst>
+                <p:cond evt="onPrev" delay="0">
+                  <p:tgtEl>
+                    <p:sldTgt/>
+                  </p:tgtEl>
+                </p:cond>
+              </p:prevCondLst>
+              <p:nextCondLst>
+                <p:cond evt="onNext" delay="0">
+                  <p:tgtEl>
+                    <p:sldTgt/>
+                  </p:tgtEl>
+                </p:cond>
+              </p:nextCondLst>
+            </p:seq>
+          </p:childTnLst>
+        </p:cTn>
+      </p:par>
+    </p:tnLst>
+  </p:timing>
+</p:sld>
+</file>
+
+<file path=ppt/slides/slide36.xml><?xml version="1.0" encoding="utf-8"?>
+<p:sld xmlns:a="http://schemas.openxmlformats.org/drawingml/2006/main" xmlns:r="http://schemas.openxmlformats.org/officeDocument/2006/relationships" xmlns:p="http://schemas.openxmlformats.org/presentationml/2006/main">
+  <p:cSld>
+    <p:spTree>
+      <p:nvGrpSpPr>
+        <p:cNvPr id="1" name=""/>
+        <p:cNvGrpSpPr/>
+        <p:nvPr/>
+      </p:nvGrpSpPr>
+      <p:grpSpPr>
+        <a:xfrm>
+          <a:off x="0" y="0"/>
+          <a:ext cx="0" cy="0"/>
+          <a:chOff x="0" y="0"/>
+          <a:chExt cx="0" cy="0"/>
+        </a:xfrm>
+      </p:grpSpPr>
+      <p:sp>
+        <p:nvSpPr>
+          <p:cNvPr id="29" name="矩形 28"/>
+          <p:cNvSpPr/>
+          <p:nvPr/>
+        </p:nvSpPr>
+        <p:spPr>
+          <a:xfrm>
+            <a:off x="5918899" y="0"/>
+            <a:ext cx="6260123" cy="6858000"/>
+          </a:xfrm>
+          <a:prstGeom prst="rect">
+            <a:avLst/>
+          </a:prstGeom>
+          <a:solidFill>
+            <a:schemeClr val="bg1">
+              <a:lumMod val="95000"/>
+            </a:schemeClr>
+          </a:solidFill>
+          <a:ln>
+            <a:noFill/>
+          </a:ln>
+        </p:spPr>
+        <p:style>
+          <a:lnRef idx="2">
+            <a:schemeClr val="accent1">
+              <a:shade val="50000"/>
+            </a:schemeClr>
+          </a:lnRef>
+          <a:fillRef idx="1">
+            <a:schemeClr val="accent1"/>
+          </a:fillRef>
+          <a:effectRef idx="0">
+            <a:schemeClr val="accent1"/>
+          </a:effectRef>
+          <a:fontRef idx="minor">
+            <a:schemeClr val="lt1"/>
+          </a:fontRef>
+        </p:style>
+        <p:txBody>
+          <a:bodyPr rtlCol="0" anchor="ctr"/>
+          <a:lstStyle/>
+          <a:p>
+            <a:pPr algn="ctr"/>
+            <a:endParaRPr lang="zh-CN" altLang="en-US" dirty="0"/>
+          </a:p>
+        </p:txBody>
+      </p:sp>
+      <p:sp>
+        <p:nvSpPr>
+          <p:cNvPr id="31" name="Rectangle 96"/>
+          <p:cNvSpPr/>
+          <p:nvPr/>
+        </p:nvSpPr>
+        <p:spPr>
+          <a:xfrm>
+            <a:off x="842009" y="2370356"/>
+            <a:ext cx="11068049" cy="3046988"/>
+          </a:xfrm>
+          <a:prstGeom prst="rect">
+            <a:avLst/>
+          </a:prstGeom>
+        </p:spPr>
+        <p:txBody>
+          <a:bodyPr wrap="square">
+            <a:spAutoFit/>
+          </a:bodyPr>
+          <a:lstStyle/>
+          <a:p>
+            <a:pPr>
+              <a:lnSpc>
+                <a:spcPct val="150000"/>
+              </a:lnSpc>
+            </a:pPr>
+            <a:r>
+              <a:rPr lang="en-US" altLang="zh-CN" sz="3200" b="1" dirty="0"/>
+              <a:t> </a:t>
+            </a:r>
+            <a:r>
+              <a:rPr lang="en-US" altLang="zh-CN" sz="3200" b="1" dirty="0" smtClean="0"/>
+              <a:t> Contributions </a:t>
+            </a:r>
+            <a:r>
+              <a:rPr lang="en-US" altLang="zh-CN" sz="3200" b="1" dirty="0"/>
+              <a:t>of Other Factors </a:t>
+            </a:r>
+            <a:r>
+              <a:rPr lang="en-US" altLang="zh-CN" sz="3200" b="1" dirty="0" smtClean="0"/>
+              <a:t>to Hemispheric Bias</a:t>
+            </a:r>
+          </a:p>
+          <a:p>
+            <a:pPr marL="1371600" lvl="2" indent="-457200">
+              <a:lnSpc>
+                <a:spcPct val="150000"/>
+              </a:lnSpc>
+              <a:buFont typeface="Arial" pitchFamily="34" charset="0"/>
+              <a:buChar char="•"/>
+            </a:pPr>
+            <a:r>
+              <a:rPr lang="en-US" altLang="zh-CN" sz="3200" b="1" dirty="0" smtClean="0"/>
+              <a:t>GLM</a:t>
+            </a:r>
+          </a:p>
+          <a:p>
+            <a:pPr marL="1371600" lvl="2" indent="-457200">
+              <a:lnSpc>
+                <a:spcPct val="150000"/>
+              </a:lnSpc>
+              <a:buFont typeface="Arial" pitchFamily="34" charset="0"/>
+              <a:buChar char="•"/>
+            </a:pPr>
+            <a:r>
+              <a:rPr lang="en-US" altLang="zh-CN" sz="3200" b="1" dirty="0" smtClean="0"/>
+              <a:t>Differences in task difficulty</a:t>
+            </a:r>
+          </a:p>
+          <a:p>
+            <a:pPr marL="1371600" lvl="2" indent="-457200">
+              <a:lnSpc>
+                <a:spcPct val="150000"/>
+              </a:lnSpc>
+              <a:buFont typeface="Arial" pitchFamily="34" charset="0"/>
+              <a:buChar char="•"/>
+            </a:pPr>
+            <a:r>
+              <a:rPr lang="en-US" altLang="zh-CN" sz="3200" b="1" dirty="0" smtClean="0"/>
+              <a:t>Gender</a:t>
+            </a:r>
+            <a:endParaRPr lang="en-US" altLang="zh-CN" sz="2800" dirty="0"/>
+          </a:p>
+        </p:txBody>
+      </p:sp>
+      <p:sp>
+        <p:nvSpPr>
+          <p:cNvPr id="6" name="文本框 29"/>
+          <p:cNvSpPr txBox="1"/>
+          <p:nvPr/>
+        </p:nvSpPr>
+        <p:spPr>
+          <a:xfrm>
+            <a:off x="842009" y="1323635"/>
+            <a:ext cx="5947811" cy="769441"/>
+          </a:xfrm>
+          <a:prstGeom prst="rect">
+            <a:avLst/>
+          </a:prstGeom>
+          <a:noFill/>
+        </p:spPr>
+        <p:txBody>
+          <a:bodyPr wrap="square" rtlCol="0">
+            <a:spAutoFit/>
+          </a:bodyPr>
+          <a:lstStyle/>
+          <a:p>
+            <a:r>
+              <a:rPr lang="en-US" altLang="zh-CN" sz="4400" b="1" dirty="0" smtClean="0">
+                <a:solidFill>
+                  <a:srgbClr val="00ABB4"/>
+                </a:solidFill>
+                <a:latin typeface="微软雅黑" panose="020B0503020204020204" pitchFamily="34" charset="-122"/>
+                <a:ea typeface="微软雅黑" panose="020B0503020204020204" pitchFamily="34" charset="-122"/>
+              </a:rPr>
+              <a:t>Result 3:</a:t>
+            </a:r>
+            <a:endParaRPr lang="en-US" altLang="zh-CN" sz="4400" b="1" dirty="0" smtClean="0">
+              <a:solidFill>
+                <a:srgbClr val="00ABB4"/>
+              </a:solidFill>
+              <a:latin typeface="微软雅黑" panose="020B0503020204020204" pitchFamily="34" charset="-122"/>
+              <a:ea typeface="微软雅黑" panose="020B0503020204020204" pitchFamily="34" charset="-122"/>
+            </a:endParaRPr>
+          </a:p>
+        </p:txBody>
+      </p:sp>
+    </p:spTree>
+    <p:extLst>
+      <p:ext uri="{BB962C8B-B14F-4D97-AF65-F5344CB8AC3E}">
+        <p14:creationId xmlns:p14="http://schemas.microsoft.com/office/powerpoint/2010/main" val="1370419498"/>
+      </p:ext>
+    </p:extLst>
+  </p:cSld>
+  <p:clrMapOvr>
+    <a:masterClrMapping/>
+  </p:clrMapOvr>
+  <p:timing>
+    <p:tnLst>
+      <p:par>
+        <p:cTn id="1" dur="indefinite" restart="never" nodeType="tmRoot"/>
+      </p:par>
+    </p:tnLst>
+  </p:timing>
+</p:sld>
+</file>
+
+<file path=ppt/slides/slide37.xml><?xml version="1.0" encoding="utf-8"?>
+<p:sld xmlns:a="http://schemas.openxmlformats.org/drawingml/2006/main" xmlns:r="http://schemas.openxmlformats.org/officeDocument/2006/relationships" xmlns:p="http://schemas.openxmlformats.org/presentationml/2006/main">
+  <p:cSld>
+    <p:spTree>
+      <p:nvGrpSpPr>
+        <p:cNvPr id="1" name=""/>
+        <p:cNvGrpSpPr/>
+        <p:nvPr/>
+      </p:nvGrpSpPr>
+      <p:grpSpPr>
+        <a:xfrm>
+          <a:off x="0" y="0"/>
+          <a:ext cx="0" cy="0"/>
+          <a:chOff x="0" y="0"/>
+          <a:chExt cx="0" cy="0"/>
+        </a:xfrm>
+      </p:grpSpPr>
+      <p:pic>
+        <p:nvPicPr>
+          <p:cNvPr id="2051" name="Picture 2"/>
+          <p:cNvPicPr>
+            <a:picLocks noChangeAspect="1" noChangeArrowheads="1"/>
+          </p:cNvPicPr>
+          <p:nvPr/>
+        </p:nvPicPr>
+        <p:blipFill>
+          <a:blip r:embed="rId3" cstate="print"/>
+          <a:srcRect/>
+          <a:stretch>
+            <a:fillRect/>
+          </a:stretch>
+        </p:blipFill>
+        <p:spPr bwMode="auto">
+          <a:xfrm>
+            <a:off x="198120" y="1977254"/>
+            <a:ext cx="11863067" cy="2501407"/>
+          </a:xfrm>
+          <a:prstGeom prst="rect">
+            <a:avLst/>
+          </a:prstGeom>
+          <a:noFill/>
+          <a:ln w="9525">
+            <a:noFill/>
+            <a:round/>
+            <a:headEnd/>
+            <a:tailEnd/>
+          </a:ln>
+        </p:spPr>
+      </p:pic>
+      <p:pic>
+        <p:nvPicPr>
+          <p:cNvPr id="2052" name="Picture 3"/>
+          <p:cNvPicPr>
+            <a:picLocks noChangeAspect="1" noChangeArrowheads="1"/>
+          </p:cNvPicPr>
+          <p:nvPr/>
+        </p:nvPicPr>
+        <p:blipFill>
+          <a:blip r:embed="rId4" cstate="print"/>
+          <a:srcRect/>
+          <a:stretch>
+            <a:fillRect/>
+          </a:stretch>
+        </p:blipFill>
+        <p:spPr bwMode="auto">
+          <a:xfrm>
+            <a:off x="0" y="0"/>
+            <a:ext cx="0" cy="0"/>
+          </a:xfrm>
+          <a:prstGeom prst="rect">
+            <a:avLst/>
+          </a:prstGeom>
+          <a:noFill/>
+          <a:ln w="9525">
+            <a:noFill/>
+            <a:round/>
+            <a:headEnd/>
+            <a:tailEnd/>
+          </a:ln>
+        </p:spPr>
+      </p:pic>
+    </p:spTree>
+    <p:extLst>
+      <p:ext uri="{BB962C8B-B14F-4D97-AF65-F5344CB8AC3E}">
+        <p14:creationId xmlns:p14="http://schemas.microsoft.com/office/powerpoint/2010/main" val="360000308"/>
+      </p:ext>
+    </p:extLst>
+  </p:cSld>
+  <p:clrMapOvr>
+    <a:masterClrMapping/>
+  </p:clrMapOvr>
+  <p:transition spd="med"/>
+  <p:timing>
+    <p:tnLst>
+      <p:par>
+        <p:cTn id="1" dur="indefinite" restart="never" nodeType="tmRoot">
+          <p:childTnLst>
+            <p:seq concurrent="1" nextAc="seek">
+              <p:cTn id="2" dur="0" nodeType="mainSeq"/>
+              <p:prevCondLst>
+                <p:cond evt="onPrev" delay="0">
+                  <p:tgtEl>
+                    <p:sldTgt/>
+                  </p:tgtEl>
+                </p:cond>
+              </p:prevCondLst>
+              <p:nextCondLst>
+                <p:cond evt="onNext" delay="0">
+                  <p:tgtEl>
+                    <p:sldTgt/>
+                  </p:tgtEl>
+                </p:cond>
+              </p:nextCondLst>
+            </p:seq>
+          </p:childTnLst>
+        </p:cTn>
+      </p:par>
+    </p:tnLst>
+  </p:timing>
+</p:sld>
+</file>
+
+<file path=ppt/slides/slide38.xml><?xml version="1.0" encoding="utf-8"?>
+<p:sld xmlns:a="http://schemas.openxmlformats.org/drawingml/2006/main" xmlns:r="http://schemas.openxmlformats.org/officeDocument/2006/relationships" xmlns:p="http://schemas.openxmlformats.org/presentationml/2006/main">
+  <p:cSld>
+    <p:spTree>
+      <p:nvGrpSpPr>
+        <p:cNvPr id="1" name=""/>
+        <p:cNvGrpSpPr/>
+        <p:nvPr/>
+      </p:nvGrpSpPr>
+      <p:grpSpPr>
+        <a:xfrm>
+          <a:off x="0" y="0"/>
+          <a:ext cx="0" cy="0"/>
+          <a:chOff x="0" y="0"/>
+          <a:chExt cx="0" cy="0"/>
+        </a:xfrm>
+      </p:grpSpPr>
+      <p:pic>
+        <p:nvPicPr>
+          <p:cNvPr id="2051" name="Picture 2"/>
+          <p:cNvPicPr>
+            <a:picLocks noChangeAspect="1" noChangeArrowheads="1"/>
+          </p:cNvPicPr>
+          <p:nvPr/>
+        </p:nvPicPr>
+        <p:blipFill>
+          <a:blip r:embed="rId3" cstate="print"/>
+          <a:srcRect/>
+          <a:stretch>
+            <a:fillRect/>
+          </a:stretch>
+        </p:blipFill>
+        <p:spPr bwMode="auto">
+          <a:xfrm>
+            <a:off x="-4655820" y="1275774"/>
+            <a:ext cx="16118974" cy="4195386"/>
+          </a:xfrm>
+          <a:prstGeom prst="rect">
+            <a:avLst/>
+          </a:prstGeom>
+          <a:noFill/>
+          <a:ln w="9525">
+            <a:noFill/>
+            <a:round/>
+            <a:headEnd/>
+            <a:tailEnd/>
+          </a:ln>
+        </p:spPr>
+      </p:pic>
+      <p:pic>
+        <p:nvPicPr>
+          <p:cNvPr id="2052" name="Picture 3"/>
+          <p:cNvPicPr>
+            <a:picLocks noChangeAspect="1" noChangeArrowheads="1"/>
+          </p:cNvPicPr>
+          <p:nvPr/>
+        </p:nvPicPr>
+        <p:blipFill>
+          <a:blip r:embed="rId4" cstate="print"/>
+          <a:srcRect/>
+          <a:stretch>
+            <a:fillRect/>
+          </a:stretch>
+        </p:blipFill>
+        <p:spPr bwMode="auto">
+          <a:xfrm>
+            <a:off x="0" y="0"/>
+            <a:ext cx="0" cy="0"/>
+          </a:xfrm>
+          <a:prstGeom prst="rect">
+            <a:avLst/>
+          </a:prstGeom>
+          <a:noFill/>
+          <a:ln w="9525">
+            <a:noFill/>
+            <a:round/>
+            <a:headEnd/>
+            <a:tailEnd/>
+          </a:ln>
+        </p:spPr>
+      </p:pic>
+    </p:spTree>
+    <p:extLst>
+      <p:ext uri="{BB962C8B-B14F-4D97-AF65-F5344CB8AC3E}">
+        <p14:creationId xmlns:p14="http://schemas.microsoft.com/office/powerpoint/2010/main" val="1951342521"/>
+      </p:ext>
+    </p:extLst>
+  </p:cSld>
+  <p:clrMapOvr>
+    <a:masterClrMapping/>
+  </p:clrMapOvr>
+  <p:transition spd="med"/>
+  <p:timing>
+    <p:tnLst>
+      <p:par>
+        <p:cTn id="1" dur="indefinite" restart="never" nodeType="tmRoot">
+          <p:childTnLst>
+            <p:seq concurrent="1" nextAc="seek">
+              <p:cTn id="2" dur="0" nodeType="mainSeq"/>
+              <p:prevCondLst>
+                <p:cond evt="onPrev" delay="0">
+                  <p:tgtEl>
+                    <p:sldTgt/>
+                  </p:tgtEl>
+                </p:cond>
+              </p:prevCondLst>
+              <p:nextCondLst>
+                <p:cond evt="onNext" delay="0">
+                  <p:tgtEl>
+                    <p:sldTgt/>
+                  </p:tgtEl>
+                </p:cond>
+              </p:nextCondLst>
+            </p:seq>
+          </p:childTnLst>
+        </p:cTn>
+      </p:par>
+    </p:tnLst>
+  </p:timing>
+</p:sld>
+</file>
+
+<file path=ppt/slides/slide39.xml><?xml version="1.0" encoding="utf-8"?>
+<p:sld xmlns:a="http://schemas.openxmlformats.org/drawingml/2006/main" xmlns:r="http://schemas.openxmlformats.org/officeDocument/2006/relationships" xmlns:p="http://schemas.openxmlformats.org/presentationml/2006/main">
+  <p:cSld>
+    <p:spTree>
+      <p:nvGrpSpPr>
+        <p:cNvPr id="1" name=""/>
+        <p:cNvGrpSpPr/>
+        <p:nvPr/>
+      </p:nvGrpSpPr>
+      <p:grpSpPr>
+        <a:xfrm>
+          <a:off x="0" y="0"/>
+          <a:ext cx="0" cy="0"/>
+          <a:chOff x="0" y="0"/>
+          <a:chExt cx="0" cy="0"/>
+        </a:xfrm>
+      </p:grpSpPr>
+      <p:sp>
+        <p:nvSpPr>
+          <p:cNvPr id="29" name="矩形 28"/>
+          <p:cNvSpPr/>
+          <p:nvPr/>
+        </p:nvSpPr>
+        <p:spPr>
+          <a:xfrm>
+            <a:off x="5918899" y="0"/>
+            <a:ext cx="6260123" cy="6858000"/>
+          </a:xfrm>
+          <a:prstGeom prst="rect">
+            <a:avLst/>
+          </a:prstGeom>
+          <a:solidFill>
+            <a:schemeClr val="bg1">
+              <a:lumMod val="95000"/>
+            </a:schemeClr>
+          </a:solidFill>
+          <a:ln>
+            <a:noFill/>
+          </a:ln>
+        </p:spPr>
+        <p:style>
+          <a:lnRef idx="2">
+            <a:schemeClr val="accent1">
+              <a:shade val="50000"/>
+            </a:schemeClr>
+          </a:lnRef>
+          <a:fillRef idx="1">
+            <a:schemeClr val="accent1"/>
+          </a:fillRef>
+          <a:effectRef idx="0">
+            <a:schemeClr val="accent1"/>
+          </a:effectRef>
+          <a:fontRef idx="minor">
+            <a:schemeClr val="lt1"/>
+          </a:fontRef>
+        </p:style>
+        <p:txBody>
+          <a:bodyPr rtlCol="0" anchor="ctr"/>
+          <a:lstStyle/>
+          <a:p>
+            <a:pPr algn="ctr"/>
+            <a:endParaRPr lang="zh-CN" altLang="en-US" dirty="0"/>
+          </a:p>
+        </p:txBody>
+      </p:sp>
+      <p:sp>
+        <p:nvSpPr>
+          <p:cNvPr id="31" name="Rectangle 96"/>
+          <p:cNvSpPr/>
+          <p:nvPr/>
+        </p:nvSpPr>
+        <p:spPr>
+          <a:xfrm>
+            <a:off x="842009" y="2370356"/>
+            <a:ext cx="11068049" cy="2308324"/>
+          </a:xfrm>
+          <a:prstGeom prst="rect">
+            <a:avLst/>
+          </a:prstGeom>
+        </p:spPr>
+        <p:txBody>
+          <a:bodyPr wrap="square">
+            <a:spAutoFit/>
+          </a:bodyPr>
+          <a:lstStyle/>
+          <a:p>
+            <a:pPr>
+              <a:lnSpc>
+                <a:spcPct val="150000"/>
+              </a:lnSpc>
+            </a:pPr>
+            <a:r>
+              <a:rPr lang="en-US" altLang="zh-CN" sz="3200" b="1" dirty="0"/>
+              <a:t> </a:t>
+            </a:r>
+            <a:r>
+              <a:rPr lang="en-US" altLang="zh-CN" sz="3200" b="1" dirty="0" smtClean="0"/>
+              <a:t>  Hemispheric </a:t>
+            </a:r>
+            <a:r>
+              <a:rPr lang="en-US" altLang="zh-CN" sz="3200" b="1" dirty="0"/>
+              <a:t>Difference in BOLD </a:t>
+            </a:r>
+            <a:r>
+              <a:rPr lang="en-US" altLang="zh-CN" sz="3200" b="1" dirty="0" smtClean="0"/>
+              <a:t>Activity Correlated </a:t>
+            </a:r>
+            <a:r>
+              <a:rPr lang="en-US" altLang="zh-CN" sz="3200" b="1" dirty="0"/>
+              <a:t>with the Efficient Retrieval </a:t>
+            </a:r>
+            <a:r>
+              <a:rPr lang="en-US" altLang="zh-CN" sz="3200" b="1" dirty="0" smtClean="0"/>
+              <a:t>of Object-place </a:t>
+            </a:r>
+            <a:r>
+              <a:rPr lang="en-US" altLang="zh-CN" sz="3200" b="1" dirty="0"/>
+              <a:t>Memory and Spatial </a:t>
+            </a:r>
+            <a:r>
+              <a:rPr lang="en-US" altLang="zh-CN" sz="3200" b="1" dirty="0" smtClean="0"/>
+              <a:t>Memory</a:t>
+            </a:r>
+            <a:endParaRPr lang="en-US" altLang="zh-CN" sz="2800" dirty="0"/>
+          </a:p>
+        </p:txBody>
+      </p:sp>
+      <p:sp>
+        <p:nvSpPr>
+          <p:cNvPr id="6" name="文本框 29"/>
+          <p:cNvSpPr txBox="1"/>
+          <p:nvPr/>
+        </p:nvSpPr>
+        <p:spPr>
+          <a:xfrm>
+            <a:off x="842009" y="1323635"/>
+            <a:ext cx="5947811" cy="769441"/>
+          </a:xfrm>
+          <a:prstGeom prst="rect">
+            <a:avLst/>
+          </a:prstGeom>
+          <a:noFill/>
+        </p:spPr>
+        <p:txBody>
+          <a:bodyPr wrap="square" rtlCol="0">
+            <a:spAutoFit/>
+          </a:bodyPr>
+          <a:lstStyle/>
+          <a:p>
+            <a:r>
+              <a:rPr lang="en-US" altLang="zh-CN" sz="4400" b="1" dirty="0" smtClean="0">
+                <a:solidFill>
+                  <a:srgbClr val="00ABB4"/>
+                </a:solidFill>
+                <a:latin typeface="微软雅黑" panose="020B0503020204020204" pitchFamily="34" charset="-122"/>
+                <a:ea typeface="微软雅黑" panose="020B0503020204020204" pitchFamily="34" charset="-122"/>
+              </a:rPr>
+              <a:t>Result 4:</a:t>
+            </a:r>
+            <a:endParaRPr lang="en-US" altLang="zh-CN" sz="4400" b="1" dirty="0" smtClean="0">
+              <a:solidFill>
+                <a:srgbClr val="00ABB4"/>
+              </a:solidFill>
+              <a:latin typeface="微软雅黑" panose="020B0503020204020204" pitchFamily="34" charset="-122"/>
+              <a:ea typeface="微软雅黑" panose="020B0503020204020204" pitchFamily="34" charset="-122"/>
+            </a:endParaRPr>
+          </a:p>
+        </p:txBody>
+      </p:sp>
+    </p:spTree>
+    <p:extLst>
+      <p:ext uri="{BB962C8B-B14F-4D97-AF65-F5344CB8AC3E}">
+        <p14:creationId xmlns:p14="http://schemas.microsoft.com/office/powerpoint/2010/main" val="3211676392"/>
       </p:ext>
     </p:extLst>
   </p:cSld>
@@ -18228,6 +20405,599 @@
     <p:extLst>
       <p:ext uri="{BB962C8B-B14F-4D97-AF65-F5344CB8AC3E}">
         <p14:creationId xmlns:p14="http://schemas.microsoft.com/office/powerpoint/2010/main" val="1099507969"/>
+      </p:ext>
+    </p:extLst>
+  </p:cSld>
+  <p:clrMapOvr>
+    <a:masterClrMapping/>
+  </p:clrMapOvr>
+  <p:timing>
+    <p:tnLst>
+      <p:par>
+        <p:cTn id="1" dur="indefinite" restart="never" nodeType="tmRoot"/>
+      </p:par>
+    </p:tnLst>
+  </p:timing>
+</p:sld>
+</file>
+
+<file path=ppt/slides/slide40.xml><?xml version="1.0" encoding="utf-8"?>
+<p:sld xmlns:a="http://schemas.openxmlformats.org/drawingml/2006/main" xmlns:r="http://schemas.openxmlformats.org/officeDocument/2006/relationships" xmlns:p="http://schemas.openxmlformats.org/presentationml/2006/main">
+  <p:cSld>
+    <p:spTree>
+      <p:nvGrpSpPr>
+        <p:cNvPr id="1" name=""/>
+        <p:cNvGrpSpPr/>
+        <p:nvPr/>
+      </p:nvGrpSpPr>
+      <p:grpSpPr>
+        <a:xfrm>
+          <a:off x="0" y="0"/>
+          <a:ext cx="0" cy="0"/>
+          <a:chOff x="0" y="0"/>
+          <a:chExt cx="0" cy="0"/>
+        </a:xfrm>
+      </p:grpSpPr>
+      <p:pic>
+        <p:nvPicPr>
+          <p:cNvPr id="2051" name="Picture 2"/>
+          <p:cNvPicPr>
+            <a:picLocks noChangeAspect="1" noChangeArrowheads="1"/>
+          </p:cNvPicPr>
+          <p:nvPr/>
+        </p:nvPicPr>
+        <p:blipFill>
+          <a:blip r:embed="rId3" cstate="print"/>
+          <a:srcRect/>
+          <a:stretch>
+            <a:fillRect/>
+          </a:stretch>
+        </p:blipFill>
+        <p:spPr bwMode="auto">
+          <a:xfrm>
+            <a:off x="572304" y="876300"/>
+            <a:ext cx="11007239" cy="4907842"/>
+          </a:xfrm>
+          <a:prstGeom prst="rect">
+            <a:avLst/>
+          </a:prstGeom>
+          <a:noFill/>
+          <a:ln w="9525">
+            <a:noFill/>
+            <a:round/>
+            <a:headEnd/>
+            <a:tailEnd/>
+          </a:ln>
+        </p:spPr>
+      </p:pic>
+      <p:pic>
+        <p:nvPicPr>
+          <p:cNvPr id="2052" name="Picture 3"/>
+          <p:cNvPicPr>
+            <a:picLocks noChangeAspect="1" noChangeArrowheads="1"/>
+          </p:cNvPicPr>
+          <p:nvPr/>
+        </p:nvPicPr>
+        <p:blipFill>
+          <a:blip r:embed="rId4" cstate="print"/>
+          <a:srcRect/>
+          <a:stretch>
+            <a:fillRect/>
+          </a:stretch>
+        </p:blipFill>
+        <p:spPr bwMode="auto">
+          <a:xfrm>
+            <a:off x="0" y="0"/>
+            <a:ext cx="0" cy="0"/>
+          </a:xfrm>
+          <a:prstGeom prst="rect">
+            <a:avLst/>
+          </a:prstGeom>
+          <a:noFill/>
+          <a:ln w="9525">
+            <a:noFill/>
+            <a:round/>
+            <a:headEnd/>
+            <a:tailEnd/>
+          </a:ln>
+        </p:spPr>
+      </p:pic>
+    </p:spTree>
+    <p:extLst>
+      <p:ext uri="{BB962C8B-B14F-4D97-AF65-F5344CB8AC3E}">
+        <p14:creationId xmlns:p14="http://schemas.microsoft.com/office/powerpoint/2010/main" val="1183797523"/>
+      </p:ext>
+    </p:extLst>
+  </p:cSld>
+  <p:clrMapOvr>
+    <a:masterClrMapping/>
+  </p:clrMapOvr>
+  <p:transition spd="med"/>
+  <p:timing>
+    <p:tnLst>
+      <p:par>
+        <p:cTn id="1" dur="indefinite" restart="never" nodeType="tmRoot">
+          <p:childTnLst>
+            <p:seq concurrent="1" nextAc="seek">
+              <p:cTn id="2" dur="0" nodeType="mainSeq"/>
+              <p:prevCondLst>
+                <p:cond evt="onPrev" delay="0">
+                  <p:tgtEl>
+                    <p:sldTgt/>
+                  </p:tgtEl>
+                </p:cond>
+              </p:prevCondLst>
+              <p:nextCondLst>
+                <p:cond evt="onNext" delay="0">
+                  <p:tgtEl>
+                    <p:sldTgt/>
+                  </p:tgtEl>
+                </p:cond>
+              </p:nextCondLst>
+            </p:seq>
+          </p:childTnLst>
+        </p:cTn>
+      </p:par>
+    </p:tnLst>
+  </p:timing>
+</p:sld>
+</file>
+
+<file path=ppt/slides/slide41.xml><?xml version="1.0" encoding="utf-8"?>
+<p:sld xmlns:a="http://schemas.openxmlformats.org/drawingml/2006/main" xmlns:r="http://schemas.openxmlformats.org/officeDocument/2006/relationships" xmlns:p="http://schemas.openxmlformats.org/presentationml/2006/main">
+  <p:cSld>
+    <p:spTree>
+      <p:nvGrpSpPr>
+        <p:cNvPr id="1" name=""/>
+        <p:cNvGrpSpPr/>
+        <p:nvPr/>
+      </p:nvGrpSpPr>
+      <p:grpSpPr>
+        <a:xfrm>
+          <a:off x="0" y="0"/>
+          <a:ext cx="0" cy="0"/>
+          <a:chOff x="0" y="0"/>
+          <a:chExt cx="0" cy="0"/>
+        </a:xfrm>
+      </p:grpSpPr>
+      <p:pic>
+        <p:nvPicPr>
+          <p:cNvPr id="2051" name="Picture 2"/>
+          <p:cNvPicPr>
+            <a:picLocks noChangeAspect="1" noChangeArrowheads="1"/>
+          </p:cNvPicPr>
+          <p:nvPr/>
+        </p:nvPicPr>
+        <p:blipFill>
+          <a:blip r:embed="rId3" cstate="print"/>
+          <a:srcRect/>
+          <a:stretch>
+            <a:fillRect/>
+          </a:stretch>
+        </p:blipFill>
+        <p:spPr bwMode="auto">
+          <a:xfrm>
+            <a:off x="2880360" y="209781"/>
+            <a:ext cx="6072733" cy="6247141"/>
+          </a:xfrm>
+          <a:prstGeom prst="rect">
+            <a:avLst/>
+          </a:prstGeom>
+          <a:noFill/>
+          <a:ln w="9525">
+            <a:noFill/>
+            <a:round/>
+            <a:headEnd/>
+            <a:tailEnd/>
+          </a:ln>
+        </p:spPr>
+      </p:pic>
+      <p:pic>
+        <p:nvPicPr>
+          <p:cNvPr id="2052" name="Picture 3"/>
+          <p:cNvPicPr>
+            <a:picLocks noChangeAspect="1" noChangeArrowheads="1"/>
+          </p:cNvPicPr>
+          <p:nvPr/>
+        </p:nvPicPr>
+        <p:blipFill>
+          <a:blip r:embed="rId4" cstate="print"/>
+          <a:srcRect/>
+          <a:stretch>
+            <a:fillRect/>
+          </a:stretch>
+        </p:blipFill>
+        <p:spPr bwMode="auto">
+          <a:xfrm>
+            <a:off x="0" y="0"/>
+            <a:ext cx="0" cy="0"/>
+          </a:xfrm>
+          <a:prstGeom prst="rect">
+            <a:avLst/>
+          </a:prstGeom>
+          <a:noFill/>
+          <a:ln w="9525">
+            <a:noFill/>
+            <a:round/>
+            <a:headEnd/>
+            <a:tailEnd/>
+          </a:ln>
+        </p:spPr>
+      </p:pic>
+    </p:spTree>
+    <p:extLst>
+      <p:ext uri="{BB962C8B-B14F-4D97-AF65-F5344CB8AC3E}">
+        <p14:creationId xmlns:p14="http://schemas.microsoft.com/office/powerpoint/2010/main" val="2498295017"/>
+      </p:ext>
+    </p:extLst>
+  </p:cSld>
+  <p:clrMapOvr>
+    <a:masterClrMapping/>
+  </p:clrMapOvr>
+  <p:transition spd="med"/>
+  <p:timing>
+    <p:tnLst>
+      <p:par>
+        <p:cTn id="1" dur="indefinite" restart="never" nodeType="tmRoot">
+          <p:childTnLst>
+            <p:seq concurrent="1" nextAc="seek">
+              <p:cTn id="2" dur="0" nodeType="mainSeq"/>
+              <p:prevCondLst>
+                <p:cond evt="onPrev" delay="0">
+                  <p:tgtEl>
+                    <p:sldTgt/>
+                  </p:tgtEl>
+                </p:cond>
+              </p:prevCondLst>
+              <p:nextCondLst>
+                <p:cond evt="onNext" delay="0">
+                  <p:tgtEl>
+                    <p:sldTgt/>
+                  </p:tgtEl>
+                </p:cond>
+              </p:nextCondLst>
+            </p:seq>
+          </p:childTnLst>
+        </p:cTn>
+      </p:par>
+    </p:tnLst>
+  </p:timing>
+</p:sld>
+</file>
+
+<file path=ppt/slides/slide42.xml><?xml version="1.0" encoding="utf-8"?>
+<p:sld xmlns:a="http://schemas.openxmlformats.org/drawingml/2006/main" xmlns:r="http://schemas.openxmlformats.org/officeDocument/2006/relationships" xmlns:p="http://schemas.openxmlformats.org/presentationml/2006/main">
+  <p:cSld>
+    <p:spTree>
+      <p:nvGrpSpPr>
+        <p:cNvPr id="1" name=""/>
+        <p:cNvGrpSpPr/>
+        <p:nvPr/>
+      </p:nvGrpSpPr>
+      <p:grpSpPr>
+        <a:xfrm>
+          <a:off x="0" y="0"/>
+          <a:ext cx="0" cy="0"/>
+          <a:chOff x="0" y="0"/>
+          <a:chExt cx="0" cy="0"/>
+        </a:xfrm>
+      </p:grpSpPr>
+      <p:sp>
+        <p:nvSpPr>
+          <p:cNvPr id="29" name="矩形 28"/>
+          <p:cNvSpPr/>
+          <p:nvPr/>
+        </p:nvSpPr>
+        <p:spPr>
+          <a:xfrm>
+            <a:off x="5918899" y="0"/>
+            <a:ext cx="6260123" cy="6858000"/>
+          </a:xfrm>
+          <a:prstGeom prst="rect">
+            <a:avLst/>
+          </a:prstGeom>
+          <a:solidFill>
+            <a:schemeClr val="bg1">
+              <a:lumMod val="95000"/>
+            </a:schemeClr>
+          </a:solidFill>
+          <a:ln>
+            <a:noFill/>
+          </a:ln>
+        </p:spPr>
+        <p:style>
+          <a:lnRef idx="2">
+            <a:schemeClr val="accent1">
+              <a:shade val="50000"/>
+            </a:schemeClr>
+          </a:lnRef>
+          <a:fillRef idx="1">
+            <a:schemeClr val="accent1"/>
+          </a:fillRef>
+          <a:effectRef idx="0">
+            <a:schemeClr val="accent1"/>
+          </a:effectRef>
+          <a:fontRef idx="minor">
+            <a:schemeClr val="lt1"/>
+          </a:fontRef>
+        </p:style>
+        <p:txBody>
+          <a:bodyPr rtlCol="0" anchor="ctr"/>
+          <a:lstStyle/>
+          <a:p>
+            <a:pPr algn="ctr"/>
+            <a:endParaRPr lang="zh-CN" altLang="en-US" dirty="0"/>
+          </a:p>
+        </p:txBody>
+      </p:sp>
+      <p:sp>
+        <p:nvSpPr>
+          <p:cNvPr id="31" name="Rectangle 96"/>
+          <p:cNvSpPr/>
+          <p:nvPr/>
+        </p:nvSpPr>
+        <p:spPr>
+          <a:xfrm>
+            <a:off x="765809" y="2035076"/>
+            <a:ext cx="11068049" cy="2677656"/>
+          </a:xfrm>
+          <a:prstGeom prst="rect">
+            <a:avLst/>
+          </a:prstGeom>
+        </p:spPr>
+        <p:txBody>
+          <a:bodyPr wrap="square">
+            <a:spAutoFit/>
+          </a:bodyPr>
+          <a:lstStyle/>
+          <a:p>
+            <a:pPr marL="285750" indent="-285750">
+              <a:lnSpc>
+                <a:spcPct val="150000"/>
+              </a:lnSpc>
+              <a:buFont typeface="Arial" panose="020B0604020202020204" pitchFamily="34" charset="0"/>
+              <a:buChar char="•"/>
+            </a:pPr>
+            <a:r>
+              <a:rPr lang="en-US" altLang="zh-CN" sz="2800" dirty="0"/>
+              <a:t>The behavioral results were analyzed by </a:t>
+            </a:r>
+            <a:r>
+              <a:rPr lang="en-US" altLang="zh-CN" sz="2800" b="1" dirty="0"/>
+              <a:t>two-way ANOVA</a:t>
+            </a:r>
+            <a:r>
+              <a:rPr lang="en-US" altLang="zh-CN" sz="2800" dirty="0"/>
+              <a:t/>
+            </a:r>
+            <a:br>
+              <a:rPr lang="en-US" altLang="zh-CN" sz="2800" dirty="0"/>
+            </a:br>
+            <a:r>
+              <a:rPr lang="en-US" altLang="zh-CN" sz="2800" dirty="0"/>
+              <a:t>with </a:t>
+            </a:r>
+            <a:r>
+              <a:rPr lang="en-US" altLang="zh-CN" sz="2800" b="1" dirty="0"/>
+              <a:t>between-subjects</a:t>
+            </a:r>
+            <a:r>
+              <a:rPr lang="en-US" altLang="zh-CN" sz="2800" dirty="0"/>
+              <a:t> factors of </a:t>
+            </a:r>
+            <a:r>
+              <a:rPr lang="en-US" altLang="zh-CN" sz="2800" b="1" dirty="0"/>
+              <a:t>transgene (</a:t>
+            </a:r>
+            <a:r>
+              <a:rPr lang="en-US" altLang="zh-CN" sz="2800" b="1" dirty="0" err="1"/>
+              <a:t>NpHR</a:t>
+            </a:r>
+            <a:r>
+              <a:rPr lang="en-US" altLang="zh-CN" sz="2800" b="1" dirty="0"/>
+              <a:t> vs. YFP) </a:t>
+            </a:r>
+            <a:r>
+              <a:rPr lang="en-US" altLang="zh-CN" sz="2800" dirty="0" smtClean="0"/>
+              <a:t>and </a:t>
+            </a:r>
+            <a:r>
+              <a:rPr lang="en-US" altLang="zh-CN" sz="2800" b="1" dirty="0" smtClean="0"/>
+              <a:t>hemisphere </a:t>
+            </a:r>
+            <a:r>
+              <a:rPr lang="en-US" altLang="zh-CN" sz="2800" b="1" dirty="0"/>
+              <a:t>(left vs. right), </a:t>
+            </a:r>
+            <a:r>
+              <a:rPr lang="en-US" altLang="zh-CN" sz="2800" dirty="0"/>
+              <a:t>and also a </a:t>
+            </a:r>
+            <a:r>
+              <a:rPr lang="en-US" altLang="zh-CN" sz="2800" b="1" dirty="0"/>
+              <a:t>within-subjects</a:t>
+            </a:r>
+            <a:r>
+              <a:rPr lang="en-US" altLang="zh-CN" sz="2800" dirty="0"/>
+              <a:t> factor </a:t>
+            </a:r>
+            <a:r>
+              <a:rPr lang="en-US" altLang="zh-CN" sz="2800" dirty="0" smtClean="0"/>
+              <a:t>of block </a:t>
+            </a:r>
+            <a:r>
+              <a:rPr lang="en-US" altLang="zh-CN" sz="2800" dirty="0"/>
+              <a:t>for the long-term memory tests. </a:t>
+            </a:r>
+          </a:p>
+        </p:txBody>
+      </p:sp>
+      <p:sp>
+        <p:nvSpPr>
+          <p:cNvPr id="6" name="文本框 29"/>
+          <p:cNvSpPr txBox="1"/>
+          <p:nvPr/>
+        </p:nvSpPr>
+        <p:spPr>
+          <a:xfrm>
+            <a:off x="662539" y="294935"/>
+            <a:ext cx="5947811" cy="769441"/>
+          </a:xfrm>
+          <a:prstGeom prst="rect">
+            <a:avLst/>
+          </a:prstGeom>
+          <a:noFill/>
+        </p:spPr>
+        <p:txBody>
+          <a:bodyPr wrap="square" rtlCol="0">
+            <a:spAutoFit/>
+          </a:bodyPr>
+          <a:lstStyle/>
+          <a:p>
+            <a:r>
+              <a:rPr lang="en-US" altLang="zh-CN" sz="4400" b="1" dirty="0" smtClean="0">
+                <a:solidFill>
+                  <a:srgbClr val="00ABB4"/>
+                </a:solidFill>
+                <a:latin typeface="微软雅黑" panose="020B0503020204020204" pitchFamily="34" charset="-122"/>
+                <a:ea typeface="微软雅黑" panose="020B0503020204020204" pitchFamily="34" charset="-122"/>
+              </a:rPr>
+              <a:t>Analysis</a:t>
+            </a:r>
+          </a:p>
+        </p:txBody>
+      </p:sp>
+    </p:spTree>
+    <p:extLst>
+      <p:ext uri="{BB962C8B-B14F-4D97-AF65-F5344CB8AC3E}">
+        <p14:creationId xmlns:p14="http://schemas.microsoft.com/office/powerpoint/2010/main" val="2734810818"/>
+      </p:ext>
+    </p:extLst>
+  </p:cSld>
+  <p:clrMapOvr>
+    <a:masterClrMapping/>
+  </p:clrMapOvr>
+  <p:timing>
+    <p:tnLst>
+      <p:par>
+        <p:cTn id="1" dur="indefinite" restart="never" nodeType="tmRoot"/>
+      </p:par>
+    </p:tnLst>
+  </p:timing>
+</p:sld>
+</file>
+
+<file path=ppt/slides/slide43.xml><?xml version="1.0" encoding="utf-8"?>
+<p:sld xmlns:a="http://schemas.openxmlformats.org/drawingml/2006/main" xmlns:r="http://schemas.openxmlformats.org/officeDocument/2006/relationships" xmlns:p="http://schemas.openxmlformats.org/presentationml/2006/main">
+  <p:cSld>
+    <p:spTree>
+      <p:nvGrpSpPr>
+        <p:cNvPr id="1" name=""/>
+        <p:cNvGrpSpPr/>
+        <p:nvPr/>
+      </p:nvGrpSpPr>
+      <p:grpSpPr>
+        <a:xfrm>
+          <a:off x="0" y="0"/>
+          <a:ext cx="0" cy="0"/>
+          <a:chOff x="0" y="0"/>
+          <a:chExt cx="0" cy="0"/>
+        </a:xfrm>
+      </p:grpSpPr>
+      <p:sp>
+        <p:nvSpPr>
+          <p:cNvPr id="3" name="文本框 2"/>
+          <p:cNvSpPr txBox="1"/>
+          <p:nvPr/>
+        </p:nvSpPr>
+        <p:spPr>
+          <a:xfrm>
+            <a:off x="2618510" y="2333008"/>
+            <a:ext cx="6964407" cy="1261884"/>
+          </a:xfrm>
+          <a:prstGeom prst="rect">
+            <a:avLst/>
+          </a:prstGeom>
+          <a:noFill/>
+        </p:spPr>
+        <p:txBody>
+          <a:bodyPr wrap="none" rtlCol="0">
+            <a:spAutoFit/>
+          </a:bodyPr>
+          <a:lstStyle/>
+          <a:p>
+            <a:pPr algn="ctr"/>
+            <a:r>
+              <a:rPr lang="en-US" altLang="zh-CN" sz="3800" b="1" dirty="0" smtClean="0">
+                <a:solidFill>
+                  <a:srgbClr val="00ABB4"/>
+                </a:solidFill>
+                <a:effectLst>
+                  <a:outerShdw blurRad="38100" dist="38100" dir="2700000" algn="tl">
+                    <a:srgbClr val="000000">
+                      <a:alpha val="43137"/>
+                    </a:srgbClr>
+                  </a:outerShdw>
+                </a:effectLst>
+                <a:latin typeface="微软雅黑" panose="020B0503020204020204" pitchFamily="34" charset="-122"/>
+                <a:ea typeface="微软雅黑" panose="020B0503020204020204" pitchFamily="34" charset="-122"/>
+              </a:rPr>
+              <a:t>Thank you all for listening~</a:t>
+            </a:r>
+            <a:r>
+              <a:rPr lang="en-US" altLang="zh-CN" sz="3800" b="1" dirty="0">
+                <a:solidFill>
+                  <a:srgbClr val="00ABB4"/>
+                </a:solidFill>
+                <a:effectLst>
+                  <a:outerShdw blurRad="38100" dist="38100" dir="2700000" algn="tl">
+                    <a:srgbClr val="000000">
+                      <a:alpha val="43137"/>
+                    </a:srgbClr>
+                  </a:outerShdw>
+                </a:effectLst>
+                <a:latin typeface="微软雅黑" panose="020B0503020204020204" pitchFamily="34" charset="-122"/>
+                <a:ea typeface="微软雅黑" panose="020B0503020204020204" pitchFamily="34" charset="-122"/>
+              </a:rPr>
+              <a:t/>
+            </a:r>
+            <a:br>
+              <a:rPr lang="en-US" altLang="zh-CN" sz="3800" b="1" dirty="0">
+                <a:solidFill>
+                  <a:srgbClr val="00ABB4"/>
+                </a:solidFill>
+                <a:effectLst>
+                  <a:outerShdw blurRad="38100" dist="38100" dir="2700000" algn="tl">
+                    <a:srgbClr val="000000">
+                      <a:alpha val="43137"/>
+                    </a:srgbClr>
+                  </a:outerShdw>
+                </a:effectLst>
+                <a:latin typeface="微软雅黑" panose="020B0503020204020204" pitchFamily="34" charset="-122"/>
+                <a:ea typeface="微软雅黑" panose="020B0503020204020204" pitchFamily="34" charset="-122"/>
+              </a:rPr>
+            </a:br>
+            <a:endParaRPr lang="en-US" altLang="zh-CN" sz="3800" b="1" dirty="0">
+              <a:solidFill>
+                <a:srgbClr val="00ABB4"/>
+              </a:solidFill>
+              <a:effectLst>
+                <a:outerShdw blurRad="38100" dist="38100" dir="2700000" algn="tl">
+                  <a:srgbClr val="000000">
+                    <a:alpha val="43137"/>
+                  </a:srgbClr>
+                </a:outerShdw>
+              </a:effectLst>
+              <a:latin typeface="微软雅黑" panose="020B0503020204020204" pitchFamily="34" charset="-122"/>
+              <a:ea typeface="微软雅黑" panose="020B0503020204020204" pitchFamily="34" charset="-122"/>
+            </a:endParaRPr>
+          </a:p>
+        </p:txBody>
+      </p:sp>
+    </p:spTree>
+    <p:extLst>
+      <p:ext uri="{BB962C8B-B14F-4D97-AF65-F5344CB8AC3E}">
+        <p14:creationId xmlns:p14="http://schemas.microsoft.com/office/powerpoint/2010/main" val="3711594375"/>
       </p:ext>
     </p:extLst>
   </p:cSld>

--- a/Event/Lateralization.pptx
+++ b/Event/Lateralization.pptx
@@ -8,8 +8,8 @@
     <p:notesMasterId r:id="rId56"/>
   </p:notesMasterIdLst>
   <p:sldIdLst>
-    <p:sldId id="410" r:id="rId2"/>
-    <p:sldId id="445" r:id="rId3"/>
+    <p:sldId id="445" r:id="rId2"/>
+    <p:sldId id="410" r:id="rId3"/>
     <p:sldId id="442" r:id="rId4"/>
     <p:sldId id="443" r:id="rId5"/>
     <p:sldId id="444" r:id="rId6"/>
@@ -162,7 +162,7 @@
   </p:defaultTextStyle>
   <p:extLst>
     <p:ext uri="{EFAFB233-063F-42B5-8137-9DF3F51BA10A}">
-      <p15:sldGuideLst xmlns:p15="http://schemas.microsoft.com/office/powerpoint/2012/main" xmlns="">
+      <p15:sldGuideLst xmlns="" xmlns:p15="http://schemas.microsoft.com/office/powerpoint/2012/main">
         <p15:guide id="1" orient="horz" pos="2160">
           <p15:clr>
             <a:srgbClr val="A4A3A4"/>
@@ -603,7 +603,7 @@
     </p:spTree>
     <p:extLst>
       <p:ext uri="{BB962C8B-B14F-4D97-AF65-F5344CB8AC3E}">
-        <p14:creationId xmlns:p14="http://schemas.microsoft.com/office/powerpoint/2010/main" val="2146267446"/>
+        <p14:creationId xmlns:p14="http://schemas.microsoft.com/office/powerpoint/2010/main" val="2904033859"/>
       </p:ext>
     </p:extLst>
   </p:cSld>
@@ -2122,7 +2122,7 @@
     </p:spTree>
     <p:extLst>
       <p:ext uri="{BB962C8B-B14F-4D97-AF65-F5344CB8AC3E}">
-        <p14:creationId xmlns:p14="http://schemas.microsoft.com/office/powerpoint/2010/main" val="2904033859"/>
+        <p14:creationId xmlns:p14="http://schemas.microsoft.com/office/powerpoint/2010/main" val="2146267446"/>
       </p:ext>
     </p:extLst>
   </p:cSld>
@@ -12215,14 +12215,14 @@
       </p:grpSpPr>
       <p:sp>
         <p:nvSpPr>
-          <p:cNvPr id="5" name="文本框 4"/>
+          <p:cNvPr id="3" name="文本框 2"/>
           <p:cNvSpPr txBox="1"/>
           <p:nvPr/>
         </p:nvSpPr>
         <p:spPr>
           <a:xfrm>
-            <a:off x="5445728" y="1707631"/>
-            <a:ext cx="1704313" cy="1569660"/>
+            <a:off x="2065020" y="1365268"/>
+            <a:ext cx="8214360" cy="3785652"/>
           </a:xfrm>
           <a:prstGeom prst="rect">
             <a:avLst/>
@@ -12230,302 +12230,123 @@
           <a:noFill/>
         </p:spPr>
         <p:txBody>
-          <a:bodyPr wrap="none" rtlCol="0">
-            <a:spAutoFit/>
-          </a:bodyPr>
-          <a:lstStyle/>
-          <a:p>
-            <a:r>
-              <a:rPr lang="en-US" altLang="zh-CN" sz="9600" b="1" dirty="0" smtClean="0">
-                <a:solidFill>
-                  <a:schemeClr val="accent2">
-                    <a:lumMod val="75000"/>
-                  </a:schemeClr>
-                </a:solidFill>
-                <a:latin typeface="微软雅黑" panose="020B0503020204020204" pitchFamily="34" charset="-122"/>
-                <a:ea typeface="微软雅黑" panose="020B0503020204020204" pitchFamily="34" charset="-122"/>
-              </a:rPr>
-              <a:t>01</a:t>
-            </a:r>
-            <a:endParaRPr lang="zh-CN" altLang="en-US" sz="9600" b="1" dirty="0">
-              <a:solidFill>
-                <a:schemeClr val="accent2">
-                  <a:lumMod val="75000"/>
-                </a:schemeClr>
-              </a:solidFill>
-              <a:latin typeface="微软雅黑" panose="020B0503020204020204" pitchFamily="34" charset="-122"/>
-              <a:ea typeface="微软雅黑" panose="020B0503020204020204" pitchFamily="34" charset="-122"/>
-            </a:endParaRPr>
-          </a:p>
-        </p:txBody>
-      </p:sp>
-      <p:sp>
-        <p:nvSpPr>
-          <p:cNvPr id="6" name="文本框 5"/>
-          <p:cNvSpPr txBox="1"/>
-          <p:nvPr/>
-        </p:nvSpPr>
-        <p:spPr>
-          <a:xfrm>
-            <a:off x="5445728" y="3422822"/>
-            <a:ext cx="3844770" cy="769441"/>
-          </a:xfrm>
-          <a:prstGeom prst="rect">
-            <a:avLst/>
-          </a:prstGeom>
-          <a:noFill/>
-        </p:spPr>
-        <p:txBody>
-          <a:bodyPr wrap="none" rtlCol="0">
-            <a:spAutoFit/>
-          </a:bodyPr>
-          <a:lstStyle/>
-          <a:p>
-            <a:r>
-              <a:rPr lang="en-US" altLang="zh-CN" sz="4400" b="1" dirty="0" smtClean="0">
-                <a:solidFill>
-                  <a:srgbClr val="00ABB4"/>
-                </a:solidFill>
-                <a:latin typeface="微软雅黑" panose="020B0503020204020204" pitchFamily="34" charset="-122"/>
-                <a:ea typeface="微软雅黑" panose="020B0503020204020204" pitchFamily="34" charset="-122"/>
-              </a:rPr>
-              <a:t>Jordan, 2017</a:t>
-            </a:r>
-            <a:endParaRPr lang="zh-CN" altLang="en-US" sz="4400" b="1" dirty="0">
-              <a:solidFill>
-                <a:srgbClr val="00ABB4"/>
-              </a:solidFill>
-              <a:latin typeface="微软雅黑" panose="020B0503020204020204" pitchFamily="34" charset="-122"/>
-              <a:ea typeface="微软雅黑" panose="020B0503020204020204" pitchFamily="34" charset="-122"/>
-            </a:endParaRPr>
-          </a:p>
-        </p:txBody>
-      </p:sp>
-      <p:sp>
-        <p:nvSpPr>
-          <p:cNvPr id="7" name="文本框 6"/>
-          <p:cNvSpPr txBox="1"/>
-          <p:nvPr/>
-        </p:nvSpPr>
-        <p:spPr>
-          <a:xfrm>
-            <a:off x="5445728" y="3003482"/>
-            <a:ext cx="1534972" cy="461665"/>
-          </a:xfrm>
-          <a:prstGeom prst="rect">
-            <a:avLst/>
-          </a:prstGeom>
-          <a:noFill/>
-        </p:spPr>
-        <p:txBody>
-          <a:bodyPr wrap="none" rtlCol="0">
-            <a:spAutoFit/>
-          </a:bodyPr>
-          <a:lstStyle/>
-          <a:p>
-            <a:r>
-              <a:rPr lang="en-US" altLang="zh-CN" sz="2400" dirty="0">
-                <a:solidFill>
-                  <a:schemeClr val="bg1">
-                    <a:lumMod val="50000"/>
-                  </a:schemeClr>
-                </a:solidFill>
-                <a:latin typeface="微软雅黑" panose="020B0503020204020204" pitchFamily="34" charset="-122"/>
-                <a:ea typeface="微软雅黑" panose="020B0503020204020204" pitchFamily="34" charset="-122"/>
-              </a:rPr>
-              <a:t>Part </a:t>
-            </a:r>
-            <a:r>
-              <a:rPr lang="en-US" altLang="zh-CN" sz="2400" dirty="0" smtClean="0">
-                <a:solidFill>
-                  <a:schemeClr val="bg1">
-                    <a:lumMod val="50000"/>
-                  </a:schemeClr>
-                </a:solidFill>
-                <a:latin typeface="微软雅黑" panose="020B0503020204020204" pitchFamily="34" charset="-122"/>
-                <a:ea typeface="微软雅黑" panose="020B0503020204020204" pitchFamily="34" charset="-122"/>
-              </a:rPr>
-              <a:t>ONE</a:t>
-            </a:r>
-            <a:endParaRPr lang="zh-CN" altLang="en-US" sz="2400" dirty="0">
-              <a:solidFill>
-                <a:schemeClr val="bg1">
-                  <a:lumMod val="50000"/>
-                </a:schemeClr>
-              </a:solidFill>
-              <a:latin typeface="微软雅黑" panose="020B0503020204020204" pitchFamily="34" charset="-122"/>
-              <a:ea typeface="微软雅黑" panose="020B0503020204020204" pitchFamily="34" charset="-122"/>
-            </a:endParaRPr>
-          </a:p>
-        </p:txBody>
-      </p:sp>
-      <p:sp>
-        <p:nvSpPr>
-          <p:cNvPr id="8" name="文本框 7"/>
-          <p:cNvSpPr txBox="1"/>
-          <p:nvPr/>
-        </p:nvSpPr>
-        <p:spPr>
-          <a:xfrm>
-            <a:off x="12936632" y="4355748"/>
-            <a:ext cx="6894418" cy="1200329"/>
-          </a:xfrm>
-          <a:prstGeom prst="rect">
-            <a:avLst/>
-          </a:prstGeom>
-          <a:noFill/>
-        </p:spPr>
-        <p:txBody>
           <a:bodyPr wrap="square" rtlCol="0">
             <a:spAutoFit/>
           </a:bodyPr>
           <a:lstStyle/>
           <a:p>
-            <a:pPr marL="285750" indent="-285750">
-              <a:buFont typeface="Arial" panose="020B0604020202020204" pitchFamily="34" charset="0"/>
-              <a:buChar char="•"/>
-            </a:pPr>
-            <a:r>
-              <a:rPr lang="en-US" altLang="zh-CN" dirty="0" smtClean="0">
+            <a:r>
+              <a:rPr lang="en-US" altLang="zh-CN" sz="4800" b="1" dirty="0" smtClean="0">
                 <a:solidFill>
                   <a:schemeClr val="accent2"/>
                 </a:solidFill>
-                <a:ea typeface="Roboto Cn" pitchFamily="2" charset="0"/>
-                <a:cs typeface="Arial" panose="020B0604020202020204" pitchFamily="34" charset="0"/>
-              </a:rPr>
-              <a:t>Identify brain regions  scopolamine induce   intensity changes</a:t>
-            </a:r>
-            <a:endParaRPr lang="en-US" altLang="zh-CN" dirty="0">
+                <a:effectLst>
+                  <a:outerShdw blurRad="38100" dist="38100" dir="2700000" algn="tl">
+                    <a:srgbClr val="000000">
+                      <a:alpha val="43137"/>
+                    </a:srgbClr>
+                  </a:outerShdw>
+                </a:effectLst>
+                <a:latin typeface="微软雅黑" panose="020B0503020204020204" pitchFamily="34" charset="-122"/>
+                <a:ea typeface="微软雅黑" panose="020B0503020204020204" pitchFamily="34" charset="-122"/>
+              </a:rPr>
+              <a:t>Lateralization</a:t>
+            </a:r>
+          </a:p>
+          <a:p>
+            <a:endParaRPr lang="en-US" altLang="zh-CN" sz="4800" b="1" dirty="0" smtClean="0">
               <a:solidFill>
                 <a:schemeClr val="accent2"/>
               </a:solidFill>
-              <a:ea typeface="Roboto Cn" pitchFamily="2" charset="0"/>
-              <a:cs typeface="Arial" panose="020B0604020202020204" pitchFamily="34" charset="0"/>
+              <a:effectLst>
+                <a:outerShdw blurRad="38100" dist="38100" dir="2700000" algn="tl">
+                  <a:srgbClr val="000000">
+                    <a:alpha val="43137"/>
+                  </a:srgbClr>
+                </a:outerShdw>
+              </a:effectLst>
+              <a:latin typeface="微软雅黑" panose="020B0503020204020204" pitchFamily="34" charset="-122"/>
+              <a:ea typeface="微软雅黑" panose="020B0503020204020204" pitchFamily="34" charset="-122"/>
             </a:endParaRPr>
           </a:p>
           <a:p>
-            <a:pPr marL="285750" indent="-285750">
-              <a:buFont typeface="Arial" panose="020B0604020202020204" pitchFamily="34" charset="0"/>
-              <a:buChar char="•"/>
-            </a:pPr>
-            <a:r>
-              <a:rPr lang="en-US" altLang="zh-CN" dirty="0" smtClean="0">
-                <a:solidFill>
-                  <a:schemeClr val="bg1">
-                    <a:lumMod val="50000"/>
-                  </a:schemeClr>
-                </a:solidFill>
-                <a:ea typeface="Roboto Cn" pitchFamily="2" charset="0"/>
-                <a:cs typeface="Arial" panose="020B0604020202020204" pitchFamily="34" charset="0"/>
-              </a:rPr>
-              <a:t>Evaluate the effects of scopolamine on FC </a:t>
-            </a:r>
-            <a:endParaRPr lang="en-US" altLang="zh-CN" dirty="0">
+            <a:r>
+              <a:rPr lang="en-US" altLang="zh-CN" sz="4800" b="1" dirty="0">
+                <a:solidFill>
+                  <a:schemeClr val="accent2"/>
+                </a:solidFill>
+                <a:effectLst>
+                  <a:outerShdw blurRad="38100" dist="38100" dir="2700000" algn="tl">
+                    <a:srgbClr val="000000">
+                      <a:alpha val="43137"/>
+                    </a:srgbClr>
+                  </a:outerShdw>
+                </a:effectLst>
+                <a:latin typeface="微软雅黑" panose="020B0503020204020204" pitchFamily="34" charset="-122"/>
+                <a:ea typeface="微软雅黑" panose="020B0503020204020204" pitchFamily="34" charset="-122"/>
+              </a:rPr>
+              <a:t>	</a:t>
+            </a:r>
+            <a:r>
+              <a:rPr lang="en-US" altLang="zh-CN" sz="4800" b="1" dirty="0" smtClean="0">
+                <a:solidFill>
+                  <a:schemeClr val="accent2"/>
+                </a:solidFill>
+                <a:effectLst>
+                  <a:outerShdw blurRad="38100" dist="38100" dir="2700000" algn="tl">
+                    <a:srgbClr val="000000">
+                      <a:alpha val="43137"/>
+                    </a:srgbClr>
+                  </a:outerShdw>
+                </a:effectLst>
+                <a:latin typeface="微软雅黑" panose="020B0503020204020204" pitchFamily="34" charset="-122"/>
+                <a:ea typeface="微软雅黑" panose="020B0503020204020204" pitchFamily="34" charset="-122"/>
+              </a:rPr>
+              <a:t> Hippocampus</a:t>
+            </a:r>
+          </a:p>
+          <a:p>
+            <a:endParaRPr lang="en-US" altLang="zh-CN" sz="4800" b="1" dirty="0" smtClean="0">
               <a:solidFill>
-                <a:schemeClr val="bg1">
-                  <a:lumMod val="50000"/>
-                </a:schemeClr>
+                <a:schemeClr val="accent2"/>
               </a:solidFill>
-              <a:ea typeface="Roboto Cn" pitchFamily="2" charset="0"/>
-              <a:cs typeface="Arial" panose="020B0604020202020204" pitchFamily="34" charset="0"/>
+              <a:effectLst>
+                <a:outerShdw blurRad="38100" dist="38100" dir="2700000" algn="tl">
+                  <a:srgbClr val="000000">
+                    <a:alpha val="43137"/>
+                  </a:srgbClr>
+                </a:outerShdw>
+              </a:effectLst>
+              <a:latin typeface="微软雅黑" panose="020B0503020204020204" pitchFamily="34" charset="-122"/>
+              <a:ea typeface="微软雅黑" panose="020B0503020204020204" pitchFamily="34" charset="-122"/>
             </a:endParaRPr>
           </a:p>
           <a:p>
-            <a:pPr marL="285750" indent="-285750">
-              <a:buFont typeface="Arial" panose="020B0604020202020204" pitchFamily="34" charset="0"/>
-              <a:buChar char="•"/>
-            </a:pPr>
-            <a:r>
-              <a:rPr lang="en-US" altLang="zh-CN" dirty="0" smtClean="0">
-                <a:solidFill>
-                  <a:schemeClr val="bg1">
-                    <a:lumMod val="50000"/>
-                  </a:schemeClr>
-                </a:solidFill>
-                <a:ea typeface="Roboto Cn" pitchFamily="2" charset="0"/>
-                <a:cs typeface="Arial" panose="020B0604020202020204" pitchFamily="34" charset="0"/>
-              </a:rPr>
-              <a:t>Whether scopolamine-induced memory effect could be </a:t>
-            </a:r>
-          </a:p>
-          <a:p>
-            <a:r>
-              <a:rPr lang="en-US" altLang="zh-CN" dirty="0">
-                <a:solidFill>
-                  <a:schemeClr val="bg1">
-                    <a:lumMod val="50000"/>
-                  </a:schemeClr>
-                </a:solidFill>
-                <a:ea typeface="Roboto Cn" pitchFamily="2" charset="0"/>
-                <a:cs typeface="Arial" panose="020B0604020202020204" pitchFamily="34" charset="0"/>
-              </a:rPr>
-              <a:t> </a:t>
-            </a:r>
-            <a:r>
-              <a:rPr lang="en-US" altLang="zh-CN" dirty="0" smtClean="0">
-                <a:solidFill>
-                  <a:schemeClr val="bg1">
-                    <a:lumMod val="50000"/>
-                  </a:schemeClr>
-                </a:solidFill>
-                <a:ea typeface="Roboto Cn" pitchFamily="2" charset="0"/>
-                <a:cs typeface="Arial" panose="020B0604020202020204" pitchFamily="34" charset="0"/>
-              </a:rPr>
-              <a:t>     reversed with milameline</a:t>
-            </a:r>
-          </a:p>
-        </p:txBody>
-      </p:sp>
-      <p:sp>
-        <p:nvSpPr>
-          <p:cNvPr id="3" name="矩形 2"/>
-          <p:cNvSpPr/>
-          <p:nvPr/>
-        </p:nvSpPr>
-        <p:spPr>
-          <a:xfrm>
-            <a:off x="5156200" y="1562100"/>
-            <a:ext cx="6426200" cy="3911600"/>
-          </a:xfrm>
-          <a:prstGeom prst="rect">
-            <a:avLst/>
-          </a:prstGeom>
-          <a:noFill/>
-          <a:ln w="127000">
-            <a:solidFill>
-              <a:srgbClr val="00ABB4"/>
-            </a:solidFill>
-          </a:ln>
-        </p:spPr>
-        <p:style>
-          <a:lnRef idx="2">
-            <a:schemeClr val="accent1">
-              <a:shade val="50000"/>
-            </a:schemeClr>
-          </a:lnRef>
-          <a:fillRef idx="1">
-            <a:schemeClr val="accent1"/>
-          </a:fillRef>
-          <a:effectRef idx="0">
-            <a:schemeClr val="accent1"/>
-          </a:effectRef>
-          <a:fontRef idx="minor">
-            <a:schemeClr val="lt1"/>
-          </a:fontRef>
-        </p:style>
-        <p:txBody>
-          <a:bodyPr rtlCol="0" anchor="ctr"/>
-          <a:lstStyle/>
-          <a:p>
-            <a:pPr algn="ctr"/>
-            <a:endParaRPr lang="zh-CN" altLang="en-US"/>
+            <a:pPr algn="r"/>
+            <a:r>
+              <a:rPr lang="en-US" altLang="zh-CN" sz="4800" b="1" dirty="0" smtClean="0">
+                <a:solidFill>
+                  <a:schemeClr val="accent2"/>
+                </a:solidFill>
+                <a:effectLst>
+                  <a:outerShdw blurRad="38100" dist="38100" dir="2700000" algn="tl">
+                    <a:srgbClr val="000000">
+                      <a:alpha val="43137"/>
+                    </a:srgbClr>
+                  </a:outerShdw>
+                </a:effectLst>
+                <a:latin typeface="微软雅黑" panose="020B0503020204020204" pitchFamily="34" charset="-122"/>
+                <a:ea typeface="微软雅黑" panose="020B0503020204020204" pitchFamily="34" charset="-122"/>
+              </a:rPr>
+              <a:t>Rodents &amp; Human</a:t>
+            </a:r>
           </a:p>
         </p:txBody>
       </p:sp>
     </p:spTree>
     <p:extLst>
       <p:ext uri="{BB962C8B-B14F-4D97-AF65-F5344CB8AC3E}">
-        <p14:creationId xmlns:p14="http://schemas.microsoft.com/office/powerpoint/2010/main" val="3076897032"/>
+        <p14:creationId xmlns:p14="http://schemas.microsoft.com/office/powerpoint/2010/main" val="1268594551"/>
       </p:ext>
     </p:extLst>
   </p:cSld>
@@ -12733,11 +12554,6 @@
               </a:rPr>
               <a:t>Gamma wave :</a:t>
             </a:r>
-            <a:endParaRPr lang="en-US" altLang="zh-CN" sz="2800" b="1" dirty="0">
-              <a:latin typeface="Meiryo" panose="020B0604030504040204" pitchFamily="34" charset="-128"/>
-              <a:ea typeface="Meiryo" panose="020B0604030504040204" pitchFamily="34" charset="-128"/>
-              <a:cs typeface="Meiryo" panose="020B0604030504040204" pitchFamily="34" charset="-128"/>
-            </a:endParaRPr>
           </a:p>
           <a:p>
             <a:pPr marL="800100" lvl="1" indent="-342900">
@@ -13124,11 +12940,6 @@
               </a:rPr>
               <a:t>high frequency oscillations </a:t>
             </a:r>
-            <a:endParaRPr lang="en-US" altLang="zh-CN" sz="2800" dirty="0">
-              <a:latin typeface="Meiryo" panose="020B0604030504040204" pitchFamily="34" charset="-128"/>
-              <a:ea typeface="Meiryo" panose="020B0604030504040204" pitchFamily="34" charset="-128"/>
-              <a:cs typeface="Meiryo" panose="020B0604030504040204" pitchFamily="34" charset="-128"/>
-            </a:endParaRPr>
           </a:p>
           <a:p>
             <a:pPr marL="800100" lvl="1" indent="-342900">
@@ -13180,11 +12991,6 @@
               </a:rPr>
               <a:t>in the left hippocampus </a:t>
             </a:r>
-            <a:endParaRPr lang="en-US" altLang="zh-CN" sz="2800" dirty="0">
-              <a:latin typeface="Meiryo" panose="020B0604030504040204" pitchFamily="34" charset="-128"/>
-              <a:ea typeface="Meiryo" panose="020B0604030504040204" pitchFamily="34" charset="-128"/>
-              <a:cs typeface="Meiryo" panose="020B0604030504040204" pitchFamily="34" charset="-128"/>
-            </a:endParaRPr>
           </a:p>
           <a:p>
             <a:pPr marL="800100" lvl="1" indent="-342900">
@@ -16634,14 +16440,14 @@
       </p:grpSpPr>
       <p:sp>
         <p:nvSpPr>
-          <p:cNvPr id="3" name="文本框 2"/>
+          <p:cNvPr id="5" name="文本框 4"/>
           <p:cNvSpPr txBox="1"/>
           <p:nvPr/>
         </p:nvSpPr>
         <p:spPr>
           <a:xfrm>
-            <a:off x="2065020" y="1365268"/>
-            <a:ext cx="8214360" cy="3785652"/>
+            <a:off x="5445728" y="1707631"/>
+            <a:ext cx="1704313" cy="1569660"/>
           </a:xfrm>
           <a:prstGeom prst="rect">
             <a:avLst/>
@@ -16649,123 +16455,302 @@
           <a:noFill/>
         </p:spPr>
         <p:txBody>
+          <a:bodyPr wrap="none" rtlCol="0">
+            <a:spAutoFit/>
+          </a:bodyPr>
+          <a:lstStyle/>
+          <a:p>
+            <a:r>
+              <a:rPr lang="en-US" altLang="zh-CN" sz="9600" b="1" dirty="0" smtClean="0">
+                <a:solidFill>
+                  <a:schemeClr val="accent2">
+                    <a:lumMod val="75000"/>
+                  </a:schemeClr>
+                </a:solidFill>
+                <a:latin typeface="微软雅黑" panose="020B0503020204020204" pitchFamily="34" charset="-122"/>
+                <a:ea typeface="微软雅黑" panose="020B0503020204020204" pitchFamily="34" charset="-122"/>
+              </a:rPr>
+              <a:t>01</a:t>
+            </a:r>
+            <a:endParaRPr lang="zh-CN" altLang="en-US" sz="9600" b="1" dirty="0">
+              <a:solidFill>
+                <a:schemeClr val="accent2">
+                  <a:lumMod val="75000"/>
+                </a:schemeClr>
+              </a:solidFill>
+              <a:latin typeface="微软雅黑" panose="020B0503020204020204" pitchFamily="34" charset="-122"/>
+              <a:ea typeface="微软雅黑" panose="020B0503020204020204" pitchFamily="34" charset="-122"/>
+            </a:endParaRPr>
+          </a:p>
+        </p:txBody>
+      </p:sp>
+      <p:sp>
+        <p:nvSpPr>
+          <p:cNvPr id="6" name="文本框 5"/>
+          <p:cNvSpPr txBox="1"/>
+          <p:nvPr/>
+        </p:nvSpPr>
+        <p:spPr>
+          <a:xfrm>
+            <a:off x="5445728" y="3422822"/>
+            <a:ext cx="3844770" cy="769441"/>
+          </a:xfrm>
+          <a:prstGeom prst="rect">
+            <a:avLst/>
+          </a:prstGeom>
+          <a:noFill/>
+        </p:spPr>
+        <p:txBody>
+          <a:bodyPr wrap="none" rtlCol="0">
+            <a:spAutoFit/>
+          </a:bodyPr>
+          <a:lstStyle/>
+          <a:p>
+            <a:r>
+              <a:rPr lang="en-US" altLang="zh-CN" sz="4400" b="1" dirty="0" smtClean="0">
+                <a:solidFill>
+                  <a:srgbClr val="00ABB4"/>
+                </a:solidFill>
+                <a:latin typeface="微软雅黑" panose="020B0503020204020204" pitchFamily="34" charset="-122"/>
+                <a:ea typeface="微软雅黑" panose="020B0503020204020204" pitchFamily="34" charset="-122"/>
+              </a:rPr>
+              <a:t>Jordan, 2017</a:t>
+            </a:r>
+            <a:endParaRPr lang="zh-CN" altLang="en-US" sz="4400" b="1" dirty="0">
+              <a:solidFill>
+                <a:srgbClr val="00ABB4"/>
+              </a:solidFill>
+              <a:latin typeface="微软雅黑" panose="020B0503020204020204" pitchFamily="34" charset="-122"/>
+              <a:ea typeface="微软雅黑" panose="020B0503020204020204" pitchFamily="34" charset="-122"/>
+            </a:endParaRPr>
+          </a:p>
+        </p:txBody>
+      </p:sp>
+      <p:sp>
+        <p:nvSpPr>
+          <p:cNvPr id="7" name="文本框 6"/>
+          <p:cNvSpPr txBox="1"/>
+          <p:nvPr/>
+        </p:nvSpPr>
+        <p:spPr>
+          <a:xfrm>
+            <a:off x="5445728" y="3003482"/>
+            <a:ext cx="1534972" cy="461665"/>
+          </a:xfrm>
+          <a:prstGeom prst="rect">
+            <a:avLst/>
+          </a:prstGeom>
+          <a:noFill/>
+        </p:spPr>
+        <p:txBody>
+          <a:bodyPr wrap="none" rtlCol="0">
+            <a:spAutoFit/>
+          </a:bodyPr>
+          <a:lstStyle/>
+          <a:p>
+            <a:r>
+              <a:rPr lang="en-US" altLang="zh-CN" sz="2400" dirty="0">
+                <a:solidFill>
+                  <a:schemeClr val="bg1">
+                    <a:lumMod val="50000"/>
+                  </a:schemeClr>
+                </a:solidFill>
+                <a:latin typeface="微软雅黑" panose="020B0503020204020204" pitchFamily="34" charset="-122"/>
+                <a:ea typeface="微软雅黑" panose="020B0503020204020204" pitchFamily="34" charset="-122"/>
+              </a:rPr>
+              <a:t>Part </a:t>
+            </a:r>
+            <a:r>
+              <a:rPr lang="en-US" altLang="zh-CN" sz="2400" dirty="0" smtClean="0">
+                <a:solidFill>
+                  <a:schemeClr val="bg1">
+                    <a:lumMod val="50000"/>
+                  </a:schemeClr>
+                </a:solidFill>
+                <a:latin typeface="微软雅黑" panose="020B0503020204020204" pitchFamily="34" charset="-122"/>
+                <a:ea typeface="微软雅黑" panose="020B0503020204020204" pitchFamily="34" charset="-122"/>
+              </a:rPr>
+              <a:t>ONE</a:t>
+            </a:r>
+            <a:endParaRPr lang="zh-CN" altLang="en-US" sz="2400" dirty="0">
+              <a:solidFill>
+                <a:schemeClr val="bg1">
+                  <a:lumMod val="50000"/>
+                </a:schemeClr>
+              </a:solidFill>
+              <a:latin typeface="微软雅黑" panose="020B0503020204020204" pitchFamily="34" charset="-122"/>
+              <a:ea typeface="微软雅黑" panose="020B0503020204020204" pitchFamily="34" charset="-122"/>
+            </a:endParaRPr>
+          </a:p>
+        </p:txBody>
+      </p:sp>
+      <p:sp>
+        <p:nvSpPr>
+          <p:cNvPr id="8" name="文本框 7"/>
+          <p:cNvSpPr txBox="1"/>
+          <p:nvPr/>
+        </p:nvSpPr>
+        <p:spPr>
+          <a:xfrm>
+            <a:off x="12936632" y="4355748"/>
+            <a:ext cx="6894418" cy="1200329"/>
+          </a:xfrm>
+          <a:prstGeom prst="rect">
+            <a:avLst/>
+          </a:prstGeom>
+          <a:noFill/>
+        </p:spPr>
+        <p:txBody>
           <a:bodyPr wrap="square" rtlCol="0">
             <a:spAutoFit/>
           </a:bodyPr>
           <a:lstStyle/>
           <a:p>
-            <a:r>
-              <a:rPr lang="en-US" altLang="zh-CN" sz="4800" b="1" dirty="0" smtClean="0">
+            <a:pPr marL="285750" indent="-285750">
+              <a:buFont typeface="Arial" panose="020B0604020202020204" pitchFamily="34" charset="0"/>
+              <a:buChar char="•"/>
+            </a:pPr>
+            <a:r>
+              <a:rPr lang="en-US" altLang="zh-CN" dirty="0" smtClean="0">
                 <a:solidFill>
                   <a:schemeClr val="accent2"/>
                 </a:solidFill>
-                <a:effectLst>
-                  <a:outerShdw blurRad="38100" dist="38100" dir="2700000" algn="tl">
-                    <a:srgbClr val="000000">
-                      <a:alpha val="43137"/>
-                    </a:srgbClr>
-                  </a:outerShdw>
-                </a:effectLst>
-                <a:latin typeface="微软雅黑" panose="020B0503020204020204" pitchFamily="34" charset="-122"/>
-                <a:ea typeface="微软雅黑" panose="020B0503020204020204" pitchFamily="34" charset="-122"/>
-              </a:rPr>
-              <a:t>Lateralization</a:t>
-            </a:r>
-          </a:p>
-          <a:p>
-            <a:endParaRPr lang="en-US" altLang="zh-CN" sz="4800" b="1" dirty="0" smtClean="0">
+                <a:ea typeface="Roboto Cn" pitchFamily="2" charset="0"/>
+                <a:cs typeface="Arial" panose="020B0604020202020204" pitchFamily="34" charset="0"/>
+              </a:rPr>
+              <a:t>Identify brain regions  scopolamine induce   intensity changes</a:t>
+            </a:r>
+            <a:endParaRPr lang="en-US" altLang="zh-CN" dirty="0">
               <a:solidFill>
                 <a:schemeClr val="accent2"/>
               </a:solidFill>
-              <a:effectLst>
-                <a:outerShdw blurRad="38100" dist="38100" dir="2700000" algn="tl">
-                  <a:srgbClr val="000000">
-                    <a:alpha val="43137"/>
-                  </a:srgbClr>
-                </a:outerShdw>
-              </a:effectLst>
-              <a:latin typeface="微软雅黑" panose="020B0503020204020204" pitchFamily="34" charset="-122"/>
-              <a:ea typeface="微软雅黑" panose="020B0503020204020204" pitchFamily="34" charset="-122"/>
+              <a:ea typeface="Roboto Cn" pitchFamily="2" charset="0"/>
+              <a:cs typeface="Arial" panose="020B0604020202020204" pitchFamily="34" charset="0"/>
             </a:endParaRPr>
           </a:p>
           <a:p>
-            <a:r>
-              <a:rPr lang="en-US" altLang="zh-CN" sz="4800" b="1" dirty="0">
-                <a:solidFill>
-                  <a:schemeClr val="accent2"/>
-                </a:solidFill>
-                <a:effectLst>
-                  <a:outerShdw blurRad="38100" dist="38100" dir="2700000" algn="tl">
-                    <a:srgbClr val="000000">
-                      <a:alpha val="43137"/>
-                    </a:srgbClr>
-                  </a:outerShdw>
-                </a:effectLst>
-                <a:latin typeface="微软雅黑" panose="020B0503020204020204" pitchFamily="34" charset="-122"/>
-                <a:ea typeface="微软雅黑" panose="020B0503020204020204" pitchFamily="34" charset="-122"/>
-              </a:rPr>
-              <a:t>	</a:t>
-            </a:r>
-            <a:r>
-              <a:rPr lang="en-US" altLang="zh-CN" sz="4800" b="1" dirty="0" smtClean="0">
-                <a:solidFill>
-                  <a:schemeClr val="accent2"/>
-                </a:solidFill>
-                <a:effectLst>
-                  <a:outerShdw blurRad="38100" dist="38100" dir="2700000" algn="tl">
-                    <a:srgbClr val="000000">
-                      <a:alpha val="43137"/>
-                    </a:srgbClr>
-                  </a:outerShdw>
-                </a:effectLst>
-                <a:latin typeface="微软雅黑" panose="020B0503020204020204" pitchFamily="34" charset="-122"/>
-                <a:ea typeface="微软雅黑" panose="020B0503020204020204" pitchFamily="34" charset="-122"/>
-              </a:rPr>
-              <a:t> Hippocampus</a:t>
-            </a:r>
-          </a:p>
-          <a:p>
-            <a:endParaRPr lang="en-US" altLang="zh-CN" sz="4800" b="1" dirty="0" smtClean="0">
+            <a:pPr marL="285750" indent="-285750">
+              <a:buFont typeface="Arial" panose="020B0604020202020204" pitchFamily="34" charset="0"/>
+              <a:buChar char="•"/>
+            </a:pPr>
+            <a:r>
+              <a:rPr lang="en-US" altLang="zh-CN" dirty="0" smtClean="0">
+                <a:solidFill>
+                  <a:schemeClr val="bg1">
+                    <a:lumMod val="50000"/>
+                  </a:schemeClr>
+                </a:solidFill>
+                <a:ea typeface="Roboto Cn" pitchFamily="2" charset="0"/>
+                <a:cs typeface="Arial" panose="020B0604020202020204" pitchFamily="34" charset="0"/>
+              </a:rPr>
+              <a:t>Evaluate the effects of scopolamine on FC </a:t>
+            </a:r>
+            <a:endParaRPr lang="en-US" altLang="zh-CN" dirty="0">
               <a:solidFill>
-                <a:schemeClr val="accent2"/>
+                <a:schemeClr val="bg1">
+                  <a:lumMod val="50000"/>
+                </a:schemeClr>
               </a:solidFill>
-              <a:effectLst>
-                <a:outerShdw blurRad="38100" dist="38100" dir="2700000" algn="tl">
-                  <a:srgbClr val="000000">
-                    <a:alpha val="43137"/>
-                  </a:srgbClr>
-                </a:outerShdw>
-              </a:effectLst>
-              <a:latin typeface="微软雅黑" panose="020B0503020204020204" pitchFamily="34" charset="-122"/>
-              <a:ea typeface="微软雅黑" panose="020B0503020204020204" pitchFamily="34" charset="-122"/>
+              <a:ea typeface="Roboto Cn" pitchFamily="2" charset="0"/>
+              <a:cs typeface="Arial" panose="020B0604020202020204" pitchFamily="34" charset="0"/>
             </a:endParaRPr>
           </a:p>
           <a:p>
-            <a:pPr algn="r"/>
-            <a:r>
-              <a:rPr lang="en-US" altLang="zh-CN" sz="4800" b="1" dirty="0" smtClean="0">
-                <a:solidFill>
-                  <a:schemeClr val="accent2"/>
-                </a:solidFill>
-                <a:effectLst>
-                  <a:outerShdw blurRad="38100" dist="38100" dir="2700000" algn="tl">
-                    <a:srgbClr val="000000">
-                      <a:alpha val="43137"/>
-                    </a:srgbClr>
-                  </a:outerShdw>
-                </a:effectLst>
-                <a:latin typeface="微软雅黑" panose="020B0503020204020204" pitchFamily="34" charset="-122"/>
-                <a:ea typeface="微软雅黑" panose="020B0503020204020204" pitchFamily="34" charset="-122"/>
-              </a:rPr>
-              <a:t>Rodents &amp; Human</a:t>
-            </a:r>
+            <a:pPr marL="285750" indent="-285750">
+              <a:buFont typeface="Arial" panose="020B0604020202020204" pitchFamily="34" charset="0"/>
+              <a:buChar char="•"/>
+            </a:pPr>
+            <a:r>
+              <a:rPr lang="en-US" altLang="zh-CN" dirty="0" smtClean="0">
+                <a:solidFill>
+                  <a:schemeClr val="bg1">
+                    <a:lumMod val="50000"/>
+                  </a:schemeClr>
+                </a:solidFill>
+                <a:ea typeface="Roboto Cn" pitchFamily="2" charset="0"/>
+                <a:cs typeface="Arial" panose="020B0604020202020204" pitchFamily="34" charset="0"/>
+              </a:rPr>
+              <a:t>Whether scopolamine-induced memory effect could be </a:t>
+            </a:r>
+          </a:p>
+          <a:p>
+            <a:r>
+              <a:rPr lang="en-US" altLang="zh-CN" dirty="0">
+                <a:solidFill>
+                  <a:schemeClr val="bg1">
+                    <a:lumMod val="50000"/>
+                  </a:schemeClr>
+                </a:solidFill>
+                <a:ea typeface="Roboto Cn" pitchFamily="2" charset="0"/>
+                <a:cs typeface="Arial" panose="020B0604020202020204" pitchFamily="34" charset="0"/>
+              </a:rPr>
+              <a:t> </a:t>
+            </a:r>
+            <a:r>
+              <a:rPr lang="en-US" altLang="zh-CN" dirty="0" smtClean="0">
+                <a:solidFill>
+                  <a:schemeClr val="bg1">
+                    <a:lumMod val="50000"/>
+                  </a:schemeClr>
+                </a:solidFill>
+                <a:ea typeface="Roboto Cn" pitchFamily="2" charset="0"/>
+                <a:cs typeface="Arial" panose="020B0604020202020204" pitchFamily="34" charset="0"/>
+              </a:rPr>
+              <a:t>     reversed with milameline</a:t>
+            </a:r>
+          </a:p>
+        </p:txBody>
+      </p:sp>
+      <p:sp>
+        <p:nvSpPr>
+          <p:cNvPr id="3" name="矩形 2"/>
+          <p:cNvSpPr/>
+          <p:nvPr/>
+        </p:nvSpPr>
+        <p:spPr>
+          <a:xfrm>
+            <a:off x="5156200" y="1562100"/>
+            <a:ext cx="6426200" cy="3911600"/>
+          </a:xfrm>
+          <a:prstGeom prst="rect">
+            <a:avLst/>
+          </a:prstGeom>
+          <a:noFill/>
+          <a:ln w="127000">
+            <a:solidFill>
+              <a:srgbClr val="00ABB4"/>
+            </a:solidFill>
+          </a:ln>
+        </p:spPr>
+        <p:style>
+          <a:lnRef idx="2">
+            <a:schemeClr val="accent1">
+              <a:shade val="50000"/>
+            </a:schemeClr>
+          </a:lnRef>
+          <a:fillRef idx="1">
+            <a:schemeClr val="accent1"/>
+          </a:fillRef>
+          <a:effectRef idx="0">
+            <a:schemeClr val="accent1"/>
+          </a:effectRef>
+          <a:fontRef idx="minor">
+            <a:schemeClr val="lt1"/>
+          </a:fontRef>
+        </p:style>
+        <p:txBody>
+          <a:bodyPr rtlCol="0" anchor="ctr"/>
+          <a:lstStyle/>
+          <a:p>
+            <a:pPr algn="ctr"/>
+            <a:endParaRPr lang="zh-CN" altLang="en-US"/>
           </a:p>
         </p:txBody>
       </p:sp>
     </p:spTree>
     <p:extLst>
       <p:ext uri="{BB962C8B-B14F-4D97-AF65-F5344CB8AC3E}">
-        <p14:creationId xmlns:p14="http://schemas.microsoft.com/office/powerpoint/2010/main" val="1268594551"/>
+        <p14:creationId xmlns:p14="http://schemas.microsoft.com/office/powerpoint/2010/main" val="3076897032"/>
       </p:ext>
     </p:extLst>
   </p:cSld>
@@ -27570,11 +27555,6 @@
               </a:rPr>
               <a:t>Gamma wave :</a:t>
             </a:r>
-            <a:endParaRPr lang="en-US" altLang="zh-CN" sz="2800" b="1" dirty="0">
-              <a:latin typeface="Meiryo" panose="020B0604030504040204" pitchFamily="34" charset="-128"/>
-              <a:ea typeface="Meiryo" panose="020B0604030504040204" pitchFamily="34" charset="-128"/>
-              <a:cs typeface="Meiryo" panose="020B0604030504040204" pitchFamily="34" charset="-128"/>
-            </a:endParaRPr>
           </a:p>
           <a:p>
             <a:pPr marL="800100" lvl="1" indent="-342900">
@@ -27970,7 +27950,7 @@
   <a:extraClrSchemeLst/>
   <a:extLst>
     <a:ext uri="{05A4C25C-085E-4340-85A3-A5531E510DB2}">
-      <thm15:themeFamily xmlns:thm15="http://schemas.microsoft.com/office/thememl/2012/main" xmlns="" name="Office Theme" id="{62F939B6-93AF-4DB8-9C6B-D6C7DFDC589F}" vid="{4A3C46E8-61CC-4603-A589-7422A47A8E4A}"/>
+      <thm15:themeFamily xmlns="" xmlns:thm15="http://schemas.microsoft.com/office/thememl/2012/main" name="Office Theme" id="{62F939B6-93AF-4DB8-9C6B-D6C7DFDC589F}" vid="{4A3C46E8-61CC-4603-A589-7422A47A8E4A}"/>
     </a:ext>
   </a:extLst>
 </a:theme>
@@ -28231,7 +28211,7 @@
   <a:extraClrSchemeLst/>
   <a:extLst>
     <a:ext uri="{05A4C25C-085E-4340-85A3-A5531E510DB2}">
-      <thm15:themeFamily xmlns:thm15="http://schemas.microsoft.com/office/thememl/2012/main" xmlns="" name="Office Theme" id="{62F939B6-93AF-4DB8-9C6B-D6C7DFDC589F}" vid="{4A3C46E8-61CC-4603-A589-7422A47A8E4A}"/>
+      <thm15:themeFamily xmlns="" xmlns:thm15="http://schemas.microsoft.com/office/thememl/2012/main" name="Office Theme" id="{62F939B6-93AF-4DB8-9C6B-D6C7DFDC589F}" vid="{4A3C46E8-61CC-4603-A589-7422A47A8E4A}"/>
     </a:ext>
   </a:extLst>
 </a:theme>

--- a/Event/Lateralization.pptx
+++ b/Event/Lateralization.pptx
@@ -5,7 +5,7 @@
     <p:sldMasterId id="2147483648" r:id="rId1"/>
   </p:sldMasterIdLst>
   <p:notesMasterIdLst>
-    <p:notesMasterId r:id="rId56"/>
+    <p:notesMasterId r:id="rId58"/>
   </p:notesMasterIdLst>
   <p:sldIdLst>
     <p:sldId id="445" r:id="rId2"/>
@@ -35,33 +35,35 @@
     <p:sldId id="409" r:id="rId26"/>
     <p:sldId id="408" r:id="rId27"/>
     <p:sldId id="401" r:id="rId28"/>
-    <p:sldId id="414" r:id="rId29"/>
-    <p:sldId id="415" r:id="rId30"/>
-    <p:sldId id="416" r:id="rId31"/>
-    <p:sldId id="419" r:id="rId32"/>
-    <p:sldId id="427" r:id="rId33"/>
-    <p:sldId id="428" r:id="rId34"/>
-    <p:sldId id="429" r:id="rId35"/>
-    <p:sldId id="430" r:id="rId36"/>
-    <p:sldId id="420" r:id="rId37"/>
-    <p:sldId id="431" r:id="rId38"/>
-    <p:sldId id="432" r:id="rId39"/>
-    <p:sldId id="421" r:id="rId40"/>
-    <p:sldId id="422" r:id="rId41"/>
-    <p:sldId id="437" r:id="rId42"/>
-    <p:sldId id="433" r:id="rId43"/>
-    <p:sldId id="439" r:id="rId44"/>
-    <p:sldId id="440" r:id="rId45"/>
-    <p:sldId id="441" r:id="rId46"/>
-    <p:sldId id="424" r:id="rId47"/>
-    <p:sldId id="434" r:id="rId48"/>
-    <p:sldId id="425" r:id="rId49"/>
-    <p:sldId id="435" r:id="rId50"/>
-    <p:sldId id="436" r:id="rId51"/>
-    <p:sldId id="423" r:id="rId52"/>
-    <p:sldId id="438" r:id="rId53"/>
-    <p:sldId id="426" r:id="rId54"/>
-    <p:sldId id="303" r:id="rId55"/>
+    <p:sldId id="453" r:id="rId29"/>
+    <p:sldId id="414" r:id="rId30"/>
+    <p:sldId id="415" r:id="rId31"/>
+    <p:sldId id="416" r:id="rId32"/>
+    <p:sldId id="419" r:id="rId33"/>
+    <p:sldId id="427" r:id="rId34"/>
+    <p:sldId id="428" r:id="rId35"/>
+    <p:sldId id="429" r:id="rId36"/>
+    <p:sldId id="430" r:id="rId37"/>
+    <p:sldId id="420" r:id="rId38"/>
+    <p:sldId id="431" r:id="rId39"/>
+    <p:sldId id="432" r:id="rId40"/>
+    <p:sldId id="421" r:id="rId41"/>
+    <p:sldId id="422" r:id="rId42"/>
+    <p:sldId id="437" r:id="rId43"/>
+    <p:sldId id="433" r:id="rId44"/>
+    <p:sldId id="439" r:id="rId45"/>
+    <p:sldId id="440" r:id="rId46"/>
+    <p:sldId id="441" r:id="rId47"/>
+    <p:sldId id="424" r:id="rId48"/>
+    <p:sldId id="434" r:id="rId49"/>
+    <p:sldId id="425" r:id="rId50"/>
+    <p:sldId id="435" r:id="rId51"/>
+    <p:sldId id="436" r:id="rId52"/>
+    <p:sldId id="423" r:id="rId53"/>
+    <p:sldId id="438" r:id="rId54"/>
+    <p:sldId id="426" r:id="rId55"/>
+    <p:sldId id="454" r:id="rId56"/>
+    <p:sldId id="303" r:id="rId57"/>
   </p:sldIdLst>
   <p:sldSz cx="12192000" cy="6858000"/>
   <p:notesSz cx="6858000" cy="9144000"/>
@@ -162,7 +164,7 @@
   </p:defaultTextStyle>
   <p:extLst>
     <p:ext uri="{EFAFB233-063F-42B5-8137-9DF3F51BA10A}">
-      <p15:sldGuideLst xmlns="" xmlns:p15="http://schemas.microsoft.com/office/powerpoint/2012/main">
+      <p15:sldGuideLst xmlns:p15="http://schemas.microsoft.com/office/powerpoint/2012/main" xmlns="">
         <p15:guide id="1" orient="horz" pos="2160">
           <p15:clr>
             <a:srgbClr val="A4A3A4"/>
@@ -5271,7 +5273,14 @@
           <a:bodyPr/>
           <a:lstStyle/>
           <a:p>
-            <a:endParaRPr lang="zh-CN" altLang="en-US" dirty="0"/>
+            <a:pPr marL="457200" lvl="1" indent="0">
+              <a:lnSpc>
+                <a:spcPct val="150000"/>
+              </a:lnSpc>
+              <a:buFont typeface="Arial" panose="020B0604020202020204" pitchFamily="34" charset="0"/>
+              <a:buNone/>
+            </a:pPr>
+            <a:endParaRPr lang="en-US" altLang="zh-CN" sz="2800" dirty="0"/>
           </a:p>
         </p:txBody>
       </p:sp>
@@ -5301,7 +5310,7 @@
     </p:spTree>
     <p:extLst>
       <p:ext uri="{BB962C8B-B14F-4D97-AF65-F5344CB8AC3E}">
-        <p14:creationId xmlns:p14="http://schemas.microsoft.com/office/powerpoint/2010/main" val="2146267446"/>
+        <p14:creationId xmlns:p14="http://schemas.microsoft.com/office/powerpoint/2010/main" val="3763311556"/>
       </p:ext>
     </p:extLst>
   </p:cSld>
@@ -5355,66 +5364,6 @@
           <a:bodyPr/>
           <a:lstStyle/>
           <a:p>
-            <a:r>
-              <a:rPr lang="en-US" altLang="zh-CN" sz="1200" b="0" i="0" kern="1200" dirty="0" smtClean="0">
-                <a:solidFill>
-                  <a:schemeClr val="tx1"/>
-                </a:solidFill>
-                <a:effectLst/>
-                <a:latin typeface="+mn-lt"/>
-                <a:ea typeface="+mn-ea"/>
-                <a:cs typeface="+mn-cs"/>
-              </a:rPr>
-              <a:t>PNAS</a:t>
-            </a:r>
-            <a:r>
-              <a:rPr lang="zh-CN" altLang="en-US" sz="1200" b="0" i="0" kern="1200" dirty="0" smtClean="0">
-                <a:solidFill>
-                  <a:schemeClr val="tx1"/>
-                </a:solidFill>
-                <a:effectLst/>
-                <a:latin typeface="+mn-lt"/>
-                <a:ea typeface="+mn-ea"/>
-                <a:cs typeface="+mn-cs"/>
-              </a:rPr>
-              <a:t>是</a:t>
-            </a:r>
-            <a:r>
-              <a:rPr lang="en-US" altLang="zh-CN" sz="1200" b="0" i="0" kern="1200" dirty="0" smtClean="0">
-                <a:solidFill>
-                  <a:schemeClr val="tx1"/>
-                </a:solidFill>
-                <a:effectLst/>
-                <a:latin typeface="+mn-lt"/>
-                <a:ea typeface="+mn-ea"/>
-                <a:cs typeface="+mn-cs"/>
-              </a:rPr>
-              <a:t>《</a:t>
-            </a:r>
-            <a:r>
-              <a:rPr lang="zh-CN" altLang="en-US" sz="1200" b="0" i="0" kern="1200" dirty="0" smtClean="0">
-                <a:solidFill>
-                  <a:schemeClr val="tx1"/>
-                </a:solidFill>
-                <a:effectLst/>
-                <a:latin typeface="+mn-lt"/>
-                <a:ea typeface="+mn-ea"/>
-                <a:cs typeface="+mn-cs"/>
-              </a:rPr>
-              <a:t>美国科学院院报</a:t>
-            </a:r>
-            <a:r>
-              <a:rPr lang="en-US" altLang="zh-CN" sz="1200" b="0" i="0" kern="1200" dirty="0" smtClean="0">
-                <a:solidFill>
-                  <a:schemeClr val="tx1"/>
-                </a:solidFill>
-                <a:effectLst/>
-                <a:latin typeface="+mn-lt"/>
-                <a:ea typeface="+mn-ea"/>
-                <a:cs typeface="+mn-cs"/>
-              </a:rPr>
-              <a:t>》9.423</a:t>
-            </a:r>
             <a:endParaRPr lang="zh-CN" altLang="en-US" dirty="0"/>
           </a:p>
         </p:txBody>
@@ -5445,7 +5394,7 @@
     </p:spTree>
     <p:extLst>
       <p:ext uri="{BB962C8B-B14F-4D97-AF65-F5344CB8AC3E}">
-        <p14:creationId xmlns:p14="http://schemas.microsoft.com/office/powerpoint/2010/main" val="2904033859"/>
+        <p14:creationId xmlns:p14="http://schemas.microsoft.com/office/powerpoint/2010/main" val="2146267446"/>
       </p:ext>
     </p:extLst>
   </p:cSld>
@@ -5584,47 +5533,64 @@
           <a:lstStyle/>
           <a:p>
             <a:r>
-              <a:rPr lang="en-US" altLang="zh-CN" sz="1200" b="1" dirty="0" smtClean="0">
-                <a:solidFill>
-                  <a:srgbClr val="00ABB4"/>
-                </a:solidFill>
-                <a:latin typeface="微软雅黑" panose="020B0503020204020204" pitchFamily="34" charset="-122"/>
-                <a:ea typeface="微软雅黑" panose="020B0503020204020204" pitchFamily="34" charset="-122"/>
-              </a:rPr>
-              <a:t>HIPPOCAMPUS </a:t>
-            </a:r>
-            <a:r>
-              <a:rPr lang="en-US" altLang="zh-CN" dirty="0" smtClean="0">
+              <a:rPr lang="en-US" altLang="zh-CN" sz="1200" b="0" i="0" kern="1200" dirty="0" smtClean="0">
+                <a:solidFill>
+                  <a:schemeClr val="tx1"/>
+                </a:solidFill>
                 <a:effectLst/>
-              </a:rPr>
-              <a:t>4.162</a:t>
-            </a:r>
-          </a:p>
-          <a:p>
-            <a:r>
-              <a:rPr lang="en-US" altLang="zh-CN" b="1" dirty="0" smtClean="0">
+                <a:latin typeface="+mn-lt"/>
+                <a:ea typeface="+mn-ea"/>
+                <a:cs typeface="+mn-cs"/>
+              </a:rPr>
+              <a:t>PNAS</a:t>
+            </a:r>
+            <a:r>
+              <a:rPr lang="zh-CN" altLang="en-US" sz="1200" b="0" i="0" kern="1200" dirty="0" smtClean="0">
+                <a:solidFill>
+                  <a:schemeClr val="tx1"/>
+                </a:solidFill>
                 <a:effectLst/>
-              </a:rPr>
-              <a:t>Pindex:</a:t>
-            </a:r>
-            <a:r>
-              <a:rPr lang="en-US" altLang="zh-CN" dirty="0" smtClean="0">
+                <a:latin typeface="+mn-lt"/>
+                <a:ea typeface="+mn-ea"/>
+                <a:cs typeface="+mn-cs"/>
+              </a:rPr>
+              <a:t>是</a:t>
+            </a:r>
+            <a:r>
+              <a:rPr lang="en-US" altLang="zh-CN" sz="1200" b="0" i="0" kern="1200" dirty="0" smtClean="0">
+                <a:solidFill>
+                  <a:schemeClr val="tx1"/>
+                </a:solidFill>
                 <a:effectLst/>
-              </a:rPr>
-              <a:t>0.914 (</a:t>
-            </a:r>
-            <a:r>
-              <a:rPr lang="zh-CN" altLang="en-US" dirty="0" smtClean="0">
+                <a:latin typeface="+mn-lt"/>
+                <a:ea typeface="+mn-ea"/>
+                <a:cs typeface="+mn-cs"/>
+              </a:rPr>
+              <a:t>《</a:t>
+            </a:r>
+            <a:r>
+              <a:rPr lang="zh-CN" altLang="en-US" sz="1200" b="0" i="0" kern="1200" dirty="0" smtClean="0">
+                <a:solidFill>
+                  <a:schemeClr val="tx1"/>
+                </a:solidFill>
                 <a:effectLst/>
-                <a:hlinkClick r:id="rId3"/>
-              </a:rPr>
-              <a:t>极难发表</a:t>
-            </a:r>
-            <a:r>
-              <a:rPr lang="en-US" altLang="zh-CN" dirty="0" smtClean="0">
+                <a:latin typeface="+mn-lt"/>
+                <a:ea typeface="+mn-ea"/>
+                <a:cs typeface="+mn-cs"/>
+              </a:rPr>
+              <a:t>美国科学院院报</a:t>
+            </a:r>
+            <a:r>
+              <a:rPr lang="en-US" altLang="zh-CN" sz="1200" b="0" i="0" kern="1200" dirty="0" smtClean="0">
+                <a:solidFill>
+                  <a:schemeClr val="tx1"/>
+                </a:solidFill>
                 <a:effectLst/>
-              </a:rPr>
-              <a:t>)</a:t>
+                <a:latin typeface="+mn-lt"/>
+                <a:ea typeface="+mn-ea"/>
+                <a:cs typeface="+mn-cs"/>
+              </a:rPr>
+              <a:t>》9.423</a:t>
             </a:r>
             <a:endParaRPr lang="zh-CN" altLang="en-US" dirty="0"/>
           </a:p>
@@ -5648,6 +5614,133 @@
             <a:fld id="{DD202784-B46A-4EF4-B218-4316F9133D14}" type="slidenum">
               <a:rPr lang="zh-CN" altLang="en-US" smtClean="0"/>
               <a:t>30</a:t>
+            </a:fld>
+            <a:endParaRPr lang="zh-CN" altLang="en-US"/>
+          </a:p>
+        </p:txBody>
+      </p:sp>
+    </p:spTree>
+    <p:extLst>
+      <p:ext uri="{BB962C8B-B14F-4D97-AF65-F5344CB8AC3E}">
+        <p14:creationId xmlns:p14="http://schemas.microsoft.com/office/powerpoint/2010/main" val="2904033859"/>
+      </p:ext>
+    </p:extLst>
+  </p:cSld>
+  <p:clrMapOvr>
+    <a:masterClrMapping/>
+  </p:clrMapOvr>
+</p:notes>
+</file>
+
+<file path=ppt/notesSlides/notesSlide31.xml><?xml version="1.0" encoding="utf-8"?>
+<p:notes xmlns:a="http://schemas.openxmlformats.org/drawingml/2006/main" xmlns:r="http://schemas.openxmlformats.org/officeDocument/2006/relationships" xmlns:p="http://schemas.openxmlformats.org/presentationml/2006/main">
+  <p:cSld>
+    <p:spTree>
+      <p:nvGrpSpPr>
+        <p:cNvPr id="1" name=""/>
+        <p:cNvGrpSpPr/>
+        <p:nvPr/>
+      </p:nvGrpSpPr>
+      <p:grpSpPr>
+        <a:xfrm>
+          <a:off x="0" y="0"/>
+          <a:ext cx="0" cy="0"/>
+          <a:chOff x="0" y="0"/>
+          <a:chExt cx="0" cy="0"/>
+        </a:xfrm>
+      </p:grpSpPr>
+      <p:sp>
+        <p:nvSpPr>
+          <p:cNvPr id="2" name="幻灯片图像占位符 1"/>
+          <p:cNvSpPr>
+            <a:spLocks noGrp="1" noRot="1" noChangeAspect="1"/>
+          </p:cNvSpPr>
+          <p:nvPr>
+            <p:ph type="sldImg"/>
+          </p:nvPr>
+        </p:nvSpPr>
+        <p:spPr/>
+      </p:sp>
+      <p:sp>
+        <p:nvSpPr>
+          <p:cNvPr id="3" name="备注占位符 2"/>
+          <p:cNvSpPr>
+            <a:spLocks noGrp="1"/>
+          </p:cNvSpPr>
+          <p:nvPr>
+            <p:ph type="body" idx="1"/>
+          </p:nvPr>
+        </p:nvSpPr>
+        <p:spPr/>
+        <p:txBody>
+          <a:bodyPr/>
+          <a:lstStyle/>
+          <a:p>
+            <a:r>
+              <a:rPr lang="en-US" altLang="zh-CN" sz="1200" b="1" dirty="0" smtClean="0">
+                <a:solidFill>
+                  <a:srgbClr val="00ABB4"/>
+                </a:solidFill>
+                <a:latin typeface="微软雅黑" panose="020B0503020204020204" pitchFamily="34" charset="-122"/>
+                <a:ea typeface="微软雅黑" panose="020B0503020204020204" pitchFamily="34" charset="-122"/>
+              </a:rPr>
+              <a:t>HIPPOCAMPUS </a:t>
+            </a:r>
+            <a:r>
+              <a:rPr lang="en-US" altLang="zh-CN" dirty="0" smtClean="0">
+                <a:effectLst/>
+              </a:rPr>
+              <a:t>4.162</a:t>
+            </a:r>
+          </a:p>
+          <a:p>
+            <a:r>
+              <a:rPr lang="en-US" altLang="zh-CN" b="1" dirty="0" smtClean="0">
+                <a:effectLst/>
+              </a:rPr>
+              <a:t>Pindex:</a:t>
+            </a:r>
+            <a:r>
+              <a:rPr lang="en-US" altLang="zh-CN" dirty="0" smtClean="0">
+                <a:effectLst/>
+              </a:rPr>
+              <a:t>0.914 (</a:t>
+            </a:r>
+            <a:r>
+              <a:rPr lang="zh-CN" altLang="en-US" dirty="0" smtClean="0">
+                <a:effectLst/>
+                <a:hlinkClick r:id="rId3"/>
+              </a:rPr>
+              <a:t>极难发表</a:t>
+            </a:r>
+            <a:r>
+              <a:rPr lang="en-US" altLang="zh-CN" dirty="0" smtClean="0">
+                <a:effectLst/>
+              </a:rPr>
+              <a:t>)</a:t>
+            </a:r>
+            <a:endParaRPr lang="zh-CN" altLang="en-US" dirty="0"/>
+          </a:p>
+        </p:txBody>
+      </p:sp>
+      <p:sp>
+        <p:nvSpPr>
+          <p:cNvPr id="4" name="灯片编号占位符 3"/>
+          <p:cNvSpPr>
+            <a:spLocks noGrp="1"/>
+          </p:cNvSpPr>
+          <p:nvPr>
+            <p:ph type="sldNum" sz="quarter" idx="10"/>
+          </p:nvPr>
+        </p:nvSpPr>
+        <p:spPr/>
+        <p:txBody>
+          <a:bodyPr/>
+          <a:lstStyle/>
+          <a:p>
+            <a:fld id="{DD202784-B46A-4EF4-B218-4316F9133D14}" type="slidenum">
+              <a:rPr lang="zh-CN" altLang="en-US" smtClean="0"/>
+              <a:t>31</a:t>
             </a:fld>
             <a:endParaRPr lang="zh-CN" altLang="en-US"/>
           </a:p>
@@ -5666,7 +5759,7 @@
 </p:notes>
 </file>
 
-<file path=ppt/notesSlides/notesSlide31.xml><?xml version="1.0" encoding="utf-8"?>
+<file path=ppt/notesSlides/notesSlide32.xml><?xml version="1.0" encoding="utf-8"?>
 <p:notes xmlns:a="http://schemas.openxmlformats.org/drawingml/2006/main" xmlns:r="http://schemas.openxmlformats.org/officeDocument/2006/relationships" xmlns:p="http://schemas.openxmlformats.org/presentationml/2006/main">
   <p:cSld>
     <p:bg>
@@ -5710,7 +5803,7 @@
           <a:p>
             <a:fld id="{0E78A471-D789-41F3-8A64-F8CE717DD838}" type="slidenum">
               <a:rPr lang="en-GB"/>
-              <a:t>31</a:t>
+              <a:t>32</a:t>
             </a:fld>
             <a:endParaRPr lang="en-GB"/>
           </a:p>
@@ -5805,90 +5898,6 @@
         </p:txBody>
       </p:sp>
     </p:spTree>
-  </p:cSld>
-  <p:clrMapOvr>
-    <a:masterClrMapping/>
-  </p:clrMapOvr>
-</p:notes>
-</file>
-
-<file path=ppt/notesSlides/notesSlide32.xml><?xml version="1.0" encoding="utf-8"?>
-<p:notes xmlns:a="http://schemas.openxmlformats.org/drawingml/2006/main" xmlns:r="http://schemas.openxmlformats.org/officeDocument/2006/relationships" xmlns:p="http://schemas.openxmlformats.org/presentationml/2006/main">
-  <p:cSld>
-    <p:spTree>
-      <p:nvGrpSpPr>
-        <p:cNvPr id="1" name=""/>
-        <p:cNvGrpSpPr/>
-        <p:nvPr/>
-      </p:nvGrpSpPr>
-      <p:grpSpPr>
-        <a:xfrm>
-          <a:off x="0" y="0"/>
-          <a:ext cx="0" cy="0"/>
-          <a:chOff x="0" y="0"/>
-          <a:chExt cx="0" cy="0"/>
-        </a:xfrm>
-      </p:grpSpPr>
-      <p:sp>
-        <p:nvSpPr>
-          <p:cNvPr id="2" name="幻灯片图像占位符 1"/>
-          <p:cNvSpPr>
-            <a:spLocks noGrp="1" noRot="1" noChangeAspect="1"/>
-          </p:cNvSpPr>
-          <p:nvPr>
-            <p:ph type="sldImg"/>
-          </p:nvPr>
-        </p:nvSpPr>
-        <p:spPr/>
-      </p:sp>
-      <p:sp>
-        <p:nvSpPr>
-          <p:cNvPr id="3" name="备注占位符 2"/>
-          <p:cNvSpPr>
-            <a:spLocks noGrp="1"/>
-          </p:cNvSpPr>
-          <p:nvPr>
-            <p:ph type="body" idx="1"/>
-          </p:nvPr>
-        </p:nvSpPr>
-        <p:spPr/>
-        <p:txBody>
-          <a:bodyPr/>
-          <a:lstStyle/>
-          <a:p>
-            <a:endParaRPr lang="zh-CN" altLang="en-US" dirty="0"/>
-          </a:p>
-        </p:txBody>
-      </p:sp>
-      <p:sp>
-        <p:nvSpPr>
-          <p:cNvPr id="4" name="灯片编号占位符 3"/>
-          <p:cNvSpPr>
-            <a:spLocks noGrp="1"/>
-          </p:cNvSpPr>
-          <p:nvPr>
-            <p:ph type="sldNum" sz="quarter" idx="10"/>
-          </p:nvPr>
-        </p:nvSpPr>
-        <p:spPr/>
-        <p:txBody>
-          <a:bodyPr/>
-          <a:lstStyle/>
-          <a:p>
-            <a:fld id="{DD202784-B46A-4EF4-B218-4316F9133D14}" type="slidenum">
-              <a:rPr lang="zh-CN" altLang="en-US" smtClean="0"/>
-              <a:t>32</a:t>
-            </a:fld>
-            <a:endParaRPr lang="zh-CN" altLang="en-US"/>
-          </a:p>
-        </p:txBody>
-      </p:sp>
-    </p:spTree>
-    <p:extLst>
-      <p:ext uri="{BB962C8B-B14F-4D97-AF65-F5344CB8AC3E}">
-        <p14:creationId xmlns:p14="http://schemas.microsoft.com/office/powerpoint/2010/main" val="3776015239"/>
-      </p:ext>
-    </p:extLst>
   </p:cSld>
   <p:clrMapOvr>
     <a:masterClrMapping/>
@@ -6024,14 +6033,7 @@
           <a:bodyPr/>
           <a:lstStyle/>
           <a:p>
-            <a:pPr marL="457200" lvl="1" indent="0">
-              <a:lnSpc>
-                <a:spcPct val="150000"/>
-              </a:lnSpc>
-              <a:buFont typeface="Arial" panose="020B0604020202020204" pitchFamily="34" charset="0"/>
-              <a:buNone/>
-            </a:pPr>
-            <a:endParaRPr lang="en-US" altLang="zh-CN" sz="2800" dirty="0"/>
+            <a:endParaRPr lang="zh-CN" altLang="en-US" dirty="0"/>
           </a:p>
         </p:txBody>
       </p:sp>
@@ -6061,7 +6063,7 @@
     </p:spTree>
     <p:extLst>
       <p:ext uri="{BB962C8B-B14F-4D97-AF65-F5344CB8AC3E}">
-        <p14:creationId xmlns:p14="http://schemas.microsoft.com/office/powerpoint/2010/main" val="3763311556"/>
+        <p14:creationId xmlns:p14="http://schemas.microsoft.com/office/powerpoint/2010/main" val="3776015239"/>
       </p:ext>
     </p:extLst>
   </p:cSld>
@@ -6165,6 +6167,97 @@
 <file path=ppt/notesSlides/notesSlide36.xml><?xml version="1.0" encoding="utf-8"?>
 <p:notes xmlns:a="http://schemas.openxmlformats.org/drawingml/2006/main" xmlns:r="http://schemas.openxmlformats.org/officeDocument/2006/relationships" xmlns:p="http://schemas.openxmlformats.org/presentationml/2006/main">
   <p:cSld>
+    <p:spTree>
+      <p:nvGrpSpPr>
+        <p:cNvPr id="1" name=""/>
+        <p:cNvGrpSpPr/>
+        <p:nvPr/>
+      </p:nvGrpSpPr>
+      <p:grpSpPr>
+        <a:xfrm>
+          <a:off x="0" y="0"/>
+          <a:ext cx="0" cy="0"/>
+          <a:chOff x="0" y="0"/>
+          <a:chExt cx="0" cy="0"/>
+        </a:xfrm>
+      </p:grpSpPr>
+      <p:sp>
+        <p:nvSpPr>
+          <p:cNvPr id="2" name="幻灯片图像占位符 1"/>
+          <p:cNvSpPr>
+            <a:spLocks noGrp="1" noRot="1" noChangeAspect="1"/>
+          </p:cNvSpPr>
+          <p:nvPr>
+            <p:ph type="sldImg"/>
+          </p:nvPr>
+        </p:nvSpPr>
+        <p:spPr/>
+      </p:sp>
+      <p:sp>
+        <p:nvSpPr>
+          <p:cNvPr id="3" name="备注占位符 2"/>
+          <p:cNvSpPr>
+            <a:spLocks noGrp="1"/>
+          </p:cNvSpPr>
+          <p:nvPr>
+            <p:ph type="body" idx="1"/>
+          </p:nvPr>
+        </p:nvSpPr>
+        <p:spPr/>
+        <p:txBody>
+          <a:bodyPr/>
+          <a:lstStyle/>
+          <a:p>
+            <a:pPr marL="457200" lvl="1" indent="0">
+              <a:lnSpc>
+                <a:spcPct val="150000"/>
+              </a:lnSpc>
+              <a:buFont typeface="Arial" panose="020B0604020202020204" pitchFamily="34" charset="0"/>
+              <a:buNone/>
+            </a:pPr>
+            <a:endParaRPr lang="en-US" altLang="zh-CN" sz="2800" dirty="0"/>
+          </a:p>
+        </p:txBody>
+      </p:sp>
+      <p:sp>
+        <p:nvSpPr>
+          <p:cNvPr id="4" name="灯片编号占位符 3"/>
+          <p:cNvSpPr>
+            <a:spLocks noGrp="1"/>
+          </p:cNvSpPr>
+          <p:nvPr>
+            <p:ph type="sldNum" sz="quarter" idx="10"/>
+          </p:nvPr>
+        </p:nvSpPr>
+        <p:spPr/>
+        <p:txBody>
+          <a:bodyPr/>
+          <a:lstStyle/>
+          <a:p>
+            <a:fld id="{DD202784-B46A-4EF4-B218-4316F9133D14}" type="slidenum">
+              <a:rPr lang="zh-CN" altLang="en-US" smtClean="0"/>
+              <a:t>36</a:t>
+            </a:fld>
+            <a:endParaRPr lang="zh-CN" altLang="en-US"/>
+          </a:p>
+        </p:txBody>
+      </p:sp>
+    </p:spTree>
+    <p:extLst>
+      <p:ext uri="{BB962C8B-B14F-4D97-AF65-F5344CB8AC3E}">
+        <p14:creationId xmlns:p14="http://schemas.microsoft.com/office/powerpoint/2010/main" val="3763311556"/>
+      </p:ext>
+    </p:extLst>
+  </p:cSld>
+  <p:clrMapOvr>
+    <a:masterClrMapping/>
+  </p:clrMapOvr>
+</p:notes>
+</file>
+
+<file path=ppt/notesSlides/notesSlide37.xml><?xml version="1.0" encoding="utf-8"?>
+<p:notes xmlns:a="http://schemas.openxmlformats.org/drawingml/2006/main" xmlns:r="http://schemas.openxmlformats.org/officeDocument/2006/relationships" xmlns:p="http://schemas.openxmlformats.org/presentationml/2006/main">
+  <p:cSld>
     <p:bg>
       <p:bgPr>
         <a:solidFill>
@@ -6206,7 +6299,7 @@
           <a:p>
             <a:fld id="{0E78A471-D789-41F3-8A64-F8CE717DD838}" type="slidenum">
               <a:rPr lang="en-GB"/>
-              <a:t>36</a:t>
+              <a:t>37</a:t>
             </a:fld>
             <a:endParaRPr lang="en-GB"/>
           </a:p>
@@ -6301,90 +6394,6 @@
         </p:txBody>
       </p:sp>
     </p:spTree>
-  </p:cSld>
-  <p:clrMapOvr>
-    <a:masterClrMapping/>
-  </p:clrMapOvr>
-</p:notes>
-</file>
-
-<file path=ppt/notesSlides/notesSlide37.xml><?xml version="1.0" encoding="utf-8"?>
-<p:notes xmlns:a="http://schemas.openxmlformats.org/drawingml/2006/main" xmlns:r="http://schemas.openxmlformats.org/officeDocument/2006/relationships" xmlns:p="http://schemas.openxmlformats.org/presentationml/2006/main">
-  <p:cSld>
-    <p:spTree>
-      <p:nvGrpSpPr>
-        <p:cNvPr id="1" name=""/>
-        <p:cNvGrpSpPr/>
-        <p:nvPr/>
-      </p:nvGrpSpPr>
-      <p:grpSpPr>
-        <a:xfrm>
-          <a:off x="0" y="0"/>
-          <a:ext cx="0" cy="0"/>
-          <a:chOff x="0" y="0"/>
-          <a:chExt cx="0" cy="0"/>
-        </a:xfrm>
-      </p:grpSpPr>
-      <p:sp>
-        <p:nvSpPr>
-          <p:cNvPr id="2" name="幻灯片图像占位符 1"/>
-          <p:cNvSpPr>
-            <a:spLocks noGrp="1" noRot="1" noChangeAspect="1"/>
-          </p:cNvSpPr>
-          <p:nvPr>
-            <p:ph type="sldImg"/>
-          </p:nvPr>
-        </p:nvSpPr>
-        <p:spPr/>
-      </p:sp>
-      <p:sp>
-        <p:nvSpPr>
-          <p:cNvPr id="3" name="备注占位符 2"/>
-          <p:cNvSpPr>
-            <a:spLocks noGrp="1"/>
-          </p:cNvSpPr>
-          <p:nvPr>
-            <p:ph type="body" idx="1"/>
-          </p:nvPr>
-        </p:nvSpPr>
-        <p:spPr/>
-        <p:txBody>
-          <a:bodyPr/>
-          <a:lstStyle/>
-          <a:p>
-            <a:endParaRPr lang="zh-CN" altLang="en-US" dirty="0"/>
-          </a:p>
-        </p:txBody>
-      </p:sp>
-      <p:sp>
-        <p:nvSpPr>
-          <p:cNvPr id="4" name="灯片编号占位符 3"/>
-          <p:cNvSpPr>
-            <a:spLocks noGrp="1"/>
-          </p:cNvSpPr>
-          <p:nvPr>
-            <p:ph type="sldNum" sz="quarter" idx="10"/>
-          </p:nvPr>
-        </p:nvSpPr>
-        <p:spPr/>
-        <p:txBody>
-          <a:bodyPr/>
-          <a:lstStyle/>
-          <a:p>
-            <a:fld id="{DD202784-B46A-4EF4-B218-4316F9133D14}" type="slidenum">
-              <a:rPr lang="zh-CN" altLang="en-US" smtClean="0"/>
-              <a:t>37</a:t>
-            </a:fld>
-            <a:endParaRPr lang="zh-CN" altLang="en-US"/>
-          </a:p>
-        </p:txBody>
-      </p:sp>
-    </p:spTree>
-    <p:extLst>
-      <p:ext uri="{BB962C8B-B14F-4D97-AF65-F5344CB8AC3E}">
-        <p14:creationId xmlns:p14="http://schemas.microsoft.com/office/powerpoint/2010/main" val="3776015239"/>
-      </p:ext>
-    </p:extLst>
   </p:cSld>
   <p:clrMapOvr>
     <a:masterClrMapping/>
@@ -6436,14 +6445,7 @@
           <a:bodyPr/>
           <a:lstStyle/>
           <a:p>
-            <a:pPr marL="457200" lvl="1" indent="0">
-              <a:lnSpc>
-                <a:spcPct val="150000"/>
-              </a:lnSpc>
-              <a:buFont typeface="Arial" panose="020B0604020202020204" pitchFamily="34" charset="0"/>
-              <a:buNone/>
-            </a:pPr>
-            <a:endParaRPr lang="en-US" altLang="zh-CN" sz="2800" dirty="0"/>
+            <a:endParaRPr lang="zh-CN" altLang="en-US" dirty="0"/>
           </a:p>
         </p:txBody>
       </p:sp>
@@ -6473,7 +6475,7 @@
     </p:spTree>
     <p:extLst>
       <p:ext uri="{BB962C8B-B14F-4D97-AF65-F5344CB8AC3E}">
-        <p14:creationId xmlns:p14="http://schemas.microsoft.com/office/powerpoint/2010/main" val="3763311556"/>
+        <p14:creationId xmlns:p14="http://schemas.microsoft.com/office/powerpoint/2010/main" val="3776015239"/>
       </p:ext>
     </p:extLst>
   </p:cSld>
@@ -6486,14 +6488,6 @@
 <file path=ppt/notesSlides/notesSlide39.xml><?xml version="1.0" encoding="utf-8"?>
 <p:notes xmlns:a="http://schemas.openxmlformats.org/drawingml/2006/main" xmlns:r="http://schemas.openxmlformats.org/officeDocument/2006/relationships" xmlns:p="http://schemas.openxmlformats.org/presentationml/2006/main">
   <p:cSld>
-    <p:bg>
-      <p:bgPr>
-        <a:solidFill>
-          <a:srgbClr val="FFFFFF"/>
-        </a:solidFill>
-        <a:effectLst/>
-      </p:bgPr>
-    </p:bg>
     <p:spTree>
       <p:nvGrpSpPr>
         <p:cNvPr id="1" name=""/>
@@ -6510,142 +6504,71 @@
       </p:grpSpPr>
       <p:sp>
         <p:nvSpPr>
-          <p:cNvPr id="4098" name="Rectangle 6"/>
+          <p:cNvPr id="2" name="幻灯片图像占位符 1"/>
           <p:cNvSpPr>
-            <a:spLocks noGrp="1" noChangeArrowheads="1"/>
-          </p:cNvSpPr>
-          <p:nvPr>
-            <p:ph type="sldNum" sz="quarter"/>
-          </p:nvPr>
-        </p:nvSpPr>
-        <p:spPr>
-          <a:noFill/>
-        </p:spPr>
-        <p:txBody>
-          <a:bodyPr/>
-          <a:lstStyle/>
-          <a:p>
-            <a:fld id="{0E78A471-D789-41F3-8A64-F8CE717DD838}" type="slidenum">
-              <a:rPr lang="en-GB"/>
-              <a:t>39</a:t>
-            </a:fld>
-            <a:endParaRPr lang="en-GB"/>
-          </a:p>
-        </p:txBody>
-      </p:sp>
-      <p:sp>
-        <p:nvSpPr>
-          <p:cNvPr id="4099" name="Rectangle 1"/>
-          <p:cNvSpPr txBox="1">
-            <a:spLocks noGrp="1" noRot="1" noChangeAspect="1" noChangeArrowheads="1" noTextEdit="1"/>
+            <a:spLocks noGrp="1" noRot="1" noChangeAspect="1"/>
           </p:cNvSpPr>
           <p:nvPr>
             <p:ph type="sldImg"/>
           </p:nvPr>
         </p:nvSpPr>
-        <p:spPr>
-          <a:xfrm>
-            <a:off x="382588" y="695325"/>
-            <a:ext cx="6091237" cy="3427413"/>
-          </a:xfrm>
-          <a:solidFill>
-            <a:srgbClr val="FFFFFF"/>
-          </a:solidFill>
-          <a:ln>
-            <a:solidFill>
-              <a:srgbClr val="000000"/>
-            </a:solidFill>
-            <a:miter lim="800000"/>
-          </a:ln>
-        </p:spPr>
-      </p:sp>
-      <p:sp>
-        <p:nvSpPr>
-          <p:cNvPr id="4100" name="Text Box 2"/>
-          <p:cNvSpPr txBox="1">
-            <a:spLocks noGrp="1" noChangeArrowheads="1"/>
+        <p:spPr/>
+      </p:sp>
+      <p:sp>
+        <p:nvSpPr>
+          <p:cNvPr id="3" name="备注占位符 2"/>
+          <p:cNvSpPr>
+            <a:spLocks noGrp="1"/>
           </p:cNvSpPr>
           <p:nvPr>
             <p:ph type="body" idx="1"/>
           </p:nvPr>
         </p:nvSpPr>
-        <p:spPr>
-          <a:xfrm>
-            <a:off x="685512" y="4343230"/>
-            <a:ext cx="5486976" cy="4115139"/>
-          </a:xfrm>
-          <a:noFill/>
-          <a:ln/>
-        </p:spPr>
-        <p:txBody>
-          <a:bodyPr tIns="9279"/>
+        <p:spPr/>
+        <p:txBody>
+          <a:bodyPr/>
           <a:lstStyle/>
           <a:p>
-            <a:pPr algn="just">
+            <a:pPr marL="457200" lvl="1" indent="0">
               <a:lnSpc>
-                <a:spcPct val="93000"/>
+                <a:spcPct val="150000"/>
               </a:lnSpc>
-              <a:spcBef>
-                <a:spcPct val="0"/>
-              </a:spcBef>
-              <a:tabLst>
-                <a:tab pos="634643" algn="l"/>
-                <a:tab pos="1269286" algn="l"/>
-                <a:tab pos="1903929" algn="l"/>
-                <a:tab pos="2538573" algn="l"/>
-                <a:tab pos="3173216" algn="l"/>
-                <a:tab pos="3807859" algn="l"/>
-                <a:tab pos="4442502" algn="l"/>
-                <a:tab pos="5077145" algn="l"/>
-              </a:tabLst>
+              <a:buFont typeface="Arial" panose="020B0604020202020204" pitchFamily="34" charset="0"/>
+              <a:buNone/>
             </a:pPr>
-            <a:r>
-              <a:rPr lang="en-US" dirty="0" smtClean="0"/>
-              <a:t>Fig3</a:t>
-            </a:r>
-            <a:r>
-              <a:rPr dirty="0"/>
-              <a:t>
-Task performance. (A) Cumulative choices for target buildings (</a:t>
-            </a:r>
-            <a:r>
-              <a:rPr dirty="0" err="1"/>
-              <a:t>Tgt</a:t>
-            </a:r>
-            <a:r>
-              <a:rPr dirty="0"/>
-              <a:t>) in the object‐cued place recognition period (all targets aligned to 0°). The vector arrow indicates the strength of the target response. (B–C) Distributions of response accuracies in the object‐cued place recognition period (OPRP) (B) and the spatial memory period (SMP) (C) for individual subjects. Dashed lines denote chance level (25%). For each period, results of one‐sample </a:t>
-            </a:r>
-            <a:r>
-              <a:rPr i="1" dirty="0"/>
-              <a:t>t</a:t>
-            </a:r>
-            <a:r>
-              <a:rPr dirty="0"/>
-              <a:t> tests for comparing average retrieval accuracy during the experimental condition (top) and paired </a:t>
-            </a:r>
-            <a:r>
-              <a:rPr i="1" dirty="0"/>
-              <a:t>t</a:t>
-            </a:r>
-            <a:r>
-              <a:rPr dirty="0"/>
-              <a:t> test for comparing average retrieval accuracies between experimental and control conditions (bottom) are shown.</a:t>
-            </a:r>
-          </a:p>
-          <a:p>
-            <a:endParaRPr dirty="0"/>
-          </a:p>
-          <a:p>
-            <a:r>
-              <a:rPr lang="en-GB" dirty="0"/>
-              <a:t>IF THIS IMAGE HAS BEEN PROVIDED BY OR IS OWNED BY A THIRD PARTY, AS INDICATED IN THE CAPTION LINE, THEN FURTHER PERMISSION MAY BE NEEDED BEFORE ANY FURTHER USE. PLEASE CONTACT WILEY'S PERMISSIONS DEPARTMENT ON PERMISSIONS@WILEY.COM OR USE THE RIGHTSLINK SERVICE BY CLICKING ON THE 'REQUEST PERMISSIONS' LINK ACCOMPANYING THIS ARTICLE. WILEY OR AUTHOR OWNED IMAGES MAY BE USED FOR NON-COMMERCIAL PURPOSES, SUBJECT TO PROPER CITATION OF THE ARTICLE, AUTHOR, AND PUBLISHER.</a:t>
-            </a:r>
-            <a:endParaRPr dirty="0"/>
+            <a:endParaRPr lang="en-US" altLang="zh-CN" sz="2800" dirty="0"/>
+          </a:p>
+        </p:txBody>
+      </p:sp>
+      <p:sp>
+        <p:nvSpPr>
+          <p:cNvPr id="4" name="灯片编号占位符 3"/>
+          <p:cNvSpPr>
+            <a:spLocks noGrp="1"/>
+          </p:cNvSpPr>
+          <p:nvPr>
+            <p:ph type="sldNum" sz="quarter" idx="10"/>
+          </p:nvPr>
+        </p:nvSpPr>
+        <p:spPr/>
+        <p:txBody>
+          <a:bodyPr/>
+          <a:lstStyle/>
+          <a:p>
+            <a:fld id="{DD202784-B46A-4EF4-B218-4316F9133D14}" type="slidenum">
+              <a:rPr lang="zh-CN" altLang="en-US" smtClean="0"/>
+              <a:t>39</a:t>
+            </a:fld>
+            <a:endParaRPr lang="zh-CN" altLang="en-US"/>
           </a:p>
         </p:txBody>
       </p:sp>
     </p:spTree>
+    <p:extLst>
+      <p:ext uri="{BB962C8B-B14F-4D97-AF65-F5344CB8AC3E}">
+        <p14:creationId xmlns:p14="http://schemas.microsoft.com/office/powerpoint/2010/main" val="3763311556"/>
+      </p:ext>
+    </p:extLst>
   </p:cSld>
   <p:clrMapOvr>
     <a:masterClrMapping/>
@@ -6915,52 +6838,36 @@
             </a:pPr>
             <a:r>
               <a:rPr lang="en-US" dirty="0" smtClean="0"/>
-              <a:t>Fig4</a:t>
+              <a:t>Fig3</a:t>
             </a:r>
             <a:r>
               <a:rPr dirty="0"/>
               <a:t>
-Choice accuracy for individual buildings and objects. Average choice accuracy for all objects associated with the four buildings in the experimental condition in the object‐cued place recognition period. Dotted lines indicate the mean accuracy for the corresponding building. Objects are shown in a descending order based on choice accuracy. Mean ± S.E.M. *</a:t>
+Task performance. (A) Cumulative choices for target buildings (</a:t>
+            </a:r>
+            <a:r>
+              <a:rPr dirty="0" err="1"/>
+              <a:t>Tgt</a:t>
+            </a:r>
+            <a:r>
+              <a:rPr dirty="0"/>
+              <a:t>) in the object‐cued place recognition period (all targets aligned to 0°). The vector arrow indicates the strength of the target response. (B–C) Distributions of response accuracies in the object‐cued place recognition period (OPRP) (B) and the spatial memory period (SMP) (C) for individual subjects. Dashed lines denote chance level (25%). For each period, results of one‐sample </a:t>
             </a:r>
             <a:r>
               <a:rPr i="1" dirty="0"/>
-              <a:t>P</a:t>
+              <a:t>t</a:t>
             </a:r>
             <a:r>
               <a:rPr dirty="0"/>
-              <a:t> &lt; 0.05, **</a:t>
+              <a:t> tests for comparing average retrieval accuracy during the experimental condition (top) and paired </a:t>
             </a:r>
             <a:r>
               <a:rPr i="1" dirty="0"/>
-              <a:t>P</a:t>
+              <a:t>t</a:t>
             </a:r>
             <a:r>
               <a:rPr dirty="0"/>
-              <a:t> &lt; 0.01, ***</a:t>
-            </a:r>
-            <a:r>
-              <a:rPr i="1" dirty="0"/>
-              <a:t>P</a:t>
-            </a:r>
-            <a:r>
-              <a:rPr dirty="0"/>
-              <a:t> &lt; 0.001, </a:t>
-            </a:r>
-            <a:r>
-              <a:rPr dirty="0" err="1"/>
-              <a:t>n.s</a:t>
-            </a:r>
-            <a:r>
-              <a:rPr dirty="0"/>
-              <a:t>. </a:t>
-            </a:r>
-            <a:r>
-              <a:rPr i="1" dirty="0"/>
-              <a:t>P</a:t>
-            </a:r>
-            <a:r>
-              <a:rPr dirty="0"/>
-              <a:t> &gt; 0.05. [Color figure can be viewed in the online issue, which is available at wileyonlinelibrary.com.]</a:t>
+              <a:t> test for comparing average retrieval accuracies between experimental and control conditions (bottom) are shown.</a:t>
             </a:r>
           </a:p>
           <a:p>
@@ -7101,20 +7008,52 @@
             </a:pPr>
             <a:r>
               <a:rPr lang="en-US" dirty="0" smtClean="0"/>
-              <a:t>Fig5</a:t>
+              <a:t>Fig4</a:t>
             </a:r>
             <a:r>
               <a:rPr dirty="0"/>
               <a:t>
-Individual difference in search efficiency. Examples of angular trajectory of four subjects with efficiency indices (E) during the object‐cued place recognition period. For each subject, trajectory data were aligned so that the correct target (denoted as </a:t>
+Choice accuracy for individual buildings and objects. Average choice accuracy for all objects associated with the four buildings in the experimental condition in the object‐cued place recognition period. Dotted lines indicate the mean accuracy for the corresponding building. Objects are shown in a descending order based on choice accuracy. Mean ± S.E.M. *</a:t>
+            </a:r>
+            <a:r>
+              <a:rPr i="1" dirty="0"/>
+              <a:t>P</a:t>
+            </a:r>
+            <a:r>
+              <a:rPr dirty="0"/>
+              <a:t> &lt; 0.05, **</a:t>
+            </a:r>
+            <a:r>
+              <a:rPr i="1" dirty="0"/>
+              <a:t>P</a:t>
+            </a:r>
+            <a:r>
+              <a:rPr dirty="0"/>
+              <a:t> &lt; 0.01, ***</a:t>
+            </a:r>
+            <a:r>
+              <a:rPr i="1" dirty="0"/>
+              <a:t>P</a:t>
+            </a:r>
+            <a:r>
+              <a:rPr dirty="0"/>
+              <a:t> &lt; 0.001, </a:t>
             </a:r>
             <a:r>
               <a:rPr dirty="0" err="1"/>
-              <a:t>Tgt</a:t>
+              <a:t>n.s</a:t>
             </a:r>
             <a:r>
               <a:rPr dirty="0"/>
-              <a:t>) was located on the east, separately shown for the experimental and control conditions. Distance from the center of the plot represents the duration of time (maximum of 11.2 s, as depicted in inset) and the azimuth of the point depicts the viewing angle of the subject at that particular time. Black and white lines denote trajectories for correct and incorrect trials, respectively.</a:t>
+              <a:t>. </a:t>
+            </a:r>
+            <a:r>
+              <a:rPr i="1" dirty="0"/>
+              <a:t>P</a:t>
+            </a:r>
+            <a:r>
+              <a:rPr dirty="0"/>
+              <a:t> &gt; 0.05. [Color figure can be viewed in the online issue, which is available at wileyonlinelibrary.com.]</a:t>
             </a:r>
           </a:p>
           <a:p>
@@ -7140,6 +7079,14 @@
 <file path=ppt/notesSlides/notesSlide42.xml><?xml version="1.0" encoding="utf-8"?>
 <p:notes xmlns:a="http://schemas.openxmlformats.org/drawingml/2006/main" xmlns:r="http://schemas.openxmlformats.org/officeDocument/2006/relationships" xmlns:p="http://schemas.openxmlformats.org/presentationml/2006/main">
   <p:cSld>
+    <p:bg>
+      <p:bgPr>
+        <a:solidFill>
+          <a:srgbClr val="FFFFFF"/>
+        </a:solidFill>
+        <a:effectLst/>
+      </p:bgPr>
+    </p:bg>
     <p:spTree>
       <p:nvGrpSpPr>
         <p:cNvPr id="1" name=""/>
@@ -7156,71 +7103,126 @@
       </p:grpSpPr>
       <p:sp>
         <p:nvSpPr>
-          <p:cNvPr id="2" name="幻灯片图像占位符 1"/>
+          <p:cNvPr id="4098" name="Rectangle 6"/>
           <p:cNvSpPr>
-            <a:spLocks noGrp="1" noRot="1" noChangeAspect="1"/>
+            <a:spLocks noGrp="1" noChangeArrowheads="1"/>
+          </p:cNvSpPr>
+          <p:nvPr>
+            <p:ph type="sldNum" sz="quarter"/>
+          </p:nvPr>
+        </p:nvSpPr>
+        <p:spPr>
+          <a:noFill/>
+        </p:spPr>
+        <p:txBody>
+          <a:bodyPr/>
+          <a:lstStyle/>
+          <a:p>
+            <a:fld id="{0E78A471-D789-41F3-8A64-F8CE717DD838}" type="slidenum">
+              <a:rPr lang="en-GB"/>
+              <a:t>42</a:t>
+            </a:fld>
+            <a:endParaRPr lang="en-GB"/>
+          </a:p>
+        </p:txBody>
+      </p:sp>
+      <p:sp>
+        <p:nvSpPr>
+          <p:cNvPr id="4099" name="Rectangle 1"/>
+          <p:cNvSpPr txBox="1">
+            <a:spLocks noGrp="1" noRot="1" noChangeAspect="1" noChangeArrowheads="1" noTextEdit="1"/>
           </p:cNvSpPr>
           <p:nvPr>
             <p:ph type="sldImg"/>
           </p:nvPr>
         </p:nvSpPr>
-        <p:spPr/>
-      </p:sp>
-      <p:sp>
-        <p:nvSpPr>
-          <p:cNvPr id="3" name="备注占位符 2"/>
-          <p:cNvSpPr>
-            <a:spLocks noGrp="1"/>
+        <p:spPr>
+          <a:xfrm>
+            <a:off x="382588" y="695325"/>
+            <a:ext cx="6091237" cy="3427413"/>
+          </a:xfrm>
+          <a:solidFill>
+            <a:srgbClr val="FFFFFF"/>
+          </a:solidFill>
+          <a:ln>
+            <a:solidFill>
+              <a:srgbClr val="000000"/>
+            </a:solidFill>
+            <a:miter lim="800000"/>
+          </a:ln>
+        </p:spPr>
+      </p:sp>
+      <p:sp>
+        <p:nvSpPr>
+          <p:cNvPr id="4100" name="Text Box 2"/>
+          <p:cNvSpPr txBox="1">
+            <a:spLocks noGrp="1" noChangeArrowheads="1"/>
           </p:cNvSpPr>
           <p:nvPr>
             <p:ph type="body" idx="1"/>
           </p:nvPr>
         </p:nvSpPr>
-        <p:spPr/>
-        <p:txBody>
-          <a:bodyPr/>
+        <p:spPr>
+          <a:xfrm>
+            <a:off x="685512" y="4343230"/>
+            <a:ext cx="5486976" cy="4115139"/>
+          </a:xfrm>
+          <a:noFill/>
+          <a:ln/>
+        </p:spPr>
+        <p:txBody>
+          <a:bodyPr tIns="9279"/>
           <a:lstStyle/>
           <a:p>
-            <a:pPr marL="457200" lvl="1" indent="0">
+            <a:pPr algn="just">
               <a:lnSpc>
-                <a:spcPct val="150000"/>
+                <a:spcPct val="93000"/>
               </a:lnSpc>
-              <a:buFont typeface="Arial" panose="020B0604020202020204" pitchFamily="34" charset="0"/>
-              <a:buNone/>
+              <a:spcBef>
+                <a:spcPct val="0"/>
+              </a:spcBef>
+              <a:tabLst>
+                <a:tab pos="634643" algn="l"/>
+                <a:tab pos="1269286" algn="l"/>
+                <a:tab pos="1903929" algn="l"/>
+                <a:tab pos="2538573" algn="l"/>
+                <a:tab pos="3173216" algn="l"/>
+                <a:tab pos="3807859" algn="l"/>
+                <a:tab pos="4442502" algn="l"/>
+                <a:tab pos="5077145" algn="l"/>
+              </a:tabLst>
             </a:pPr>
-            <a:endParaRPr lang="en-US" altLang="zh-CN" sz="2800" dirty="0"/>
-          </a:p>
-        </p:txBody>
-      </p:sp>
-      <p:sp>
-        <p:nvSpPr>
-          <p:cNvPr id="4" name="灯片编号占位符 3"/>
-          <p:cNvSpPr>
-            <a:spLocks noGrp="1"/>
-          </p:cNvSpPr>
-          <p:nvPr>
-            <p:ph type="sldNum" sz="quarter" idx="10"/>
-          </p:nvPr>
-        </p:nvSpPr>
-        <p:spPr/>
-        <p:txBody>
-          <a:bodyPr/>
-          <a:lstStyle/>
-          <a:p>
-            <a:fld id="{DD202784-B46A-4EF4-B218-4316F9133D14}" type="slidenum">
-              <a:rPr lang="zh-CN" altLang="en-US" smtClean="0"/>
-              <a:t>42</a:t>
-            </a:fld>
-            <a:endParaRPr lang="zh-CN" altLang="en-US"/>
+            <a:r>
+              <a:rPr lang="en-US" dirty="0" smtClean="0"/>
+              <a:t>Fig5</a:t>
+            </a:r>
+            <a:r>
+              <a:rPr dirty="0"/>
+              <a:t>
+Individual difference in search efficiency. Examples of angular trajectory of four subjects with efficiency indices (E) during the object‐cued place recognition period. For each subject, trajectory data were aligned so that the correct target (denoted as </a:t>
+            </a:r>
+            <a:r>
+              <a:rPr dirty="0" err="1"/>
+              <a:t>Tgt</a:t>
+            </a:r>
+            <a:r>
+              <a:rPr dirty="0"/>
+              <a:t>) was located on the east, separately shown for the experimental and control conditions. Distance from the center of the plot represents the duration of time (maximum of 11.2 s, as depicted in inset) and the azimuth of the point depicts the viewing angle of the subject at that particular time. Black and white lines denote trajectories for correct and incorrect trials, respectively.</a:t>
+            </a:r>
+          </a:p>
+          <a:p>
+            <a:endParaRPr dirty="0"/>
+          </a:p>
+          <a:p>
+            <a:r>
+              <a:rPr lang="en-GB" dirty="0"/>
+              <a:t>IF THIS IMAGE HAS BEEN PROVIDED BY OR IS OWNED BY A THIRD PARTY, AS INDICATED IN THE CAPTION LINE, THEN FURTHER PERMISSION MAY BE NEEDED BEFORE ANY FURTHER USE. PLEASE CONTACT WILEY'S PERMISSIONS DEPARTMENT ON PERMISSIONS@WILEY.COM OR USE THE RIGHTSLINK SERVICE BY CLICKING ON THE 'REQUEST PERMISSIONS' LINK ACCOMPANYING THIS ARTICLE. WILEY OR AUTHOR OWNED IMAGES MAY BE USED FOR NON-COMMERCIAL PURPOSES, SUBJECT TO PROPER CITATION OF THE ARTICLE, AUTHOR, AND PUBLISHER.</a:t>
+            </a:r>
+            <a:endParaRPr dirty="0"/>
           </a:p>
         </p:txBody>
       </p:sp>
     </p:spTree>
-    <p:extLst>
-      <p:ext uri="{BB962C8B-B14F-4D97-AF65-F5344CB8AC3E}">
-        <p14:creationId xmlns:p14="http://schemas.microsoft.com/office/powerpoint/2010/main" val="3763311556"/>
-      </p:ext>
-    </p:extLst>
   </p:cSld>
   <p:clrMapOvr>
     <a:masterClrMapping/>
@@ -7504,14 +7506,6 @@
 <file path=ppt/notesSlides/notesSlide46.xml><?xml version="1.0" encoding="utf-8"?>
 <p:notes xmlns:a="http://schemas.openxmlformats.org/drawingml/2006/main" xmlns:r="http://schemas.openxmlformats.org/officeDocument/2006/relationships" xmlns:p="http://schemas.openxmlformats.org/presentationml/2006/main">
   <p:cSld>
-    <p:bg>
-      <p:bgPr>
-        <a:solidFill>
-          <a:srgbClr val="FFFFFF"/>
-        </a:solidFill>
-        <a:effectLst/>
-      </p:bgPr>
-    </p:bg>
     <p:spTree>
       <p:nvGrpSpPr>
         <p:cNvPr id="1" name=""/>
@@ -7528,184 +7522,6 @@
       </p:grpSpPr>
       <p:sp>
         <p:nvSpPr>
-          <p:cNvPr id="4098" name="Rectangle 6"/>
-          <p:cNvSpPr>
-            <a:spLocks noGrp="1" noChangeArrowheads="1"/>
-          </p:cNvSpPr>
-          <p:nvPr>
-            <p:ph type="sldNum" sz="quarter"/>
-          </p:nvPr>
-        </p:nvSpPr>
-        <p:spPr>
-          <a:noFill/>
-        </p:spPr>
-        <p:txBody>
-          <a:bodyPr/>
-          <a:lstStyle/>
-          <a:p>
-            <a:fld id="{0E78A471-D789-41F3-8A64-F8CE717DD838}" type="slidenum">
-              <a:rPr lang="en-GB"/>
-              <a:t>46</a:t>
-            </a:fld>
-            <a:endParaRPr lang="en-GB"/>
-          </a:p>
-        </p:txBody>
-      </p:sp>
-      <p:sp>
-        <p:nvSpPr>
-          <p:cNvPr id="4099" name="Rectangle 1"/>
-          <p:cNvSpPr txBox="1">
-            <a:spLocks noGrp="1" noRot="1" noChangeAspect="1" noChangeArrowheads="1" noTextEdit="1"/>
-          </p:cNvSpPr>
-          <p:nvPr>
-            <p:ph type="sldImg"/>
-          </p:nvPr>
-        </p:nvSpPr>
-        <p:spPr>
-          <a:xfrm>
-            <a:off x="382588" y="695325"/>
-            <a:ext cx="6091237" cy="3427413"/>
-          </a:xfrm>
-          <a:solidFill>
-            <a:srgbClr val="FFFFFF"/>
-          </a:solidFill>
-          <a:ln>
-            <a:solidFill>
-              <a:srgbClr val="000000"/>
-            </a:solidFill>
-            <a:miter lim="800000"/>
-          </a:ln>
-        </p:spPr>
-      </p:sp>
-      <p:sp>
-        <p:nvSpPr>
-          <p:cNvPr id="4100" name="Text Box 2"/>
-          <p:cNvSpPr txBox="1">
-            <a:spLocks noGrp="1" noChangeArrowheads="1"/>
-          </p:cNvSpPr>
-          <p:nvPr>
-            <p:ph type="body" idx="1"/>
-          </p:nvPr>
-        </p:nvSpPr>
-        <p:spPr>
-          <a:xfrm>
-            <a:off x="685512" y="4343230"/>
-            <a:ext cx="5486976" cy="4115139"/>
-          </a:xfrm>
-          <a:noFill/>
-          <a:ln/>
-        </p:spPr>
-        <p:txBody>
-          <a:bodyPr tIns="9279"/>
-          <a:lstStyle/>
-          <a:p>
-            <a:pPr algn="just">
-              <a:lnSpc>
-                <a:spcPct val="93000"/>
-              </a:lnSpc>
-              <a:spcBef>
-                <a:spcPct val="0"/>
-              </a:spcBef>
-              <a:tabLst>
-                <a:tab pos="634643" algn="l"/>
-                <a:tab pos="1269286" algn="l"/>
-                <a:tab pos="1903929" algn="l"/>
-                <a:tab pos="2538573" algn="l"/>
-                <a:tab pos="3173216" algn="l"/>
-                <a:tab pos="3807859" algn="l"/>
-                <a:tab pos="4442502" algn="l"/>
-                <a:tab pos="5077145" algn="l"/>
-              </a:tabLst>
-            </a:pPr>
-            <a:r>
-              <a:rPr lang="en-US" dirty="0" smtClean="0"/>
-              <a:t>Fig6</a:t>
-            </a:r>
-            <a:r>
-              <a:rPr dirty="0"/>
-              <a:t>
-BOLD activity during object‐cueing period, object‐cued place recognition period, and spatial memory period. (A, C, E) A sagittal (left) and a coronal (right) section showing the peak hippocampal activity for each event period (</a:t>
-            </a:r>
-            <a:r>
-              <a:rPr i="1" dirty="0"/>
-              <a:t>P</a:t>
-            </a:r>
-            <a:r>
-              <a:rPr dirty="0"/>
-              <a:t> &lt; 0.05, FWE‐corrected, one‐sample </a:t>
-            </a:r>
-            <a:r>
-              <a:rPr i="1" dirty="0"/>
-              <a:t>t</a:t>
-            </a:r>
-            <a:r>
-              <a:rPr dirty="0"/>
-              <a:t> test). MNI coordinates are shown above the corresponding sections. In each row, the scale bar shows the range of the t‐statistics from GLM analysis for each event period with red color representing higher response. OCP: Object‐cueing period, OPRP: Object‐cued place recognition period, SMP: Spatial memory period. Mean ± S.E.M. *</a:t>
-            </a:r>
-            <a:r>
-              <a:rPr i="1" dirty="0"/>
-              <a:t>P</a:t>
-            </a:r>
-            <a:r>
-              <a:rPr dirty="0"/>
-              <a:t> &lt; 0.05, **</a:t>
-            </a:r>
-            <a:r>
-              <a:rPr i="1" dirty="0"/>
-              <a:t>P</a:t>
-            </a:r>
-            <a:r>
-              <a:rPr dirty="0"/>
-              <a:t> &lt; 0.01, ***</a:t>
-            </a:r>
-            <a:r>
-              <a:rPr i="1" dirty="0"/>
-              <a:t>P</a:t>
-            </a:r>
-            <a:r>
-              <a:rPr dirty="0"/>
-              <a:t> &lt; 0.001. (A) Object‐cueing period (OCP): A subset of voxels in the left hippocampus showing significant activity during the object‐cueing period (highlighted with a dotted circle), compared to the control. (B) Mean coefficient contrasts of the OCP‐responsive voxels in the left hippocampus across three different periods. (C) Object‐cued place recognition period (OPRP): A subset of voxels in the right hippocampus (highlighted with dotted circles) showing significant BOLD activity during the OPRP. (D) Mean coefficient contrasts of the OPRP‐response voxels in the right hippocampus across three different event periods. (E) Spatial memory period (SMP): During the spatial memory period, the right hippocampus (highlighted with a dotted circle) showed significant BOLD activity compared to the control condition. (F) Average coefficient contrasts of the SMP‐responsive voxels in the right hippocampus across three different event periods. [Color figure can be viewed in the online issue, which is available at wileyonlinelibrary.com.]</a:t>
-            </a:r>
-          </a:p>
-          <a:p>
-            <a:endParaRPr dirty="0"/>
-          </a:p>
-          <a:p>
-            <a:r>
-              <a:rPr lang="en-GB" dirty="0"/>
-              <a:t>IF THIS IMAGE HAS BEEN PROVIDED BY OR IS OWNED BY A THIRD PARTY, AS INDICATED IN THE CAPTION LINE, THEN FURTHER PERMISSION MAY BE NEEDED BEFORE ANY FURTHER USE. PLEASE CONTACT WILEY'S PERMISSIONS DEPARTMENT ON PERMISSIONS@WILEY.COM OR USE THE RIGHTSLINK SERVICE BY CLICKING ON THE 'REQUEST PERMISSIONS' LINK ACCOMPANYING THIS ARTICLE. WILEY OR AUTHOR OWNED IMAGES MAY BE USED FOR NON-COMMERCIAL PURPOSES, SUBJECT TO PROPER CITATION OF THE ARTICLE, AUTHOR, AND PUBLISHER.</a:t>
-            </a:r>
-            <a:endParaRPr dirty="0"/>
-          </a:p>
-        </p:txBody>
-      </p:sp>
-    </p:spTree>
-  </p:cSld>
-  <p:clrMapOvr>
-    <a:masterClrMapping/>
-  </p:clrMapOvr>
-</p:notes>
-</file>
-
-<file path=ppt/notesSlides/notesSlide47.xml><?xml version="1.0" encoding="utf-8"?>
-<p:notes xmlns:a="http://schemas.openxmlformats.org/drawingml/2006/main" xmlns:r="http://schemas.openxmlformats.org/officeDocument/2006/relationships" xmlns:p="http://schemas.openxmlformats.org/presentationml/2006/main">
-  <p:cSld>
-    <p:spTree>
-      <p:nvGrpSpPr>
-        <p:cNvPr id="1" name=""/>
-        <p:cNvGrpSpPr/>
-        <p:nvPr/>
-      </p:nvGrpSpPr>
-      <p:grpSpPr>
-        <a:xfrm>
-          <a:off x="0" y="0"/>
-          <a:ext cx="0" cy="0"/>
-          <a:chOff x="0" y="0"/>
-          <a:chExt cx="0" cy="0"/>
-        </a:xfrm>
-      </p:grpSpPr>
-      <p:sp>
-        <p:nvSpPr>
           <p:cNvPr id="2" name="幻灯片图像占位符 1"/>
           <p:cNvSpPr>
             <a:spLocks noGrp="1" noRot="1" noChangeAspect="1"/>
@@ -7759,7 +7575,7 @@
           <a:p>
             <a:fld id="{DD202784-B46A-4EF4-B218-4316F9133D14}" type="slidenum">
               <a:rPr lang="zh-CN" altLang="en-US" smtClean="0"/>
-              <a:t>47</a:t>
+              <a:t>46</a:t>
             </a:fld>
             <a:endParaRPr lang="zh-CN" altLang="en-US"/>
           </a:p>
@@ -7778,7 +7594,7 @@
 </p:notes>
 </file>
 
-<file path=ppt/notesSlides/notesSlide48.xml><?xml version="1.0" encoding="utf-8"?>
+<file path=ppt/notesSlides/notesSlide47.xml><?xml version="1.0" encoding="utf-8"?>
 <p:notes xmlns:a="http://schemas.openxmlformats.org/drawingml/2006/main" xmlns:r="http://schemas.openxmlformats.org/officeDocument/2006/relationships" xmlns:p="http://schemas.openxmlformats.org/presentationml/2006/main">
   <p:cSld>
     <p:bg>
@@ -7822,7 +7638,7 @@
           <a:p>
             <a:fld id="{0E78A471-D789-41F3-8A64-F8CE717DD838}" type="slidenum">
               <a:rPr lang="en-GB"/>
-              <a:t>48</a:t>
+              <a:t>47</a:t>
             </a:fld>
             <a:endParaRPr lang="en-GB"/>
           </a:p>
@@ -7896,44 +7712,12 @@
             </a:pPr>
             <a:r>
               <a:rPr lang="en-US" dirty="0" smtClean="0"/>
-              <a:t>Fig7</a:t>
+              <a:t>Fig6</a:t>
             </a:r>
             <a:r>
               <a:rPr dirty="0"/>
               <a:t>
-Contributions of object‐associated task difficulty and sex to the hemispheric bias in %BOLD signal change. (A) Hemispheric bias in normalized %BOLD signal change in each event period. (B) Hemispheric bias in normalized %BOLD signal change for each event period, shown separately for the objects with which performance levels were either high (Hi, </a:t>
-            </a:r>
-            <a:r>
-              <a:rPr i="1" dirty="0"/>
-              <a:t>n</a:t>
-            </a:r>
-            <a:r>
-              <a:rPr dirty="0"/>
-              <a:t> = 19) or low (Lo, </a:t>
-            </a:r>
-            <a:r>
-              <a:rPr i="1" dirty="0"/>
-              <a:t>n</a:t>
-            </a:r>
-            <a:r>
-              <a:rPr dirty="0"/>
-              <a:t> = 21). (C) Hemispheric bias in normalized % BOLD signal change for each event period, drawn separately for female (F, </a:t>
-            </a:r>
-            <a:r>
-              <a:rPr i="1" dirty="0"/>
-              <a:t>n</a:t>
-            </a:r>
-            <a:r>
-              <a:rPr dirty="0"/>
-              <a:t> = 5) and male (M, </a:t>
-            </a:r>
-            <a:r>
-              <a:rPr i="1" dirty="0"/>
-              <a:t>n</a:t>
-            </a:r>
-            <a:r>
-              <a:rPr dirty="0"/>
-              <a:t> = 11) subjects. OCP: object‐cueing period, OPRP: object‐cued place recognition period, SMP: spatial memory period. Mean ± S.E.M. **</a:t>
+BOLD activity during object‐cueing period, object‐cued place recognition period, and spatial memory period. (A, C, E) A sagittal (left) and a coronal (right) section showing the peak hippocampal activity for each event period (</a:t>
             </a:r>
             <a:r>
               <a:rPr i="1" dirty="0"/>
@@ -7941,7 +7725,15 @@
             </a:r>
             <a:r>
               <a:rPr dirty="0"/>
-              <a:t> &lt; 0.01, ***</a:t>
+              <a:t> &lt; 0.05, FWE‐corrected, one‐sample </a:t>
+            </a:r>
+            <a:r>
+              <a:rPr i="1" dirty="0"/>
+              <a:t>t</a:t>
+            </a:r>
+            <a:r>
+              <a:rPr dirty="0"/>
+              <a:t> test). MNI coordinates are shown above the corresponding sections. In each row, the scale bar shows the range of the t‐statistics from GLM analysis for each event period with red color representing higher response. OCP: Object‐cueing period, OPRP: Object‐cued place recognition period, SMP: Spatial memory period. Mean ± S.E.M. *</a:t>
             </a:r>
             <a:r>
               <a:rPr i="1" dirty="0"/>
@@ -7949,7 +7741,23 @@
             </a:r>
             <a:r>
               <a:rPr dirty="0"/>
-              <a:t> &lt; 0.001. [Color figure can be viewed in the online issue, which is available at wileyonlinelibrary.com.]</a:t>
+              <a:t> &lt; 0.05, **</a:t>
+            </a:r>
+            <a:r>
+              <a:rPr i="1" dirty="0"/>
+              <a:t>P</a:t>
+            </a:r>
+            <a:r>
+              <a:rPr dirty="0"/>
+              <a:t> &lt; 0.01, ***</a:t>
+            </a:r>
+            <a:r>
+              <a:rPr i="1" dirty="0"/>
+              <a:t>P</a:t>
+            </a:r>
+            <a:r>
+              <a:rPr dirty="0"/>
+              <a:t> &lt; 0.001. (A) Object‐cueing period (OCP): A subset of voxels in the left hippocampus showing significant activity during the object‐cueing period (highlighted with a dotted circle), compared to the control. (B) Mean coefficient contrasts of the OCP‐responsive voxels in the left hippocampus across three different periods. (C) Object‐cued place recognition period (OPRP): A subset of voxels in the right hippocampus (highlighted with dotted circles) showing significant BOLD activity during the OPRP. (D) Mean coefficient contrasts of the OPRP‐response voxels in the right hippocampus across three different event periods. (E) Spatial memory period (SMP): During the spatial memory period, the right hippocampus (highlighted with a dotted circle) showed significant BOLD activity compared to the control condition. (F) Average coefficient contrasts of the SMP‐responsive voxels in the right hippocampus across three different event periods. [Color figure can be viewed in the online issue, which is available at wileyonlinelibrary.com.]</a:t>
             </a:r>
           </a:p>
           <a:p>
@@ -7965,6 +7773,97 @@
         </p:txBody>
       </p:sp>
     </p:spTree>
+  </p:cSld>
+  <p:clrMapOvr>
+    <a:masterClrMapping/>
+  </p:clrMapOvr>
+</p:notes>
+</file>
+
+<file path=ppt/notesSlides/notesSlide48.xml><?xml version="1.0" encoding="utf-8"?>
+<p:notes xmlns:a="http://schemas.openxmlformats.org/drawingml/2006/main" xmlns:r="http://schemas.openxmlformats.org/officeDocument/2006/relationships" xmlns:p="http://schemas.openxmlformats.org/presentationml/2006/main">
+  <p:cSld>
+    <p:spTree>
+      <p:nvGrpSpPr>
+        <p:cNvPr id="1" name=""/>
+        <p:cNvGrpSpPr/>
+        <p:nvPr/>
+      </p:nvGrpSpPr>
+      <p:grpSpPr>
+        <a:xfrm>
+          <a:off x="0" y="0"/>
+          <a:ext cx="0" cy="0"/>
+          <a:chOff x="0" y="0"/>
+          <a:chExt cx="0" cy="0"/>
+        </a:xfrm>
+      </p:grpSpPr>
+      <p:sp>
+        <p:nvSpPr>
+          <p:cNvPr id="2" name="幻灯片图像占位符 1"/>
+          <p:cNvSpPr>
+            <a:spLocks noGrp="1" noRot="1" noChangeAspect="1"/>
+          </p:cNvSpPr>
+          <p:nvPr>
+            <p:ph type="sldImg"/>
+          </p:nvPr>
+        </p:nvSpPr>
+        <p:spPr/>
+      </p:sp>
+      <p:sp>
+        <p:nvSpPr>
+          <p:cNvPr id="3" name="备注占位符 2"/>
+          <p:cNvSpPr>
+            <a:spLocks noGrp="1"/>
+          </p:cNvSpPr>
+          <p:nvPr>
+            <p:ph type="body" idx="1"/>
+          </p:nvPr>
+        </p:nvSpPr>
+        <p:spPr/>
+        <p:txBody>
+          <a:bodyPr/>
+          <a:lstStyle/>
+          <a:p>
+            <a:pPr marL="457200" lvl="1" indent="0">
+              <a:lnSpc>
+                <a:spcPct val="150000"/>
+              </a:lnSpc>
+              <a:buFont typeface="Arial" panose="020B0604020202020204" pitchFamily="34" charset="0"/>
+              <a:buNone/>
+            </a:pPr>
+            <a:endParaRPr lang="en-US" altLang="zh-CN" sz="2800" dirty="0"/>
+          </a:p>
+        </p:txBody>
+      </p:sp>
+      <p:sp>
+        <p:nvSpPr>
+          <p:cNvPr id="4" name="灯片编号占位符 3"/>
+          <p:cNvSpPr>
+            <a:spLocks noGrp="1"/>
+          </p:cNvSpPr>
+          <p:nvPr>
+            <p:ph type="sldNum" sz="quarter" idx="10"/>
+          </p:nvPr>
+        </p:nvSpPr>
+        <p:spPr/>
+        <p:txBody>
+          <a:bodyPr/>
+          <a:lstStyle/>
+          <a:p>
+            <a:fld id="{DD202784-B46A-4EF4-B218-4316F9133D14}" type="slidenum">
+              <a:rPr lang="zh-CN" altLang="en-US" smtClean="0"/>
+              <a:t>48</a:t>
+            </a:fld>
+            <a:endParaRPr lang="zh-CN" altLang="en-US"/>
+          </a:p>
+        </p:txBody>
+      </p:sp>
+    </p:spTree>
+    <p:extLst>
+      <p:ext uri="{BB962C8B-B14F-4D97-AF65-F5344CB8AC3E}">
+        <p14:creationId xmlns:p14="http://schemas.microsoft.com/office/powerpoint/2010/main" val="3763311556"/>
+      </p:ext>
+    </p:extLst>
   </p:cSld>
   <p:clrMapOvr>
     <a:masterClrMapping/>
@@ -8090,36 +7989,60 @@
             </a:pPr>
             <a:r>
               <a:rPr lang="en-US" dirty="0" smtClean="0"/>
-              <a:t>Fig3</a:t>
+              <a:t>Fig7</a:t>
             </a:r>
             <a:r>
               <a:rPr dirty="0"/>
               <a:t>
-Task performance. (A) Cumulative choices for target buildings (</a:t>
-            </a:r>
-            <a:r>
-              <a:rPr dirty="0" err="1"/>
-              <a:t>Tgt</a:t>
+Contributions of object‐associated task difficulty and sex to the hemispheric bias in %BOLD signal change. (A) Hemispheric bias in normalized %BOLD signal change in each event period. (B) Hemispheric bias in normalized %BOLD signal change for each event period, shown separately for the objects with which performance levels were either high (Hi, </a:t>
+            </a:r>
+            <a:r>
+              <a:rPr i="1" dirty="0"/>
+              <a:t>n</a:t>
             </a:r>
             <a:r>
               <a:rPr dirty="0"/>
-              <a:t>) in the object‐cued place recognition period (all targets aligned to 0°). The vector arrow indicates the strength of the target response. (B–C) Distributions of response accuracies in the object‐cued place recognition period (OPRP) (B) and the spatial memory period (SMP) (C) for individual subjects. Dashed lines denote chance level (25%). For each period, results of one‐sample </a:t>
+              <a:t> = 19) or low (Lo, </a:t>
             </a:r>
             <a:r>
               <a:rPr i="1" dirty="0"/>
-              <a:t>t</a:t>
+              <a:t>n</a:t>
             </a:r>
             <a:r>
               <a:rPr dirty="0"/>
-              <a:t> tests for comparing average retrieval accuracy during the experimental condition (top) and paired </a:t>
+              <a:t> = 21). (C) Hemispheric bias in normalized % BOLD signal change for each event period, drawn separately for female (F, </a:t>
             </a:r>
             <a:r>
               <a:rPr i="1" dirty="0"/>
-              <a:t>t</a:t>
+              <a:t>n</a:t>
             </a:r>
             <a:r>
               <a:rPr dirty="0"/>
-              <a:t> test for comparing average retrieval accuracies between experimental and control conditions (bottom) are shown.</a:t>
+              <a:t> = 5) and male (M, </a:t>
+            </a:r>
+            <a:r>
+              <a:rPr i="1" dirty="0"/>
+              <a:t>n</a:t>
+            </a:r>
+            <a:r>
+              <a:rPr dirty="0"/>
+              <a:t> = 11) subjects. OCP: object‐cueing period, OPRP: object‐cued place recognition period, SMP: spatial memory period. Mean ± S.E.M. **</a:t>
+            </a:r>
+            <a:r>
+              <a:rPr i="1" dirty="0"/>
+              <a:t>P</a:t>
+            </a:r>
+            <a:r>
+              <a:rPr dirty="0"/>
+              <a:t> &lt; 0.01, ***</a:t>
+            </a:r>
+            <a:r>
+              <a:rPr i="1" dirty="0"/>
+              <a:t>P</a:t>
+            </a:r>
+            <a:r>
+              <a:rPr dirty="0"/>
+              <a:t> &lt; 0.001. [Color figure can be viewed in the online issue, which is available at wileyonlinelibrary.com.]</a:t>
             </a:r>
           </a:p>
           <a:p>
@@ -8229,6 +8152,14 @@
 <file path=ppt/notesSlides/notesSlide50.xml><?xml version="1.0" encoding="utf-8"?>
 <p:notes xmlns:a="http://schemas.openxmlformats.org/drawingml/2006/main" xmlns:r="http://schemas.openxmlformats.org/officeDocument/2006/relationships" xmlns:p="http://schemas.openxmlformats.org/presentationml/2006/main">
   <p:cSld>
+    <p:bg>
+      <p:bgPr>
+        <a:solidFill>
+          <a:srgbClr val="FFFFFF"/>
+        </a:solidFill>
+        <a:effectLst/>
+      </p:bgPr>
+    </p:bg>
     <p:spTree>
       <p:nvGrpSpPr>
         <p:cNvPr id="1" name=""/>
@@ -8245,6 +8176,168 @@
       </p:grpSpPr>
       <p:sp>
         <p:nvSpPr>
+          <p:cNvPr id="4098" name="Rectangle 6"/>
+          <p:cNvSpPr>
+            <a:spLocks noGrp="1" noChangeArrowheads="1"/>
+          </p:cNvSpPr>
+          <p:nvPr>
+            <p:ph type="sldNum" sz="quarter"/>
+          </p:nvPr>
+        </p:nvSpPr>
+        <p:spPr>
+          <a:noFill/>
+        </p:spPr>
+        <p:txBody>
+          <a:bodyPr/>
+          <a:lstStyle/>
+          <a:p>
+            <a:fld id="{0E78A471-D789-41F3-8A64-F8CE717DD838}" type="slidenum">
+              <a:rPr lang="en-GB"/>
+              <a:t>50</a:t>
+            </a:fld>
+            <a:endParaRPr lang="en-GB"/>
+          </a:p>
+        </p:txBody>
+      </p:sp>
+      <p:sp>
+        <p:nvSpPr>
+          <p:cNvPr id="4099" name="Rectangle 1"/>
+          <p:cNvSpPr txBox="1">
+            <a:spLocks noGrp="1" noRot="1" noChangeAspect="1" noChangeArrowheads="1" noTextEdit="1"/>
+          </p:cNvSpPr>
+          <p:nvPr>
+            <p:ph type="sldImg"/>
+          </p:nvPr>
+        </p:nvSpPr>
+        <p:spPr>
+          <a:xfrm>
+            <a:off x="382588" y="695325"/>
+            <a:ext cx="6091237" cy="3427413"/>
+          </a:xfrm>
+          <a:solidFill>
+            <a:srgbClr val="FFFFFF"/>
+          </a:solidFill>
+          <a:ln>
+            <a:solidFill>
+              <a:srgbClr val="000000"/>
+            </a:solidFill>
+            <a:miter lim="800000"/>
+          </a:ln>
+        </p:spPr>
+      </p:sp>
+      <p:sp>
+        <p:nvSpPr>
+          <p:cNvPr id="4100" name="Text Box 2"/>
+          <p:cNvSpPr txBox="1">
+            <a:spLocks noGrp="1" noChangeArrowheads="1"/>
+          </p:cNvSpPr>
+          <p:nvPr>
+            <p:ph type="body" idx="1"/>
+          </p:nvPr>
+        </p:nvSpPr>
+        <p:spPr>
+          <a:xfrm>
+            <a:off x="685512" y="4343230"/>
+            <a:ext cx="5486976" cy="4115139"/>
+          </a:xfrm>
+          <a:noFill/>
+          <a:ln/>
+        </p:spPr>
+        <p:txBody>
+          <a:bodyPr tIns="9279"/>
+          <a:lstStyle/>
+          <a:p>
+            <a:pPr algn="just">
+              <a:lnSpc>
+                <a:spcPct val="93000"/>
+              </a:lnSpc>
+              <a:spcBef>
+                <a:spcPct val="0"/>
+              </a:spcBef>
+              <a:tabLst>
+                <a:tab pos="634643" algn="l"/>
+                <a:tab pos="1269286" algn="l"/>
+                <a:tab pos="1903929" algn="l"/>
+                <a:tab pos="2538573" algn="l"/>
+                <a:tab pos="3173216" algn="l"/>
+                <a:tab pos="3807859" algn="l"/>
+                <a:tab pos="4442502" algn="l"/>
+                <a:tab pos="5077145" algn="l"/>
+              </a:tabLst>
+            </a:pPr>
+            <a:r>
+              <a:rPr lang="en-US" dirty="0" smtClean="0"/>
+              <a:t>Fig3</a:t>
+            </a:r>
+            <a:r>
+              <a:rPr dirty="0"/>
+              <a:t>
+Task performance. (A) Cumulative choices for target buildings (</a:t>
+            </a:r>
+            <a:r>
+              <a:rPr dirty="0" err="1"/>
+              <a:t>Tgt</a:t>
+            </a:r>
+            <a:r>
+              <a:rPr dirty="0"/>
+              <a:t>) in the object‐cued place recognition period (all targets aligned to 0°). The vector arrow indicates the strength of the target response. (B–C) Distributions of response accuracies in the object‐cued place recognition period (OPRP) (B) and the spatial memory period (SMP) (C) for individual subjects. Dashed lines denote chance level (25%). For each period, results of one‐sample </a:t>
+            </a:r>
+            <a:r>
+              <a:rPr i="1" dirty="0"/>
+              <a:t>t</a:t>
+            </a:r>
+            <a:r>
+              <a:rPr dirty="0"/>
+              <a:t> tests for comparing average retrieval accuracy during the experimental condition (top) and paired </a:t>
+            </a:r>
+            <a:r>
+              <a:rPr i="1" dirty="0"/>
+              <a:t>t</a:t>
+            </a:r>
+            <a:r>
+              <a:rPr dirty="0"/>
+              <a:t> test for comparing average retrieval accuracies between experimental and control conditions (bottom) are shown.</a:t>
+            </a:r>
+          </a:p>
+          <a:p>
+            <a:endParaRPr dirty="0"/>
+          </a:p>
+          <a:p>
+            <a:r>
+              <a:rPr lang="en-GB" dirty="0"/>
+              <a:t>IF THIS IMAGE HAS BEEN PROVIDED BY OR IS OWNED BY A THIRD PARTY, AS INDICATED IN THE CAPTION LINE, THEN FURTHER PERMISSION MAY BE NEEDED BEFORE ANY FURTHER USE. PLEASE CONTACT WILEY'S PERMISSIONS DEPARTMENT ON PERMISSIONS@WILEY.COM OR USE THE RIGHTSLINK SERVICE BY CLICKING ON THE 'REQUEST PERMISSIONS' LINK ACCOMPANYING THIS ARTICLE. WILEY OR AUTHOR OWNED IMAGES MAY BE USED FOR NON-COMMERCIAL PURPOSES, SUBJECT TO PROPER CITATION OF THE ARTICLE, AUTHOR, AND PUBLISHER.</a:t>
+            </a:r>
+            <a:endParaRPr dirty="0"/>
+          </a:p>
+        </p:txBody>
+      </p:sp>
+    </p:spTree>
+  </p:cSld>
+  <p:clrMapOvr>
+    <a:masterClrMapping/>
+  </p:clrMapOvr>
+</p:notes>
+</file>
+
+<file path=ppt/notesSlides/notesSlide51.xml><?xml version="1.0" encoding="utf-8"?>
+<p:notes xmlns:a="http://schemas.openxmlformats.org/drawingml/2006/main" xmlns:r="http://schemas.openxmlformats.org/officeDocument/2006/relationships" xmlns:p="http://schemas.openxmlformats.org/presentationml/2006/main">
+  <p:cSld>
+    <p:spTree>
+      <p:nvGrpSpPr>
+        <p:cNvPr id="1" name=""/>
+        <p:cNvGrpSpPr/>
+        <p:nvPr/>
+      </p:nvGrpSpPr>
+      <p:grpSpPr>
+        <a:xfrm>
+          <a:off x="0" y="0"/>
+          <a:ext cx="0" cy="0"/>
+          <a:chOff x="0" y="0"/>
+          <a:chExt cx="0" cy="0"/>
+        </a:xfrm>
+      </p:grpSpPr>
+      <p:sp>
+        <p:nvSpPr>
           <p:cNvPr id="2" name="幻灯片图像占位符 1"/>
           <p:cNvSpPr>
             <a:spLocks noGrp="1" noRot="1" noChangeAspect="1"/>
@@ -8298,7 +8391,7 @@
           <a:p>
             <a:fld id="{DD202784-B46A-4EF4-B218-4316F9133D14}" type="slidenum">
               <a:rPr lang="zh-CN" altLang="en-US" smtClean="0"/>
-              <a:t>50</a:t>
+              <a:t>51</a:t>
             </a:fld>
             <a:endParaRPr lang="zh-CN" altLang="en-US"/>
           </a:p>
@@ -8317,7 +8410,7 @@
 </p:notes>
 </file>
 
-<file path=ppt/notesSlides/notesSlide51.xml><?xml version="1.0" encoding="utf-8"?>
+<file path=ppt/notesSlides/notesSlide52.xml><?xml version="1.0" encoding="utf-8"?>
 <p:notes xmlns:a="http://schemas.openxmlformats.org/drawingml/2006/main" xmlns:r="http://schemas.openxmlformats.org/officeDocument/2006/relationships" xmlns:p="http://schemas.openxmlformats.org/presentationml/2006/main">
   <p:cSld>
     <p:bg>
@@ -8361,7 +8454,7 @@
           <a:p>
             <a:fld id="{0E78A471-D789-41F3-8A64-F8CE717DD838}" type="slidenum">
               <a:rPr lang="en-GB"/>
-              <a:t>51</a:t>
+              <a:t>52</a:t>
             </a:fld>
             <a:endParaRPr lang="en-GB"/>
           </a:p>
@@ -8471,7 +8564,7 @@
 </p:notes>
 </file>
 
-<file path=ppt/notesSlides/notesSlide52.xml><?xml version="1.0" encoding="utf-8"?>
+<file path=ppt/notesSlides/notesSlide53.xml><?xml version="1.0" encoding="utf-8"?>
 <p:notes xmlns:a="http://schemas.openxmlformats.org/drawingml/2006/main" xmlns:r="http://schemas.openxmlformats.org/officeDocument/2006/relationships" xmlns:p="http://schemas.openxmlformats.org/presentationml/2006/main">
   <p:cSld>
     <p:spTree>
@@ -8543,7 +8636,7 @@
           <a:p>
             <a:fld id="{DD202784-B46A-4EF4-B218-4316F9133D14}" type="slidenum">
               <a:rPr lang="zh-CN" altLang="en-US" smtClean="0"/>
-              <a:t>52</a:t>
+              <a:t>53</a:t>
             </a:fld>
             <a:endParaRPr lang="zh-CN" altLang="en-US"/>
           </a:p>
@@ -8562,7 +8655,7 @@
 </p:notes>
 </file>
 
-<file path=ppt/notesSlides/notesSlide53.xml><?xml version="1.0" encoding="utf-8"?>
+<file path=ppt/notesSlides/notesSlide54.xml><?xml version="1.0" encoding="utf-8"?>
 <p:notes xmlns:a="http://schemas.openxmlformats.org/drawingml/2006/main" xmlns:r="http://schemas.openxmlformats.org/officeDocument/2006/relationships" xmlns:p="http://schemas.openxmlformats.org/presentationml/2006/main">
   <p:cSld>
     <p:bg>
@@ -8606,7 +8699,7 @@
           <a:p>
             <a:fld id="{0E78A471-D789-41F3-8A64-F8CE717DD838}" type="slidenum">
               <a:rPr lang="en-GB"/>
-              <a:t>53</a:t>
+              <a:t>54</a:t>
             </a:fld>
             <a:endParaRPr lang="en-GB"/>
           </a:p>
@@ -8781,6 +8874,97 @@
         </p:txBody>
       </p:sp>
     </p:spTree>
+  </p:cSld>
+  <p:clrMapOvr>
+    <a:masterClrMapping/>
+  </p:clrMapOvr>
+</p:notes>
+</file>
+
+<file path=ppt/notesSlides/notesSlide55.xml><?xml version="1.0" encoding="utf-8"?>
+<p:notes xmlns:a="http://schemas.openxmlformats.org/drawingml/2006/main" xmlns:r="http://schemas.openxmlformats.org/officeDocument/2006/relationships" xmlns:p="http://schemas.openxmlformats.org/presentationml/2006/main">
+  <p:cSld>
+    <p:spTree>
+      <p:nvGrpSpPr>
+        <p:cNvPr id="1" name=""/>
+        <p:cNvGrpSpPr/>
+        <p:nvPr/>
+      </p:nvGrpSpPr>
+      <p:grpSpPr>
+        <a:xfrm>
+          <a:off x="0" y="0"/>
+          <a:ext cx="0" cy="0"/>
+          <a:chOff x="0" y="0"/>
+          <a:chExt cx="0" cy="0"/>
+        </a:xfrm>
+      </p:grpSpPr>
+      <p:sp>
+        <p:nvSpPr>
+          <p:cNvPr id="2" name="幻灯片图像占位符 1"/>
+          <p:cNvSpPr>
+            <a:spLocks noGrp="1" noRot="1" noChangeAspect="1"/>
+          </p:cNvSpPr>
+          <p:nvPr>
+            <p:ph type="sldImg"/>
+          </p:nvPr>
+        </p:nvSpPr>
+        <p:spPr/>
+      </p:sp>
+      <p:sp>
+        <p:nvSpPr>
+          <p:cNvPr id="3" name="备注占位符 2"/>
+          <p:cNvSpPr>
+            <a:spLocks noGrp="1"/>
+          </p:cNvSpPr>
+          <p:nvPr>
+            <p:ph type="body" idx="1"/>
+          </p:nvPr>
+        </p:nvSpPr>
+        <p:spPr/>
+        <p:txBody>
+          <a:bodyPr/>
+          <a:lstStyle/>
+          <a:p>
+            <a:pPr marL="457200" lvl="1" indent="0">
+              <a:lnSpc>
+                <a:spcPct val="150000"/>
+              </a:lnSpc>
+              <a:buFont typeface="Arial" panose="020B0604020202020204" pitchFamily="34" charset="0"/>
+              <a:buNone/>
+            </a:pPr>
+            <a:endParaRPr lang="en-US" altLang="zh-CN" sz="2800" dirty="0"/>
+          </a:p>
+        </p:txBody>
+      </p:sp>
+      <p:sp>
+        <p:nvSpPr>
+          <p:cNvPr id="4" name="灯片编号占位符 3"/>
+          <p:cNvSpPr>
+            <a:spLocks noGrp="1"/>
+          </p:cNvSpPr>
+          <p:nvPr>
+            <p:ph type="sldNum" sz="quarter" idx="10"/>
+          </p:nvPr>
+        </p:nvSpPr>
+        <p:spPr/>
+        <p:txBody>
+          <a:bodyPr/>
+          <a:lstStyle/>
+          <a:p>
+            <a:fld id="{DD202784-B46A-4EF4-B218-4316F9133D14}" type="slidenum">
+              <a:rPr lang="zh-CN" altLang="en-US" smtClean="0"/>
+              <a:t>55</a:t>
+            </a:fld>
+            <a:endParaRPr lang="zh-CN" altLang="en-US"/>
+          </a:p>
+        </p:txBody>
+      </p:sp>
+    </p:spTree>
+    <p:extLst>
+      <p:ext uri="{BB962C8B-B14F-4D97-AF65-F5344CB8AC3E}">
+        <p14:creationId xmlns:p14="http://schemas.microsoft.com/office/powerpoint/2010/main" val="3763311556"/>
+      </p:ext>
+    </p:extLst>
   </p:cSld>
   <p:clrMapOvr>
     <a:masterClrMapping/>
@@ -20058,286 +20242,25 @@
       </p:grpSpPr>
       <p:sp>
         <p:nvSpPr>
-          <p:cNvPr id="5" name="文本框 4"/>
-          <p:cNvSpPr txBox="1"/>
+          <p:cNvPr id="29" name="矩形 28"/>
+          <p:cNvSpPr/>
           <p:nvPr/>
         </p:nvSpPr>
         <p:spPr>
           <a:xfrm>
-            <a:off x="5445728" y="1707631"/>
-            <a:ext cx="1704313" cy="1569660"/>
+            <a:off x="5918899" y="0"/>
+            <a:ext cx="6260123" cy="6858000"/>
           </a:xfrm>
           <a:prstGeom prst="rect">
             <a:avLst/>
           </a:prstGeom>
-          <a:noFill/>
-        </p:spPr>
-        <p:txBody>
-          <a:bodyPr wrap="none" rtlCol="0">
-            <a:spAutoFit/>
-          </a:bodyPr>
-          <a:lstStyle/>
-          <a:p>
-            <a:r>
-              <a:rPr lang="en-US" altLang="zh-CN" sz="9600" b="1" dirty="0" smtClean="0">
-                <a:solidFill>
-                  <a:schemeClr val="accent2">
-                    <a:lumMod val="75000"/>
-                  </a:schemeClr>
-                </a:solidFill>
-                <a:latin typeface="微软雅黑" panose="020B0503020204020204" pitchFamily="34" charset="-122"/>
-                <a:ea typeface="微软雅黑" panose="020B0503020204020204" pitchFamily="34" charset="-122"/>
-              </a:rPr>
-              <a:t>03</a:t>
-            </a:r>
-            <a:endParaRPr lang="zh-CN" altLang="en-US" sz="9600" b="1" dirty="0">
-              <a:solidFill>
-                <a:schemeClr val="accent2">
-                  <a:lumMod val="75000"/>
-                </a:schemeClr>
-              </a:solidFill>
-              <a:latin typeface="微软雅黑" panose="020B0503020204020204" pitchFamily="34" charset="-122"/>
-              <a:ea typeface="微软雅黑" panose="020B0503020204020204" pitchFamily="34" charset="-122"/>
-            </a:endParaRPr>
-          </a:p>
-        </p:txBody>
-      </p:sp>
-      <p:sp>
-        <p:nvSpPr>
-          <p:cNvPr id="6" name="文本框 5"/>
-          <p:cNvSpPr txBox="1"/>
-          <p:nvPr/>
-        </p:nvSpPr>
-        <p:spPr>
-          <a:xfrm>
-            <a:off x="5445728" y="3422822"/>
-            <a:ext cx="2872902" cy="769441"/>
-          </a:xfrm>
-          <a:prstGeom prst="rect">
-            <a:avLst/>
-          </a:prstGeom>
-          <a:noFill/>
-        </p:spPr>
-        <p:txBody>
-          <a:bodyPr wrap="none" rtlCol="0">
-            <a:spAutoFit/>
-          </a:bodyPr>
-          <a:lstStyle/>
-          <a:p>
-            <a:r>
-              <a:rPr lang="en-US" altLang="zh-CN" sz="4400" b="1" dirty="0" smtClean="0">
-                <a:solidFill>
-                  <a:srgbClr val="00ABB4"/>
-                </a:solidFill>
-                <a:latin typeface="微软雅黑" panose="020B0503020204020204" pitchFamily="34" charset="-122"/>
-                <a:ea typeface="微软雅黑" panose="020B0503020204020204" pitchFamily="34" charset="-122"/>
-              </a:rPr>
-              <a:t>Lee, 2016</a:t>
-            </a:r>
-            <a:endParaRPr lang="zh-CN" altLang="en-US" sz="4400" b="1" dirty="0">
-              <a:solidFill>
-                <a:srgbClr val="00ABB4"/>
-              </a:solidFill>
-              <a:latin typeface="微软雅黑" panose="020B0503020204020204" pitchFamily="34" charset="-122"/>
-              <a:ea typeface="微软雅黑" panose="020B0503020204020204" pitchFamily="34" charset="-122"/>
-            </a:endParaRPr>
-          </a:p>
-        </p:txBody>
-      </p:sp>
-      <p:sp>
-        <p:nvSpPr>
-          <p:cNvPr id="7" name="文本框 6"/>
-          <p:cNvSpPr txBox="1"/>
-          <p:nvPr/>
-        </p:nvSpPr>
-        <p:spPr>
-          <a:xfrm>
-            <a:off x="5445728" y="3003482"/>
-            <a:ext cx="1820307" cy="461665"/>
-          </a:xfrm>
-          <a:prstGeom prst="rect">
-            <a:avLst/>
-          </a:prstGeom>
-          <a:noFill/>
-        </p:spPr>
-        <p:txBody>
-          <a:bodyPr wrap="none" rtlCol="0">
-            <a:spAutoFit/>
-          </a:bodyPr>
-          <a:lstStyle/>
-          <a:p>
-            <a:r>
-              <a:rPr lang="en-US" altLang="zh-CN" sz="2400" dirty="0">
-                <a:solidFill>
-                  <a:schemeClr val="bg1">
-                    <a:lumMod val="50000"/>
-                  </a:schemeClr>
-                </a:solidFill>
-                <a:latin typeface="微软雅黑" panose="020B0503020204020204" pitchFamily="34" charset="-122"/>
-                <a:ea typeface="微软雅黑" panose="020B0503020204020204" pitchFamily="34" charset="-122"/>
-              </a:rPr>
-              <a:t>Part </a:t>
-            </a:r>
-            <a:r>
-              <a:rPr lang="en-US" altLang="zh-CN" sz="2400" dirty="0" smtClean="0">
-                <a:solidFill>
-                  <a:schemeClr val="bg1">
-                    <a:lumMod val="50000"/>
-                  </a:schemeClr>
-                </a:solidFill>
-                <a:latin typeface="微软雅黑" panose="020B0503020204020204" pitchFamily="34" charset="-122"/>
-                <a:ea typeface="微软雅黑" panose="020B0503020204020204" pitchFamily="34" charset="-122"/>
-              </a:rPr>
-              <a:t>THREE</a:t>
-            </a:r>
-            <a:endParaRPr lang="zh-CN" altLang="en-US" sz="2400" dirty="0">
-              <a:solidFill>
-                <a:schemeClr val="bg1">
-                  <a:lumMod val="50000"/>
-                </a:schemeClr>
-              </a:solidFill>
-              <a:latin typeface="微软雅黑" panose="020B0503020204020204" pitchFamily="34" charset="-122"/>
-              <a:ea typeface="微软雅黑" panose="020B0503020204020204" pitchFamily="34" charset="-122"/>
-            </a:endParaRPr>
-          </a:p>
-        </p:txBody>
-      </p:sp>
-      <p:sp>
-        <p:nvSpPr>
-          <p:cNvPr id="8" name="文本框 7"/>
-          <p:cNvSpPr txBox="1"/>
-          <p:nvPr/>
-        </p:nvSpPr>
-        <p:spPr>
-          <a:xfrm>
-            <a:off x="12936632" y="4355748"/>
-            <a:ext cx="6894418" cy="1200329"/>
-          </a:xfrm>
-          <a:prstGeom prst="rect">
-            <a:avLst/>
-          </a:prstGeom>
-          <a:noFill/>
-        </p:spPr>
-        <p:txBody>
-          <a:bodyPr wrap="square" rtlCol="0">
-            <a:spAutoFit/>
-          </a:bodyPr>
-          <a:lstStyle/>
-          <a:p>
-            <a:pPr marL="285750" indent="-285750">
-              <a:buFont typeface="Arial" panose="020B0604020202020204" pitchFamily="34" charset="0"/>
-              <a:buChar char="•"/>
-            </a:pPr>
-            <a:r>
-              <a:rPr lang="en-US" altLang="zh-CN" dirty="0" smtClean="0">
-                <a:solidFill>
-                  <a:schemeClr val="accent2"/>
-                </a:solidFill>
-                <a:ea typeface="Roboto Cn" pitchFamily="2" charset="0"/>
-                <a:cs typeface="Arial" panose="020B0604020202020204" pitchFamily="34" charset="0"/>
-              </a:rPr>
-              <a:t>Identify brain regions  scopolamine induce   intensity changes</a:t>
-            </a:r>
-            <a:endParaRPr lang="en-US" altLang="zh-CN" dirty="0">
-              <a:solidFill>
-                <a:schemeClr val="accent2"/>
-              </a:solidFill>
-              <a:ea typeface="Roboto Cn" pitchFamily="2" charset="0"/>
-              <a:cs typeface="Arial" panose="020B0604020202020204" pitchFamily="34" charset="0"/>
-            </a:endParaRPr>
-          </a:p>
-          <a:p>
-            <a:pPr marL="285750" indent="-285750">
-              <a:buFont typeface="Arial" panose="020B0604020202020204" pitchFamily="34" charset="0"/>
-              <a:buChar char="•"/>
-            </a:pPr>
-            <a:r>
-              <a:rPr lang="en-US" altLang="zh-CN" dirty="0" smtClean="0">
-                <a:solidFill>
-                  <a:schemeClr val="bg1">
-                    <a:lumMod val="50000"/>
-                  </a:schemeClr>
-                </a:solidFill>
-                <a:ea typeface="Roboto Cn" pitchFamily="2" charset="0"/>
-                <a:cs typeface="Arial" panose="020B0604020202020204" pitchFamily="34" charset="0"/>
-              </a:rPr>
-              <a:t>Evaluate the effects of scopolamine on FC </a:t>
-            </a:r>
-            <a:endParaRPr lang="en-US" altLang="zh-CN" dirty="0">
-              <a:solidFill>
-                <a:schemeClr val="bg1">
-                  <a:lumMod val="50000"/>
-                </a:schemeClr>
-              </a:solidFill>
-              <a:ea typeface="Roboto Cn" pitchFamily="2" charset="0"/>
-              <a:cs typeface="Arial" panose="020B0604020202020204" pitchFamily="34" charset="0"/>
-            </a:endParaRPr>
-          </a:p>
-          <a:p>
-            <a:pPr marL="285750" indent="-285750">
-              <a:buFont typeface="Arial" panose="020B0604020202020204" pitchFamily="34" charset="0"/>
-              <a:buChar char="•"/>
-            </a:pPr>
-            <a:r>
-              <a:rPr lang="en-US" altLang="zh-CN" dirty="0" smtClean="0">
-                <a:solidFill>
-                  <a:schemeClr val="bg1">
-                    <a:lumMod val="50000"/>
-                  </a:schemeClr>
-                </a:solidFill>
-                <a:ea typeface="Roboto Cn" pitchFamily="2" charset="0"/>
-                <a:cs typeface="Arial" panose="020B0604020202020204" pitchFamily="34" charset="0"/>
-              </a:rPr>
-              <a:t>Whether scopolamine-induced memory effect could be </a:t>
-            </a:r>
-          </a:p>
-          <a:p>
-            <a:r>
-              <a:rPr lang="en-US" altLang="zh-CN" dirty="0">
-                <a:solidFill>
-                  <a:schemeClr val="bg1">
-                    <a:lumMod val="50000"/>
-                  </a:schemeClr>
-                </a:solidFill>
-                <a:ea typeface="Roboto Cn" pitchFamily="2" charset="0"/>
-                <a:cs typeface="Arial" panose="020B0604020202020204" pitchFamily="34" charset="0"/>
-              </a:rPr>
-              <a:t> </a:t>
-            </a:r>
-            <a:r>
-              <a:rPr lang="en-US" altLang="zh-CN" dirty="0" smtClean="0">
-                <a:solidFill>
-                  <a:schemeClr val="bg1">
-                    <a:lumMod val="50000"/>
-                  </a:schemeClr>
-                </a:solidFill>
-                <a:ea typeface="Roboto Cn" pitchFamily="2" charset="0"/>
-                <a:cs typeface="Arial" panose="020B0604020202020204" pitchFamily="34" charset="0"/>
-              </a:rPr>
-              <a:t>     reversed with milameline</a:t>
-            </a:r>
-          </a:p>
-        </p:txBody>
-      </p:sp>
-      <p:sp>
-        <p:nvSpPr>
-          <p:cNvPr id="3" name="矩形 2"/>
-          <p:cNvSpPr/>
-          <p:nvPr/>
-        </p:nvSpPr>
-        <p:spPr>
-          <a:xfrm>
-            <a:off x="5156200" y="1562100"/>
-            <a:ext cx="6426200" cy="3911600"/>
-          </a:xfrm>
-          <a:prstGeom prst="rect">
-            <a:avLst/>
-          </a:prstGeom>
-          <a:noFill/>
-          <a:ln w="127000">
-            <a:solidFill>
-              <a:srgbClr val="00ABB4"/>
-            </a:solidFill>
+          <a:solidFill>
+            <a:schemeClr val="bg1">
+              <a:lumMod val="95000"/>
+            </a:schemeClr>
+          </a:solidFill>
+          <a:ln>
+            <a:noFill/>
           </a:ln>
         </p:spPr>
         <p:style>
@@ -20361,14 +20284,176 @@
           <a:lstStyle/>
           <a:p>
             <a:pPr algn="ctr"/>
-            <a:endParaRPr lang="zh-CN" altLang="en-US"/>
+            <a:endParaRPr lang="zh-CN" altLang="en-US" dirty="0"/>
+          </a:p>
+        </p:txBody>
+      </p:sp>
+      <p:sp>
+        <p:nvSpPr>
+          <p:cNvPr id="31" name="Rectangle 96"/>
+          <p:cNvSpPr/>
+          <p:nvPr/>
+        </p:nvSpPr>
+        <p:spPr>
+          <a:xfrm>
+            <a:off x="209551" y="396776"/>
+            <a:ext cx="5709348" cy="2677656"/>
+          </a:xfrm>
+          <a:prstGeom prst="rect">
+            <a:avLst/>
+          </a:prstGeom>
+        </p:spPr>
+        <p:txBody>
+          <a:bodyPr wrap="square">
+            <a:spAutoFit/>
+          </a:bodyPr>
+          <a:lstStyle/>
+          <a:p>
+            <a:pPr>
+              <a:lnSpc>
+                <a:spcPct val="150000"/>
+              </a:lnSpc>
+            </a:pPr>
+            <a:endParaRPr lang="en-US" altLang="zh-CN" sz="2800" b="1" dirty="0" smtClean="0">
+              <a:ea typeface="Roboto Cn" pitchFamily="2" charset="0"/>
+              <a:cs typeface="Arial" panose="020B0604020202020204" pitchFamily="34" charset="0"/>
+            </a:endParaRPr>
+          </a:p>
+          <a:p>
+            <a:pPr marL="742950" lvl="1" indent="-285750">
+              <a:lnSpc>
+                <a:spcPct val="150000"/>
+              </a:lnSpc>
+              <a:buFont typeface="Arial" panose="020B0604020202020204" pitchFamily="34" charset="0"/>
+              <a:buChar char="•"/>
+            </a:pPr>
+            <a:endParaRPr lang="en-US" altLang="zh-CN" sz="2800" dirty="0" smtClean="0"/>
+          </a:p>
+          <a:p>
+            <a:pPr marL="742950" lvl="1" indent="-285750">
+              <a:lnSpc>
+                <a:spcPct val="150000"/>
+              </a:lnSpc>
+              <a:buFont typeface="Arial" panose="020B0604020202020204" pitchFamily="34" charset="0"/>
+              <a:buChar char="•"/>
+            </a:pPr>
+            <a:r>
+              <a:rPr lang="en-US" altLang="zh-CN" sz="2800" b="1" dirty="0" smtClean="0"/>
+              <a:t>Silencing</a:t>
+            </a:r>
+            <a:r>
+              <a:rPr lang="en-US" altLang="zh-CN" sz="2800" dirty="0"/>
+              <a:t/>
+            </a:r>
+            <a:br>
+              <a:rPr lang="en-US" altLang="zh-CN" sz="2800" dirty="0"/>
+            </a:br>
+            <a:endParaRPr lang="en-US" altLang="zh-CN" sz="2800" dirty="0"/>
+          </a:p>
+        </p:txBody>
+      </p:sp>
+      <p:sp>
+        <p:nvSpPr>
+          <p:cNvPr id="5" name="Rectangle 96"/>
+          <p:cNvSpPr/>
+          <p:nvPr/>
+        </p:nvSpPr>
+        <p:spPr>
+          <a:xfrm>
+            <a:off x="6194286" y="396776"/>
+            <a:ext cx="5709348" cy="2031325"/>
+          </a:xfrm>
+          <a:prstGeom prst="rect">
+            <a:avLst/>
+          </a:prstGeom>
+        </p:spPr>
+        <p:txBody>
+          <a:bodyPr wrap="square">
+            <a:spAutoFit/>
+          </a:bodyPr>
+          <a:lstStyle/>
+          <a:p>
+            <a:pPr marL="742950" lvl="1" indent="-285750">
+              <a:lnSpc>
+                <a:spcPct val="150000"/>
+              </a:lnSpc>
+              <a:buFont typeface="Arial" panose="020B0604020202020204" pitchFamily="34" charset="0"/>
+              <a:buChar char="•"/>
+            </a:pPr>
+            <a:endParaRPr lang="en-US" altLang="zh-CN" sz="2800" dirty="0" smtClean="0"/>
+          </a:p>
+          <a:p>
+            <a:pPr marL="285750" indent="-285750">
+              <a:lnSpc>
+                <a:spcPct val="150000"/>
+              </a:lnSpc>
+              <a:buFont typeface="Arial" panose="020B0604020202020204" pitchFamily="34" charset="0"/>
+              <a:buChar char="•"/>
+            </a:pPr>
+            <a:endParaRPr lang="en-US" altLang="zh-CN" sz="2800" b="1" dirty="0" smtClean="0"/>
+          </a:p>
+          <a:p>
+            <a:pPr marL="285750" indent="-285750">
+              <a:lnSpc>
+                <a:spcPct val="150000"/>
+              </a:lnSpc>
+              <a:buFont typeface="Arial" panose="020B0604020202020204" pitchFamily="34" charset="0"/>
+              <a:buChar char="•"/>
+            </a:pPr>
+            <a:r>
+              <a:rPr lang="en-US" altLang="zh-CN" sz="2800" b="1" dirty="0" smtClean="0"/>
+              <a:t>A</a:t>
+            </a:r>
+            <a:endParaRPr lang="en-US" altLang="zh-CN" sz="2800" b="1" dirty="0" smtClean="0"/>
+          </a:p>
+        </p:txBody>
+      </p:sp>
+      <p:sp>
+        <p:nvSpPr>
+          <p:cNvPr id="6" name="文本框 29"/>
+          <p:cNvSpPr txBox="1"/>
+          <p:nvPr/>
+        </p:nvSpPr>
+        <p:spPr>
+          <a:xfrm>
+            <a:off x="662539" y="294935"/>
+            <a:ext cx="5947811" cy="769441"/>
+          </a:xfrm>
+          <a:prstGeom prst="rect">
+            <a:avLst/>
+          </a:prstGeom>
+          <a:noFill/>
+        </p:spPr>
+        <p:txBody>
+          <a:bodyPr wrap="square" rtlCol="0">
+            <a:spAutoFit/>
+          </a:bodyPr>
+          <a:lstStyle/>
+          <a:p>
+            <a:r>
+              <a:rPr lang="en-US" altLang="zh-CN" sz="4400" b="1" dirty="0" smtClean="0">
+                <a:solidFill>
+                  <a:srgbClr val="00ABB4"/>
+                </a:solidFill>
+                <a:latin typeface="微软雅黑" panose="020B0503020204020204" pitchFamily="34" charset="-122"/>
+                <a:ea typeface="微软雅黑" panose="020B0503020204020204" pitchFamily="34" charset="-122"/>
+              </a:rPr>
+              <a:t>Discussion</a:t>
+            </a:r>
+            <a:endParaRPr lang="en-US" altLang="zh-CN" sz="4400" b="1" dirty="0" smtClean="0">
+              <a:solidFill>
+                <a:srgbClr val="00ABB4"/>
+              </a:solidFill>
+              <a:latin typeface="微软雅黑" panose="020B0503020204020204" pitchFamily="34" charset="-122"/>
+              <a:ea typeface="微软雅黑" panose="020B0503020204020204" pitchFamily="34" charset="-122"/>
+            </a:endParaRPr>
           </a:p>
         </p:txBody>
       </p:sp>
     </p:spTree>
     <p:extLst>
       <p:ext uri="{BB962C8B-B14F-4D97-AF65-F5344CB8AC3E}">
-        <p14:creationId xmlns:p14="http://schemas.microsoft.com/office/powerpoint/2010/main" val="619661100"/>
+        <p14:creationId xmlns:p14="http://schemas.microsoft.com/office/powerpoint/2010/main" val="3153910909"/>
       </p:ext>
     </p:extLst>
   </p:cSld>
@@ -20404,14 +20489,14 @@
       </p:grpSpPr>
       <p:sp>
         <p:nvSpPr>
-          <p:cNvPr id="3" name="文本框 2"/>
+          <p:cNvPr id="5" name="文本框 4"/>
           <p:cNvSpPr txBox="1"/>
           <p:nvPr/>
         </p:nvSpPr>
         <p:spPr>
           <a:xfrm>
-            <a:off x="617220" y="1075708"/>
-            <a:ext cx="10972800" cy="3785652"/>
+            <a:off x="5445728" y="1707631"/>
+            <a:ext cx="1704313" cy="1569660"/>
           </a:xfrm>
           <a:prstGeom prst="rect">
             <a:avLst/>
@@ -20419,118 +20504,302 @@
           <a:noFill/>
         </p:spPr>
         <p:txBody>
+          <a:bodyPr wrap="none" rtlCol="0">
+            <a:spAutoFit/>
+          </a:bodyPr>
+          <a:lstStyle/>
+          <a:p>
+            <a:r>
+              <a:rPr lang="en-US" altLang="zh-CN" sz="9600" b="1" dirty="0" smtClean="0">
+                <a:solidFill>
+                  <a:schemeClr val="accent2">
+                    <a:lumMod val="75000"/>
+                  </a:schemeClr>
+                </a:solidFill>
+                <a:latin typeface="微软雅黑" panose="020B0503020204020204" pitchFamily="34" charset="-122"/>
+                <a:ea typeface="微软雅黑" panose="020B0503020204020204" pitchFamily="34" charset="-122"/>
+              </a:rPr>
+              <a:t>03</a:t>
+            </a:r>
+            <a:endParaRPr lang="zh-CN" altLang="en-US" sz="9600" b="1" dirty="0">
+              <a:solidFill>
+                <a:schemeClr val="accent2">
+                  <a:lumMod val="75000"/>
+                </a:schemeClr>
+              </a:solidFill>
+              <a:latin typeface="微软雅黑" panose="020B0503020204020204" pitchFamily="34" charset="-122"/>
+              <a:ea typeface="微软雅黑" panose="020B0503020204020204" pitchFamily="34" charset="-122"/>
+            </a:endParaRPr>
+          </a:p>
+        </p:txBody>
+      </p:sp>
+      <p:sp>
+        <p:nvSpPr>
+          <p:cNvPr id="6" name="文本框 5"/>
+          <p:cNvSpPr txBox="1"/>
+          <p:nvPr/>
+        </p:nvSpPr>
+        <p:spPr>
+          <a:xfrm>
+            <a:off x="5445728" y="3422822"/>
+            <a:ext cx="2872902" cy="769441"/>
+          </a:xfrm>
+          <a:prstGeom prst="rect">
+            <a:avLst/>
+          </a:prstGeom>
+          <a:noFill/>
+        </p:spPr>
+        <p:txBody>
+          <a:bodyPr wrap="none" rtlCol="0">
+            <a:spAutoFit/>
+          </a:bodyPr>
+          <a:lstStyle/>
+          <a:p>
+            <a:r>
+              <a:rPr lang="en-US" altLang="zh-CN" sz="4400" b="1" dirty="0" smtClean="0">
+                <a:solidFill>
+                  <a:srgbClr val="00ABB4"/>
+                </a:solidFill>
+                <a:latin typeface="微软雅黑" panose="020B0503020204020204" pitchFamily="34" charset="-122"/>
+                <a:ea typeface="微软雅黑" panose="020B0503020204020204" pitchFamily="34" charset="-122"/>
+              </a:rPr>
+              <a:t>Lee, 2016</a:t>
+            </a:r>
+            <a:endParaRPr lang="zh-CN" altLang="en-US" sz="4400" b="1" dirty="0">
+              <a:solidFill>
+                <a:srgbClr val="00ABB4"/>
+              </a:solidFill>
+              <a:latin typeface="微软雅黑" panose="020B0503020204020204" pitchFamily="34" charset="-122"/>
+              <a:ea typeface="微软雅黑" panose="020B0503020204020204" pitchFamily="34" charset="-122"/>
+            </a:endParaRPr>
+          </a:p>
+        </p:txBody>
+      </p:sp>
+      <p:sp>
+        <p:nvSpPr>
+          <p:cNvPr id="7" name="文本框 6"/>
+          <p:cNvSpPr txBox="1"/>
+          <p:nvPr/>
+        </p:nvSpPr>
+        <p:spPr>
+          <a:xfrm>
+            <a:off x="5445728" y="3003482"/>
+            <a:ext cx="1820307" cy="461665"/>
+          </a:xfrm>
+          <a:prstGeom prst="rect">
+            <a:avLst/>
+          </a:prstGeom>
+          <a:noFill/>
+        </p:spPr>
+        <p:txBody>
+          <a:bodyPr wrap="none" rtlCol="0">
+            <a:spAutoFit/>
+          </a:bodyPr>
+          <a:lstStyle/>
+          <a:p>
+            <a:r>
+              <a:rPr lang="en-US" altLang="zh-CN" sz="2400" dirty="0">
+                <a:solidFill>
+                  <a:schemeClr val="bg1">
+                    <a:lumMod val="50000"/>
+                  </a:schemeClr>
+                </a:solidFill>
+                <a:latin typeface="微软雅黑" panose="020B0503020204020204" pitchFamily="34" charset="-122"/>
+                <a:ea typeface="微软雅黑" panose="020B0503020204020204" pitchFamily="34" charset="-122"/>
+              </a:rPr>
+              <a:t>Part </a:t>
+            </a:r>
+            <a:r>
+              <a:rPr lang="en-US" altLang="zh-CN" sz="2400" dirty="0" smtClean="0">
+                <a:solidFill>
+                  <a:schemeClr val="bg1">
+                    <a:lumMod val="50000"/>
+                  </a:schemeClr>
+                </a:solidFill>
+                <a:latin typeface="微软雅黑" panose="020B0503020204020204" pitchFamily="34" charset="-122"/>
+                <a:ea typeface="微软雅黑" panose="020B0503020204020204" pitchFamily="34" charset="-122"/>
+              </a:rPr>
+              <a:t>THREE</a:t>
+            </a:r>
+            <a:endParaRPr lang="zh-CN" altLang="en-US" sz="2400" dirty="0">
+              <a:solidFill>
+                <a:schemeClr val="bg1">
+                  <a:lumMod val="50000"/>
+                </a:schemeClr>
+              </a:solidFill>
+              <a:latin typeface="微软雅黑" panose="020B0503020204020204" pitchFamily="34" charset="-122"/>
+              <a:ea typeface="微软雅黑" panose="020B0503020204020204" pitchFamily="34" charset="-122"/>
+            </a:endParaRPr>
+          </a:p>
+        </p:txBody>
+      </p:sp>
+      <p:sp>
+        <p:nvSpPr>
+          <p:cNvPr id="8" name="文本框 7"/>
+          <p:cNvSpPr txBox="1"/>
+          <p:nvPr/>
+        </p:nvSpPr>
+        <p:spPr>
+          <a:xfrm>
+            <a:off x="12936632" y="4355748"/>
+            <a:ext cx="6894418" cy="1200329"/>
+          </a:xfrm>
+          <a:prstGeom prst="rect">
+            <a:avLst/>
+          </a:prstGeom>
+          <a:noFill/>
+        </p:spPr>
+        <p:txBody>
           <a:bodyPr wrap="square" rtlCol="0">
             <a:spAutoFit/>
           </a:bodyPr>
           <a:lstStyle/>
           <a:p>
+            <a:pPr marL="285750" indent="-285750">
+              <a:buFont typeface="Arial" panose="020B0604020202020204" pitchFamily="34" charset="0"/>
+              <a:buChar char="•"/>
+            </a:pPr>
+            <a:r>
+              <a:rPr lang="en-US" altLang="zh-CN" dirty="0" smtClean="0">
+                <a:solidFill>
+                  <a:schemeClr val="accent2"/>
+                </a:solidFill>
+                <a:ea typeface="Roboto Cn" pitchFamily="2" charset="0"/>
+                <a:cs typeface="Arial" panose="020B0604020202020204" pitchFamily="34" charset="0"/>
+              </a:rPr>
+              <a:t>Identify brain regions  scopolamine induce   intensity changes</a:t>
+            </a:r>
+            <a:endParaRPr lang="en-US" altLang="zh-CN" dirty="0">
+              <a:solidFill>
+                <a:schemeClr val="accent2"/>
+              </a:solidFill>
+              <a:ea typeface="Roboto Cn" pitchFamily="2" charset="0"/>
+              <a:cs typeface="Arial" panose="020B0604020202020204" pitchFamily="34" charset="0"/>
+            </a:endParaRPr>
+          </a:p>
+          <a:p>
+            <a:pPr marL="285750" indent="-285750">
+              <a:buFont typeface="Arial" panose="020B0604020202020204" pitchFamily="34" charset="0"/>
+              <a:buChar char="•"/>
+            </a:pPr>
+            <a:r>
+              <a:rPr lang="en-US" altLang="zh-CN" dirty="0" smtClean="0">
+                <a:solidFill>
+                  <a:schemeClr val="bg1">
+                    <a:lumMod val="50000"/>
+                  </a:schemeClr>
+                </a:solidFill>
+                <a:ea typeface="Roboto Cn" pitchFamily="2" charset="0"/>
+                <a:cs typeface="Arial" panose="020B0604020202020204" pitchFamily="34" charset="0"/>
+              </a:rPr>
+              <a:t>Evaluate the effects of scopolamine on FC </a:t>
+            </a:r>
+            <a:endParaRPr lang="en-US" altLang="zh-CN" dirty="0">
+              <a:solidFill>
+                <a:schemeClr val="bg1">
+                  <a:lumMod val="50000"/>
+                </a:schemeClr>
+              </a:solidFill>
+              <a:ea typeface="Roboto Cn" pitchFamily="2" charset="0"/>
+              <a:cs typeface="Arial" panose="020B0604020202020204" pitchFamily="34" charset="0"/>
+            </a:endParaRPr>
+          </a:p>
+          <a:p>
+            <a:pPr marL="285750" indent="-285750">
+              <a:buFont typeface="Arial" panose="020B0604020202020204" pitchFamily="34" charset="0"/>
+              <a:buChar char="•"/>
+            </a:pPr>
+            <a:r>
+              <a:rPr lang="en-US" altLang="zh-CN" dirty="0" smtClean="0">
+                <a:solidFill>
+                  <a:schemeClr val="bg1">
+                    <a:lumMod val="50000"/>
+                  </a:schemeClr>
+                </a:solidFill>
+                <a:ea typeface="Roboto Cn" pitchFamily="2" charset="0"/>
+                <a:cs typeface="Arial" panose="020B0604020202020204" pitchFamily="34" charset="0"/>
+              </a:rPr>
+              <a:t>Whether scopolamine-induced memory effect could be </a:t>
+            </a:r>
+          </a:p>
+          <a:p>
+            <a:r>
+              <a:rPr lang="en-US" altLang="zh-CN" dirty="0">
+                <a:solidFill>
+                  <a:schemeClr val="bg1">
+                    <a:lumMod val="50000"/>
+                  </a:schemeClr>
+                </a:solidFill>
+                <a:ea typeface="Roboto Cn" pitchFamily="2" charset="0"/>
+                <a:cs typeface="Arial" panose="020B0604020202020204" pitchFamily="34" charset="0"/>
+              </a:rPr>
+              <a:t> </a:t>
+            </a:r>
+            <a:r>
+              <a:rPr lang="en-US" altLang="zh-CN" dirty="0" smtClean="0">
+                <a:solidFill>
+                  <a:schemeClr val="bg1">
+                    <a:lumMod val="50000"/>
+                  </a:schemeClr>
+                </a:solidFill>
+                <a:ea typeface="Roboto Cn" pitchFamily="2" charset="0"/>
+                <a:cs typeface="Arial" panose="020B0604020202020204" pitchFamily="34" charset="0"/>
+              </a:rPr>
+              <a:t>     reversed with milameline</a:t>
+            </a:r>
+          </a:p>
+        </p:txBody>
+      </p:sp>
+      <p:sp>
+        <p:nvSpPr>
+          <p:cNvPr id="3" name="矩形 2"/>
+          <p:cNvSpPr/>
+          <p:nvPr/>
+        </p:nvSpPr>
+        <p:spPr>
+          <a:xfrm>
+            <a:off x="5156200" y="1562100"/>
+            <a:ext cx="6426200" cy="3911600"/>
+          </a:xfrm>
+          <a:prstGeom prst="rect">
+            <a:avLst/>
+          </a:prstGeom>
+          <a:noFill/>
+          <a:ln w="127000">
+            <a:solidFill>
+              <a:srgbClr val="00ABB4"/>
+            </a:solidFill>
+          </a:ln>
+        </p:spPr>
+        <p:style>
+          <a:lnRef idx="2">
+            <a:schemeClr val="accent1">
+              <a:shade val="50000"/>
+            </a:schemeClr>
+          </a:lnRef>
+          <a:fillRef idx="1">
+            <a:schemeClr val="accent1"/>
+          </a:fillRef>
+          <a:effectRef idx="0">
+            <a:schemeClr val="accent1"/>
+          </a:effectRef>
+          <a:fontRef idx="minor">
+            <a:schemeClr val="lt1"/>
+          </a:fontRef>
+        </p:style>
+        <p:txBody>
+          <a:bodyPr rtlCol="0" anchor="ctr"/>
+          <a:lstStyle/>
+          <a:p>
             <a:pPr algn="ctr"/>
-            <a:r>
-              <a:rPr lang="en-US" altLang="zh-CN" sz="4800" b="1" dirty="0" smtClean="0">
-                <a:solidFill>
-                  <a:srgbClr val="00ABB4"/>
-                </a:solidFill>
-                <a:effectLst>
-                  <a:outerShdw blurRad="38100" dist="38100" dir="2700000" algn="tl">
-                    <a:srgbClr val="000000">
-                      <a:alpha val="43137"/>
-                    </a:srgbClr>
-                  </a:outerShdw>
-                </a:effectLst>
-                <a:latin typeface="微软雅黑" panose="020B0503020204020204" pitchFamily="34" charset="-122"/>
-                <a:ea typeface="微软雅黑" panose="020B0503020204020204" pitchFamily="34" charset="-122"/>
-              </a:rPr>
-              <a:t>Functional </a:t>
-            </a:r>
-            <a:r>
-              <a:rPr lang="en-US" altLang="zh-CN" sz="4800" b="1" dirty="0">
-                <a:solidFill>
-                  <a:srgbClr val="00ABB4"/>
-                </a:solidFill>
-                <a:effectLst>
-                  <a:outerShdw blurRad="38100" dist="38100" dir="2700000" algn="tl">
-                    <a:srgbClr val="000000">
-                      <a:alpha val="43137"/>
-                    </a:srgbClr>
-                  </a:outerShdw>
-                </a:effectLst>
-                <a:latin typeface="微软雅黑" panose="020B0503020204020204" pitchFamily="34" charset="-122"/>
-                <a:ea typeface="微软雅黑" panose="020B0503020204020204" pitchFamily="34" charset="-122"/>
-              </a:rPr>
-              <a:t>Cross-Hemispheric Shift Between </a:t>
-            </a:r>
-            <a:r>
-              <a:rPr lang="en-US" altLang="zh-CN" sz="4800" b="1" dirty="0" smtClean="0">
-                <a:solidFill>
-                  <a:srgbClr val="00ABB4"/>
-                </a:solidFill>
-                <a:effectLst>
-                  <a:outerShdw blurRad="38100" dist="38100" dir="2700000" algn="tl">
-                    <a:srgbClr val="000000">
-                      <a:alpha val="43137"/>
-                    </a:srgbClr>
-                  </a:outerShdw>
-                </a:effectLst>
-                <a:latin typeface="微软雅黑" panose="020B0503020204020204" pitchFamily="34" charset="-122"/>
-                <a:ea typeface="微软雅黑" panose="020B0503020204020204" pitchFamily="34" charset="-122"/>
-              </a:rPr>
-              <a:t>Object-Place Paired Associate </a:t>
-            </a:r>
-            <a:r>
-              <a:rPr lang="en-US" altLang="zh-CN" sz="4800" b="1" dirty="0">
-                <a:solidFill>
-                  <a:srgbClr val="00ABB4"/>
-                </a:solidFill>
-                <a:effectLst>
-                  <a:outerShdw blurRad="38100" dist="38100" dir="2700000" algn="tl">
-                    <a:srgbClr val="000000">
-                      <a:alpha val="43137"/>
-                    </a:srgbClr>
-                  </a:outerShdw>
-                </a:effectLst>
-                <a:latin typeface="微软雅黑" panose="020B0503020204020204" pitchFamily="34" charset="-122"/>
-                <a:ea typeface="微软雅黑" panose="020B0503020204020204" pitchFamily="34" charset="-122"/>
-              </a:rPr>
-              <a:t>Memory and Spatial Memory in the Human Hippocampus </a:t>
-            </a:r>
-            <a:r>
-              <a:rPr lang="en-US" altLang="zh-CN" sz="4800" b="1" dirty="0" smtClean="0">
-                <a:solidFill>
-                  <a:srgbClr val="00ABB4"/>
-                </a:solidFill>
-                <a:effectLst>
-                  <a:outerShdw blurRad="38100" dist="38100" dir="2700000" algn="tl">
-                    <a:srgbClr val="000000">
-                      <a:alpha val="43137"/>
-                    </a:srgbClr>
-                  </a:outerShdw>
-                </a:effectLst>
-                <a:latin typeface="微软雅黑" panose="020B0503020204020204" pitchFamily="34" charset="-122"/>
-                <a:ea typeface="微软雅黑" panose="020B0503020204020204" pitchFamily="34" charset="-122"/>
-              </a:rPr>
-              <a:t> </a:t>
-            </a:r>
-            <a:endParaRPr lang="en-US" altLang="zh-CN" sz="4800" b="1" dirty="0">
-              <a:solidFill>
-                <a:srgbClr val="00ABB4"/>
-              </a:solidFill>
-              <a:effectLst>
-                <a:outerShdw blurRad="38100" dist="38100" dir="2700000" algn="tl">
-                  <a:srgbClr val="000000">
-                    <a:alpha val="43137"/>
-                  </a:srgbClr>
-                </a:outerShdw>
-              </a:effectLst>
-              <a:latin typeface="微软雅黑" panose="020B0503020204020204" pitchFamily="34" charset="-122"/>
-              <a:ea typeface="微软雅黑" panose="020B0503020204020204" pitchFamily="34" charset="-122"/>
-            </a:endParaRPr>
+            <a:endParaRPr lang="zh-CN" altLang="en-US"/>
           </a:p>
         </p:txBody>
       </p:sp>
     </p:spTree>
     <p:extLst>
       <p:ext uri="{BB962C8B-B14F-4D97-AF65-F5344CB8AC3E}">
-        <p14:creationId xmlns:p14="http://schemas.microsoft.com/office/powerpoint/2010/main" val="3094252058"/>
+        <p14:creationId xmlns:p14="http://schemas.microsoft.com/office/powerpoint/2010/main" val="619661100"/>
       </p:ext>
     </p:extLst>
   </p:cSld>
@@ -20719,6 +20988,168 @@
 </file>
 
 <file path=ppt/slides/slide30.xml><?xml version="1.0" encoding="utf-8"?>
+<p:sld xmlns:a="http://schemas.openxmlformats.org/drawingml/2006/main" xmlns:r="http://schemas.openxmlformats.org/officeDocument/2006/relationships" xmlns:p="http://schemas.openxmlformats.org/presentationml/2006/main">
+  <p:cSld>
+    <p:spTree>
+      <p:nvGrpSpPr>
+        <p:cNvPr id="1" name=""/>
+        <p:cNvGrpSpPr/>
+        <p:nvPr/>
+      </p:nvGrpSpPr>
+      <p:grpSpPr>
+        <a:xfrm>
+          <a:off x="0" y="0"/>
+          <a:ext cx="0" cy="0"/>
+          <a:chOff x="0" y="0"/>
+          <a:chExt cx="0" cy="0"/>
+        </a:xfrm>
+      </p:grpSpPr>
+      <p:sp>
+        <p:nvSpPr>
+          <p:cNvPr id="3" name="文本框 2"/>
+          <p:cNvSpPr txBox="1"/>
+          <p:nvPr/>
+        </p:nvSpPr>
+        <p:spPr>
+          <a:xfrm>
+            <a:off x="617220" y="1075708"/>
+            <a:ext cx="10972800" cy="3785652"/>
+          </a:xfrm>
+          <a:prstGeom prst="rect">
+            <a:avLst/>
+          </a:prstGeom>
+          <a:noFill/>
+        </p:spPr>
+        <p:txBody>
+          <a:bodyPr wrap="square" rtlCol="0">
+            <a:spAutoFit/>
+          </a:bodyPr>
+          <a:lstStyle/>
+          <a:p>
+            <a:pPr algn="ctr"/>
+            <a:r>
+              <a:rPr lang="en-US" altLang="zh-CN" sz="4800" b="1" dirty="0" smtClean="0">
+                <a:solidFill>
+                  <a:srgbClr val="00ABB4"/>
+                </a:solidFill>
+                <a:effectLst>
+                  <a:outerShdw blurRad="38100" dist="38100" dir="2700000" algn="tl">
+                    <a:srgbClr val="000000">
+                      <a:alpha val="43137"/>
+                    </a:srgbClr>
+                  </a:outerShdw>
+                </a:effectLst>
+                <a:latin typeface="微软雅黑" panose="020B0503020204020204" pitchFamily="34" charset="-122"/>
+                <a:ea typeface="微软雅黑" panose="020B0503020204020204" pitchFamily="34" charset="-122"/>
+              </a:rPr>
+              <a:t>Functional </a:t>
+            </a:r>
+            <a:r>
+              <a:rPr lang="en-US" altLang="zh-CN" sz="4800" b="1" dirty="0">
+                <a:solidFill>
+                  <a:srgbClr val="00ABB4"/>
+                </a:solidFill>
+                <a:effectLst>
+                  <a:outerShdw blurRad="38100" dist="38100" dir="2700000" algn="tl">
+                    <a:srgbClr val="000000">
+                      <a:alpha val="43137"/>
+                    </a:srgbClr>
+                  </a:outerShdw>
+                </a:effectLst>
+                <a:latin typeface="微软雅黑" panose="020B0503020204020204" pitchFamily="34" charset="-122"/>
+                <a:ea typeface="微软雅黑" panose="020B0503020204020204" pitchFamily="34" charset="-122"/>
+              </a:rPr>
+              <a:t>Cross-Hemispheric Shift Between </a:t>
+            </a:r>
+            <a:r>
+              <a:rPr lang="en-US" altLang="zh-CN" sz="4800" b="1" dirty="0" smtClean="0">
+                <a:solidFill>
+                  <a:srgbClr val="00ABB4"/>
+                </a:solidFill>
+                <a:effectLst>
+                  <a:outerShdw blurRad="38100" dist="38100" dir="2700000" algn="tl">
+                    <a:srgbClr val="000000">
+                      <a:alpha val="43137"/>
+                    </a:srgbClr>
+                  </a:outerShdw>
+                </a:effectLst>
+                <a:latin typeface="微软雅黑" panose="020B0503020204020204" pitchFamily="34" charset="-122"/>
+                <a:ea typeface="微软雅黑" panose="020B0503020204020204" pitchFamily="34" charset="-122"/>
+              </a:rPr>
+              <a:t>Object-Place Paired Associate </a:t>
+            </a:r>
+            <a:r>
+              <a:rPr lang="en-US" altLang="zh-CN" sz="4800" b="1" dirty="0">
+                <a:solidFill>
+                  <a:srgbClr val="00ABB4"/>
+                </a:solidFill>
+                <a:effectLst>
+                  <a:outerShdw blurRad="38100" dist="38100" dir="2700000" algn="tl">
+                    <a:srgbClr val="000000">
+                      <a:alpha val="43137"/>
+                    </a:srgbClr>
+                  </a:outerShdw>
+                </a:effectLst>
+                <a:latin typeface="微软雅黑" panose="020B0503020204020204" pitchFamily="34" charset="-122"/>
+                <a:ea typeface="微软雅黑" panose="020B0503020204020204" pitchFamily="34" charset="-122"/>
+              </a:rPr>
+              <a:t>Memory and Spatial Memory in the Human Hippocampus </a:t>
+            </a:r>
+            <a:r>
+              <a:rPr lang="en-US" altLang="zh-CN" sz="4800" b="1" dirty="0" smtClean="0">
+                <a:solidFill>
+                  <a:srgbClr val="00ABB4"/>
+                </a:solidFill>
+                <a:effectLst>
+                  <a:outerShdw blurRad="38100" dist="38100" dir="2700000" algn="tl">
+                    <a:srgbClr val="000000">
+                      <a:alpha val="43137"/>
+                    </a:srgbClr>
+                  </a:outerShdw>
+                </a:effectLst>
+                <a:latin typeface="微软雅黑" panose="020B0503020204020204" pitchFamily="34" charset="-122"/>
+                <a:ea typeface="微软雅黑" panose="020B0503020204020204" pitchFamily="34" charset="-122"/>
+              </a:rPr>
+              <a:t> </a:t>
+            </a:r>
+            <a:endParaRPr lang="en-US" altLang="zh-CN" sz="4800" b="1" dirty="0">
+              <a:solidFill>
+                <a:srgbClr val="00ABB4"/>
+              </a:solidFill>
+              <a:effectLst>
+                <a:outerShdw blurRad="38100" dist="38100" dir="2700000" algn="tl">
+                  <a:srgbClr val="000000">
+                    <a:alpha val="43137"/>
+                  </a:srgbClr>
+                </a:outerShdw>
+              </a:effectLst>
+              <a:latin typeface="微软雅黑" panose="020B0503020204020204" pitchFamily="34" charset="-122"/>
+              <a:ea typeface="微软雅黑" panose="020B0503020204020204" pitchFamily="34" charset="-122"/>
+            </a:endParaRPr>
+          </a:p>
+        </p:txBody>
+      </p:sp>
+    </p:spTree>
+    <p:extLst>
+      <p:ext uri="{BB962C8B-B14F-4D97-AF65-F5344CB8AC3E}">
+        <p14:creationId xmlns:p14="http://schemas.microsoft.com/office/powerpoint/2010/main" val="3094252058"/>
+      </p:ext>
+    </p:extLst>
+  </p:cSld>
+  <p:clrMapOvr>
+    <a:masterClrMapping/>
+  </p:clrMapOvr>
+  <p:timing>
+    <p:tnLst>
+      <p:par>
+        <p:cTn id="1" dur="indefinite" restart="never" nodeType="tmRoot"/>
+      </p:par>
+    </p:tnLst>
+  </p:timing>
+</p:sld>
+</file>
+
+<file path=ppt/slides/slide31.xml><?xml version="1.0" encoding="utf-8"?>
 <p:sld xmlns:a="http://schemas.openxmlformats.org/drawingml/2006/main" xmlns:r="http://schemas.openxmlformats.org/officeDocument/2006/relationships" xmlns:p="http://schemas.openxmlformats.org/presentationml/2006/main">
   <p:cSld>
     <p:spTree>
@@ -21211,7 +21642,7 @@
 </p:sld>
 </file>
 
-<file path=ppt/slides/slide31.xml><?xml version="1.0" encoding="utf-8"?>
+<file path=ppt/slides/slide32.xml><?xml version="1.0" encoding="utf-8"?>
 <p:sld xmlns:a="http://schemas.openxmlformats.org/drawingml/2006/main" xmlns:r="http://schemas.openxmlformats.org/officeDocument/2006/relationships" xmlns:p="http://schemas.openxmlformats.org/presentationml/2006/main">
   <p:cSld>
     <p:spTree>
@@ -21333,7 +21764,7 @@
 </p:sld>
 </file>
 
-<file path=ppt/slides/slide32.xml><?xml version="1.0" encoding="utf-8"?>
+<file path=ppt/slides/slide33.xml><?xml version="1.0" encoding="utf-8"?>
 <p:sld xmlns:a="http://schemas.openxmlformats.org/drawingml/2006/main" xmlns:r="http://schemas.openxmlformats.org/officeDocument/2006/relationships" xmlns:p="http://schemas.openxmlformats.org/presentationml/2006/main">
   <p:cSld>
     <p:spTree>
@@ -21616,7 +22047,7 @@
 </p:sld>
 </file>
 
-<file path=ppt/slides/slide33.xml><?xml version="1.0" encoding="utf-8"?>
+<file path=ppt/slides/slide34.xml><?xml version="1.0" encoding="utf-8"?>
 <p:sld xmlns:a="http://schemas.openxmlformats.org/drawingml/2006/main" xmlns:r="http://schemas.openxmlformats.org/officeDocument/2006/relationships" xmlns:p="http://schemas.openxmlformats.org/presentationml/2006/main">
   <p:cSld>
     <p:spTree>
@@ -21924,7 +22355,7 @@
 </p:sld>
 </file>
 
-<file path=ppt/slides/slide34.xml><?xml version="1.0" encoding="utf-8"?>
+<file path=ppt/slides/slide35.xml><?xml version="1.0" encoding="utf-8"?>
 <p:sld xmlns:a="http://schemas.openxmlformats.org/drawingml/2006/main" xmlns:r="http://schemas.openxmlformats.org/officeDocument/2006/relationships" xmlns:p="http://schemas.openxmlformats.org/presentationml/2006/main">
   <p:cSld>
     <p:spTree>
@@ -22192,7 +22623,7 @@
 </p:sld>
 </file>
 
-<file path=ppt/slides/slide35.xml><?xml version="1.0" encoding="utf-8"?>
+<file path=ppt/slides/slide36.xml><?xml version="1.0" encoding="utf-8"?>
 <p:sld xmlns:a="http://schemas.openxmlformats.org/drawingml/2006/main" xmlns:r="http://schemas.openxmlformats.org/officeDocument/2006/relationships" xmlns:p="http://schemas.openxmlformats.org/presentationml/2006/main">
   <p:cSld>
     <p:spTree>
@@ -22485,7 +22916,7 @@
 </p:sld>
 </file>
 
-<file path=ppt/slides/slide36.xml><?xml version="1.0" encoding="utf-8"?>
+<file path=ppt/slides/slide37.xml><?xml version="1.0" encoding="utf-8"?>
 <p:sld xmlns:a="http://schemas.openxmlformats.org/drawingml/2006/main" xmlns:r="http://schemas.openxmlformats.org/officeDocument/2006/relationships" xmlns:p="http://schemas.openxmlformats.org/presentationml/2006/main">
   <p:cSld>
     <p:spTree>
@@ -22607,7 +23038,7 @@
 </p:sld>
 </file>
 
-<file path=ppt/slides/slide37.xml><?xml version="1.0" encoding="utf-8"?>
+<file path=ppt/slides/slide38.xml><?xml version="1.0" encoding="utf-8"?>
 <p:sld xmlns:a="http://schemas.openxmlformats.org/drawingml/2006/main" xmlns:r="http://schemas.openxmlformats.org/officeDocument/2006/relationships" xmlns:p="http://schemas.openxmlformats.org/presentationml/2006/main">
   <p:cSld>
     <p:spTree>
@@ -23005,7 +23436,7 @@
 </p:sld>
 </file>
 
-<file path=ppt/slides/slide38.xml><?xml version="1.0" encoding="utf-8"?>
+<file path=ppt/slides/slide39.xml><?xml version="1.0" encoding="utf-8"?>
 <p:sld xmlns:a="http://schemas.openxmlformats.org/drawingml/2006/main" xmlns:r="http://schemas.openxmlformats.org/officeDocument/2006/relationships" xmlns:p="http://schemas.openxmlformats.org/presentationml/2006/main">
   <p:cSld>
     <p:spTree>
@@ -23196,7 +23627,406 @@
 </p:sld>
 </file>
 
-<file path=ppt/slides/slide39.xml><?xml version="1.0" encoding="utf-8"?>
+<file path=ppt/slides/slide4.xml><?xml version="1.0" encoding="utf-8"?>
+<p:sld xmlns:a="http://schemas.openxmlformats.org/drawingml/2006/main" xmlns:r="http://schemas.openxmlformats.org/officeDocument/2006/relationships" xmlns:p="http://schemas.openxmlformats.org/presentationml/2006/main">
+  <p:cSld>
+    <p:spTree>
+      <p:nvGrpSpPr>
+        <p:cNvPr id="1" name=""/>
+        <p:cNvGrpSpPr/>
+        <p:nvPr/>
+      </p:nvGrpSpPr>
+      <p:grpSpPr>
+        <a:xfrm>
+          <a:off x="0" y="0"/>
+          <a:ext cx="0" cy="0"/>
+          <a:chOff x="0" y="0"/>
+          <a:chExt cx="0" cy="0"/>
+        </a:xfrm>
+      </p:grpSpPr>
+      <p:pic>
+        <p:nvPicPr>
+          <p:cNvPr id="2" name="图片 1"/>
+          <p:cNvPicPr>
+            <a:picLocks noChangeAspect="1"/>
+          </p:cNvPicPr>
+          <p:nvPr/>
+        </p:nvPicPr>
+        <p:blipFill rotWithShape="1">
+          <a:blip r:embed="rId3" cstate="print">
+            <a:extLst>
+              <a:ext uri="{28A0092B-C50C-407E-A947-70E740481C1C}">
+                <a14:useLocalDpi xmlns:a14="http://schemas.microsoft.com/office/drawing/2010/main" val="0"/>
+              </a:ext>
+            </a:extLst>
+          </a:blip>
+          <a:srcRect t="19936" b="38073"/>
+          <a:stretch/>
+        </p:blipFill>
+        <p:spPr>
+          <a:xfrm>
+            <a:off x="0" y="-1"/>
+            <a:ext cx="12192000" cy="3390901"/>
+          </a:xfrm>
+          <a:prstGeom prst="rect">
+            <a:avLst/>
+          </a:prstGeom>
+        </p:spPr>
+      </p:pic>
+      <p:sp>
+        <p:nvSpPr>
+          <p:cNvPr id="8" name="矩形 7"/>
+          <p:cNvSpPr/>
+          <p:nvPr/>
+        </p:nvSpPr>
+        <p:spPr>
+          <a:xfrm>
+            <a:off x="0" y="0"/>
+            <a:ext cx="12192000" cy="3390900"/>
+          </a:xfrm>
+          <a:prstGeom prst="rect">
+            <a:avLst/>
+          </a:prstGeom>
+          <a:solidFill>
+            <a:schemeClr val="tx1">
+              <a:alpha val="64000"/>
+            </a:schemeClr>
+          </a:solidFill>
+          <a:ln>
+            <a:noFill/>
+          </a:ln>
+        </p:spPr>
+        <p:style>
+          <a:lnRef idx="2">
+            <a:schemeClr val="accent1">
+              <a:shade val="50000"/>
+            </a:schemeClr>
+          </a:lnRef>
+          <a:fillRef idx="1">
+            <a:schemeClr val="accent1"/>
+          </a:fillRef>
+          <a:effectRef idx="0">
+            <a:schemeClr val="accent1"/>
+          </a:effectRef>
+          <a:fontRef idx="minor">
+            <a:schemeClr val="lt1"/>
+          </a:fontRef>
+        </p:style>
+        <p:txBody>
+          <a:bodyPr rtlCol="0" anchor="ctr"/>
+          <a:lstStyle/>
+          <a:p>
+            <a:pPr algn="ctr"/>
+            <a:endParaRPr lang="zh-CN" altLang="en-US"/>
+          </a:p>
+        </p:txBody>
+      </p:sp>
+      <p:sp>
+        <p:nvSpPr>
+          <p:cNvPr id="4" name="文本框 3"/>
+          <p:cNvSpPr txBox="1"/>
+          <p:nvPr/>
+        </p:nvSpPr>
+        <p:spPr>
+          <a:xfrm>
+            <a:off x="1344017" y="929034"/>
+            <a:ext cx="9126024" cy="2308324"/>
+          </a:xfrm>
+          <a:prstGeom prst="rect">
+            <a:avLst/>
+          </a:prstGeom>
+          <a:noFill/>
+        </p:spPr>
+        <p:txBody>
+          <a:bodyPr wrap="none" rtlCol="0">
+            <a:spAutoFit/>
+          </a:bodyPr>
+          <a:lstStyle/>
+          <a:p>
+            <a:r>
+              <a:rPr lang="en-US" altLang="zh-CN" sz="7200" b="1" dirty="0" err="1" smtClean="0">
+                <a:solidFill>
+                  <a:srgbClr val="00ABB4"/>
+                </a:solidFill>
+                <a:latin typeface="微软雅黑" panose="020B0503020204020204" pitchFamily="34" charset="-122"/>
+                <a:ea typeface="微软雅黑" panose="020B0503020204020204" pitchFamily="34" charset="-122"/>
+              </a:rPr>
+              <a:t>BioRxiv</a:t>
+            </a:r>
+            <a:endParaRPr lang="en-US" altLang="zh-CN" sz="7200" b="1" dirty="0" smtClean="0">
+              <a:solidFill>
+                <a:srgbClr val="00ABB4"/>
+              </a:solidFill>
+              <a:latin typeface="微软雅黑" panose="020B0503020204020204" pitchFamily="34" charset="-122"/>
+              <a:ea typeface="微软雅黑" panose="020B0503020204020204" pitchFamily="34" charset="-122"/>
+            </a:endParaRPr>
+          </a:p>
+          <a:p>
+            <a:r>
+              <a:rPr lang="en-US" altLang="zh-CN" sz="7200" b="1" dirty="0">
+                <a:solidFill>
+                  <a:srgbClr val="00ABB4"/>
+                </a:solidFill>
+                <a:latin typeface="微软雅黑" panose="020B0503020204020204" pitchFamily="34" charset="-122"/>
+                <a:ea typeface="微软雅黑" panose="020B0503020204020204" pitchFamily="34" charset="-122"/>
+              </a:rPr>
+              <a:t>	</a:t>
+            </a:r>
+            <a:r>
+              <a:rPr lang="en-US" altLang="zh-CN" sz="7200" b="1" dirty="0" smtClean="0">
+                <a:solidFill>
+                  <a:srgbClr val="00ABB4"/>
+                </a:solidFill>
+                <a:latin typeface="微软雅黑" panose="020B0503020204020204" pitchFamily="34" charset="-122"/>
+                <a:ea typeface="微软雅黑" panose="020B0503020204020204" pitchFamily="34" charset="-122"/>
+              </a:rPr>
+              <a:t>			  </a:t>
+            </a:r>
+            <a:r>
+              <a:rPr lang="en-US" altLang="zh-CN" sz="5400" b="1" dirty="0" smtClean="0">
+                <a:solidFill>
+                  <a:srgbClr val="00ABB4"/>
+                </a:solidFill>
+                <a:latin typeface="微软雅黑" panose="020B0503020204020204" pitchFamily="34" charset="-122"/>
+                <a:ea typeface="微软雅黑" panose="020B0503020204020204" pitchFamily="34" charset="-122"/>
+              </a:rPr>
+              <a:t>Jordan , 2017</a:t>
+            </a:r>
+            <a:endParaRPr lang="zh-CN" altLang="en-US" sz="5400" dirty="0">
+              <a:solidFill>
+                <a:srgbClr val="00ABB4"/>
+              </a:solidFill>
+              <a:latin typeface="+mj-ea"/>
+              <a:ea typeface="+mj-ea"/>
+            </a:endParaRPr>
+          </a:p>
+        </p:txBody>
+      </p:sp>
+      <p:cxnSp>
+        <p:nvCxnSpPr>
+          <p:cNvPr id="18" name="直接连接符 17"/>
+          <p:cNvCxnSpPr/>
+          <p:nvPr/>
+        </p:nvCxnSpPr>
+        <p:spPr>
+          <a:xfrm>
+            <a:off x="3794758" y="3824441"/>
+            <a:ext cx="0" cy="2464837"/>
+          </a:xfrm>
+          <a:prstGeom prst="line">
+            <a:avLst/>
+          </a:prstGeom>
+          <a:ln>
+            <a:solidFill>
+              <a:schemeClr val="bg1">
+                <a:lumMod val="50000"/>
+              </a:schemeClr>
+            </a:solidFill>
+          </a:ln>
+        </p:spPr>
+        <p:style>
+          <a:lnRef idx="1">
+            <a:schemeClr val="accent1"/>
+          </a:lnRef>
+          <a:fillRef idx="0">
+            <a:schemeClr val="accent1"/>
+          </a:fillRef>
+          <a:effectRef idx="0">
+            <a:schemeClr val="accent1"/>
+          </a:effectRef>
+          <a:fontRef idx="minor">
+            <a:schemeClr val="tx1"/>
+          </a:fontRef>
+        </p:style>
+      </p:cxnSp>
+      <p:sp>
+        <p:nvSpPr>
+          <p:cNvPr id="19" name="文本框 18"/>
+          <p:cNvSpPr txBox="1"/>
+          <p:nvPr/>
+        </p:nvSpPr>
+        <p:spPr>
+          <a:xfrm>
+            <a:off x="3980554" y="4618130"/>
+            <a:ext cx="3852950" cy="630942"/>
+          </a:xfrm>
+          <a:prstGeom prst="rect">
+            <a:avLst/>
+          </a:prstGeom>
+          <a:noFill/>
+        </p:spPr>
+        <p:txBody>
+          <a:bodyPr wrap="square" rtlCol="0">
+            <a:spAutoFit/>
+          </a:bodyPr>
+          <a:lstStyle/>
+          <a:p>
+            <a:pPr marL="800100" lvl="1" indent="-342900">
+              <a:lnSpc>
+                <a:spcPct val="200000"/>
+              </a:lnSpc>
+              <a:buFont typeface="Arial" panose="020B0604020202020204" pitchFamily="34" charset="0"/>
+              <a:buChar char="•"/>
+            </a:pPr>
+            <a:r>
+              <a:rPr lang="en-US" altLang="zh-CN" sz="2000" dirty="0" smtClean="0">
+                <a:latin typeface="Meiryo" panose="020B0604030504040204" pitchFamily="34" charset="-128"/>
+                <a:ea typeface="Meiryo" panose="020B0604030504040204" pitchFamily="34" charset="-128"/>
+                <a:cs typeface="Meiryo" panose="020B0604030504040204" pitchFamily="34" charset="-128"/>
+              </a:rPr>
+              <a:t>Rodents </a:t>
+            </a:r>
+            <a:endParaRPr lang="en-US" altLang="zh-CN" sz="2000" dirty="0">
+              <a:latin typeface="Meiryo" panose="020B0604030504040204" pitchFamily="34" charset="-128"/>
+              <a:ea typeface="Meiryo" panose="020B0604030504040204" pitchFamily="34" charset="-128"/>
+              <a:cs typeface="Meiryo" panose="020B0604030504040204" pitchFamily="34" charset="-128"/>
+            </a:endParaRPr>
+          </a:p>
+        </p:txBody>
+      </p:sp>
+      <p:sp>
+        <p:nvSpPr>
+          <p:cNvPr id="17" name="文本框 16"/>
+          <p:cNvSpPr txBox="1"/>
+          <p:nvPr/>
+        </p:nvSpPr>
+        <p:spPr>
+          <a:xfrm>
+            <a:off x="1053300" y="4618130"/>
+            <a:ext cx="1699568" cy="630942"/>
+          </a:xfrm>
+          <a:prstGeom prst="rect">
+            <a:avLst/>
+          </a:prstGeom>
+          <a:noFill/>
+        </p:spPr>
+        <p:txBody>
+          <a:bodyPr wrap="none" rtlCol="0">
+            <a:spAutoFit/>
+          </a:bodyPr>
+          <a:lstStyle/>
+          <a:p>
+            <a:pPr marL="342900" indent="-342900">
+              <a:lnSpc>
+                <a:spcPct val="200000"/>
+              </a:lnSpc>
+              <a:buFont typeface="Arial" panose="020B0604020202020204" pitchFamily="34" charset="0"/>
+              <a:buChar char="•"/>
+            </a:pPr>
+            <a:r>
+              <a:rPr lang="en-US" altLang="zh-CN" sz="2000" dirty="0" smtClean="0">
+                <a:latin typeface="Meiryo" panose="020B0604030504040204" pitchFamily="34" charset="-128"/>
+                <a:ea typeface="Meiryo" panose="020B0604030504040204" pitchFamily="34" charset="-128"/>
+                <a:cs typeface="Meiryo" panose="020B0604030504040204" pitchFamily="34" charset="-128"/>
+              </a:rPr>
+              <a:t>Overview</a:t>
+            </a:r>
+          </a:p>
+        </p:txBody>
+      </p:sp>
+      <p:cxnSp>
+        <p:nvCxnSpPr>
+          <p:cNvPr id="22" name="直接连接符 21"/>
+          <p:cNvCxnSpPr/>
+          <p:nvPr/>
+        </p:nvCxnSpPr>
+        <p:spPr>
+          <a:xfrm>
+            <a:off x="7949009" y="3820584"/>
+            <a:ext cx="0" cy="2464837"/>
+          </a:xfrm>
+          <a:prstGeom prst="line">
+            <a:avLst/>
+          </a:prstGeom>
+          <a:ln>
+            <a:solidFill>
+              <a:schemeClr val="bg1">
+                <a:lumMod val="50000"/>
+              </a:schemeClr>
+            </a:solidFill>
+          </a:ln>
+        </p:spPr>
+        <p:style>
+          <a:lnRef idx="1">
+            <a:schemeClr val="accent1"/>
+          </a:lnRef>
+          <a:fillRef idx="0">
+            <a:schemeClr val="accent1"/>
+          </a:fillRef>
+          <a:effectRef idx="0">
+            <a:schemeClr val="accent1"/>
+          </a:effectRef>
+          <a:fontRef idx="minor">
+            <a:schemeClr val="tx1"/>
+          </a:fontRef>
+        </p:style>
+      </p:cxnSp>
+      <p:sp>
+        <p:nvSpPr>
+          <p:cNvPr id="23" name="文本框 22"/>
+          <p:cNvSpPr txBox="1"/>
+          <p:nvPr/>
+        </p:nvSpPr>
+        <p:spPr>
+          <a:xfrm>
+            <a:off x="8265402" y="4310353"/>
+            <a:ext cx="3926598" cy="1246495"/>
+          </a:xfrm>
+          <a:prstGeom prst="rect">
+            <a:avLst/>
+          </a:prstGeom>
+          <a:noFill/>
+        </p:spPr>
+        <p:txBody>
+          <a:bodyPr wrap="square" rtlCol="0">
+            <a:spAutoFit/>
+          </a:bodyPr>
+          <a:lstStyle/>
+          <a:p>
+            <a:pPr marL="342900" indent="-342900">
+              <a:lnSpc>
+                <a:spcPct val="200000"/>
+              </a:lnSpc>
+              <a:buFont typeface="Arial" panose="020B0604020202020204" pitchFamily="34" charset="0"/>
+              <a:buChar char="•"/>
+            </a:pPr>
+            <a:r>
+              <a:rPr lang="en-US" altLang="zh-CN" sz="2000" dirty="0" smtClean="0">
+                <a:latin typeface="Meiryo" panose="020B0604030504040204" pitchFamily="34" charset="-128"/>
+                <a:ea typeface="Meiryo" panose="020B0604030504040204" pitchFamily="34" charset="-128"/>
+                <a:cs typeface="Meiryo" panose="020B0604030504040204" pitchFamily="34" charset="-128"/>
+              </a:rPr>
+              <a:t>Storage and retrieval of memory</a:t>
+            </a:r>
+            <a:endParaRPr lang="en-US" altLang="zh-CN" sz="2000" dirty="0">
+              <a:latin typeface="Meiryo" panose="020B0604030504040204" pitchFamily="34" charset="-128"/>
+              <a:ea typeface="Meiryo" panose="020B0604030504040204" pitchFamily="34" charset="-128"/>
+              <a:cs typeface="Meiryo" panose="020B0604030504040204" pitchFamily="34" charset="-128"/>
+            </a:endParaRPr>
+          </a:p>
+        </p:txBody>
+      </p:sp>
+    </p:spTree>
+    <p:extLst>
+      <p:ext uri="{BB962C8B-B14F-4D97-AF65-F5344CB8AC3E}">
+        <p14:creationId xmlns:p14="http://schemas.microsoft.com/office/powerpoint/2010/main" val="3671178789"/>
+      </p:ext>
+    </p:extLst>
+  </p:cSld>
+  <p:clrMapOvr>
+    <a:masterClrMapping/>
+  </p:clrMapOvr>
+  <p:timing>
+    <p:tnLst>
+      <p:par>
+        <p:cTn id="1" dur="indefinite" restart="never" nodeType="tmRoot"/>
+      </p:par>
+    </p:tnLst>
+  </p:timing>
+</p:sld>
+</file>
+
+<file path=ppt/slides/slide40.xml><?xml version="1.0" encoding="utf-8"?>
 <p:sld xmlns:a="http://schemas.openxmlformats.org/drawingml/2006/main" xmlns:r="http://schemas.openxmlformats.org/officeDocument/2006/relationships" xmlns:p="http://schemas.openxmlformats.org/presentationml/2006/main">
   <p:cSld>
     <p:spTree>
@@ -23318,406 +24148,7 @@
 </p:sld>
 </file>
 
-<file path=ppt/slides/slide4.xml><?xml version="1.0" encoding="utf-8"?>
-<p:sld xmlns:a="http://schemas.openxmlformats.org/drawingml/2006/main" xmlns:r="http://schemas.openxmlformats.org/officeDocument/2006/relationships" xmlns:p="http://schemas.openxmlformats.org/presentationml/2006/main">
-  <p:cSld>
-    <p:spTree>
-      <p:nvGrpSpPr>
-        <p:cNvPr id="1" name=""/>
-        <p:cNvGrpSpPr/>
-        <p:nvPr/>
-      </p:nvGrpSpPr>
-      <p:grpSpPr>
-        <a:xfrm>
-          <a:off x="0" y="0"/>
-          <a:ext cx="0" cy="0"/>
-          <a:chOff x="0" y="0"/>
-          <a:chExt cx="0" cy="0"/>
-        </a:xfrm>
-      </p:grpSpPr>
-      <p:pic>
-        <p:nvPicPr>
-          <p:cNvPr id="2" name="图片 1"/>
-          <p:cNvPicPr>
-            <a:picLocks noChangeAspect="1"/>
-          </p:cNvPicPr>
-          <p:nvPr/>
-        </p:nvPicPr>
-        <p:blipFill rotWithShape="1">
-          <a:blip r:embed="rId3" cstate="print">
-            <a:extLst>
-              <a:ext uri="{28A0092B-C50C-407E-A947-70E740481C1C}">
-                <a14:useLocalDpi xmlns:a14="http://schemas.microsoft.com/office/drawing/2010/main" val="0"/>
-              </a:ext>
-            </a:extLst>
-          </a:blip>
-          <a:srcRect t="19936" b="38073"/>
-          <a:stretch/>
-        </p:blipFill>
-        <p:spPr>
-          <a:xfrm>
-            <a:off x="0" y="-1"/>
-            <a:ext cx="12192000" cy="3390901"/>
-          </a:xfrm>
-          <a:prstGeom prst="rect">
-            <a:avLst/>
-          </a:prstGeom>
-        </p:spPr>
-      </p:pic>
-      <p:sp>
-        <p:nvSpPr>
-          <p:cNvPr id="8" name="矩形 7"/>
-          <p:cNvSpPr/>
-          <p:nvPr/>
-        </p:nvSpPr>
-        <p:spPr>
-          <a:xfrm>
-            <a:off x="0" y="0"/>
-            <a:ext cx="12192000" cy="3390900"/>
-          </a:xfrm>
-          <a:prstGeom prst="rect">
-            <a:avLst/>
-          </a:prstGeom>
-          <a:solidFill>
-            <a:schemeClr val="tx1">
-              <a:alpha val="64000"/>
-            </a:schemeClr>
-          </a:solidFill>
-          <a:ln>
-            <a:noFill/>
-          </a:ln>
-        </p:spPr>
-        <p:style>
-          <a:lnRef idx="2">
-            <a:schemeClr val="accent1">
-              <a:shade val="50000"/>
-            </a:schemeClr>
-          </a:lnRef>
-          <a:fillRef idx="1">
-            <a:schemeClr val="accent1"/>
-          </a:fillRef>
-          <a:effectRef idx="0">
-            <a:schemeClr val="accent1"/>
-          </a:effectRef>
-          <a:fontRef idx="minor">
-            <a:schemeClr val="lt1"/>
-          </a:fontRef>
-        </p:style>
-        <p:txBody>
-          <a:bodyPr rtlCol="0" anchor="ctr"/>
-          <a:lstStyle/>
-          <a:p>
-            <a:pPr algn="ctr"/>
-            <a:endParaRPr lang="zh-CN" altLang="en-US"/>
-          </a:p>
-        </p:txBody>
-      </p:sp>
-      <p:sp>
-        <p:nvSpPr>
-          <p:cNvPr id="4" name="文本框 3"/>
-          <p:cNvSpPr txBox="1"/>
-          <p:nvPr/>
-        </p:nvSpPr>
-        <p:spPr>
-          <a:xfrm>
-            <a:off x="1344017" y="929034"/>
-            <a:ext cx="9126024" cy="2308324"/>
-          </a:xfrm>
-          <a:prstGeom prst="rect">
-            <a:avLst/>
-          </a:prstGeom>
-          <a:noFill/>
-        </p:spPr>
-        <p:txBody>
-          <a:bodyPr wrap="none" rtlCol="0">
-            <a:spAutoFit/>
-          </a:bodyPr>
-          <a:lstStyle/>
-          <a:p>
-            <a:r>
-              <a:rPr lang="en-US" altLang="zh-CN" sz="7200" b="1" dirty="0" err="1" smtClean="0">
-                <a:solidFill>
-                  <a:srgbClr val="00ABB4"/>
-                </a:solidFill>
-                <a:latin typeface="微软雅黑" panose="020B0503020204020204" pitchFamily="34" charset="-122"/>
-                <a:ea typeface="微软雅黑" panose="020B0503020204020204" pitchFamily="34" charset="-122"/>
-              </a:rPr>
-              <a:t>BioRxiv</a:t>
-            </a:r>
-            <a:endParaRPr lang="en-US" altLang="zh-CN" sz="7200" b="1" dirty="0" smtClean="0">
-              <a:solidFill>
-                <a:srgbClr val="00ABB4"/>
-              </a:solidFill>
-              <a:latin typeface="微软雅黑" panose="020B0503020204020204" pitchFamily="34" charset="-122"/>
-              <a:ea typeface="微软雅黑" panose="020B0503020204020204" pitchFamily="34" charset="-122"/>
-            </a:endParaRPr>
-          </a:p>
-          <a:p>
-            <a:r>
-              <a:rPr lang="en-US" altLang="zh-CN" sz="7200" b="1" dirty="0">
-                <a:solidFill>
-                  <a:srgbClr val="00ABB4"/>
-                </a:solidFill>
-                <a:latin typeface="微软雅黑" panose="020B0503020204020204" pitchFamily="34" charset="-122"/>
-                <a:ea typeface="微软雅黑" panose="020B0503020204020204" pitchFamily="34" charset="-122"/>
-              </a:rPr>
-              <a:t>	</a:t>
-            </a:r>
-            <a:r>
-              <a:rPr lang="en-US" altLang="zh-CN" sz="7200" b="1" dirty="0" smtClean="0">
-                <a:solidFill>
-                  <a:srgbClr val="00ABB4"/>
-                </a:solidFill>
-                <a:latin typeface="微软雅黑" panose="020B0503020204020204" pitchFamily="34" charset="-122"/>
-                <a:ea typeface="微软雅黑" panose="020B0503020204020204" pitchFamily="34" charset="-122"/>
-              </a:rPr>
-              <a:t>			  </a:t>
-            </a:r>
-            <a:r>
-              <a:rPr lang="en-US" altLang="zh-CN" sz="5400" b="1" dirty="0" smtClean="0">
-                <a:solidFill>
-                  <a:srgbClr val="00ABB4"/>
-                </a:solidFill>
-                <a:latin typeface="微软雅黑" panose="020B0503020204020204" pitchFamily="34" charset="-122"/>
-                <a:ea typeface="微软雅黑" panose="020B0503020204020204" pitchFamily="34" charset="-122"/>
-              </a:rPr>
-              <a:t>Jordan , 2017</a:t>
-            </a:r>
-            <a:endParaRPr lang="zh-CN" altLang="en-US" sz="5400" dirty="0">
-              <a:solidFill>
-                <a:srgbClr val="00ABB4"/>
-              </a:solidFill>
-              <a:latin typeface="+mj-ea"/>
-              <a:ea typeface="+mj-ea"/>
-            </a:endParaRPr>
-          </a:p>
-        </p:txBody>
-      </p:sp>
-      <p:cxnSp>
-        <p:nvCxnSpPr>
-          <p:cNvPr id="18" name="直接连接符 17"/>
-          <p:cNvCxnSpPr/>
-          <p:nvPr/>
-        </p:nvCxnSpPr>
-        <p:spPr>
-          <a:xfrm>
-            <a:off x="3794758" y="3824441"/>
-            <a:ext cx="0" cy="2464837"/>
-          </a:xfrm>
-          <a:prstGeom prst="line">
-            <a:avLst/>
-          </a:prstGeom>
-          <a:ln>
-            <a:solidFill>
-              <a:schemeClr val="bg1">
-                <a:lumMod val="50000"/>
-              </a:schemeClr>
-            </a:solidFill>
-          </a:ln>
-        </p:spPr>
-        <p:style>
-          <a:lnRef idx="1">
-            <a:schemeClr val="accent1"/>
-          </a:lnRef>
-          <a:fillRef idx="0">
-            <a:schemeClr val="accent1"/>
-          </a:fillRef>
-          <a:effectRef idx="0">
-            <a:schemeClr val="accent1"/>
-          </a:effectRef>
-          <a:fontRef idx="minor">
-            <a:schemeClr val="tx1"/>
-          </a:fontRef>
-        </p:style>
-      </p:cxnSp>
-      <p:sp>
-        <p:nvSpPr>
-          <p:cNvPr id="19" name="文本框 18"/>
-          <p:cNvSpPr txBox="1"/>
-          <p:nvPr/>
-        </p:nvSpPr>
-        <p:spPr>
-          <a:xfrm>
-            <a:off x="3980554" y="4618130"/>
-            <a:ext cx="3852950" cy="630942"/>
-          </a:xfrm>
-          <a:prstGeom prst="rect">
-            <a:avLst/>
-          </a:prstGeom>
-          <a:noFill/>
-        </p:spPr>
-        <p:txBody>
-          <a:bodyPr wrap="square" rtlCol="0">
-            <a:spAutoFit/>
-          </a:bodyPr>
-          <a:lstStyle/>
-          <a:p>
-            <a:pPr marL="800100" lvl="1" indent="-342900">
-              <a:lnSpc>
-                <a:spcPct val="200000"/>
-              </a:lnSpc>
-              <a:buFont typeface="Arial" panose="020B0604020202020204" pitchFamily="34" charset="0"/>
-              <a:buChar char="•"/>
-            </a:pPr>
-            <a:r>
-              <a:rPr lang="en-US" altLang="zh-CN" sz="2000" dirty="0" smtClean="0">
-                <a:latin typeface="Meiryo" panose="020B0604030504040204" pitchFamily="34" charset="-128"/>
-                <a:ea typeface="Meiryo" panose="020B0604030504040204" pitchFamily="34" charset="-128"/>
-                <a:cs typeface="Meiryo" panose="020B0604030504040204" pitchFamily="34" charset="-128"/>
-              </a:rPr>
-              <a:t>Rodents </a:t>
-            </a:r>
-            <a:endParaRPr lang="en-US" altLang="zh-CN" sz="2000" dirty="0">
-              <a:latin typeface="Meiryo" panose="020B0604030504040204" pitchFamily="34" charset="-128"/>
-              <a:ea typeface="Meiryo" panose="020B0604030504040204" pitchFamily="34" charset="-128"/>
-              <a:cs typeface="Meiryo" panose="020B0604030504040204" pitchFamily="34" charset="-128"/>
-            </a:endParaRPr>
-          </a:p>
-        </p:txBody>
-      </p:sp>
-      <p:sp>
-        <p:nvSpPr>
-          <p:cNvPr id="17" name="文本框 16"/>
-          <p:cNvSpPr txBox="1"/>
-          <p:nvPr/>
-        </p:nvSpPr>
-        <p:spPr>
-          <a:xfrm>
-            <a:off x="1053300" y="4618130"/>
-            <a:ext cx="1699568" cy="630942"/>
-          </a:xfrm>
-          <a:prstGeom prst="rect">
-            <a:avLst/>
-          </a:prstGeom>
-          <a:noFill/>
-        </p:spPr>
-        <p:txBody>
-          <a:bodyPr wrap="none" rtlCol="0">
-            <a:spAutoFit/>
-          </a:bodyPr>
-          <a:lstStyle/>
-          <a:p>
-            <a:pPr marL="342900" indent="-342900">
-              <a:lnSpc>
-                <a:spcPct val="200000"/>
-              </a:lnSpc>
-              <a:buFont typeface="Arial" panose="020B0604020202020204" pitchFamily="34" charset="0"/>
-              <a:buChar char="•"/>
-            </a:pPr>
-            <a:r>
-              <a:rPr lang="en-US" altLang="zh-CN" sz="2000" dirty="0" smtClean="0">
-                <a:latin typeface="Meiryo" panose="020B0604030504040204" pitchFamily="34" charset="-128"/>
-                <a:ea typeface="Meiryo" panose="020B0604030504040204" pitchFamily="34" charset="-128"/>
-                <a:cs typeface="Meiryo" panose="020B0604030504040204" pitchFamily="34" charset="-128"/>
-              </a:rPr>
-              <a:t>Overview</a:t>
-            </a:r>
-          </a:p>
-        </p:txBody>
-      </p:sp>
-      <p:cxnSp>
-        <p:nvCxnSpPr>
-          <p:cNvPr id="22" name="直接连接符 21"/>
-          <p:cNvCxnSpPr/>
-          <p:nvPr/>
-        </p:nvCxnSpPr>
-        <p:spPr>
-          <a:xfrm>
-            <a:off x="7949009" y="3820584"/>
-            <a:ext cx="0" cy="2464837"/>
-          </a:xfrm>
-          <a:prstGeom prst="line">
-            <a:avLst/>
-          </a:prstGeom>
-          <a:ln>
-            <a:solidFill>
-              <a:schemeClr val="bg1">
-                <a:lumMod val="50000"/>
-              </a:schemeClr>
-            </a:solidFill>
-          </a:ln>
-        </p:spPr>
-        <p:style>
-          <a:lnRef idx="1">
-            <a:schemeClr val="accent1"/>
-          </a:lnRef>
-          <a:fillRef idx="0">
-            <a:schemeClr val="accent1"/>
-          </a:fillRef>
-          <a:effectRef idx="0">
-            <a:schemeClr val="accent1"/>
-          </a:effectRef>
-          <a:fontRef idx="minor">
-            <a:schemeClr val="tx1"/>
-          </a:fontRef>
-        </p:style>
-      </p:cxnSp>
-      <p:sp>
-        <p:nvSpPr>
-          <p:cNvPr id="23" name="文本框 22"/>
-          <p:cNvSpPr txBox="1"/>
-          <p:nvPr/>
-        </p:nvSpPr>
-        <p:spPr>
-          <a:xfrm>
-            <a:off x="8265402" y="4310353"/>
-            <a:ext cx="3926598" cy="1246495"/>
-          </a:xfrm>
-          <a:prstGeom prst="rect">
-            <a:avLst/>
-          </a:prstGeom>
-          <a:noFill/>
-        </p:spPr>
-        <p:txBody>
-          <a:bodyPr wrap="square" rtlCol="0">
-            <a:spAutoFit/>
-          </a:bodyPr>
-          <a:lstStyle/>
-          <a:p>
-            <a:pPr marL="342900" indent="-342900">
-              <a:lnSpc>
-                <a:spcPct val="200000"/>
-              </a:lnSpc>
-              <a:buFont typeface="Arial" panose="020B0604020202020204" pitchFamily="34" charset="0"/>
-              <a:buChar char="•"/>
-            </a:pPr>
-            <a:r>
-              <a:rPr lang="en-US" altLang="zh-CN" sz="2000" dirty="0" smtClean="0">
-                <a:latin typeface="Meiryo" panose="020B0604030504040204" pitchFamily="34" charset="-128"/>
-                <a:ea typeface="Meiryo" panose="020B0604030504040204" pitchFamily="34" charset="-128"/>
-                <a:cs typeface="Meiryo" panose="020B0604030504040204" pitchFamily="34" charset="-128"/>
-              </a:rPr>
-              <a:t>Storage and retrieval of memory</a:t>
-            </a:r>
-            <a:endParaRPr lang="en-US" altLang="zh-CN" sz="2000" dirty="0">
-              <a:latin typeface="Meiryo" panose="020B0604030504040204" pitchFamily="34" charset="-128"/>
-              <a:ea typeface="Meiryo" panose="020B0604030504040204" pitchFamily="34" charset="-128"/>
-              <a:cs typeface="Meiryo" panose="020B0604030504040204" pitchFamily="34" charset="-128"/>
-            </a:endParaRPr>
-          </a:p>
-        </p:txBody>
-      </p:sp>
-    </p:spTree>
-    <p:extLst>
-      <p:ext uri="{BB962C8B-B14F-4D97-AF65-F5344CB8AC3E}">
-        <p14:creationId xmlns:p14="http://schemas.microsoft.com/office/powerpoint/2010/main" val="3671178789"/>
-      </p:ext>
-    </p:extLst>
-  </p:cSld>
-  <p:clrMapOvr>
-    <a:masterClrMapping/>
-  </p:clrMapOvr>
-  <p:timing>
-    <p:tnLst>
-      <p:par>
-        <p:cTn id="1" dur="indefinite" restart="never" nodeType="tmRoot"/>
-      </p:par>
-    </p:tnLst>
-  </p:timing>
-</p:sld>
-</file>
-
-<file path=ppt/slides/slide40.xml><?xml version="1.0" encoding="utf-8"?>
+<file path=ppt/slides/slide41.xml><?xml version="1.0" encoding="utf-8"?>
 <p:sld xmlns:a="http://schemas.openxmlformats.org/drawingml/2006/main" xmlns:r="http://schemas.openxmlformats.org/officeDocument/2006/relationships" xmlns:p="http://schemas.openxmlformats.org/presentationml/2006/main">
   <p:cSld>
     <p:spTree>
@@ -23839,7 +24270,7 @@
 </p:sld>
 </file>
 
-<file path=ppt/slides/slide41.xml><?xml version="1.0" encoding="utf-8"?>
+<file path=ppt/slides/slide42.xml><?xml version="1.0" encoding="utf-8"?>
 <p:sld xmlns:a="http://schemas.openxmlformats.org/drawingml/2006/main" xmlns:r="http://schemas.openxmlformats.org/officeDocument/2006/relationships" xmlns:p="http://schemas.openxmlformats.org/presentationml/2006/main">
   <p:cSld>
     <p:spTree>
@@ -23961,7 +24392,7 @@
 </p:sld>
 </file>
 
-<file path=ppt/slides/slide42.xml><?xml version="1.0" encoding="utf-8"?>
+<file path=ppt/slides/slide43.xml><?xml version="1.0" encoding="utf-8"?>
 <p:sld xmlns:a="http://schemas.openxmlformats.org/drawingml/2006/main" xmlns:r="http://schemas.openxmlformats.org/officeDocument/2006/relationships" xmlns:p="http://schemas.openxmlformats.org/presentationml/2006/main">
   <p:cSld>
     <p:spTree>
@@ -24139,7 +24570,7 @@
 </p:sld>
 </file>
 
-<file path=ppt/slides/slide43.xml><?xml version="1.0" encoding="utf-8"?>
+<file path=ppt/slides/slide44.xml><?xml version="1.0" encoding="utf-8"?>
 <p:sld xmlns:a="http://schemas.openxmlformats.org/drawingml/2006/main" xmlns:r="http://schemas.openxmlformats.org/officeDocument/2006/relationships" xmlns:p="http://schemas.openxmlformats.org/presentationml/2006/main">
   <p:cSld>
     <p:spTree>
@@ -24396,7 +24827,7 @@
 </p:sld>
 </file>
 
-<file path=ppt/slides/slide44.xml><?xml version="1.0" encoding="utf-8"?>
+<file path=ppt/slides/slide45.xml><?xml version="1.0" encoding="utf-8"?>
 <p:sld xmlns:a="http://schemas.openxmlformats.org/drawingml/2006/main" xmlns:r="http://schemas.openxmlformats.org/officeDocument/2006/relationships" xmlns:p="http://schemas.openxmlformats.org/presentationml/2006/main">
   <p:cSld>
     <p:spTree>
@@ -24581,7 +25012,7 @@
 </p:sld>
 </file>
 
-<file path=ppt/slides/slide45.xml><?xml version="1.0" encoding="utf-8"?>
+<file path=ppt/slides/slide46.xml><?xml version="1.0" encoding="utf-8"?>
 <p:sld xmlns:a="http://schemas.openxmlformats.org/drawingml/2006/main" xmlns:r="http://schemas.openxmlformats.org/officeDocument/2006/relationships" xmlns:p="http://schemas.openxmlformats.org/presentationml/2006/main">
   <p:cSld>
     <p:spTree>
@@ -24766,7 +25197,7 @@
 </p:sld>
 </file>
 
-<file path=ppt/slides/slide46.xml><?xml version="1.0" encoding="utf-8"?>
+<file path=ppt/slides/slide47.xml><?xml version="1.0" encoding="utf-8"?>
 <p:sld xmlns:a="http://schemas.openxmlformats.org/drawingml/2006/main" xmlns:r="http://schemas.openxmlformats.org/officeDocument/2006/relationships" xmlns:p="http://schemas.openxmlformats.org/presentationml/2006/main">
   <p:cSld>
     <p:spTree>
@@ -24888,7 +25319,7 @@
 </p:sld>
 </file>
 
-<file path=ppt/slides/slide47.xml><?xml version="1.0" encoding="utf-8"?>
+<file path=ppt/slides/slide48.xml><?xml version="1.0" encoding="utf-8"?>
 <p:sld xmlns:a="http://schemas.openxmlformats.org/drawingml/2006/main" xmlns:r="http://schemas.openxmlformats.org/officeDocument/2006/relationships" xmlns:p="http://schemas.openxmlformats.org/presentationml/2006/main">
   <p:cSld>
     <p:spTree>
@@ -25093,7 +25524,7 @@
 </p:sld>
 </file>
 
-<file path=ppt/slides/slide48.xml><?xml version="1.0" encoding="utf-8"?>
+<file path=ppt/slides/slide49.xml><?xml version="1.0" encoding="utf-8"?>
 <p:sld xmlns:a="http://schemas.openxmlformats.org/drawingml/2006/main" xmlns:r="http://schemas.openxmlformats.org/officeDocument/2006/relationships" xmlns:p="http://schemas.openxmlformats.org/presentationml/2006/main">
   <p:cSld>
     <p:spTree>
@@ -25215,7 +25646,301 @@
 </p:sld>
 </file>
 
-<file path=ppt/slides/slide49.xml><?xml version="1.0" encoding="utf-8"?>
+<file path=ppt/slides/slide5.xml><?xml version="1.0" encoding="utf-8"?>
+<p:sld xmlns:a="http://schemas.openxmlformats.org/drawingml/2006/main" xmlns:r="http://schemas.openxmlformats.org/officeDocument/2006/relationships" xmlns:p="http://schemas.openxmlformats.org/presentationml/2006/main">
+  <p:cSld>
+    <p:spTree>
+      <p:nvGrpSpPr>
+        <p:cNvPr id="1" name=""/>
+        <p:cNvGrpSpPr/>
+        <p:nvPr/>
+      </p:nvGrpSpPr>
+      <p:grpSpPr>
+        <a:xfrm>
+          <a:off x="0" y="0"/>
+          <a:ext cx="0" cy="0"/>
+          <a:chOff x="0" y="0"/>
+          <a:chExt cx="0" cy="0"/>
+        </a:xfrm>
+      </p:grpSpPr>
+      <p:sp>
+        <p:nvSpPr>
+          <p:cNvPr id="5" name="矩形 4"/>
+          <p:cNvSpPr/>
+          <p:nvPr/>
+        </p:nvSpPr>
+        <p:spPr>
+          <a:xfrm>
+            <a:off x="6005399" y="3447534"/>
+            <a:ext cx="6172200" cy="3410465"/>
+          </a:xfrm>
+          <a:prstGeom prst="rect">
+            <a:avLst/>
+          </a:prstGeom>
+          <a:solidFill>
+            <a:schemeClr val="bg1">
+              <a:lumMod val="95000"/>
+            </a:schemeClr>
+          </a:solidFill>
+          <a:ln>
+            <a:noFill/>
+          </a:ln>
+        </p:spPr>
+        <p:style>
+          <a:lnRef idx="2">
+            <a:schemeClr val="accent1">
+              <a:shade val="50000"/>
+            </a:schemeClr>
+          </a:lnRef>
+          <a:fillRef idx="1">
+            <a:schemeClr val="accent1"/>
+          </a:fillRef>
+          <a:effectRef idx="0">
+            <a:schemeClr val="accent1"/>
+          </a:effectRef>
+          <a:fontRef idx="minor">
+            <a:schemeClr val="lt1"/>
+          </a:fontRef>
+        </p:style>
+        <p:txBody>
+          <a:bodyPr rtlCol="0" anchor="ctr"/>
+          <a:lstStyle/>
+          <a:p>
+            <a:pPr algn="ctr"/>
+            <a:endParaRPr lang="zh-CN" altLang="en-US"/>
+          </a:p>
+        </p:txBody>
+      </p:sp>
+      <p:sp>
+        <p:nvSpPr>
+          <p:cNvPr id="29" name="矩形 28"/>
+          <p:cNvSpPr/>
+          <p:nvPr/>
+        </p:nvSpPr>
+        <p:spPr>
+          <a:xfrm>
+            <a:off x="12346" y="1"/>
+            <a:ext cx="6006821" cy="3447534"/>
+          </a:xfrm>
+          <a:prstGeom prst="rect">
+            <a:avLst/>
+          </a:prstGeom>
+          <a:solidFill>
+            <a:schemeClr val="bg1">
+              <a:lumMod val="95000"/>
+            </a:schemeClr>
+          </a:solidFill>
+          <a:ln>
+            <a:noFill/>
+          </a:ln>
+        </p:spPr>
+        <p:style>
+          <a:lnRef idx="2">
+            <a:schemeClr val="accent1">
+              <a:shade val="50000"/>
+            </a:schemeClr>
+          </a:lnRef>
+          <a:fillRef idx="1">
+            <a:schemeClr val="accent1"/>
+          </a:fillRef>
+          <a:effectRef idx="0">
+            <a:schemeClr val="accent1"/>
+          </a:effectRef>
+          <a:fontRef idx="minor">
+            <a:schemeClr val="lt1"/>
+          </a:fontRef>
+        </p:style>
+        <p:txBody>
+          <a:bodyPr rtlCol="0" anchor="ctr"/>
+          <a:lstStyle/>
+          <a:p>
+            <a:pPr algn="ctr"/>
+            <a:endParaRPr lang="zh-CN" altLang="en-US"/>
+          </a:p>
+        </p:txBody>
+      </p:sp>
+      <p:sp>
+        <p:nvSpPr>
+          <p:cNvPr id="30" name="文本框 29"/>
+          <p:cNvSpPr txBox="1"/>
+          <p:nvPr/>
+        </p:nvSpPr>
+        <p:spPr>
+          <a:xfrm>
+            <a:off x="662539" y="294935"/>
+            <a:ext cx="5947811" cy="769441"/>
+          </a:xfrm>
+          <a:prstGeom prst="rect">
+            <a:avLst/>
+          </a:prstGeom>
+          <a:noFill/>
+        </p:spPr>
+        <p:txBody>
+          <a:bodyPr wrap="square" rtlCol="0">
+            <a:spAutoFit/>
+          </a:bodyPr>
+          <a:lstStyle/>
+          <a:p>
+            <a:r>
+              <a:rPr lang="en-US" altLang="zh-CN" sz="4400" b="1" dirty="0" smtClean="0">
+                <a:solidFill>
+                  <a:srgbClr val="00ABB4"/>
+                </a:solidFill>
+                <a:latin typeface="微软雅黑" panose="020B0503020204020204" pitchFamily="34" charset="-122"/>
+                <a:ea typeface="微软雅黑" panose="020B0503020204020204" pitchFamily="34" charset="-122"/>
+              </a:rPr>
+              <a:t>Conclusions</a:t>
+            </a:r>
+            <a:endParaRPr lang="en-US" altLang="zh-CN" sz="4400" b="1" dirty="0">
+              <a:solidFill>
+                <a:srgbClr val="00ABB4"/>
+              </a:solidFill>
+              <a:latin typeface="微软雅黑" panose="020B0503020204020204" pitchFamily="34" charset="-122"/>
+              <a:ea typeface="微软雅黑" panose="020B0503020204020204" pitchFamily="34" charset="-122"/>
+            </a:endParaRPr>
+          </a:p>
+        </p:txBody>
+      </p:sp>
+      <p:sp>
+        <p:nvSpPr>
+          <p:cNvPr id="31" name="Rectangle 96"/>
+          <p:cNvSpPr/>
+          <p:nvPr/>
+        </p:nvSpPr>
+        <p:spPr>
+          <a:xfrm>
+            <a:off x="882750" y="1406718"/>
+            <a:ext cx="10245297" cy="3539430"/>
+          </a:xfrm>
+          <a:prstGeom prst="rect">
+            <a:avLst/>
+          </a:prstGeom>
+        </p:spPr>
+        <p:txBody>
+          <a:bodyPr wrap="square">
+            <a:spAutoFit/>
+          </a:bodyPr>
+          <a:lstStyle/>
+          <a:p>
+            <a:pPr marL="342900" indent="-342900">
+              <a:lnSpc>
+                <a:spcPct val="200000"/>
+              </a:lnSpc>
+              <a:buFont typeface="Arial" panose="020B0604020202020204" pitchFamily="34" charset="0"/>
+              <a:buChar char="•"/>
+            </a:pPr>
+            <a:r>
+              <a:rPr lang="en-US" altLang="zh-CN" sz="2800" b="1" dirty="0" smtClean="0">
+                <a:latin typeface="Meiryo" panose="020B0604030504040204" pitchFamily="34" charset="-128"/>
+                <a:ea typeface="Meiryo" panose="020B0604030504040204" pitchFamily="34" charset="-128"/>
+                <a:cs typeface="Meiryo" panose="020B0604030504040204" pitchFamily="34" charset="-128"/>
+              </a:rPr>
+              <a:t>Synaptic Physiology:</a:t>
+            </a:r>
+          </a:p>
+          <a:p>
+            <a:pPr marL="800100" lvl="1" indent="-342900">
+              <a:lnSpc>
+                <a:spcPct val="200000"/>
+              </a:lnSpc>
+              <a:buFont typeface="Arial" panose="020B0604020202020204" pitchFamily="34" charset="0"/>
+              <a:buChar char="•"/>
+            </a:pPr>
+            <a:r>
+              <a:rPr lang="en-US" altLang="zh-CN" sz="2800" b="1" dirty="0" smtClean="0">
+                <a:latin typeface="Meiryo" panose="020B0604030504040204" pitchFamily="34" charset="-128"/>
+                <a:ea typeface="Meiryo" panose="020B0604030504040204" pitchFamily="34" charset="-128"/>
+                <a:cs typeface="Meiryo" panose="020B0604030504040204" pitchFamily="34" charset="-128"/>
+              </a:rPr>
+              <a:t> </a:t>
+            </a:r>
+            <a:r>
+              <a:rPr lang="en-US" altLang="zh-CN" sz="2800" dirty="0">
+                <a:latin typeface="Meiryo" panose="020B0604030504040204" pitchFamily="34" charset="-128"/>
+                <a:ea typeface="Meiryo" panose="020B0604030504040204" pitchFamily="34" charset="-128"/>
+                <a:cs typeface="Meiryo" panose="020B0604030504040204" pitchFamily="34" charset="-128"/>
+              </a:rPr>
+              <a:t>left-dominance of NR2B </a:t>
+            </a:r>
+            <a:r>
+              <a:rPr lang="en-US" altLang="zh-CN" sz="2800" dirty="0" smtClean="0">
+                <a:latin typeface="Meiryo" panose="020B0604030504040204" pitchFamily="34" charset="-128"/>
+                <a:ea typeface="Meiryo" panose="020B0604030504040204" pitchFamily="34" charset="-128"/>
+                <a:cs typeface="Meiryo" panose="020B0604030504040204" pitchFamily="34" charset="-128"/>
+              </a:rPr>
+              <a:t>density</a:t>
+            </a:r>
+          </a:p>
+          <a:p>
+            <a:pPr marL="800100" lvl="1" indent="-342900">
+              <a:lnSpc>
+                <a:spcPct val="200000"/>
+              </a:lnSpc>
+              <a:buFont typeface="Arial" panose="020B0604020202020204" pitchFamily="34" charset="0"/>
+              <a:buChar char="•"/>
+            </a:pPr>
+            <a:r>
+              <a:rPr lang="en-US" altLang="zh-CN" sz="2800" dirty="0">
+                <a:latin typeface="Meiryo" panose="020B0604030504040204" pitchFamily="34" charset="-128"/>
+                <a:ea typeface="Meiryo" panose="020B0604030504040204" pitchFamily="34" charset="-128"/>
+                <a:cs typeface="Meiryo" panose="020B0604030504040204" pitchFamily="34" charset="-128"/>
+              </a:rPr>
+              <a:t>right-dominance of GluR1 density </a:t>
+            </a:r>
+          </a:p>
+          <a:p>
+            <a:pPr marL="800100" lvl="1" indent="-342900">
+              <a:lnSpc>
+                <a:spcPct val="200000"/>
+              </a:lnSpc>
+              <a:buFont typeface="Arial" panose="020B0604020202020204" pitchFamily="34" charset="0"/>
+              <a:buChar char="•"/>
+            </a:pPr>
+            <a:r>
+              <a:rPr lang="en-US" altLang="zh-CN" sz="2800" dirty="0">
+                <a:latin typeface="Meiryo" panose="020B0604030504040204" pitchFamily="34" charset="-128"/>
+                <a:ea typeface="Meiryo" panose="020B0604030504040204" pitchFamily="34" charset="-128"/>
+                <a:cs typeface="Meiryo" panose="020B0604030504040204" pitchFamily="34" charset="-128"/>
+              </a:rPr>
+              <a:t>left-dominance at Schaffer collateral </a:t>
+            </a:r>
+            <a:r>
+              <a:rPr lang="en-US" altLang="zh-CN" sz="2800" dirty="0" smtClean="0">
+                <a:latin typeface="Meiryo" panose="020B0604030504040204" pitchFamily="34" charset="-128"/>
+                <a:ea typeface="Meiryo" panose="020B0604030504040204" pitchFamily="34" charset="-128"/>
+                <a:cs typeface="Meiryo" panose="020B0604030504040204" pitchFamily="34" charset="-128"/>
+              </a:rPr>
+              <a:t>synapses</a:t>
+            </a:r>
+            <a:endParaRPr lang="en-US" altLang="zh-CN" sz="2800" dirty="0">
+              <a:latin typeface="Meiryo" panose="020B0604030504040204" pitchFamily="34" charset="-128"/>
+              <a:ea typeface="Meiryo" panose="020B0604030504040204" pitchFamily="34" charset="-128"/>
+              <a:cs typeface="Meiryo" panose="020B0604030504040204" pitchFamily="34" charset="-128"/>
+            </a:endParaRPr>
+          </a:p>
+        </p:txBody>
+      </p:sp>
+    </p:spTree>
+    <p:extLst>
+      <p:ext uri="{BB962C8B-B14F-4D97-AF65-F5344CB8AC3E}">
+        <p14:creationId xmlns:p14="http://schemas.microsoft.com/office/powerpoint/2010/main" val="1349955321"/>
+      </p:ext>
+    </p:extLst>
+  </p:cSld>
+  <p:clrMapOvr>
+    <a:masterClrMapping/>
+  </p:clrMapOvr>
+  <p:timing>
+    <p:tnLst>
+      <p:par>
+        <p:cTn id="1" dur="indefinite" restart="never" nodeType="tmRoot"/>
+      </p:par>
+    </p:tnLst>
+  </p:timing>
+</p:sld>
+</file>
+
+<file path=ppt/slides/slide50.xml><?xml version="1.0" encoding="utf-8"?>
 <p:sld xmlns:a="http://schemas.openxmlformats.org/drawingml/2006/main" xmlns:r="http://schemas.openxmlformats.org/officeDocument/2006/relationships" xmlns:p="http://schemas.openxmlformats.org/presentationml/2006/main">
   <p:cSld>
     <p:spTree>
@@ -25337,301 +26062,7 @@
 </p:sld>
 </file>
 
-<file path=ppt/slides/slide5.xml><?xml version="1.0" encoding="utf-8"?>
-<p:sld xmlns:a="http://schemas.openxmlformats.org/drawingml/2006/main" xmlns:r="http://schemas.openxmlformats.org/officeDocument/2006/relationships" xmlns:p="http://schemas.openxmlformats.org/presentationml/2006/main">
-  <p:cSld>
-    <p:spTree>
-      <p:nvGrpSpPr>
-        <p:cNvPr id="1" name=""/>
-        <p:cNvGrpSpPr/>
-        <p:nvPr/>
-      </p:nvGrpSpPr>
-      <p:grpSpPr>
-        <a:xfrm>
-          <a:off x="0" y="0"/>
-          <a:ext cx="0" cy="0"/>
-          <a:chOff x="0" y="0"/>
-          <a:chExt cx="0" cy="0"/>
-        </a:xfrm>
-      </p:grpSpPr>
-      <p:sp>
-        <p:nvSpPr>
-          <p:cNvPr id="5" name="矩形 4"/>
-          <p:cNvSpPr/>
-          <p:nvPr/>
-        </p:nvSpPr>
-        <p:spPr>
-          <a:xfrm>
-            <a:off x="6005399" y="3447534"/>
-            <a:ext cx="6172200" cy="3410465"/>
-          </a:xfrm>
-          <a:prstGeom prst="rect">
-            <a:avLst/>
-          </a:prstGeom>
-          <a:solidFill>
-            <a:schemeClr val="bg1">
-              <a:lumMod val="95000"/>
-            </a:schemeClr>
-          </a:solidFill>
-          <a:ln>
-            <a:noFill/>
-          </a:ln>
-        </p:spPr>
-        <p:style>
-          <a:lnRef idx="2">
-            <a:schemeClr val="accent1">
-              <a:shade val="50000"/>
-            </a:schemeClr>
-          </a:lnRef>
-          <a:fillRef idx="1">
-            <a:schemeClr val="accent1"/>
-          </a:fillRef>
-          <a:effectRef idx="0">
-            <a:schemeClr val="accent1"/>
-          </a:effectRef>
-          <a:fontRef idx="minor">
-            <a:schemeClr val="lt1"/>
-          </a:fontRef>
-        </p:style>
-        <p:txBody>
-          <a:bodyPr rtlCol="0" anchor="ctr"/>
-          <a:lstStyle/>
-          <a:p>
-            <a:pPr algn="ctr"/>
-            <a:endParaRPr lang="zh-CN" altLang="en-US"/>
-          </a:p>
-        </p:txBody>
-      </p:sp>
-      <p:sp>
-        <p:nvSpPr>
-          <p:cNvPr id="29" name="矩形 28"/>
-          <p:cNvSpPr/>
-          <p:nvPr/>
-        </p:nvSpPr>
-        <p:spPr>
-          <a:xfrm>
-            <a:off x="12346" y="1"/>
-            <a:ext cx="6006821" cy="3447534"/>
-          </a:xfrm>
-          <a:prstGeom prst="rect">
-            <a:avLst/>
-          </a:prstGeom>
-          <a:solidFill>
-            <a:schemeClr val="bg1">
-              <a:lumMod val="95000"/>
-            </a:schemeClr>
-          </a:solidFill>
-          <a:ln>
-            <a:noFill/>
-          </a:ln>
-        </p:spPr>
-        <p:style>
-          <a:lnRef idx="2">
-            <a:schemeClr val="accent1">
-              <a:shade val="50000"/>
-            </a:schemeClr>
-          </a:lnRef>
-          <a:fillRef idx="1">
-            <a:schemeClr val="accent1"/>
-          </a:fillRef>
-          <a:effectRef idx="0">
-            <a:schemeClr val="accent1"/>
-          </a:effectRef>
-          <a:fontRef idx="minor">
-            <a:schemeClr val="lt1"/>
-          </a:fontRef>
-        </p:style>
-        <p:txBody>
-          <a:bodyPr rtlCol="0" anchor="ctr"/>
-          <a:lstStyle/>
-          <a:p>
-            <a:pPr algn="ctr"/>
-            <a:endParaRPr lang="zh-CN" altLang="en-US"/>
-          </a:p>
-        </p:txBody>
-      </p:sp>
-      <p:sp>
-        <p:nvSpPr>
-          <p:cNvPr id="30" name="文本框 29"/>
-          <p:cNvSpPr txBox="1"/>
-          <p:nvPr/>
-        </p:nvSpPr>
-        <p:spPr>
-          <a:xfrm>
-            <a:off x="662539" y="294935"/>
-            <a:ext cx="5947811" cy="769441"/>
-          </a:xfrm>
-          <a:prstGeom prst="rect">
-            <a:avLst/>
-          </a:prstGeom>
-          <a:noFill/>
-        </p:spPr>
-        <p:txBody>
-          <a:bodyPr wrap="square" rtlCol="0">
-            <a:spAutoFit/>
-          </a:bodyPr>
-          <a:lstStyle/>
-          <a:p>
-            <a:r>
-              <a:rPr lang="en-US" altLang="zh-CN" sz="4400" b="1" dirty="0" smtClean="0">
-                <a:solidFill>
-                  <a:srgbClr val="00ABB4"/>
-                </a:solidFill>
-                <a:latin typeface="微软雅黑" panose="020B0503020204020204" pitchFamily="34" charset="-122"/>
-                <a:ea typeface="微软雅黑" panose="020B0503020204020204" pitchFamily="34" charset="-122"/>
-              </a:rPr>
-              <a:t>Conclusions</a:t>
-            </a:r>
-            <a:endParaRPr lang="en-US" altLang="zh-CN" sz="4400" b="1" dirty="0">
-              <a:solidFill>
-                <a:srgbClr val="00ABB4"/>
-              </a:solidFill>
-              <a:latin typeface="微软雅黑" panose="020B0503020204020204" pitchFamily="34" charset="-122"/>
-              <a:ea typeface="微软雅黑" panose="020B0503020204020204" pitchFamily="34" charset="-122"/>
-            </a:endParaRPr>
-          </a:p>
-        </p:txBody>
-      </p:sp>
-      <p:sp>
-        <p:nvSpPr>
-          <p:cNvPr id="31" name="Rectangle 96"/>
-          <p:cNvSpPr/>
-          <p:nvPr/>
-        </p:nvSpPr>
-        <p:spPr>
-          <a:xfrm>
-            <a:off x="882750" y="1406718"/>
-            <a:ext cx="10245297" cy="3539430"/>
-          </a:xfrm>
-          <a:prstGeom prst="rect">
-            <a:avLst/>
-          </a:prstGeom>
-        </p:spPr>
-        <p:txBody>
-          <a:bodyPr wrap="square">
-            <a:spAutoFit/>
-          </a:bodyPr>
-          <a:lstStyle/>
-          <a:p>
-            <a:pPr marL="342900" indent="-342900">
-              <a:lnSpc>
-                <a:spcPct val="200000"/>
-              </a:lnSpc>
-              <a:buFont typeface="Arial" panose="020B0604020202020204" pitchFamily="34" charset="0"/>
-              <a:buChar char="•"/>
-            </a:pPr>
-            <a:r>
-              <a:rPr lang="en-US" altLang="zh-CN" sz="2800" b="1" dirty="0" smtClean="0">
-                <a:latin typeface="Meiryo" panose="020B0604030504040204" pitchFamily="34" charset="-128"/>
-                <a:ea typeface="Meiryo" panose="020B0604030504040204" pitchFamily="34" charset="-128"/>
-                <a:cs typeface="Meiryo" panose="020B0604030504040204" pitchFamily="34" charset="-128"/>
-              </a:rPr>
-              <a:t>Synaptic Physiology:</a:t>
-            </a:r>
-          </a:p>
-          <a:p>
-            <a:pPr marL="800100" lvl="1" indent="-342900">
-              <a:lnSpc>
-                <a:spcPct val="200000"/>
-              </a:lnSpc>
-              <a:buFont typeface="Arial" panose="020B0604020202020204" pitchFamily="34" charset="0"/>
-              <a:buChar char="•"/>
-            </a:pPr>
-            <a:r>
-              <a:rPr lang="en-US" altLang="zh-CN" sz="2800" b="1" dirty="0" smtClean="0">
-                <a:latin typeface="Meiryo" panose="020B0604030504040204" pitchFamily="34" charset="-128"/>
-                <a:ea typeface="Meiryo" panose="020B0604030504040204" pitchFamily="34" charset="-128"/>
-                <a:cs typeface="Meiryo" panose="020B0604030504040204" pitchFamily="34" charset="-128"/>
-              </a:rPr>
-              <a:t> </a:t>
-            </a:r>
-            <a:r>
-              <a:rPr lang="en-US" altLang="zh-CN" sz="2800" dirty="0">
-                <a:latin typeface="Meiryo" panose="020B0604030504040204" pitchFamily="34" charset="-128"/>
-                <a:ea typeface="Meiryo" panose="020B0604030504040204" pitchFamily="34" charset="-128"/>
-                <a:cs typeface="Meiryo" panose="020B0604030504040204" pitchFamily="34" charset="-128"/>
-              </a:rPr>
-              <a:t>left-dominance of NR2B </a:t>
-            </a:r>
-            <a:r>
-              <a:rPr lang="en-US" altLang="zh-CN" sz="2800" dirty="0" smtClean="0">
-                <a:latin typeface="Meiryo" panose="020B0604030504040204" pitchFamily="34" charset="-128"/>
-                <a:ea typeface="Meiryo" panose="020B0604030504040204" pitchFamily="34" charset="-128"/>
-                <a:cs typeface="Meiryo" panose="020B0604030504040204" pitchFamily="34" charset="-128"/>
-              </a:rPr>
-              <a:t>density</a:t>
-            </a:r>
-          </a:p>
-          <a:p>
-            <a:pPr marL="800100" lvl="1" indent="-342900">
-              <a:lnSpc>
-                <a:spcPct val="200000"/>
-              </a:lnSpc>
-              <a:buFont typeface="Arial" panose="020B0604020202020204" pitchFamily="34" charset="0"/>
-              <a:buChar char="•"/>
-            </a:pPr>
-            <a:r>
-              <a:rPr lang="en-US" altLang="zh-CN" sz="2800" dirty="0">
-                <a:latin typeface="Meiryo" panose="020B0604030504040204" pitchFamily="34" charset="-128"/>
-                <a:ea typeface="Meiryo" panose="020B0604030504040204" pitchFamily="34" charset="-128"/>
-                <a:cs typeface="Meiryo" panose="020B0604030504040204" pitchFamily="34" charset="-128"/>
-              </a:rPr>
-              <a:t>right-dominance of GluR1 density </a:t>
-            </a:r>
-          </a:p>
-          <a:p>
-            <a:pPr marL="800100" lvl="1" indent="-342900">
-              <a:lnSpc>
-                <a:spcPct val="200000"/>
-              </a:lnSpc>
-              <a:buFont typeface="Arial" panose="020B0604020202020204" pitchFamily="34" charset="0"/>
-              <a:buChar char="•"/>
-            </a:pPr>
-            <a:r>
-              <a:rPr lang="en-US" altLang="zh-CN" sz="2800" dirty="0">
-                <a:latin typeface="Meiryo" panose="020B0604030504040204" pitchFamily="34" charset="-128"/>
-                <a:ea typeface="Meiryo" panose="020B0604030504040204" pitchFamily="34" charset="-128"/>
-                <a:cs typeface="Meiryo" panose="020B0604030504040204" pitchFamily="34" charset="-128"/>
-              </a:rPr>
-              <a:t>left-dominance at Schaffer collateral </a:t>
-            </a:r>
-            <a:r>
-              <a:rPr lang="en-US" altLang="zh-CN" sz="2800" dirty="0" smtClean="0">
-                <a:latin typeface="Meiryo" panose="020B0604030504040204" pitchFamily="34" charset="-128"/>
-                <a:ea typeface="Meiryo" panose="020B0604030504040204" pitchFamily="34" charset="-128"/>
-                <a:cs typeface="Meiryo" panose="020B0604030504040204" pitchFamily="34" charset="-128"/>
-              </a:rPr>
-              <a:t>synapses</a:t>
-            </a:r>
-            <a:endParaRPr lang="en-US" altLang="zh-CN" sz="2800" dirty="0">
-              <a:latin typeface="Meiryo" panose="020B0604030504040204" pitchFamily="34" charset="-128"/>
-              <a:ea typeface="Meiryo" panose="020B0604030504040204" pitchFamily="34" charset="-128"/>
-              <a:cs typeface="Meiryo" panose="020B0604030504040204" pitchFamily="34" charset="-128"/>
-            </a:endParaRPr>
-          </a:p>
-        </p:txBody>
-      </p:sp>
-    </p:spTree>
-    <p:extLst>
-      <p:ext uri="{BB962C8B-B14F-4D97-AF65-F5344CB8AC3E}">
-        <p14:creationId xmlns:p14="http://schemas.microsoft.com/office/powerpoint/2010/main" val="1349955321"/>
-      </p:ext>
-    </p:extLst>
-  </p:cSld>
-  <p:clrMapOvr>
-    <a:masterClrMapping/>
-  </p:clrMapOvr>
-  <p:timing>
-    <p:tnLst>
-      <p:par>
-        <p:cTn id="1" dur="indefinite" restart="never" nodeType="tmRoot"/>
-      </p:par>
-    </p:tnLst>
-  </p:timing>
-</p:sld>
-</file>
-
-<file path=ppt/slides/slide50.xml><?xml version="1.0" encoding="utf-8"?>
+<file path=ppt/slides/slide51.xml><?xml version="1.0" encoding="utf-8"?>
 <p:sld xmlns:a="http://schemas.openxmlformats.org/drawingml/2006/main" xmlns:r="http://schemas.openxmlformats.org/officeDocument/2006/relationships" xmlns:p="http://schemas.openxmlformats.org/presentationml/2006/main">
   <p:cSld>
     <p:spTree>
@@ -25830,7 +26261,7 @@
 </p:sld>
 </file>
 
-<file path=ppt/slides/slide51.xml><?xml version="1.0" encoding="utf-8"?>
+<file path=ppt/slides/slide52.xml><?xml version="1.0" encoding="utf-8"?>
 <p:sld xmlns:a="http://schemas.openxmlformats.org/drawingml/2006/main" xmlns:r="http://schemas.openxmlformats.org/officeDocument/2006/relationships" xmlns:p="http://schemas.openxmlformats.org/presentationml/2006/main">
   <p:cSld>
     <p:spTree>
@@ -25952,7 +26383,7 @@
 </p:sld>
 </file>
 
-<file path=ppt/slides/slide52.xml><?xml version="1.0" encoding="utf-8"?>
+<file path=ppt/slides/slide53.xml><?xml version="1.0" encoding="utf-8"?>
 <p:sld xmlns:a="http://schemas.openxmlformats.org/drawingml/2006/main" xmlns:r="http://schemas.openxmlformats.org/officeDocument/2006/relationships" xmlns:p="http://schemas.openxmlformats.org/presentationml/2006/main">
   <p:cSld>
     <p:spTree>
@@ -26101,7 +26532,7 @@
 </p:sld>
 </file>
 
-<file path=ppt/slides/slide53.xml><?xml version="1.0" encoding="utf-8"?>
+<file path=ppt/slides/slide54.xml><?xml version="1.0" encoding="utf-8"?>
 <p:sld xmlns:a="http://schemas.openxmlformats.org/drawingml/2006/main" xmlns:r="http://schemas.openxmlformats.org/officeDocument/2006/relationships" xmlns:p="http://schemas.openxmlformats.org/presentationml/2006/main">
   <p:cSld>
     <p:spTree>
@@ -26223,7 +26654,254 @@
 </p:sld>
 </file>
 
-<file path=ppt/slides/slide54.xml><?xml version="1.0" encoding="utf-8"?>
+<file path=ppt/slides/slide55.xml><?xml version="1.0" encoding="utf-8"?>
+<p:sld xmlns:a="http://schemas.openxmlformats.org/drawingml/2006/main" xmlns:r="http://schemas.openxmlformats.org/officeDocument/2006/relationships" xmlns:p="http://schemas.openxmlformats.org/presentationml/2006/main">
+  <p:cSld>
+    <p:spTree>
+      <p:nvGrpSpPr>
+        <p:cNvPr id="1" name=""/>
+        <p:cNvGrpSpPr/>
+        <p:nvPr/>
+      </p:nvGrpSpPr>
+      <p:grpSpPr>
+        <a:xfrm>
+          <a:off x="0" y="0"/>
+          <a:ext cx="0" cy="0"/>
+          <a:chOff x="0" y="0"/>
+          <a:chExt cx="0" cy="0"/>
+        </a:xfrm>
+      </p:grpSpPr>
+      <p:sp>
+        <p:nvSpPr>
+          <p:cNvPr id="29" name="矩形 28"/>
+          <p:cNvSpPr/>
+          <p:nvPr/>
+        </p:nvSpPr>
+        <p:spPr>
+          <a:xfrm>
+            <a:off x="5918899" y="0"/>
+            <a:ext cx="6260123" cy="6858000"/>
+          </a:xfrm>
+          <a:prstGeom prst="rect">
+            <a:avLst/>
+          </a:prstGeom>
+          <a:solidFill>
+            <a:schemeClr val="bg1">
+              <a:lumMod val="95000"/>
+            </a:schemeClr>
+          </a:solidFill>
+          <a:ln>
+            <a:noFill/>
+          </a:ln>
+        </p:spPr>
+        <p:style>
+          <a:lnRef idx="2">
+            <a:schemeClr val="accent1">
+              <a:shade val="50000"/>
+            </a:schemeClr>
+          </a:lnRef>
+          <a:fillRef idx="1">
+            <a:schemeClr val="accent1"/>
+          </a:fillRef>
+          <a:effectRef idx="0">
+            <a:schemeClr val="accent1"/>
+          </a:effectRef>
+          <a:fontRef idx="minor">
+            <a:schemeClr val="lt1"/>
+          </a:fontRef>
+        </p:style>
+        <p:txBody>
+          <a:bodyPr rtlCol="0" anchor="ctr"/>
+          <a:lstStyle/>
+          <a:p>
+            <a:pPr algn="ctr"/>
+            <a:endParaRPr lang="zh-CN" altLang="en-US" dirty="0"/>
+          </a:p>
+        </p:txBody>
+      </p:sp>
+      <p:sp>
+        <p:nvSpPr>
+          <p:cNvPr id="31" name="Rectangle 96"/>
+          <p:cNvSpPr/>
+          <p:nvPr/>
+        </p:nvSpPr>
+        <p:spPr>
+          <a:xfrm>
+            <a:off x="209551" y="396776"/>
+            <a:ext cx="5709348" cy="2677656"/>
+          </a:xfrm>
+          <a:prstGeom prst="rect">
+            <a:avLst/>
+          </a:prstGeom>
+        </p:spPr>
+        <p:txBody>
+          <a:bodyPr wrap="square">
+            <a:spAutoFit/>
+          </a:bodyPr>
+          <a:lstStyle/>
+          <a:p>
+            <a:pPr>
+              <a:lnSpc>
+                <a:spcPct val="150000"/>
+              </a:lnSpc>
+            </a:pPr>
+            <a:endParaRPr lang="en-US" altLang="zh-CN" sz="2800" b="1" dirty="0" smtClean="0">
+              <a:ea typeface="Roboto Cn" pitchFamily="2" charset="0"/>
+              <a:cs typeface="Arial" panose="020B0604020202020204" pitchFamily="34" charset="0"/>
+            </a:endParaRPr>
+          </a:p>
+          <a:p>
+            <a:pPr marL="742950" lvl="1" indent="-285750">
+              <a:lnSpc>
+                <a:spcPct val="150000"/>
+              </a:lnSpc>
+              <a:buFont typeface="Arial" panose="020B0604020202020204" pitchFamily="34" charset="0"/>
+              <a:buChar char="•"/>
+            </a:pPr>
+            <a:endParaRPr lang="en-US" altLang="zh-CN" sz="2800" dirty="0" smtClean="0"/>
+          </a:p>
+          <a:p>
+            <a:pPr marL="742950" lvl="1" indent="-285750">
+              <a:lnSpc>
+                <a:spcPct val="150000"/>
+              </a:lnSpc>
+              <a:buFont typeface="Arial" panose="020B0604020202020204" pitchFamily="34" charset="0"/>
+              <a:buChar char="•"/>
+            </a:pPr>
+            <a:r>
+              <a:rPr lang="en-US" altLang="zh-CN" sz="2800" b="1" dirty="0" smtClean="0"/>
+              <a:t>Silencing</a:t>
+            </a:r>
+            <a:r>
+              <a:rPr lang="en-US" altLang="zh-CN" sz="2800" dirty="0"/>
+              <a:t/>
+            </a:r>
+            <a:br>
+              <a:rPr lang="en-US" altLang="zh-CN" sz="2800" dirty="0"/>
+            </a:br>
+            <a:endParaRPr lang="en-US" altLang="zh-CN" sz="2800" dirty="0"/>
+          </a:p>
+        </p:txBody>
+      </p:sp>
+      <p:sp>
+        <p:nvSpPr>
+          <p:cNvPr id="5" name="Rectangle 96"/>
+          <p:cNvSpPr/>
+          <p:nvPr/>
+        </p:nvSpPr>
+        <p:spPr>
+          <a:xfrm>
+            <a:off x="6194286" y="396776"/>
+            <a:ext cx="5709348" cy="2031325"/>
+          </a:xfrm>
+          <a:prstGeom prst="rect">
+            <a:avLst/>
+          </a:prstGeom>
+        </p:spPr>
+        <p:txBody>
+          <a:bodyPr wrap="square">
+            <a:spAutoFit/>
+          </a:bodyPr>
+          <a:lstStyle/>
+          <a:p>
+            <a:pPr marL="742950" lvl="1" indent="-285750">
+              <a:lnSpc>
+                <a:spcPct val="150000"/>
+              </a:lnSpc>
+              <a:buFont typeface="Arial" panose="020B0604020202020204" pitchFamily="34" charset="0"/>
+              <a:buChar char="•"/>
+            </a:pPr>
+            <a:endParaRPr lang="en-US" altLang="zh-CN" sz="2800" dirty="0" smtClean="0"/>
+          </a:p>
+          <a:p>
+            <a:pPr marL="285750" indent="-285750">
+              <a:lnSpc>
+                <a:spcPct val="150000"/>
+              </a:lnSpc>
+              <a:buFont typeface="Arial" panose="020B0604020202020204" pitchFamily="34" charset="0"/>
+              <a:buChar char="•"/>
+            </a:pPr>
+            <a:endParaRPr lang="en-US" altLang="zh-CN" sz="2800" b="1" dirty="0" smtClean="0"/>
+          </a:p>
+          <a:p>
+            <a:pPr marL="285750" indent="-285750">
+              <a:lnSpc>
+                <a:spcPct val="150000"/>
+              </a:lnSpc>
+              <a:buFont typeface="Arial" panose="020B0604020202020204" pitchFamily="34" charset="0"/>
+              <a:buChar char="•"/>
+            </a:pPr>
+            <a:r>
+              <a:rPr lang="en-US" altLang="zh-CN" sz="2800" b="1" dirty="0" smtClean="0"/>
+              <a:t>A</a:t>
+            </a:r>
+            <a:endParaRPr lang="en-US" altLang="zh-CN" sz="2800" b="1" dirty="0" smtClean="0"/>
+          </a:p>
+        </p:txBody>
+      </p:sp>
+      <p:sp>
+        <p:nvSpPr>
+          <p:cNvPr id="6" name="文本框 29"/>
+          <p:cNvSpPr txBox="1"/>
+          <p:nvPr/>
+        </p:nvSpPr>
+        <p:spPr>
+          <a:xfrm>
+            <a:off x="662539" y="294935"/>
+            <a:ext cx="5947811" cy="769441"/>
+          </a:xfrm>
+          <a:prstGeom prst="rect">
+            <a:avLst/>
+          </a:prstGeom>
+          <a:noFill/>
+        </p:spPr>
+        <p:txBody>
+          <a:bodyPr wrap="square" rtlCol="0">
+            <a:spAutoFit/>
+          </a:bodyPr>
+          <a:lstStyle/>
+          <a:p>
+            <a:r>
+              <a:rPr lang="en-US" altLang="zh-CN" sz="4400" b="1" dirty="0" smtClean="0">
+                <a:solidFill>
+                  <a:srgbClr val="00ABB4"/>
+                </a:solidFill>
+                <a:latin typeface="微软雅黑" panose="020B0503020204020204" pitchFamily="34" charset="-122"/>
+                <a:ea typeface="微软雅黑" panose="020B0503020204020204" pitchFamily="34" charset="-122"/>
+              </a:rPr>
+              <a:t>Discussion</a:t>
+            </a:r>
+            <a:endParaRPr lang="en-US" altLang="zh-CN" sz="4400" b="1" dirty="0" smtClean="0">
+              <a:solidFill>
+                <a:srgbClr val="00ABB4"/>
+              </a:solidFill>
+              <a:latin typeface="微软雅黑" panose="020B0503020204020204" pitchFamily="34" charset="-122"/>
+              <a:ea typeface="微软雅黑" panose="020B0503020204020204" pitchFamily="34" charset="-122"/>
+            </a:endParaRPr>
+          </a:p>
+        </p:txBody>
+      </p:sp>
+    </p:spTree>
+    <p:extLst>
+      <p:ext uri="{BB962C8B-B14F-4D97-AF65-F5344CB8AC3E}">
+        <p14:creationId xmlns:p14="http://schemas.microsoft.com/office/powerpoint/2010/main" val="918853251"/>
+      </p:ext>
+    </p:extLst>
+  </p:cSld>
+  <p:clrMapOvr>
+    <a:masterClrMapping/>
+  </p:clrMapOvr>
+  <p:timing>
+    <p:tnLst>
+      <p:par>
+        <p:cTn id="1" dur="indefinite" restart="never" nodeType="tmRoot"/>
+      </p:par>
+    </p:tnLst>
+  </p:timing>
+</p:sld>
+</file>
+
+<file path=ppt/slides/slide56.xml><?xml version="1.0" encoding="utf-8"?>
 <p:sld xmlns:a="http://schemas.openxmlformats.org/drawingml/2006/main" xmlns:r="http://schemas.openxmlformats.org/officeDocument/2006/relationships" xmlns:p="http://schemas.openxmlformats.org/presentationml/2006/main">
   <p:cSld>
     <p:spTree>
@@ -27950,7 +28628,7 @@
   <a:extraClrSchemeLst/>
   <a:extLst>
     <a:ext uri="{05A4C25C-085E-4340-85A3-A5531E510DB2}">
-      <thm15:themeFamily xmlns="" xmlns:thm15="http://schemas.microsoft.com/office/thememl/2012/main" name="Office Theme" id="{62F939B6-93AF-4DB8-9C6B-D6C7DFDC589F}" vid="{4A3C46E8-61CC-4603-A589-7422A47A8E4A}"/>
+      <thm15:themeFamily xmlns:thm15="http://schemas.microsoft.com/office/thememl/2012/main" xmlns="" name="Office Theme" id="{62F939B6-93AF-4DB8-9C6B-D6C7DFDC589F}" vid="{4A3C46E8-61CC-4603-A589-7422A47A8E4A}"/>
     </a:ext>
   </a:extLst>
 </a:theme>
@@ -28211,7 +28889,7 @@
   <a:extraClrSchemeLst/>
   <a:extLst>
     <a:ext uri="{05A4C25C-085E-4340-85A3-A5531E510DB2}">
-      <thm15:themeFamily xmlns="" xmlns:thm15="http://schemas.microsoft.com/office/thememl/2012/main" name="Office Theme" id="{62F939B6-93AF-4DB8-9C6B-D6C7DFDC589F}" vid="{4A3C46E8-61CC-4603-A589-7422A47A8E4A}"/>
+      <thm15:themeFamily xmlns:thm15="http://schemas.microsoft.com/office/thememl/2012/main" xmlns="" name="Office Theme" id="{62F939B6-93AF-4DB8-9C6B-D6C7DFDC589F}" vid="{4A3C46E8-61CC-4603-A589-7422A47A8E4A}"/>
     </a:ext>
   </a:extLst>
 </a:theme>

--- a/Event/Lateralization.pptx
+++ b/Event/Lateralization.pptx
@@ -164,7 +164,7 @@
   </p:defaultTextStyle>
   <p:extLst>
     <p:ext uri="{EFAFB233-063F-42B5-8137-9DF3F51BA10A}">
-      <p15:sldGuideLst xmlns:p15="http://schemas.microsoft.com/office/powerpoint/2012/main" xmlns="">
+      <p15:sldGuideLst xmlns="" xmlns:p15="http://schemas.microsoft.com/office/powerpoint/2012/main">
         <p15:guide id="1" orient="horz" pos="2160">
           <p15:clr>
             <a:srgbClr val="A4A3A4"/>
@@ -263,7 +263,7 @@
           <a:p>
             <a:fld id="{ED08DCF7-5CAD-4434-B858-7D84B7651FD7}" type="datetimeFigureOut">
               <a:rPr lang="zh-CN" altLang="en-US" smtClean="0"/>
-              <a:t>2018/3/8</a:t>
+              <a:t>2018/3/9 Friday</a:t>
             </a:fld>
             <a:endParaRPr lang="zh-CN" altLang="en-US"/>
           </a:p>
@@ -9437,7 +9437,7 @@
           <a:p>
             <a:fld id="{D7D8C689-48A4-48E7-8DC1-52CF9C1A4E1F}" type="datetimeFigureOut">
               <a:rPr lang="zh-CN" altLang="en-US" smtClean="0"/>
-              <a:t>2018/3/8</a:t>
+              <a:t>2018/3/9 Friday</a:t>
             </a:fld>
             <a:endParaRPr lang="zh-CN" altLang="en-US"/>
           </a:p>
@@ -9605,7 +9605,7 @@
           <a:p>
             <a:fld id="{D7D8C689-48A4-48E7-8DC1-52CF9C1A4E1F}" type="datetimeFigureOut">
               <a:rPr lang="zh-CN" altLang="en-US" smtClean="0"/>
-              <a:t>2018/3/8</a:t>
+              <a:t>2018/3/9 Friday</a:t>
             </a:fld>
             <a:endParaRPr lang="zh-CN" altLang="en-US"/>
           </a:p>
@@ -9783,7 +9783,7 @@
           <a:p>
             <a:fld id="{D7D8C689-48A4-48E7-8DC1-52CF9C1A4E1F}" type="datetimeFigureOut">
               <a:rPr lang="zh-CN" altLang="en-US" smtClean="0"/>
-              <a:t>2018/3/8</a:t>
+              <a:t>2018/3/9 Friday</a:t>
             </a:fld>
             <a:endParaRPr lang="zh-CN" altLang="en-US"/>
           </a:p>
@@ -10203,7 +10203,7 @@
           <a:p>
             <a:fld id="{D7D8C689-48A4-48E7-8DC1-52CF9C1A4E1F}" type="datetimeFigureOut">
               <a:rPr lang="zh-CN" altLang="en-US" smtClean="0"/>
-              <a:t>2018/3/8</a:t>
+              <a:t>2018/3/9 Friday</a:t>
             </a:fld>
             <a:endParaRPr lang="zh-CN" altLang="en-US"/>
           </a:p>
@@ -10448,7 +10448,7 @@
           <a:p>
             <a:fld id="{D7D8C689-48A4-48E7-8DC1-52CF9C1A4E1F}" type="datetimeFigureOut">
               <a:rPr lang="zh-CN" altLang="en-US" smtClean="0"/>
-              <a:t>2018/3/8</a:t>
+              <a:t>2018/3/9 Friday</a:t>
             </a:fld>
             <a:endParaRPr lang="zh-CN" altLang="en-US"/>
           </a:p>
@@ -10677,7 +10677,7 @@
           <a:p>
             <a:fld id="{D7D8C689-48A4-48E7-8DC1-52CF9C1A4E1F}" type="datetimeFigureOut">
               <a:rPr lang="zh-CN" altLang="en-US" smtClean="0"/>
-              <a:t>2018/3/8</a:t>
+              <a:t>2018/3/9 Friday</a:t>
             </a:fld>
             <a:endParaRPr lang="zh-CN" altLang="en-US"/>
           </a:p>
@@ -11041,7 +11041,7 @@
           <a:p>
             <a:fld id="{D7D8C689-48A4-48E7-8DC1-52CF9C1A4E1F}" type="datetimeFigureOut">
               <a:rPr lang="zh-CN" altLang="en-US" smtClean="0"/>
-              <a:t>2018/3/8</a:t>
+              <a:t>2018/3/9 Friday</a:t>
             </a:fld>
             <a:endParaRPr lang="zh-CN" altLang="en-US"/>
           </a:p>
@@ -11158,7 +11158,7 @@
           <a:p>
             <a:fld id="{D7D8C689-48A4-48E7-8DC1-52CF9C1A4E1F}" type="datetimeFigureOut">
               <a:rPr lang="zh-CN" altLang="en-US" smtClean="0"/>
-              <a:t>2018/3/8</a:t>
+              <a:t>2018/3/9 Friday</a:t>
             </a:fld>
             <a:endParaRPr lang="zh-CN" altLang="en-US"/>
           </a:p>
@@ -11253,7 +11253,7 @@
           <a:p>
             <a:fld id="{D7D8C689-48A4-48E7-8DC1-52CF9C1A4E1F}" type="datetimeFigureOut">
               <a:rPr lang="zh-CN" altLang="en-US" smtClean="0"/>
-              <a:t>2018/3/8</a:t>
+              <a:t>2018/3/9 Friday</a:t>
             </a:fld>
             <a:endParaRPr lang="zh-CN" altLang="en-US"/>
           </a:p>
@@ -11528,7 +11528,7 @@
           <a:p>
             <a:fld id="{D7D8C689-48A4-48E7-8DC1-52CF9C1A4E1F}" type="datetimeFigureOut">
               <a:rPr lang="zh-CN" altLang="en-US" smtClean="0"/>
-              <a:t>2018/3/8</a:t>
+              <a:t>2018/3/9 Friday</a:t>
             </a:fld>
             <a:endParaRPr lang="zh-CN" altLang="en-US"/>
           </a:p>
@@ -11780,7 +11780,7 @@
           <a:p>
             <a:fld id="{D7D8C689-48A4-48E7-8DC1-52CF9C1A4E1F}" type="datetimeFigureOut">
               <a:rPr lang="zh-CN" altLang="en-US" smtClean="0"/>
-              <a:t>2018/3/8</a:t>
+              <a:t>2018/3/9 Friday</a:t>
             </a:fld>
             <a:endParaRPr lang="zh-CN" altLang="en-US"/>
           </a:p>
@@ -11991,7 +11991,7 @@
           <a:p>
             <a:fld id="{D7D8C689-48A4-48E7-8DC1-52CF9C1A4E1F}" type="datetimeFigureOut">
               <a:rPr lang="zh-CN" altLang="en-US" smtClean="0"/>
-              <a:t>2018/3/8</a:t>
+              <a:t>2018/3/9 Friday</a:t>
             </a:fld>
             <a:endParaRPr lang="zh-CN" altLang="en-US"/>
           </a:p>
@@ -20404,7 +20404,6 @@
               <a:rPr lang="en-US" altLang="zh-CN" sz="2800" b="1" dirty="0" smtClean="0"/>
               <a:t>A</a:t>
             </a:r>
-            <a:endParaRPr lang="en-US" altLang="zh-CN" sz="2800" b="1" dirty="0" smtClean="0"/>
           </a:p>
         </p:txBody>
       </p:sp>
@@ -20440,13 +20439,6 @@
               </a:rPr>
               <a:t>Discussion</a:t>
             </a:r>
-            <a:endParaRPr lang="en-US" altLang="zh-CN" sz="4400" b="1" dirty="0" smtClean="0">
-              <a:solidFill>
-                <a:srgbClr val="00ABB4"/>
-              </a:solidFill>
-              <a:latin typeface="微软雅黑" panose="020B0503020204020204" pitchFamily="34" charset="-122"/>
-              <a:ea typeface="微软雅黑" panose="020B0503020204020204" pitchFamily="34" charset="-122"/>
-            </a:endParaRPr>
           </a:p>
         </p:txBody>
       </p:sp>
@@ -26835,7 +26827,6 @@
               <a:rPr lang="en-US" altLang="zh-CN" sz="2800" b="1" dirty="0" smtClean="0"/>
               <a:t>A</a:t>
             </a:r>
-            <a:endParaRPr lang="en-US" altLang="zh-CN" sz="2800" b="1" dirty="0" smtClean="0"/>
           </a:p>
         </p:txBody>
       </p:sp>
@@ -26871,13 +26862,6 @@
               </a:rPr>
               <a:t>Discussion</a:t>
             </a:r>
-            <a:endParaRPr lang="en-US" altLang="zh-CN" sz="4400" b="1" dirty="0" smtClean="0">
-              <a:solidFill>
-                <a:srgbClr val="00ABB4"/>
-              </a:solidFill>
-              <a:latin typeface="微软雅黑" panose="020B0503020204020204" pitchFamily="34" charset="-122"/>
-              <a:ea typeface="微软雅黑" panose="020B0503020204020204" pitchFamily="34" charset="-122"/>
-            </a:endParaRPr>
           </a:p>
         </p:txBody>
       </p:sp>
@@ -28628,7 +28612,7 @@
   <a:extraClrSchemeLst/>
   <a:extLst>
     <a:ext uri="{05A4C25C-085E-4340-85A3-A5531E510DB2}">
-      <thm15:themeFamily xmlns:thm15="http://schemas.microsoft.com/office/thememl/2012/main" xmlns="" name="Office Theme" id="{62F939B6-93AF-4DB8-9C6B-D6C7DFDC589F}" vid="{4A3C46E8-61CC-4603-A589-7422A47A8E4A}"/>
+      <thm15:themeFamily xmlns="" xmlns:thm15="http://schemas.microsoft.com/office/thememl/2012/main" name="Office Theme" id="{62F939B6-93AF-4DB8-9C6B-D6C7DFDC589F}" vid="{4A3C46E8-61CC-4603-A589-7422A47A8E4A}"/>
     </a:ext>
   </a:extLst>
 </a:theme>
@@ -28889,7 +28873,7 @@
   <a:extraClrSchemeLst/>
   <a:extLst>
     <a:ext uri="{05A4C25C-085E-4340-85A3-A5531E510DB2}">
-      <thm15:themeFamily xmlns:thm15="http://schemas.microsoft.com/office/thememl/2012/main" xmlns="" name="Office Theme" id="{62F939B6-93AF-4DB8-9C6B-D6C7DFDC589F}" vid="{4A3C46E8-61CC-4603-A589-7422A47A8E4A}"/>
+      <thm15:themeFamily xmlns="" xmlns:thm15="http://schemas.microsoft.com/office/thememl/2012/main" name="Office Theme" id="{62F939B6-93AF-4DB8-9C6B-D6C7DFDC589F}" vid="{4A3C46E8-61CC-4603-A589-7422A47A8E4A}"/>
     </a:ext>
   </a:extLst>
 </a:theme>

--- a/Event/Lateralization.pptx
+++ b/Event/Lateralization.pptx
@@ -5,7 +5,7 @@
     <p:sldMasterId id="2147483648" r:id="rId1"/>
   </p:sldMasterIdLst>
   <p:notesMasterIdLst>
-    <p:notesMasterId r:id="rId58"/>
+    <p:notesMasterId r:id="rId56"/>
   </p:notesMasterIdLst>
   <p:sldIdLst>
     <p:sldId id="445" r:id="rId2"/>
@@ -35,35 +35,33 @@
     <p:sldId id="409" r:id="rId26"/>
     <p:sldId id="408" r:id="rId27"/>
     <p:sldId id="401" r:id="rId28"/>
-    <p:sldId id="453" r:id="rId29"/>
-    <p:sldId id="414" r:id="rId30"/>
-    <p:sldId id="415" r:id="rId31"/>
-    <p:sldId id="416" r:id="rId32"/>
-    <p:sldId id="419" r:id="rId33"/>
-    <p:sldId id="427" r:id="rId34"/>
-    <p:sldId id="428" r:id="rId35"/>
-    <p:sldId id="429" r:id="rId36"/>
-    <p:sldId id="430" r:id="rId37"/>
-    <p:sldId id="420" r:id="rId38"/>
-    <p:sldId id="431" r:id="rId39"/>
-    <p:sldId id="432" r:id="rId40"/>
-    <p:sldId id="421" r:id="rId41"/>
-    <p:sldId id="422" r:id="rId42"/>
-    <p:sldId id="437" r:id="rId43"/>
-    <p:sldId id="433" r:id="rId44"/>
-    <p:sldId id="439" r:id="rId45"/>
-    <p:sldId id="440" r:id="rId46"/>
-    <p:sldId id="441" r:id="rId47"/>
-    <p:sldId id="424" r:id="rId48"/>
-    <p:sldId id="434" r:id="rId49"/>
-    <p:sldId id="425" r:id="rId50"/>
-    <p:sldId id="435" r:id="rId51"/>
-    <p:sldId id="436" r:id="rId52"/>
-    <p:sldId id="423" r:id="rId53"/>
-    <p:sldId id="438" r:id="rId54"/>
-    <p:sldId id="426" r:id="rId55"/>
-    <p:sldId id="454" r:id="rId56"/>
-    <p:sldId id="303" r:id="rId57"/>
+    <p:sldId id="414" r:id="rId29"/>
+    <p:sldId id="415" r:id="rId30"/>
+    <p:sldId id="416" r:id="rId31"/>
+    <p:sldId id="419" r:id="rId32"/>
+    <p:sldId id="427" r:id="rId33"/>
+    <p:sldId id="428" r:id="rId34"/>
+    <p:sldId id="429" r:id="rId35"/>
+    <p:sldId id="430" r:id="rId36"/>
+    <p:sldId id="420" r:id="rId37"/>
+    <p:sldId id="431" r:id="rId38"/>
+    <p:sldId id="432" r:id="rId39"/>
+    <p:sldId id="421" r:id="rId40"/>
+    <p:sldId id="422" r:id="rId41"/>
+    <p:sldId id="437" r:id="rId42"/>
+    <p:sldId id="433" r:id="rId43"/>
+    <p:sldId id="439" r:id="rId44"/>
+    <p:sldId id="440" r:id="rId45"/>
+    <p:sldId id="441" r:id="rId46"/>
+    <p:sldId id="424" r:id="rId47"/>
+    <p:sldId id="434" r:id="rId48"/>
+    <p:sldId id="425" r:id="rId49"/>
+    <p:sldId id="435" r:id="rId50"/>
+    <p:sldId id="436" r:id="rId51"/>
+    <p:sldId id="423" r:id="rId52"/>
+    <p:sldId id="438" r:id="rId53"/>
+    <p:sldId id="426" r:id="rId54"/>
+    <p:sldId id="303" r:id="rId55"/>
   </p:sldIdLst>
   <p:sldSz cx="12192000" cy="6858000"/>
   <p:notesSz cx="6858000" cy="9144000"/>
@@ -164,7 +162,7 @@
   </p:defaultTextStyle>
   <p:extLst>
     <p:ext uri="{EFAFB233-063F-42B5-8137-9DF3F51BA10A}">
-      <p15:sldGuideLst xmlns="" xmlns:p15="http://schemas.microsoft.com/office/powerpoint/2012/main">
+      <p15:sldGuideLst xmlns:p15="http://schemas.microsoft.com/office/powerpoint/2012/main" xmlns="">
         <p15:guide id="1" orient="horz" pos="2160">
           <p15:clr>
             <a:srgbClr val="A4A3A4"/>
@@ -263,7 +261,7 @@
           <a:p>
             <a:fld id="{ED08DCF7-5CAD-4434-B858-7D84B7651FD7}" type="datetimeFigureOut">
               <a:rPr lang="zh-CN" altLang="en-US" smtClean="0"/>
-              <a:t>2018/3/9 Friday</a:t>
+              <a:t>2018/3/13</a:t>
             </a:fld>
             <a:endParaRPr lang="zh-CN" altLang="en-US"/>
           </a:p>
@@ -5273,14 +5271,7 @@
           <a:bodyPr/>
           <a:lstStyle/>
           <a:p>
-            <a:pPr marL="457200" lvl="1" indent="0">
-              <a:lnSpc>
-                <a:spcPct val="150000"/>
-              </a:lnSpc>
-              <a:buFont typeface="Arial" panose="020B0604020202020204" pitchFamily="34" charset="0"/>
-              <a:buNone/>
-            </a:pPr>
-            <a:endParaRPr lang="en-US" altLang="zh-CN" sz="2800" dirty="0"/>
+            <a:endParaRPr lang="zh-CN" altLang="en-US" dirty="0"/>
           </a:p>
         </p:txBody>
       </p:sp>
@@ -5310,7 +5301,7 @@
     </p:spTree>
     <p:extLst>
       <p:ext uri="{BB962C8B-B14F-4D97-AF65-F5344CB8AC3E}">
-        <p14:creationId xmlns:p14="http://schemas.microsoft.com/office/powerpoint/2010/main" val="3763311556"/>
+        <p14:creationId xmlns:p14="http://schemas.microsoft.com/office/powerpoint/2010/main" val="2146267446"/>
       </p:ext>
     </p:extLst>
   </p:cSld>
@@ -5364,6 +5355,66 @@
           <a:bodyPr/>
           <a:lstStyle/>
           <a:p>
+            <a:r>
+              <a:rPr lang="en-US" altLang="zh-CN" sz="1200" b="0" i="0" kern="1200" dirty="0" smtClean="0">
+                <a:solidFill>
+                  <a:schemeClr val="tx1"/>
+                </a:solidFill>
+                <a:effectLst/>
+                <a:latin typeface="+mn-lt"/>
+                <a:ea typeface="+mn-ea"/>
+                <a:cs typeface="+mn-cs"/>
+              </a:rPr>
+              <a:t>PNAS</a:t>
+            </a:r>
+            <a:r>
+              <a:rPr lang="zh-CN" altLang="en-US" sz="1200" b="0" i="0" kern="1200" dirty="0" smtClean="0">
+                <a:solidFill>
+                  <a:schemeClr val="tx1"/>
+                </a:solidFill>
+                <a:effectLst/>
+                <a:latin typeface="+mn-lt"/>
+                <a:ea typeface="+mn-ea"/>
+                <a:cs typeface="+mn-cs"/>
+              </a:rPr>
+              <a:t>是</a:t>
+            </a:r>
+            <a:r>
+              <a:rPr lang="en-US" altLang="zh-CN" sz="1200" b="0" i="0" kern="1200" dirty="0" smtClean="0">
+                <a:solidFill>
+                  <a:schemeClr val="tx1"/>
+                </a:solidFill>
+                <a:effectLst/>
+                <a:latin typeface="+mn-lt"/>
+                <a:ea typeface="+mn-ea"/>
+                <a:cs typeface="+mn-cs"/>
+              </a:rPr>
+              <a:t>《</a:t>
+            </a:r>
+            <a:r>
+              <a:rPr lang="zh-CN" altLang="en-US" sz="1200" b="0" i="0" kern="1200" dirty="0" smtClean="0">
+                <a:solidFill>
+                  <a:schemeClr val="tx1"/>
+                </a:solidFill>
+                <a:effectLst/>
+                <a:latin typeface="+mn-lt"/>
+                <a:ea typeface="+mn-ea"/>
+                <a:cs typeface="+mn-cs"/>
+              </a:rPr>
+              <a:t>美国科学院院报</a:t>
+            </a:r>
+            <a:r>
+              <a:rPr lang="en-US" altLang="zh-CN" sz="1200" b="0" i="0" kern="1200" dirty="0" smtClean="0">
+                <a:solidFill>
+                  <a:schemeClr val="tx1"/>
+                </a:solidFill>
+                <a:effectLst/>
+                <a:latin typeface="+mn-lt"/>
+                <a:ea typeface="+mn-ea"/>
+                <a:cs typeface="+mn-cs"/>
+              </a:rPr>
+              <a:t>》9.423</a:t>
+            </a:r>
             <a:endParaRPr lang="zh-CN" altLang="en-US" dirty="0"/>
           </a:p>
         </p:txBody>
@@ -5394,7 +5445,7 @@
     </p:spTree>
     <p:extLst>
       <p:ext uri="{BB962C8B-B14F-4D97-AF65-F5344CB8AC3E}">
-        <p14:creationId xmlns:p14="http://schemas.microsoft.com/office/powerpoint/2010/main" val="2146267446"/>
+        <p14:creationId xmlns:p14="http://schemas.microsoft.com/office/powerpoint/2010/main" val="2904033859"/>
       </p:ext>
     </p:extLst>
   </p:cSld>
@@ -5533,64 +5584,47 @@
           <a:lstStyle/>
           <a:p>
             <a:r>
-              <a:rPr lang="en-US" altLang="zh-CN" sz="1200" b="0" i="0" kern="1200" dirty="0" smtClean="0">
-                <a:solidFill>
-                  <a:schemeClr val="tx1"/>
-                </a:solidFill>
+              <a:rPr lang="en-US" altLang="zh-CN" sz="1200" b="1" dirty="0" smtClean="0">
+                <a:solidFill>
+                  <a:srgbClr val="00ABB4"/>
+                </a:solidFill>
+                <a:latin typeface="微软雅黑" panose="020B0503020204020204" pitchFamily="34" charset="-122"/>
+                <a:ea typeface="微软雅黑" panose="020B0503020204020204" pitchFamily="34" charset="-122"/>
+              </a:rPr>
+              <a:t>HIPPOCAMPUS </a:t>
+            </a:r>
+            <a:r>
+              <a:rPr lang="en-US" altLang="zh-CN" dirty="0" smtClean="0">
                 <a:effectLst/>
-                <a:latin typeface="+mn-lt"/>
-                <a:ea typeface="+mn-ea"/>
-                <a:cs typeface="+mn-cs"/>
-              </a:rPr>
-              <a:t>PNAS</a:t>
-            </a:r>
-            <a:r>
-              <a:rPr lang="zh-CN" altLang="en-US" sz="1200" b="0" i="0" kern="1200" dirty="0" smtClean="0">
-                <a:solidFill>
-                  <a:schemeClr val="tx1"/>
-                </a:solidFill>
+              </a:rPr>
+              <a:t>4.162</a:t>
+            </a:r>
+          </a:p>
+          <a:p>
+            <a:r>
+              <a:rPr lang="en-US" altLang="zh-CN" b="1" dirty="0" smtClean="0">
                 <a:effectLst/>
-                <a:latin typeface="+mn-lt"/>
-                <a:ea typeface="+mn-ea"/>
-                <a:cs typeface="+mn-cs"/>
-              </a:rPr>
-              <a:t>是</a:t>
-            </a:r>
-            <a:r>
-              <a:rPr lang="en-US" altLang="zh-CN" sz="1200" b="0" i="0" kern="1200" dirty="0" smtClean="0">
-                <a:solidFill>
-                  <a:schemeClr val="tx1"/>
-                </a:solidFill>
+              </a:rPr>
+              <a:t>Pindex:</a:t>
+            </a:r>
+            <a:r>
+              <a:rPr lang="en-US" altLang="zh-CN" dirty="0" smtClean="0">
                 <a:effectLst/>
-                <a:latin typeface="+mn-lt"/>
-                <a:ea typeface="+mn-ea"/>
-                <a:cs typeface="+mn-cs"/>
-              </a:rPr>
-              <a:t>《</a:t>
-            </a:r>
-            <a:r>
-              <a:rPr lang="zh-CN" altLang="en-US" sz="1200" b="0" i="0" kern="1200" dirty="0" smtClean="0">
-                <a:solidFill>
-                  <a:schemeClr val="tx1"/>
-                </a:solidFill>
+              </a:rPr>
+              <a:t>0.914 (</a:t>
+            </a:r>
+            <a:r>
+              <a:rPr lang="zh-CN" altLang="en-US" dirty="0" smtClean="0">
                 <a:effectLst/>
-                <a:latin typeface="+mn-lt"/>
-                <a:ea typeface="+mn-ea"/>
-                <a:cs typeface="+mn-cs"/>
-              </a:rPr>
-              <a:t>美国科学院院报</a:t>
-            </a:r>
-            <a:r>
-              <a:rPr lang="en-US" altLang="zh-CN" sz="1200" b="0" i="0" kern="1200" dirty="0" smtClean="0">
-                <a:solidFill>
-                  <a:schemeClr val="tx1"/>
-                </a:solidFill>
+                <a:hlinkClick r:id="rId3"/>
+              </a:rPr>
+              <a:t>极难发表</a:t>
+            </a:r>
+            <a:r>
+              <a:rPr lang="en-US" altLang="zh-CN" dirty="0" smtClean="0">
                 <a:effectLst/>
-                <a:latin typeface="+mn-lt"/>
-                <a:ea typeface="+mn-ea"/>
-                <a:cs typeface="+mn-cs"/>
-              </a:rPr>
-              <a:t>》9.423</a:t>
+              </a:rPr>
+              <a:t>)</a:t>
             </a:r>
             <a:endParaRPr lang="zh-CN" altLang="en-US" dirty="0"/>
           </a:p>
@@ -5614,133 +5648,6 @@
             <a:fld id="{DD202784-B46A-4EF4-B218-4316F9133D14}" type="slidenum">
               <a:rPr lang="zh-CN" altLang="en-US" smtClean="0"/>
               <a:t>30</a:t>
-            </a:fld>
-            <a:endParaRPr lang="zh-CN" altLang="en-US"/>
-          </a:p>
-        </p:txBody>
-      </p:sp>
-    </p:spTree>
-    <p:extLst>
-      <p:ext uri="{BB962C8B-B14F-4D97-AF65-F5344CB8AC3E}">
-        <p14:creationId xmlns:p14="http://schemas.microsoft.com/office/powerpoint/2010/main" val="2904033859"/>
-      </p:ext>
-    </p:extLst>
-  </p:cSld>
-  <p:clrMapOvr>
-    <a:masterClrMapping/>
-  </p:clrMapOvr>
-</p:notes>
-</file>
-
-<file path=ppt/notesSlides/notesSlide31.xml><?xml version="1.0" encoding="utf-8"?>
-<p:notes xmlns:a="http://schemas.openxmlformats.org/drawingml/2006/main" xmlns:r="http://schemas.openxmlformats.org/officeDocument/2006/relationships" xmlns:p="http://schemas.openxmlformats.org/presentationml/2006/main">
-  <p:cSld>
-    <p:spTree>
-      <p:nvGrpSpPr>
-        <p:cNvPr id="1" name=""/>
-        <p:cNvGrpSpPr/>
-        <p:nvPr/>
-      </p:nvGrpSpPr>
-      <p:grpSpPr>
-        <a:xfrm>
-          <a:off x="0" y="0"/>
-          <a:ext cx="0" cy="0"/>
-          <a:chOff x="0" y="0"/>
-          <a:chExt cx="0" cy="0"/>
-        </a:xfrm>
-      </p:grpSpPr>
-      <p:sp>
-        <p:nvSpPr>
-          <p:cNvPr id="2" name="幻灯片图像占位符 1"/>
-          <p:cNvSpPr>
-            <a:spLocks noGrp="1" noRot="1" noChangeAspect="1"/>
-          </p:cNvSpPr>
-          <p:nvPr>
-            <p:ph type="sldImg"/>
-          </p:nvPr>
-        </p:nvSpPr>
-        <p:spPr/>
-      </p:sp>
-      <p:sp>
-        <p:nvSpPr>
-          <p:cNvPr id="3" name="备注占位符 2"/>
-          <p:cNvSpPr>
-            <a:spLocks noGrp="1"/>
-          </p:cNvSpPr>
-          <p:nvPr>
-            <p:ph type="body" idx="1"/>
-          </p:nvPr>
-        </p:nvSpPr>
-        <p:spPr/>
-        <p:txBody>
-          <a:bodyPr/>
-          <a:lstStyle/>
-          <a:p>
-            <a:r>
-              <a:rPr lang="en-US" altLang="zh-CN" sz="1200" b="1" dirty="0" smtClean="0">
-                <a:solidFill>
-                  <a:srgbClr val="00ABB4"/>
-                </a:solidFill>
-                <a:latin typeface="微软雅黑" panose="020B0503020204020204" pitchFamily="34" charset="-122"/>
-                <a:ea typeface="微软雅黑" panose="020B0503020204020204" pitchFamily="34" charset="-122"/>
-              </a:rPr>
-              <a:t>HIPPOCAMPUS </a:t>
-            </a:r>
-            <a:r>
-              <a:rPr lang="en-US" altLang="zh-CN" dirty="0" smtClean="0">
-                <a:effectLst/>
-              </a:rPr>
-              <a:t>4.162</a:t>
-            </a:r>
-          </a:p>
-          <a:p>
-            <a:r>
-              <a:rPr lang="en-US" altLang="zh-CN" b="1" dirty="0" smtClean="0">
-                <a:effectLst/>
-              </a:rPr>
-              <a:t>Pindex:</a:t>
-            </a:r>
-            <a:r>
-              <a:rPr lang="en-US" altLang="zh-CN" dirty="0" smtClean="0">
-                <a:effectLst/>
-              </a:rPr>
-              <a:t>0.914 (</a:t>
-            </a:r>
-            <a:r>
-              <a:rPr lang="zh-CN" altLang="en-US" dirty="0" smtClean="0">
-                <a:effectLst/>
-                <a:hlinkClick r:id="rId3"/>
-              </a:rPr>
-              <a:t>极难发表</a:t>
-            </a:r>
-            <a:r>
-              <a:rPr lang="en-US" altLang="zh-CN" dirty="0" smtClean="0">
-                <a:effectLst/>
-              </a:rPr>
-              <a:t>)</a:t>
-            </a:r>
-            <a:endParaRPr lang="zh-CN" altLang="en-US" dirty="0"/>
-          </a:p>
-        </p:txBody>
-      </p:sp>
-      <p:sp>
-        <p:nvSpPr>
-          <p:cNvPr id="4" name="灯片编号占位符 3"/>
-          <p:cNvSpPr>
-            <a:spLocks noGrp="1"/>
-          </p:cNvSpPr>
-          <p:nvPr>
-            <p:ph type="sldNum" sz="quarter" idx="10"/>
-          </p:nvPr>
-        </p:nvSpPr>
-        <p:spPr/>
-        <p:txBody>
-          <a:bodyPr/>
-          <a:lstStyle/>
-          <a:p>
-            <a:fld id="{DD202784-B46A-4EF4-B218-4316F9133D14}" type="slidenum">
-              <a:rPr lang="zh-CN" altLang="en-US" smtClean="0"/>
-              <a:t>31</a:t>
             </a:fld>
             <a:endParaRPr lang="zh-CN" altLang="en-US"/>
           </a:p>
@@ -5759,7 +5666,7 @@
 </p:notes>
 </file>
 
-<file path=ppt/notesSlides/notesSlide32.xml><?xml version="1.0" encoding="utf-8"?>
+<file path=ppt/notesSlides/notesSlide31.xml><?xml version="1.0" encoding="utf-8"?>
 <p:notes xmlns:a="http://schemas.openxmlformats.org/drawingml/2006/main" xmlns:r="http://schemas.openxmlformats.org/officeDocument/2006/relationships" xmlns:p="http://schemas.openxmlformats.org/presentationml/2006/main">
   <p:cSld>
     <p:bg>
@@ -5803,7 +5710,7 @@
           <a:p>
             <a:fld id="{0E78A471-D789-41F3-8A64-F8CE717DD838}" type="slidenum">
               <a:rPr lang="en-GB"/>
-              <a:t>32</a:t>
+              <a:t>31</a:t>
             </a:fld>
             <a:endParaRPr lang="en-GB"/>
           </a:p>
@@ -5898,6 +5805,90 @@
         </p:txBody>
       </p:sp>
     </p:spTree>
+  </p:cSld>
+  <p:clrMapOvr>
+    <a:masterClrMapping/>
+  </p:clrMapOvr>
+</p:notes>
+</file>
+
+<file path=ppt/notesSlides/notesSlide32.xml><?xml version="1.0" encoding="utf-8"?>
+<p:notes xmlns:a="http://schemas.openxmlformats.org/drawingml/2006/main" xmlns:r="http://schemas.openxmlformats.org/officeDocument/2006/relationships" xmlns:p="http://schemas.openxmlformats.org/presentationml/2006/main">
+  <p:cSld>
+    <p:spTree>
+      <p:nvGrpSpPr>
+        <p:cNvPr id="1" name=""/>
+        <p:cNvGrpSpPr/>
+        <p:nvPr/>
+      </p:nvGrpSpPr>
+      <p:grpSpPr>
+        <a:xfrm>
+          <a:off x="0" y="0"/>
+          <a:ext cx="0" cy="0"/>
+          <a:chOff x="0" y="0"/>
+          <a:chExt cx="0" cy="0"/>
+        </a:xfrm>
+      </p:grpSpPr>
+      <p:sp>
+        <p:nvSpPr>
+          <p:cNvPr id="2" name="幻灯片图像占位符 1"/>
+          <p:cNvSpPr>
+            <a:spLocks noGrp="1" noRot="1" noChangeAspect="1"/>
+          </p:cNvSpPr>
+          <p:nvPr>
+            <p:ph type="sldImg"/>
+          </p:nvPr>
+        </p:nvSpPr>
+        <p:spPr/>
+      </p:sp>
+      <p:sp>
+        <p:nvSpPr>
+          <p:cNvPr id="3" name="备注占位符 2"/>
+          <p:cNvSpPr>
+            <a:spLocks noGrp="1"/>
+          </p:cNvSpPr>
+          <p:nvPr>
+            <p:ph type="body" idx="1"/>
+          </p:nvPr>
+        </p:nvSpPr>
+        <p:spPr/>
+        <p:txBody>
+          <a:bodyPr/>
+          <a:lstStyle/>
+          <a:p>
+            <a:endParaRPr lang="zh-CN" altLang="en-US" dirty="0"/>
+          </a:p>
+        </p:txBody>
+      </p:sp>
+      <p:sp>
+        <p:nvSpPr>
+          <p:cNvPr id="4" name="灯片编号占位符 3"/>
+          <p:cNvSpPr>
+            <a:spLocks noGrp="1"/>
+          </p:cNvSpPr>
+          <p:nvPr>
+            <p:ph type="sldNum" sz="quarter" idx="10"/>
+          </p:nvPr>
+        </p:nvSpPr>
+        <p:spPr/>
+        <p:txBody>
+          <a:bodyPr/>
+          <a:lstStyle/>
+          <a:p>
+            <a:fld id="{DD202784-B46A-4EF4-B218-4316F9133D14}" type="slidenum">
+              <a:rPr lang="zh-CN" altLang="en-US" smtClean="0"/>
+              <a:t>32</a:t>
+            </a:fld>
+            <a:endParaRPr lang="zh-CN" altLang="en-US"/>
+          </a:p>
+        </p:txBody>
+      </p:sp>
+    </p:spTree>
+    <p:extLst>
+      <p:ext uri="{BB962C8B-B14F-4D97-AF65-F5344CB8AC3E}">
+        <p14:creationId xmlns:p14="http://schemas.microsoft.com/office/powerpoint/2010/main" val="3776015239"/>
+      </p:ext>
+    </p:extLst>
   </p:cSld>
   <p:clrMapOvr>
     <a:masterClrMapping/>
@@ -6033,7 +6024,14 @@
           <a:bodyPr/>
           <a:lstStyle/>
           <a:p>
-            <a:endParaRPr lang="zh-CN" altLang="en-US" dirty="0"/>
+            <a:pPr marL="457200" lvl="1" indent="0">
+              <a:lnSpc>
+                <a:spcPct val="150000"/>
+              </a:lnSpc>
+              <a:buFont typeface="Arial" panose="020B0604020202020204" pitchFamily="34" charset="0"/>
+              <a:buNone/>
+            </a:pPr>
+            <a:endParaRPr lang="en-US" altLang="zh-CN" sz="2800" dirty="0"/>
           </a:p>
         </p:txBody>
       </p:sp>
@@ -6063,7 +6061,7 @@
     </p:spTree>
     <p:extLst>
       <p:ext uri="{BB962C8B-B14F-4D97-AF65-F5344CB8AC3E}">
-        <p14:creationId xmlns:p14="http://schemas.microsoft.com/office/powerpoint/2010/main" val="3776015239"/>
+        <p14:creationId xmlns:p14="http://schemas.microsoft.com/office/powerpoint/2010/main" val="3763311556"/>
       </p:ext>
     </p:extLst>
   </p:cSld>
@@ -6167,6 +6165,14 @@
 <file path=ppt/notesSlides/notesSlide36.xml><?xml version="1.0" encoding="utf-8"?>
 <p:notes xmlns:a="http://schemas.openxmlformats.org/drawingml/2006/main" xmlns:r="http://schemas.openxmlformats.org/officeDocument/2006/relationships" xmlns:p="http://schemas.openxmlformats.org/presentationml/2006/main">
   <p:cSld>
+    <p:bg>
+      <p:bgPr>
+        <a:solidFill>
+          <a:srgbClr val="FFFFFF"/>
+        </a:solidFill>
+        <a:effectLst/>
+      </p:bgPr>
+    </p:bg>
     <p:spTree>
       <p:nvGrpSpPr>
         <p:cNvPr id="1" name=""/>
@@ -6183,6 +6189,228 @@
       </p:grpSpPr>
       <p:sp>
         <p:nvSpPr>
+          <p:cNvPr id="4098" name="Rectangle 6"/>
+          <p:cNvSpPr>
+            <a:spLocks noGrp="1" noChangeArrowheads="1"/>
+          </p:cNvSpPr>
+          <p:nvPr>
+            <p:ph type="sldNum" sz="quarter"/>
+          </p:nvPr>
+        </p:nvSpPr>
+        <p:spPr>
+          <a:noFill/>
+        </p:spPr>
+        <p:txBody>
+          <a:bodyPr/>
+          <a:lstStyle/>
+          <a:p>
+            <a:fld id="{0E78A471-D789-41F3-8A64-F8CE717DD838}" type="slidenum">
+              <a:rPr lang="en-GB"/>
+              <a:t>36</a:t>
+            </a:fld>
+            <a:endParaRPr lang="en-GB"/>
+          </a:p>
+        </p:txBody>
+      </p:sp>
+      <p:sp>
+        <p:nvSpPr>
+          <p:cNvPr id="4099" name="Rectangle 1"/>
+          <p:cNvSpPr txBox="1">
+            <a:spLocks noGrp="1" noRot="1" noChangeAspect="1" noChangeArrowheads="1" noTextEdit="1"/>
+          </p:cNvSpPr>
+          <p:nvPr>
+            <p:ph type="sldImg"/>
+          </p:nvPr>
+        </p:nvSpPr>
+        <p:spPr>
+          <a:xfrm>
+            <a:off x="382588" y="695325"/>
+            <a:ext cx="6091237" cy="3427413"/>
+          </a:xfrm>
+          <a:solidFill>
+            <a:srgbClr val="FFFFFF"/>
+          </a:solidFill>
+          <a:ln>
+            <a:solidFill>
+              <a:srgbClr val="000000"/>
+            </a:solidFill>
+            <a:miter lim="800000"/>
+          </a:ln>
+        </p:spPr>
+      </p:sp>
+      <p:sp>
+        <p:nvSpPr>
+          <p:cNvPr id="4100" name="Text Box 2"/>
+          <p:cNvSpPr txBox="1">
+            <a:spLocks noGrp="1" noChangeArrowheads="1"/>
+          </p:cNvSpPr>
+          <p:nvPr>
+            <p:ph type="body" idx="1"/>
+          </p:nvPr>
+        </p:nvSpPr>
+        <p:spPr>
+          <a:xfrm>
+            <a:off x="685512" y="4343230"/>
+            <a:ext cx="5486976" cy="4115139"/>
+          </a:xfrm>
+          <a:noFill/>
+          <a:ln/>
+        </p:spPr>
+        <p:txBody>
+          <a:bodyPr tIns="9279"/>
+          <a:lstStyle/>
+          <a:p>
+            <a:pPr algn="just">
+              <a:lnSpc>
+                <a:spcPct val="93000"/>
+              </a:lnSpc>
+              <a:spcBef>
+                <a:spcPct val="0"/>
+              </a:spcBef>
+              <a:tabLst>
+                <a:tab pos="634643" algn="l"/>
+                <a:tab pos="1269286" algn="l"/>
+                <a:tab pos="1903929" algn="l"/>
+                <a:tab pos="2538573" algn="l"/>
+                <a:tab pos="3173216" algn="l"/>
+                <a:tab pos="3807859" algn="l"/>
+                <a:tab pos="4442502" algn="l"/>
+                <a:tab pos="5077145" algn="l"/>
+              </a:tabLst>
+            </a:pPr>
+            <a:r>
+              <a:rPr lang="en-US" dirty="0" smtClean="0"/>
+              <a:t>Fig2</a:t>
+            </a:r>
+            <a:r>
+              <a:rPr dirty="0"/>
+              <a:t>
+Experimental design. (A) After the encoding period, fMRI scanning was conducted for testing memory retrieval. The structure of a single trial is shown (trial n). Red tick marks denote button responses for recognition. EXP and CTRL denote experimental and control conditions, respectively. Dotted, dashed, and continuous lines denote three types of movement allowed for each period: passive viewing, rotation at a fixed position, and free navigation, respectively. (B) Close‐up views of the building in experimental (left) and control (right) conditions. Note that the light above the entrance door was lit only in the control condition. (C) The control object used throughout all control trials. [Color figure can be viewed in the online issue, which is available at wileyonlinelibrary.com.]</a:t>
+            </a:r>
+          </a:p>
+          <a:p>
+            <a:endParaRPr dirty="0"/>
+          </a:p>
+          <a:p>
+            <a:r>
+              <a:rPr lang="en-GB" dirty="0"/>
+              <a:t>IF THIS IMAGE HAS BEEN PROVIDED BY OR IS OWNED BY A THIRD PARTY, AS INDICATED IN THE CAPTION LINE, THEN FURTHER PERMISSION MAY BE NEEDED BEFORE ANY FURTHER USE. PLEASE CONTACT WILEY'S PERMISSIONS DEPARTMENT ON PERMISSIONS@WILEY.COM OR USE THE RIGHTSLINK SERVICE BY CLICKING ON THE 'REQUEST PERMISSIONS' LINK ACCOMPANYING THIS ARTICLE. WILEY OR AUTHOR OWNED IMAGES MAY BE USED FOR NON-COMMERCIAL PURPOSES, SUBJECT TO PROPER CITATION OF THE ARTICLE, AUTHOR, AND PUBLISHER.</a:t>
+            </a:r>
+            <a:endParaRPr dirty="0"/>
+          </a:p>
+        </p:txBody>
+      </p:sp>
+    </p:spTree>
+  </p:cSld>
+  <p:clrMapOvr>
+    <a:masterClrMapping/>
+  </p:clrMapOvr>
+</p:notes>
+</file>
+
+<file path=ppt/notesSlides/notesSlide37.xml><?xml version="1.0" encoding="utf-8"?>
+<p:notes xmlns:a="http://schemas.openxmlformats.org/drawingml/2006/main" xmlns:r="http://schemas.openxmlformats.org/officeDocument/2006/relationships" xmlns:p="http://schemas.openxmlformats.org/presentationml/2006/main">
+  <p:cSld>
+    <p:spTree>
+      <p:nvGrpSpPr>
+        <p:cNvPr id="1" name=""/>
+        <p:cNvGrpSpPr/>
+        <p:nvPr/>
+      </p:nvGrpSpPr>
+      <p:grpSpPr>
+        <a:xfrm>
+          <a:off x="0" y="0"/>
+          <a:ext cx="0" cy="0"/>
+          <a:chOff x="0" y="0"/>
+          <a:chExt cx="0" cy="0"/>
+        </a:xfrm>
+      </p:grpSpPr>
+      <p:sp>
+        <p:nvSpPr>
+          <p:cNvPr id="2" name="幻灯片图像占位符 1"/>
+          <p:cNvSpPr>
+            <a:spLocks noGrp="1" noRot="1" noChangeAspect="1"/>
+          </p:cNvSpPr>
+          <p:nvPr>
+            <p:ph type="sldImg"/>
+          </p:nvPr>
+        </p:nvSpPr>
+        <p:spPr/>
+      </p:sp>
+      <p:sp>
+        <p:nvSpPr>
+          <p:cNvPr id="3" name="备注占位符 2"/>
+          <p:cNvSpPr>
+            <a:spLocks noGrp="1"/>
+          </p:cNvSpPr>
+          <p:nvPr>
+            <p:ph type="body" idx="1"/>
+          </p:nvPr>
+        </p:nvSpPr>
+        <p:spPr/>
+        <p:txBody>
+          <a:bodyPr/>
+          <a:lstStyle/>
+          <a:p>
+            <a:endParaRPr lang="zh-CN" altLang="en-US" dirty="0"/>
+          </a:p>
+        </p:txBody>
+      </p:sp>
+      <p:sp>
+        <p:nvSpPr>
+          <p:cNvPr id="4" name="灯片编号占位符 3"/>
+          <p:cNvSpPr>
+            <a:spLocks noGrp="1"/>
+          </p:cNvSpPr>
+          <p:nvPr>
+            <p:ph type="sldNum" sz="quarter" idx="10"/>
+          </p:nvPr>
+        </p:nvSpPr>
+        <p:spPr/>
+        <p:txBody>
+          <a:bodyPr/>
+          <a:lstStyle/>
+          <a:p>
+            <a:fld id="{DD202784-B46A-4EF4-B218-4316F9133D14}" type="slidenum">
+              <a:rPr lang="zh-CN" altLang="en-US" smtClean="0"/>
+              <a:t>37</a:t>
+            </a:fld>
+            <a:endParaRPr lang="zh-CN" altLang="en-US"/>
+          </a:p>
+        </p:txBody>
+      </p:sp>
+    </p:spTree>
+    <p:extLst>
+      <p:ext uri="{BB962C8B-B14F-4D97-AF65-F5344CB8AC3E}">
+        <p14:creationId xmlns:p14="http://schemas.microsoft.com/office/powerpoint/2010/main" val="3776015239"/>
+      </p:ext>
+    </p:extLst>
+  </p:cSld>
+  <p:clrMapOvr>
+    <a:masterClrMapping/>
+  </p:clrMapOvr>
+</p:notes>
+</file>
+
+<file path=ppt/notesSlides/notesSlide38.xml><?xml version="1.0" encoding="utf-8"?>
+<p:notes xmlns:a="http://schemas.openxmlformats.org/drawingml/2006/main" xmlns:r="http://schemas.openxmlformats.org/officeDocument/2006/relationships" xmlns:p="http://schemas.openxmlformats.org/presentationml/2006/main">
+  <p:cSld>
+    <p:spTree>
+      <p:nvGrpSpPr>
+        <p:cNvPr id="1" name=""/>
+        <p:cNvGrpSpPr/>
+        <p:nvPr/>
+      </p:nvGrpSpPr>
+      <p:grpSpPr>
+        <a:xfrm>
+          <a:off x="0" y="0"/>
+          <a:ext cx="0" cy="0"/>
+          <a:chOff x="0" y="0"/>
+          <a:chExt cx="0" cy="0"/>
+        </a:xfrm>
+      </p:grpSpPr>
+      <p:sp>
+        <p:nvSpPr>
           <p:cNvPr id="2" name="幻灯片图像占位符 1"/>
           <p:cNvSpPr>
             <a:spLocks noGrp="1" noRot="1" noChangeAspect="1"/>
@@ -6236,7 +6464,7 @@
           <a:p>
             <a:fld id="{DD202784-B46A-4EF4-B218-4316F9133D14}" type="slidenum">
               <a:rPr lang="zh-CN" altLang="en-US" smtClean="0"/>
-              <a:t>36</a:t>
+              <a:t>38</a:t>
             </a:fld>
             <a:endParaRPr lang="zh-CN" altLang="en-US"/>
           </a:p>
@@ -6255,7 +6483,7 @@
 </p:notes>
 </file>
 
-<file path=ppt/notesSlides/notesSlide37.xml><?xml version="1.0" encoding="utf-8"?>
+<file path=ppt/notesSlides/notesSlide39.xml><?xml version="1.0" encoding="utf-8"?>
 <p:notes xmlns:a="http://schemas.openxmlformats.org/drawingml/2006/main" xmlns:r="http://schemas.openxmlformats.org/officeDocument/2006/relationships" xmlns:p="http://schemas.openxmlformats.org/presentationml/2006/main">
   <p:cSld>
     <p:bg>
@@ -6299,7 +6527,7 @@
           <a:p>
             <a:fld id="{0E78A471-D789-41F3-8A64-F8CE717DD838}" type="slidenum">
               <a:rPr lang="en-GB"/>
-              <a:t>37</a:t>
+              <a:t>39</a:t>
             </a:fld>
             <a:endParaRPr lang="en-GB"/>
           </a:p>
@@ -6373,12 +6601,36 @@
             </a:pPr>
             <a:r>
               <a:rPr lang="en-US" dirty="0" smtClean="0"/>
-              <a:t>Fig2</a:t>
+              <a:t>Fig3</a:t>
             </a:r>
             <a:r>
               <a:rPr dirty="0"/>
               <a:t>
-Experimental design. (A) After the encoding period, fMRI scanning was conducted for testing memory retrieval. The structure of a single trial is shown (trial n). Red tick marks denote button responses for recognition. EXP and CTRL denote experimental and control conditions, respectively. Dotted, dashed, and continuous lines denote three types of movement allowed for each period: passive viewing, rotation at a fixed position, and free navigation, respectively. (B) Close‐up views of the building in experimental (left) and control (right) conditions. Note that the light above the entrance door was lit only in the control condition. (C) The control object used throughout all control trials. [Color figure can be viewed in the online issue, which is available at wileyonlinelibrary.com.]</a:t>
+Task performance. (A) Cumulative choices for target buildings (</a:t>
+            </a:r>
+            <a:r>
+              <a:rPr dirty="0" err="1"/>
+              <a:t>Tgt</a:t>
+            </a:r>
+            <a:r>
+              <a:rPr dirty="0"/>
+              <a:t>) in the object‐cued place recognition period (all targets aligned to 0°). The vector arrow indicates the strength of the target response. (B–C) Distributions of response accuracies in the object‐cued place recognition period (OPRP) (B) and the spatial memory period (SMP) (C) for individual subjects. Dashed lines denote chance level (25%). For each period, results of one‐sample </a:t>
+            </a:r>
+            <a:r>
+              <a:rPr i="1" dirty="0"/>
+              <a:t>t</a:t>
+            </a:r>
+            <a:r>
+              <a:rPr dirty="0"/>
+              <a:t> tests for comparing average retrieval accuracy during the experimental condition (top) and paired </a:t>
+            </a:r>
+            <a:r>
+              <a:rPr i="1" dirty="0"/>
+              <a:t>t</a:t>
+            </a:r>
+            <a:r>
+              <a:rPr dirty="0"/>
+              <a:t> test for comparing average retrieval accuracies between experimental and control conditions (bottom) are shown.</a:t>
             </a:r>
           </a:p>
           <a:p>
@@ -6394,181 +6646,6 @@
         </p:txBody>
       </p:sp>
     </p:spTree>
-  </p:cSld>
-  <p:clrMapOvr>
-    <a:masterClrMapping/>
-  </p:clrMapOvr>
-</p:notes>
-</file>
-
-<file path=ppt/notesSlides/notesSlide38.xml><?xml version="1.0" encoding="utf-8"?>
-<p:notes xmlns:a="http://schemas.openxmlformats.org/drawingml/2006/main" xmlns:r="http://schemas.openxmlformats.org/officeDocument/2006/relationships" xmlns:p="http://schemas.openxmlformats.org/presentationml/2006/main">
-  <p:cSld>
-    <p:spTree>
-      <p:nvGrpSpPr>
-        <p:cNvPr id="1" name=""/>
-        <p:cNvGrpSpPr/>
-        <p:nvPr/>
-      </p:nvGrpSpPr>
-      <p:grpSpPr>
-        <a:xfrm>
-          <a:off x="0" y="0"/>
-          <a:ext cx="0" cy="0"/>
-          <a:chOff x="0" y="0"/>
-          <a:chExt cx="0" cy="0"/>
-        </a:xfrm>
-      </p:grpSpPr>
-      <p:sp>
-        <p:nvSpPr>
-          <p:cNvPr id="2" name="幻灯片图像占位符 1"/>
-          <p:cNvSpPr>
-            <a:spLocks noGrp="1" noRot="1" noChangeAspect="1"/>
-          </p:cNvSpPr>
-          <p:nvPr>
-            <p:ph type="sldImg"/>
-          </p:nvPr>
-        </p:nvSpPr>
-        <p:spPr/>
-      </p:sp>
-      <p:sp>
-        <p:nvSpPr>
-          <p:cNvPr id="3" name="备注占位符 2"/>
-          <p:cNvSpPr>
-            <a:spLocks noGrp="1"/>
-          </p:cNvSpPr>
-          <p:nvPr>
-            <p:ph type="body" idx="1"/>
-          </p:nvPr>
-        </p:nvSpPr>
-        <p:spPr/>
-        <p:txBody>
-          <a:bodyPr/>
-          <a:lstStyle/>
-          <a:p>
-            <a:endParaRPr lang="zh-CN" altLang="en-US" dirty="0"/>
-          </a:p>
-        </p:txBody>
-      </p:sp>
-      <p:sp>
-        <p:nvSpPr>
-          <p:cNvPr id="4" name="灯片编号占位符 3"/>
-          <p:cNvSpPr>
-            <a:spLocks noGrp="1"/>
-          </p:cNvSpPr>
-          <p:nvPr>
-            <p:ph type="sldNum" sz="quarter" idx="10"/>
-          </p:nvPr>
-        </p:nvSpPr>
-        <p:spPr/>
-        <p:txBody>
-          <a:bodyPr/>
-          <a:lstStyle/>
-          <a:p>
-            <a:fld id="{DD202784-B46A-4EF4-B218-4316F9133D14}" type="slidenum">
-              <a:rPr lang="zh-CN" altLang="en-US" smtClean="0"/>
-              <a:t>38</a:t>
-            </a:fld>
-            <a:endParaRPr lang="zh-CN" altLang="en-US"/>
-          </a:p>
-        </p:txBody>
-      </p:sp>
-    </p:spTree>
-    <p:extLst>
-      <p:ext uri="{BB962C8B-B14F-4D97-AF65-F5344CB8AC3E}">
-        <p14:creationId xmlns:p14="http://schemas.microsoft.com/office/powerpoint/2010/main" val="3776015239"/>
-      </p:ext>
-    </p:extLst>
-  </p:cSld>
-  <p:clrMapOvr>
-    <a:masterClrMapping/>
-  </p:clrMapOvr>
-</p:notes>
-</file>
-
-<file path=ppt/notesSlides/notesSlide39.xml><?xml version="1.0" encoding="utf-8"?>
-<p:notes xmlns:a="http://schemas.openxmlformats.org/drawingml/2006/main" xmlns:r="http://schemas.openxmlformats.org/officeDocument/2006/relationships" xmlns:p="http://schemas.openxmlformats.org/presentationml/2006/main">
-  <p:cSld>
-    <p:spTree>
-      <p:nvGrpSpPr>
-        <p:cNvPr id="1" name=""/>
-        <p:cNvGrpSpPr/>
-        <p:nvPr/>
-      </p:nvGrpSpPr>
-      <p:grpSpPr>
-        <a:xfrm>
-          <a:off x="0" y="0"/>
-          <a:ext cx="0" cy="0"/>
-          <a:chOff x="0" y="0"/>
-          <a:chExt cx="0" cy="0"/>
-        </a:xfrm>
-      </p:grpSpPr>
-      <p:sp>
-        <p:nvSpPr>
-          <p:cNvPr id="2" name="幻灯片图像占位符 1"/>
-          <p:cNvSpPr>
-            <a:spLocks noGrp="1" noRot="1" noChangeAspect="1"/>
-          </p:cNvSpPr>
-          <p:nvPr>
-            <p:ph type="sldImg"/>
-          </p:nvPr>
-        </p:nvSpPr>
-        <p:spPr/>
-      </p:sp>
-      <p:sp>
-        <p:nvSpPr>
-          <p:cNvPr id="3" name="备注占位符 2"/>
-          <p:cNvSpPr>
-            <a:spLocks noGrp="1"/>
-          </p:cNvSpPr>
-          <p:nvPr>
-            <p:ph type="body" idx="1"/>
-          </p:nvPr>
-        </p:nvSpPr>
-        <p:spPr/>
-        <p:txBody>
-          <a:bodyPr/>
-          <a:lstStyle/>
-          <a:p>
-            <a:pPr marL="457200" lvl="1" indent="0">
-              <a:lnSpc>
-                <a:spcPct val="150000"/>
-              </a:lnSpc>
-              <a:buFont typeface="Arial" panose="020B0604020202020204" pitchFamily="34" charset="0"/>
-              <a:buNone/>
-            </a:pPr>
-            <a:endParaRPr lang="en-US" altLang="zh-CN" sz="2800" dirty="0"/>
-          </a:p>
-        </p:txBody>
-      </p:sp>
-      <p:sp>
-        <p:nvSpPr>
-          <p:cNvPr id="4" name="灯片编号占位符 3"/>
-          <p:cNvSpPr>
-            <a:spLocks noGrp="1"/>
-          </p:cNvSpPr>
-          <p:nvPr>
-            <p:ph type="sldNum" sz="quarter" idx="10"/>
-          </p:nvPr>
-        </p:nvSpPr>
-        <p:spPr/>
-        <p:txBody>
-          <a:bodyPr/>
-          <a:lstStyle/>
-          <a:p>
-            <a:fld id="{DD202784-B46A-4EF4-B218-4316F9133D14}" type="slidenum">
-              <a:rPr lang="zh-CN" altLang="en-US" smtClean="0"/>
-              <a:t>39</a:t>
-            </a:fld>
-            <a:endParaRPr lang="zh-CN" altLang="en-US"/>
-          </a:p>
-        </p:txBody>
-      </p:sp>
-    </p:spTree>
-    <p:extLst>
-      <p:ext uri="{BB962C8B-B14F-4D97-AF65-F5344CB8AC3E}">
-        <p14:creationId xmlns:p14="http://schemas.microsoft.com/office/powerpoint/2010/main" val="3763311556"/>
-      </p:ext>
-    </p:extLst>
   </p:cSld>
   <p:clrMapOvr>
     <a:masterClrMapping/>
@@ -6838,36 +6915,52 @@
             </a:pPr>
             <a:r>
               <a:rPr lang="en-US" dirty="0" smtClean="0"/>
-              <a:t>Fig3</a:t>
+              <a:t>Fig4</a:t>
             </a:r>
             <a:r>
               <a:rPr dirty="0"/>
               <a:t>
-Task performance. (A) Cumulative choices for target buildings (</a:t>
+Choice accuracy for individual buildings and objects. Average choice accuracy for all objects associated with the four buildings in the experimental condition in the object‐cued place recognition period. Dotted lines indicate the mean accuracy for the corresponding building. Objects are shown in a descending order based on choice accuracy. Mean ± S.E.M. *</a:t>
+            </a:r>
+            <a:r>
+              <a:rPr i="1" dirty="0"/>
+              <a:t>P</a:t>
+            </a:r>
+            <a:r>
+              <a:rPr dirty="0"/>
+              <a:t> &lt; 0.05, **</a:t>
+            </a:r>
+            <a:r>
+              <a:rPr i="1" dirty="0"/>
+              <a:t>P</a:t>
+            </a:r>
+            <a:r>
+              <a:rPr dirty="0"/>
+              <a:t> &lt; 0.01, ***</a:t>
+            </a:r>
+            <a:r>
+              <a:rPr i="1" dirty="0"/>
+              <a:t>P</a:t>
+            </a:r>
+            <a:r>
+              <a:rPr dirty="0"/>
+              <a:t> &lt; 0.001, </a:t>
             </a:r>
             <a:r>
               <a:rPr dirty="0" err="1"/>
-              <a:t>Tgt</a:t>
+              <a:t>n.s</a:t>
             </a:r>
             <a:r>
               <a:rPr dirty="0"/>
-              <a:t>) in the object‐cued place recognition period (all targets aligned to 0°). The vector arrow indicates the strength of the target response. (B–C) Distributions of response accuracies in the object‐cued place recognition period (OPRP) (B) and the spatial memory period (SMP) (C) for individual subjects. Dashed lines denote chance level (25%). For each period, results of one‐sample </a:t>
+              <a:t>. </a:t>
             </a:r>
             <a:r>
               <a:rPr i="1" dirty="0"/>
-              <a:t>t</a:t>
+              <a:t>P</a:t>
             </a:r>
             <a:r>
               <a:rPr dirty="0"/>
-              <a:t> tests for comparing average retrieval accuracy during the experimental condition (top) and paired </a:t>
-            </a:r>
-            <a:r>
-              <a:rPr i="1" dirty="0"/>
-              <a:t>t</a:t>
-            </a:r>
-            <a:r>
-              <a:rPr dirty="0"/>
-              <a:t> test for comparing average retrieval accuracies between experimental and control conditions (bottom) are shown.</a:t>
+              <a:t> &gt; 0.05. [Color figure can be viewed in the online issue, which is available at wileyonlinelibrary.com.]</a:t>
             </a:r>
           </a:p>
           <a:p>
@@ -7008,52 +7101,20 @@
             </a:pPr>
             <a:r>
               <a:rPr lang="en-US" dirty="0" smtClean="0"/>
-              <a:t>Fig4</a:t>
+              <a:t>Fig5</a:t>
             </a:r>
             <a:r>
               <a:rPr dirty="0"/>
               <a:t>
-Choice accuracy for individual buildings and objects. Average choice accuracy for all objects associated with the four buildings in the experimental condition in the object‐cued place recognition period. Dotted lines indicate the mean accuracy for the corresponding building. Objects are shown in a descending order based on choice accuracy. Mean ± S.E.M. *</a:t>
-            </a:r>
-            <a:r>
-              <a:rPr i="1" dirty="0"/>
-              <a:t>P</a:t>
+Individual difference in search efficiency. Examples of angular trajectory of four subjects with efficiency indices (E) during the object‐cued place recognition period. For each subject, trajectory data were aligned so that the correct target (denoted as </a:t>
+            </a:r>
+            <a:r>
+              <a:rPr dirty="0" err="1"/>
+              <a:t>Tgt</a:t>
             </a:r>
             <a:r>
               <a:rPr dirty="0"/>
-              <a:t> &lt; 0.05, **</a:t>
-            </a:r>
-            <a:r>
-              <a:rPr i="1" dirty="0"/>
-              <a:t>P</a:t>
-            </a:r>
-            <a:r>
-              <a:rPr dirty="0"/>
-              <a:t> &lt; 0.01, ***</a:t>
-            </a:r>
-            <a:r>
-              <a:rPr i="1" dirty="0"/>
-              <a:t>P</a:t>
-            </a:r>
-            <a:r>
-              <a:rPr dirty="0"/>
-              <a:t> &lt; 0.001, </a:t>
-            </a:r>
-            <a:r>
-              <a:rPr dirty="0" err="1"/>
-              <a:t>n.s</a:t>
-            </a:r>
-            <a:r>
-              <a:rPr dirty="0"/>
-              <a:t>. </a:t>
-            </a:r>
-            <a:r>
-              <a:rPr i="1" dirty="0"/>
-              <a:t>P</a:t>
-            </a:r>
-            <a:r>
-              <a:rPr dirty="0"/>
-              <a:t> &gt; 0.05. [Color figure can be viewed in the online issue, which is available at wileyonlinelibrary.com.]</a:t>
+              <a:t>) was located on the east, separately shown for the experimental and control conditions. Distance from the center of the plot represents the duration of time (maximum of 11.2 s, as depicted in inset) and the azimuth of the point depicts the viewing angle of the subject at that particular time. Black and white lines denote trajectories for correct and incorrect trials, respectively.</a:t>
             </a:r>
           </a:p>
           <a:p>
@@ -7079,14 +7140,6 @@
 <file path=ppt/notesSlides/notesSlide42.xml><?xml version="1.0" encoding="utf-8"?>
 <p:notes xmlns:a="http://schemas.openxmlformats.org/drawingml/2006/main" xmlns:r="http://schemas.openxmlformats.org/officeDocument/2006/relationships" xmlns:p="http://schemas.openxmlformats.org/presentationml/2006/main">
   <p:cSld>
-    <p:bg>
-      <p:bgPr>
-        <a:solidFill>
-          <a:srgbClr val="FFFFFF"/>
-        </a:solidFill>
-        <a:effectLst/>
-      </p:bgPr>
-    </p:bg>
     <p:spTree>
       <p:nvGrpSpPr>
         <p:cNvPr id="1" name=""/>
@@ -7103,126 +7156,71 @@
       </p:grpSpPr>
       <p:sp>
         <p:nvSpPr>
-          <p:cNvPr id="4098" name="Rectangle 6"/>
+          <p:cNvPr id="2" name="幻灯片图像占位符 1"/>
           <p:cNvSpPr>
-            <a:spLocks noGrp="1" noChangeArrowheads="1"/>
-          </p:cNvSpPr>
-          <p:nvPr>
-            <p:ph type="sldNum" sz="quarter"/>
-          </p:nvPr>
-        </p:nvSpPr>
-        <p:spPr>
-          <a:noFill/>
-        </p:spPr>
-        <p:txBody>
-          <a:bodyPr/>
-          <a:lstStyle/>
-          <a:p>
-            <a:fld id="{0E78A471-D789-41F3-8A64-F8CE717DD838}" type="slidenum">
-              <a:rPr lang="en-GB"/>
-              <a:t>42</a:t>
-            </a:fld>
-            <a:endParaRPr lang="en-GB"/>
-          </a:p>
-        </p:txBody>
-      </p:sp>
-      <p:sp>
-        <p:nvSpPr>
-          <p:cNvPr id="4099" name="Rectangle 1"/>
-          <p:cNvSpPr txBox="1">
-            <a:spLocks noGrp="1" noRot="1" noChangeAspect="1" noChangeArrowheads="1" noTextEdit="1"/>
+            <a:spLocks noGrp="1" noRot="1" noChangeAspect="1"/>
           </p:cNvSpPr>
           <p:nvPr>
             <p:ph type="sldImg"/>
           </p:nvPr>
         </p:nvSpPr>
-        <p:spPr>
-          <a:xfrm>
-            <a:off x="382588" y="695325"/>
-            <a:ext cx="6091237" cy="3427413"/>
-          </a:xfrm>
-          <a:solidFill>
-            <a:srgbClr val="FFFFFF"/>
-          </a:solidFill>
-          <a:ln>
-            <a:solidFill>
-              <a:srgbClr val="000000"/>
-            </a:solidFill>
-            <a:miter lim="800000"/>
-          </a:ln>
-        </p:spPr>
-      </p:sp>
-      <p:sp>
-        <p:nvSpPr>
-          <p:cNvPr id="4100" name="Text Box 2"/>
-          <p:cNvSpPr txBox="1">
-            <a:spLocks noGrp="1" noChangeArrowheads="1"/>
+        <p:spPr/>
+      </p:sp>
+      <p:sp>
+        <p:nvSpPr>
+          <p:cNvPr id="3" name="备注占位符 2"/>
+          <p:cNvSpPr>
+            <a:spLocks noGrp="1"/>
           </p:cNvSpPr>
           <p:nvPr>
             <p:ph type="body" idx="1"/>
           </p:nvPr>
         </p:nvSpPr>
-        <p:spPr>
-          <a:xfrm>
-            <a:off x="685512" y="4343230"/>
-            <a:ext cx="5486976" cy="4115139"/>
-          </a:xfrm>
-          <a:noFill/>
-          <a:ln/>
-        </p:spPr>
-        <p:txBody>
-          <a:bodyPr tIns="9279"/>
+        <p:spPr/>
+        <p:txBody>
+          <a:bodyPr/>
           <a:lstStyle/>
           <a:p>
-            <a:pPr algn="just">
+            <a:pPr marL="457200" lvl="1" indent="0">
               <a:lnSpc>
-                <a:spcPct val="93000"/>
+                <a:spcPct val="150000"/>
               </a:lnSpc>
-              <a:spcBef>
-                <a:spcPct val="0"/>
-              </a:spcBef>
-              <a:tabLst>
-                <a:tab pos="634643" algn="l"/>
-                <a:tab pos="1269286" algn="l"/>
-                <a:tab pos="1903929" algn="l"/>
-                <a:tab pos="2538573" algn="l"/>
-                <a:tab pos="3173216" algn="l"/>
-                <a:tab pos="3807859" algn="l"/>
-                <a:tab pos="4442502" algn="l"/>
-                <a:tab pos="5077145" algn="l"/>
-              </a:tabLst>
+              <a:buFont typeface="Arial" panose="020B0604020202020204" pitchFamily="34" charset="0"/>
+              <a:buNone/>
             </a:pPr>
-            <a:r>
-              <a:rPr lang="en-US" dirty="0" smtClean="0"/>
-              <a:t>Fig5</a:t>
-            </a:r>
-            <a:r>
-              <a:rPr dirty="0"/>
-              <a:t>
-Individual difference in search efficiency. Examples of angular trajectory of four subjects with efficiency indices (E) during the object‐cued place recognition period. For each subject, trajectory data were aligned so that the correct target (denoted as </a:t>
-            </a:r>
-            <a:r>
-              <a:rPr dirty="0" err="1"/>
-              <a:t>Tgt</a:t>
-            </a:r>
-            <a:r>
-              <a:rPr dirty="0"/>
-              <a:t>) was located on the east, separately shown for the experimental and control conditions. Distance from the center of the plot represents the duration of time (maximum of 11.2 s, as depicted in inset) and the azimuth of the point depicts the viewing angle of the subject at that particular time. Black and white lines denote trajectories for correct and incorrect trials, respectively.</a:t>
-            </a:r>
-          </a:p>
-          <a:p>
-            <a:endParaRPr dirty="0"/>
-          </a:p>
-          <a:p>
-            <a:r>
-              <a:rPr lang="en-GB" dirty="0"/>
-              <a:t>IF THIS IMAGE HAS BEEN PROVIDED BY OR IS OWNED BY A THIRD PARTY, AS INDICATED IN THE CAPTION LINE, THEN FURTHER PERMISSION MAY BE NEEDED BEFORE ANY FURTHER USE. PLEASE CONTACT WILEY'S PERMISSIONS DEPARTMENT ON PERMISSIONS@WILEY.COM OR USE THE RIGHTSLINK SERVICE BY CLICKING ON THE 'REQUEST PERMISSIONS' LINK ACCOMPANYING THIS ARTICLE. WILEY OR AUTHOR OWNED IMAGES MAY BE USED FOR NON-COMMERCIAL PURPOSES, SUBJECT TO PROPER CITATION OF THE ARTICLE, AUTHOR, AND PUBLISHER.</a:t>
-            </a:r>
-            <a:endParaRPr dirty="0"/>
+            <a:endParaRPr lang="en-US" altLang="zh-CN" sz="2800" dirty="0"/>
+          </a:p>
+        </p:txBody>
+      </p:sp>
+      <p:sp>
+        <p:nvSpPr>
+          <p:cNvPr id="4" name="灯片编号占位符 3"/>
+          <p:cNvSpPr>
+            <a:spLocks noGrp="1"/>
+          </p:cNvSpPr>
+          <p:nvPr>
+            <p:ph type="sldNum" sz="quarter" idx="10"/>
+          </p:nvPr>
+        </p:nvSpPr>
+        <p:spPr/>
+        <p:txBody>
+          <a:bodyPr/>
+          <a:lstStyle/>
+          <a:p>
+            <a:fld id="{DD202784-B46A-4EF4-B218-4316F9133D14}" type="slidenum">
+              <a:rPr lang="zh-CN" altLang="en-US" smtClean="0"/>
+              <a:t>42</a:t>
+            </a:fld>
+            <a:endParaRPr lang="zh-CN" altLang="en-US"/>
           </a:p>
         </p:txBody>
       </p:sp>
     </p:spTree>
+    <p:extLst>
+      <p:ext uri="{BB962C8B-B14F-4D97-AF65-F5344CB8AC3E}">
+        <p14:creationId xmlns:p14="http://schemas.microsoft.com/office/powerpoint/2010/main" val="3763311556"/>
+      </p:ext>
+    </p:extLst>
   </p:cSld>
   <p:clrMapOvr>
     <a:masterClrMapping/>
@@ -7506,6 +7504,14 @@
 <file path=ppt/notesSlides/notesSlide46.xml><?xml version="1.0" encoding="utf-8"?>
 <p:notes xmlns:a="http://schemas.openxmlformats.org/drawingml/2006/main" xmlns:r="http://schemas.openxmlformats.org/officeDocument/2006/relationships" xmlns:p="http://schemas.openxmlformats.org/presentationml/2006/main">
   <p:cSld>
+    <p:bg>
+      <p:bgPr>
+        <a:solidFill>
+          <a:srgbClr val="FFFFFF"/>
+        </a:solidFill>
+        <a:effectLst/>
+      </p:bgPr>
+    </p:bg>
     <p:spTree>
       <p:nvGrpSpPr>
         <p:cNvPr id="1" name=""/>
@@ -7522,6 +7528,184 @@
       </p:grpSpPr>
       <p:sp>
         <p:nvSpPr>
+          <p:cNvPr id="4098" name="Rectangle 6"/>
+          <p:cNvSpPr>
+            <a:spLocks noGrp="1" noChangeArrowheads="1"/>
+          </p:cNvSpPr>
+          <p:nvPr>
+            <p:ph type="sldNum" sz="quarter"/>
+          </p:nvPr>
+        </p:nvSpPr>
+        <p:spPr>
+          <a:noFill/>
+        </p:spPr>
+        <p:txBody>
+          <a:bodyPr/>
+          <a:lstStyle/>
+          <a:p>
+            <a:fld id="{0E78A471-D789-41F3-8A64-F8CE717DD838}" type="slidenum">
+              <a:rPr lang="en-GB"/>
+              <a:t>46</a:t>
+            </a:fld>
+            <a:endParaRPr lang="en-GB"/>
+          </a:p>
+        </p:txBody>
+      </p:sp>
+      <p:sp>
+        <p:nvSpPr>
+          <p:cNvPr id="4099" name="Rectangle 1"/>
+          <p:cNvSpPr txBox="1">
+            <a:spLocks noGrp="1" noRot="1" noChangeAspect="1" noChangeArrowheads="1" noTextEdit="1"/>
+          </p:cNvSpPr>
+          <p:nvPr>
+            <p:ph type="sldImg"/>
+          </p:nvPr>
+        </p:nvSpPr>
+        <p:spPr>
+          <a:xfrm>
+            <a:off x="382588" y="695325"/>
+            <a:ext cx="6091237" cy="3427413"/>
+          </a:xfrm>
+          <a:solidFill>
+            <a:srgbClr val="FFFFFF"/>
+          </a:solidFill>
+          <a:ln>
+            <a:solidFill>
+              <a:srgbClr val="000000"/>
+            </a:solidFill>
+            <a:miter lim="800000"/>
+          </a:ln>
+        </p:spPr>
+      </p:sp>
+      <p:sp>
+        <p:nvSpPr>
+          <p:cNvPr id="4100" name="Text Box 2"/>
+          <p:cNvSpPr txBox="1">
+            <a:spLocks noGrp="1" noChangeArrowheads="1"/>
+          </p:cNvSpPr>
+          <p:nvPr>
+            <p:ph type="body" idx="1"/>
+          </p:nvPr>
+        </p:nvSpPr>
+        <p:spPr>
+          <a:xfrm>
+            <a:off x="685512" y="4343230"/>
+            <a:ext cx="5486976" cy="4115139"/>
+          </a:xfrm>
+          <a:noFill/>
+          <a:ln/>
+        </p:spPr>
+        <p:txBody>
+          <a:bodyPr tIns="9279"/>
+          <a:lstStyle/>
+          <a:p>
+            <a:pPr algn="just">
+              <a:lnSpc>
+                <a:spcPct val="93000"/>
+              </a:lnSpc>
+              <a:spcBef>
+                <a:spcPct val="0"/>
+              </a:spcBef>
+              <a:tabLst>
+                <a:tab pos="634643" algn="l"/>
+                <a:tab pos="1269286" algn="l"/>
+                <a:tab pos="1903929" algn="l"/>
+                <a:tab pos="2538573" algn="l"/>
+                <a:tab pos="3173216" algn="l"/>
+                <a:tab pos="3807859" algn="l"/>
+                <a:tab pos="4442502" algn="l"/>
+                <a:tab pos="5077145" algn="l"/>
+              </a:tabLst>
+            </a:pPr>
+            <a:r>
+              <a:rPr lang="en-US" dirty="0" smtClean="0"/>
+              <a:t>Fig6</a:t>
+            </a:r>
+            <a:r>
+              <a:rPr dirty="0"/>
+              <a:t>
+BOLD activity during object‐cueing period, object‐cued place recognition period, and spatial memory period. (A, C, E) A sagittal (left) and a coronal (right) section showing the peak hippocampal activity for each event period (</a:t>
+            </a:r>
+            <a:r>
+              <a:rPr i="1" dirty="0"/>
+              <a:t>P</a:t>
+            </a:r>
+            <a:r>
+              <a:rPr dirty="0"/>
+              <a:t> &lt; 0.05, FWE‐corrected, one‐sample </a:t>
+            </a:r>
+            <a:r>
+              <a:rPr i="1" dirty="0"/>
+              <a:t>t</a:t>
+            </a:r>
+            <a:r>
+              <a:rPr dirty="0"/>
+              <a:t> test). MNI coordinates are shown above the corresponding sections. In each row, the scale bar shows the range of the t‐statistics from GLM analysis for each event period with red color representing higher response. OCP: Object‐cueing period, OPRP: Object‐cued place recognition period, SMP: Spatial memory period. Mean ± S.E.M. *</a:t>
+            </a:r>
+            <a:r>
+              <a:rPr i="1" dirty="0"/>
+              <a:t>P</a:t>
+            </a:r>
+            <a:r>
+              <a:rPr dirty="0"/>
+              <a:t> &lt; 0.05, **</a:t>
+            </a:r>
+            <a:r>
+              <a:rPr i="1" dirty="0"/>
+              <a:t>P</a:t>
+            </a:r>
+            <a:r>
+              <a:rPr dirty="0"/>
+              <a:t> &lt; 0.01, ***</a:t>
+            </a:r>
+            <a:r>
+              <a:rPr i="1" dirty="0"/>
+              <a:t>P</a:t>
+            </a:r>
+            <a:r>
+              <a:rPr dirty="0"/>
+              <a:t> &lt; 0.001. (A) Object‐cueing period (OCP): A subset of voxels in the left hippocampus showing significant activity during the object‐cueing period (highlighted with a dotted circle), compared to the control. (B) Mean coefficient contrasts of the OCP‐responsive voxels in the left hippocampus across three different periods. (C) Object‐cued place recognition period (OPRP): A subset of voxels in the right hippocampus (highlighted with dotted circles) showing significant BOLD activity during the OPRP. (D) Mean coefficient contrasts of the OPRP‐response voxels in the right hippocampus across three different event periods. (E) Spatial memory period (SMP): During the spatial memory period, the right hippocampus (highlighted with a dotted circle) showed significant BOLD activity compared to the control condition. (F) Average coefficient contrasts of the SMP‐responsive voxels in the right hippocampus across three different event periods. [Color figure can be viewed in the online issue, which is available at wileyonlinelibrary.com.]</a:t>
+            </a:r>
+          </a:p>
+          <a:p>
+            <a:endParaRPr dirty="0"/>
+          </a:p>
+          <a:p>
+            <a:r>
+              <a:rPr lang="en-GB" dirty="0"/>
+              <a:t>IF THIS IMAGE HAS BEEN PROVIDED BY OR IS OWNED BY A THIRD PARTY, AS INDICATED IN THE CAPTION LINE, THEN FURTHER PERMISSION MAY BE NEEDED BEFORE ANY FURTHER USE. PLEASE CONTACT WILEY'S PERMISSIONS DEPARTMENT ON PERMISSIONS@WILEY.COM OR USE THE RIGHTSLINK SERVICE BY CLICKING ON THE 'REQUEST PERMISSIONS' LINK ACCOMPANYING THIS ARTICLE. WILEY OR AUTHOR OWNED IMAGES MAY BE USED FOR NON-COMMERCIAL PURPOSES, SUBJECT TO PROPER CITATION OF THE ARTICLE, AUTHOR, AND PUBLISHER.</a:t>
+            </a:r>
+            <a:endParaRPr dirty="0"/>
+          </a:p>
+        </p:txBody>
+      </p:sp>
+    </p:spTree>
+  </p:cSld>
+  <p:clrMapOvr>
+    <a:masterClrMapping/>
+  </p:clrMapOvr>
+</p:notes>
+</file>
+
+<file path=ppt/notesSlides/notesSlide47.xml><?xml version="1.0" encoding="utf-8"?>
+<p:notes xmlns:a="http://schemas.openxmlformats.org/drawingml/2006/main" xmlns:r="http://schemas.openxmlformats.org/officeDocument/2006/relationships" xmlns:p="http://schemas.openxmlformats.org/presentationml/2006/main">
+  <p:cSld>
+    <p:spTree>
+      <p:nvGrpSpPr>
+        <p:cNvPr id="1" name=""/>
+        <p:cNvGrpSpPr/>
+        <p:nvPr/>
+      </p:nvGrpSpPr>
+      <p:grpSpPr>
+        <a:xfrm>
+          <a:off x="0" y="0"/>
+          <a:ext cx="0" cy="0"/>
+          <a:chOff x="0" y="0"/>
+          <a:chExt cx="0" cy="0"/>
+        </a:xfrm>
+      </p:grpSpPr>
+      <p:sp>
+        <p:nvSpPr>
           <p:cNvPr id="2" name="幻灯片图像占位符 1"/>
           <p:cNvSpPr>
             <a:spLocks noGrp="1" noRot="1" noChangeAspect="1"/>
@@ -7575,7 +7759,7 @@
           <a:p>
             <a:fld id="{DD202784-B46A-4EF4-B218-4316F9133D14}" type="slidenum">
               <a:rPr lang="zh-CN" altLang="en-US" smtClean="0"/>
-              <a:t>46</a:t>
+              <a:t>47</a:t>
             </a:fld>
             <a:endParaRPr lang="zh-CN" altLang="en-US"/>
           </a:p>
@@ -7594,7 +7778,7 @@
 </p:notes>
 </file>
 
-<file path=ppt/notesSlides/notesSlide47.xml><?xml version="1.0" encoding="utf-8"?>
+<file path=ppt/notesSlides/notesSlide48.xml><?xml version="1.0" encoding="utf-8"?>
 <p:notes xmlns:a="http://schemas.openxmlformats.org/drawingml/2006/main" xmlns:r="http://schemas.openxmlformats.org/officeDocument/2006/relationships" xmlns:p="http://schemas.openxmlformats.org/presentationml/2006/main">
   <p:cSld>
     <p:bg>
@@ -7638,7 +7822,7 @@
           <a:p>
             <a:fld id="{0E78A471-D789-41F3-8A64-F8CE717DD838}" type="slidenum">
               <a:rPr lang="en-GB"/>
-              <a:t>47</a:t>
+              <a:t>48</a:t>
             </a:fld>
             <a:endParaRPr lang="en-GB"/>
           </a:p>
@@ -7712,12 +7896,44 @@
             </a:pPr>
             <a:r>
               <a:rPr lang="en-US" dirty="0" smtClean="0"/>
-              <a:t>Fig6</a:t>
+              <a:t>Fig7</a:t>
             </a:r>
             <a:r>
               <a:rPr dirty="0"/>
               <a:t>
-BOLD activity during object‐cueing period, object‐cued place recognition period, and spatial memory period. (A, C, E) A sagittal (left) and a coronal (right) section showing the peak hippocampal activity for each event period (</a:t>
+Contributions of object‐associated task difficulty and sex to the hemispheric bias in %BOLD signal change. (A) Hemispheric bias in normalized %BOLD signal change in each event period. (B) Hemispheric bias in normalized %BOLD signal change for each event period, shown separately for the objects with which performance levels were either high (Hi, </a:t>
+            </a:r>
+            <a:r>
+              <a:rPr i="1" dirty="0"/>
+              <a:t>n</a:t>
+            </a:r>
+            <a:r>
+              <a:rPr dirty="0"/>
+              <a:t> = 19) or low (Lo, </a:t>
+            </a:r>
+            <a:r>
+              <a:rPr i="1" dirty="0"/>
+              <a:t>n</a:t>
+            </a:r>
+            <a:r>
+              <a:rPr dirty="0"/>
+              <a:t> = 21). (C) Hemispheric bias in normalized % BOLD signal change for each event period, drawn separately for female (F, </a:t>
+            </a:r>
+            <a:r>
+              <a:rPr i="1" dirty="0"/>
+              <a:t>n</a:t>
+            </a:r>
+            <a:r>
+              <a:rPr dirty="0"/>
+              <a:t> = 5) and male (M, </a:t>
+            </a:r>
+            <a:r>
+              <a:rPr i="1" dirty="0"/>
+              <a:t>n</a:t>
+            </a:r>
+            <a:r>
+              <a:rPr dirty="0"/>
+              <a:t> = 11) subjects. OCP: object‐cueing period, OPRP: object‐cued place recognition period, SMP: spatial memory period. Mean ± S.E.M. **</a:t>
             </a:r>
             <a:r>
               <a:rPr i="1" dirty="0"/>
@@ -7725,15 +7941,7 @@
             </a:r>
             <a:r>
               <a:rPr dirty="0"/>
-              <a:t> &lt; 0.05, FWE‐corrected, one‐sample </a:t>
-            </a:r>
-            <a:r>
-              <a:rPr i="1" dirty="0"/>
-              <a:t>t</a:t>
-            </a:r>
-            <a:r>
-              <a:rPr dirty="0"/>
-              <a:t> test). MNI coordinates are shown above the corresponding sections. In each row, the scale bar shows the range of the t‐statistics from GLM analysis for each event period with red color representing higher response. OCP: Object‐cueing period, OPRP: Object‐cued place recognition period, SMP: Spatial memory period. Mean ± S.E.M. *</a:t>
+              <a:t> &lt; 0.01, ***</a:t>
             </a:r>
             <a:r>
               <a:rPr i="1" dirty="0"/>
@@ -7741,23 +7949,7 @@
             </a:r>
             <a:r>
               <a:rPr dirty="0"/>
-              <a:t> &lt; 0.05, **</a:t>
-            </a:r>
-            <a:r>
-              <a:rPr i="1" dirty="0"/>
-              <a:t>P</a:t>
-            </a:r>
-            <a:r>
-              <a:rPr dirty="0"/>
-              <a:t> &lt; 0.01, ***</a:t>
-            </a:r>
-            <a:r>
-              <a:rPr i="1" dirty="0"/>
-              <a:t>P</a:t>
-            </a:r>
-            <a:r>
-              <a:rPr dirty="0"/>
-              <a:t> &lt; 0.001. (A) Object‐cueing period (OCP): A subset of voxels in the left hippocampus showing significant activity during the object‐cueing period (highlighted with a dotted circle), compared to the control. (B) Mean coefficient contrasts of the OCP‐responsive voxels in the left hippocampus across three different periods. (C) Object‐cued place recognition period (OPRP): A subset of voxels in the right hippocampus (highlighted with dotted circles) showing significant BOLD activity during the OPRP. (D) Mean coefficient contrasts of the OPRP‐response voxels in the right hippocampus across three different event periods. (E) Spatial memory period (SMP): During the spatial memory period, the right hippocampus (highlighted with a dotted circle) showed significant BOLD activity compared to the control condition. (F) Average coefficient contrasts of the SMP‐responsive voxels in the right hippocampus across three different event periods. [Color figure can be viewed in the online issue, which is available at wileyonlinelibrary.com.]</a:t>
+              <a:t> &lt; 0.001. [Color figure can be viewed in the online issue, which is available at wileyonlinelibrary.com.]</a:t>
             </a:r>
           </a:p>
           <a:p>
@@ -7773,97 +7965,6 @@
         </p:txBody>
       </p:sp>
     </p:spTree>
-  </p:cSld>
-  <p:clrMapOvr>
-    <a:masterClrMapping/>
-  </p:clrMapOvr>
-</p:notes>
-</file>
-
-<file path=ppt/notesSlides/notesSlide48.xml><?xml version="1.0" encoding="utf-8"?>
-<p:notes xmlns:a="http://schemas.openxmlformats.org/drawingml/2006/main" xmlns:r="http://schemas.openxmlformats.org/officeDocument/2006/relationships" xmlns:p="http://schemas.openxmlformats.org/presentationml/2006/main">
-  <p:cSld>
-    <p:spTree>
-      <p:nvGrpSpPr>
-        <p:cNvPr id="1" name=""/>
-        <p:cNvGrpSpPr/>
-        <p:nvPr/>
-      </p:nvGrpSpPr>
-      <p:grpSpPr>
-        <a:xfrm>
-          <a:off x="0" y="0"/>
-          <a:ext cx="0" cy="0"/>
-          <a:chOff x="0" y="0"/>
-          <a:chExt cx="0" cy="0"/>
-        </a:xfrm>
-      </p:grpSpPr>
-      <p:sp>
-        <p:nvSpPr>
-          <p:cNvPr id="2" name="幻灯片图像占位符 1"/>
-          <p:cNvSpPr>
-            <a:spLocks noGrp="1" noRot="1" noChangeAspect="1"/>
-          </p:cNvSpPr>
-          <p:nvPr>
-            <p:ph type="sldImg"/>
-          </p:nvPr>
-        </p:nvSpPr>
-        <p:spPr/>
-      </p:sp>
-      <p:sp>
-        <p:nvSpPr>
-          <p:cNvPr id="3" name="备注占位符 2"/>
-          <p:cNvSpPr>
-            <a:spLocks noGrp="1"/>
-          </p:cNvSpPr>
-          <p:nvPr>
-            <p:ph type="body" idx="1"/>
-          </p:nvPr>
-        </p:nvSpPr>
-        <p:spPr/>
-        <p:txBody>
-          <a:bodyPr/>
-          <a:lstStyle/>
-          <a:p>
-            <a:pPr marL="457200" lvl="1" indent="0">
-              <a:lnSpc>
-                <a:spcPct val="150000"/>
-              </a:lnSpc>
-              <a:buFont typeface="Arial" panose="020B0604020202020204" pitchFamily="34" charset="0"/>
-              <a:buNone/>
-            </a:pPr>
-            <a:endParaRPr lang="en-US" altLang="zh-CN" sz="2800" dirty="0"/>
-          </a:p>
-        </p:txBody>
-      </p:sp>
-      <p:sp>
-        <p:nvSpPr>
-          <p:cNvPr id="4" name="灯片编号占位符 3"/>
-          <p:cNvSpPr>
-            <a:spLocks noGrp="1"/>
-          </p:cNvSpPr>
-          <p:nvPr>
-            <p:ph type="sldNum" sz="quarter" idx="10"/>
-          </p:nvPr>
-        </p:nvSpPr>
-        <p:spPr/>
-        <p:txBody>
-          <a:bodyPr/>
-          <a:lstStyle/>
-          <a:p>
-            <a:fld id="{DD202784-B46A-4EF4-B218-4316F9133D14}" type="slidenum">
-              <a:rPr lang="zh-CN" altLang="en-US" smtClean="0"/>
-              <a:t>48</a:t>
-            </a:fld>
-            <a:endParaRPr lang="zh-CN" altLang="en-US"/>
-          </a:p>
-        </p:txBody>
-      </p:sp>
-    </p:spTree>
-    <p:extLst>
-      <p:ext uri="{BB962C8B-B14F-4D97-AF65-F5344CB8AC3E}">
-        <p14:creationId xmlns:p14="http://schemas.microsoft.com/office/powerpoint/2010/main" val="3763311556"/>
-      </p:ext>
-    </p:extLst>
   </p:cSld>
   <p:clrMapOvr>
     <a:masterClrMapping/>
@@ -7989,60 +8090,36 @@
             </a:pPr>
             <a:r>
               <a:rPr lang="en-US" dirty="0" smtClean="0"/>
-              <a:t>Fig7</a:t>
+              <a:t>Fig3</a:t>
             </a:r>
             <a:r>
               <a:rPr dirty="0"/>
               <a:t>
-Contributions of object‐associated task difficulty and sex to the hemispheric bias in %BOLD signal change. (A) Hemispheric bias in normalized %BOLD signal change in each event period. (B) Hemispheric bias in normalized %BOLD signal change for each event period, shown separately for the objects with which performance levels were either high (Hi, </a:t>
+Task performance. (A) Cumulative choices for target buildings (</a:t>
+            </a:r>
+            <a:r>
+              <a:rPr dirty="0" err="1"/>
+              <a:t>Tgt</a:t>
+            </a:r>
+            <a:r>
+              <a:rPr dirty="0"/>
+              <a:t>) in the object‐cued place recognition period (all targets aligned to 0°). The vector arrow indicates the strength of the target response. (B–C) Distributions of response accuracies in the object‐cued place recognition period (OPRP) (B) and the spatial memory period (SMP) (C) for individual subjects. Dashed lines denote chance level (25%). For each period, results of one‐sample </a:t>
             </a:r>
             <a:r>
               <a:rPr i="1" dirty="0"/>
-              <a:t>n</a:t>
+              <a:t>t</a:t>
             </a:r>
             <a:r>
               <a:rPr dirty="0"/>
-              <a:t> = 19) or low (Lo, </a:t>
+              <a:t> tests for comparing average retrieval accuracy during the experimental condition (top) and paired </a:t>
             </a:r>
             <a:r>
               <a:rPr i="1" dirty="0"/>
-              <a:t>n</a:t>
+              <a:t>t</a:t>
             </a:r>
             <a:r>
               <a:rPr dirty="0"/>
-              <a:t> = 21). (C) Hemispheric bias in normalized % BOLD signal change for each event period, drawn separately for female (F, </a:t>
-            </a:r>
-            <a:r>
-              <a:rPr i="1" dirty="0"/>
-              <a:t>n</a:t>
-            </a:r>
-            <a:r>
-              <a:rPr dirty="0"/>
-              <a:t> = 5) and male (M, </a:t>
-            </a:r>
-            <a:r>
-              <a:rPr i="1" dirty="0"/>
-              <a:t>n</a:t>
-            </a:r>
-            <a:r>
-              <a:rPr dirty="0"/>
-              <a:t> = 11) subjects. OCP: object‐cueing period, OPRP: object‐cued place recognition period, SMP: spatial memory period. Mean ± S.E.M. **</a:t>
-            </a:r>
-            <a:r>
-              <a:rPr i="1" dirty="0"/>
-              <a:t>P</a:t>
-            </a:r>
-            <a:r>
-              <a:rPr dirty="0"/>
-              <a:t> &lt; 0.01, ***</a:t>
-            </a:r>
-            <a:r>
-              <a:rPr i="1" dirty="0"/>
-              <a:t>P</a:t>
-            </a:r>
-            <a:r>
-              <a:rPr dirty="0"/>
-              <a:t> &lt; 0.001. [Color figure can be viewed in the online issue, which is available at wileyonlinelibrary.com.]</a:t>
+              <a:t> test for comparing average retrieval accuracies between experimental and control conditions (bottom) are shown.</a:t>
             </a:r>
           </a:p>
           <a:p>
@@ -8152,14 +8229,6 @@
 <file path=ppt/notesSlides/notesSlide50.xml><?xml version="1.0" encoding="utf-8"?>
 <p:notes xmlns:a="http://schemas.openxmlformats.org/drawingml/2006/main" xmlns:r="http://schemas.openxmlformats.org/officeDocument/2006/relationships" xmlns:p="http://schemas.openxmlformats.org/presentationml/2006/main">
   <p:cSld>
-    <p:bg>
-      <p:bgPr>
-        <a:solidFill>
-          <a:srgbClr val="FFFFFF"/>
-        </a:solidFill>
-        <a:effectLst/>
-      </p:bgPr>
-    </p:bg>
     <p:spTree>
       <p:nvGrpSpPr>
         <p:cNvPr id="1" name=""/>
@@ -8176,168 +8245,6 @@
       </p:grpSpPr>
       <p:sp>
         <p:nvSpPr>
-          <p:cNvPr id="4098" name="Rectangle 6"/>
-          <p:cNvSpPr>
-            <a:spLocks noGrp="1" noChangeArrowheads="1"/>
-          </p:cNvSpPr>
-          <p:nvPr>
-            <p:ph type="sldNum" sz="quarter"/>
-          </p:nvPr>
-        </p:nvSpPr>
-        <p:spPr>
-          <a:noFill/>
-        </p:spPr>
-        <p:txBody>
-          <a:bodyPr/>
-          <a:lstStyle/>
-          <a:p>
-            <a:fld id="{0E78A471-D789-41F3-8A64-F8CE717DD838}" type="slidenum">
-              <a:rPr lang="en-GB"/>
-              <a:t>50</a:t>
-            </a:fld>
-            <a:endParaRPr lang="en-GB"/>
-          </a:p>
-        </p:txBody>
-      </p:sp>
-      <p:sp>
-        <p:nvSpPr>
-          <p:cNvPr id="4099" name="Rectangle 1"/>
-          <p:cNvSpPr txBox="1">
-            <a:spLocks noGrp="1" noRot="1" noChangeAspect="1" noChangeArrowheads="1" noTextEdit="1"/>
-          </p:cNvSpPr>
-          <p:nvPr>
-            <p:ph type="sldImg"/>
-          </p:nvPr>
-        </p:nvSpPr>
-        <p:spPr>
-          <a:xfrm>
-            <a:off x="382588" y="695325"/>
-            <a:ext cx="6091237" cy="3427413"/>
-          </a:xfrm>
-          <a:solidFill>
-            <a:srgbClr val="FFFFFF"/>
-          </a:solidFill>
-          <a:ln>
-            <a:solidFill>
-              <a:srgbClr val="000000"/>
-            </a:solidFill>
-            <a:miter lim="800000"/>
-          </a:ln>
-        </p:spPr>
-      </p:sp>
-      <p:sp>
-        <p:nvSpPr>
-          <p:cNvPr id="4100" name="Text Box 2"/>
-          <p:cNvSpPr txBox="1">
-            <a:spLocks noGrp="1" noChangeArrowheads="1"/>
-          </p:cNvSpPr>
-          <p:nvPr>
-            <p:ph type="body" idx="1"/>
-          </p:nvPr>
-        </p:nvSpPr>
-        <p:spPr>
-          <a:xfrm>
-            <a:off x="685512" y="4343230"/>
-            <a:ext cx="5486976" cy="4115139"/>
-          </a:xfrm>
-          <a:noFill/>
-          <a:ln/>
-        </p:spPr>
-        <p:txBody>
-          <a:bodyPr tIns="9279"/>
-          <a:lstStyle/>
-          <a:p>
-            <a:pPr algn="just">
-              <a:lnSpc>
-                <a:spcPct val="93000"/>
-              </a:lnSpc>
-              <a:spcBef>
-                <a:spcPct val="0"/>
-              </a:spcBef>
-              <a:tabLst>
-                <a:tab pos="634643" algn="l"/>
-                <a:tab pos="1269286" algn="l"/>
-                <a:tab pos="1903929" algn="l"/>
-                <a:tab pos="2538573" algn="l"/>
-                <a:tab pos="3173216" algn="l"/>
-                <a:tab pos="3807859" algn="l"/>
-                <a:tab pos="4442502" algn="l"/>
-                <a:tab pos="5077145" algn="l"/>
-              </a:tabLst>
-            </a:pPr>
-            <a:r>
-              <a:rPr lang="en-US" dirty="0" smtClean="0"/>
-              <a:t>Fig3</a:t>
-            </a:r>
-            <a:r>
-              <a:rPr dirty="0"/>
-              <a:t>
-Task performance. (A) Cumulative choices for target buildings (</a:t>
-            </a:r>
-            <a:r>
-              <a:rPr dirty="0" err="1"/>
-              <a:t>Tgt</a:t>
-            </a:r>
-            <a:r>
-              <a:rPr dirty="0"/>
-              <a:t>) in the object‐cued place recognition period (all targets aligned to 0°). The vector arrow indicates the strength of the target response. (B–C) Distributions of response accuracies in the object‐cued place recognition period (OPRP) (B) and the spatial memory period (SMP) (C) for individual subjects. Dashed lines denote chance level (25%). For each period, results of one‐sample </a:t>
-            </a:r>
-            <a:r>
-              <a:rPr i="1" dirty="0"/>
-              <a:t>t</a:t>
-            </a:r>
-            <a:r>
-              <a:rPr dirty="0"/>
-              <a:t> tests for comparing average retrieval accuracy during the experimental condition (top) and paired </a:t>
-            </a:r>
-            <a:r>
-              <a:rPr i="1" dirty="0"/>
-              <a:t>t</a:t>
-            </a:r>
-            <a:r>
-              <a:rPr dirty="0"/>
-              <a:t> test for comparing average retrieval accuracies between experimental and control conditions (bottom) are shown.</a:t>
-            </a:r>
-          </a:p>
-          <a:p>
-            <a:endParaRPr dirty="0"/>
-          </a:p>
-          <a:p>
-            <a:r>
-              <a:rPr lang="en-GB" dirty="0"/>
-              <a:t>IF THIS IMAGE HAS BEEN PROVIDED BY OR IS OWNED BY A THIRD PARTY, AS INDICATED IN THE CAPTION LINE, THEN FURTHER PERMISSION MAY BE NEEDED BEFORE ANY FURTHER USE. PLEASE CONTACT WILEY'S PERMISSIONS DEPARTMENT ON PERMISSIONS@WILEY.COM OR USE THE RIGHTSLINK SERVICE BY CLICKING ON THE 'REQUEST PERMISSIONS' LINK ACCOMPANYING THIS ARTICLE. WILEY OR AUTHOR OWNED IMAGES MAY BE USED FOR NON-COMMERCIAL PURPOSES, SUBJECT TO PROPER CITATION OF THE ARTICLE, AUTHOR, AND PUBLISHER.</a:t>
-            </a:r>
-            <a:endParaRPr dirty="0"/>
-          </a:p>
-        </p:txBody>
-      </p:sp>
-    </p:spTree>
-  </p:cSld>
-  <p:clrMapOvr>
-    <a:masterClrMapping/>
-  </p:clrMapOvr>
-</p:notes>
-</file>
-
-<file path=ppt/notesSlides/notesSlide51.xml><?xml version="1.0" encoding="utf-8"?>
-<p:notes xmlns:a="http://schemas.openxmlformats.org/drawingml/2006/main" xmlns:r="http://schemas.openxmlformats.org/officeDocument/2006/relationships" xmlns:p="http://schemas.openxmlformats.org/presentationml/2006/main">
-  <p:cSld>
-    <p:spTree>
-      <p:nvGrpSpPr>
-        <p:cNvPr id="1" name=""/>
-        <p:cNvGrpSpPr/>
-        <p:nvPr/>
-      </p:nvGrpSpPr>
-      <p:grpSpPr>
-        <a:xfrm>
-          <a:off x="0" y="0"/>
-          <a:ext cx="0" cy="0"/>
-          <a:chOff x="0" y="0"/>
-          <a:chExt cx="0" cy="0"/>
-        </a:xfrm>
-      </p:grpSpPr>
-      <p:sp>
-        <p:nvSpPr>
           <p:cNvPr id="2" name="幻灯片图像占位符 1"/>
           <p:cNvSpPr>
             <a:spLocks noGrp="1" noRot="1" noChangeAspect="1"/>
@@ -8391,7 +8298,7 @@
           <a:p>
             <a:fld id="{DD202784-B46A-4EF4-B218-4316F9133D14}" type="slidenum">
               <a:rPr lang="zh-CN" altLang="en-US" smtClean="0"/>
-              <a:t>51</a:t>
+              <a:t>50</a:t>
             </a:fld>
             <a:endParaRPr lang="zh-CN" altLang="en-US"/>
           </a:p>
@@ -8410,7 +8317,7 @@
 </p:notes>
 </file>
 
-<file path=ppt/notesSlides/notesSlide52.xml><?xml version="1.0" encoding="utf-8"?>
+<file path=ppt/notesSlides/notesSlide51.xml><?xml version="1.0" encoding="utf-8"?>
 <p:notes xmlns:a="http://schemas.openxmlformats.org/drawingml/2006/main" xmlns:r="http://schemas.openxmlformats.org/officeDocument/2006/relationships" xmlns:p="http://schemas.openxmlformats.org/presentationml/2006/main">
   <p:cSld>
     <p:bg>
@@ -8454,7 +8361,7 @@
           <a:p>
             <a:fld id="{0E78A471-D789-41F3-8A64-F8CE717DD838}" type="slidenum">
               <a:rPr lang="en-GB"/>
-              <a:t>52</a:t>
+              <a:t>51</a:t>
             </a:fld>
             <a:endParaRPr lang="en-GB"/>
           </a:p>
@@ -8564,7 +8471,7 @@
 </p:notes>
 </file>
 
-<file path=ppt/notesSlides/notesSlide53.xml><?xml version="1.0" encoding="utf-8"?>
+<file path=ppt/notesSlides/notesSlide52.xml><?xml version="1.0" encoding="utf-8"?>
 <p:notes xmlns:a="http://schemas.openxmlformats.org/drawingml/2006/main" xmlns:r="http://schemas.openxmlformats.org/officeDocument/2006/relationships" xmlns:p="http://schemas.openxmlformats.org/presentationml/2006/main">
   <p:cSld>
     <p:spTree>
@@ -8636,7 +8543,7 @@
           <a:p>
             <a:fld id="{DD202784-B46A-4EF4-B218-4316F9133D14}" type="slidenum">
               <a:rPr lang="zh-CN" altLang="en-US" smtClean="0"/>
-              <a:t>53</a:t>
+              <a:t>52</a:t>
             </a:fld>
             <a:endParaRPr lang="zh-CN" altLang="en-US"/>
           </a:p>
@@ -8655,7 +8562,7 @@
 </p:notes>
 </file>
 
-<file path=ppt/notesSlides/notesSlide54.xml><?xml version="1.0" encoding="utf-8"?>
+<file path=ppt/notesSlides/notesSlide53.xml><?xml version="1.0" encoding="utf-8"?>
 <p:notes xmlns:a="http://schemas.openxmlformats.org/drawingml/2006/main" xmlns:r="http://schemas.openxmlformats.org/officeDocument/2006/relationships" xmlns:p="http://schemas.openxmlformats.org/presentationml/2006/main">
   <p:cSld>
     <p:bg>
@@ -8699,7 +8606,7 @@
           <a:p>
             <a:fld id="{0E78A471-D789-41F3-8A64-F8CE717DD838}" type="slidenum">
               <a:rPr lang="en-GB"/>
-              <a:t>54</a:t>
+              <a:t>53</a:t>
             </a:fld>
             <a:endParaRPr lang="en-GB"/>
           </a:p>
@@ -8874,97 +8781,6 @@
         </p:txBody>
       </p:sp>
     </p:spTree>
-  </p:cSld>
-  <p:clrMapOvr>
-    <a:masterClrMapping/>
-  </p:clrMapOvr>
-</p:notes>
-</file>
-
-<file path=ppt/notesSlides/notesSlide55.xml><?xml version="1.0" encoding="utf-8"?>
-<p:notes xmlns:a="http://schemas.openxmlformats.org/drawingml/2006/main" xmlns:r="http://schemas.openxmlformats.org/officeDocument/2006/relationships" xmlns:p="http://schemas.openxmlformats.org/presentationml/2006/main">
-  <p:cSld>
-    <p:spTree>
-      <p:nvGrpSpPr>
-        <p:cNvPr id="1" name=""/>
-        <p:cNvGrpSpPr/>
-        <p:nvPr/>
-      </p:nvGrpSpPr>
-      <p:grpSpPr>
-        <a:xfrm>
-          <a:off x="0" y="0"/>
-          <a:ext cx="0" cy="0"/>
-          <a:chOff x="0" y="0"/>
-          <a:chExt cx="0" cy="0"/>
-        </a:xfrm>
-      </p:grpSpPr>
-      <p:sp>
-        <p:nvSpPr>
-          <p:cNvPr id="2" name="幻灯片图像占位符 1"/>
-          <p:cNvSpPr>
-            <a:spLocks noGrp="1" noRot="1" noChangeAspect="1"/>
-          </p:cNvSpPr>
-          <p:nvPr>
-            <p:ph type="sldImg"/>
-          </p:nvPr>
-        </p:nvSpPr>
-        <p:spPr/>
-      </p:sp>
-      <p:sp>
-        <p:nvSpPr>
-          <p:cNvPr id="3" name="备注占位符 2"/>
-          <p:cNvSpPr>
-            <a:spLocks noGrp="1"/>
-          </p:cNvSpPr>
-          <p:nvPr>
-            <p:ph type="body" idx="1"/>
-          </p:nvPr>
-        </p:nvSpPr>
-        <p:spPr/>
-        <p:txBody>
-          <a:bodyPr/>
-          <a:lstStyle/>
-          <a:p>
-            <a:pPr marL="457200" lvl="1" indent="0">
-              <a:lnSpc>
-                <a:spcPct val="150000"/>
-              </a:lnSpc>
-              <a:buFont typeface="Arial" panose="020B0604020202020204" pitchFamily="34" charset="0"/>
-              <a:buNone/>
-            </a:pPr>
-            <a:endParaRPr lang="en-US" altLang="zh-CN" sz="2800" dirty="0"/>
-          </a:p>
-        </p:txBody>
-      </p:sp>
-      <p:sp>
-        <p:nvSpPr>
-          <p:cNvPr id="4" name="灯片编号占位符 3"/>
-          <p:cNvSpPr>
-            <a:spLocks noGrp="1"/>
-          </p:cNvSpPr>
-          <p:nvPr>
-            <p:ph type="sldNum" sz="quarter" idx="10"/>
-          </p:nvPr>
-        </p:nvSpPr>
-        <p:spPr/>
-        <p:txBody>
-          <a:bodyPr/>
-          <a:lstStyle/>
-          <a:p>
-            <a:fld id="{DD202784-B46A-4EF4-B218-4316F9133D14}" type="slidenum">
-              <a:rPr lang="zh-CN" altLang="en-US" smtClean="0"/>
-              <a:t>55</a:t>
-            </a:fld>
-            <a:endParaRPr lang="zh-CN" altLang="en-US"/>
-          </a:p>
-        </p:txBody>
-      </p:sp>
-    </p:spTree>
-    <p:extLst>
-      <p:ext uri="{BB962C8B-B14F-4D97-AF65-F5344CB8AC3E}">
-        <p14:creationId xmlns:p14="http://schemas.microsoft.com/office/powerpoint/2010/main" val="3763311556"/>
-      </p:ext>
-    </p:extLst>
   </p:cSld>
   <p:clrMapOvr>
     <a:masterClrMapping/>
@@ -9437,7 +9253,7 @@
           <a:p>
             <a:fld id="{D7D8C689-48A4-48E7-8DC1-52CF9C1A4E1F}" type="datetimeFigureOut">
               <a:rPr lang="zh-CN" altLang="en-US" smtClean="0"/>
-              <a:t>2018/3/9 Friday</a:t>
+              <a:t>2018/3/13</a:t>
             </a:fld>
             <a:endParaRPr lang="zh-CN" altLang="en-US"/>
           </a:p>
@@ -9605,7 +9421,7 @@
           <a:p>
             <a:fld id="{D7D8C689-48A4-48E7-8DC1-52CF9C1A4E1F}" type="datetimeFigureOut">
               <a:rPr lang="zh-CN" altLang="en-US" smtClean="0"/>
-              <a:t>2018/3/9 Friday</a:t>
+              <a:t>2018/3/13</a:t>
             </a:fld>
             <a:endParaRPr lang="zh-CN" altLang="en-US"/>
           </a:p>
@@ -9783,7 +9599,7 @@
           <a:p>
             <a:fld id="{D7D8C689-48A4-48E7-8DC1-52CF9C1A4E1F}" type="datetimeFigureOut">
               <a:rPr lang="zh-CN" altLang="en-US" smtClean="0"/>
-              <a:t>2018/3/9 Friday</a:t>
+              <a:t>2018/3/13</a:t>
             </a:fld>
             <a:endParaRPr lang="zh-CN" altLang="en-US"/>
           </a:p>
@@ -10203,7 +10019,7 @@
           <a:p>
             <a:fld id="{D7D8C689-48A4-48E7-8DC1-52CF9C1A4E1F}" type="datetimeFigureOut">
               <a:rPr lang="zh-CN" altLang="en-US" smtClean="0"/>
-              <a:t>2018/3/9 Friday</a:t>
+              <a:t>2018/3/13</a:t>
             </a:fld>
             <a:endParaRPr lang="zh-CN" altLang="en-US"/>
           </a:p>
@@ -10448,7 +10264,7 @@
           <a:p>
             <a:fld id="{D7D8C689-48A4-48E7-8DC1-52CF9C1A4E1F}" type="datetimeFigureOut">
               <a:rPr lang="zh-CN" altLang="en-US" smtClean="0"/>
-              <a:t>2018/3/9 Friday</a:t>
+              <a:t>2018/3/13</a:t>
             </a:fld>
             <a:endParaRPr lang="zh-CN" altLang="en-US"/>
           </a:p>
@@ -10677,7 +10493,7 @@
           <a:p>
             <a:fld id="{D7D8C689-48A4-48E7-8DC1-52CF9C1A4E1F}" type="datetimeFigureOut">
               <a:rPr lang="zh-CN" altLang="en-US" smtClean="0"/>
-              <a:t>2018/3/9 Friday</a:t>
+              <a:t>2018/3/13</a:t>
             </a:fld>
             <a:endParaRPr lang="zh-CN" altLang="en-US"/>
           </a:p>
@@ -11041,7 +10857,7 @@
           <a:p>
             <a:fld id="{D7D8C689-48A4-48E7-8DC1-52CF9C1A4E1F}" type="datetimeFigureOut">
               <a:rPr lang="zh-CN" altLang="en-US" smtClean="0"/>
-              <a:t>2018/3/9 Friday</a:t>
+              <a:t>2018/3/13</a:t>
             </a:fld>
             <a:endParaRPr lang="zh-CN" altLang="en-US"/>
           </a:p>
@@ -11158,7 +10974,7 @@
           <a:p>
             <a:fld id="{D7D8C689-48A4-48E7-8DC1-52CF9C1A4E1F}" type="datetimeFigureOut">
               <a:rPr lang="zh-CN" altLang="en-US" smtClean="0"/>
-              <a:t>2018/3/9 Friday</a:t>
+              <a:t>2018/3/13</a:t>
             </a:fld>
             <a:endParaRPr lang="zh-CN" altLang="en-US"/>
           </a:p>
@@ -11253,7 +11069,7 @@
           <a:p>
             <a:fld id="{D7D8C689-48A4-48E7-8DC1-52CF9C1A4E1F}" type="datetimeFigureOut">
               <a:rPr lang="zh-CN" altLang="en-US" smtClean="0"/>
-              <a:t>2018/3/9 Friday</a:t>
+              <a:t>2018/3/13</a:t>
             </a:fld>
             <a:endParaRPr lang="zh-CN" altLang="en-US"/>
           </a:p>
@@ -11528,7 +11344,7 @@
           <a:p>
             <a:fld id="{D7D8C689-48A4-48E7-8DC1-52CF9C1A4E1F}" type="datetimeFigureOut">
               <a:rPr lang="zh-CN" altLang="en-US" smtClean="0"/>
-              <a:t>2018/3/9 Friday</a:t>
+              <a:t>2018/3/13</a:t>
             </a:fld>
             <a:endParaRPr lang="zh-CN" altLang="en-US"/>
           </a:p>
@@ -11780,7 +11596,7 @@
           <a:p>
             <a:fld id="{D7D8C689-48A4-48E7-8DC1-52CF9C1A4E1F}" type="datetimeFigureOut">
               <a:rPr lang="zh-CN" altLang="en-US" smtClean="0"/>
-              <a:t>2018/3/9 Friday</a:t>
+              <a:t>2018/3/13</a:t>
             </a:fld>
             <a:endParaRPr lang="zh-CN" altLang="en-US"/>
           </a:p>
@@ -11991,7 +11807,7 @@
           <a:p>
             <a:fld id="{D7D8C689-48A4-48E7-8DC1-52CF9C1A4E1F}" type="datetimeFigureOut">
               <a:rPr lang="zh-CN" altLang="en-US" smtClean="0"/>
-              <a:t>2018/3/9 Friday</a:t>
+              <a:t>2018/3/13</a:t>
             </a:fld>
             <a:endParaRPr lang="zh-CN" altLang="en-US"/>
           </a:p>
@@ -20242,25 +20058,286 @@
       </p:grpSpPr>
       <p:sp>
         <p:nvSpPr>
-          <p:cNvPr id="29" name="矩形 28"/>
-          <p:cNvSpPr/>
+          <p:cNvPr id="5" name="文本框 4"/>
+          <p:cNvSpPr txBox="1"/>
           <p:nvPr/>
         </p:nvSpPr>
         <p:spPr>
           <a:xfrm>
-            <a:off x="5918899" y="0"/>
-            <a:ext cx="6260123" cy="6858000"/>
+            <a:off x="5445728" y="1707631"/>
+            <a:ext cx="1704313" cy="1569660"/>
           </a:xfrm>
           <a:prstGeom prst="rect">
             <a:avLst/>
           </a:prstGeom>
-          <a:solidFill>
-            <a:schemeClr val="bg1">
-              <a:lumMod val="95000"/>
-            </a:schemeClr>
-          </a:solidFill>
-          <a:ln>
-            <a:noFill/>
+          <a:noFill/>
+        </p:spPr>
+        <p:txBody>
+          <a:bodyPr wrap="none" rtlCol="0">
+            <a:spAutoFit/>
+          </a:bodyPr>
+          <a:lstStyle/>
+          <a:p>
+            <a:r>
+              <a:rPr lang="en-US" altLang="zh-CN" sz="9600" b="1" dirty="0" smtClean="0">
+                <a:solidFill>
+                  <a:schemeClr val="accent2">
+                    <a:lumMod val="75000"/>
+                  </a:schemeClr>
+                </a:solidFill>
+                <a:latin typeface="微软雅黑" panose="020B0503020204020204" pitchFamily="34" charset="-122"/>
+                <a:ea typeface="微软雅黑" panose="020B0503020204020204" pitchFamily="34" charset="-122"/>
+              </a:rPr>
+              <a:t>03</a:t>
+            </a:r>
+            <a:endParaRPr lang="zh-CN" altLang="en-US" sz="9600" b="1" dirty="0">
+              <a:solidFill>
+                <a:schemeClr val="accent2">
+                  <a:lumMod val="75000"/>
+                </a:schemeClr>
+              </a:solidFill>
+              <a:latin typeface="微软雅黑" panose="020B0503020204020204" pitchFamily="34" charset="-122"/>
+              <a:ea typeface="微软雅黑" panose="020B0503020204020204" pitchFamily="34" charset="-122"/>
+            </a:endParaRPr>
+          </a:p>
+        </p:txBody>
+      </p:sp>
+      <p:sp>
+        <p:nvSpPr>
+          <p:cNvPr id="6" name="文本框 5"/>
+          <p:cNvSpPr txBox="1"/>
+          <p:nvPr/>
+        </p:nvSpPr>
+        <p:spPr>
+          <a:xfrm>
+            <a:off x="5445728" y="3422822"/>
+            <a:ext cx="2872902" cy="769441"/>
+          </a:xfrm>
+          <a:prstGeom prst="rect">
+            <a:avLst/>
+          </a:prstGeom>
+          <a:noFill/>
+        </p:spPr>
+        <p:txBody>
+          <a:bodyPr wrap="none" rtlCol="0">
+            <a:spAutoFit/>
+          </a:bodyPr>
+          <a:lstStyle/>
+          <a:p>
+            <a:r>
+              <a:rPr lang="en-US" altLang="zh-CN" sz="4400" b="1" dirty="0" smtClean="0">
+                <a:solidFill>
+                  <a:srgbClr val="00ABB4"/>
+                </a:solidFill>
+                <a:latin typeface="微软雅黑" panose="020B0503020204020204" pitchFamily="34" charset="-122"/>
+                <a:ea typeface="微软雅黑" panose="020B0503020204020204" pitchFamily="34" charset="-122"/>
+              </a:rPr>
+              <a:t>Lee, 2016</a:t>
+            </a:r>
+            <a:endParaRPr lang="zh-CN" altLang="en-US" sz="4400" b="1" dirty="0">
+              <a:solidFill>
+                <a:srgbClr val="00ABB4"/>
+              </a:solidFill>
+              <a:latin typeface="微软雅黑" panose="020B0503020204020204" pitchFamily="34" charset="-122"/>
+              <a:ea typeface="微软雅黑" panose="020B0503020204020204" pitchFamily="34" charset="-122"/>
+            </a:endParaRPr>
+          </a:p>
+        </p:txBody>
+      </p:sp>
+      <p:sp>
+        <p:nvSpPr>
+          <p:cNvPr id="7" name="文本框 6"/>
+          <p:cNvSpPr txBox="1"/>
+          <p:nvPr/>
+        </p:nvSpPr>
+        <p:spPr>
+          <a:xfrm>
+            <a:off x="5445728" y="3003482"/>
+            <a:ext cx="1820307" cy="461665"/>
+          </a:xfrm>
+          <a:prstGeom prst="rect">
+            <a:avLst/>
+          </a:prstGeom>
+          <a:noFill/>
+        </p:spPr>
+        <p:txBody>
+          <a:bodyPr wrap="none" rtlCol="0">
+            <a:spAutoFit/>
+          </a:bodyPr>
+          <a:lstStyle/>
+          <a:p>
+            <a:r>
+              <a:rPr lang="en-US" altLang="zh-CN" sz="2400" dirty="0">
+                <a:solidFill>
+                  <a:schemeClr val="bg1">
+                    <a:lumMod val="50000"/>
+                  </a:schemeClr>
+                </a:solidFill>
+                <a:latin typeface="微软雅黑" panose="020B0503020204020204" pitchFamily="34" charset="-122"/>
+                <a:ea typeface="微软雅黑" panose="020B0503020204020204" pitchFamily="34" charset="-122"/>
+              </a:rPr>
+              <a:t>Part </a:t>
+            </a:r>
+            <a:r>
+              <a:rPr lang="en-US" altLang="zh-CN" sz="2400" dirty="0" smtClean="0">
+                <a:solidFill>
+                  <a:schemeClr val="bg1">
+                    <a:lumMod val="50000"/>
+                  </a:schemeClr>
+                </a:solidFill>
+                <a:latin typeface="微软雅黑" panose="020B0503020204020204" pitchFamily="34" charset="-122"/>
+                <a:ea typeface="微软雅黑" panose="020B0503020204020204" pitchFamily="34" charset="-122"/>
+              </a:rPr>
+              <a:t>THREE</a:t>
+            </a:r>
+            <a:endParaRPr lang="zh-CN" altLang="en-US" sz="2400" dirty="0">
+              <a:solidFill>
+                <a:schemeClr val="bg1">
+                  <a:lumMod val="50000"/>
+                </a:schemeClr>
+              </a:solidFill>
+              <a:latin typeface="微软雅黑" panose="020B0503020204020204" pitchFamily="34" charset="-122"/>
+              <a:ea typeface="微软雅黑" panose="020B0503020204020204" pitchFamily="34" charset="-122"/>
+            </a:endParaRPr>
+          </a:p>
+        </p:txBody>
+      </p:sp>
+      <p:sp>
+        <p:nvSpPr>
+          <p:cNvPr id="8" name="文本框 7"/>
+          <p:cNvSpPr txBox="1"/>
+          <p:nvPr/>
+        </p:nvSpPr>
+        <p:spPr>
+          <a:xfrm>
+            <a:off x="12936632" y="4355748"/>
+            <a:ext cx="6894418" cy="1200329"/>
+          </a:xfrm>
+          <a:prstGeom prst="rect">
+            <a:avLst/>
+          </a:prstGeom>
+          <a:noFill/>
+        </p:spPr>
+        <p:txBody>
+          <a:bodyPr wrap="square" rtlCol="0">
+            <a:spAutoFit/>
+          </a:bodyPr>
+          <a:lstStyle/>
+          <a:p>
+            <a:pPr marL="285750" indent="-285750">
+              <a:buFont typeface="Arial" panose="020B0604020202020204" pitchFamily="34" charset="0"/>
+              <a:buChar char="•"/>
+            </a:pPr>
+            <a:r>
+              <a:rPr lang="en-US" altLang="zh-CN" dirty="0" smtClean="0">
+                <a:solidFill>
+                  <a:schemeClr val="accent2"/>
+                </a:solidFill>
+                <a:ea typeface="Roboto Cn" pitchFamily="2" charset="0"/>
+                <a:cs typeface="Arial" panose="020B0604020202020204" pitchFamily="34" charset="0"/>
+              </a:rPr>
+              <a:t>Identify brain regions  scopolamine induce   intensity changes</a:t>
+            </a:r>
+            <a:endParaRPr lang="en-US" altLang="zh-CN" dirty="0">
+              <a:solidFill>
+                <a:schemeClr val="accent2"/>
+              </a:solidFill>
+              <a:ea typeface="Roboto Cn" pitchFamily="2" charset="0"/>
+              <a:cs typeface="Arial" panose="020B0604020202020204" pitchFamily="34" charset="0"/>
+            </a:endParaRPr>
+          </a:p>
+          <a:p>
+            <a:pPr marL="285750" indent="-285750">
+              <a:buFont typeface="Arial" panose="020B0604020202020204" pitchFamily="34" charset="0"/>
+              <a:buChar char="•"/>
+            </a:pPr>
+            <a:r>
+              <a:rPr lang="en-US" altLang="zh-CN" dirty="0" smtClean="0">
+                <a:solidFill>
+                  <a:schemeClr val="bg1">
+                    <a:lumMod val="50000"/>
+                  </a:schemeClr>
+                </a:solidFill>
+                <a:ea typeface="Roboto Cn" pitchFamily="2" charset="0"/>
+                <a:cs typeface="Arial" panose="020B0604020202020204" pitchFamily="34" charset="0"/>
+              </a:rPr>
+              <a:t>Evaluate the effects of scopolamine on FC </a:t>
+            </a:r>
+            <a:endParaRPr lang="en-US" altLang="zh-CN" dirty="0">
+              <a:solidFill>
+                <a:schemeClr val="bg1">
+                  <a:lumMod val="50000"/>
+                </a:schemeClr>
+              </a:solidFill>
+              <a:ea typeface="Roboto Cn" pitchFamily="2" charset="0"/>
+              <a:cs typeface="Arial" panose="020B0604020202020204" pitchFamily="34" charset="0"/>
+            </a:endParaRPr>
+          </a:p>
+          <a:p>
+            <a:pPr marL="285750" indent="-285750">
+              <a:buFont typeface="Arial" panose="020B0604020202020204" pitchFamily="34" charset="0"/>
+              <a:buChar char="•"/>
+            </a:pPr>
+            <a:r>
+              <a:rPr lang="en-US" altLang="zh-CN" dirty="0" smtClean="0">
+                <a:solidFill>
+                  <a:schemeClr val="bg1">
+                    <a:lumMod val="50000"/>
+                  </a:schemeClr>
+                </a:solidFill>
+                <a:ea typeface="Roboto Cn" pitchFamily="2" charset="0"/>
+                <a:cs typeface="Arial" panose="020B0604020202020204" pitchFamily="34" charset="0"/>
+              </a:rPr>
+              <a:t>Whether scopolamine-induced memory effect could be </a:t>
+            </a:r>
+          </a:p>
+          <a:p>
+            <a:r>
+              <a:rPr lang="en-US" altLang="zh-CN" dirty="0">
+                <a:solidFill>
+                  <a:schemeClr val="bg1">
+                    <a:lumMod val="50000"/>
+                  </a:schemeClr>
+                </a:solidFill>
+                <a:ea typeface="Roboto Cn" pitchFamily="2" charset="0"/>
+                <a:cs typeface="Arial" panose="020B0604020202020204" pitchFamily="34" charset="0"/>
+              </a:rPr>
+              <a:t> </a:t>
+            </a:r>
+            <a:r>
+              <a:rPr lang="en-US" altLang="zh-CN" dirty="0" smtClean="0">
+                <a:solidFill>
+                  <a:schemeClr val="bg1">
+                    <a:lumMod val="50000"/>
+                  </a:schemeClr>
+                </a:solidFill>
+                <a:ea typeface="Roboto Cn" pitchFamily="2" charset="0"/>
+                <a:cs typeface="Arial" panose="020B0604020202020204" pitchFamily="34" charset="0"/>
+              </a:rPr>
+              <a:t>     reversed with milameline</a:t>
+            </a:r>
+          </a:p>
+        </p:txBody>
+      </p:sp>
+      <p:sp>
+        <p:nvSpPr>
+          <p:cNvPr id="3" name="矩形 2"/>
+          <p:cNvSpPr/>
+          <p:nvPr/>
+        </p:nvSpPr>
+        <p:spPr>
+          <a:xfrm>
+            <a:off x="5156200" y="1562100"/>
+            <a:ext cx="6426200" cy="3911600"/>
+          </a:xfrm>
+          <a:prstGeom prst="rect">
+            <a:avLst/>
+          </a:prstGeom>
+          <a:noFill/>
+          <a:ln w="127000">
+            <a:solidFill>
+              <a:srgbClr val="00ABB4"/>
+            </a:solidFill>
           </a:ln>
         </p:spPr>
         <p:style>
@@ -20284,168 +20361,14 @@
           <a:lstStyle/>
           <a:p>
             <a:pPr algn="ctr"/>
-            <a:endParaRPr lang="zh-CN" altLang="en-US" dirty="0"/>
-          </a:p>
-        </p:txBody>
-      </p:sp>
-      <p:sp>
-        <p:nvSpPr>
-          <p:cNvPr id="31" name="Rectangle 96"/>
-          <p:cNvSpPr/>
-          <p:nvPr/>
-        </p:nvSpPr>
-        <p:spPr>
-          <a:xfrm>
-            <a:off x="209551" y="396776"/>
-            <a:ext cx="5709348" cy="2677656"/>
-          </a:xfrm>
-          <a:prstGeom prst="rect">
-            <a:avLst/>
-          </a:prstGeom>
-        </p:spPr>
-        <p:txBody>
-          <a:bodyPr wrap="square">
-            <a:spAutoFit/>
-          </a:bodyPr>
-          <a:lstStyle/>
-          <a:p>
-            <a:pPr>
-              <a:lnSpc>
-                <a:spcPct val="150000"/>
-              </a:lnSpc>
-            </a:pPr>
-            <a:endParaRPr lang="en-US" altLang="zh-CN" sz="2800" b="1" dirty="0" smtClean="0">
-              <a:ea typeface="Roboto Cn" pitchFamily="2" charset="0"/>
-              <a:cs typeface="Arial" panose="020B0604020202020204" pitchFamily="34" charset="0"/>
-            </a:endParaRPr>
-          </a:p>
-          <a:p>
-            <a:pPr marL="742950" lvl="1" indent="-285750">
-              <a:lnSpc>
-                <a:spcPct val="150000"/>
-              </a:lnSpc>
-              <a:buFont typeface="Arial" panose="020B0604020202020204" pitchFamily="34" charset="0"/>
-              <a:buChar char="•"/>
-            </a:pPr>
-            <a:endParaRPr lang="en-US" altLang="zh-CN" sz="2800" dirty="0" smtClean="0"/>
-          </a:p>
-          <a:p>
-            <a:pPr marL="742950" lvl="1" indent="-285750">
-              <a:lnSpc>
-                <a:spcPct val="150000"/>
-              </a:lnSpc>
-              <a:buFont typeface="Arial" panose="020B0604020202020204" pitchFamily="34" charset="0"/>
-              <a:buChar char="•"/>
-            </a:pPr>
-            <a:r>
-              <a:rPr lang="en-US" altLang="zh-CN" sz="2800" b="1" dirty="0" smtClean="0"/>
-              <a:t>Silencing</a:t>
-            </a:r>
-            <a:r>
-              <a:rPr lang="en-US" altLang="zh-CN" sz="2800" dirty="0"/>
-              <a:t/>
-            </a:r>
-            <a:br>
-              <a:rPr lang="en-US" altLang="zh-CN" sz="2800" dirty="0"/>
-            </a:br>
-            <a:endParaRPr lang="en-US" altLang="zh-CN" sz="2800" dirty="0"/>
-          </a:p>
-        </p:txBody>
-      </p:sp>
-      <p:sp>
-        <p:nvSpPr>
-          <p:cNvPr id="5" name="Rectangle 96"/>
-          <p:cNvSpPr/>
-          <p:nvPr/>
-        </p:nvSpPr>
-        <p:spPr>
-          <a:xfrm>
-            <a:off x="6194286" y="396776"/>
-            <a:ext cx="5709348" cy="2031325"/>
-          </a:xfrm>
-          <a:prstGeom prst="rect">
-            <a:avLst/>
-          </a:prstGeom>
-        </p:spPr>
-        <p:txBody>
-          <a:bodyPr wrap="square">
-            <a:spAutoFit/>
-          </a:bodyPr>
-          <a:lstStyle/>
-          <a:p>
-            <a:pPr marL="742950" lvl="1" indent="-285750">
-              <a:lnSpc>
-                <a:spcPct val="150000"/>
-              </a:lnSpc>
-              <a:buFont typeface="Arial" panose="020B0604020202020204" pitchFamily="34" charset="0"/>
-              <a:buChar char="•"/>
-            </a:pPr>
-            <a:endParaRPr lang="en-US" altLang="zh-CN" sz="2800" dirty="0" smtClean="0"/>
-          </a:p>
-          <a:p>
-            <a:pPr marL="285750" indent="-285750">
-              <a:lnSpc>
-                <a:spcPct val="150000"/>
-              </a:lnSpc>
-              <a:buFont typeface="Arial" panose="020B0604020202020204" pitchFamily="34" charset="0"/>
-              <a:buChar char="•"/>
-            </a:pPr>
-            <a:endParaRPr lang="en-US" altLang="zh-CN" sz="2800" b="1" dirty="0" smtClean="0"/>
-          </a:p>
-          <a:p>
-            <a:pPr marL="285750" indent="-285750">
-              <a:lnSpc>
-                <a:spcPct val="150000"/>
-              </a:lnSpc>
-              <a:buFont typeface="Arial" panose="020B0604020202020204" pitchFamily="34" charset="0"/>
-              <a:buChar char="•"/>
-            </a:pPr>
-            <a:r>
-              <a:rPr lang="en-US" altLang="zh-CN" sz="2800" b="1" dirty="0" smtClean="0"/>
-              <a:t>A</a:t>
-            </a:r>
-          </a:p>
-        </p:txBody>
-      </p:sp>
-      <p:sp>
-        <p:nvSpPr>
-          <p:cNvPr id="6" name="文本框 29"/>
-          <p:cNvSpPr txBox="1"/>
-          <p:nvPr/>
-        </p:nvSpPr>
-        <p:spPr>
-          <a:xfrm>
-            <a:off x="662539" y="294935"/>
-            <a:ext cx="5947811" cy="769441"/>
-          </a:xfrm>
-          <a:prstGeom prst="rect">
-            <a:avLst/>
-          </a:prstGeom>
-          <a:noFill/>
-        </p:spPr>
-        <p:txBody>
-          <a:bodyPr wrap="square" rtlCol="0">
-            <a:spAutoFit/>
-          </a:bodyPr>
-          <a:lstStyle/>
-          <a:p>
-            <a:r>
-              <a:rPr lang="en-US" altLang="zh-CN" sz="4400" b="1" dirty="0" smtClean="0">
-                <a:solidFill>
-                  <a:srgbClr val="00ABB4"/>
-                </a:solidFill>
-                <a:latin typeface="微软雅黑" panose="020B0503020204020204" pitchFamily="34" charset="-122"/>
-                <a:ea typeface="微软雅黑" panose="020B0503020204020204" pitchFamily="34" charset="-122"/>
-              </a:rPr>
-              <a:t>Discussion</a:t>
-            </a:r>
+            <a:endParaRPr lang="zh-CN" altLang="en-US"/>
           </a:p>
         </p:txBody>
       </p:sp>
     </p:spTree>
     <p:extLst>
       <p:ext uri="{BB962C8B-B14F-4D97-AF65-F5344CB8AC3E}">
-        <p14:creationId xmlns:p14="http://schemas.microsoft.com/office/powerpoint/2010/main" val="3153910909"/>
+        <p14:creationId xmlns:p14="http://schemas.microsoft.com/office/powerpoint/2010/main" val="619661100"/>
       </p:ext>
     </p:extLst>
   </p:cSld>
@@ -20481,14 +20404,14 @@
       </p:grpSpPr>
       <p:sp>
         <p:nvSpPr>
-          <p:cNvPr id="5" name="文本框 4"/>
+          <p:cNvPr id="3" name="文本框 2"/>
           <p:cNvSpPr txBox="1"/>
           <p:nvPr/>
         </p:nvSpPr>
         <p:spPr>
           <a:xfrm>
-            <a:off x="5445728" y="1707631"/>
-            <a:ext cx="1704313" cy="1569660"/>
+            <a:off x="617220" y="1075708"/>
+            <a:ext cx="10972800" cy="3785652"/>
           </a:xfrm>
           <a:prstGeom prst="rect">
             <a:avLst/>
@@ -20496,302 +20419,118 @@
           <a:noFill/>
         </p:spPr>
         <p:txBody>
-          <a:bodyPr wrap="none" rtlCol="0">
-            <a:spAutoFit/>
-          </a:bodyPr>
-          <a:lstStyle/>
-          <a:p>
-            <a:r>
-              <a:rPr lang="en-US" altLang="zh-CN" sz="9600" b="1" dirty="0" smtClean="0">
-                <a:solidFill>
-                  <a:schemeClr val="accent2">
-                    <a:lumMod val="75000"/>
-                  </a:schemeClr>
-                </a:solidFill>
-                <a:latin typeface="微软雅黑" panose="020B0503020204020204" pitchFamily="34" charset="-122"/>
-                <a:ea typeface="微软雅黑" panose="020B0503020204020204" pitchFamily="34" charset="-122"/>
-              </a:rPr>
-              <a:t>03</a:t>
-            </a:r>
-            <a:endParaRPr lang="zh-CN" altLang="en-US" sz="9600" b="1" dirty="0">
-              <a:solidFill>
-                <a:schemeClr val="accent2">
-                  <a:lumMod val="75000"/>
-                </a:schemeClr>
-              </a:solidFill>
-              <a:latin typeface="微软雅黑" panose="020B0503020204020204" pitchFamily="34" charset="-122"/>
-              <a:ea typeface="微软雅黑" panose="020B0503020204020204" pitchFamily="34" charset="-122"/>
-            </a:endParaRPr>
-          </a:p>
-        </p:txBody>
-      </p:sp>
-      <p:sp>
-        <p:nvSpPr>
-          <p:cNvPr id="6" name="文本框 5"/>
-          <p:cNvSpPr txBox="1"/>
-          <p:nvPr/>
-        </p:nvSpPr>
-        <p:spPr>
-          <a:xfrm>
-            <a:off x="5445728" y="3422822"/>
-            <a:ext cx="2872902" cy="769441"/>
-          </a:xfrm>
-          <a:prstGeom prst="rect">
-            <a:avLst/>
-          </a:prstGeom>
-          <a:noFill/>
-        </p:spPr>
-        <p:txBody>
-          <a:bodyPr wrap="none" rtlCol="0">
-            <a:spAutoFit/>
-          </a:bodyPr>
-          <a:lstStyle/>
-          <a:p>
-            <a:r>
-              <a:rPr lang="en-US" altLang="zh-CN" sz="4400" b="1" dirty="0" smtClean="0">
-                <a:solidFill>
-                  <a:srgbClr val="00ABB4"/>
-                </a:solidFill>
-                <a:latin typeface="微软雅黑" panose="020B0503020204020204" pitchFamily="34" charset="-122"/>
-                <a:ea typeface="微软雅黑" panose="020B0503020204020204" pitchFamily="34" charset="-122"/>
-              </a:rPr>
-              <a:t>Lee, 2016</a:t>
-            </a:r>
-            <a:endParaRPr lang="zh-CN" altLang="en-US" sz="4400" b="1" dirty="0">
-              <a:solidFill>
-                <a:srgbClr val="00ABB4"/>
-              </a:solidFill>
-              <a:latin typeface="微软雅黑" panose="020B0503020204020204" pitchFamily="34" charset="-122"/>
-              <a:ea typeface="微软雅黑" panose="020B0503020204020204" pitchFamily="34" charset="-122"/>
-            </a:endParaRPr>
-          </a:p>
-        </p:txBody>
-      </p:sp>
-      <p:sp>
-        <p:nvSpPr>
-          <p:cNvPr id="7" name="文本框 6"/>
-          <p:cNvSpPr txBox="1"/>
-          <p:nvPr/>
-        </p:nvSpPr>
-        <p:spPr>
-          <a:xfrm>
-            <a:off x="5445728" y="3003482"/>
-            <a:ext cx="1820307" cy="461665"/>
-          </a:xfrm>
-          <a:prstGeom prst="rect">
-            <a:avLst/>
-          </a:prstGeom>
-          <a:noFill/>
-        </p:spPr>
-        <p:txBody>
-          <a:bodyPr wrap="none" rtlCol="0">
-            <a:spAutoFit/>
-          </a:bodyPr>
-          <a:lstStyle/>
-          <a:p>
-            <a:r>
-              <a:rPr lang="en-US" altLang="zh-CN" sz="2400" dirty="0">
-                <a:solidFill>
-                  <a:schemeClr val="bg1">
-                    <a:lumMod val="50000"/>
-                  </a:schemeClr>
-                </a:solidFill>
-                <a:latin typeface="微软雅黑" panose="020B0503020204020204" pitchFamily="34" charset="-122"/>
-                <a:ea typeface="微软雅黑" panose="020B0503020204020204" pitchFamily="34" charset="-122"/>
-              </a:rPr>
-              <a:t>Part </a:t>
-            </a:r>
-            <a:r>
-              <a:rPr lang="en-US" altLang="zh-CN" sz="2400" dirty="0" smtClean="0">
-                <a:solidFill>
-                  <a:schemeClr val="bg1">
-                    <a:lumMod val="50000"/>
-                  </a:schemeClr>
-                </a:solidFill>
-                <a:latin typeface="微软雅黑" panose="020B0503020204020204" pitchFamily="34" charset="-122"/>
-                <a:ea typeface="微软雅黑" panose="020B0503020204020204" pitchFamily="34" charset="-122"/>
-              </a:rPr>
-              <a:t>THREE</a:t>
-            </a:r>
-            <a:endParaRPr lang="zh-CN" altLang="en-US" sz="2400" dirty="0">
-              <a:solidFill>
-                <a:schemeClr val="bg1">
-                  <a:lumMod val="50000"/>
-                </a:schemeClr>
-              </a:solidFill>
-              <a:latin typeface="微软雅黑" panose="020B0503020204020204" pitchFamily="34" charset="-122"/>
-              <a:ea typeface="微软雅黑" panose="020B0503020204020204" pitchFamily="34" charset="-122"/>
-            </a:endParaRPr>
-          </a:p>
-        </p:txBody>
-      </p:sp>
-      <p:sp>
-        <p:nvSpPr>
-          <p:cNvPr id="8" name="文本框 7"/>
-          <p:cNvSpPr txBox="1"/>
-          <p:nvPr/>
-        </p:nvSpPr>
-        <p:spPr>
-          <a:xfrm>
-            <a:off x="12936632" y="4355748"/>
-            <a:ext cx="6894418" cy="1200329"/>
-          </a:xfrm>
-          <a:prstGeom prst="rect">
-            <a:avLst/>
-          </a:prstGeom>
-          <a:noFill/>
-        </p:spPr>
-        <p:txBody>
           <a:bodyPr wrap="square" rtlCol="0">
             <a:spAutoFit/>
           </a:bodyPr>
           <a:lstStyle/>
           <a:p>
-            <a:pPr marL="285750" indent="-285750">
-              <a:buFont typeface="Arial" panose="020B0604020202020204" pitchFamily="34" charset="0"/>
-              <a:buChar char="•"/>
-            </a:pPr>
-            <a:r>
-              <a:rPr lang="en-US" altLang="zh-CN" dirty="0" smtClean="0">
-                <a:solidFill>
-                  <a:schemeClr val="accent2"/>
-                </a:solidFill>
-                <a:ea typeface="Roboto Cn" pitchFamily="2" charset="0"/>
-                <a:cs typeface="Arial" panose="020B0604020202020204" pitchFamily="34" charset="0"/>
-              </a:rPr>
-              <a:t>Identify brain regions  scopolamine induce   intensity changes</a:t>
-            </a:r>
-            <a:endParaRPr lang="en-US" altLang="zh-CN" dirty="0">
+            <a:pPr algn="ctr"/>
+            <a:r>
+              <a:rPr lang="en-US" altLang="zh-CN" sz="4800" b="1" dirty="0" smtClean="0">
+                <a:solidFill>
+                  <a:srgbClr val="00ABB4"/>
+                </a:solidFill>
+                <a:effectLst>
+                  <a:outerShdw blurRad="38100" dist="38100" dir="2700000" algn="tl">
+                    <a:srgbClr val="000000">
+                      <a:alpha val="43137"/>
+                    </a:srgbClr>
+                  </a:outerShdw>
+                </a:effectLst>
+                <a:latin typeface="微软雅黑" panose="020B0503020204020204" pitchFamily="34" charset="-122"/>
+                <a:ea typeface="微软雅黑" panose="020B0503020204020204" pitchFamily="34" charset="-122"/>
+              </a:rPr>
+              <a:t>Functional </a:t>
+            </a:r>
+            <a:r>
+              <a:rPr lang="en-US" altLang="zh-CN" sz="4800" b="1" dirty="0">
+                <a:solidFill>
+                  <a:srgbClr val="00ABB4"/>
+                </a:solidFill>
+                <a:effectLst>
+                  <a:outerShdw blurRad="38100" dist="38100" dir="2700000" algn="tl">
+                    <a:srgbClr val="000000">
+                      <a:alpha val="43137"/>
+                    </a:srgbClr>
+                  </a:outerShdw>
+                </a:effectLst>
+                <a:latin typeface="微软雅黑" panose="020B0503020204020204" pitchFamily="34" charset="-122"/>
+                <a:ea typeface="微软雅黑" panose="020B0503020204020204" pitchFamily="34" charset="-122"/>
+              </a:rPr>
+              <a:t>Cross-Hemispheric Shift Between </a:t>
+            </a:r>
+            <a:r>
+              <a:rPr lang="en-US" altLang="zh-CN" sz="4800" b="1" dirty="0" smtClean="0">
+                <a:solidFill>
+                  <a:srgbClr val="00ABB4"/>
+                </a:solidFill>
+                <a:effectLst>
+                  <a:outerShdw blurRad="38100" dist="38100" dir="2700000" algn="tl">
+                    <a:srgbClr val="000000">
+                      <a:alpha val="43137"/>
+                    </a:srgbClr>
+                  </a:outerShdw>
+                </a:effectLst>
+                <a:latin typeface="微软雅黑" panose="020B0503020204020204" pitchFamily="34" charset="-122"/>
+                <a:ea typeface="微软雅黑" panose="020B0503020204020204" pitchFamily="34" charset="-122"/>
+              </a:rPr>
+              <a:t>Object-Place Paired Associate </a:t>
+            </a:r>
+            <a:r>
+              <a:rPr lang="en-US" altLang="zh-CN" sz="4800" b="1" dirty="0">
+                <a:solidFill>
+                  <a:srgbClr val="00ABB4"/>
+                </a:solidFill>
+                <a:effectLst>
+                  <a:outerShdw blurRad="38100" dist="38100" dir="2700000" algn="tl">
+                    <a:srgbClr val="000000">
+                      <a:alpha val="43137"/>
+                    </a:srgbClr>
+                  </a:outerShdw>
+                </a:effectLst>
+                <a:latin typeface="微软雅黑" panose="020B0503020204020204" pitchFamily="34" charset="-122"/>
+                <a:ea typeface="微软雅黑" panose="020B0503020204020204" pitchFamily="34" charset="-122"/>
+              </a:rPr>
+              <a:t>Memory and Spatial Memory in the Human Hippocampus </a:t>
+            </a:r>
+            <a:r>
+              <a:rPr lang="en-US" altLang="zh-CN" sz="4800" b="1" dirty="0" smtClean="0">
+                <a:solidFill>
+                  <a:srgbClr val="00ABB4"/>
+                </a:solidFill>
+                <a:effectLst>
+                  <a:outerShdw blurRad="38100" dist="38100" dir="2700000" algn="tl">
+                    <a:srgbClr val="000000">
+                      <a:alpha val="43137"/>
+                    </a:srgbClr>
+                  </a:outerShdw>
+                </a:effectLst>
+                <a:latin typeface="微软雅黑" panose="020B0503020204020204" pitchFamily="34" charset="-122"/>
+                <a:ea typeface="微软雅黑" panose="020B0503020204020204" pitchFamily="34" charset="-122"/>
+              </a:rPr>
+              <a:t> </a:t>
+            </a:r>
+            <a:endParaRPr lang="en-US" altLang="zh-CN" sz="4800" b="1" dirty="0">
               <a:solidFill>
-                <a:schemeClr val="accent2"/>
+                <a:srgbClr val="00ABB4"/>
               </a:solidFill>
-              <a:ea typeface="Roboto Cn" pitchFamily="2" charset="0"/>
-              <a:cs typeface="Arial" panose="020B0604020202020204" pitchFamily="34" charset="0"/>
+              <a:effectLst>
+                <a:outerShdw blurRad="38100" dist="38100" dir="2700000" algn="tl">
+                  <a:srgbClr val="000000">
+                    <a:alpha val="43137"/>
+                  </a:srgbClr>
+                </a:outerShdw>
+              </a:effectLst>
+              <a:latin typeface="微软雅黑" panose="020B0503020204020204" pitchFamily="34" charset="-122"/>
+              <a:ea typeface="微软雅黑" panose="020B0503020204020204" pitchFamily="34" charset="-122"/>
             </a:endParaRPr>
-          </a:p>
-          <a:p>
-            <a:pPr marL="285750" indent="-285750">
-              <a:buFont typeface="Arial" panose="020B0604020202020204" pitchFamily="34" charset="0"/>
-              <a:buChar char="•"/>
-            </a:pPr>
-            <a:r>
-              <a:rPr lang="en-US" altLang="zh-CN" dirty="0" smtClean="0">
-                <a:solidFill>
-                  <a:schemeClr val="bg1">
-                    <a:lumMod val="50000"/>
-                  </a:schemeClr>
-                </a:solidFill>
-                <a:ea typeface="Roboto Cn" pitchFamily="2" charset="0"/>
-                <a:cs typeface="Arial" panose="020B0604020202020204" pitchFamily="34" charset="0"/>
-              </a:rPr>
-              <a:t>Evaluate the effects of scopolamine on FC </a:t>
-            </a:r>
-            <a:endParaRPr lang="en-US" altLang="zh-CN" dirty="0">
-              <a:solidFill>
-                <a:schemeClr val="bg1">
-                  <a:lumMod val="50000"/>
-                </a:schemeClr>
-              </a:solidFill>
-              <a:ea typeface="Roboto Cn" pitchFamily="2" charset="0"/>
-              <a:cs typeface="Arial" panose="020B0604020202020204" pitchFamily="34" charset="0"/>
-            </a:endParaRPr>
-          </a:p>
-          <a:p>
-            <a:pPr marL="285750" indent="-285750">
-              <a:buFont typeface="Arial" panose="020B0604020202020204" pitchFamily="34" charset="0"/>
-              <a:buChar char="•"/>
-            </a:pPr>
-            <a:r>
-              <a:rPr lang="en-US" altLang="zh-CN" dirty="0" smtClean="0">
-                <a:solidFill>
-                  <a:schemeClr val="bg1">
-                    <a:lumMod val="50000"/>
-                  </a:schemeClr>
-                </a:solidFill>
-                <a:ea typeface="Roboto Cn" pitchFamily="2" charset="0"/>
-                <a:cs typeface="Arial" panose="020B0604020202020204" pitchFamily="34" charset="0"/>
-              </a:rPr>
-              <a:t>Whether scopolamine-induced memory effect could be </a:t>
-            </a:r>
-          </a:p>
-          <a:p>
-            <a:r>
-              <a:rPr lang="en-US" altLang="zh-CN" dirty="0">
-                <a:solidFill>
-                  <a:schemeClr val="bg1">
-                    <a:lumMod val="50000"/>
-                  </a:schemeClr>
-                </a:solidFill>
-                <a:ea typeface="Roboto Cn" pitchFamily="2" charset="0"/>
-                <a:cs typeface="Arial" panose="020B0604020202020204" pitchFamily="34" charset="0"/>
-              </a:rPr>
-              <a:t> </a:t>
-            </a:r>
-            <a:r>
-              <a:rPr lang="en-US" altLang="zh-CN" dirty="0" smtClean="0">
-                <a:solidFill>
-                  <a:schemeClr val="bg1">
-                    <a:lumMod val="50000"/>
-                  </a:schemeClr>
-                </a:solidFill>
-                <a:ea typeface="Roboto Cn" pitchFamily="2" charset="0"/>
-                <a:cs typeface="Arial" panose="020B0604020202020204" pitchFamily="34" charset="0"/>
-              </a:rPr>
-              <a:t>     reversed with milameline</a:t>
-            </a:r>
-          </a:p>
-        </p:txBody>
-      </p:sp>
-      <p:sp>
-        <p:nvSpPr>
-          <p:cNvPr id="3" name="矩形 2"/>
-          <p:cNvSpPr/>
-          <p:nvPr/>
-        </p:nvSpPr>
-        <p:spPr>
-          <a:xfrm>
-            <a:off x="5156200" y="1562100"/>
-            <a:ext cx="6426200" cy="3911600"/>
-          </a:xfrm>
-          <a:prstGeom prst="rect">
-            <a:avLst/>
-          </a:prstGeom>
-          <a:noFill/>
-          <a:ln w="127000">
-            <a:solidFill>
-              <a:srgbClr val="00ABB4"/>
-            </a:solidFill>
-          </a:ln>
-        </p:spPr>
-        <p:style>
-          <a:lnRef idx="2">
-            <a:schemeClr val="accent1">
-              <a:shade val="50000"/>
-            </a:schemeClr>
-          </a:lnRef>
-          <a:fillRef idx="1">
-            <a:schemeClr val="accent1"/>
-          </a:fillRef>
-          <a:effectRef idx="0">
-            <a:schemeClr val="accent1"/>
-          </a:effectRef>
-          <a:fontRef idx="minor">
-            <a:schemeClr val="lt1"/>
-          </a:fontRef>
-        </p:style>
-        <p:txBody>
-          <a:bodyPr rtlCol="0" anchor="ctr"/>
-          <a:lstStyle/>
-          <a:p>
-            <a:pPr algn="ctr"/>
-            <a:endParaRPr lang="zh-CN" altLang="en-US"/>
           </a:p>
         </p:txBody>
       </p:sp>
     </p:spTree>
     <p:extLst>
       <p:ext uri="{BB962C8B-B14F-4D97-AF65-F5344CB8AC3E}">
-        <p14:creationId xmlns:p14="http://schemas.microsoft.com/office/powerpoint/2010/main" val="619661100"/>
+        <p14:creationId xmlns:p14="http://schemas.microsoft.com/office/powerpoint/2010/main" val="3094252058"/>
       </p:ext>
     </p:extLst>
   </p:cSld>
@@ -20980,168 +20719,6 @@
 </file>
 
 <file path=ppt/slides/slide30.xml><?xml version="1.0" encoding="utf-8"?>
-<p:sld xmlns:a="http://schemas.openxmlformats.org/drawingml/2006/main" xmlns:r="http://schemas.openxmlformats.org/officeDocument/2006/relationships" xmlns:p="http://schemas.openxmlformats.org/presentationml/2006/main">
-  <p:cSld>
-    <p:spTree>
-      <p:nvGrpSpPr>
-        <p:cNvPr id="1" name=""/>
-        <p:cNvGrpSpPr/>
-        <p:nvPr/>
-      </p:nvGrpSpPr>
-      <p:grpSpPr>
-        <a:xfrm>
-          <a:off x="0" y="0"/>
-          <a:ext cx="0" cy="0"/>
-          <a:chOff x="0" y="0"/>
-          <a:chExt cx="0" cy="0"/>
-        </a:xfrm>
-      </p:grpSpPr>
-      <p:sp>
-        <p:nvSpPr>
-          <p:cNvPr id="3" name="文本框 2"/>
-          <p:cNvSpPr txBox="1"/>
-          <p:nvPr/>
-        </p:nvSpPr>
-        <p:spPr>
-          <a:xfrm>
-            <a:off x="617220" y="1075708"/>
-            <a:ext cx="10972800" cy="3785652"/>
-          </a:xfrm>
-          <a:prstGeom prst="rect">
-            <a:avLst/>
-          </a:prstGeom>
-          <a:noFill/>
-        </p:spPr>
-        <p:txBody>
-          <a:bodyPr wrap="square" rtlCol="0">
-            <a:spAutoFit/>
-          </a:bodyPr>
-          <a:lstStyle/>
-          <a:p>
-            <a:pPr algn="ctr"/>
-            <a:r>
-              <a:rPr lang="en-US" altLang="zh-CN" sz="4800" b="1" dirty="0" smtClean="0">
-                <a:solidFill>
-                  <a:srgbClr val="00ABB4"/>
-                </a:solidFill>
-                <a:effectLst>
-                  <a:outerShdw blurRad="38100" dist="38100" dir="2700000" algn="tl">
-                    <a:srgbClr val="000000">
-                      <a:alpha val="43137"/>
-                    </a:srgbClr>
-                  </a:outerShdw>
-                </a:effectLst>
-                <a:latin typeface="微软雅黑" panose="020B0503020204020204" pitchFamily="34" charset="-122"/>
-                <a:ea typeface="微软雅黑" panose="020B0503020204020204" pitchFamily="34" charset="-122"/>
-              </a:rPr>
-              <a:t>Functional </a:t>
-            </a:r>
-            <a:r>
-              <a:rPr lang="en-US" altLang="zh-CN" sz="4800" b="1" dirty="0">
-                <a:solidFill>
-                  <a:srgbClr val="00ABB4"/>
-                </a:solidFill>
-                <a:effectLst>
-                  <a:outerShdw blurRad="38100" dist="38100" dir="2700000" algn="tl">
-                    <a:srgbClr val="000000">
-                      <a:alpha val="43137"/>
-                    </a:srgbClr>
-                  </a:outerShdw>
-                </a:effectLst>
-                <a:latin typeface="微软雅黑" panose="020B0503020204020204" pitchFamily="34" charset="-122"/>
-                <a:ea typeface="微软雅黑" panose="020B0503020204020204" pitchFamily="34" charset="-122"/>
-              </a:rPr>
-              <a:t>Cross-Hemispheric Shift Between </a:t>
-            </a:r>
-            <a:r>
-              <a:rPr lang="en-US" altLang="zh-CN" sz="4800" b="1" dirty="0" smtClean="0">
-                <a:solidFill>
-                  <a:srgbClr val="00ABB4"/>
-                </a:solidFill>
-                <a:effectLst>
-                  <a:outerShdw blurRad="38100" dist="38100" dir="2700000" algn="tl">
-                    <a:srgbClr val="000000">
-                      <a:alpha val="43137"/>
-                    </a:srgbClr>
-                  </a:outerShdw>
-                </a:effectLst>
-                <a:latin typeface="微软雅黑" panose="020B0503020204020204" pitchFamily="34" charset="-122"/>
-                <a:ea typeface="微软雅黑" panose="020B0503020204020204" pitchFamily="34" charset="-122"/>
-              </a:rPr>
-              <a:t>Object-Place Paired Associate </a:t>
-            </a:r>
-            <a:r>
-              <a:rPr lang="en-US" altLang="zh-CN" sz="4800" b="1" dirty="0">
-                <a:solidFill>
-                  <a:srgbClr val="00ABB4"/>
-                </a:solidFill>
-                <a:effectLst>
-                  <a:outerShdw blurRad="38100" dist="38100" dir="2700000" algn="tl">
-                    <a:srgbClr val="000000">
-                      <a:alpha val="43137"/>
-                    </a:srgbClr>
-                  </a:outerShdw>
-                </a:effectLst>
-                <a:latin typeface="微软雅黑" panose="020B0503020204020204" pitchFamily="34" charset="-122"/>
-                <a:ea typeface="微软雅黑" panose="020B0503020204020204" pitchFamily="34" charset="-122"/>
-              </a:rPr>
-              <a:t>Memory and Spatial Memory in the Human Hippocampus </a:t>
-            </a:r>
-            <a:r>
-              <a:rPr lang="en-US" altLang="zh-CN" sz="4800" b="1" dirty="0" smtClean="0">
-                <a:solidFill>
-                  <a:srgbClr val="00ABB4"/>
-                </a:solidFill>
-                <a:effectLst>
-                  <a:outerShdw blurRad="38100" dist="38100" dir="2700000" algn="tl">
-                    <a:srgbClr val="000000">
-                      <a:alpha val="43137"/>
-                    </a:srgbClr>
-                  </a:outerShdw>
-                </a:effectLst>
-                <a:latin typeface="微软雅黑" panose="020B0503020204020204" pitchFamily="34" charset="-122"/>
-                <a:ea typeface="微软雅黑" panose="020B0503020204020204" pitchFamily="34" charset="-122"/>
-              </a:rPr>
-              <a:t> </a:t>
-            </a:r>
-            <a:endParaRPr lang="en-US" altLang="zh-CN" sz="4800" b="1" dirty="0">
-              <a:solidFill>
-                <a:srgbClr val="00ABB4"/>
-              </a:solidFill>
-              <a:effectLst>
-                <a:outerShdw blurRad="38100" dist="38100" dir="2700000" algn="tl">
-                  <a:srgbClr val="000000">
-                    <a:alpha val="43137"/>
-                  </a:srgbClr>
-                </a:outerShdw>
-              </a:effectLst>
-              <a:latin typeface="微软雅黑" panose="020B0503020204020204" pitchFamily="34" charset="-122"/>
-              <a:ea typeface="微软雅黑" panose="020B0503020204020204" pitchFamily="34" charset="-122"/>
-            </a:endParaRPr>
-          </a:p>
-        </p:txBody>
-      </p:sp>
-    </p:spTree>
-    <p:extLst>
-      <p:ext uri="{BB962C8B-B14F-4D97-AF65-F5344CB8AC3E}">
-        <p14:creationId xmlns:p14="http://schemas.microsoft.com/office/powerpoint/2010/main" val="3094252058"/>
-      </p:ext>
-    </p:extLst>
-  </p:cSld>
-  <p:clrMapOvr>
-    <a:masterClrMapping/>
-  </p:clrMapOvr>
-  <p:timing>
-    <p:tnLst>
-      <p:par>
-        <p:cTn id="1" dur="indefinite" restart="never" nodeType="tmRoot"/>
-      </p:par>
-    </p:tnLst>
-  </p:timing>
-</p:sld>
-</file>
-
-<file path=ppt/slides/slide31.xml><?xml version="1.0" encoding="utf-8"?>
 <p:sld xmlns:a="http://schemas.openxmlformats.org/drawingml/2006/main" xmlns:r="http://schemas.openxmlformats.org/officeDocument/2006/relationships" xmlns:p="http://schemas.openxmlformats.org/presentationml/2006/main">
   <p:cSld>
     <p:spTree>
@@ -21634,7 +21211,7 @@
 </p:sld>
 </file>
 
-<file path=ppt/slides/slide32.xml><?xml version="1.0" encoding="utf-8"?>
+<file path=ppt/slides/slide31.xml><?xml version="1.0" encoding="utf-8"?>
 <p:sld xmlns:a="http://schemas.openxmlformats.org/drawingml/2006/main" xmlns:r="http://schemas.openxmlformats.org/officeDocument/2006/relationships" xmlns:p="http://schemas.openxmlformats.org/presentationml/2006/main">
   <p:cSld>
     <p:spTree>
@@ -21756,7 +21333,7 @@
 </p:sld>
 </file>
 
-<file path=ppt/slides/slide33.xml><?xml version="1.0" encoding="utf-8"?>
+<file path=ppt/slides/slide32.xml><?xml version="1.0" encoding="utf-8"?>
 <p:sld xmlns:a="http://schemas.openxmlformats.org/drawingml/2006/main" xmlns:r="http://schemas.openxmlformats.org/officeDocument/2006/relationships" xmlns:p="http://schemas.openxmlformats.org/presentationml/2006/main">
   <p:cSld>
     <p:spTree>
@@ -22039,7 +21616,7 @@
 </p:sld>
 </file>
 
-<file path=ppt/slides/slide34.xml><?xml version="1.0" encoding="utf-8"?>
+<file path=ppt/slides/slide33.xml><?xml version="1.0" encoding="utf-8"?>
 <p:sld xmlns:a="http://schemas.openxmlformats.org/drawingml/2006/main" xmlns:r="http://schemas.openxmlformats.org/officeDocument/2006/relationships" xmlns:p="http://schemas.openxmlformats.org/presentationml/2006/main">
   <p:cSld>
     <p:spTree>
@@ -22347,7 +21924,7 @@
 </p:sld>
 </file>
 
-<file path=ppt/slides/slide35.xml><?xml version="1.0" encoding="utf-8"?>
+<file path=ppt/slides/slide34.xml><?xml version="1.0" encoding="utf-8"?>
 <p:sld xmlns:a="http://schemas.openxmlformats.org/drawingml/2006/main" xmlns:r="http://schemas.openxmlformats.org/officeDocument/2006/relationships" xmlns:p="http://schemas.openxmlformats.org/presentationml/2006/main">
   <p:cSld>
     <p:spTree>
@@ -22615,7 +22192,7 @@
 </p:sld>
 </file>
 
-<file path=ppt/slides/slide36.xml><?xml version="1.0" encoding="utf-8"?>
+<file path=ppt/slides/slide35.xml><?xml version="1.0" encoding="utf-8"?>
 <p:sld xmlns:a="http://schemas.openxmlformats.org/drawingml/2006/main" xmlns:r="http://schemas.openxmlformats.org/officeDocument/2006/relationships" xmlns:p="http://schemas.openxmlformats.org/presentationml/2006/main">
   <p:cSld>
     <p:spTree>
@@ -22908,7 +22485,7 @@
 </p:sld>
 </file>
 
-<file path=ppt/slides/slide37.xml><?xml version="1.0" encoding="utf-8"?>
+<file path=ppt/slides/slide36.xml><?xml version="1.0" encoding="utf-8"?>
 <p:sld xmlns:a="http://schemas.openxmlformats.org/drawingml/2006/main" xmlns:r="http://schemas.openxmlformats.org/officeDocument/2006/relationships" xmlns:p="http://schemas.openxmlformats.org/presentationml/2006/main">
   <p:cSld>
     <p:spTree>
@@ -23030,7 +22607,7 @@
 </p:sld>
 </file>
 
-<file path=ppt/slides/slide38.xml><?xml version="1.0" encoding="utf-8"?>
+<file path=ppt/slides/slide37.xml><?xml version="1.0" encoding="utf-8"?>
 <p:sld xmlns:a="http://schemas.openxmlformats.org/drawingml/2006/main" xmlns:r="http://schemas.openxmlformats.org/officeDocument/2006/relationships" xmlns:p="http://schemas.openxmlformats.org/presentationml/2006/main">
   <p:cSld>
     <p:spTree>
@@ -23428,7 +23005,7 @@
 </p:sld>
 </file>
 
-<file path=ppt/slides/slide39.xml><?xml version="1.0" encoding="utf-8"?>
+<file path=ppt/slides/slide38.xml><?xml version="1.0" encoding="utf-8"?>
 <p:sld xmlns:a="http://schemas.openxmlformats.org/drawingml/2006/main" xmlns:r="http://schemas.openxmlformats.org/officeDocument/2006/relationships" xmlns:p="http://schemas.openxmlformats.org/presentationml/2006/main">
   <p:cSld>
     <p:spTree>
@@ -23619,406 +23196,7 @@
 </p:sld>
 </file>
 
-<file path=ppt/slides/slide4.xml><?xml version="1.0" encoding="utf-8"?>
-<p:sld xmlns:a="http://schemas.openxmlformats.org/drawingml/2006/main" xmlns:r="http://schemas.openxmlformats.org/officeDocument/2006/relationships" xmlns:p="http://schemas.openxmlformats.org/presentationml/2006/main">
-  <p:cSld>
-    <p:spTree>
-      <p:nvGrpSpPr>
-        <p:cNvPr id="1" name=""/>
-        <p:cNvGrpSpPr/>
-        <p:nvPr/>
-      </p:nvGrpSpPr>
-      <p:grpSpPr>
-        <a:xfrm>
-          <a:off x="0" y="0"/>
-          <a:ext cx="0" cy="0"/>
-          <a:chOff x="0" y="0"/>
-          <a:chExt cx="0" cy="0"/>
-        </a:xfrm>
-      </p:grpSpPr>
-      <p:pic>
-        <p:nvPicPr>
-          <p:cNvPr id="2" name="图片 1"/>
-          <p:cNvPicPr>
-            <a:picLocks noChangeAspect="1"/>
-          </p:cNvPicPr>
-          <p:nvPr/>
-        </p:nvPicPr>
-        <p:blipFill rotWithShape="1">
-          <a:blip r:embed="rId3" cstate="print">
-            <a:extLst>
-              <a:ext uri="{28A0092B-C50C-407E-A947-70E740481C1C}">
-                <a14:useLocalDpi xmlns:a14="http://schemas.microsoft.com/office/drawing/2010/main" val="0"/>
-              </a:ext>
-            </a:extLst>
-          </a:blip>
-          <a:srcRect t="19936" b="38073"/>
-          <a:stretch/>
-        </p:blipFill>
-        <p:spPr>
-          <a:xfrm>
-            <a:off x="0" y="-1"/>
-            <a:ext cx="12192000" cy="3390901"/>
-          </a:xfrm>
-          <a:prstGeom prst="rect">
-            <a:avLst/>
-          </a:prstGeom>
-        </p:spPr>
-      </p:pic>
-      <p:sp>
-        <p:nvSpPr>
-          <p:cNvPr id="8" name="矩形 7"/>
-          <p:cNvSpPr/>
-          <p:nvPr/>
-        </p:nvSpPr>
-        <p:spPr>
-          <a:xfrm>
-            <a:off x="0" y="0"/>
-            <a:ext cx="12192000" cy="3390900"/>
-          </a:xfrm>
-          <a:prstGeom prst="rect">
-            <a:avLst/>
-          </a:prstGeom>
-          <a:solidFill>
-            <a:schemeClr val="tx1">
-              <a:alpha val="64000"/>
-            </a:schemeClr>
-          </a:solidFill>
-          <a:ln>
-            <a:noFill/>
-          </a:ln>
-        </p:spPr>
-        <p:style>
-          <a:lnRef idx="2">
-            <a:schemeClr val="accent1">
-              <a:shade val="50000"/>
-            </a:schemeClr>
-          </a:lnRef>
-          <a:fillRef idx="1">
-            <a:schemeClr val="accent1"/>
-          </a:fillRef>
-          <a:effectRef idx="0">
-            <a:schemeClr val="accent1"/>
-          </a:effectRef>
-          <a:fontRef idx="minor">
-            <a:schemeClr val="lt1"/>
-          </a:fontRef>
-        </p:style>
-        <p:txBody>
-          <a:bodyPr rtlCol="0" anchor="ctr"/>
-          <a:lstStyle/>
-          <a:p>
-            <a:pPr algn="ctr"/>
-            <a:endParaRPr lang="zh-CN" altLang="en-US"/>
-          </a:p>
-        </p:txBody>
-      </p:sp>
-      <p:sp>
-        <p:nvSpPr>
-          <p:cNvPr id="4" name="文本框 3"/>
-          <p:cNvSpPr txBox="1"/>
-          <p:nvPr/>
-        </p:nvSpPr>
-        <p:spPr>
-          <a:xfrm>
-            <a:off x="1344017" y="929034"/>
-            <a:ext cx="9126024" cy="2308324"/>
-          </a:xfrm>
-          <a:prstGeom prst="rect">
-            <a:avLst/>
-          </a:prstGeom>
-          <a:noFill/>
-        </p:spPr>
-        <p:txBody>
-          <a:bodyPr wrap="none" rtlCol="0">
-            <a:spAutoFit/>
-          </a:bodyPr>
-          <a:lstStyle/>
-          <a:p>
-            <a:r>
-              <a:rPr lang="en-US" altLang="zh-CN" sz="7200" b="1" dirty="0" err="1" smtClean="0">
-                <a:solidFill>
-                  <a:srgbClr val="00ABB4"/>
-                </a:solidFill>
-                <a:latin typeface="微软雅黑" panose="020B0503020204020204" pitchFamily="34" charset="-122"/>
-                <a:ea typeface="微软雅黑" panose="020B0503020204020204" pitchFamily="34" charset="-122"/>
-              </a:rPr>
-              <a:t>BioRxiv</a:t>
-            </a:r>
-            <a:endParaRPr lang="en-US" altLang="zh-CN" sz="7200" b="1" dirty="0" smtClean="0">
-              <a:solidFill>
-                <a:srgbClr val="00ABB4"/>
-              </a:solidFill>
-              <a:latin typeface="微软雅黑" panose="020B0503020204020204" pitchFamily="34" charset="-122"/>
-              <a:ea typeface="微软雅黑" panose="020B0503020204020204" pitchFamily="34" charset="-122"/>
-            </a:endParaRPr>
-          </a:p>
-          <a:p>
-            <a:r>
-              <a:rPr lang="en-US" altLang="zh-CN" sz="7200" b="1" dirty="0">
-                <a:solidFill>
-                  <a:srgbClr val="00ABB4"/>
-                </a:solidFill>
-                <a:latin typeface="微软雅黑" panose="020B0503020204020204" pitchFamily="34" charset="-122"/>
-                <a:ea typeface="微软雅黑" panose="020B0503020204020204" pitchFamily="34" charset="-122"/>
-              </a:rPr>
-              <a:t>	</a:t>
-            </a:r>
-            <a:r>
-              <a:rPr lang="en-US" altLang="zh-CN" sz="7200" b="1" dirty="0" smtClean="0">
-                <a:solidFill>
-                  <a:srgbClr val="00ABB4"/>
-                </a:solidFill>
-                <a:latin typeface="微软雅黑" panose="020B0503020204020204" pitchFamily="34" charset="-122"/>
-                <a:ea typeface="微软雅黑" panose="020B0503020204020204" pitchFamily="34" charset="-122"/>
-              </a:rPr>
-              <a:t>			  </a:t>
-            </a:r>
-            <a:r>
-              <a:rPr lang="en-US" altLang="zh-CN" sz="5400" b="1" dirty="0" smtClean="0">
-                <a:solidFill>
-                  <a:srgbClr val="00ABB4"/>
-                </a:solidFill>
-                <a:latin typeface="微软雅黑" panose="020B0503020204020204" pitchFamily="34" charset="-122"/>
-                <a:ea typeface="微软雅黑" panose="020B0503020204020204" pitchFamily="34" charset="-122"/>
-              </a:rPr>
-              <a:t>Jordan , 2017</a:t>
-            </a:r>
-            <a:endParaRPr lang="zh-CN" altLang="en-US" sz="5400" dirty="0">
-              <a:solidFill>
-                <a:srgbClr val="00ABB4"/>
-              </a:solidFill>
-              <a:latin typeface="+mj-ea"/>
-              <a:ea typeface="+mj-ea"/>
-            </a:endParaRPr>
-          </a:p>
-        </p:txBody>
-      </p:sp>
-      <p:cxnSp>
-        <p:nvCxnSpPr>
-          <p:cNvPr id="18" name="直接连接符 17"/>
-          <p:cNvCxnSpPr/>
-          <p:nvPr/>
-        </p:nvCxnSpPr>
-        <p:spPr>
-          <a:xfrm>
-            <a:off x="3794758" y="3824441"/>
-            <a:ext cx="0" cy="2464837"/>
-          </a:xfrm>
-          <a:prstGeom prst="line">
-            <a:avLst/>
-          </a:prstGeom>
-          <a:ln>
-            <a:solidFill>
-              <a:schemeClr val="bg1">
-                <a:lumMod val="50000"/>
-              </a:schemeClr>
-            </a:solidFill>
-          </a:ln>
-        </p:spPr>
-        <p:style>
-          <a:lnRef idx="1">
-            <a:schemeClr val="accent1"/>
-          </a:lnRef>
-          <a:fillRef idx="0">
-            <a:schemeClr val="accent1"/>
-          </a:fillRef>
-          <a:effectRef idx="0">
-            <a:schemeClr val="accent1"/>
-          </a:effectRef>
-          <a:fontRef idx="minor">
-            <a:schemeClr val="tx1"/>
-          </a:fontRef>
-        </p:style>
-      </p:cxnSp>
-      <p:sp>
-        <p:nvSpPr>
-          <p:cNvPr id="19" name="文本框 18"/>
-          <p:cNvSpPr txBox="1"/>
-          <p:nvPr/>
-        </p:nvSpPr>
-        <p:spPr>
-          <a:xfrm>
-            <a:off x="3980554" y="4618130"/>
-            <a:ext cx="3852950" cy="630942"/>
-          </a:xfrm>
-          <a:prstGeom prst="rect">
-            <a:avLst/>
-          </a:prstGeom>
-          <a:noFill/>
-        </p:spPr>
-        <p:txBody>
-          <a:bodyPr wrap="square" rtlCol="0">
-            <a:spAutoFit/>
-          </a:bodyPr>
-          <a:lstStyle/>
-          <a:p>
-            <a:pPr marL="800100" lvl="1" indent="-342900">
-              <a:lnSpc>
-                <a:spcPct val="200000"/>
-              </a:lnSpc>
-              <a:buFont typeface="Arial" panose="020B0604020202020204" pitchFamily="34" charset="0"/>
-              <a:buChar char="•"/>
-            </a:pPr>
-            <a:r>
-              <a:rPr lang="en-US" altLang="zh-CN" sz="2000" dirty="0" smtClean="0">
-                <a:latin typeface="Meiryo" panose="020B0604030504040204" pitchFamily="34" charset="-128"/>
-                <a:ea typeface="Meiryo" panose="020B0604030504040204" pitchFamily="34" charset="-128"/>
-                <a:cs typeface="Meiryo" panose="020B0604030504040204" pitchFamily="34" charset="-128"/>
-              </a:rPr>
-              <a:t>Rodents </a:t>
-            </a:r>
-            <a:endParaRPr lang="en-US" altLang="zh-CN" sz="2000" dirty="0">
-              <a:latin typeface="Meiryo" panose="020B0604030504040204" pitchFamily="34" charset="-128"/>
-              <a:ea typeface="Meiryo" panose="020B0604030504040204" pitchFamily="34" charset="-128"/>
-              <a:cs typeface="Meiryo" panose="020B0604030504040204" pitchFamily="34" charset="-128"/>
-            </a:endParaRPr>
-          </a:p>
-        </p:txBody>
-      </p:sp>
-      <p:sp>
-        <p:nvSpPr>
-          <p:cNvPr id="17" name="文本框 16"/>
-          <p:cNvSpPr txBox="1"/>
-          <p:nvPr/>
-        </p:nvSpPr>
-        <p:spPr>
-          <a:xfrm>
-            <a:off x="1053300" y="4618130"/>
-            <a:ext cx="1699568" cy="630942"/>
-          </a:xfrm>
-          <a:prstGeom prst="rect">
-            <a:avLst/>
-          </a:prstGeom>
-          <a:noFill/>
-        </p:spPr>
-        <p:txBody>
-          <a:bodyPr wrap="none" rtlCol="0">
-            <a:spAutoFit/>
-          </a:bodyPr>
-          <a:lstStyle/>
-          <a:p>
-            <a:pPr marL="342900" indent="-342900">
-              <a:lnSpc>
-                <a:spcPct val="200000"/>
-              </a:lnSpc>
-              <a:buFont typeface="Arial" panose="020B0604020202020204" pitchFamily="34" charset="0"/>
-              <a:buChar char="•"/>
-            </a:pPr>
-            <a:r>
-              <a:rPr lang="en-US" altLang="zh-CN" sz="2000" dirty="0" smtClean="0">
-                <a:latin typeface="Meiryo" panose="020B0604030504040204" pitchFamily="34" charset="-128"/>
-                <a:ea typeface="Meiryo" panose="020B0604030504040204" pitchFamily="34" charset="-128"/>
-                <a:cs typeface="Meiryo" panose="020B0604030504040204" pitchFamily="34" charset="-128"/>
-              </a:rPr>
-              <a:t>Overview</a:t>
-            </a:r>
-          </a:p>
-        </p:txBody>
-      </p:sp>
-      <p:cxnSp>
-        <p:nvCxnSpPr>
-          <p:cNvPr id="22" name="直接连接符 21"/>
-          <p:cNvCxnSpPr/>
-          <p:nvPr/>
-        </p:nvCxnSpPr>
-        <p:spPr>
-          <a:xfrm>
-            <a:off x="7949009" y="3820584"/>
-            <a:ext cx="0" cy="2464837"/>
-          </a:xfrm>
-          <a:prstGeom prst="line">
-            <a:avLst/>
-          </a:prstGeom>
-          <a:ln>
-            <a:solidFill>
-              <a:schemeClr val="bg1">
-                <a:lumMod val="50000"/>
-              </a:schemeClr>
-            </a:solidFill>
-          </a:ln>
-        </p:spPr>
-        <p:style>
-          <a:lnRef idx="1">
-            <a:schemeClr val="accent1"/>
-          </a:lnRef>
-          <a:fillRef idx="0">
-            <a:schemeClr val="accent1"/>
-          </a:fillRef>
-          <a:effectRef idx="0">
-            <a:schemeClr val="accent1"/>
-          </a:effectRef>
-          <a:fontRef idx="minor">
-            <a:schemeClr val="tx1"/>
-          </a:fontRef>
-        </p:style>
-      </p:cxnSp>
-      <p:sp>
-        <p:nvSpPr>
-          <p:cNvPr id="23" name="文本框 22"/>
-          <p:cNvSpPr txBox="1"/>
-          <p:nvPr/>
-        </p:nvSpPr>
-        <p:spPr>
-          <a:xfrm>
-            <a:off x="8265402" y="4310353"/>
-            <a:ext cx="3926598" cy="1246495"/>
-          </a:xfrm>
-          <a:prstGeom prst="rect">
-            <a:avLst/>
-          </a:prstGeom>
-          <a:noFill/>
-        </p:spPr>
-        <p:txBody>
-          <a:bodyPr wrap="square" rtlCol="0">
-            <a:spAutoFit/>
-          </a:bodyPr>
-          <a:lstStyle/>
-          <a:p>
-            <a:pPr marL="342900" indent="-342900">
-              <a:lnSpc>
-                <a:spcPct val="200000"/>
-              </a:lnSpc>
-              <a:buFont typeface="Arial" panose="020B0604020202020204" pitchFamily="34" charset="0"/>
-              <a:buChar char="•"/>
-            </a:pPr>
-            <a:r>
-              <a:rPr lang="en-US" altLang="zh-CN" sz="2000" dirty="0" smtClean="0">
-                <a:latin typeface="Meiryo" panose="020B0604030504040204" pitchFamily="34" charset="-128"/>
-                <a:ea typeface="Meiryo" panose="020B0604030504040204" pitchFamily="34" charset="-128"/>
-                <a:cs typeface="Meiryo" panose="020B0604030504040204" pitchFamily="34" charset="-128"/>
-              </a:rPr>
-              <a:t>Storage and retrieval of memory</a:t>
-            </a:r>
-            <a:endParaRPr lang="en-US" altLang="zh-CN" sz="2000" dirty="0">
-              <a:latin typeface="Meiryo" panose="020B0604030504040204" pitchFamily="34" charset="-128"/>
-              <a:ea typeface="Meiryo" panose="020B0604030504040204" pitchFamily="34" charset="-128"/>
-              <a:cs typeface="Meiryo" panose="020B0604030504040204" pitchFamily="34" charset="-128"/>
-            </a:endParaRPr>
-          </a:p>
-        </p:txBody>
-      </p:sp>
-    </p:spTree>
-    <p:extLst>
-      <p:ext uri="{BB962C8B-B14F-4D97-AF65-F5344CB8AC3E}">
-        <p14:creationId xmlns:p14="http://schemas.microsoft.com/office/powerpoint/2010/main" val="3671178789"/>
-      </p:ext>
-    </p:extLst>
-  </p:cSld>
-  <p:clrMapOvr>
-    <a:masterClrMapping/>
-  </p:clrMapOvr>
-  <p:timing>
-    <p:tnLst>
-      <p:par>
-        <p:cTn id="1" dur="indefinite" restart="never" nodeType="tmRoot"/>
-      </p:par>
-    </p:tnLst>
-  </p:timing>
-</p:sld>
-</file>
-
-<file path=ppt/slides/slide40.xml><?xml version="1.0" encoding="utf-8"?>
+<file path=ppt/slides/slide39.xml><?xml version="1.0" encoding="utf-8"?>
 <p:sld xmlns:a="http://schemas.openxmlformats.org/drawingml/2006/main" xmlns:r="http://schemas.openxmlformats.org/officeDocument/2006/relationships" xmlns:p="http://schemas.openxmlformats.org/presentationml/2006/main">
   <p:cSld>
     <p:spTree>
@@ -24140,7 +23318,406 @@
 </p:sld>
 </file>
 
-<file path=ppt/slides/slide41.xml><?xml version="1.0" encoding="utf-8"?>
+<file path=ppt/slides/slide4.xml><?xml version="1.0" encoding="utf-8"?>
+<p:sld xmlns:a="http://schemas.openxmlformats.org/drawingml/2006/main" xmlns:r="http://schemas.openxmlformats.org/officeDocument/2006/relationships" xmlns:p="http://schemas.openxmlformats.org/presentationml/2006/main">
+  <p:cSld>
+    <p:spTree>
+      <p:nvGrpSpPr>
+        <p:cNvPr id="1" name=""/>
+        <p:cNvGrpSpPr/>
+        <p:nvPr/>
+      </p:nvGrpSpPr>
+      <p:grpSpPr>
+        <a:xfrm>
+          <a:off x="0" y="0"/>
+          <a:ext cx="0" cy="0"/>
+          <a:chOff x="0" y="0"/>
+          <a:chExt cx="0" cy="0"/>
+        </a:xfrm>
+      </p:grpSpPr>
+      <p:pic>
+        <p:nvPicPr>
+          <p:cNvPr id="2" name="图片 1"/>
+          <p:cNvPicPr>
+            <a:picLocks noChangeAspect="1"/>
+          </p:cNvPicPr>
+          <p:nvPr/>
+        </p:nvPicPr>
+        <p:blipFill rotWithShape="1">
+          <a:blip r:embed="rId3" cstate="print">
+            <a:extLst>
+              <a:ext uri="{28A0092B-C50C-407E-A947-70E740481C1C}">
+                <a14:useLocalDpi xmlns:a14="http://schemas.microsoft.com/office/drawing/2010/main" val="0"/>
+              </a:ext>
+            </a:extLst>
+          </a:blip>
+          <a:srcRect t="19936" b="38073"/>
+          <a:stretch/>
+        </p:blipFill>
+        <p:spPr>
+          <a:xfrm>
+            <a:off x="0" y="-1"/>
+            <a:ext cx="12192000" cy="3390901"/>
+          </a:xfrm>
+          <a:prstGeom prst="rect">
+            <a:avLst/>
+          </a:prstGeom>
+        </p:spPr>
+      </p:pic>
+      <p:sp>
+        <p:nvSpPr>
+          <p:cNvPr id="8" name="矩形 7"/>
+          <p:cNvSpPr/>
+          <p:nvPr/>
+        </p:nvSpPr>
+        <p:spPr>
+          <a:xfrm>
+            <a:off x="0" y="0"/>
+            <a:ext cx="12192000" cy="3390900"/>
+          </a:xfrm>
+          <a:prstGeom prst="rect">
+            <a:avLst/>
+          </a:prstGeom>
+          <a:solidFill>
+            <a:schemeClr val="tx1">
+              <a:alpha val="64000"/>
+            </a:schemeClr>
+          </a:solidFill>
+          <a:ln>
+            <a:noFill/>
+          </a:ln>
+        </p:spPr>
+        <p:style>
+          <a:lnRef idx="2">
+            <a:schemeClr val="accent1">
+              <a:shade val="50000"/>
+            </a:schemeClr>
+          </a:lnRef>
+          <a:fillRef idx="1">
+            <a:schemeClr val="accent1"/>
+          </a:fillRef>
+          <a:effectRef idx="0">
+            <a:schemeClr val="accent1"/>
+          </a:effectRef>
+          <a:fontRef idx="minor">
+            <a:schemeClr val="lt1"/>
+          </a:fontRef>
+        </p:style>
+        <p:txBody>
+          <a:bodyPr rtlCol="0" anchor="ctr"/>
+          <a:lstStyle/>
+          <a:p>
+            <a:pPr algn="ctr"/>
+            <a:endParaRPr lang="zh-CN" altLang="en-US"/>
+          </a:p>
+        </p:txBody>
+      </p:sp>
+      <p:sp>
+        <p:nvSpPr>
+          <p:cNvPr id="4" name="文本框 3"/>
+          <p:cNvSpPr txBox="1"/>
+          <p:nvPr/>
+        </p:nvSpPr>
+        <p:spPr>
+          <a:xfrm>
+            <a:off x="1344017" y="929034"/>
+            <a:ext cx="9126024" cy="2308324"/>
+          </a:xfrm>
+          <a:prstGeom prst="rect">
+            <a:avLst/>
+          </a:prstGeom>
+          <a:noFill/>
+        </p:spPr>
+        <p:txBody>
+          <a:bodyPr wrap="none" rtlCol="0">
+            <a:spAutoFit/>
+          </a:bodyPr>
+          <a:lstStyle/>
+          <a:p>
+            <a:r>
+              <a:rPr lang="en-US" altLang="zh-CN" sz="7200" b="1" dirty="0" err="1" smtClean="0">
+                <a:solidFill>
+                  <a:srgbClr val="00ABB4"/>
+                </a:solidFill>
+                <a:latin typeface="微软雅黑" panose="020B0503020204020204" pitchFamily="34" charset="-122"/>
+                <a:ea typeface="微软雅黑" panose="020B0503020204020204" pitchFamily="34" charset="-122"/>
+              </a:rPr>
+              <a:t>BioRxiv</a:t>
+            </a:r>
+            <a:endParaRPr lang="en-US" altLang="zh-CN" sz="7200" b="1" dirty="0" smtClean="0">
+              <a:solidFill>
+                <a:srgbClr val="00ABB4"/>
+              </a:solidFill>
+              <a:latin typeface="微软雅黑" panose="020B0503020204020204" pitchFamily="34" charset="-122"/>
+              <a:ea typeface="微软雅黑" panose="020B0503020204020204" pitchFamily="34" charset="-122"/>
+            </a:endParaRPr>
+          </a:p>
+          <a:p>
+            <a:r>
+              <a:rPr lang="en-US" altLang="zh-CN" sz="7200" b="1" dirty="0">
+                <a:solidFill>
+                  <a:srgbClr val="00ABB4"/>
+                </a:solidFill>
+                <a:latin typeface="微软雅黑" panose="020B0503020204020204" pitchFamily="34" charset="-122"/>
+                <a:ea typeface="微软雅黑" panose="020B0503020204020204" pitchFamily="34" charset="-122"/>
+              </a:rPr>
+              <a:t>	</a:t>
+            </a:r>
+            <a:r>
+              <a:rPr lang="en-US" altLang="zh-CN" sz="7200" b="1" dirty="0" smtClean="0">
+                <a:solidFill>
+                  <a:srgbClr val="00ABB4"/>
+                </a:solidFill>
+                <a:latin typeface="微软雅黑" panose="020B0503020204020204" pitchFamily="34" charset="-122"/>
+                <a:ea typeface="微软雅黑" panose="020B0503020204020204" pitchFamily="34" charset="-122"/>
+              </a:rPr>
+              <a:t>			  </a:t>
+            </a:r>
+            <a:r>
+              <a:rPr lang="en-US" altLang="zh-CN" sz="5400" b="1" dirty="0" smtClean="0">
+                <a:solidFill>
+                  <a:srgbClr val="00ABB4"/>
+                </a:solidFill>
+                <a:latin typeface="微软雅黑" panose="020B0503020204020204" pitchFamily="34" charset="-122"/>
+                <a:ea typeface="微软雅黑" panose="020B0503020204020204" pitchFamily="34" charset="-122"/>
+              </a:rPr>
+              <a:t>Jordan , 2017</a:t>
+            </a:r>
+            <a:endParaRPr lang="zh-CN" altLang="en-US" sz="5400" dirty="0">
+              <a:solidFill>
+                <a:srgbClr val="00ABB4"/>
+              </a:solidFill>
+              <a:latin typeface="+mj-ea"/>
+              <a:ea typeface="+mj-ea"/>
+            </a:endParaRPr>
+          </a:p>
+        </p:txBody>
+      </p:sp>
+      <p:cxnSp>
+        <p:nvCxnSpPr>
+          <p:cNvPr id="18" name="直接连接符 17"/>
+          <p:cNvCxnSpPr/>
+          <p:nvPr/>
+        </p:nvCxnSpPr>
+        <p:spPr>
+          <a:xfrm>
+            <a:off x="3794758" y="3824441"/>
+            <a:ext cx="0" cy="2464837"/>
+          </a:xfrm>
+          <a:prstGeom prst="line">
+            <a:avLst/>
+          </a:prstGeom>
+          <a:ln>
+            <a:solidFill>
+              <a:schemeClr val="bg1">
+                <a:lumMod val="50000"/>
+              </a:schemeClr>
+            </a:solidFill>
+          </a:ln>
+        </p:spPr>
+        <p:style>
+          <a:lnRef idx="1">
+            <a:schemeClr val="accent1"/>
+          </a:lnRef>
+          <a:fillRef idx="0">
+            <a:schemeClr val="accent1"/>
+          </a:fillRef>
+          <a:effectRef idx="0">
+            <a:schemeClr val="accent1"/>
+          </a:effectRef>
+          <a:fontRef idx="minor">
+            <a:schemeClr val="tx1"/>
+          </a:fontRef>
+        </p:style>
+      </p:cxnSp>
+      <p:sp>
+        <p:nvSpPr>
+          <p:cNvPr id="19" name="文本框 18"/>
+          <p:cNvSpPr txBox="1"/>
+          <p:nvPr/>
+        </p:nvSpPr>
+        <p:spPr>
+          <a:xfrm>
+            <a:off x="3980554" y="4618130"/>
+            <a:ext cx="3852950" cy="630942"/>
+          </a:xfrm>
+          <a:prstGeom prst="rect">
+            <a:avLst/>
+          </a:prstGeom>
+          <a:noFill/>
+        </p:spPr>
+        <p:txBody>
+          <a:bodyPr wrap="square" rtlCol="0">
+            <a:spAutoFit/>
+          </a:bodyPr>
+          <a:lstStyle/>
+          <a:p>
+            <a:pPr marL="800100" lvl="1" indent="-342900">
+              <a:lnSpc>
+                <a:spcPct val="200000"/>
+              </a:lnSpc>
+              <a:buFont typeface="Arial" panose="020B0604020202020204" pitchFamily="34" charset="0"/>
+              <a:buChar char="•"/>
+            </a:pPr>
+            <a:r>
+              <a:rPr lang="en-US" altLang="zh-CN" sz="2000" dirty="0" smtClean="0">
+                <a:latin typeface="Meiryo" panose="020B0604030504040204" pitchFamily="34" charset="-128"/>
+                <a:ea typeface="Meiryo" panose="020B0604030504040204" pitchFamily="34" charset="-128"/>
+                <a:cs typeface="Meiryo" panose="020B0604030504040204" pitchFamily="34" charset="-128"/>
+              </a:rPr>
+              <a:t>Rodents </a:t>
+            </a:r>
+            <a:endParaRPr lang="en-US" altLang="zh-CN" sz="2000" dirty="0">
+              <a:latin typeface="Meiryo" panose="020B0604030504040204" pitchFamily="34" charset="-128"/>
+              <a:ea typeface="Meiryo" panose="020B0604030504040204" pitchFamily="34" charset="-128"/>
+              <a:cs typeface="Meiryo" panose="020B0604030504040204" pitchFamily="34" charset="-128"/>
+            </a:endParaRPr>
+          </a:p>
+        </p:txBody>
+      </p:sp>
+      <p:sp>
+        <p:nvSpPr>
+          <p:cNvPr id="17" name="文本框 16"/>
+          <p:cNvSpPr txBox="1"/>
+          <p:nvPr/>
+        </p:nvSpPr>
+        <p:spPr>
+          <a:xfrm>
+            <a:off x="1053300" y="4618130"/>
+            <a:ext cx="1699568" cy="630942"/>
+          </a:xfrm>
+          <a:prstGeom prst="rect">
+            <a:avLst/>
+          </a:prstGeom>
+          <a:noFill/>
+        </p:spPr>
+        <p:txBody>
+          <a:bodyPr wrap="none" rtlCol="0">
+            <a:spAutoFit/>
+          </a:bodyPr>
+          <a:lstStyle/>
+          <a:p>
+            <a:pPr marL="342900" indent="-342900">
+              <a:lnSpc>
+                <a:spcPct val="200000"/>
+              </a:lnSpc>
+              <a:buFont typeface="Arial" panose="020B0604020202020204" pitchFamily="34" charset="0"/>
+              <a:buChar char="•"/>
+            </a:pPr>
+            <a:r>
+              <a:rPr lang="en-US" altLang="zh-CN" sz="2000" dirty="0" smtClean="0">
+                <a:latin typeface="Meiryo" panose="020B0604030504040204" pitchFamily="34" charset="-128"/>
+                <a:ea typeface="Meiryo" panose="020B0604030504040204" pitchFamily="34" charset="-128"/>
+                <a:cs typeface="Meiryo" panose="020B0604030504040204" pitchFamily="34" charset="-128"/>
+              </a:rPr>
+              <a:t>Overview</a:t>
+            </a:r>
+          </a:p>
+        </p:txBody>
+      </p:sp>
+      <p:cxnSp>
+        <p:nvCxnSpPr>
+          <p:cNvPr id="22" name="直接连接符 21"/>
+          <p:cNvCxnSpPr/>
+          <p:nvPr/>
+        </p:nvCxnSpPr>
+        <p:spPr>
+          <a:xfrm>
+            <a:off x="7949009" y="3820584"/>
+            <a:ext cx="0" cy="2464837"/>
+          </a:xfrm>
+          <a:prstGeom prst="line">
+            <a:avLst/>
+          </a:prstGeom>
+          <a:ln>
+            <a:solidFill>
+              <a:schemeClr val="bg1">
+                <a:lumMod val="50000"/>
+              </a:schemeClr>
+            </a:solidFill>
+          </a:ln>
+        </p:spPr>
+        <p:style>
+          <a:lnRef idx="1">
+            <a:schemeClr val="accent1"/>
+          </a:lnRef>
+          <a:fillRef idx="0">
+            <a:schemeClr val="accent1"/>
+          </a:fillRef>
+          <a:effectRef idx="0">
+            <a:schemeClr val="accent1"/>
+          </a:effectRef>
+          <a:fontRef idx="minor">
+            <a:schemeClr val="tx1"/>
+          </a:fontRef>
+        </p:style>
+      </p:cxnSp>
+      <p:sp>
+        <p:nvSpPr>
+          <p:cNvPr id="23" name="文本框 22"/>
+          <p:cNvSpPr txBox="1"/>
+          <p:nvPr/>
+        </p:nvSpPr>
+        <p:spPr>
+          <a:xfrm>
+            <a:off x="8265402" y="4310353"/>
+            <a:ext cx="3926598" cy="1246495"/>
+          </a:xfrm>
+          <a:prstGeom prst="rect">
+            <a:avLst/>
+          </a:prstGeom>
+          <a:noFill/>
+        </p:spPr>
+        <p:txBody>
+          <a:bodyPr wrap="square" rtlCol="0">
+            <a:spAutoFit/>
+          </a:bodyPr>
+          <a:lstStyle/>
+          <a:p>
+            <a:pPr marL="342900" indent="-342900">
+              <a:lnSpc>
+                <a:spcPct val="200000"/>
+              </a:lnSpc>
+              <a:buFont typeface="Arial" panose="020B0604020202020204" pitchFamily="34" charset="0"/>
+              <a:buChar char="•"/>
+            </a:pPr>
+            <a:r>
+              <a:rPr lang="en-US" altLang="zh-CN" sz="2000" dirty="0" smtClean="0">
+                <a:latin typeface="Meiryo" panose="020B0604030504040204" pitchFamily="34" charset="-128"/>
+                <a:ea typeface="Meiryo" panose="020B0604030504040204" pitchFamily="34" charset="-128"/>
+                <a:cs typeface="Meiryo" panose="020B0604030504040204" pitchFamily="34" charset="-128"/>
+              </a:rPr>
+              <a:t>Storage and retrieval of memory</a:t>
+            </a:r>
+            <a:endParaRPr lang="en-US" altLang="zh-CN" sz="2000" dirty="0">
+              <a:latin typeface="Meiryo" panose="020B0604030504040204" pitchFamily="34" charset="-128"/>
+              <a:ea typeface="Meiryo" panose="020B0604030504040204" pitchFamily="34" charset="-128"/>
+              <a:cs typeface="Meiryo" panose="020B0604030504040204" pitchFamily="34" charset="-128"/>
+            </a:endParaRPr>
+          </a:p>
+        </p:txBody>
+      </p:sp>
+    </p:spTree>
+    <p:extLst>
+      <p:ext uri="{BB962C8B-B14F-4D97-AF65-F5344CB8AC3E}">
+        <p14:creationId xmlns:p14="http://schemas.microsoft.com/office/powerpoint/2010/main" val="3671178789"/>
+      </p:ext>
+    </p:extLst>
+  </p:cSld>
+  <p:clrMapOvr>
+    <a:masterClrMapping/>
+  </p:clrMapOvr>
+  <p:timing>
+    <p:tnLst>
+      <p:par>
+        <p:cTn id="1" dur="indefinite" restart="never" nodeType="tmRoot"/>
+      </p:par>
+    </p:tnLst>
+  </p:timing>
+</p:sld>
+</file>
+
+<file path=ppt/slides/slide40.xml><?xml version="1.0" encoding="utf-8"?>
 <p:sld xmlns:a="http://schemas.openxmlformats.org/drawingml/2006/main" xmlns:r="http://schemas.openxmlformats.org/officeDocument/2006/relationships" xmlns:p="http://schemas.openxmlformats.org/presentationml/2006/main">
   <p:cSld>
     <p:spTree>
@@ -24262,7 +23839,7 @@
 </p:sld>
 </file>
 
-<file path=ppt/slides/slide42.xml><?xml version="1.0" encoding="utf-8"?>
+<file path=ppt/slides/slide41.xml><?xml version="1.0" encoding="utf-8"?>
 <p:sld xmlns:a="http://schemas.openxmlformats.org/drawingml/2006/main" xmlns:r="http://schemas.openxmlformats.org/officeDocument/2006/relationships" xmlns:p="http://schemas.openxmlformats.org/presentationml/2006/main">
   <p:cSld>
     <p:spTree>
@@ -24384,7 +23961,7 @@
 </p:sld>
 </file>
 
-<file path=ppt/slides/slide43.xml><?xml version="1.0" encoding="utf-8"?>
+<file path=ppt/slides/slide42.xml><?xml version="1.0" encoding="utf-8"?>
 <p:sld xmlns:a="http://schemas.openxmlformats.org/drawingml/2006/main" xmlns:r="http://schemas.openxmlformats.org/officeDocument/2006/relationships" xmlns:p="http://schemas.openxmlformats.org/presentationml/2006/main">
   <p:cSld>
     <p:spTree>
@@ -24562,7 +24139,7 @@
 </p:sld>
 </file>
 
-<file path=ppt/slides/slide44.xml><?xml version="1.0" encoding="utf-8"?>
+<file path=ppt/slides/slide43.xml><?xml version="1.0" encoding="utf-8"?>
 <p:sld xmlns:a="http://schemas.openxmlformats.org/drawingml/2006/main" xmlns:r="http://schemas.openxmlformats.org/officeDocument/2006/relationships" xmlns:p="http://schemas.openxmlformats.org/presentationml/2006/main">
   <p:cSld>
     <p:spTree>
@@ -24819,7 +24396,7 @@
 </p:sld>
 </file>
 
-<file path=ppt/slides/slide45.xml><?xml version="1.0" encoding="utf-8"?>
+<file path=ppt/slides/slide44.xml><?xml version="1.0" encoding="utf-8"?>
 <p:sld xmlns:a="http://schemas.openxmlformats.org/drawingml/2006/main" xmlns:r="http://schemas.openxmlformats.org/officeDocument/2006/relationships" xmlns:p="http://schemas.openxmlformats.org/presentationml/2006/main">
   <p:cSld>
     <p:spTree>
@@ -25004,7 +24581,7 @@
 </p:sld>
 </file>
 
-<file path=ppt/slides/slide46.xml><?xml version="1.0" encoding="utf-8"?>
+<file path=ppt/slides/slide45.xml><?xml version="1.0" encoding="utf-8"?>
 <p:sld xmlns:a="http://schemas.openxmlformats.org/drawingml/2006/main" xmlns:r="http://schemas.openxmlformats.org/officeDocument/2006/relationships" xmlns:p="http://schemas.openxmlformats.org/presentationml/2006/main">
   <p:cSld>
     <p:spTree>
@@ -25189,7 +24766,7 @@
 </p:sld>
 </file>
 
-<file path=ppt/slides/slide47.xml><?xml version="1.0" encoding="utf-8"?>
+<file path=ppt/slides/slide46.xml><?xml version="1.0" encoding="utf-8"?>
 <p:sld xmlns:a="http://schemas.openxmlformats.org/drawingml/2006/main" xmlns:r="http://schemas.openxmlformats.org/officeDocument/2006/relationships" xmlns:p="http://schemas.openxmlformats.org/presentationml/2006/main">
   <p:cSld>
     <p:spTree>
@@ -25311,7 +24888,7 @@
 </p:sld>
 </file>
 
-<file path=ppt/slides/slide48.xml><?xml version="1.0" encoding="utf-8"?>
+<file path=ppt/slides/slide47.xml><?xml version="1.0" encoding="utf-8"?>
 <p:sld xmlns:a="http://schemas.openxmlformats.org/drawingml/2006/main" xmlns:r="http://schemas.openxmlformats.org/officeDocument/2006/relationships" xmlns:p="http://schemas.openxmlformats.org/presentationml/2006/main">
   <p:cSld>
     <p:spTree>
@@ -25516,7 +25093,7 @@
 </p:sld>
 </file>
 
-<file path=ppt/slides/slide49.xml><?xml version="1.0" encoding="utf-8"?>
+<file path=ppt/slides/slide48.xml><?xml version="1.0" encoding="utf-8"?>
 <p:sld xmlns:a="http://schemas.openxmlformats.org/drawingml/2006/main" xmlns:r="http://schemas.openxmlformats.org/officeDocument/2006/relationships" xmlns:p="http://schemas.openxmlformats.org/presentationml/2006/main">
   <p:cSld>
     <p:spTree>
@@ -25638,301 +25215,7 @@
 </p:sld>
 </file>
 
-<file path=ppt/slides/slide5.xml><?xml version="1.0" encoding="utf-8"?>
-<p:sld xmlns:a="http://schemas.openxmlformats.org/drawingml/2006/main" xmlns:r="http://schemas.openxmlformats.org/officeDocument/2006/relationships" xmlns:p="http://schemas.openxmlformats.org/presentationml/2006/main">
-  <p:cSld>
-    <p:spTree>
-      <p:nvGrpSpPr>
-        <p:cNvPr id="1" name=""/>
-        <p:cNvGrpSpPr/>
-        <p:nvPr/>
-      </p:nvGrpSpPr>
-      <p:grpSpPr>
-        <a:xfrm>
-          <a:off x="0" y="0"/>
-          <a:ext cx="0" cy="0"/>
-          <a:chOff x="0" y="0"/>
-          <a:chExt cx="0" cy="0"/>
-        </a:xfrm>
-      </p:grpSpPr>
-      <p:sp>
-        <p:nvSpPr>
-          <p:cNvPr id="5" name="矩形 4"/>
-          <p:cNvSpPr/>
-          <p:nvPr/>
-        </p:nvSpPr>
-        <p:spPr>
-          <a:xfrm>
-            <a:off x="6005399" y="3447534"/>
-            <a:ext cx="6172200" cy="3410465"/>
-          </a:xfrm>
-          <a:prstGeom prst="rect">
-            <a:avLst/>
-          </a:prstGeom>
-          <a:solidFill>
-            <a:schemeClr val="bg1">
-              <a:lumMod val="95000"/>
-            </a:schemeClr>
-          </a:solidFill>
-          <a:ln>
-            <a:noFill/>
-          </a:ln>
-        </p:spPr>
-        <p:style>
-          <a:lnRef idx="2">
-            <a:schemeClr val="accent1">
-              <a:shade val="50000"/>
-            </a:schemeClr>
-          </a:lnRef>
-          <a:fillRef idx="1">
-            <a:schemeClr val="accent1"/>
-          </a:fillRef>
-          <a:effectRef idx="0">
-            <a:schemeClr val="accent1"/>
-          </a:effectRef>
-          <a:fontRef idx="minor">
-            <a:schemeClr val="lt1"/>
-          </a:fontRef>
-        </p:style>
-        <p:txBody>
-          <a:bodyPr rtlCol="0" anchor="ctr"/>
-          <a:lstStyle/>
-          <a:p>
-            <a:pPr algn="ctr"/>
-            <a:endParaRPr lang="zh-CN" altLang="en-US"/>
-          </a:p>
-        </p:txBody>
-      </p:sp>
-      <p:sp>
-        <p:nvSpPr>
-          <p:cNvPr id="29" name="矩形 28"/>
-          <p:cNvSpPr/>
-          <p:nvPr/>
-        </p:nvSpPr>
-        <p:spPr>
-          <a:xfrm>
-            <a:off x="12346" y="1"/>
-            <a:ext cx="6006821" cy="3447534"/>
-          </a:xfrm>
-          <a:prstGeom prst="rect">
-            <a:avLst/>
-          </a:prstGeom>
-          <a:solidFill>
-            <a:schemeClr val="bg1">
-              <a:lumMod val="95000"/>
-            </a:schemeClr>
-          </a:solidFill>
-          <a:ln>
-            <a:noFill/>
-          </a:ln>
-        </p:spPr>
-        <p:style>
-          <a:lnRef idx="2">
-            <a:schemeClr val="accent1">
-              <a:shade val="50000"/>
-            </a:schemeClr>
-          </a:lnRef>
-          <a:fillRef idx="1">
-            <a:schemeClr val="accent1"/>
-          </a:fillRef>
-          <a:effectRef idx="0">
-            <a:schemeClr val="accent1"/>
-          </a:effectRef>
-          <a:fontRef idx="minor">
-            <a:schemeClr val="lt1"/>
-          </a:fontRef>
-        </p:style>
-        <p:txBody>
-          <a:bodyPr rtlCol="0" anchor="ctr"/>
-          <a:lstStyle/>
-          <a:p>
-            <a:pPr algn="ctr"/>
-            <a:endParaRPr lang="zh-CN" altLang="en-US"/>
-          </a:p>
-        </p:txBody>
-      </p:sp>
-      <p:sp>
-        <p:nvSpPr>
-          <p:cNvPr id="30" name="文本框 29"/>
-          <p:cNvSpPr txBox="1"/>
-          <p:nvPr/>
-        </p:nvSpPr>
-        <p:spPr>
-          <a:xfrm>
-            <a:off x="662539" y="294935"/>
-            <a:ext cx="5947811" cy="769441"/>
-          </a:xfrm>
-          <a:prstGeom prst="rect">
-            <a:avLst/>
-          </a:prstGeom>
-          <a:noFill/>
-        </p:spPr>
-        <p:txBody>
-          <a:bodyPr wrap="square" rtlCol="0">
-            <a:spAutoFit/>
-          </a:bodyPr>
-          <a:lstStyle/>
-          <a:p>
-            <a:r>
-              <a:rPr lang="en-US" altLang="zh-CN" sz="4400" b="1" dirty="0" smtClean="0">
-                <a:solidFill>
-                  <a:srgbClr val="00ABB4"/>
-                </a:solidFill>
-                <a:latin typeface="微软雅黑" panose="020B0503020204020204" pitchFamily="34" charset="-122"/>
-                <a:ea typeface="微软雅黑" panose="020B0503020204020204" pitchFamily="34" charset="-122"/>
-              </a:rPr>
-              <a:t>Conclusions</a:t>
-            </a:r>
-            <a:endParaRPr lang="en-US" altLang="zh-CN" sz="4400" b="1" dirty="0">
-              <a:solidFill>
-                <a:srgbClr val="00ABB4"/>
-              </a:solidFill>
-              <a:latin typeface="微软雅黑" panose="020B0503020204020204" pitchFamily="34" charset="-122"/>
-              <a:ea typeface="微软雅黑" panose="020B0503020204020204" pitchFamily="34" charset="-122"/>
-            </a:endParaRPr>
-          </a:p>
-        </p:txBody>
-      </p:sp>
-      <p:sp>
-        <p:nvSpPr>
-          <p:cNvPr id="31" name="Rectangle 96"/>
-          <p:cNvSpPr/>
-          <p:nvPr/>
-        </p:nvSpPr>
-        <p:spPr>
-          <a:xfrm>
-            <a:off x="882750" y="1406718"/>
-            <a:ext cx="10245297" cy="3539430"/>
-          </a:xfrm>
-          <a:prstGeom prst="rect">
-            <a:avLst/>
-          </a:prstGeom>
-        </p:spPr>
-        <p:txBody>
-          <a:bodyPr wrap="square">
-            <a:spAutoFit/>
-          </a:bodyPr>
-          <a:lstStyle/>
-          <a:p>
-            <a:pPr marL="342900" indent="-342900">
-              <a:lnSpc>
-                <a:spcPct val="200000"/>
-              </a:lnSpc>
-              <a:buFont typeface="Arial" panose="020B0604020202020204" pitchFamily="34" charset="0"/>
-              <a:buChar char="•"/>
-            </a:pPr>
-            <a:r>
-              <a:rPr lang="en-US" altLang="zh-CN" sz="2800" b="1" dirty="0" smtClean="0">
-                <a:latin typeface="Meiryo" panose="020B0604030504040204" pitchFamily="34" charset="-128"/>
-                <a:ea typeface="Meiryo" panose="020B0604030504040204" pitchFamily="34" charset="-128"/>
-                <a:cs typeface="Meiryo" panose="020B0604030504040204" pitchFamily="34" charset="-128"/>
-              </a:rPr>
-              <a:t>Synaptic Physiology:</a:t>
-            </a:r>
-          </a:p>
-          <a:p>
-            <a:pPr marL="800100" lvl="1" indent="-342900">
-              <a:lnSpc>
-                <a:spcPct val="200000"/>
-              </a:lnSpc>
-              <a:buFont typeface="Arial" panose="020B0604020202020204" pitchFamily="34" charset="0"/>
-              <a:buChar char="•"/>
-            </a:pPr>
-            <a:r>
-              <a:rPr lang="en-US" altLang="zh-CN" sz="2800" b="1" dirty="0" smtClean="0">
-                <a:latin typeface="Meiryo" panose="020B0604030504040204" pitchFamily="34" charset="-128"/>
-                <a:ea typeface="Meiryo" panose="020B0604030504040204" pitchFamily="34" charset="-128"/>
-                <a:cs typeface="Meiryo" panose="020B0604030504040204" pitchFamily="34" charset="-128"/>
-              </a:rPr>
-              <a:t> </a:t>
-            </a:r>
-            <a:r>
-              <a:rPr lang="en-US" altLang="zh-CN" sz="2800" dirty="0">
-                <a:latin typeface="Meiryo" panose="020B0604030504040204" pitchFamily="34" charset="-128"/>
-                <a:ea typeface="Meiryo" panose="020B0604030504040204" pitchFamily="34" charset="-128"/>
-                <a:cs typeface="Meiryo" panose="020B0604030504040204" pitchFamily="34" charset="-128"/>
-              </a:rPr>
-              <a:t>left-dominance of NR2B </a:t>
-            </a:r>
-            <a:r>
-              <a:rPr lang="en-US" altLang="zh-CN" sz="2800" dirty="0" smtClean="0">
-                <a:latin typeface="Meiryo" panose="020B0604030504040204" pitchFamily="34" charset="-128"/>
-                <a:ea typeface="Meiryo" panose="020B0604030504040204" pitchFamily="34" charset="-128"/>
-                <a:cs typeface="Meiryo" panose="020B0604030504040204" pitchFamily="34" charset="-128"/>
-              </a:rPr>
-              <a:t>density</a:t>
-            </a:r>
-          </a:p>
-          <a:p>
-            <a:pPr marL="800100" lvl="1" indent="-342900">
-              <a:lnSpc>
-                <a:spcPct val="200000"/>
-              </a:lnSpc>
-              <a:buFont typeface="Arial" panose="020B0604020202020204" pitchFamily="34" charset="0"/>
-              <a:buChar char="•"/>
-            </a:pPr>
-            <a:r>
-              <a:rPr lang="en-US" altLang="zh-CN" sz="2800" dirty="0">
-                <a:latin typeface="Meiryo" panose="020B0604030504040204" pitchFamily="34" charset="-128"/>
-                <a:ea typeface="Meiryo" panose="020B0604030504040204" pitchFamily="34" charset="-128"/>
-                <a:cs typeface="Meiryo" panose="020B0604030504040204" pitchFamily="34" charset="-128"/>
-              </a:rPr>
-              <a:t>right-dominance of GluR1 density </a:t>
-            </a:r>
-          </a:p>
-          <a:p>
-            <a:pPr marL="800100" lvl="1" indent="-342900">
-              <a:lnSpc>
-                <a:spcPct val="200000"/>
-              </a:lnSpc>
-              <a:buFont typeface="Arial" panose="020B0604020202020204" pitchFamily="34" charset="0"/>
-              <a:buChar char="•"/>
-            </a:pPr>
-            <a:r>
-              <a:rPr lang="en-US" altLang="zh-CN" sz="2800" dirty="0">
-                <a:latin typeface="Meiryo" panose="020B0604030504040204" pitchFamily="34" charset="-128"/>
-                <a:ea typeface="Meiryo" panose="020B0604030504040204" pitchFamily="34" charset="-128"/>
-                <a:cs typeface="Meiryo" panose="020B0604030504040204" pitchFamily="34" charset="-128"/>
-              </a:rPr>
-              <a:t>left-dominance at Schaffer collateral </a:t>
-            </a:r>
-            <a:r>
-              <a:rPr lang="en-US" altLang="zh-CN" sz="2800" dirty="0" smtClean="0">
-                <a:latin typeface="Meiryo" panose="020B0604030504040204" pitchFamily="34" charset="-128"/>
-                <a:ea typeface="Meiryo" panose="020B0604030504040204" pitchFamily="34" charset="-128"/>
-                <a:cs typeface="Meiryo" panose="020B0604030504040204" pitchFamily="34" charset="-128"/>
-              </a:rPr>
-              <a:t>synapses</a:t>
-            </a:r>
-            <a:endParaRPr lang="en-US" altLang="zh-CN" sz="2800" dirty="0">
-              <a:latin typeface="Meiryo" panose="020B0604030504040204" pitchFamily="34" charset="-128"/>
-              <a:ea typeface="Meiryo" panose="020B0604030504040204" pitchFamily="34" charset="-128"/>
-              <a:cs typeface="Meiryo" panose="020B0604030504040204" pitchFamily="34" charset="-128"/>
-            </a:endParaRPr>
-          </a:p>
-        </p:txBody>
-      </p:sp>
-    </p:spTree>
-    <p:extLst>
-      <p:ext uri="{BB962C8B-B14F-4D97-AF65-F5344CB8AC3E}">
-        <p14:creationId xmlns:p14="http://schemas.microsoft.com/office/powerpoint/2010/main" val="1349955321"/>
-      </p:ext>
-    </p:extLst>
-  </p:cSld>
-  <p:clrMapOvr>
-    <a:masterClrMapping/>
-  </p:clrMapOvr>
-  <p:timing>
-    <p:tnLst>
-      <p:par>
-        <p:cTn id="1" dur="indefinite" restart="never" nodeType="tmRoot"/>
-      </p:par>
-    </p:tnLst>
-  </p:timing>
-</p:sld>
-</file>
-
-<file path=ppt/slides/slide50.xml><?xml version="1.0" encoding="utf-8"?>
+<file path=ppt/slides/slide49.xml><?xml version="1.0" encoding="utf-8"?>
 <p:sld xmlns:a="http://schemas.openxmlformats.org/drawingml/2006/main" xmlns:r="http://schemas.openxmlformats.org/officeDocument/2006/relationships" xmlns:p="http://schemas.openxmlformats.org/presentationml/2006/main">
   <p:cSld>
     <p:spTree>
@@ -26054,7 +25337,301 @@
 </p:sld>
 </file>
 
-<file path=ppt/slides/slide51.xml><?xml version="1.0" encoding="utf-8"?>
+<file path=ppt/slides/slide5.xml><?xml version="1.0" encoding="utf-8"?>
+<p:sld xmlns:a="http://schemas.openxmlformats.org/drawingml/2006/main" xmlns:r="http://schemas.openxmlformats.org/officeDocument/2006/relationships" xmlns:p="http://schemas.openxmlformats.org/presentationml/2006/main">
+  <p:cSld>
+    <p:spTree>
+      <p:nvGrpSpPr>
+        <p:cNvPr id="1" name=""/>
+        <p:cNvGrpSpPr/>
+        <p:nvPr/>
+      </p:nvGrpSpPr>
+      <p:grpSpPr>
+        <a:xfrm>
+          <a:off x="0" y="0"/>
+          <a:ext cx="0" cy="0"/>
+          <a:chOff x="0" y="0"/>
+          <a:chExt cx="0" cy="0"/>
+        </a:xfrm>
+      </p:grpSpPr>
+      <p:sp>
+        <p:nvSpPr>
+          <p:cNvPr id="5" name="矩形 4"/>
+          <p:cNvSpPr/>
+          <p:nvPr/>
+        </p:nvSpPr>
+        <p:spPr>
+          <a:xfrm>
+            <a:off x="6005399" y="3447534"/>
+            <a:ext cx="6172200" cy="3410465"/>
+          </a:xfrm>
+          <a:prstGeom prst="rect">
+            <a:avLst/>
+          </a:prstGeom>
+          <a:solidFill>
+            <a:schemeClr val="bg1">
+              <a:lumMod val="95000"/>
+            </a:schemeClr>
+          </a:solidFill>
+          <a:ln>
+            <a:noFill/>
+          </a:ln>
+        </p:spPr>
+        <p:style>
+          <a:lnRef idx="2">
+            <a:schemeClr val="accent1">
+              <a:shade val="50000"/>
+            </a:schemeClr>
+          </a:lnRef>
+          <a:fillRef idx="1">
+            <a:schemeClr val="accent1"/>
+          </a:fillRef>
+          <a:effectRef idx="0">
+            <a:schemeClr val="accent1"/>
+          </a:effectRef>
+          <a:fontRef idx="minor">
+            <a:schemeClr val="lt1"/>
+          </a:fontRef>
+        </p:style>
+        <p:txBody>
+          <a:bodyPr rtlCol="0" anchor="ctr"/>
+          <a:lstStyle/>
+          <a:p>
+            <a:pPr algn="ctr"/>
+            <a:endParaRPr lang="zh-CN" altLang="en-US"/>
+          </a:p>
+        </p:txBody>
+      </p:sp>
+      <p:sp>
+        <p:nvSpPr>
+          <p:cNvPr id="29" name="矩形 28"/>
+          <p:cNvSpPr/>
+          <p:nvPr/>
+        </p:nvSpPr>
+        <p:spPr>
+          <a:xfrm>
+            <a:off x="12346" y="1"/>
+            <a:ext cx="6006821" cy="3447534"/>
+          </a:xfrm>
+          <a:prstGeom prst="rect">
+            <a:avLst/>
+          </a:prstGeom>
+          <a:solidFill>
+            <a:schemeClr val="bg1">
+              <a:lumMod val="95000"/>
+            </a:schemeClr>
+          </a:solidFill>
+          <a:ln>
+            <a:noFill/>
+          </a:ln>
+        </p:spPr>
+        <p:style>
+          <a:lnRef idx="2">
+            <a:schemeClr val="accent1">
+              <a:shade val="50000"/>
+            </a:schemeClr>
+          </a:lnRef>
+          <a:fillRef idx="1">
+            <a:schemeClr val="accent1"/>
+          </a:fillRef>
+          <a:effectRef idx="0">
+            <a:schemeClr val="accent1"/>
+          </a:effectRef>
+          <a:fontRef idx="minor">
+            <a:schemeClr val="lt1"/>
+          </a:fontRef>
+        </p:style>
+        <p:txBody>
+          <a:bodyPr rtlCol="0" anchor="ctr"/>
+          <a:lstStyle/>
+          <a:p>
+            <a:pPr algn="ctr"/>
+            <a:endParaRPr lang="zh-CN" altLang="en-US"/>
+          </a:p>
+        </p:txBody>
+      </p:sp>
+      <p:sp>
+        <p:nvSpPr>
+          <p:cNvPr id="30" name="文本框 29"/>
+          <p:cNvSpPr txBox="1"/>
+          <p:nvPr/>
+        </p:nvSpPr>
+        <p:spPr>
+          <a:xfrm>
+            <a:off x="662539" y="294935"/>
+            <a:ext cx="5947811" cy="769441"/>
+          </a:xfrm>
+          <a:prstGeom prst="rect">
+            <a:avLst/>
+          </a:prstGeom>
+          <a:noFill/>
+        </p:spPr>
+        <p:txBody>
+          <a:bodyPr wrap="square" rtlCol="0">
+            <a:spAutoFit/>
+          </a:bodyPr>
+          <a:lstStyle/>
+          <a:p>
+            <a:r>
+              <a:rPr lang="en-US" altLang="zh-CN" sz="4400" b="1" dirty="0" smtClean="0">
+                <a:solidFill>
+                  <a:srgbClr val="00ABB4"/>
+                </a:solidFill>
+                <a:latin typeface="微软雅黑" panose="020B0503020204020204" pitchFamily="34" charset="-122"/>
+                <a:ea typeface="微软雅黑" panose="020B0503020204020204" pitchFamily="34" charset="-122"/>
+              </a:rPr>
+              <a:t>Conclusions</a:t>
+            </a:r>
+            <a:endParaRPr lang="en-US" altLang="zh-CN" sz="4400" b="1" dirty="0">
+              <a:solidFill>
+                <a:srgbClr val="00ABB4"/>
+              </a:solidFill>
+              <a:latin typeface="微软雅黑" panose="020B0503020204020204" pitchFamily="34" charset="-122"/>
+              <a:ea typeface="微软雅黑" panose="020B0503020204020204" pitchFamily="34" charset="-122"/>
+            </a:endParaRPr>
+          </a:p>
+        </p:txBody>
+      </p:sp>
+      <p:sp>
+        <p:nvSpPr>
+          <p:cNvPr id="31" name="Rectangle 96"/>
+          <p:cNvSpPr/>
+          <p:nvPr/>
+        </p:nvSpPr>
+        <p:spPr>
+          <a:xfrm>
+            <a:off x="882750" y="1406718"/>
+            <a:ext cx="10245297" cy="3539430"/>
+          </a:xfrm>
+          <a:prstGeom prst="rect">
+            <a:avLst/>
+          </a:prstGeom>
+        </p:spPr>
+        <p:txBody>
+          <a:bodyPr wrap="square">
+            <a:spAutoFit/>
+          </a:bodyPr>
+          <a:lstStyle/>
+          <a:p>
+            <a:pPr marL="342900" indent="-342900">
+              <a:lnSpc>
+                <a:spcPct val="200000"/>
+              </a:lnSpc>
+              <a:buFont typeface="Arial" panose="020B0604020202020204" pitchFamily="34" charset="0"/>
+              <a:buChar char="•"/>
+            </a:pPr>
+            <a:r>
+              <a:rPr lang="en-US" altLang="zh-CN" sz="2800" b="1" dirty="0" smtClean="0">
+                <a:latin typeface="Meiryo" panose="020B0604030504040204" pitchFamily="34" charset="-128"/>
+                <a:ea typeface="Meiryo" panose="020B0604030504040204" pitchFamily="34" charset="-128"/>
+                <a:cs typeface="Meiryo" panose="020B0604030504040204" pitchFamily="34" charset="-128"/>
+              </a:rPr>
+              <a:t>Synaptic Physiology:</a:t>
+            </a:r>
+          </a:p>
+          <a:p>
+            <a:pPr marL="800100" lvl="1" indent="-342900">
+              <a:lnSpc>
+                <a:spcPct val="200000"/>
+              </a:lnSpc>
+              <a:buFont typeface="Arial" panose="020B0604020202020204" pitchFamily="34" charset="0"/>
+              <a:buChar char="•"/>
+            </a:pPr>
+            <a:r>
+              <a:rPr lang="en-US" altLang="zh-CN" sz="2800" b="1" dirty="0" smtClean="0">
+                <a:latin typeface="Meiryo" panose="020B0604030504040204" pitchFamily="34" charset="-128"/>
+                <a:ea typeface="Meiryo" panose="020B0604030504040204" pitchFamily="34" charset="-128"/>
+                <a:cs typeface="Meiryo" panose="020B0604030504040204" pitchFamily="34" charset="-128"/>
+              </a:rPr>
+              <a:t> </a:t>
+            </a:r>
+            <a:r>
+              <a:rPr lang="en-US" altLang="zh-CN" sz="2800" dirty="0">
+                <a:latin typeface="Meiryo" panose="020B0604030504040204" pitchFamily="34" charset="-128"/>
+                <a:ea typeface="Meiryo" panose="020B0604030504040204" pitchFamily="34" charset="-128"/>
+                <a:cs typeface="Meiryo" panose="020B0604030504040204" pitchFamily="34" charset="-128"/>
+              </a:rPr>
+              <a:t>left-dominance of NR2B </a:t>
+            </a:r>
+            <a:r>
+              <a:rPr lang="en-US" altLang="zh-CN" sz="2800" dirty="0" smtClean="0">
+                <a:latin typeface="Meiryo" panose="020B0604030504040204" pitchFamily="34" charset="-128"/>
+                <a:ea typeface="Meiryo" panose="020B0604030504040204" pitchFamily="34" charset="-128"/>
+                <a:cs typeface="Meiryo" panose="020B0604030504040204" pitchFamily="34" charset="-128"/>
+              </a:rPr>
+              <a:t>density</a:t>
+            </a:r>
+          </a:p>
+          <a:p>
+            <a:pPr marL="800100" lvl="1" indent="-342900">
+              <a:lnSpc>
+                <a:spcPct val="200000"/>
+              </a:lnSpc>
+              <a:buFont typeface="Arial" panose="020B0604020202020204" pitchFamily="34" charset="0"/>
+              <a:buChar char="•"/>
+            </a:pPr>
+            <a:r>
+              <a:rPr lang="en-US" altLang="zh-CN" sz="2800" dirty="0">
+                <a:latin typeface="Meiryo" panose="020B0604030504040204" pitchFamily="34" charset="-128"/>
+                <a:ea typeface="Meiryo" panose="020B0604030504040204" pitchFamily="34" charset="-128"/>
+                <a:cs typeface="Meiryo" panose="020B0604030504040204" pitchFamily="34" charset="-128"/>
+              </a:rPr>
+              <a:t>right-dominance of GluR1 density </a:t>
+            </a:r>
+          </a:p>
+          <a:p>
+            <a:pPr marL="800100" lvl="1" indent="-342900">
+              <a:lnSpc>
+                <a:spcPct val="200000"/>
+              </a:lnSpc>
+              <a:buFont typeface="Arial" panose="020B0604020202020204" pitchFamily="34" charset="0"/>
+              <a:buChar char="•"/>
+            </a:pPr>
+            <a:r>
+              <a:rPr lang="en-US" altLang="zh-CN" sz="2800" dirty="0">
+                <a:latin typeface="Meiryo" panose="020B0604030504040204" pitchFamily="34" charset="-128"/>
+                <a:ea typeface="Meiryo" panose="020B0604030504040204" pitchFamily="34" charset="-128"/>
+                <a:cs typeface="Meiryo" panose="020B0604030504040204" pitchFamily="34" charset="-128"/>
+              </a:rPr>
+              <a:t>left-dominance at Schaffer collateral </a:t>
+            </a:r>
+            <a:r>
+              <a:rPr lang="en-US" altLang="zh-CN" sz="2800" dirty="0" smtClean="0">
+                <a:latin typeface="Meiryo" panose="020B0604030504040204" pitchFamily="34" charset="-128"/>
+                <a:ea typeface="Meiryo" panose="020B0604030504040204" pitchFamily="34" charset="-128"/>
+                <a:cs typeface="Meiryo" panose="020B0604030504040204" pitchFamily="34" charset="-128"/>
+              </a:rPr>
+              <a:t>synapses</a:t>
+            </a:r>
+            <a:endParaRPr lang="en-US" altLang="zh-CN" sz="2800" dirty="0">
+              <a:latin typeface="Meiryo" panose="020B0604030504040204" pitchFamily="34" charset="-128"/>
+              <a:ea typeface="Meiryo" panose="020B0604030504040204" pitchFamily="34" charset="-128"/>
+              <a:cs typeface="Meiryo" panose="020B0604030504040204" pitchFamily="34" charset="-128"/>
+            </a:endParaRPr>
+          </a:p>
+        </p:txBody>
+      </p:sp>
+    </p:spTree>
+    <p:extLst>
+      <p:ext uri="{BB962C8B-B14F-4D97-AF65-F5344CB8AC3E}">
+        <p14:creationId xmlns:p14="http://schemas.microsoft.com/office/powerpoint/2010/main" val="1349955321"/>
+      </p:ext>
+    </p:extLst>
+  </p:cSld>
+  <p:clrMapOvr>
+    <a:masterClrMapping/>
+  </p:clrMapOvr>
+  <p:timing>
+    <p:tnLst>
+      <p:par>
+        <p:cTn id="1" dur="indefinite" restart="never" nodeType="tmRoot"/>
+      </p:par>
+    </p:tnLst>
+  </p:timing>
+</p:sld>
+</file>
+
+<file path=ppt/slides/slide50.xml><?xml version="1.0" encoding="utf-8"?>
 <p:sld xmlns:a="http://schemas.openxmlformats.org/drawingml/2006/main" xmlns:r="http://schemas.openxmlformats.org/officeDocument/2006/relationships" xmlns:p="http://schemas.openxmlformats.org/presentationml/2006/main">
   <p:cSld>
     <p:spTree>
@@ -26253,7 +25830,7 @@
 </p:sld>
 </file>
 
-<file path=ppt/slides/slide52.xml><?xml version="1.0" encoding="utf-8"?>
+<file path=ppt/slides/slide51.xml><?xml version="1.0" encoding="utf-8"?>
 <p:sld xmlns:a="http://schemas.openxmlformats.org/drawingml/2006/main" xmlns:r="http://schemas.openxmlformats.org/officeDocument/2006/relationships" xmlns:p="http://schemas.openxmlformats.org/presentationml/2006/main">
   <p:cSld>
     <p:spTree>
@@ -26375,7 +25952,7 @@
 </p:sld>
 </file>
 
-<file path=ppt/slides/slide53.xml><?xml version="1.0" encoding="utf-8"?>
+<file path=ppt/slides/slide52.xml><?xml version="1.0" encoding="utf-8"?>
 <p:sld xmlns:a="http://schemas.openxmlformats.org/drawingml/2006/main" xmlns:r="http://schemas.openxmlformats.org/officeDocument/2006/relationships" xmlns:p="http://schemas.openxmlformats.org/presentationml/2006/main">
   <p:cSld>
     <p:spTree>
@@ -26524,7 +26101,7 @@
 </p:sld>
 </file>
 
-<file path=ppt/slides/slide54.xml><?xml version="1.0" encoding="utf-8"?>
+<file path=ppt/slides/slide53.xml><?xml version="1.0" encoding="utf-8"?>
 <p:sld xmlns:a="http://schemas.openxmlformats.org/drawingml/2006/main" xmlns:r="http://schemas.openxmlformats.org/officeDocument/2006/relationships" xmlns:p="http://schemas.openxmlformats.org/presentationml/2006/main">
   <p:cSld>
     <p:spTree>
@@ -26646,246 +26223,7 @@
 </p:sld>
 </file>
 
-<file path=ppt/slides/slide55.xml><?xml version="1.0" encoding="utf-8"?>
-<p:sld xmlns:a="http://schemas.openxmlformats.org/drawingml/2006/main" xmlns:r="http://schemas.openxmlformats.org/officeDocument/2006/relationships" xmlns:p="http://schemas.openxmlformats.org/presentationml/2006/main">
-  <p:cSld>
-    <p:spTree>
-      <p:nvGrpSpPr>
-        <p:cNvPr id="1" name=""/>
-        <p:cNvGrpSpPr/>
-        <p:nvPr/>
-      </p:nvGrpSpPr>
-      <p:grpSpPr>
-        <a:xfrm>
-          <a:off x="0" y="0"/>
-          <a:ext cx="0" cy="0"/>
-          <a:chOff x="0" y="0"/>
-          <a:chExt cx="0" cy="0"/>
-        </a:xfrm>
-      </p:grpSpPr>
-      <p:sp>
-        <p:nvSpPr>
-          <p:cNvPr id="29" name="矩形 28"/>
-          <p:cNvSpPr/>
-          <p:nvPr/>
-        </p:nvSpPr>
-        <p:spPr>
-          <a:xfrm>
-            <a:off x="5918899" y="0"/>
-            <a:ext cx="6260123" cy="6858000"/>
-          </a:xfrm>
-          <a:prstGeom prst="rect">
-            <a:avLst/>
-          </a:prstGeom>
-          <a:solidFill>
-            <a:schemeClr val="bg1">
-              <a:lumMod val="95000"/>
-            </a:schemeClr>
-          </a:solidFill>
-          <a:ln>
-            <a:noFill/>
-          </a:ln>
-        </p:spPr>
-        <p:style>
-          <a:lnRef idx="2">
-            <a:schemeClr val="accent1">
-              <a:shade val="50000"/>
-            </a:schemeClr>
-          </a:lnRef>
-          <a:fillRef idx="1">
-            <a:schemeClr val="accent1"/>
-          </a:fillRef>
-          <a:effectRef idx="0">
-            <a:schemeClr val="accent1"/>
-          </a:effectRef>
-          <a:fontRef idx="minor">
-            <a:schemeClr val="lt1"/>
-          </a:fontRef>
-        </p:style>
-        <p:txBody>
-          <a:bodyPr rtlCol="0" anchor="ctr"/>
-          <a:lstStyle/>
-          <a:p>
-            <a:pPr algn="ctr"/>
-            <a:endParaRPr lang="zh-CN" altLang="en-US" dirty="0"/>
-          </a:p>
-        </p:txBody>
-      </p:sp>
-      <p:sp>
-        <p:nvSpPr>
-          <p:cNvPr id="31" name="Rectangle 96"/>
-          <p:cNvSpPr/>
-          <p:nvPr/>
-        </p:nvSpPr>
-        <p:spPr>
-          <a:xfrm>
-            <a:off x="209551" y="396776"/>
-            <a:ext cx="5709348" cy="2677656"/>
-          </a:xfrm>
-          <a:prstGeom prst="rect">
-            <a:avLst/>
-          </a:prstGeom>
-        </p:spPr>
-        <p:txBody>
-          <a:bodyPr wrap="square">
-            <a:spAutoFit/>
-          </a:bodyPr>
-          <a:lstStyle/>
-          <a:p>
-            <a:pPr>
-              <a:lnSpc>
-                <a:spcPct val="150000"/>
-              </a:lnSpc>
-            </a:pPr>
-            <a:endParaRPr lang="en-US" altLang="zh-CN" sz="2800" b="1" dirty="0" smtClean="0">
-              <a:ea typeface="Roboto Cn" pitchFamily="2" charset="0"/>
-              <a:cs typeface="Arial" panose="020B0604020202020204" pitchFamily="34" charset="0"/>
-            </a:endParaRPr>
-          </a:p>
-          <a:p>
-            <a:pPr marL="742950" lvl="1" indent="-285750">
-              <a:lnSpc>
-                <a:spcPct val="150000"/>
-              </a:lnSpc>
-              <a:buFont typeface="Arial" panose="020B0604020202020204" pitchFamily="34" charset="0"/>
-              <a:buChar char="•"/>
-            </a:pPr>
-            <a:endParaRPr lang="en-US" altLang="zh-CN" sz="2800" dirty="0" smtClean="0"/>
-          </a:p>
-          <a:p>
-            <a:pPr marL="742950" lvl="1" indent="-285750">
-              <a:lnSpc>
-                <a:spcPct val="150000"/>
-              </a:lnSpc>
-              <a:buFont typeface="Arial" panose="020B0604020202020204" pitchFamily="34" charset="0"/>
-              <a:buChar char="•"/>
-            </a:pPr>
-            <a:r>
-              <a:rPr lang="en-US" altLang="zh-CN" sz="2800" b="1" dirty="0" smtClean="0"/>
-              <a:t>Silencing</a:t>
-            </a:r>
-            <a:r>
-              <a:rPr lang="en-US" altLang="zh-CN" sz="2800" dirty="0"/>
-              <a:t/>
-            </a:r>
-            <a:br>
-              <a:rPr lang="en-US" altLang="zh-CN" sz="2800" dirty="0"/>
-            </a:br>
-            <a:endParaRPr lang="en-US" altLang="zh-CN" sz="2800" dirty="0"/>
-          </a:p>
-        </p:txBody>
-      </p:sp>
-      <p:sp>
-        <p:nvSpPr>
-          <p:cNvPr id="5" name="Rectangle 96"/>
-          <p:cNvSpPr/>
-          <p:nvPr/>
-        </p:nvSpPr>
-        <p:spPr>
-          <a:xfrm>
-            <a:off x="6194286" y="396776"/>
-            <a:ext cx="5709348" cy="2031325"/>
-          </a:xfrm>
-          <a:prstGeom prst="rect">
-            <a:avLst/>
-          </a:prstGeom>
-        </p:spPr>
-        <p:txBody>
-          <a:bodyPr wrap="square">
-            <a:spAutoFit/>
-          </a:bodyPr>
-          <a:lstStyle/>
-          <a:p>
-            <a:pPr marL="742950" lvl="1" indent="-285750">
-              <a:lnSpc>
-                <a:spcPct val="150000"/>
-              </a:lnSpc>
-              <a:buFont typeface="Arial" panose="020B0604020202020204" pitchFamily="34" charset="0"/>
-              <a:buChar char="•"/>
-            </a:pPr>
-            <a:endParaRPr lang="en-US" altLang="zh-CN" sz="2800" dirty="0" smtClean="0"/>
-          </a:p>
-          <a:p>
-            <a:pPr marL="285750" indent="-285750">
-              <a:lnSpc>
-                <a:spcPct val="150000"/>
-              </a:lnSpc>
-              <a:buFont typeface="Arial" panose="020B0604020202020204" pitchFamily="34" charset="0"/>
-              <a:buChar char="•"/>
-            </a:pPr>
-            <a:endParaRPr lang="en-US" altLang="zh-CN" sz="2800" b="1" dirty="0" smtClean="0"/>
-          </a:p>
-          <a:p>
-            <a:pPr marL="285750" indent="-285750">
-              <a:lnSpc>
-                <a:spcPct val="150000"/>
-              </a:lnSpc>
-              <a:buFont typeface="Arial" panose="020B0604020202020204" pitchFamily="34" charset="0"/>
-              <a:buChar char="•"/>
-            </a:pPr>
-            <a:r>
-              <a:rPr lang="en-US" altLang="zh-CN" sz="2800" b="1" dirty="0" smtClean="0"/>
-              <a:t>A</a:t>
-            </a:r>
-          </a:p>
-        </p:txBody>
-      </p:sp>
-      <p:sp>
-        <p:nvSpPr>
-          <p:cNvPr id="6" name="文本框 29"/>
-          <p:cNvSpPr txBox="1"/>
-          <p:nvPr/>
-        </p:nvSpPr>
-        <p:spPr>
-          <a:xfrm>
-            <a:off x="662539" y="294935"/>
-            <a:ext cx="5947811" cy="769441"/>
-          </a:xfrm>
-          <a:prstGeom prst="rect">
-            <a:avLst/>
-          </a:prstGeom>
-          <a:noFill/>
-        </p:spPr>
-        <p:txBody>
-          <a:bodyPr wrap="square" rtlCol="0">
-            <a:spAutoFit/>
-          </a:bodyPr>
-          <a:lstStyle/>
-          <a:p>
-            <a:r>
-              <a:rPr lang="en-US" altLang="zh-CN" sz="4400" b="1" dirty="0" smtClean="0">
-                <a:solidFill>
-                  <a:srgbClr val="00ABB4"/>
-                </a:solidFill>
-                <a:latin typeface="微软雅黑" panose="020B0503020204020204" pitchFamily="34" charset="-122"/>
-                <a:ea typeface="微软雅黑" panose="020B0503020204020204" pitchFamily="34" charset="-122"/>
-              </a:rPr>
-              <a:t>Discussion</a:t>
-            </a:r>
-          </a:p>
-        </p:txBody>
-      </p:sp>
-    </p:spTree>
-    <p:extLst>
-      <p:ext uri="{BB962C8B-B14F-4D97-AF65-F5344CB8AC3E}">
-        <p14:creationId xmlns:p14="http://schemas.microsoft.com/office/powerpoint/2010/main" val="918853251"/>
-      </p:ext>
-    </p:extLst>
-  </p:cSld>
-  <p:clrMapOvr>
-    <a:masterClrMapping/>
-  </p:clrMapOvr>
-  <p:timing>
-    <p:tnLst>
-      <p:par>
-        <p:cTn id="1" dur="indefinite" restart="never" nodeType="tmRoot"/>
-      </p:par>
-    </p:tnLst>
-  </p:timing>
-</p:sld>
-</file>
-
-<file path=ppt/slides/slide56.xml><?xml version="1.0" encoding="utf-8"?>
+<file path=ppt/slides/slide54.xml><?xml version="1.0" encoding="utf-8"?>
 <p:sld xmlns:a="http://schemas.openxmlformats.org/drawingml/2006/main" xmlns:r="http://schemas.openxmlformats.org/officeDocument/2006/relationships" xmlns:p="http://schemas.openxmlformats.org/presentationml/2006/main">
   <p:cSld>
     <p:spTree>
@@ -28612,7 +27950,7 @@
   <a:extraClrSchemeLst/>
   <a:extLst>
     <a:ext uri="{05A4C25C-085E-4340-85A3-A5531E510DB2}">
-      <thm15:themeFamily xmlns="" xmlns:thm15="http://schemas.microsoft.com/office/thememl/2012/main" name="Office Theme" id="{62F939B6-93AF-4DB8-9C6B-D6C7DFDC589F}" vid="{4A3C46E8-61CC-4603-A589-7422A47A8E4A}"/>
+      <thm15:themeFamily xmlns:thm15="http://schemas.microsoft.com/office/thememl/2012/main" xmlns="" name="Office Theme" id="{62F939B6-93AF-4DB8-9C6B-D6C7DFDC589F}" vid="{4A3C46E8-61CC-4603-A589-7422A47A8E4A}"/>
     </a:ext>
   </a:extLst>
 </a:theme>
@@ -28873,7 +28211,7 @@
   <a:extraClrSchemeLst/>
   <a:extLst>
     <a:ext uri="{05A4C25C-085E-4340-85A3-A5531E510DB2}">
-      <thm15:themeFamily xmlns="" xmlns:thm15="http://schemas.microsoft.com/office/thememl/2012/main" name="Office Theme" id="{62F939B6-93AF-4DB8-9C6B-D6C7DFDC589F}" vid="{4A3C46E8-61CC-4603-A589-7422A47A8E4A}"/>
+      <thm15:themeFamily xmlns:thm15="http://schemas.microsoft.com/office/thememl/2012/main" xmlns="" name="Office Theme" id="{62F939B6-93AF-4DB8-9C6B-D6C7DFDC589F}" vid="{4A3C46E8-61CC-4603-A589-7422A47A8E4A}"/>
     </a:ext>
   </a:extLst>
 </a:theme>
